--- a/Api/Templates/Awards Ceremony - Full.pptx
+++ b/Api/Templates/Awards Ceremony - Full.pptx
@@ -10,16 +10,16 @@
   <p:sldIdLst>
     <p:sldId id="256" r:id="rId2"/>
     <p:sldId id="257" r:id="rId3"/>
-    <p:sldId id="258" r:id="rId4"/>
-    <p:sldId id="259" r:id="rId5"/>
-    <p:sldId id="260" r:id="rId6"/>
-    <p:sldId id="261" r:id="rId7"/>
-    <p:sldId id="262" r:id="rId8"/>
-    <p:sldId id="263" r:id="rId9"/>
-    <p:sldId id="264" r:id="rId10"/>
-    <p:sldId id="265" r:id="rId11"/>
-    <p:sldId id="266" r:id="rId12"/>
-    <p:sldId id="267" r:id="rId13"/>
+    <p:sldId id="259" r:id="rId4"/>
+    <p:sldId id="260" r:id="rId5"/>
+    <p:sldId id="298" r:id="rId6"/>
+    <p:sldId id="262" r:id="rId7"/>
+    <p:sldId id="263" r:id="rId8"/>
+    <p:sldId id="264" r:id="rId9"/>
+    <p:sldId id="265" r:id="rId10"/>
+    <p:sldId id="266" r:id="rId11"/>
+    <p:sldId id="267" r:id="rId12"/>
+    <p:sldId id="299" r:id="rId13"/>
     <p:sldId id="268" r:id="rId14"/>
     <p:sldId id="269" r:id="rId15"/>
     <p:sldId id="270" r:id="rId16"/>
@@ -999,7 +999,7 @@
   <p:cSld>
     <p:spTree>
       <p:nvGrpSpPr>
-        <p:cNvPr id="1" name="Shape 118"/>
+        <p:cNvPr id="1" name="Shape 123"/>
         <p:cNvGrpSpPr/>
         <p:nvPr/>
       </p:nvGrpSpPr>
@@ -1013,7 +1013,7 @@
       </p:grpSpPr>
       <p:sp>
         <p:nvSpPr>
-          <p:cNvPr id="119" name="Google Shape;119;g2d56fc09ca8_2_60:notes"/>
+          <p:cNvPr id="124" name="Google Shape;124;g2d56fc09ca8_2_64:notes"/>
           <p:cNvSpPr txBox="1">
             <a:spLocks noGrp="1"/>
           </p:cNvSpPr>
@@ -1051,7 +1051,7 @@
       </p:sp>
       <p:sp>
         <p:nvSpPr>
-          <p:cNvPr id="120" name="Google Shape;120;g2d56fc09ca8_2_60:notes"/>
+          <p:cNvPr id="125" name="Google Shape;125;g2d56fc09ca8_2_64:notes"/>
           <p:cNvSpPr>
             <a:spLocks noGrp="1" noRot="1" noChangeAspect="1"/>
           </p:cNvSpPr>
@@ -1103,7 +1103,7 @@
   <p:cSld>
     <p:spTree>
       <p:nvGrpSpPr>
-        <p:cNvPr id="1" name="Shape 123"/>
+        <p:cNvPr id="1" name="Shape 129"/>
         <p:cNvGrpSpPr/>
         <p:nvPr/>
       </p:nvGrpSpPr>
@@ -1117,7 +1117,7 @@
       </p:grpSpPr>
       <p:sp>
         <p:nvSpPr>
-          <p:cNvPr id="124" name="Google Shape;124;g2d56fc09ca8_2_64:notes"/>
+          <p:cNvPr id="130" name="Google Shape;130;g2d56fc09ca8_2_69:notes"/>
           <p:cNvSpPr txBox="1">
             <a:spLocks noGrp="1"/>
           </p:cNvSpPr>
@@ -1155,7 +1155,7 @@
       </p:sp>
       <p:sp>
         <p:nvSpPr>
-          <p:cNvPr id="125" name="Google Shape;125;g2d56fc09ca8_2_64:notes"/>
+          <p:cNvPr id="131" name="Google Shape;131;g2d56fc09ca8_2_69:notes"/>
           <p:cNvSpPr>
             <a:spLocks noGrp="1" noRot="1" noChangeAspect="1"/>
           </p:cNvSpPr>
@@ -1165,8 +1165,8 @@
         </p:nvSpPr>
         <p:spPr>
           <a:xfrm>
-            <a:off x="1143000" y="685800"/>
-            <a:ext cx="4572000" cy="3429000"/>
+            <a:off x="381000" y="685800"/>
+            <a:ext cx="6096000" cy="3429000"/>
           </a:xfrm>
           <a:custGeom>
             <a:avLst/>
@@ -1207,7 +1207,7 @@
   <p:cSld>
     <p:spTree>
       <p:nvGrpSpPr>
-        <p:cNvPr id="1" name="Shape 129"/>
+        <p:cNvPr id="1" name="Shape 135"/>
         <p:cNvGrpSpPr/>
         <p:nvPr/>
       </p:nvGrpSpPr>
@@ -1221,7 +1221,7 @@
       </p:grpSpPr>
       <p:sp>
         <p:nvSpPr>
-          <p:cNvPr id="130" name="Google Shape;130;g2d56fc09ca8_2_69:notes"/>
+          <p:cNvPr id="136" name="Google Shape;136;g2d56fc09ca8_2_74:notes"/>
           <p:cNvSpPr txBox="1">
             <a:spLocks noGrp="1"/>
           </p:cNvSpPr>
@@ -1259,7 +1259,7 @@
       </p:sp>
       <p:sp>
         <p:nvSpPr>
-          <p:cNvPr id="131" name="Google Shape;131;g2d56fc09ca8_2_69:notes"/>
+          <p:cNvPr id="137" name="Google Shape;137;g2d56fc09ca8_2_74:notes"/>
           <p:cNvSpPr>
             <a:spLocks noGrp="1" noRot="1" noChangeAspect="1"/>
           </p:cNvSpPr>
@@ -1269,8 +1269,8 @@
         </p:nvSpPr>
         <p:spPr>
           <a:xfrm>
-            <a:off x="381000" y="685800"/>
-            <a:ext cx="6096000" cy="3429000"/>
+            <a:off x="1143000" y="685800"/>
+            <a:ext cx="4572000" cy="3429000"/>
           </a:xfrm>
           <a:custGeom>
             <a:avLst/>
@@ -1311,7 +1311,7 @@
   <p:cSld>
     <p:spTree>
       <p:nvGrpSpPr>
-        <p:cNvPr id="1" name="Shape 135"/>
+        <p:cNvPr id="1" name="Shape 140"/>
         <p:cNvGrpSpPr/>
         <p:nvPr/>
       </p:nvGrpSpPr>
@@ -1325,7 +1325,7 @@
       </p:grpSpPr>
       <p:sp>
         <p:nvSpPr>
-          <p:cNvPr id="136" name="Google Shape;136;g2d56fc09ca8_2_74:notes"/>
+          <p:cNvPr id="141" name="Google Shape;141;g2d56fc09ca8_2_78:notes"/>
           <p:cNvSpPr txBox="1">
             <a:spLocks noGrp="1"/>
           </p:cNvSpPr>
@@ -1363,7 +1363,7 @@
       </p:sp>
       <p:sp>
         <p:nvSpPr>
-          <p:cNvPr id="137" name="Google Shape;137;g2d56fc09ca8_2_74:notes"/>
+          <p:cNvPr id="142" name="Google Shape;142;g2d56fc09ca8_2_78:notes"/>
           <p:cNvSpPr>
             <a:spLocks noGrp="1" noRot="1" noChangeAspect="1"/>
           </p:cNvSpPr>
@@ -1415,7 +1415,7 @@
   <p:cSld>
     <p:spTree>
       <p:nvGrpSpPr>
-        <p:cNvPr id="1" name="Shape 140"/>
+        <p:cNvPr id="1" name="Shape 146"/>
         <p:cNvGrpSpPr/>
         <p:nvPr/>
       </p:nvGrpSpPr>
@@ -1429,7 +1429,7 @@
       </p:grpSpPr>
       <p:sp>
         <p:nvSpPr>
-          <p:cNvPr id="141" name="Google Shape;141;g2d56fc09ca8_2_78:notes"/>
+          <p:cNvPr id="147" name="Google Shape;147;g2d56fc09ca8_2_83:notes"/>
           <p:cNvSpPr txBox="1">
             <a:spLocks noGrp="1"/>
           </p:cNvSpPr>
@@ -1467,7 +1467,7 @@
       </p:sp>
       <p:sp>
         <p:nvSpPr>
-          <p:cNvPr id="142" name="Google Shape;142;g2d56fc09ca8_2_78:notes"/>
+          <p:cNvPr id="148" name="Google Shape;148;g2d56fc09ca8_2_83:notes"/>
           <p:cNvSpPr>
             <a:spLocks noGrp="1" noRot="1" noChangeAspect="1"/>
           </p:cNvSpPr>
@@ -1477,8 +1477,8 @@
         </p:nvSpPr>
         <p:spPr>
           <a:xfrm>
-            <a:off x="1143000" y="685800"/>
-            <a:ext cx="4572000" cy="3429000"/>
+            <a:off x="381000" y="685800"/>
+            <a:ext cx="6096000" cy="3429000"/>
           </a:xfrm>
           <a:custGeom>
             <a:avLst/>
@@ -1519,7 +1519,7 @@
   <p:cSld>
     <p:spTree>
       <p:nvGrpSpPr>
-        <p:cNvPr id="1" name="Shape 146"/>
+        <p:cNvPr id="1" name="Shape 152"/>
         <p:cNvGrpSpPr/>
         <p:nvPr/>
       </p:nvGrpSpPr>
@@ -1533,7 +1533,7 @@
       </p:grpSpPr>
       <p:sp>
         <p:nvSpPr>
-          <p:cNvPr id="147" name="Google Shape;147;g2d56fc09ca8_2_83:notes"/>
+          <p:cNvPr id="153" name="Google Shape;153;g2d56fc09ca8_2_88:notes"/>
           <p:cNvSpPr txBox="1">
             <a:spLocks noGrp="1"/>
           </p:cNvSpPr>
@@ -1571,7 +1571,7 @@
       </p:sp>
       <p:sp>
         <p:nvSpPr>
-          <p:cNvPr id="148" name="Google Shape;148;g2d56fc09ca8_2_83:notes"/>
+          <p:cNvPr id="154" name="Google Shape;154;g2d56fc09ca8_2_88:notes"/>
           <p:cNvSpPr>
             <a:spLocks noGrp="1" noRot="1" noChangeAspect="1"/>
           </p:cNvSpPr>
@@ -1581,8 +1581,8 @@
         </p:nvSpPr>
         <p:spPr>
           <a:xfrm>
-            <a:off x="381000" y="685800"/>
-            <a:ext cx="6096000" cy="3429000"/>
+            <a:off x="1143000" y="685800"/>
+            <a:ext cx="4572000" cy="3429000"/>
           </a:xfrm>
           <a:custGeom>
             <a:avLst/>
@@ -1623,7 +1623,7 @@
   <p:cSld>
     <p:spTree>
       <p:nvGrpSpPr>
-        <p:cNvPr id="1" name="Shape 152"/>
+        <p:cNvPr id="1" name="Shape 157"/>
         <p:cNvGrpSpPr/>
         <p:nvPr/>
       </p:nvGrpSpPr>
@@ -1637,7 +1637,7 @@
       </p:grpSpPr>
       <p:sp>
         <p:nvSpPr>
-          <p:cNvPr id="153" name="Google Shape;153;g2d56fc09ca8_2_88:notes"/>
+          <p:cNvPr id="158" name="Google Shape;158;g2d56fc09ca8_2_92:notes"/>
           <p:cNvSpPr txBox="1">
             <a:spLocks noGrp="1"/>
           </p:cNvSpPr>
@@ -1675,7 +1675,7 @@
       </p:sp>
       <p:sp>
         <p:nvSpPr>
-          <p:cNvPr id="154" name="Google Shape;154;g2d56fc09ca8_2_88:notes"/>
+          <p:cNvPr id="159" name="Google Shape;159;g2d56fc09ca8_2_92:notes"/>
           <p:cNvSpPr>
             <a:spLocks noGrp="1" noRot="1" noChangeAspect="1"/>
           </p:cNvSpPr>
@@ -1727,7 +1727,7 @@
   <p:cSld>
     <p:spTree>
       <p:nvGrpSpPr>
-        <p:cNvPr id="1" name="Shape 157"/>
+        <p:cNvPr id="1" name="Shape 163"/>
         <p:cNvGrpSpPr/>
         <p:nvPr/>
       </p:nvGrpSpPr>
@@ -1741,7 +1741,7 @@
       </p:grpSpPr>
       <p:sp>
         <p:nvSpPr>
-          <p:cNvPr id="158" name="Google Shape;158;g2d56fc09ca8_2_92:notes"/>
+          <p:cNvPr id="164" name="Google Shape;164;g2d56fc09ca8_2_97:notes"/>
           <p:cNvSpPr txBox="1">
             <a:spLocks noGrp="1"/>
           </p:cNvSpPr>
@@ -1779,7 +1779,7 @@
       </p:sp>
       <p:sp>
         <p:nvSpPr>
-          <p:cNvPr id="159" name="Google Shape;159;g2d56fc09ca8_2_92:notes"/>
+          <p:cNvPr id="165" name="Google Shape;165;g2d56fc09ca8_2_97:notes"/>
           <p:cNvSpPr>
             <a:spLocks noGrp="1" noRot="1" noChangeAspect="1"/>
           </p:cNvSpPr>
@@ -1789,8 +1789,8 @@
         </p:nvSpPr>
         <p:spPr>
           <a:xfrm>
-            <a:off x="1143000" y="685800"/>
-            <a:ext cx="4572000" cy="3429000"/>
+            <a:off x="381000" y="685800"/>
+            <a:ext cx="6096000" cy="3429000"/>
           </a:xfrm>
           <a:custGeom>
             <a:avLst/>
@@ -1831,7 +1831,7 @@
   <p:cSld>
     <p:spTree>
       <p:nvGrpSpPr>
-        <p:cNvPr id="1" name="Shape 163"/>
+        <p:cNvPr id="1" name="Shape 169"/>
         <p:cNvGrpSpPr/>
         <p:nvPr/>
       </p:nvGrpSpPr>
@@ -1845,7 +1845,7 @@
       </p:grpSpPr>
       <p:sp>
         <p:nvSpPr>
-          <p:cNvPr id="164" name="Google Shape;164;g2d56fc09ca8_2_97:notes"/>
+          <p:cNvPr id="170" name="Google Shape;170;g2d56fc09ca8_2_102:notes"/>
           <p:cNvSpPr txBox="1">
             <a:spLocks noGrp="1"/>
           </p:cNvSpPr>
@@ -1883,7 +1883,7 @@
       </p:sp>
       <p:sp>
         <p:nvSpPr>
-          <p:cNvPr id="165" name="Google Shape;165;g2d56fc09ca8_2_97:notes"/>
+          <p:cNvPr id="171" name="Google Shape;171;g2d56fc09ca8_2_102:notes"/>
           <p:cNvSpPr>
             <a:spLocks noGrp="1" noRot="1" noChangeAspect="1"/>
           </p:cNvSpPr>
@@ -1893,8 +1893,8 @@
         </p:nvSpPr>
         <p:spPr>
           <a:xfrm>
-            <a:off x="381000" y="685800"/>
-            <a:ext cx="6096000" cy="3429000"/>
+            <a:off x="1143000" y="685800"/>
+            <a:ext cx="4572000" cy="3429000"/>
           </a:xfrm>
           <a:custGeom>
             <a:avLst/>
@@ -1935,7 +1935,7 @@
   <p:cSld>
     <p:spTree>
       <p:nvGrpSpPr>
-        <p:cNvPr id="1" name="Shape 169"/>
+        <p:cNvPr id="1" name="Shape 174"/>
         <p:cNvGrpSpPr/>
         <p:nvPr/>
       </p:nvGrpSpPr>
@@ -1949,7 +1949,7 @@
       </p:grpSpPr>
       <p:sp>
         <p:nvSpPr>
-          <p:cNvPr id="170" name="Google Shape;170;g2d56fc09ca8_2_102:notes"/>
+          <p:cNvPr id="175" name="Google Shape;175;g2d56fc09ca8_2_106:notes"/>
           <p:cNvSpPr txBox="1">
             <a:spLocks noGrp="1"/>
           </p:cNvSpPr>
@@ -1987,7 +1987,7 @@
       </p:sp>
       <p:sp>
         <p:nvSpPr>
-          <p:cNvPr id="171" name="Google Shape;171;g2d56fc09ca8_2_102:notes"/>
+          <p:cNvPr id="176" name="Google Shape;176;g2d56fc09ca8_2_106:notes"/>
           <p:cNvSpPr>
             <a:spLocks noGrp="1" noRot="1" noChangeAspect="1"/>
           </p:cNvSpPr>
@@ -2143,7 +2143,7 @@
   <p:cSld>
     <p:spTree>
       <p:nvGrpSpPr>
-        <p:cNvPr id="1" name="Shape 174"/>
+        <p:cNvPr id="1" name="Shape 180"/>
         <p:cNvGrpSpPr/>
         <p:nvPr/>
       </p:nvGrpSpPr>
@@ -2157,7 +2157,7 @@
       </p:grpSpPr>
       <p:sp>
         <p:nvSpPr>
-          <p:cNvPr id="175" name="Google Shape;175;g2d56fc09ca8_2_106:notes"/>
+          <p:cNvPr id="181" name="Google Shape;181;g2d56fc09ca8_2_111:notes"/>
           <p:cNvSpPr txBox="1">
             <a:spLocks noGrp="1"/>
           </p:cNvSpPr>
@@ -2195,7 +2195,7 @@
       </p:sp>
       <p:sp>
         <p:nvSpPr>
-          <p:cNvPr id="176" name="Google Shape;176;g2d56fc09ca8_2_106:notes"/>
+          <p:cNvPr id="182" name="Google Shape;182;g2d56fc09ca8_2_111:notes"/>
           <p:cNvSpPr>
             <a:spLocks noGrp="1" noRot="1" noChangeAspect="1"/>
           </p:cNvSpPr>
@@ -2205,8 +2205,8 @@
         </p:nvSpPr>
         <p:spPr>
           <a:xfrm>
-            <a:off x="1143000" y="685800"/>
-            <a:ext cx="4572000" cy="3429000"/>
+            <a:off x="381000" y="685800"/>
+            <a:ext cx="6096000" cy="3429000"/>
           </a:xfrm>
           <a:custGeom>
             <a:avLst/>
@@ -2247,7 +2247,7 @@
   <p:cSld>
     <p:spTree>
       <p:nvGrpSpPr>
-        <p:cNvPr id="1" name="Shape 180"/>
+        <p:cNvPr id="1" name="Shape 186"/>
         <p:cNvGrpSpPr/>
         <p:nvPr/>
       </p:nvGrpSpPr>
@@ -2261,7 +2261,7 @@
       </p:grpSpPr>
       <p:sp>
         <p:nvSpPr>
-          <p:cNvPr id="181" name="Google Shape;181;g2d56fc09ca8_2_111:notes"/>
+          <p:cNvPr id="187" name="Google Shape;187;g2d56fc09ca8_2_116:notes"/>
           <p:cNvSpPr txBox="1">
             <a:spLocks noGrp="1"/>
           </p:cNvSpPr>
@@ -2299,7 +2299,7 @@
       </p:sp>
       <p:sp>
         <p:nvSpPr>
-          <p:cNvPr id="182" name="Google Shape;182;g2d56fc09ca8_2_111:notes"/>
+          <p:cNvPr id="188" name="Google Shape;188;g2d56fc09ca8_2_116:notes"/>
           <p:cNvSpPr>
             <a:spLocks noGrp="1" noRot="1" noChangeAspect="1"/>
           </p:cNvSpPr>
@@ -2309,8 +2309,8 @@
         </p:nvSpPr>
         <p:spPr>
           <a:xfrm>
-            <a:off x="381000" y="685800"/>
-            <a:ext cx="6096000" cy="3429000"/>
+            <a:off x="1143000" y="685800"/>
+            <a:ext cx="4572000" cy="3429000"/>
           </a:xfrm>
           <a:custGeom>
             <a:avLst/>
@@ -2351,7 +2351,7 @@
   <p:cSld>
     <p:spTree>
       <p:nvGrpSpPr>
-        <p:cNvPr id="1" name="Shape 186"/>
+        <p:cNvPr id="1" name="Shape 191"/>
         <p:cNvGrpSpPr/>
         <p:nvPr/>
       </p:nvGrpSpPr>
@@ -2365,7 +2365,7 @@
       </p:grpSpPr>
       <p:sp>
         <p:nvSpPr>
-          <p:cNvPr id="187" name="Google Shape;187;g2d56fc09ca8_2_116:notes"/>
+          <p:cNvPr id="192" name="Google Shape;192;g2d56fc09ca8_2_120:notes"/>
           <p:cNvSpPr txBox="1">
             <a:spLocks noGrp="1"/>
           </p:cNvSpPr>
@@ -2403,7 +2403,7 @@
       </p:sp>
       <p:sp>
         <p:nvSpPr>
-          <p:cNvPr id="188" name="Google Shape;188;g2d56fc09ca8_2_116:notes"/>
+          <p:cNvPr id="193" name="Google Shape;193;g2d56fc09ca8_2_120:notes"/>
           <p:cNvSpPr>
             <a:spLocks noGrp="1" noRot="1" noChangeAspect="1"/>
           </p:cNvSpPr>
@@ -2455,7 +2455,7 @@
   <p:cSld>
     <p:spTree>
       <p:nvGrpSpPr>
-        <p:cNvPr id="1" name="Shape 191"/>
+        <p:cNvPr id="1" name="Shape 197"/>
         <p:cNvGrpSpPr/>
         <p:nvPr/>
       </p:nvGrpSpPr>
@@ -2469,7 +2469,7 @@
       </p:grpSpPr>
       <p:sp>
         <p:nvSpPr>
-          <p:cNvPr id="192" name="Google Shape;192;g2d56fc09ca8_2_120:notes"/>
+          <p:cNvPr id="198" name="Google Shape;198;g2d56fc09ca8_2_125:notes"/>
           <p:cNvSpPr txBox="1">
             <a:spLocks noGrp="1"/>
           </p:cNvSpPr>
@@ -2507,7 +2507,7 @@
       </p:sp>
       <p:sp>
         <p:nvSpPr>
-          <p:cNvPr id="193" name="Google Shape;193;g2d56fc09ca8_2_120:notes"/>
+          <p:cNvPr id="199" name="Google Shape;199;g2d56fc09ca8_2_125:notes"/>
           <p:cNvSpPr>
             <a:spLocks noGrp="1" noRot="1" noChangeAspect="1"/>
           </p:cNvSpPr>
@@ -2517,8 +2517,8 @@
         </p:nvSpPr>
         <p:spPr>
           <a:xfrm>
-            <a:off x="1143000" y="685800"/>
-            <a:ext cx="4572000" cy="3429000"/>
+            <a:off x="381000" y="685800"/>
+            <a:ext cx="6096000" cy="3429000"/>
           </a:xfrm>
           <a:custGeom>
             <a:avLst/>
@@ -2559,7 +2559,7 @@
   <p:cSld>
     <p:spTree>
       <p:nvGrpSpPr>
-        <p:cNvPr id="1" name="Shape 197"/>
+        <p:cNvPr id="1" name="Shape 203"/>
         <p:cNvGrpSpPr/>
         <p:nvPr/>
       </p:nvGrpSpPr>
@@ -2573,7 +2573,7 @@
       </p:grpSpPr>
       <p:sp>
         <p:nvSpPr>
-          <p:cNvPr id="198" name="Google Shape;198;g2d56fc09ca8_2_125:notes"/>
+          <p:cNvPr id="204" name="Google Shape;204;g2d56fc09ca8_2_130:notes"/>
           <p:cNvSpPr txBox="1">
             <a:spLocks noGrp="1"/>
           </p:cNvSpPr>
@@ -2611,7 +2611,7 @@
       </p:sp>
       <p:sp>
         <p:nvSpPr>
-          <p:cNvPr id="199" name="Google Shape;199;g2d56fc09ca8_2_125:notes"/>
+          <p:cNvPr id="205" name="Google Shape;205;g2d56fc09ca8_2_130:notes"/>
           <p:cNvSpPr>
             <a:spLocks noGrp="1" noRot="1" noChangeAspect="1"/>
           </p:cNvSpPr>
@@ -2621,8 +2621,8 @@
         </p:nvSpPr>
         <p:spPr>
           <a:xfrm>
-            <a:off x="381000" y="685800"/>
-            <a:ext cx="6096000" cy="3429000"/>
+            <a:off x="1143000" y="685800"/>
+            <a:ext cx="4572000" cy="3429000"/>
           </a:xfrm>
           <a:custGeom>
             <a:avLst/>
@@ -2663,7 +2663,7 @@
   <p:cSld>
     <p:spTree>
       <p:nvGrpSpPr>
-        <p:cNvPr id="1" name="Shape 203"/>
+        <p:cNvPr id="1" name="Shape 208"/>
         <p:cNvGrpSpPr/>
         <p:nvPr/>
       </p:nvGrpSpPr>
@@ -2677,7 +2677,7 @@
       </p:grpSpPr>
       <p:sp>
         <p:nvSpPr>
-          <p:cNvPr id="204" name="Google Shape;204;g2d56fc09ca8_2_130:notes"/>
+          <p:cNvPr id="209" name="Google Shape;209;g2d56fc09ca8_2_134:notes"/>
           <p:cNvSpPr txBox="1">
             <a:spLocks noGrp="1"/>
           </p:cNvSpPr>
@@ -2715,7 +2715,7 @@
       </p:sp>
       <p:sp>
         <p:nvSpPr>
-          <p:cNvPr id="205" name="Google Shape;205;g2d56fc09ca8_2_130:notes"/>
+          <p:cNvPr id="210" name="Google Shape;210;g2d56fc09ca8_2_134:notes"/>
           <p:cNvSpPr>
             <a:spLocks noGrp="1" noRot="1" noChangeAspect="1"/>
           </p:cNvSpPr>
@@ -2767,7 +2767,7 @@
   <p:cSld>
     <p:spTree>
       <p:nvGrpSpPr>
-        <p:cNvPr id="1" name="Shape 208"/>
+        <p:cNvPr id="1" name="Shape 214"/>
         <p:cNvGrpSpPr/>
         <p:nvPr/>
       </p:nvGrpSpPr>
@@ -2781,7 +2781,7 @@
       </p:grpSpPr>
       <p:sp>
         <p:nvSpPr>
-          <p:cNvPr id="209" name="Google Shape;209;g2d56fc09ca8_2_134:notes"/>
+          <p:cNvPr id="215" name="Google Shape;215;g2d56fc09ca8_2_139:notes"/>
           <p:cNvSpPr txBox="1">
             <a:spLocks noGrp="1"/>
           </p:cNvSpPr>
@@ -2819,7 +2819,7 @@
       </p:sp>
       <p:sp>
         <p:nvSpPr>
-          <p:cNvPr id="210" name="Google Shape;210;g2d56fc09ca8_2_134:notes"/>
+          <p:cNvPr id="216" name="Google Shape;216;g2d56fc09ca8_2_139:notes"/>
           <p:cNvSpPr>
             <a:spLocks noGrp="1" noRot="1" noChangeAspect="1"/>
           </p:cNvSpPr>
@@ -2829,8 +2829,8 @@
         </p:nvSpPr>
         <p:spPr>
           <a:xfrm>
-            <a:off x="1143000" y="685800"/>
-            <a:ext cx="4572000" cy="3429000"/>
+            <a:off x="381000" y="685800"/>
+            <a:ext cx="6096000" cy="3429000"/>
           </a:xfrm>
           <a:custGeom>
             <a:avLst/>
@@ -2871,7 +2871,7 @@
   <p:cSld>
     <p:spTree>
       <p:nvGrpSpPr>
-        <p:cNvPr id="1" name="Shape 214"/>
+        <p:cNvPr id="1" name="Shape 220"/>
         <p:cNvGrpSpPr/>
         <p:nvPr/>
       </p:nvGrpSpPr>
@@ -2885,7 +2885,7 @@
       </p:grpSpPr>
       <p:sp>
         <p:nvSpPr>
-          <p:cNvPr id="215" name="Google Shape;215;g2d56fc09ca8_2_139:notes"/>
+          <p:cNvPr id="221" name="Google Shape;221;g2d56fc09ca8_2_144:notes"/>
           <p:cNvSpPr txBox="1">
             <a:spLocks noGrp="1"/>
           </p:cNvSpPr>
@@ -2923,7 +2923,7 @@
       </p:sp>
       <p:sp>
         <p:nvSpPr>
-          <p:cNvPr id="216" name="Google Shape;216;g2d56fc09ca8_2_139:notes"/>
+          <p:cNvPr id="222" name="Google Shape;222;g2d56fc09ca8_2_144:notes"/>
           <p:cNvSpPr>
             <a:spLocks noGrp="1" noRot="1" noChangeAspect="1"/>
           </p:cNvSpPr>
@@ -2933,8 +2933,8 @@
         </p:nvSpPr>
         <p:spPr>
           <a:xfrm>
-            <a:off x="381000" y="685800"/>
-            <a:ext cx="6096000" cy="3429000"/>
+            <a:off x="1143000" y="685800"/>
+            <a:ext cx="4572000" cy="3429000"/>
           </a:xfrm>
           <a:custGeom>
             <a:avLst/>
@@ -2975,7 +2975,7 @@
   <p:cSld>
     <p:spTree>
       <p:nvGrpSpPr>
-        <p:cNvPr id="1" name="Shape 220"/>
+        <p:cNvPr id="1" name="Shape 225"/>
         <p:cNvGrpSpPr/>
         <p:nvPr/>
       </p:nvGrpSpPr>
@@ -2989,7 +2989,7 @@
       </p:grpSpPr>
       <p:sp>
         <p:nvSpPr>
-          <p:cNvPr id="221" name="Google Shape;221;g2d56fc09ca8_2_144:notes"/>
+          <p:cNvPr id="226" name="Google Shape;226;g2d56fc09ca8_2_148:notes"/>
           <p:cNvSpPr txBox="1">
             <a:spLocks noGrp="1"/>
           </p:cNvSpPr>
@@ -3027,7 +3027,7 @@
       </p:sp>
       <p:sp>
         <p:nvSpPr>
-          <p:cNvPr id="222" name="Google Shape;222;g2d56fc09ca8_2_144:notes"/>
+          <p:cNvPr id="227" name="Google Shape;227;g2d56fc09ca8_2_148:notes"/>
           <p:cNvSpPr>
             <a:spLocks noGrp="1" noRot="1" noChangeAspect="1"/>
           </p:cNvSpPr>
@@ -3079,7 +3079,7 @@
   <p:cSld>
     <p:spTree>
       <p:nvGrpSpPr>
-        <p:cNvPr id="1" name="Shape 225"/>
+        <p:cNvPr id="1" name="Shape 231"/>
         <p:cNvGrpSpPr/>
         <p:nvPr/>
       </p:nvGrpSpPr>
@@ -3093,7 +3093,7 @@
       </p:grpSpPr>
       <p:sp>
         <p:nvSpPr>
-          <p:cNvPr id="226" name="Google Shape;226;g2d56fc09ca8_2_148:notes"/>
+          <p:cNvPr id="232" name="Google Shape;232;g2d56fc09ca8_2_153:notes"/>
           <p:cNvSpPr txBox="1">
             <a:spLocks noGrp="1"/>
           </p:cNvSpPr>
@@ -3131,7 +3131,7 @@
       </p:sp>
       <p:sp>
         <p:nvSpPr>
-          <p:cNvPr id="227" name="Google Shape;227;g2d56fc09ca8_2_148:notes"/>
+          <p:cNvPr id="233" name="Google Shape;233;g2d56fc09ca8_2_153:notes"/>
           <p:cNvSpPr>
             <a:spLocks noGrp="1" noRot="1" noChangeAspect="1"/>
           </p:cNvSpPr>
@@ -3141,8 +3141,8 @@
         </p:nvSpPr>
         <p:spPr>
           <a:xfrm>
-            <a:off x="1143000" y="685800"/>
-            <a:ext cx="4572000" cy="3429000"/>
+            <a:off x="381000" y="685800"/>
+            <a:ext cx="6096000" cy="3429000"/>
           </a:xfrm>
           <a:custGeom>
             <a:avLst/>
@@ -3183,7 +3183,7 @@
   <p:cSld>
     <p:spTree>
       <p:nvGrpSpPr>
-        <p:cNvPr id="1" name="Shape 80"/>
+        <p:cNvPr id="1" name="Shape 85"/>
         <p:cNvGrpSpPr/>
         <p:nvPr/>
       </p:nvGrpSpPr>
@@ -3197,7 +3197,7 @@
       </p:grpSpPr>
       <p:sp>
         <p:nvSpPr>
-          <p:cNvPr id="81" name="Google Shape;81;g2d56fc09ca8_2_29:notes"/>
+          <p:cNvPr id="86" name="Google Shape;86;g2d56fc09ca8_2_33:notes"/>
           <p:cNvSpPr txBox="1">
             <a:spLocks noGrp="1"/>
           </p:cNvSpPr>
@@ -3235,7 +3235,7 @@
       </p:sp>
       <p:sp>
         <p:nvSpPr>
-          <p:cNvPr id="82" name="Google Shape;82;g2d56fc09ca8_2_29:notes"/>
+          <p:cNvPr id="87" name="Google Shape;87;g2d56fc09ca8_2_33:notes"/>
           <p:cNvSpPr>
             <a:spLocks noGrp="1" noRot="1" noChangeAspect="1"/>
           </p:cNvSpPr>
@@ -3287,7 +3287,7 @@
   <p:cSld>
     <p:spTree>
       <p:nvGrpSpPr>
-        <p:cNvPr id="1" name="Shape 231"/>
+        <p:cNvPr id="1" name="Shape 237"/>
         <p:cNvGrpSpPr/>
         <p:nvPr/>
       </p:nvGrpSpPr>
@@ -3301,7 +3301,7 @@
       </p:grpSpPr>
       <p:sp>
         <p:nvSpPr>
-          <p:cNvPr id="232" name="Google Shape;232;g2d56fc09ca8_2_153:notes"/>
+          <p:cNvPr id="238" name="Google Shape;238;g2d56fc09ca8_2_158:notes"/>
           <p:cNvSpPr txBox="1">
             <a:spLocks noGrp="1"/>
           </p:cNvSpPr>
@@ -3339,7 +3339,7 @@
       </p:sp>
       <p:sp>
         <p:nvSpPr>
-          <p:cNvPr id="233" name="Google Shape;233;g2d56fc09ca8_2_153:notes"/>
+          <p:cNvPr id="239" name="Google Shape;239;g2d56fc09ca8_2_158:notes"/>
           <p:cNvSpPr>
             <a:spLocks noGrp="1" noRot="1" noChangeAspect="1"/>
           </p:cNvSpPr>
@@ -3349,8 +3349,8 @@
         </p:nvSpPr>
         <p:spPr>
           <a:xfrm>
-            <a:off x="381000" y="685800"/>
-            <a:ext cx="6096000" cy="3429000"/>
+            <a:off x="1143000" y="685800"/>
+            <a:ext cx="4572000" cy="3429000"/>
           </a:xfrm>
           <a:custGeom>
             <a:avLst/>
@@ -3391,7 +3391,7 @@
   <p:cSld>
     <p:spTree>
       <p:nvGrpSpPr>
-        <p:cNvPr id="1" name="Shape 237"/>
+        <p:cNvPr id="1" name="Shape 242"/>
         <p:cNvGrpSpPr/>
         <p:nvPr/>
       </p:nvGrpSpPr>
@@ -3405,7 +3405,7 @@
       </p:grpSpPr>
       <p:sp>
         <p:nvSpPr>
-          <p:cNvPr id="238" name="Google Shape;238;g2d56fc09ca8_2_158:notes"/>
+          <p:cNvPr id="243" name="Google Shape;243;g2d56fc09ca8_2_162:notes"/>
           <p:cNvSpPr txBox="1">
             <a:spLocks noGrp="1"/>
           </p:cNvSpPr>
@@ -3443,7 +3443,7 @@
       </p:sp>
       <p:sp>
         <p:nvSpPr>
-          <p:cNvPr id="239" name="Google Shape;239;g2d56fc09ca8_2_158:notes"/>
+          <p:cNvPr id="244" name="Google Shape;244;g2d56fc09ca8_2_162:notes"/>
           <p:cNvSpPr>
             <a:spLocks noGrp="1" noRot="1" noChangeAspect="1"/>
           </p:cNvSpPr>
@@ -3495,7 +3495,7 @@
   <p:cSld>
     <p:spTree>
       <p:nvGrpSpPr>
-        <p:cNvPr id="1" name="Shape 242"/>
+        <p:cNvPr id="1" name="Shape 248"/>
         <p:cNvGrpSpPr/>
         <p:nvPr/>
       </p:nvGrpSpPr>
@@ -3509,7 +3509,7 @@
       </p:grpSpPr>
       <p:sp>
         <p:nvSpPr>
-          <p:cNvPr id="243" name="Google Shape;243;g2d56fc09ca8_2_162:notes"/>
+          <p:cNvPr id="249" name="Google Shape;249;g2d56fc09ca8_2_167:notes"/>
           <p:cNvSpPr txBox="1">
             <a:spLocks noGrp="1"/>
           </p:cNvSpPr>
@@ -3547,7 +3547,7 @@
       </p:sp>
       <p:sp>
         <p:nvSpPr>
-          <p:cNvPr id="244" name="Google Shape;244;g2d56fc09ca8_2_162:notes"/>
+          <p:cNvPr id="250" name="Google Shape;250;g2d56fc09ca8_2_167:notes"/>
           <p:cNvSpPr>
             <a:spLocks noGrp="1" noRot="1" noChangeAspect="1"/>
           </p:cNvSpPr>
@@ -3557,8 +3557,8 @@
         </p:nvSpPr>
         <p:spPr>
           <a:xfrm>
-            <a:off x="1143000" y="685800"/>
-            <a:ext cx="4572000" cy="3429000"/>
+            <a:off x="381000" y="685800"/>
+            <a:ext cx="6096000" cy="3429000"/>
           </a:xfrm>
           <a:custGeom>
             <a:avLst/>
@@ -3599,7 +3599,7 @@
   <p:cSld>
     <p:spTree>
       <p:nvGrpSpPr>
-        <p:cNvPr id="1" name="Shape 248"/>
+        <p:cNvPr id="1" name="Shape 254"/>
         <p:cNvGrpSpPr/>
         <p:nvPr/>
       </p:nvGrpSpPr>
@@ -3613,7 +3613,7 @@
       </p:grpSpPr>
       <p:sp>
         <p:nvSpPr>
-          <p:cNvPr id="249" name="Google Shape;249;g2d56fc09ca8_2_167:notes"/>
+          <p:cNvPr id="255" name="Google Shape;255;g2d56fc09ca8_2_172:notes"/>
           <p:cNvSpPr txBox="1">
             <a:spLocks noGrp="1"/>
           </p:cNvSpPr>
@@ -3651,7 +3651,7 @@
       </p:sp>
       <p:sp>
         <p:nvSpPr>
-          <p:cNvPr id="250" name="Google Shape;250;g2d56fc09ca8_2_167:notes"/>
+          <p:cNvPr id="256" name="Google Shape;256;g2d56fc09ca8_2_172:notes"/>
           <p:cNvSpPr>
             <a:spLocks noGrp="1" noRot="1" noChangeAspect="1"/>
           </p:cNvSpPr>
@@ -3661,8 +3661,8 @@
         </p:nvSpPr>
         <p:spPr>
           <a:xfrm>
-            <a:off x="381000" y="685800"/>
-            <a:ext cx="6096000" cy="3429000"/>
+            <a:off x="1143000" y="685800"/>
+            <a:ext cx="4572000" cy="3429000"/>
           </a:xfrm>
           <a:custGeom>
             <a:avLst/>
@@ -3703,7 +3703,7 @@
   <p:cSld>
     <p:spTree>
       <p:nvGrpSpPr>
-        <p:cNvPr id="1" name="Shape 254"/>
+        <p:cNvPr id="1" name="Shape 259"/>
         <p:cNvGrpSpPr/>
         <p:nvPr/>
       </p:nvGrpSpPr>
@@ -3717,7 +3717,7 @@
       </p:grpSpPr>
       <p:sp>
         <p:nvSpPr>
-          <p:cNvPr id="255" name="Google Shape;255;g2d56fc09ca8_2_172:notes"/>
+          <p:cNvPr id="260" name="Google Shape;260;g2d56fc09ca8_2_176:notes"/>
           <p:cNvSpPr txBox="1">
             <a:spLocks noGrp="1"/>
           </p:cNvSpPr>
@@ -3755,7 +3755,7 @@
       </p:sp>
       <p:sp>
         <p:nvSpPr>
-          <p:cNvPr id="256" name="Google Shape;256;g2d56fc09ca8_2_172:notes"/>
+          <p:cNvPr id="261" name="Google Shape;261;g2d56fc09ca8_2_176:notes"/>
           <p:cNvSpPr>
             <a:spLocks noGrp="1" noRot="1" noChangeAspect="1"/>
           </p:cNvSpPr>
@@ -3807,7 +3807,7 @@
   <p:cSld>
     <p:spTree>
       <p:nvGrpSpPr>
-        <p:cNvPr id="1" name="Shape 259"/>
+        <p:cNvPr id="1" name="Shape 265"/>
         <p:cNvGrpSpPr/>
         <p:nvPr/>
       </p:nvGrpSpPr>
@@ -3821,7 +3821,7 @@
       </p:grpSpPr>
       <p:sp>
         <p:nvSpPr>
-          <p:cNvPr id="260" name="Google Shape;260;g2d56fc09ca8_2_176:notes"/>
+          <p:cNvPr id="266" name="Google Shape;266;g2d56fc09ca8_2_181:notes"/>
           <p:cNvSpPr txBox="1">
             <a:spLocks noGrp="1"/>
           </p:cNvSpPr>
@@ -3859,7 +3859,7 @@
       </p:sp>
       <p:sp>
         <p:nvSpPr>
-          <p:cNvPr id="261" name="Google Shape;261;g2d56fc09ca8_2_176:notes"/>
+          <p:cNvPr id="267" name="Google Shape;267;g2d56fc09ca8_2_181:notes"/>
           <p:cNvSpPr>
             <a:spLocks noGrp="1" noRot="1" noChangeAspect="1"/>
           </p:cNvSpPr>
@@ -3869,8 +3869,8 @@
         </p:nvSpPr>
         <p:spPr>
           <a:xfrm>
-            <a:off x="1143000" y="685800"/>
-            <a:ext cx="4572000" cy="3429000"/>
+            <a:off x="381000" y="685800"/>
+            <a:ext cx="6096000" cy="3429000"/>
           </a:xfrm>
           <a:custGeom>
             <a:avLst/>
@@ -3911,7 +3911,7 @@
   <p:cSld>
     <p:spTree>
       <p:nvGrpSpPr>
-        <p:cNvPr id="1" name="Shape 265"/>
+        <p:cNvPr id="1" name="Shape 271"/>
         <p:cNvGrpSpPr/>
         <p:nvPr/>
       </p:nvGrpSpPr>
@@ -3925,7 +3925,7 @@
       </p:grpSpPr>
       <p:sp>
         <p:nvSpPr>
-          <p:cNvPr id="266" name="Google Shape;266;g2d56fc09ca8_2_181:notes"/>
+          <p:cNvPr id="272" name="Google Shape;272;g2d56fc09ca8_2_186:notes"/>
           <p:cNvSpPr txBox="1">
             <a:spLocks noGrp="1"/>
           </p:cNvSpPr>
@@ -3963,7 +3963,7 @@
       </p:sp>
       <p:sp>
         <p:nvSpPr>
-          <p:cNvPr id="267" name="Google Shape;267;g2d56fc09ca8_2_181:notes"/>
+          <p:cNvPr id="273" name="Google Shape;273;g2d56fc09ca8_2_186:notes"/>
           <p:cNvSpPr>
             <a:spLocks noGrp="1" noRot="1" noChangeAspect="1"/>
           </p:cNvSpPr>
@@ -3973,8 +3973,8 @@
         </p:nvSpPr>
         <p:spPr>
           <a:xfrm>
-            <a:off x="381000" y="685800"/>
-            <a:ext cx="6096000" cy="3429000"/>
+            <a:off x="1143000" y="685800"/>
+            <a:ext cx="4572000" cy="3429000"/>
           </a:xfrm>
           <a:custGeom>
             <a:avLst/>
@@ -4015,7 +4015,7 @@
   <p:cSld>
     <p:spTree>
       <p:nvGrpSpPr>
-        <p:cNvPr id="1" name="Shape 271"/>
+        <p:cNvPr id="1" name="Shape 276"/>
         <p:cNvGrpSpPr/>
         <p:nvPr/>
       </p:nvGrpSpPr>
@@ -4029,7 +4029,7 @@
       </p:grpSpPr>
       <p:sp>
         <p:nvSpPr>
-          <p:cNvPr id="272" name="Google Shape;272;g2d56fc09ca8_2_186:notes"/>
+          <p:cNvPr id="277" name="Google Shape;277;g2d56fc09ca8_2_190:notes"/>
           <p:cNvSpPr txBox="1">
             <a:spLocks noGrp="1"/>
           </p:cNvSpPr>
@@ -4067,7 +4067,7 @@
       </p:sp>
       <p:sp>
         <p:nvSpPr>
-          <p:cNvPr id="273" name="Google Shape;273;g2d56fc09ca8_2_186:notes"/>
+          <p:cNvPr id="278" name="Google Shape;278;g2d56fc09ca8_2_190:notes"/>
           <p:cNvSpPr>
             <a:spLocks noGrp="1" noRot="1" noChangeAspect="1"/>
           </p:cNvSpPr>
@@ -4119,7 +4119,7 @@
   <p:cSld>
     <p:spTree>
       <p:nvGrpSpPr>
-        <p:cNvPr id="1" name="Shape 276"/>
+        <p:cNvPr id="1" name="Shape 282"/>
         <p:cNvGrpSpPr/>
         <p:nvPr/>
       </p:nvGrpSpPr>
@@ -4133,7 +4133,7 @@
       </p:grpSpPr>
       <p:sp>
         <p:nvSpPr>
-          <p:cNvPr id="277" name="Google Shape;277;g2d56fc09ca8_2_190:notes"/>
+          <p:cNvPr id="283" name="Google Shape;283;g2d56fc09ca8_2_195:notes"/>
           <p:cNvSpPr txBox="1">
             <a:spLocks noGrp="1"/>
           </p:cNvSpPr>
@@ -4171,7 +4171,7 @@
       </p:sp>
       <p:sp>
         <p:nvSpPr>
-          <p:cNvPr id="278" name="Google Shape;278;g2d56fc09ca8_2_190:notes"/>
+          <p:cNvPr id="284" name="Google Shape;284;g2d56fc09ca8_2_195:notes"/>
           <p:cNvSpPr>
             <a:spLocks noGrp="1" noRot="1" noChangeAspect="1"/>
           </p:cNvSpPr>
@@ -4181,8 +4181,8 @@
         </p:nvSpPr>
         <p:spPr>
           <a:xfrm>
-            <a:off x="1143000" y="685800"/>
-            <a:ext cx="4572000" cy="3429000"/>
+            <a:off x="381000" y="685800"/>
+            <a:ext cx="6096000" cy="3429000"/>
           </a:xfrm>
           <a:custGeom>
             <a:avLst/>
@@ -4223,7 +4223,7 @@
   <p:cSld>
     <p:spTree>
       <p:nvGrpSpPr>
-        <p:cNvPr id="1" name="Shape 282"/>
+        <p:cNvPr id="1" name="Shape 288"/>
         <p:cNvGrpSpPr/>
         <p:nvPr/>
       </p:nvGrpSpPr>
@@ -4237,7 +4237,7 @@
       </p:grpSpPr>
       <p:sp>
         <p:nvSpPr>
-          <p:cNvPr id="283" name="Google Shape;283;g2d56fc09ca8_2_195:notes"/>
+          <p:cNvPr id="289" name="Google Shape;289;g2d56fc09ca8_2_200:notes"/>
           <p:cNvSpPr txBox="1">
             <a:spLocks noGrp="1"/>
           </p:cNvSpPr>
@@ -4275,7 +4275,7 @@
       </p:sp>
       <p:sp>
         <p:nvSpPr>
-          <p:cNvPr id="284" name="Google Shape;284;g2d56fc09ca8_2_195:notes"/>
+          <p:cNvPr id="290" name="Google Shape;290;g2d56fc09ca8_2_200:notes"/>
           <p:cNvSpPr>
             <a:spLocks noGrp="1" noRot="1" noChangeAspect="1"/>
           </p:cNvSpPr>
@@ -4327,7 +4327,7 @@
   <p:cSld>
     <p:spTree>
       <p:nvGrpSpPr>
-        <p:cNvPr id="1" name="Shape 85"/>
+        <p:cNvPr id="1" name="Shape 90"/>
         <p:cNvGrpSpPr/>
         <p:nvPr/>
       </p:nvGrpSpPr>
@@ -4341,7 +4341,7 @@
       </p:grpSpPr>
       <p:sp>
         <p:nvSpPr>
-          <p:cNvPr id="86" name="Google Shape;86;g2d56fc09ca8_2_33:notes"/>
+          <p:cNvPr id="91" name="Google Shape;91;g2d56fc09ca8_2_37:notes"/>
           <p:cNvSpPr txBox="1">
             <a:spLocks noGrp="1"/>
           </p:cNvSpPr>
@@ -4379,7 +4379,7 @@
       </p:sp>
       <p:sp>
         <p:nvSpPr>
-          <p:cNvPr id="87" name="Google Shape;87;g2d56fc09ca8_2_33:notes"/>
+          <p:cNvPr id="92" name="Google Shape;92;g2d56fc09ca8_2_37:notes"/>
           <p:cNvSpPr>
             <a:spLocks noGrp="1" noRot="1" noChangeAspect="1"/>
           </p:cNvSpPr>
@@ -4431,7 +4431,7 @@
   <p:cSld>
     <p:spTree>
       <p:nvGrpSpPr>
-        <p:cNvPr id="1" name="Shape 288"/>
+        <p:cNvPr id="1" name="Shape 294"/>
         <p:cNvGrpSpPr/>
         <p:nvPr/>
       </p:nvGrpSpPr>
@@ -4445,7 +4445,7 @@
       </p:grpSpPr>
       <p:sp>
         <p:nvSpPr>
-          <p:cNvPr id="289" name="Google Shape;289;g2d56fc09ca8_2_200:notes"/>
+          <p:cNvPr id="295" name="Google Shape;295;g2d56fc09ca8_2_205:notes"/>
           <p:cNvSpPr txBox="1">
             <a:spLocks noGrp="1"/>
           </p:cNvSpPr>
@@ -4483,7 +4483,7 @@
       </p:sp>
       <p:sp>
         <p:nvSpPr>
-          <p:cNvPr id="290" name="Google Shape;290;g2d56fc09ca8_2_200:notes"/>
+          <p:cNvPr id="296" name="Google Shape;296;g2d56fc09ca8_2_205:notes"/>
           <p:cNvSpPr>
             <a:spLocks noGrp="1" noRot="1" noChangeAspect="1"/>
           </p:cNvSpPr>
@@ -4493,8 +4493,8 @@
         </p:nvSpPr>
         <p:spPr>
           <a:xfrm>
-            <a:off x="381000" y="685800"/>
-            <a:ext cx="6096000" cy="3429000"/>
+            <a:off x="1143000" y="685800"/>
+            <a:ext cx="4572000" cy="3429000"/>
           </a:xfrm>
           <a:custGeom>
             <a:avLst/>
@@ -4535,7 +4535,7 @@
   <p:cSld>
     <p:spTree>
       <p:nvGrpSpPr>
-        <p:cNvPr id="1" name="Shape 294"/>
+        <p:cNvPr id="1" name="Shape 300"/>
         <p:cNvGrpSpPr/>
         <p:nvPr/>
       </p:nvGrpSpPr>
@@ -4549,7 +4549,7 @@
       </p:grpSpPr>
       <p:sp>
         <p:nvSpPr>
-          <p:cNvPr id="295" name="Google Shape;295;g2d56fc09ca8_2_205:notes"/>
+          <p:cNvPr id="301" name="Google Shape;301;g2d56fc09ca8_2_210:notes"/>
           <p:cNvSpPr txBox="1">
             <a:spLocks noGrp="1"/>
           </p:cNvSpPr>
@@ -4587,7 +4587,7 @@
       </p:sp>
       <p:sp>
         <p:nvSpPr>
-          <p:cNvPr id="296" name="Google Shape;296;g2d56fc09ca8_2_205:notes"/>
+          <p:cNvPr id="302" name="Google Shape;302;g2d56fc09ca8_2_210:notes"/>
           <p:cNvSpPr>
             <a:spLocks noGrp="1" noRot="1" noChangeAspect="1"/>
           </p:cNvSpPr>
@@ -4597,8 +4597,8 @@
         </p:nvSpPr>
         <p:spPr>
           <a:xfrm>
-            <a:off x="1143000" y="685800"/>
-            <a:ext cx="4572000" cy="3429000"/>
+            <a:off x="381000" y="685800"/>
+            <a:ext cx="6096000" cy="3429000"/>
           </a:xfrm>
           <a:custGeom>
             <a:avLst/>
@@ -4634,12 +4634,12 @@
 </p:notes>
 </file>
 
-<file path=ppt/notesSlides/notesSlide42.xml><?xml version="1.0" encoding="utf-8"?>
+<file path=ppt/notesSlides/notesSlide5.xml><?xml version="1.0" encoding="utf-8"?>
 <p:notes xmlns:a="http://schemas.openxmlformats.org/drawingml/2006/main" xmlns:r="http://schemas.openxmlformats.org/officeDocument/2006/relationships" xmlns:p="http://schemas.openxmlformats.org/presentationml/2006/main" showMasterSp="0" showMasterPhAnim="0">
   <p:cSld>
     <p:spTree>
       <p:nvGrpSpPr>
-        <p:cNvPr id="1" name="Shape 300"/>
+        <p:cNvPr id="1" name="Shape 95"/>
         <p:cNvGrpSpPr/>
         <p:nvPr/>
       </p:nvGrpSpPr>
@@ -4653,7 +4653,7 @@
       </p:grpSpPr>
       <p:sp>
         <p:nvSpPr>
-          <p:cNvPr id="301" name="Google Shape;301;g2d56fc09ca8_2_210:notes"/>
+          <p:cNvPr id="96" name="Google Shape;96;g2d56fc09ca8_2_41:notes"/>
           <p:cNvSpPr txBox="1">
             <a:spLocks noGrp="1"/>
           </p:cNvSpPr>
@@ -4691,7 +4691,7 @@
       </p:sp>
       <p:sp>
         <p:nvSpPr>
-          <p:cNvPr id="302" name="Google Shape;302;g2d56fc09ca8_2_210:notes"/>
+          <p:cNvPr id="97" name="Google Shape;97;g2d56fc09ca8_2_41:notes"/>
           <p:cNvSpPr>
             <a:spLocks noGrp="1" noRot="1" noChangeAspect="1"/>
           </p:cNvSpPr>
@@ -4738,12 +4738,12 @@
 </p:notes>
 </file>
 
-<file path=ppt/notesSlides/notesSlide5.xml><?xml version="1.0" encoding="utf-8"?>
+<file path=ppt/notesSlides/notesSlide6.xml><?xml version="1.0" encoding="utf-8"?>
 <p:notes xmlns:a="http://schemas.openxmlformats.org/drawingml/2006/main" xmlns:r="http://schemas.openxmlformats.org/officeDocument/2006/relationships" xmlns:p="http://schemas.openxmlformats.org/presentationml/2006/main" showMasterSp="0" showMasterPhAnim="0">
   <p:cSld>
     <p:spTree>
       <p:nvGrpSpPr>
-        <p:cNvPr id="1" name="Shape 90"/>
+        <p:cNvPr id="1" name="Shape 101"/>
         <p:cNvGrpSpPr/>
         <p:nvPr/>
       </p:nvGrpSpPr>
@@ -4757,7 +4757,7 @@
       </p:grpSpPr>
       <p:sp>
         <p:nvSpPr>
-          <p:cNvPr id="91" name="Google Shape;91;g2d56fc09ca8_2_37:notes"/>
+          <p:cNvPr id="102" name="Google Shape;102;g2d56fc09ca8_2_46:notes"/>
           <p:cNvSpPr txBox="1">
             <a:spLocks noGrp="1"/>
           </p:cNvSpPr>
@@ -4795,7 +4795,7 @@
       </p:sp>
       <p:sp>
         <p:nvSpPr>
-          <p:cNvPr id="92" name="Google Shape;92;g2d56fc09ca8_2_37:notes"/>
+          <p:cNvPr id="103" name="Google Shape;103;g2d56fc09ca8_2_46:notes"/>
           <p:cNvSpPr>
             <a:spLocks noGrp="1" noRot="1" noChangeAspect="1"/>
           </p:cNvSpPr>
@@ -4842,12 +4842,12 @@
 </p:notes>
 </file>
 
-<file path=ppt/notesSlides/notesSlide6.xml><?xml version="1.0" encoding="utf-8"?>
+<file path=ppt/notesSlides/notesSlide7.xml><?xml version="1.0" encoding="utf-8"?>
 <p:notes xmlns:a="http://schemas.openxmlformats.org/drawingml/2006/main" xmlns:r="http://schemas.openxmlformats.org/officeDocument/2006/relationships" xmlns:p="http://schemas.openxmlformats.org/presentationml/2006/main" showMasterSp="0" showMasterPhAnim="0">
   <p:cSld>
     <p:spTree>
       <p:nvGrpSpPr>
-        <p:cNvPr id="1" name="Shape 95"/>
+        <p:cNvPr id="1" name="Shape 106"/>
         <p:cNvGrpSpPr/>
         <p:nvPr/>
       </p:nvGrpSpPr>
@@ -4861,7 +4861,7 @@
       </p:grpSpPr>
       <p:sp>
         <p:nvSpPr>
-          <p:cNvPr id="96" name="Google Shape;96;g2d56fc09ca8_2_41:notes"/>
+          <p:cNvPr id="107" name="Google Shape;107;g2d56fc09ca8_2_50:notes"/>
           <p:cNvSpPr txBox="1">
             <a:spLocks noGrp="1"/>
           </p:cNvSpPr>
@@ -4899,7 +4899,7 @@
       </p:sp>
       <p:sp>
         <p:nvSpPr>
-          <p:cNvPr id="97" name="Google Shape;97;g2d56fc09ca8_2_41:notes"/>
+          <p:cNvPr id="108" name="Google Shape;108;g2d56fc09ca8_2_50:notes"/>
           <p:cNvSpPr>
             <a:spLocks noGrp="1" noRot="1" noChangeAspect="1"/>
           </p:cNvSpPr>
@@ -4946,12 +4946,12 @@
 </p:notes>
 </file>
 
-<file path=ppt/notesSlides/notesSlide7.xml><?xml version="1.0" encoding="utf-8"?>
+<file path=ppt/notesSlides/notesSlide8.xml><?xml version="1.0" encoding="utf-8"?>
 <p:notes xmlns:a="http://schemas.openxmlformats.org/drawingml/2006/main" xmlns:r="http://schemas.openxmlformats.org/officeDocument/2006/relationships" xmlns:p="http://schemas.openxmlformats.org/presentationml/2006/main" showMasterSp="0" showMasterPhAnim="0">
   <p:cSld>
     <p:spTree>
       <p:nvGrpSpPr>
-        <p:cNvPr id="1" name="Shape 101"/>
+        <p:cNvPr id="1" name="Shape 112"/>
         <p:cNvGrpSpPr/>
         <p:nvPr/>
       </p:nvGrpSpPr>
@@ -4965,7 +4965,7 @@
       </p:grpSpPr>
       <p:sp>
         <p:nvSpPr>
-          <p:cNvPr id="102" name="Google Shape;102;g2d56fc09ca8_2_46:notes"/>
+          <p:cNvPr id="113" name="Google Shape;113;g2d56fc09ca8_2_55:notes"/>
           <p:cNvSpPr txBox="1">
             <a:spLocks noGrp="1"/>
           </p:cNvSpPr>
@@ -5003,7 +5003,7 @@
       </p:sp>
       <p:sp>
         <p:nvSpPr>
-          <p:cNvPr id="103" name="Google Shape;103;g2d56fc09ca8_2_46:notes"/>
+          <p:cNvPr id="114" name="Google Shape;114;g2d56fc09ca8_2_55:notes"/>
           <p:cNvSpPr>
             <a:spLocks noGrp="1" noRot="1" noChangeAspect="1"/>
           </p:cNvSpPr>
@@ -5013,8 +5013,8 @@
         </p:nvSpPr>
         <p:spPr>
           <a:xfrm>
-            <a:off x="1143000" y="685800"/>
-            <a:ext cx="4572000" cy="3429000"/>
+            <a:off x="381000" y="685800"/>
+            <a:ext cx="6096000" cy="3429000"/>
           </a:xfrm>
           <a:custGeom>
             <a:avLst/>
@@ -5050,12 +5050,12 @@
 </p:notes>
 </file>
 
-<file path=ppt/notesSlides/notesSlide8.xml><?xml version="1.0" encoding="utf-8"?>
+<file path=ppt/notesSlides/notesSlide9.xml><?xml version="1.0" encoding="utf-8"?>
 <p:notes xmlns:a="http://schemas.openxmlformats.org/drawingml/2006/main" xmlns:r="http://schemas.openxmlformats.org/officeDocument/2006/relationships" xmlns:p="http://schemas.openxmlformats.org/presentationml/2006/main" showMasterSp="0" showMasterPhAnim="0">
   <p:cSld>
     <p:spTree>
       <p:nvGrpSpPr>
-        <p:cNvPr id="1" name="Shape 106"/>
+        <p:cNvPr id="1" name="Shape 118"/>
         <p:cNvGrpSpPr/>
         <p:nvPr/>
       </p:nvGrpSpPr>
@@ -5069,7 +5069,7 @@
       </p:grpSpPr>
       <p:sp>
         <p:nvSpPr>
-          <p:cNvPr id="107" name="Google Shape;107;g2d56fc09ca8_2_50:notes"/>
+          <p:cNvPr id="119" name="Google Shape;119;g2d56fc09ca8_2_60:notes"/>
           <p:cNvSpPr txBox="1">
             <a:spLocks noGrp="1"/>
           </p:cNvSpPr>
@@ -5107,7 +5107,7 @@
       </p:sp>
       <p:sp>
         <p:nvSpPr>
-          <p:cNvPr id="108" name="Google Shape;108;g2d56fc09ca8_2_50:notes"/>
+          <p:cNvPr id="120" name="Google Shape;120;g2d56fc09ca8_2_60:notes"/>
           <p:cNvSpPr>
             <a:spLocks noGrp="1" noRot="1" noChangeAspect="1"/>
           </p:cNvSpPr>
@@ -5119,110 +5119,6 @@
           <a:xfrm>
             <a:off x="1143000" y="685800"/>
             <a:ext cx="4572000" cy="3429000"/>
-          </a:xfrm>
-          <a:custGeom>
-            <a:avLst/>
-            <a:gdLst/>
-            <a:ahLst/>
-            <a:cxnLst/>
-            <a:rect l="l" t="t" r="r" b="b"/>
-            <a:pathLst>
-              <a:path w="120000" h="120000" extrusionOk="0">
-                <a:moveTo>
-                  <a:pt x="0" y="0"/>
-                </a:moveTo>
-                <a:lnTo>
-                  <a:pt x="120000" y="0"/>
-                </a:lnTo>
-                <a:lnTo>
-                  <a:pt x="120000" y="120000"/>
-                </a:lnTo>
-                <a:lnTo>
-                  <a:pt x="0" y="120000"/>
-                </a:lnTo>
-                <a:close/>
-              </a:path>
-            </a:pathLst>
-          </a:custGeom>
-        </p:spPr>
-      </p:sp>
-    </p:spTree>
-  </p:cSld>
-  <p:clrMapOvr>
-    <a:masterClrMapping/>
-  </p:clrMapOvr>
-</p:notes>
-</file>
-
-<file path=ppt/notesSlides/notesSlide9.xml><?xml version="1.0" encoding="utf-8"?>
-<p:notes xmlns:a="http://schemas.openxmlformats.org/drawingml/2006/main" xmlns:r="http://schemas.openxmlformats.org/officeDocument/2006/relationships" xmlns:p="http://schemas.openxmlformats.org/presentationml/2006/main" showMasterSp="0" showMasterPhAnim="0">
-  <p:cSld>
-    <p:spTree>
-      <p:nvGrpSpPr>
-        <p:cNvPr id="1" name="Shape 112"/>
-        <p:cNvGrpSpPr/>
-        <p:nvPr/>
-      </p:nvGrpSpPr>
-      <p:grpSpPr>
-        <a:xfrm>
-          <a:off x="0" y="0"/>
-          <a:ext cx="0" cy="0"/>
-          <a:chOff x="0" y="0"/>
-          <a:chExt cx="0" cy="0"/>
-        </a:xfrm>
-      </p:grpSpPr>
-      <p:sp>
-        <p:nvSpPr>
-          <p:cNvPr id="113" name="Google Shape;113;g2d56fc09ca8_2_55:notes"/>
-          <p:cNvSpPr txBox="1">
-            <a:spLocks noGrp="1"/>
-          </p:cNvSpPr>
-          <p:nvPr>
-            <p:ph type="body" idx="1"/>
-          </p:nvPr>
-        </p:nvSpPr>
-        <p:spPr>
-          <a:xfrm>
-            <a:off x="914400" y="4343400"/>
-            <a:ext cx="5029200" cy="4114800"/>
-          </a:xfrm>
-          <a:prstGeom prst="rect">
-            <a:avLst/>
-          </a:prstGeom>
-        </p:spPr>
-        <p:txBody>
-          <a:bodyPr spcFirstLastPara="1" wrap="square" lIns="91425" tIns="91425" rIns="91425" bIns="91425" anchor="t" anchorCtr="0">
-            <a:noAutofit/>
-          </a:bodyPr>
-          <a:lstStyle/>
-          <a:p>
-            <a:pPr marL="0" lvl="0" indent="0" algn="l" rtl="0">
-              <a:spcBef>
-                <a:spcPts val="0"/>
-              </a:spcBef>
-              <a:spcAft>
-                <a:spcPts val="0"/>
-              </a:spcAft>
-              <a:buNone/>
-            </a:pPr>
-            <a:endParaRPr/>
-          </a:p>
-        </p:txBody>
-      </p:sp>
-      <p:sp>
-        <p:nvSpPr>
-          <p:cNvPr id="114" name="Google Shape;114;g2d56fc09ca8_2_55:notes"/>
-          <p:cNvSpPr>
-            <a:spLocks noGrp="1" noRot="1" noChangeAspect="1"/>
-          </p:cNvSpPr>
-          <p:nvPr>
-            <p:ph type="sldImg" idx="2"/>
-          </p:nvPr>
-        </p:nvSpPr>
-        <p:spPr>
-          <a:xfrm>
-            <a:off x="381000" y="685800"/>
-            <a:ext cx="6096000" cy="3429000"/>
           </a:xfrm>
           <a:custGeom>
             <a:avLst/>
@@ -9412,85 +9308,6 @@
   <p:cSld>
     <p:spTree>
       <p:nvGrpSpPr>
-        <p:cNvPr id="1" name="Shape 121"/>
-        <p:cNvGrpSpPr/>
-        <p:nvPr/>
-      </p:nvGrpSpPr>
-      <p:grpSpPr>
-        <a:xfrm>
-          <a:off x="0" y="0"/>
-          <a:ext cx="0" cy="0"/>
-          <a:chOff x="0" y="0"/>
-          <a:chExt cx="0" cy="0"/>
-        </a:xfrm>
-      </p:grpSpPr>
-      <p:sp>
-        <p:nvSpPr>
-          <p:cNvPr id="122" name="Google Shape;122;p28"/>
-          <p:cNvSpPr txBox="1">
-            <a:spLocks noGrp="1"/>
-          </p:cNvSpPr>
-          <p:nvPr>
-            <p:ph type="title"/>
-          </p:nvPr>
-        </p:nvSpPr>
-        <p:spPr>
-          <a:xfrm>
-            <a:off x="427382" y="1962149"/>
-            <a:ext cx="8289236" cy="609601"/>
-          </a:xfrm>
-          <a:prstGeom prst="rect">
-            <a:avLst/>
-          </a:prstGeom>
-          <a:noFill/>
-          <a:ln>
-            <a:noFill/>
-          </a:ln>
-        </p:spPr>
-        <p:txBody>
-          <a:bodyPr spcFirstLastPara="1" wrap="square" lIns="0" tIns="0" rIns="0" bIns="0" anchor="ctr" anchorCtr="0">
-            <a:normAutofit/>
-          </a:bodyPr>
-          <a:lstStyle/>
-          <a:p>
-            <a:pPr marL="0" lvl="0" indent="0" algn="ctr" rtl="0">
-              <a:lnSpc>
-                <a:spcPct val="100000"/>
-              </a:lnSpc>
-              <a:spcBef>
-                <a:spcPts val="0"/>
-              </a:spcBef>
-              <a:spcAft>
-                <a:spcPts val="0"/>
-              </a:spcAft>
-              <a:buClr>
-                <a:srgbClr val="000000"/>
-              </a:buClr>
-              <a:buSzPts val="3600"/>
-              <a:buFont typeface="Roboto"/>
-              <a:buNone/>
-            </a:pPr>
-            <a:r>
-              <a:rPr lang="en" sz="3600"/>
-              <a:t>The Coach/Mentor Award</a:t>
-            </a:r>
-            <a:endParaRPr sz="3600"/>
-          </a:p>
-        </p:txBody>
-      </p:sp>
-    </p:spTree>
-  </p:cSld>
-  <p:clrMapOvr>
-    <a:masterClrMapping/>
-  </p:clrMapOvr>
-</p:sld>
-</file>
-
-<file path=ppt/slides/slide11.xml><?xml version="1.0" encoding="utf-8"?>
-<p:sld xmlns:a="http://schemas.openxmlformats.org/drawingml/2006/main" xmlns:r="http://schemas.openxmlformats.org/officeDocument/2006/relationships" xmlns:p="http://schemas.openxmlformats.org/presentationml/2006/main">
-  <p:cSld>
-    <p:spTree>
-      <p:nvGrpSpPr>
         <p:cNvPr id="1" name="Shape 126"/>
         <p:cNvGrpSpPr/>
         <p:nvPr/>
@@ -9635,7 +9452,7 @@
 </p:sld>
 </file>
 
-<file path=ppt/slides/slide12.xml><?xml version="1.0" encoding="utf-8"?>
+<file path=ppt/slides/slide11.xml><?xml version="1.0" encoding="utf-8"?>
 <p:sld xmlns:a="http://schemas.openxmlformats.org/drawingml/2006/main" xmlns:r="http://schemas.openxmlformats.org/officeDocument/2006/relationships" xmlns:p="http://schemas.openxmlformats.org/presentationml/2006/main">
   <p:cSld>
     <p:spTree>
@@ -9765,6 +9582,127 @@
         </p:txBody>
       </p:sp>
     </p:spTree>
+  </p:cSld>
+  <p:clrMapOvr>
+    <a:masterClrMapping/>
+  </p:clrMapOvr>
+</p:sld>
+</file>
+
+<file path=ppt/slides/slide12.xml><?xml version="1.0" encoding="utf-8"?>
+<p:sld xmlns:a="http://schemas.openxmlformats.org/drawingml/2006/main" xmlns:r="http://schemas.openxmlformats.org/officeDocument/2006/relationships" xmlns:p="http://schemas.openxmlformats.org/presentationml/2006/main">
+  <p:cSld>
+    <p:spTree>
+      <p:nvGrpSpPr>
+        <p:cNvPr id="1" name=""/>
+        <p:cNvGrpSpPr/>
+        <p:nvPr/>
+      </p:nvGrpSpPr>
+      <p:grpSpPr>
+        <a:xfrm>
+          <a:off x="0" y="0"/>
+          <a:ext cx="0" cy="0"/>
+          <a:chOff x="0" y="0"/>
+          <a:chExt cx="0" cy="0"/>
+        </a:xfrm>
+      </p:grpSpPr>
+      <p:sp>
+        <p:nvSpPr>
+          <p:cNvPr id="2" name="Title 1">
+            <a:extLst>
+              <a:ext uri="{FF2B5EF4-FFF2-40B4-BE49-F238E27FC236}">
+                <a16:creationId xmlns:a16="http://schemas.microsoft.com/office/drawing/2014/main" id="{4122A3F8-EFB9-FC12-0E0B-DB541BE52A16}"/>
+              </a:ext>
+            </a:extLst>
+          </p:cNvPr>
+          <p:cNvSpPr>
+            <a:spLocks noGrp="1"/>
+          </p:cNvSpPr>
+          <p:nvPr>
+            <p:ph type="title"/>
+          </p:nvPr>
+        </p:nvSpPr>
+        <p:spPr/>
+        <p:txBody>
+          <a:bodyPr/>
+          <a:lstStyle/>
+          <a:p>
+            <a:r>
+              <a:rPr lang="en-US" dirty="0"/>
+              <a:t>T-Shirt Design Winner</a:t>
+            </a:r>
+          </a:p>
+        </p:txBody>
+      </p:sp>
+      <p:sp>
+        <p:nvSpPr>
+          <p:cNvPr id="3" name="Text Placeholder 2">
+            <a:extLst>
+              <a:ext uri="{FF2B5EF4-FFF2-40B4-BE49-F238E27FC236}">
+                <a16:creationId xmlns:a16="http://schemas.microsoft.com/office/drawing/2014/main" id="{C03E5D99-93D5-50C0-6E73-973C60A71B26}"/>
+              </a:ext>
+            </a:extLst>
+          </p:cNvPr>
+          <p:cNvSpPr>
+            <a:spLocks noGrp="1"/>
+          </p:cNvSpPr>
+          <p:nvPr>
+            <p:ph type="body" idx="1"/>
+          </p:nvPr>
+        </p:nvSpPr>
+        <p:spPr/>
+        <p:txBody>
+          <a:bodyPr>
+            <a:normAutofit/>
+          </a:bodyPr>
+          <a:lstStyle/>
+          <a:p>
+            <a:pPr marL="228600" indent="0"/>
+            <a:r>
+              <a:rPr lang="en-US" dirty="0"/>
+              <a:t>We asked all teams to enter a T-Shirt Design for the Regional Championship… This season’s winner is</a:t>
+            </a:r>
+          </a:p>
+          <a:p>
+            <a:pPr algn="ctr"/>
+            <a:r>
+              <a:rPr lang="en-US" sz="3600" b="1" dirty="0"/>
+              <a:t>{T-Shirt Design}</a:t>
+            </a:r>
+          </a:p>
+          <a:p>
+            <a:pPr marL="228600" indent="0"/>
+            <a:r>
+              <a:rPr lang="en-US" dirty="0">
+                <a:latin typeface="Roboto" panose="020B0604020202020204" charset="0"/>
+                <a:ea typeface="Roboto" panose="020B0604020202020204" charset="0"/>
+              </a:rPr>
+              <a:t>The team wins an invitation to the Regional Championship, coming Friday/Saturday January 17, 18 at the </a:t>
+            </a:r>
+            <a:r>
+              <a:rPr lang="en-US" b="0" i="0" dirty="0">
+                <a:solidFill>
+                  <a:srgbClr val="202124"/>
+                </a:solidFill>
+                <a:effectLst/>
+                <a:latin typeface="Roboto" panose="020B0604020202020204" charset="0"/>
+                <a:ea typeface="Roboto" panose="020B0604020202020204" charset="0"/>
+              </a:rPr>
+              <a:t>Legacy Park Multipurpose Center in Alachua, Florida</a:t>
+            </a:r>
+            <a:endParaRPr lang="en-US" sz="1200" dirty="0">
+              <a:latin typeface="Roboto" panose="020B0604020202020204" charset="0"/>
+              <a:ea typeface="Roboto" panose="020B0604020202020204" charset="0"/>
+            </a:endParaRPr>
+          </a:p>
+        </p:txBody>
+      </p:sp>
+    </p:spTree>
+    <p:extLst>
+      <p:ext uri="{BB962C8B-B14F-4D97-AF65-F5344CB8AC3E}">
+        <p14:creationId xmlns:p14="http://schemas.microsoft.com/office/powerpoint/2010/main" val="3897328644"/>
+      </p:ext>
+    </p:extLst>
   </p:cSld>
   <p:clrMapOvr>
     <a:masterClrMapping/>
@@ -11910,7 +11848,7 @@
   <p:cSld>
     <p:spTree>
       <p:nvGrpSpPr>
-        <p:cNvPr id="1" name="Shape 83"/>
+        <p:cNvPr id="1" name="Shape 88"/>
         <p:cNvGrpSpPr/>
         <p:nvPr/>
       </p:nvGrpSpPr>
@@ -11924,7 +11862,7 @@
       </p:grpSpPr>
       <p:sp>
         <p:nvSpPr>
-          <p:cNvPr id="84" name="Google Shape;84;p21"/>
+          <p:cNvPr id="89" name="Google Shape;89;p22"/>
           <p:cNvSpPr txBox="1">
             <a:spLocks noGrp="1"/>
           </p:cNvSpPr>
@@ -11978,9 +11916,17 @@
                 <a:cs typeface="Roboto"/>
                 <a:sym typeface="Roboto"/>
               </a:rPr>
-              <a:t>Medals</a:t>
+              <a:t>Thank-yous</a:t>
             </a:r>
-            <a:endParaRPr/>
+            <a:endParaRPr sz="3600" b="1" i="0" u="none" strike="noStrike" cap="none">
+              <a:solidFill>
+                <a:srgbClr val="FFFFFF"/>
+              </a:solidFill>
+              <a:latin typeface="Roboto"/>
+              <a:ea typeface="Roboto"/>
+              <a:cs typeface="Roboto"/>
+              <a:sym typeface="Roboto"/>
+            </a:endParaRPr>
           </a:p>
         </p:txBody>
       </p:sp>
@@ -13201,674 +13147,6 @@
 </file>
 
 <file path=ppt/slides/slide4.xml><?xml version="1.0" encoding="utf-8"?>
-<p:sld xmlns:a="http://schemas.openxmlformats.org/drawingml/2006/main" xmlns:r="http://schemas.openxmlformats.org/officeDocument/2006/relationships" xmlns:p="http://schemas.openxmlformats.org/presentationml/2006/main">
-  <p:cSld>
-    <p:spTree>
-      <p:nvGrpSpPr>
-        <p:cNvPr id="1" name="Shape 88"/>
-        <p:cNvGrpSpPr/>
-        <p:nvPr/>
-      </p:nvGrpSpPr>
-      <p:grpSpPr>
-        <a:xfrm>
-          <a:off x="0" y="0"/>
-          <a:ext cx="0" cy="0"/>
-          <a:chOff x="0" y="0"/>
-          <a:chExt cx="0" cy="0"/>
-        </a:xfrm>
-      </p:grpSpPr>
-      <p:sp>
-        <p:nvSpPr>
-          <p:cNvPr id="89" name="Google Shape;89;p22"/>
-          <p:cNvSpPr txBox="1">
-            <a:spLocks noGrp="1"/>
-          </p:cNvSpPr>
-          <p:nvPr>
-            <p:ph type="title"/>
-          </p:nvPr>
-        </p:nvSpPr>
-        <p:spPr>
-          <a:xfrm>
-            <a:off x="341610" y="2244587"/>
-            <a:ext cx="8460779" cy="654326"/>
-          </a:xfrm>
-          <a:prstGeom prst="rect">
-            <a:avLst/>
-          </a:prstGeom>
-          <a:noFill/>
-          <a:ln>
-            <a:noFill/>
-          </a:ln>
-        </p:spPr>
-        <p:txBody>
-          <a:bodyPr spcFirstLastPara="1" wrap="square" lIns="0" tIns="0" rIns="0" bIns="0" anchor="t" anchorCtr="0">
-            <a:normAutofit/>
-          </a:bodyPr>
-          <a:lstStyle/>
-          <a:p>
-            <a:pPr marL="0" lvl="0" indent="0" algn="ctr" rtl="0">
-              <a:lnSpc>
-                <a:spcPct val="90000"/>
-              </a:lnSpc>
-              <a:spcBef>
-                <a:spcPts val="0"/>
-              </a:spcBef>
-              <a:spcAft>
-                <a:spcPts val="0"/>
-              </a:spcAft>
-              <a:buClr>
-                <a:srgbClr val="FFFFFF"/>
-              </a:buClr>
-              <a:buSzPts val="3600"/>
-              <a:buFont typeface="Roboto"/>
-              <a:buNone/>
-            </a:pPr>
-            <a:r>
-              <a:rPr lang="en" sz="3600" b="1" i="0" u="none" strike="noStrike" cap="none">
-                <a:solidFill>
-                  <a:srgbClr val="FFFFFF"/>
-                </a:solidFill>
-                <a:latin typeface="Roboto"/>
-                <a:ea typeface="Roboto"/>
-                <a:cs typeface="Roboto"/>
-                <a:sym typeface="Roboto"/>
-              </a:rPr>
-              <a:t>Thank-yous</a:t>
-            </a:r>
-            <a:endParaRPr sz="3600" b="1" i="0" u="none" strike="noStrike" cap="none">
-              <a:solidFill>
-                <a:srgbClr val="FFFFFF"/>
-              </a:solidFill>
-              <a:latin typeface="Roboto"/>
-              <a:ea typeface="Roboto"/>
-              <a:cs typeface="Roboto"/>
-              <a:sym typeface="Roboto"/>
-            </a:endParaRPr>
-          </a:p>
-        </p:txBody>
-      </p:sp>
-    </p:spTree>
-  </p:cSld>
-  <p:clrMapOvr>
-    <a:masterClrMapping/>
-  </p:clrMapOvr>
-</p:sld>
-</file>
-
-<file path=ppt/slides/slide40.xml><?xml version="1.0" encoding="utf-8"?>
-<p:sld xmlns:a="http://schemas.openxmlformats.org/drawingml/2006/main" xmlns:r="http://schemas.openxmlformats.org/officeDocument/2006/relationships" xmlns:p="http://schemas.openxmlformats.org/presentationml/2006/main">
-  <p:cSld>
-    <p:spTree>
-      <p:nvGrpSpPr>
-        <p:cNvPr id="1" name="Shape 291"/>
-        <p:cNvGrpSpPr/>
-        <p:nvPr/>
-      </p:nvGrpSpPr>
-      <p:grpSpPr>
-        <a:xfrm>
-          <a:off x="0" y="0"/>
-          <a:ext cx="0" cy="0"/>
-          <a:chOff x="0" y="0"/>
-          <a:chExt cx="0" cy="0"/>
-        </a:xfrm>
-      </p:grpSpPr>
-      <p:sp>
-        <p:nvSpPr>
-          <p:cNvPr id="292" name="Google Shape;292;p58"/>
-          <p:cNvSpPr txBox="1">
-            <a:spLocks noGrp="1"/>
-          </p:cNvSpPr>
-          <p:nvPr>
-            <p:ph type="title"/>
-          </p:nvPr>
-        </p:nvSpPr>
-        <p:spPr>
-          <a:xfrm>
-            <a:off x="457198" y="398044"/>
-            <a:ext cx="8289236" cy="609601"/>
-          </a:xfrm>
-          <a:prstGeom prst="rect">
-            <a:avLst/>
-          </a:prstGeom>
-          <a:noFill/>
-          <a:ln>
-            <a:noFill/>
-          </a:ln>
-        </p:spPr>
-        <p:txBody>
-          <a:bodyPr spcFirstLastPara="1" wrap="square" lIns="0" tIns="0" rIns="0" bIns="0" anchor="ctr" anchorCtr="0">
-            <a:normAutofit fontScale="90000"/>
-          </a:bodyPr>
-          <a:lstStyle/>
-          <a:p>
-            <a:pPr marL="0" lvl="0" indent="0" algn="l" rtl="0">
-              <a:lnSpc>
-                <a:spcPct val="100000"/>
-              </a:lnSpc>
-              <a:spcBef>
-                <a:spcPts val="0"/>
-              </a:spcBef>
-              <a:spcAft>
-                <a:spcPts val="0"/>
-              </a:spcAft>
-              <a:buClr>
-                <a:srgbClr val="000000"/>
-              </a:buClr>
-              <a:buSzPct val="100000"/>
-              <a:buFont typeface="Roboto"/>
-              <a:buNone/>
-            </a:pPr>
-            <a:r>
-              <a:rPr lang="en"/>
-              <a:t>Teams advancing to </a:t>
-            </a:r>
-            <a:r>
-              <a:rPr lang="en">
-                <a:highlight>
-                  <a:srgbClr val="FFFF00"/>
-                </a:highlight>
-              </a:rPr>
-              <a:t>Championship/World Festival/Open Invitational</a:t>
-            </a:r>
-            <a:endParaRPr>
-              <a:highlight>
-                <a:srgbClr val="FFFF00"/>
-              </a:highlight>
-            </a:endParaRPr>
-          </a:p>
-        </p:txBody>
-      </p:sp>
-      <p:sp>
-        <p:nvSpPr>
-          <p:cNvPr id="293" name="Google Shape;293;p58"/>
-          <p:cNvSpPr txBox="1">
-            <a:spLocks noGrp="1"/>
-          </p:cNvSpPr>
-          <p:nvPr>
-            <p:ph type="body" idx="1"/>
-          </p:nvPr>
-        </p:nvSpPr>
-        <p:spPr>
-          <a:xfrm>
-            <a:off x="457198" y="1143000"/>
-            <a:ext cx="8289237" cy="2852404"/>
-          </a:xfrm>
-          <a:prstGeom prst="rect">
-            <a:avLst/>
-          </a:prstGeom>
-          <a:noFill/>
-          <a:ln>
-            <a:noFill/>
-          </a:ln>
-        </p:spPr>
-        <p:txBody>
-          <a:bodyPr spcFirstLastPara="1" wrap="square" lIns="45700" tIns="45700" rIns="45700" bIns="45700" anchor="t" anchorCtr="0">
-            <a:normAutofit fontScale="70000" lnSpcReduction="20000"/>
-          </a:bodyPr>
-          <a:lstStyle/>
-          <a:p>
-            <a:pPr marL="0" lvl="0" indent="0" algn="l" rtl="0">
-              <a:lnSpc>
-                <a:spcPct val="100000"/>
-              </a:lnSpc>
-              <a:spcBef>
-                <a:spcPts val="0"/>
-              </a:spcBef>
-              <a:spcAft>
-                <a:spcPts val="0"/>
-              </a:spcAft>
-              <a:buClr>
-                <a:srgbClr val="000000"/>
-              </a:buClr>
-              <a:buSzPts val="2000"/>
-              <a:buFont typeface="Roboto"/>
-              <a:buNone/>
-            </a:pPr>
-            <a:r>
-              <a:rPr lang="en" b="1" dirty="0">
-                <a:highlight>
-                  <a:srgbClr val="FFFF00"/>
-                </a:highlight>
-              </a:rPr>
-              <a:t>Congratulations to teams (if applicable):</a:t>
-            </a:r>
-          </a:p>
-          <a:p>
-            <a:pPr marL="0" lvl="0" indent="0" algn="ctr" rtl="0">
-              <a:lnSpc>
-                <a:spcPct val="100000"/>
-              </a:lnSpc>
-              <a:spcBef>
-                <a:spcPts val="0"/>
-              </a:spcBef>
-              <a:spcAft>
-                <a:spcPts val="0"/>
-              </a:spcAft>
-              <a:buClr>
-                <a:srgbClr val="000000"/>
-              </a:buClr>
-              <a:buSzPts val="2000"/>
-              <a:buFont typeface="Roboto"/>
-              <a:buNone/>
-            </a:pPr>
-            <a:r>
-              <a:rPr lang="en" sz="4100" b="1" dirty="0"/>
-              <a:t>{Advancing Team 1}</a:t>
-            </a:r>
-          </a:p>
-          <a:p>
-            <a:pPr marL="0" indent="0" algn="ctr">
-              <a:spcBef>
-                <a:spcPts val="0"/>
-              </a:spcBef>
-              <a:buSzPts val="2000"/>
-            </a:pPr>
-            <a:r>
-              <a:rPr lang="en-US" sz="4100" b="1" dirty="0"/>
-              <a:t>{Advancing Team 2}</a:t>
-            </a:r>
-          </a:p>
-          <a:p>
-            <a:pPr marL="0" indent="0" algn="ctr">
-              <a:spcBef>
-                <a:spcPts val="0"/>
-              </a:spcBef>
-              <a:buSzPts val="2000"/>
-            </a:pPr>
-            <a:r>
-              <a:rPr lang="en-US" sz="4100" b="1" dirty="0"/>
-              <a:t>{Advancing Team 3}</a:t>
-            </a:r>
-          </a:p>
-          <a:p>
-            <a:pPr marL="0" indent="0" algn="ctr">
-              <a:spcBef>
-                <a:spcPts val="0"/>
-              </a:spcBef>
-              <a:buSzPts val="2000"/>
-            </a:pPr>
-            <a:r>
-              <a:rPr lang="en-US" sz="4100" b="1" dirty="0"/>
-              <a:t>{Advancing Team 4}</a:t>
-            </a:r>
-          </a:p>
-          <a:p>
-            <a:pPr marL="0" indent="0" algn="ctr">
-              <a:spcBef>
-                <a:spcPts val="0"/>
-              </a:spcBef>
-              <a:buSzPts val="2000"/>
-            </a:pPr>
-            <a:r>
-              <a:rPr lang="en-US" sz="4100" b="1" dirty="0"/>
-              <a:t>{Advancing Team 5}</a:t>
-            </a:r>
-          </a:p>
-          <a:p>
-            <a:pPr marL="0" indent="0" algn="ctr">
-              <a:spcBef>
-                <a:spcPts val="0"/>
-              </a:spcBef>
-              <a:buSzPts val="2000"/>
-            </a:pPr>
-            <a:r>
-              <a:rPr lang="en-US" sz="4100" b="1" dirty="0"/>
-              <a:t>{Advancing Team 6}</a:t>
-            </a:r>
-          </a:p>
-          <a:p>
-            <a:pPr marL="0" indent="0" algn="ctr">
-              <a:spcBef>
-                <a:spcPts val="0"/>
-              </a:spcBef>
-              <a:buSzPts val="2000"/>
-            </a:pPr>
-            <a:r>
-              <a:rPr lang="en-US" sz="4100" b="1" dirty="0"/>
-              <a:t>{Advancing Team 7}</a:t>
-            </a:r>
-          </a:p>
-          <a:p>
-            <a:pPr marL="0" lvl="0" indent="0" algn="l" rtl="0">
-              <a:lnSpc>
-                <a:spcPct val="100000"/>
-              </a:lnSpc>
-              <a:spcBef>
-                <a:spcPts val="0"/>
-              </a:spcBef>
-              <a:spcAft>
-                <a:spcPts val="0"/>
-              </a:spcAft>
-              <a:buClr>
-                <a:srgbClr val="000000"/>
-              </a:buClr>
-              <a:buSzPts val="2000"/>
-              <a:buFont typeface="Roboto"/>
-              <a:buNone/>
-            </a:pPr>
-            <a:endParaRPr dirty="0"/>
-          </a:p>
-        </p:txBody>
-      </p:sp>
-    </p:spTree>
-  </p:cSld>
-  <p:clrMapOvr>
-    <a:masterClrMapping/>
-  </p:clrMapOvr>
-</p:sld>
-</file>
-
-<file path=ppt/slides/slide41.xml><?xml version="1.0" encoding="utf-8"?>
-<p:sld xmlns:a="http://schemas.openxmlformats.org/drawingml/2006/main" xmlns:r="http://schemas.openxmlformats.org/officeDocument/2006/relationships" xmlns:p="http://schemas.openxmlformats.org/presentationml/2006/main">
-  <p:cSld>
-    <p:spTree>
-      <p:nvGrpSpPr>
-        <p:cNvPr id="1" name="Shape 297"/>
-        <p:cNvGrpSpPr/>
-        <p:nvPr/>
-      </p:nvGrpSpPr>
-      <p:grpSpPr>
-        <a:xfrm>
-          <a:off x="0" y="0"/>
-          <a:ext cx="0" cy="0"/>
-          <a:chOff x="0" y="0"/>
-          <a:chExt cx="0" cy="0"/>
-        </a:xfrm>
-      </p:grpSpPr>
-      <p:sp>
-        <p:nvSpPr>
-          <p:cNvPr id="298" name="Google Shape;298;p59"/>
-          <p:cNvSpPr txBox="1">
-            <a:spLocks noGrp="1"/>
-          </p:cNvSpPr>
-          <p:nvPr>
-            <p:ph type="title"/>
-          </p:nvPr>
-        </p:nvSpPr>
-        <p:spPr>
-          <a:xfrm>
-            <a:off x="457198" y="398044"/>
-            <a:ext cx="8289236" cy="609601"/>
-          </a:xfrm>
-          <a:prstGeom prst="rect">
-            <a:avLst/>
-          </a:prstGeom>
-          <a:noFill/>
-          <a:ln>
-            <a:noFill/>
-          </a:ln>
-        </p:spPr>
-        <p:txBody>
-          <a:bodyPr spcFirstLastPara="1" wrap="square" lIns="0" tIns="0" rIns="0" bIns="0" anchor="ctr" anchorCtr="0">
-            <a:normAutofit/>
-          </a:bodyPr>
-          <a:lstStyle/>
-          <a:p>
-            <a:pPr marL="0" lvl="0" indent="0" algn="l" rtl="0">
-              <a:lnSpc>
-                <a:spcPct val="100000"/>
-              </a:lnSpc>
-              <a:spcBef>
-                <a:spcPts val="0"/>
-              </a:spcBef>
-              <a:spcAft>
-                <a:spcPts val="0"/>
-              </a:spcAft>
-              <a:buClr>
-                <a:srgbClr val="000000"/>
-              </a:buClr>
-              <a:buSzPts val="2400"/>
-              <a:buFont typeface="Roboto"/>
-              <a:buNone/>
-            </a:pPr>
-            <a:r>
-              <a:rPr lang="en"/>
-              <a:t>Collect your rubrics!</a:t>
-            </a:r>
-            <a:endParaRPr/>
-          </a:p>
-        </p:txBody>
-      </p:sp>
-      <p:sp>
-        <p:nvSpPr>
-          <p:cNvPr id="299" name="Google Shape;299;p59"/>
-          <p:cNvSpPr txBox="1">
-            <a:spLocks noGrp="1"/>
-          </p:cNvSpPr>
-          <p:nvPr>
-            <p:ph type="body" idx="1"/>
-          </p:nvPr>
-        </p:nvSpPr>
-        <p:spPr>
-          <a:xfrm>
-            <a:off x="457198" y="1143000"/>
-            <a:ext cx="8289237" cy="2419398"/>
-          </a:xfrm>
-          <a:prstGeom prst="rect">
-            <a:avLst/>
-          </a:prstGeom>
-          <a:noFill/>
-          <a:ln>
-            <a:noFill/>
-          </a:ln>
-        </p:spPr>
-        <p:txBody>
-          <a:bodyPr spcFirstLastPara="1" wrap="square" lIns="45700" tIns="45700" rIns="45700" bIns="45700" anchor="t" anchorCtr="0">
-            <a:normAutofit/>
-          </a:bodyPr>
-          <a:lstStyle/>
-          <a:p>
-            <a:pPr marL="0" lvl="0" indent="0" algn="l" rtl="0">
-              <a:lnSpc>
-                <a:spcPct val="100000"/>
-              </a:lnSpc>
-              <a:spcBef>
-                <a:spcPts val="0"/>
-              </a:spcBef>
-              <a:spcAft>
-                <a:spcPts val="0"/>
-              </a:spcAft>
-              <a:buClr>
-                <a:srgbClr val="000000"/>
-              </a:buClr>
-              <a:buSzPts val="2000"/>
-              <a:buFont typeface="Roboto"/>
-              <a:buNone/>
-            </a:pPr>
-            <a:r>
-              <a:rPr lang="en">
-                <a:highlight>
-                  <a:srgbClr val="FFFF00"/>
-                </a:highlight>
-              </a:rPr>
-              <a:t>Pick them up at: Location</a:t>
-            </a:r>
-            <a:endParaRPr/>
-          </a:p>
-          <a:p>
-            <a:pPr marL="0" lvl="0" indent="0" algn="l" rtl="0">
-              <a:lnSpc>
-                <a:spcPct val="100000"/>
-              </a:lnSpc>
-              <a:spcBef>
-                <a:spcPts val="600"/>
-              </a:spcBef>
-              <a:spcAft>
-                <a:spcPts val="0"/>
-              </a:spcAft>
-              <a:buClr>
-                <a:srgbClr val="000000"/>
-              </a:buClr>
-              <a:buSzPts val="2000"/>
-              <a:buFont typeface="Roboto"/>
-              <a:buNone/>
-            </a:pPr>
-            <a:r>
-              <a:rPr lang="en">
-                <a:highlight>
-                  <a:srgbClr val="FFFF00"/>
-                </a:highlight>
-              </a:rPr>
-              <a:t>Add any additional instructions here.</a:t>
-            </a:r>
-            <a:endParaRPr>
-              <a:highlight>
-                <a:srgbClr val="FFFF00"/>
-              </a:highlight>
-            </a:endParaRPr>
-          </a:p>
-        </p:txBody>
-      </p:sp>
-    </p:spTree>
-  </p:cSld>
-  <p:clrMapOvr>
-    <a:masterClrMapping/>
-  </p:clrMapOvr>
-</p:sld>
-</file>
-
-<file path=ppt/slides/slide42.xml><?xml version="1.0" encoding="utf-8"?>
-<p:sld xmlns:a="http://schemas.openxmlformats.org/drawingml/2006/main" xmlns:r="http://schemas.openxmlformats.org/officeDocument/2006/relationships" xmlns:p="http://schemas.openxmlformats.org/presentationml/2006/main">
-  <p:cSld>
-    <p:spTree>
-      <p:nvGrpSpPr>
-        <p:cNvPr id="1" name="Shape 303"/>
-        <p:cNvGrpSpPr/>
-        <p:nvPr/>
-      </p:nvGrpSpPr>
-      <p:grpSpPr>
-        <a:xfrm>
-          <a:off x="0" y="0"/>
-          <a:ext cx="0" cy="0"/>
-          <a:chOff x="0" y="0"/>
-          <a:chExt cx="0" cy="0"/>
-        </a:xfrm>
-      </p:grpSpPr>
-      <p:sp>
-        <p:nvSpPr>
-          <p:cNvPr id="304" name="Google Shape;304;p60"/>
-          <p:cNvSpPr txBox="1">
-            <a:spLocks noGrp="1"/>
-          </p:cNvSpPr>
-          <p:nvPr>
-            <p:ph type="title"/>
-          </p:nvPr>
-        </p:nvSpPr>
-        <p:spPr>
-          <a:xfrm>
-            <a:off x="341610" y="1917424"/>
-            <a:ext cx="8460778" cy="654326"/>
-          </a:xfrm>
-          <a:prstGeom prst="rect">
-            <a:avLst/>
-          </a:prstGeom>
-          <a:noFill/>
-          <a:ln>
-            <a:noFill/>
-          </a:ln>
-        </p:spPr>
-        <p:txBody>
-          <a:bodyPr spcFirstLastPara="1" wrap="square" lIns="0" tIns="0" rIns="0" bIns="0" anchor="t" anchorCtr="0">
-            <a:normAutofit/>
-          </a:bodyPr>
-          <a:lstStyle/>
-          <a:p>
-            <a:pPr marL="0" lvl="0" indent="0" algn="ctr" rtl="0">
-              <a:lnSpc>
-                <a:spcPct val="90000"/>
-              </a:lnSpc>
-              <a:spcBef>
-                <a:spcPts val="0"/>
-              </a:spcBef>
-              <a:spcAft>
-                <a:spcPts val="0"/>
-              </a:spcAft>
-              <a:buClr>
-                <a:srgbClr val="FFFFFF"/>
-              </a:buClr>
-              <a:buSzPts val="3600"/>
-              <a:buFont typeface="Roboto"/>
-              <a:buNone/>
-            </a:pPr>
-            <a:r>
-              <a:rPr lang="en" sz="3600" b="1" i="0" u="none" strike="noStrike" cap="none">
-                <a:solidFill>
-                  <a:srgbClr val="FFFFFF"/>
-                </a:solidFill>
-                <a:latin typeface="Roboto"/>
-                <a:ea typeface="Roboto"/>
-                <a:cs typeface="Roboto"/>
-                <a:sym typeface="Roboto"/>
-              </a:rPr>
-              <a:t>Congratulations, Teams!</a:t>
-            </a:r>
-            <a:endParaRPr/>
-          </a:p>
-        </p:txBody>
-      </p:sp>
-      <p:sp>
-        <p:nvSpPr>
-          <p:cNvPr id="305" name="Google Shape;305;p60"/>
-          <p:cNvSpPr txBox="1">
-            <a:spLocks noGrp="1"/>
-          </p:cNvSpPr>
-          <p:nvPr>
-            <p:ph type="body" idx="1"/>
-          </p:nvPr>
-        </p:nvSpPr>
-        <p:spPr>
-          <a:xfrm>
-            <a:off x="341611" y="2571750"/>
-            <a:ext cx="8460777" cy="360368"/>
-          </a:xfrm>
-          <a:prstGeom prst="rect">
-            <a:avLst/>
-          </a:prstGeom>
-          <a:noFill/>
-          <a:ln>
-            <a:noFill/>
-          </a:ln>
-        </p:spPr>
-        <p:txBody>
-          <a:bodyPr spcFirstLastPara="1" wrap="square" lIns="0" tIns="0" rIns="0" bIns="0" anchor="t" anchorCtr="0">
-            <a:normAutofit/>
-          </a:bodyPr>
-          <a:lstStyle/>
-          <a:p>
-            <a:pPr marL="0" lvl="0" indent="0" algn="ctr" rtl="0">
-              <a:lnSpc>
-                <a:spcPct val="100000"/>
-              </a:lnSpc>
-              <a:spcBef>
-                <a:spcPts val="0"/>
-              </a:spcBef>
-              <a:spcAft>
-                <a:spcPts val="0"/>
-              </a:spcAft>
-              <a:buClr>
-                <a:srgbClr val="FFFFFF"/>
-              </a:buClr>
-              <a:buSzPts val="2200"/>
-              <a:buFont typeface="Roboto"/>
-              <a:buNone/>
-            </a:pPr>
-            <a:r>
-              <a:rPr lang="en" dirty="0"/>
-              <a:t>We will see you next season!</a:t>
-            </a:r>
-            <a:endParaRPr dirty="0"/>
-          </a:p>
-        </p:txBody>
-      </p:sp>
-    </p:spTree>
-  </p:cSld>
-  <p:clrMapOvr>
-    <a:masterClrMapping/>
-  </p:clrMapOvr>
-</p:sld>
-</file>
-
-<file path=ppt/slides/slide5.xml><?xml version="1.0" encoding="utf-8"?>
 <p:sld xmlns:a="http://schemas.openxmlformats.org/drawingml/2006/main" xmlns:r="http://schemas.openxmlformats.org/officeDocument/2006/relationships" xmlns:p="http://schemas.openxmlformats.org/presentationml/2006/main">
   <p:cSld>
     <p:spTree>
@@ -13920,7 +13198,580 @@
 </p:sld>
 </file>
 
-<file path=ppt/slides/slide6.xml><?xml version="1.0" encoding="utf-8"?>
+<file path=ppt/slides/slide40.xml><?xml version="1.0" encoding="utf-8"?>
+<p:sld xmlns:a="http://schemas.openxmlformats.org/drawingml/2006/main" xmlns:r="http://schemas.openxmlformats.org/officeDocument/2006/relationships" xmlns:p="http://schemas.openxmlformats.org/presentationml/2006/main">
+  <p:cSld>
+    <p:spTree>
+      <p:nvGrpSpPr>
+        <p:cNvPr id="1" name="Shape 291"/>
+        <p:cNvGrpSpPr/>
+        <p:nvPr/>
+      </p:nvGrpSpPr>
+      <p:grpSpPr>
+        <a:xfrm>
+          <a:off x="0" y="0"/>
+          <a:ext cx="0" cy="0"/>
+          <a:chOff x="0" y="0"/>
+          <a:chExt cx="0" cy="0"/>
+        </a:xfrm>
+      </p:grpSpPr>
+      <p:sp>
+        <p:nvSpPr>
+          <p:cNvPr id="292" name="Google Shape;292;p58"/>
+          <p:cNvSpPr txBox="1">
+            <a:spLocks noGrp="1"/>
+          </p:cNvSpPr>
+          <p:nvPr>
+            <p:ph type="title"/>
+          </p:nvPr>
+        </p:nvSpPr>
+        <p:spPr>
+          <a:xfrm>
+            <a:off x="457198" y="398044"/>
+            <a:ext cx="8289236" cy="609601"/>
+          </a:xfrm>
+          <a:prstGeom prst="rect">
+            <a:avLst/>
+          </a:prstGeom>
+          <a:noFill/>
+          <a:ln>
+            <a:noFill/>
+          </a:ln>
+        </p:spPr>
+        <p:txBody>
+          <a:bodyPr spcFirstLastPara="1" wrap="square" lIns="0" tIns="0" rIns="0" bIns="0" anchor="ctr" anchorCtr="0">
+            <a:normAutofit fontScale="90000"/>
+          </a:bodyPr>
+          <a:lstStyle/>
+          <a:p>
+            <a:pPr marL="0" lvl="0" indent="0" algn="l" rtl="0">
+              <a:lnSpc>
+                <a:spcPct val="100000"/>
+              </a:lnSpc>
+              <a:spcBef>
+                <a:spcPts val="0"/>
+              </a:spcBef>
+              <a:spcAft>
+                <a:spcPts val="0"/>
+              </a:spcAft>
+              <a:buClr>
+                <a:srgbClr val="000000"/>
+              </a:buClr>
+              <a:buSzPct val="100000"/>
+              <a:buFont typeface="Roboto"/>
+              <a:buNone/>
+            </a:pPr>
+            <a:r>
+              <a:rPr lang="en"/>
+              <a:t>Teams advancing to </a:t>
+            </a:r>
+            <a:r>
+              <a:rPr lang="en">
+                <a:highlight>
+                  <a:srgbClr val="FFFF00"/>
+                </a:highlight>
+              </a:rPr>
+              <a:t>Championship/World Festival/Open Invitational</a:t>
+            </a:r>
+            <a:endParaRPr>
+              <a:highlight>
+                <a:srgbClr val="FFFF00"/>
+              </a:highlight>
+            </a:endParaRPr>
+          </a:p>
+        </p:txBody>
+      </p:sp>
+      <p:sp>
+        <p:nvSpPr>
+          <p:cNvPr id="293" name="Google Shape;293;p58"/>
+          <p:cNvSpPr txBox="1">
+            <a:spLocks noGrp="1"/>
+          </p:cNvSpPr>
+          <p:nvPr>
+            <p:ph type="body" idx="1"/>
+          </p:nvPr>
+        </p:nvSpPr>
+        <p:spPr>
+          <a:xfrm>
+            <a:off x="457198" y="1143000"/>
+            <a:ext cx="8289237" cy="2852404"/>
+          </a:xfrm>
+          <a:prstGeom prst="rect">
+            <a:avLst/>
+          </a:prstGeom>
+          <a:noFill/>
+          <a:ln>
+            <a:noFill/>
+          </a:ln>
+        </p:spPr>
+        <p:txBody>
+          <a:bodyPr spcFirstLastPara="1" wrap="square" lIns="45700" tIns="45700" rIns="45700" bIns="45700" anchor="t" anchorCtr="0">
+            <a:normAutofit fontScale="70000" lnSpcReduction="20000"/>
+          </a:bodyPr>
+          <a:lstStyle/>
+          <a:p>
+            <a:pPr marL="0" lvl="0" indent="0" algn="l" rtl="0">
+              <a:lnSpc>
+                <a:spcPct val="100000"/>
+              </a:lnSpc>
+              <a:spcBef>
+                <a:spcPts val="0"/>
+              </a:spcBef>
+              <a:spcAft>
+                <a:spcPts val="0"/>
+              </a:spcAft>
+              <a:buClr>
+                <a:srgbClr val="000000"/>
+              </a:buClr>
+              <a:buSzPts val="2000"/>
+              <a:buFont typeface="Roboto"/>
+              <a:buNone/>
+            </a:pPr>
+            <a:r>
+              <a:rPr lang="en" b="1" dirty="0">
+                <a:highlight>
+                  <a:srgbClr val="FFFF00"/>
+                </a:highlight>
+              </a:rPr>
+              <a:t>Congratulations to teams (if applicable):</a:t>
+            </a:r>
+          </a:p>
+          <a:p>
+            <a:pPr marL="0" lvl="0" indent="0" algn="ctr" rtl="0">
+              <a:lnSpc>
+                <a:spcPct val="100000"/>
+              </a:lnSpc>
+              <a:spcBef>
+                <a:spcPts val="0"/>
+              </a:spcBef>
+              <a:spcAft>
+                <a:spcPts val="0"/>
+              </a:spcAft>
+              <a:buClr>
+                <a:srgbClr val="000000"/>
+              </a:buClr>
+              <a:buSzPts val="2000"/>
+              <a:buFont typeface="Roboto"/>
+              <a:buNone/>
+            </a:pPr>
+            <a:r>
+              <a:rPr lang="en" sz="4100" b="1" dirty="0"/>
+              <a:t>{Advancing Team 1}</a:t>
+            </a:r>
+          </a:p>
+          <a:p>
+            <a:pPr marL="0" indent="0" algn="ctr">
+              <a:spcBef>
+                <a:spcPts val="0"/>
+              </a:spcBef>
+              <a:buSzPts val="2000"/>
+            </a:pPr>
+            <a:r>
+              <a:rPr lang="en-US" sz="4100" b="1" dirty="0"/>
+              <a:t>{Advancing Team 2}</a:t>
+            </a:r>
+          </a:p>
+          <a:p>
+            <a:pPr marL="0" indent="0" algn="ctr">
+              <a:spcBef>
+                <a:spcPts val="0"/>
+              </a:spcBef>
+              <a:buSzPts val="2000"/>
+            </a:pPr>
+            <a:r>
+              <a:rPr lang="en-US" sz="4100" b="1" dirty="0"/>
+              <a:t>{Advancing Team 3}</a:t>
+            </a:r>
+          </a:p>
+          <a:p>
+            <a:pPr marL="0" indent="0" algn="ctr">
+              <a:spcBef>
+                <a:spcPts val="0"/>
+              </a:spcBef>
+              <a:buSzPts val="2000"/>
+            </a:pPr>
+            <a:r>
+              <a:rPr lang="en-US" sz="4100" b="1" dirty="0"/>
+              <a:t>{Advancing Team 4}</a:t>
+            </a:r>
+          </a:p>
+          <a:p>
+            <a:pPr marL="0" indent="0" algn="ctr">
+              <a:spcBef>
+                <a:spcPts val="0"/>
+              </a:spcBef>
+              <a:buSzPts val="2000"/>
+            </a:pPr>
+            <a:r>
+              <a:rPr lang="en-US" sz="4100" b="1" dirty="0"/>
+              <a:t>{Advancing Team 5}</a:t>
+            </a:r>
+          </a:p>
+          <a:p>
+            <a:pPr marL="0" indent="0" algn="ctr">
+              <a:spcBef>
+                <a:spcPts val="0"/>
+              </a:spcBef>
+              <a:buSzPts val="2000"/>
+            </a:pPr>
+            <a:r>
+              <a:rPr lang="en-US" sz="4100" b="1" dirty="0"/>
+              <a:t>{Advancing Team 6}</a:t>
+            </a:r>
+          </a:p>
+          <a:p>
+            <a:pPr marL="0" indent="0" algn="ctr">
+              <a:spcBef>
+                <a:spcPts val="0"/>
+              </a:spcBef>
+              <a:buSzPts val="2000"/>
+            </a:pPr>
+            <a:r>
+              <a:rPr lang="en-US" sz="4100" b="1" dirty="0"/>
+              <a:t>{Advancing Team 7}</a:t>
+            </a:r>
+          </a:p>
+          <a:p>
+            <a:pPr marL="0" lvl="0" indent="0" algn="l" rtl="0">
+              <a:lnSpc>
+                <a:spcPct val="100000"/>
+              </a:lnSpc>
+              <a:spcBef>
+                <a:spcPts val="0"/>
+              </a:spcBef>
+              <a:spcAft>
+                <a:spcPts val="0"/>
+              </a:spcAft>
+              <a:buClr>
+                <a:srgbClr val="000000"/>
+              </a:buClr>
+              <a:buSzPts val="2000"/>
+              <a:buFont typeface="Roboto"/>
+              <a:buNone/>
+            </a:pPr>
+            <a:endParaRPr dirty="0"/>
+          </a:p>
+        </p:txBody>
+      </p:sp>
+    </p:spTree>
+  </p:cSld>
+  <p:clrMapOvr>
+    <a:masterClrMapping/>
+  </p:clrMapOvr>
+</p:sld>
+</file>
+
+<file path=ppt/slides/slide41.xml><?xml version="1.0" encoding="utf-8"?>
+<p:sld xmlns:a="http://schemas.openxmlformats.org/drawingml/2006/main" xmlns:r="http://schemas.openxmlformats.org/officeDocument/2006/relationships" xmlns:p="http://schemas.openxmlformats.org/presentationml/2006/main">
+  <p:cSld>
+    <p:spTree>
+      <p:nvGrpSpPr>
+        <p:cNvPr id="1" name="Shape 297"/>
+        <p:cNvGrpSpPr/>
+        <p:nvPr/>
+      </p:nvGrpSpPr>
+      <p:grpSpPr>
+        <a:xfrm>
+          <a:off x="0" y="0"/>
+          <a:ext cx="0" cy="0"/>
+          <a:chOff x="0" y="0"/>
+          <a:chExt cx="0" cy="0"/>
+        </a:xfrm>
+      </p:grpSpPr>
+      <p:sp>
+        <p:nvSpPr>
+          <p:cNvPr id="298" name="Google Shape;298;p59"/>
+          <p:cNvSpPr txBox="1">
+            <a:spLocks noGrp="1"/>
+          </p:cNvSpPr>
+          <p:nvPr>
+            <p:ph type="title"/>
+          </p:nvPr>
+        </p:nvSpPr>
+        <p:spPr>
+          <a:xfrm>
+            <a:off x="457198" y="398044"/>
+            <a:ext cx="8289236" cy="609601"/>
+          </a:xfrm>
+          <a:prstGeom prst="rect">
+            <a:avLst/>
+          </a:prstGeom>
+          <a:noFill/>
+          <a:ln>
+            <a:noFill/>
+          </a:ln>
+        </p:spPr>
+        <p:txBody>
+          <a:bodyPr spcFirstLastPara="1" wrap="square" lIns="0" tIns="0" rIns="0" bIns="0" anchor="ctr" anchorCtr="0">
+            <a:normAutofit/>
+          </a:bodyPr>
+          <a:lstStyle/>
+          <a:p>
+            <a:pPr marL="0" lvl="0" indent="0" algn="l" rtl="0">
+              <a:lnSpc>
+                <a:spcPct val="100000"/>
+              </a:lnSpc>
+              <a:spcBef>
+                <a:spcPts val="0"/>
+              </a:spcBef>
+              <a:spcAft>
+                <a:spcPts val="0"/>
+              </a:spcAft>
+              <a:buClr>
+                <a:srgbClr val="000000"/>
+              </a:buClr>
+              <a:buSzPts val="2400"/>
+              <a:buFont typeface="Roboto"/>
+              <a:buNone/>
+            </a:pPr>
+            <a:r>
+              <a:rPr lang="en"/>
+              <a:t>Collect your rubrics!</a:t>
+            </a:r>
+            <a:endParaRPr/>
+          </a:p>
+        </p:txBody>
+      </p:sp>
+      <p:sp>
+        <p:nvSpPr>
+          <p:cNvPr id="299" name="Google Shape;299;p59"/>
+          <p:cNvSpPr txBox="1">
+            <a:spLocks noGrp="1"/>
+          </p:cNvSpPr>
+          <p:nvPr>
+            <p:ph type="body" idx="1"/>
+          </p:nvPr>
+        </p:nvSpPr>
+        <p:spPr>
+          <a:xfrm>
+            <a:off x="457198" y="1143000"/>
+            <a:ext cx="8289237" cy="2419398"/>
+          </a:xfrm>
+          <a:prstGeom prst="rect">
+            <a:avLst/>
+          </a:prstGeom>
+          <a:noFill/>
+          <a:ln>
+            <a:noFill/>
+          </a:ln>
+        </p:spPr>
+        <p:txBody>
+          <a:bodyPr spcFirstLastPara="1" wrap="square" lIns="45700" tIns="45700" rIns="45700" bIns="45700" anchor="t" anchorCtr="0">
+            <a:normAutofit/>
+          </a:bodyPr>
+          <a:lstStyle/>
+          <a:p>
+            <a:pPr marL="0" lvl="0" indent="0" algn="l" rtl="0">
+              <a:lnSpc>
+                <a:spcPct val="100000"/>
+              </a:lnSpc>
+              <a:spcBef>
+                <a:spcPts val="0"/>
+              </a:spcBef>
+              <a:spcAft>
+                <a:spcPts val="0"/>
+              </a:spcAft>
+              <a:buClr>
+                <a:srgbClr val="000000"/>
+              </a:buClr>
+              <a:buSzPts val="2000"/>
+              <a:buFont typeface="Roboto"/>
+              <a:buNone/>
+            </a:pPr>
+            <a:r>
+              <a:rPr lang="en">
+                <a:highlight>
+                  <a:srgbClr val="FFFF00"/>
+                </a:highlight>
+              </a:rPr>
+              <a:t>Pick them up at: Location</a:t>
+            </a:r>
+            <a:endParaRPr/>
+          </a:p>
+          <a:p>
+            <a:pPr marL="0" lvl="0" indent="0" algn="l" rtl="0">
+              <a:lnSpc>
+                <a:spcPct val="100000"/>
+              </a:lnSpc>
+              <a:spcBef>
+                <a:spcPts val="600"/>
+              </a:spcBef>
+              <a:spcAft>
+                <a:spcPts val="0"/>
+              </a:spcAft>
+              <a:buClr>
+                <a:srgbClr val="000000"/>
+              </a:buClr>
+              <a:buSzPts val="2000"/>
+              <a:buFont typeface="Roboto"/>
+              <a:buNone/>
+            </a:pPr>
+            <a:r>
+              <a:rPr lang="en">
+                <a:highlight>
+                  <a:srgbClr val="FFFF00"/>
+                </a:highlight>
+              </a:rPr>
+              <a:t>Add any additional instructions here.</a:t>
+            </a:r>
+            <a:endParaRPr>
+              <a:highlight>
+                <a:srgbClr val="FFFF00"/>
+              </a:highlight>
+            </a:endParaRPr>
+          </a:p>
+        </p:txBody>
+      </p:sp>
+    </p:spTree>
+  </p:cSld>
+  <p:clrMapOvr>
+    <a:masterClrMapping/>
+  </p:clrMapOvr>
+</p:sld>
+</file>
+
+<file path=ppt/slides/slide42.xml><?xml version="1.0" encoding="utf-8"?>
+<p:sld xmlns:a="http://schemas.openxmlformats.org/drawingml/2006/main" xmlns:r="http://schemas.openxmlformats.org/officeDocument/2006/relationships" xmlns:p="http://schemas.openxmlformats.org/presentationml/2006/main">
+  <p:cSld>
+    <p:spTree>
+      <p:nvGrpSpPr>
+        <p:cNvPr id="1" name="Shape 303"/>
+        <p:cNvGrpSpPr/>
+        <p:nvPr/>
+      </p:nvGrpSpPr>
+      <p:grpSpPr>
+        <a:xfrm>
+          <a:off x="0" y="0"/>
+          <a:ext cx="0" cy="0"/>
+          <a:chOff x="0" y="0"/>
+          <a:chExt cx="0" cy="0"/>
+        </a:xfrm>
+      </p:grpSpPr>
+      <p:sp>
+        <p:nvSpPr>
+          <p:cNvPr id="304" name="Google Shape;304;p60"/>
+          <p:cNvSpPr txBox="1">
+            <a:spLocks noGrp="1"/>
+          </p:cNvSpPr>
+          <p:nvPr>
+            <p:ph type="title"/>
+          </p:nvPr>
+        </p:nvSpPr>
+        <p:spPr>
+          <a:xfrm>
+            <a:off x="341610" y="1917424"/>
+            <a:ext cx="8460778" cy="654326"/>
+          </a:xfrm>
+          <a:prstGeom prst="rect">
+            <a:avLst/>
+          </a:prstGeom>
+          <a:noFill/>
+          <a:ln>
+            <a:noFill/>
+          </a:ln>
+        </p:spPr>
+        <p:txBody>
+          <a:bodyPr spcFirstLastPara="1" wrap="square" lIns="0" tIns="0" rIns="0" bIns="0" anchor="t" anchorCtr="0">
+            <a:normAutofit/>
+          </a:bodyPr>
+          <a:lstStyle/>
+          <a:p>
+            <a:pPr marL="0" lvl="0" indent="0" algn="ctr" rtl="0">
+              <a:lnSpc>
+                <a:spcPct val="90000"/>
+              </a:lnSpc>
+              <a:spcBef>
+                <a:spcPts val="0"/>
+              </a:spcBef>
+              <a:spcAft>
+                <a:spcPts val="0"/>
+              </a:spcAft>
+              <a:buClr>
+                <a:srgbClr val="FFFFFF"/>
+              </a:buClr>
+              <a:buSzPts val="3600"/>
+              <a:buFont typeface="Roboto"/>
+              <a:buNone/>
+            </a:pPr>
+            <a:r>
+              <a:rPr lang="en" sz="3600" b="1" i="0" u="none" strike="noStrike" cap="none">
+                <a:solidFill>
+                  <a:srgbClr val="FFFFFF"/>
+                </a:solidFill>
+                <a:latin typeface="Roboto"/>
+                <a:ea typeface="Roboto"/>
+                <a:cs typeface="Roboto"/>
+                <a:sym typeface="Roboto"/>
+              </a:rPr>
+              <a:t>Congratulations, Teams!</a:t>
+            </a:r>
+            <a:endParaRPr/>
+          </a:p>
+        </p:txBody>
+      </p:sp>
+      <p:sp>
+        <p:nvSpPr>
+          <p:cNvPr id="305" name="Google Shape;305;p60"/>
+          <p:cNvSpPr txBox="1">
+            <a:spLocks noGrp="1"/>
+          </p:cNvSpPr>
+          <p:nvPr>
+            <p:ph type="body" idx="1"/>
+          </p:nvPr>
+        </p:nvSpPr>
+        <p:spPr>
+          <a:xfrm>
+            <a:off x="341611" y="2571750"/>
+            <a:ext cx="8460777" cy="360368"/>
+          </a:xfrm>
+          <a:prstGeom prst="rect">
+            <a:avLst/>
+          </a:prstGeom>
+          <a:noFill/>
+          <a:ln>
+            <a:noFill/>
+          </a:ln>
+        </p:spPr>
+        <p:txBody>
+          <a:bodyPr spcFirstLastPara="1" wrap="square" lIns="0" tIns="0" rIns="0" bIns="0" anchor="t" anchorCtr="0">
+            <a:normAutofit/>
+          </a:bodyPr>
+          <a:lstStyle/>
+          <a:p>
+            <a:pPr marL="0" lvl="0" indent="0" algn="ctr" rtl="0">
+              <a:lnSpc>
+                <a:spcPct val="100000"/>
+              </a:lnSpc>
+              <a:spcBef>
+                <a:spcPts val="0"/>
+              </a:spcBef>
+              <a:spcAft>
+                <a:spcPts val="0"/>
+              </a:spcAft>
+              <a:buClr>
+                <a:srgbClr val="FFFFFF"/>
+              </a:buClr>
+              <a:buSzPts val="2200"/>
+              <a:buFont typeface="Roboto"/>
+              <a:buNone/>
+            </a:pPr>
+            <a:r>
+              <a:rPr lang="en" dirty="0"/>
+              <a:t>We will see you next season!</a:t>
+            </a:r>
+            <a:endParaRPr dirty="0"/>
+          </a:p>
+        </p:txBody>
+      </p:sp>
+    </p:spTree>
+  </p:cSld>
+  <p:clrMapOvr>
+    <a:masterClrMapping/>
+  </p:clrMapOvr>
+</p:sld>
+</file>
+
+<file path=ppt/slides/slide5.xml><?xml version="1.0" encoding="utf-8"?>
 <p:sld xmlns:a="http://schemas.openxmlformats.org/drawingml/2006/main" xmlns:r="http://schemas.openxmlformats.org/officeDocument/2006/relationships" xmlns:p="http://schemas.openxmlformats.org/presentationml/2006/main">
   <p:cSld>
     <p:spTree>
@@ -13984,18 +13835,10 @@
               <a:buNone/>
             </a:pPr>
             <a:r>
-              <a:rPr lang="en">
-                <a:highlight>
-                  <a:srgbClr val="FFFF00"/>
-                </a:highlight>
-              </a:rPr>
-              <a:t>Local Sponsors</a:t>
+              <a:rPr lang="en" dirty="0"/>
+              <a:t>Local Sponsor</a:t>
             </a:r>
-            <a:endParaRPr>
-              <a:highlight>
-                <a:srgbClr val="FFFF00"/>
-              </a:highlight>
-            </a:endParaRPr>
+            <a:endParaRPr dirty="0"/>
           </a:p>
         </p:txBody>
       </p:sp>
@@ -14046,21 +13889,57 @@
               <a:buNone/>
             </a:pPr>
             <a:r>
-              <a:rPr lang="en">
-                <a:highlight>
-                  <a:srgbClr val="FFFF00"/>
-                </a:highlight>
-              </a:rPr>
-              <a:t>Add any local sponsor images here. </a:t>
+              <a:rPr lang="en-US" dirty="0"/>
+              <a:t>Builders of Tomorrow – The </a:t>
             </a:r>
-            <a:endParaRPr>
-              <a:highlight>
-                <a:srgbClr val="FFFF00"/>
-              </a:highlight>
-            </a:endParaRPr>
+            <a:r>
+              <a:rPr lang="en-US" i="1" dirty="0"/>
+              <a:t>FIRST</a:t>
+            </a:r>
+            <a:r>
+              <a:rPr lang="en-US" dirty="0"/>
+              <a:t> Northeast Florida Program Delivery Organization</a:t>
+            </a:r>
+            <a:endParaRPr dirty="0"/>
           </a:p>
         </p:txBody>
       </p:sp>
+      <p:pic>
+        <p:nvPicPr>
+          <p:cNvPr id="3" name="Graphic 2">
+            <a:extLst>
+              <a:ext uri="{FF2B5EF4-FFF2-40B4-BE49-F238E27FC236}">
+                <a16:creationId xmlns:a16="http://schemas.microsoft.com/office/drawing/2014/main" id="{3A9B894E-E7F0-B33A-E5E1-7F705C990746}"/>
+              </a:ext>
+            </a:extLst>
+          </p:cNvPr>
+          <p:cNvPicPr>
+            <a:picLocks noChangeAspect="1"/>
+          </p:cNvPicPr>
+          <p:nvPr/>
+        </p:nvPicPr>
+        <p:blipFill>
+          <a:blip r:embed="rId3">
+            <a:extLst>
+              <a:ext uri="{96DAC541-7B7A-43D3-8B79-37D633B846F1}">
+                <asvg:svgBlip xmlns:asvg="http://schemas.microsoft.com/office/drawing/2016/SVG/main" r:embed="rId4"/>
+              </a:ext>
+            </a:extLst>
+          </a:blip>
+          <a:stretch>
+            <a:fillRect/>
+          </a:stretch>
+        </p:blipFill>
+        <p:spPr>
+          <a:xfrm>
+            <a:off x="2103467" y="1733956"/>
+            <a:ext cx="4996698" cy="2266544"/>
+          </a:xfrm>
+          <a:prstGeom prst="rect">
+            <a:avLst/>
+          </a:prstGeom>
+        </p:spPr>
+      </p:pic>
     </p:spTree>
   </p:cSld>
   <p:clrMapOvr>
@@ -14069,7 +13948,7 @@
 </p:sld>
 </file>
 
-<file path=ppt/slides/slide7.xml><?xml version="1.0" encoding="utf-8"?>
+<file path=ppt/slides/slide6.xml><?xml version="1.0" encoding="utf-8"?>
 <p:sld xmlns:a="http://schemas.openxmlformats.org/drawingml/2006/main" xmlns:r="http://schemas.openxmlformats.org/officeDocument/2006/relationships" xmlns:p="http://schemas.openxmlformats.org/presentationml/2006/main">
   <p:cSld>
     <p:spTree>
@@ -14148,7 +14027,7 @@
 </p:sld>
 </file>
 
-<file path=ppt/slides/slide8.xml><?xml version="1.0" encoding="utf-8"?>
+<file path=ppt/slides/slide7.xml><?xml version="1.0" encoding="utf-8"?>
 <p:sld xmlns:a="http://schemas.openxmlformats.org/drawingml/2006/main" xmlns:r="http://schemas.openxmlformats.org/officeDocument/2006/relationships" xmlns:p="http://schemas.openxmlformats.org/presentationml/2006/main">
   <p:cSld>
     <p:spTree>
@@ -14281,7 +14160,7 @@
 </p:sld>
 </file>
 
-<file path=ppt/slides/slide9.xml><?xml version="1.0" encoding="utf-8"?>
+<file path=ppt/slides/slide8.xml><?xml version="1.0" encoding="utf-8"?>
 <p:sld xmlns:a="http://schemas.openxmlformats.org/drawingml/2006/main" xmlns:r="http://schemas.openxmlformats.org/officeDocument/2006/relationships" xmlns:p="http://schemas.openxmlformats.org/presentationml/2006/main">
   <p:cSld>
     <p:spTree>
@@ -14403,6 +14282,85 @@
               <a:t>{Volunteer Award}</a:t>
             </a:r>
             <a:endParaRPr sz="3600" b="1" dirty="0"/>
+          </a:p>
+        </p:txBody>
+      </p:sp>
+    </p:spTree>
+  </p:cSld>
+  <p:clrMapOvr>
+    <a:masterClrMapping/>
+  </p:clrMapOvr>
+</p:sld>
+</file>
+
+<file path=ppt/slides/slide9.xml><?xml version="1.0" encoding="utf-8"?>
+<p:sld xmlns:a="http://schemas.openxmlformats.org/drawingml/2006/main" xmlns:r="http://schemas.openxmlformats.org/officeDocument/2006/relationships" xmlns:p="http://schemas.openxmlformats.org/presentationml/2006/main">
+  <p:cSld>
+    <p:spTree>
+      <p:nvGrpSpPr>
+        <p:cNvPr id="1" name="Shape 121"/>
+        <p:cNvGrpSpPr/>
+        <p:nvPr/>
+      </p:nvGrpSpPr>
+      <p:grpSpPr>
+        <a:xfrm>
+          <a:off x="0" y="0"/>
+          <a:ext cx="0" cy="0"/>
+          <a:chOff x="0" y="0"/>
+          <a:chExt cx="0" cy="0"/>
+        </a:xfrm>
+      </p:grpSpPr>
+      <p:sp>
+        <p:nvSpPr>
+          <p:cNvPr id="122" name="Google Shape;122;p28"/>
+          <p:cNvSpPr txBox="1">
+            <a:spLocks noGrp="1"/>
+          </p:cNvSpPr>
+          <p:nvPr>
+            <p:ph type="title"/>
+          </p:nvPr>
+        </p:nvSpPr>
+        <p:spPr>
+          <a:xfrm>
+            <a:off x="427382" y="1962149"/>
+            <a:ext cx="8289236" cy="609601"/>
+          </a:xfrm>
+          <a:prstGeom prst="rect">
+            <a:avLst/>
+          </a:prstGeom>
+          <a:noFill/>
+          <a:ln>
+            <a:noFill/>
+          </a:ln>
+        </p:spPr>
+        <p:txBody>
+          <a:bodyPr spcFirstLastPara="1" wrap="square" lIns="0" tIns="0" rIns="0" bIns="0" anchor="ctr" anchorCtr="0">
+            <a:normAutofit/>
+          </a:bodyPr>
+          <a:lstStyle/>
+          <a:p>
+            <a:pPr marL="0" lvl="0" indent="0" algn="ctr" rtl="0">
+              <a:lnSpc>
+                <a:spcPct val="100000"/>
+              </a:lnSpc>
+              <a:spcBef>
+                <a:spcPts val="0"/>
+              </a:spcBef>
+              <a:spcAft>
+                <a:spcPts val="0"/>
+              </a:spcAft>
+              <a:buClr>
+                <a:srgbClr val="000000"/>
+              </a:buClr>
+              <a:buSzPts val="3600"/>
+              <a:buFont typeface="Roboto"/>
+              <a:buNone/>
+            </a:pPr>
+            <a:r>
+              <a:rPr lang="en" sz="3600"/>
+              <a:t>The Coach/Mentor Award</a:t>
+            </a:r>
+            <a:endParaRPr sz="3600"/>
           </a:p>
         </p:txBody>
       </p:sp>

--- a/Api/Templates/Awards Ceremony - Full.pptx
+++ b/Api/Templates/Awards Ceremony - Full.pptx
@@ -19,7 +19,7 @@
     <p:sldId id="265" r:id="rId10"/>
     <p:sldId id="266" r:id="rId11"/>
     <p:sldId id="267" r:id="rId12"/>
-    <p:sldId id="299" r:id="rId13"/>
+    <p:sldId id="300" r:id="rId13"/>
     <p:sldId id="268" r:id="rId14"/>
     <p:sldId id="269" r:id="rId15"/>
     <p:sldId id="270" r:id="rId16"/>
@@ -308,6 +308,34 @@
     </p:ext>
   </p:extLst>
 </p:presentation>
+</file>
+
+<file path=ppt/changesInfos/changesInfo1.xml><?xml version="1.0" encoding="utf-8"?>
+<pc:chgInfo xmlns:a="http://schemas.openxmlformats.org/drawingml/2006/main" xmlns:r="http://schemas.openxmlformats.org/officeDocument/2006/relationships" xmlns:ac="http://schemas.microsoft.com/office/drawing/2013/main/command" xmlns:pc="http://schemas.microsoft.com/office/powerpoint/2013/main/command">
+  <pc:docChgLst>
+    <pc:chgData name="Brady Merkel" userId="077b44faa59125c6" providerId="LiveId" clId="{88FFB2AE-8425-4146-BCD9-29D03DAD4556}"/>
+    <pc:docChg chg="addSld delSld modSld">
+      <pc:chgData name="Brady Merkel" userId="077b44faa59125c6" providerId="LiveId" clId="{88FFB2AE-8425-4146-BCD9-29D03DAD4556}" dt="2024-11-22T16:31:02.270" v="1" actId="47"/>
+      <pc:docMkLst>
+        <pc:docMk/>
+      </pc:docMkLst>
+      <pc:sldChg chg="del">
+        <pc:chgData name="Brady Merkel" userId="077b44faa59125c6" providerId="LiveId" clId="{88FFB2AE-8425-4146-BCD9-29D03DAD4556}" dt="2024-11-22T16:31:02.270" v="1" actId="47"/>
+        <pc:sldMkLst>
+          <pc:docMk/>
+          <pc:sldMk cId="3897328644" sldId="299"/>
+        </pc:sldMkLst>
+      </pc:sldChg>
+      <pc:sldChg chg="add">
+        <pc:chgData name="Brady Merkel" userId="077b44faa59125c6" providerId="LiveId" clId="{88FFB2AE-8425-4146-BCD9-29D03DAD4556}" dt="2024-11-22T16:30:59.165" v="0"/>
+        <pc:sldMkLst>
+          <pc:docMk/>
+          <pc:sldMk cId="854740014" sldId="300"/>
+        </pc:sldMkLst>
+      </pc:sldChg>
+    </pc:docChg>
+  </pc:docChgLst>
+</pc:chgInfo>
 </file>
 
 <file path=ppt/notesMasters/notesMaster1.xml><?xml version="1.0" encoding="utf-8"?>
@@ -9634,6 +9662,35 @@
           </a:p>
         </p:txBody>
       </p:sp>
+      <p:pic>
+        <p:nvPicPr>
+          <p:cNvPr id="5" name="Picture 4">
+            <a:extLst>
+              <a:ext uri="{FF2B5EF4-FFF2-40B4-BE49-F238E27FC236}">
+                <a16:creationId xmlns:a16="http://schemas.microsoft.com/office/drawing/2014/main" id="{7CE04B72-2BA1-4604-359B-8D5898B010AC}"/>
+              </a:ext>
+            </a:extLst>
+          </p:cNvPr>
+          <p:cNvPicPr>
+            <a:picLocks noChangeAspect="1"/>
+          </p:cNvPicPr>
+          <p:nvPr/>
+        </p:nvPicPr>
+        <p:blipFill>
+          <a:blip r:embed="rId2"/>
+          <a:srcRect t="7739" b="16247"/>
+          <a:stretch/>
+        </p:blipFill>
+        <p:spPr>
+          <a:xfrm>
+            <a:off x="4721013" y="0"/>
+            <a:ext cx="4422987" cy="4350546"/>
+          </a:xfrm>
+          <a:prstGeom prst="rect">
+            <a:avLst/>
+          </a:prstGeom>
+        </p:spPr>
+      </p:pic>
       <p:sp>
         <p:nvSpPr>
           <p:cNvPr id="3" name="Text Placeholder 2">
@@ -9650,17 +9707,36 @@
             <p:ph type="body" idx="1"/>
           </p:nvPr>
         </p:nvSpPr>
-        <p:spPr/>
+        <p:spPr>
+          <a:xfrm>
+            <a:off x="193038" y="1007644"/>
+            <a:ext cx="5550749" cy="2419397"/>
+          </a:xfrm>
+        </p:spPr>
         <p:txBody>
           <a:bodyPr>
-            <a:normAutofit/>
+            <a:normAutofit fontScale="85000" lnSpcReduction="10000"/>
           </a:bodyPr>
           <a:lstStyle/>
           <a:p>
             <a:pPr marL="228600" indent="0"/>
             <a:r>
               <a:rPr lang="en-US" dirty="0"/>
-              <a:t>We asked all teams to enter a T-Shirt Design for the Regional Championship… This season’s winner is</a:t>
+              <a:t>We asked teams to enter a T-Shirt Design</a:t>
+            </a:r>
+            <a:br>
+              <a:rPr lang="en-US" dirty="0"/>
+            </a:br>
+            <a:r>
+              <a:rPr lang="en-US" dirty="0"/>
+              <a:t>for the Regional Championship…</a:t>
+            </a:r>
+            <a:br>
+              <a:rPr lang="en-US" dirty="0"/>
+            </a:br>
+            <a:r>
+              <a:rPr lang="en-US" dirty="0"/>
+              <a:t>This season’s winner is</a:t>
             </a:r>
           </a:p>
           <a:p>
@@ -9677,8 +9753,40 @@
                 <a:latin typeface="Roboto" panose="020B0604020202020204" charset="0"/>
                 <a:ea typeface="Roboto" panose="020B0604020202020204" charset="0"/>
               </a:rPr>
-              <a:t>The team wins an invitation to the Regional Championship, coming Friday/Saturday January 17, 18 at the </a:t>
+              <a:t>The team wins an invitation to the</a:t>
             </a:r>
+            <a:br>
+              <a:rPr lang="en-US" dirty="0">
+                <a:latin typeface="Roboto" panose="020B0604020202020204" charset="0"/>
+                <a:ea typeface="Roboto" panose="020B0604020202020204" charset="0"/>
+              </a:rPr>
+            </a:br>
+            <a:r>
+              <a:rPr lang="en-US" dirty="0">
+                <a:latin typeface="Roboto" panose="020B0604020202020204" charset="0"/>
+                <a:ea typeface="Roboto" panose="020B0604020202020204" charset="0"/>
+              </a:rPr>
+              <a:t>Regional Championship,</a:t>
+            </a:r>
+            <a:br>
+              <a:rPr lang="en-US" dirty="0">
+                <a:latin typeface="Roboto" panose="020B0604020202020204" charset="0"/>
+                <a:ea typeface="Roboto" panose="020B0604020202020204" charset="0"/>
+              </a:rPr>
+            </a:br>
+            <a:r>
+              <a:rPr lang="en-US" dirty="0">
+                <a:latin typeface="Roboto" panose="020B0604020202020204" charset="0"/>
+                <a:ea typeface="Roboto" panose="020B0604020202020204" charset="0"/>
+              </a:rPr>
+              <a:t>Friday/Saturday January 17, 18</a:t>
+            </a:r>
+            <a:br>
+              <a:rPr lang="en-US" dirty="0">
+                <a:latin typeface="Roboto" panose="020B0604020202020204" charset="0"/>
+                <a:ea typeface="Roboto" panose="020B0604020202020204" charset="0"/>
+              </a:rPr>
+            </a:br>
             <a:r>
               <a:rPr lang="en-US" b="0" i="0" dirty="0">
                 <a:solidFill>
@@ -9700,7 +9808,7 @@
     </p:spTree>
     <p:extLst>
       <p:ext uri="{BB962C8B-B14F-4D97-AF65-F5344CB8AC3E}">
-        <p14:creationId xmlns:p14="http://schemas.microsoft.com/office/powerpoint/2010/main" val="3897328644"/>
+        <p14:creationId xmlns:p14="http://schemas.microsoft.com/office/powerpoint/2010/main" val="854740014"/>
       </p:ext>
     </p:extLst>
   </p:cSld>

--- a/Api/Templates/Awards Ceremony - Full.pptx
+++ b/Api/Templates/Awards Ceremony - Full.pptx
@@ -5,61 +5,70 @@
     <p:sldMasterId id="2147483665" r:id="rId1"/>
   </p:sldMasterIdLst>
   <p:notesMasterIdLst>
-    <p:notesMasterId r:id="rId44"/>
+    <p:notesMasterId r:id="rId46"/>
   </p:notesMasterIdLst>
   <p:sldIdLst>
     <p:sldId id="256" r:id="rId2"/>
-    <p:sldId id="257" r:id="rId3"/>
+    <p:sldId id="301" r:id="rId3"/>
     <p:sldId id="259" r:id="rId4"/>
     <p:sldId id="260" r:id="rId5"/>
     <p:sldId id="298" r:id="rId6"/>
-    <p:sldId id="262" r:id="rId7"/>
-    <p:sldId id="263" r:id="rId8"/>
-    <p:sldId id="264" r:id="rId9"/>
-    <p:sldId id="265" r:id="rId10"/>
-    <p:sldId id="266" r:id="rId11"/>
-    <p:sldId id="267" r:id="rId12"/>
-    <p:sldId id="300" r:id="rId13"/>
-    <p:sldId id="268" r:id="rId14"/>
-    <p:sldId id="269" r:id="rId15"/>
-    <p:sldId id="270" r:id="rId16"/>
-    <p:sldId id="271" r:id="rId17"/>
-    <p:sldId id="272" r:id="rId18"/>
-    <p:sldId id="273" r:id="rId19"/>
-    <p:sldId id="274" r:id="rId20"/>
-    <p:sldId id="275" r:id="rId21"/>
-    <p:sldId id="276" r:id="rId22"/>
-    <p:sldId id="277" r:id="rId23"/>
-    <p:sldId id="278" r:id="rId24"/>
-    <p:sldId id="279" r:id="rId25"/>
-    <p:sldId id="280" r:id="rId26"/>
-    <p:sldId id="281" r:id="rId27"/>
-    <p:sldId id="282" r:id="rId28"/>
-    <p:sldId id="283" r:id="rId29"/>
-    <p:sldId id="284" r:id="rId30"/>
-    <p:sldId id="285" r:id="rId31"/>
-    <p:sldId id="286" r:id="rId32"/>
-    <p:sldId id="287" r:id="rId33"/>
-    <p:sldId id="288" r:id="rId34"/>
-    <p:sldId id="289" r:id="rId35"/>
-    <p:sldId id="290" r:id="rId36"/>
-    <p:sldId id="291" r:id="rId37"/>
-    <p:sldId id="292" r:id="rId38"/>
-    <p:sldId id="293" r:id="rId39"/>
-    <p:sldId id="294" r:id="rId40"/>
-    <p:sldId id="295" r:id="rId41"/>
-    <p:sldId id="296" r:id="rId42"/>
-    <p:sldId id="297" r:id="rId43"/>
+    <p:sldId id="302" r:id="rId7"/>
+    <p:sldId id="262" r:id="rId8"/>
+    <p:sldId id="263" r:id="rId9"/>
+    <p:sldId id="264" r:id="rId10"/>
+    <p:sldId id="265" r:id="rId11"/>
+    <p:sldId id="266" r:id="rId12"/>
+    <p:sldId id="267" r:id="rId13"/>
+    <p:sldId id="300" r:id="rId14"/>
+    <p:sldId id="280" r:id="rId15"/>
+    <p:sldId id="281" r:id="rId16"/>
+    <p:sldId id="282" r:id="rId17"/>
+    <p:sldId id="283" r:id="rId18"/>
+    <p:sldId id="284" r:id="rId19"/>
+    <p:sldId id="285" r:id="rId20"/>
+    <p:sldId id="286" r:id="rId21"/>
+    <p:sldId id="287" r:id="rId22"/>
+    <p:sldId id="288" r:id="rId23"/>
+    <p:sldId id="289" r:id="rId24"/>
+    <p:sldId id="290" r:id="rId25"/>
+    <p:sldId id="291" r:id="rId26"/>
+    <p:sldId id="271" r:id="rId27"/>
+    <p:sldId id="272" r:id="rId28"/>
+    <p:sldId id="273" r:id="rId29"/>
+    <p:sldId id="274" r:id="rId30"/>
+    <p:sldId id="275" r:id="rId31"/>
+    <p:sldId id="276" r:id="rId32"/>
+    <p:sldId id="277" r:id="rId33"/>
+    <p:sldId id="278" r:id="rId34"/>
+    <p:sldId id="279" r:id="rId35"/>
+    <p:sldId id="268" r:id="rId36"/>
+    <p:sldId id="269" r:id="rId37"/>
+    <p:sldId id="270" r:id="rId38"/>
+    <p:sldId id="292" r:id="rId39"/>
+    <p:sldId id="293" r:id="rId40"/>
+    <p:sldId id="294" r:id="rId41"/>
+    <p:sldId id="303" r:id="rId42"/>
+    <p:sldId id="304" r:id="rId43"/>
+    <p:sldId id="305" r:id="rId44"/>
+    <p:sldId id="306" r:id="rId45"/>
   </p:sldIdLst>
   <p:sldSz cx="9144000" cy="5143500" type="screen16x9"/>
   <p:notesSz cx="6858000" cy="9144000"/>
   <p:embeddedFontLst>
     <p:embeddedFont>
       <p:font typeface="Roboto" panose="020B0604020202020204" charset="0"/>
-      <p:regular r:id="rId45"/>
-      <p:bold r:id="rId46"/>
-      <p:italic r:id="rId47"/>
-      <p:boldItalic r:id="rId48"/>
+      <p:regular r:id="rId47"/>
+      <p:bold r:id="rId48"/>
+      <p:italic r:id="rId49"/>
+      <p:boldItalic r:id="rId50"/>
+    </p:embeddedFont>
+    <p:embeddedFont>
+      <p:font typeface="Roboto Condensed" panose="020B0604020202020204" charset="0"/>
+      <p:regular r:id="rId51"/>
+      <p:bold r:id="rId52"/>
+      <p:italic r:id="rId53"/>
+      <p:boldItalic r:id="rId54"/>
     </p:embeddedFont>
   </p:embeddedFontLst>
   <p:defaultTextStyle>
@@ -314,11 +323,235 @@
 <pc:chgInfo xmlns:a="http://schemas.openxmlformats.org/drawingml/2006/main" xmlns:r="http://schemas.openxmlformats.org/officeDocument/2006/relationships" xmlns:ac="http://schemas.microsoft.com/office/drawing/2013/main/command" xmlns:pc="http://schemas.microsoft.com/office/powerpoint/2013/main/command">
   <pc:docChgLst>
     <pc:chgData name="Brady Merkel" userId="077b44faa59125c6" providerId="LiveId" clId="{88FFB2AE-8425-4146-BCD9-29D03DAD4556}"/>
-    <pc:docChg chg="addSld delSld modSld">
-      <pc:chgData name="Brady Merkel" userId="077b44faa59125c6" providerId="LiveId" clId="{88FFB2AE-8425-4146-BCD9-29D03DAD4556}" dt="2024-11-22T16:31:02.270" v="1" actId="47"/>
+    <pc:docChg chg="undo custSel addSld delSld modSld sldOrd modMainMaster">
+      <pc:chgData name="Brady Merkel" userId="077b44faa59125c6" providerId="LiveId" clId="{88FFB2AE-8425-4146-BCD9-29D03DAD4556}" dt="2024-11-22T18:55:29.496" v="170" actId="404"/>
       <pc:docMkLst>
         <pc:docMk/>
       </pc:docMkLst>
+      <pc:sldChg chg="del">
+        <pc:chgData name="Brady Merkel" userId="077b44faa59125c6" providerId="LiveId" clId="{88FFB2AE-8425-4146-BCD9-29D03DAD4556}" dt="2024-11-22T18:45:36.002" v="17" actId="47"/>
+        <pc:sldMkLst>
+          <pc:docMk/>
+          <pc:sldMk cId="0" sldId="257"/>
+        </pc:sldMkLst>
+      </pc:sldChg>
+      <pc:sldChg chg="modNotes">
+        <pc:chgData name="Brady Merkel" userId="077b44faa59125c6" providerId="LiveId" clId="{88FFB2AE-8425-4146-BCD9-29D03DAD4556}" dt="2024-11-22T18:46:18.705" v="21"/>
+        <pc:sldMkLst>
+          <pc:docMk/>
+          <pc:sldMk cId="0" sldId="260"/>
+        </pc:sldMkLst>
+      </pc:sldChg>
+      <pc:sldChg chg="modNotes">
+        <pc:chgData name="Brady Merkel" userId="077b44faa59125c6" providerId="LiveId" clId="{88FFB2AE-8425-4146-BCD9-29D03DAD4556}" dt="2024-11-22T18:46:18.705" v="21"/>
+        <pc:sldMkLst>
+          <pc:docMk/>
+          <pc:sldMk cId="0" sldId="262"/>
+        </pc:sldMkLst>
+      </pc:sldChg>
+      <pc:sldChg chg="modNotes">
+        <pc:chgData name="Brady Merkel" userId="077b44faa59125c6" providerId="LiveId" clId="{88FFB2AE-8425-4146-BCD9-29D03DAD4556}" dt="2024-11-22T18:46:18.705" v="21"/>
+        <pc:sldMkLst>
+          <pc:docMk/>
+          <pc:sldMk cId="0" sldId="263"/>
+        </pc:sldMkLst>
+      </pc:sldChg>
+      <pc:sldChg chg="modNotes">
+        <pc:chgData name="Brady Merkel" userId="077b44faa59125c6" providerId="LiveId" clId="{88FFB2AE-8425-4146-BCD9-29D03DAD4556}" dt="2024-11-22T18:46:18.705" v="21"/>
+        <pc:sldMkLst>
+          <pc:docMk/>
+          <pc:sldMk cId="0" sldId="265"/>
+        </pc:sldMkLst>
+      </pc:sldChg>
+      <pc:sldChg chg="modNotes">
+        <pc:chgData name="Brady Merkel" userId="077b44faa59125c6" providerId="LiveId" clId="{88FFB2AE-8425-4146-BCD9-29D03DAD4556}" dt="2024-11-22T18:46:18.705" v="21"/>
+        <pc:sldMkLst>
+          <pc:docMk/>
+          <pc:sldMk cId="0" sldId="266"/>
+        </pc:sldMkLst>
+      </pc:sldChg>
+      <pc:sldChg chg="ord modNotes">
+        <pc:chgData name="Brady Merkel" userId="077b44faa59125c6" providerId="LiveId" clId="{88FFB2AE-8425-4146-BCD9-29D03DAD4556}" dt="2024-11-22T18:48:45.263" v="27"/>
+        <pc:sldMkLst>
+          <pc:docMk/>
+          <pc:sldMk cId="0" sldId="268"/>
+        </pc:sldMkLst>
+      </pc:sldChg>
+      <pc:sldChg chg="ord modNotes">
+        <pc:chgData name="Brady Merkel" userId="077b44faa59125c6" providerId="LiveId" clId="{88FFB2AE-8425-4146-BCD9-29D03DAD4556}" dt="2024-11-22T18:48:45.263" v="27"/>
+        <pc:sldMkLst>
+          <pc:docMk/>
+          <pc:sldMk cId="0" sldId="269"/>
+        </pc:sldMkLst>
+      </pc:sldChg>
+      <pc:sldChg chg="ord">
+        <pc:chgData name="Brady Merkel" userId="077b44faa59125c6" providerId="LiveId" clId="{88FFB2AE-8425-4146-BCD9-29D03DAD4556}" dt="2024-11-22T18:48:45.263" v="27"/>
+        <pc:sldMkLst>
+          <pc:docMk/>
+          <pc:sldMk cId="0" sldId="270"/>
+        </pc:sldMkLst>
+      </pc:sldChg>
+      <pc:sldChg chg="modNotes">
+        <pc:chgData name="Brady Merkel" userId="077b44faa59125c6" providerId="LiveId" clId="{88FFB2AE-8425-4146-BCD9-29D03DAD4556}" dt="2024-11-22T18:46:18.705" v="21"/>
+        <pc:sldMkLst>
+          <pc:docMk/>
+          <pc:sldMk cId="0" sldId="271"/>
+        </pc:sldMkLst>
+      </pc:sldChg>
+      <pc:sldChg chg="modNotes">
+        <pc:chgData name="Brady Merkel" userId="077b44faa59125c6" providerId="LiveId" clId="{88FFB2AE-8425-4146-BCD9-29D03DAD4556}" dt="2024-11-22T18:46:18.705" v="21"/>
+        <pc:sldMkLst>
+          <pc:docMk/>
+          <pc:sldMk cId="0" sldId="272"/>
+        </pc:sldMkLst>
+      </pc:sldChg>
+      <pc:sldChg chg="modNotes">
+        <pc:chgData name="Brady Merkel" userId="077b44faa59125c6" providerId="LiveId" clId="{88FFB2AE-8425-4146-BCD9-29D03DAD4556}" dt="2024-11-22T18:46:18.705" v="21"/>
+        <pc:sldMkLst>
+          <pc:docMk/>
+          <pc:sldMk cId="0" sldId="274"/>
+        </pc:sldMkLst>
+      </pc:sldChg>
+      <pc:sldChg chg="modNotes">
+        <pc:chgData name="Brady Merkel" userId="077b44faa59125c6" providerId="LiveId" clId="{88FFB2AE-8425-4146-BCD9-29D03DAD4556}" dt="2024-11-22T18:46:18.705" v="21"/>
+        <pc:sldMkLst>
+          <pc:docMk/>
+          <pc:sldMk cId="0" sldId="275"/>
+        </pc:sldMkLst>
+      </pc:sldChg>
+      <pc:sldChg chg="modNotes">
+        <pc:chgData name="Brady Merkel" userId="077b44faa59125c6" providerId="LiveId" clId="{88FFB2AE-8425-4146-BCD9-29D03DAD4556}" dt="2024-11-22T18:46:18.705" v="21"/>
+        <pc:sldMkLst>
+          <pc:docMk/>
+          <pc:sldMk cId="0" sldId="277"/>
+        </pc:sldMkLst>
+      </pc:sldChg>
+      <pc:sldChg chg="modNotes">
+        <pc:chgData name="Brady Merkel" userId="077b44faa59125c6" providerId="LiveId" clId="{88FFB2AE-8425-4146-BCD9-29D03DAD4556}" dt="2024-11-22T18:46:18.705" v="21"/>
+        <pc:sldMkLst>
+          <pc:docMk/>
+          <pc:sldMk cId="0" sldId="278"/>
+        </pc:sldMkLst>
+      </pc:sldChg>
+      <pc:sldChg chg="ord modNotes">
+        <pc:chgData name="Brady Merkel" userId="077b44faa59125c6" providerId="LiveId" clId="{88FFB2AE-8425-4146-BCD9-29D03DAD4556}" dt="2024-11-22T18:48:30.927" v="25"/>
+        <pc:sldMkLst>
+          <pc:docMk/>
+          <pc:sldMk cId="0" sldId="280"/>
+        </pc:sldMkLst>
+      </pc:sldChg>
+      <pc:sldChg chg="ord modNotes">
+        <pc:chgData name="Brady Merkel" userId="077b44faa59125c6" providerId="LiveId" clId="{88FFB2AE-8425-4146-BCD9-29D03DAD4556}" dt="2024-11-22T18:48:30.927" v="25"/>
+        <pc:sldMkLst>
+          <pc:docMk/>
+          <pc:sldMk cId="0" sldId="281"/>
+        </pc:sldMkLst>
+      </pc:sldChg>
+      <pc:sldChg chg="ord">
+        <pc:chgData name="Brady Merkel" userId="077b44faa59125c6" providerId="LiveId" clId="{88FFB2AE-8425-4146-BCD9-29D03DAD4556}" dt="2024-11-22T18:48:30.927" v="25"/>
+        <pc:sldMkLst>
+          <pc:docMk/>
+          <pc:sldMk cId="0" sldId="282"/>
+        </pc:sldMkLst>
+      </pc:sldChg>
+      <pc:sldChg chg="ord modNotes">
+        <pc:chgData name="Brady Merkel" userId="077b44faa59125c6" providerId="LiveId" clId="{88FFB2AE-8425-4146-BCD9-29D03DAD4556}" dt="2024-11-22T18:48:30.927" v="25"/>
+        <pc:sldMkLst>
+          <pc:docMk/>
+          <pc:sldMk cId="0" sldId="283"/>
+        </pc:sldMkLst>
+      </pc:sldChg>
+      <pc:sldChg chg="ord modNotes">
+        <pc:chgData name="Brady Merkel" userId="077b44faa59125c6" providerId="LiveId" clId="{88FFB2AE-8425-4146-BCD9-29D03DAD4556}" dt="2024-11-22T18:48:30.927" v="25"/>
+        <pc:sldMkLst>
+          <pc:docMk/>
+          <pc:sldMk cId="0" sldId="284"/>
+        </pc:sldMkLst>
+      </pc:sldChg>
+      <pc:sldChg chg="ord">
+        <pc:chgData name="Brady Merkel" userId="077b44faa59125c6" providerId="LiveId" clId="{88FFB2AE-8425-4146-BCD9-29D03DAD4556}" dt="2024-11-22T18:48:30.927" v="25"/>
+        <pc:sldMkLst>
+          <pc:docMk/>
+          <pc:sldMk cId="0" sldId="285"/>
+        </pc:sldMkLst>
+      </pc:sldChg>
+      <pc:sldChg chg="ord modNotes">
+        <pc:chgData name="Brady Merkel" userId="077b44faa59125c6" providerId="LiveId" clId="{88FFB2AE-8425-4146-BCD9-29D03DAD4556}" dt="2024-11-22T18:48:30.927" v="25"/>
+        <pc:sldMkLst>
+          <pc:docMk/>
+          <pc:sldMk cId="0" sldId="286"/>
+        </pc:sldMkLst>
+      </pc:sldChg>
+      <pc:sldChg chg="ord modNotes">
+        <pc:chgData name="Brady Merkel" userId="077b44faa59125c6" providerId="LiveId" clId="{88FFB2AE-8425-4146-BCD9-29D03DAD4556}" dt="2024-11-22T18:48:30.927" v="25"/>
+        <pc:sldMkLst>
+          <pc:docMk/>
+          <pc:sldMk cId="0" sldId="287"/>
+        </pc:sldMkLst>
+      </pc:sldChg>
+      <pc:sldChg chg="ord">
+        <pc:chgData name="Brady Merkel" userId="077b44faa59125c6" providerId="LiveId" clId="{88FFB2AE-8425-4146-BCD9-29D03DAD4556}" dt="2024-11-22T18:48:30.927" v="25"/>
+        <pc:sldMkLst>
+          <pc:docMk/>
+          <pc:sldMk cId="0" sldId="288"/>
+        </pc:sldMkLst>
+      </pc:sldChg>
+      <pc:sldChg chg="ord modNotes">
+        <pc:chgData name="Brady Merkel" userId="077b44faa59125c6" providerId="LiveId" clId="{88FFB2AE-8425-4146-BCD9-29D03DAD4556}" dt="2024-11-22T18:48:30.927" v="25"/>
+        <pc:sldMkLst>
+          <pc:docMk/>
+          <pc:sldMk cId="0" sldId="289"/>
+        </pc:sldMkLst>
+      </pc:sldChg>
+      <pc:sldChg chg="ord modNotes">
+        <pc:chgData name="Brady Merkel" userId="077b44faa59125c6" providerId="LiveId" clId="{88FFB2AE-8425-4146-BCD9-29D03DAD4556}" dt="2024-11-22T18:48:30.927" v="25"/>
+        <pc:sldMkLst>
+          <pc:docMk/>
+          <pc:sldMk cId="0" sldId="290"/>
+        </pc:sldMkLst>
+      </pc:sldChg>
+      <pc:sldChg chg="ord">
+        <pc:chgData name="Brady Merkel" userId="077b44faa59125c6" providerId="LiveId" clId="{88FFB2AE-8425-4146-BCD9-29D03DAD4556}" dt="2024-11-22T18:48:30.927" v="25"/>
+        <pc:sldMkLst>
+          <pc:docMk/>
+          <pc:sldMk cId="0" sldId="291"/>
+        </pc:sldMkLst>
+      </pc:sldChg>
+      <pc:sldChg chg="modNotes">
+        <pc:chgData name="Brady Merkel" userId="077b44faa59125c6" providerId="LiveId" clId="{88FFB2AE-8425-4146-BCD9-29D03DAD4556}" dt="2024-11-22T18:46:18.705" v="21"/>
+        <pc:sldMkLst>
+          <pc:docMk/>
+          <pc:sldMk cId="0" sldId="292"/>
+        </pc:sldMkLst>
+      </pc:sldChg>
+      <pc:sldChg chg="modNotes">
+        <pc:chgData name="Brady Merkel" userId="077b44faa59125c6" providerId="LiveId" clId="{88FFB2AE-8425-4146-BCD9-29D03DAD4556}" dt="2024-11-22T18:46:18.705" v="21"/>
+        <pc:sldMkLst>
+          <pc:docMk/>
+          <pc:sldMk cId="0" sldId="293"/>
+        </pc:sldMkLst>
+      </pc:sldChg>
+      <pc:sldChg chg="del">
+        <pc:chgData name="Brady Merkel" userId="077b44faa59125c6" providerId="LiveId" clId="{88FFB2AE-8425-4146-BCD9-29D03DAD4556}" dt="2024-11-22T18:52:11.824" v="119" actId="47"/>
+        <pc:sldMkLst>
+          <pc:docMk/>
+          <pc:sldMk cId="0" sldId="295"/>
+        </pc:sldMkLst>
+      </pc:sldChg>
+      <pc:sldChg chg="del modNotes">
+        <pc:chgData name="Brady Merkel" userId="077b44faa59125c6" providerId="LiveId" clId="{88FFB2AE-8425-4146-BCD9-29D03DAD4556}" dt="2024-11-22T18:52:28.131" v="122" actId="47"/>
+        <pc:sldMkLst>
+          <pc:docMk/>
+          <pc:sldMk cId="0" sldId="296"/>
+        </pc:sldMkLst>
+      </pc:sldChg>
+      <pc:sldChg chg="del">
+        <pc:chgData name="Brady Merkel" userId="077b44faa59125c6" providerId="LiveId" clId="{88FFB2AE-8425-4146-BCD9-29D03DAD4556}" dt="2024-11-22T18:52:43.740" v="124" actId="47"/>
+        <pc:sldMkLst>
+          <pc:docMk/>
+          <pc:sldMk cId="0" sldId="297"/>
+        </pc:sldMkLst>
+      </pc:sldChg>
       <pc:sldChg chg="del">
         <pc:chgData name="Brady Merkel" userId="077b44faa59125c6" providerId="LiveId" clId="{88FFB2AE-8425-4146-BCD9-29D03DAD4556}" dt="2024-11-22T16:31:02.270" v="1" actId="47"/>
         <pc:sldMkLst>
@@ -326,13 +559,223 @@
           <pc:sldMk cId="3897328644" sldId="299"/>
         </pc:sldMkLst>
       </pc:sldChg>
-      <pc:sldChg chg="add">
-        <pc:chgData name="Brady Merkel" userId="077b44faa59125c6" providerId="LiveId" clId="{88FFB2AE-8425-4146-BCD9-29D03DAD4556}" dt="2024-11-22T16:30:59.165" v="0"/>
+      <pc:sldChg chg="modSp add mod">
+        <pc:chgData name="Brady Merkel" userId="077b44faa59125c6" providerId="LiveId" clId="{88FFB2AE-8425-4146-BCD9-29D03DAD4556}" dt="2024-11-22T18:54:28.502" v="155" actId="113"/>
         <pc:sldMkLst>
           <pc:docMk/>
           <pc:sldMk cId="854740014" sldId="300"/>
         </pc:sldMkLst>
+        <pc:spChg chg="mod">
+          <ac:chgData name="Brady Merkel" userId="077b44faa59125c6" providerId="LiveId" clId="{88FFB2AE-8425-4146-BCD9-29D03DAD4556}" dt="2024-11-22T18:54:28.502" v="155" actId="113"/>
+          <ac:spMkLst>
+            <pc:docMk/>
+            <pc:sldMk cId="854740014" sldId="300"/>
+            <ac:spMk id="3" creationId="{C03E5D99-93D5-50C0-6E73-973C60A71B26}"/>
+          </ac:spMkLst>
+        </pc:spChg>
       </pc:sldChg>
+      <pc:sldChg chg="modSp add mod">
+        <pc:chgData name="Brady Merkel" userId="077b44faa59125c6" providerId="LiveId" clId="{88FFB2AE-8425-4146-BCD9-29D03DAD4556}" dt="2024-11-22T18:45:41.209" v="18" actId="6549"/>
+        <pc:sldMkLst>
+          <pc:docMk/>
+          <pc:sldMk cId="0" sldId="301"/>
+        </pc:sldMkLst>
+        <pc:spChg chg="mod">
+          <ac:chgData name="Brady Merkel" userId="077b44faa59125c6" providerId="LiveId" clId="{88FFB2AE-8425-4146-BCD9-29D03DAD4556}" dt="2024-11-22T18:45:41.209" v="18" actId="6549"/>
+          <ac:spMkLst>
+            <pc:docMk/>
+            <pc:sldMk cId="0" sldId="301"/>
+            <ac:spMk id="79" creationId="{00000000-0000-0000-0000-000000000000}"/>
+          </ac:spMkLst>
+        </pc:spChg>
+      </pc:sldChg>
+      <pc:sldChg chg="delSp add mod">
+        <pc:chgData name="Brady Merkel" userId="077b44faa59125c6" providerId="LiveId" clId="{88FFB2AE-8425-4146-BCD9-29D03DAD4556}" dt="2024-11-22T18:46:06.376" v="20" actId="21"/>
+        <pc:sldMkLst>
+          <pc:docMk/>
+          <pc:sldMk cId="0" sldId="302"/>
+        </pc:sldMkLst>
+        <pc:picChg chg="del">
+          <ac:chgData name="Brady Merkel" userId="077b44faa59125c6" providerId="LiveId" clId="{88FFB2AE-8425-4146-BCD9-29D03DAD4556}" dt="2024-11-22T18:46:06.376" v="20" actId="21"/>
+          <ac:picMkLst>
+            <pc:docMk/>
+            <pc:sldMk cId="0" sldId="302"/>
+            <ac:picMk id="97" creationId="{00000000-0000-0000-0000-000000000000}"/>
+          </ac:picMkLst>
+        </pc:picChg>
+      </pc:sldChg>
+      <pc:sldChg chg="delSp modSp add mod">
+        <pc:chgData name="Brady Merkel" userId="077b44faa59125c6" providerId="LiveId" clId="{88FFB2AE-8425-4146-BCD9-29D03DAD4556}" dt="2024-11-22T18:55:00.503" v="156" actId="478"/>
+        <pc:sldMkLst>
+          <pc:docMk/>
+          <pc:sldMk cId="0" sldId="303"/>
+        </pc:sldMkLst>
+        <pc:spChg chg="mod">
+          <ac:chgData name="Brady Merkel" userId="077b44faa59125c6" providerId="LiveId" clId="{88FFB2AE-8425-4146-BCD9-29D03DAD4556}" dt="2024-11-22T18:49:19.679" v="34" actId="6549"/>
+          <ac:spMkLst>
+            <pc:docMk/>
+            <pc:sldMk cId="0" sldId="303"/>
+            <ac:spMk id="222" creationId="{00000000-0000-0000-0000-000000000000}"/>
+          </ac:spMkLst>
+        </pc:spChg>
+        <pc:spChg chg="mod">
+          <ac:chgData name="Brady Merkel" userId="077b44faa59125c6" providerId="LiveId" clId="{88FFB2AE-8425-4146-BCD9-29D03DAD4556}" dt="2024-11-22T18:49:53.803" v="39" actId="12"/>
+          <ac:spMkLst>
+            <pc:docMk/>
+            <pc:sldMk cId="0" sldId="303"/>
+            <ac:spMk id="226" creationId="{00000000-0000-0000-0000-000000000000}"/>
+          </ac:spMkLst>
+        </pc:spChg>
+        <pc:picChg chg="del">
+          <ac:chgData name="Brady Merkel" userId="077b44faa59125c6" providerId="LiveId" clId="{88FFB2AE-8425-4146-BCD9-29D03DAD4556}" dt="2024-11-22T18:55:00.503" v="156" actId="478"/>
+          <ac:picMkLst>
+            <pc:docMk/>
+            <pc:sldMk cId="0" sldId="303"/>
+            <ac:picMk id="223" creationId="{00000000-0000-0000-0000-000000000000}"/>
+          </ac:picMkLst>
+        </pc:picChg>
+      </pc:sldChg>
+      <pc:sldChg chg="delSp modSp add mod">
+        <pc:chgData name="Brady Merkel" userId="077b44faa59125c6" providerId="LiveId" clId="{88FFB2AE-8425-4146-BCD9-29D03DAD4556}" dt="2024-11-22T18:52:02.334" v="118" actId="1035"/>
+        <pc:sldMkLst>
+          <pc:docMk/>
+          <pc:sldMk cId="0" sldId="304"/>
+        </pc:sldMkLst>
+        <pc:spChg chg="mod">
+          <ac:chgData name="Brady Merkel" userId="077b44faa59125c6" providerId="LiveId" clId="{88FFB2AE-8425-4146-BCD9-29D03DAD4556}" dt="2024-11-22T18:50:53.024" v="47" actId="20577"/>
+          <ac:spMkLst>
+            <pc:docMk/>
+            <pc:sldMk cId="0" sldId="304"/>
+            <ac:spMk id="236" creationId="{00000000-0000-0000-0000-000000000000}"/>
+          </ac:spMkLst>
+        </pc:spChg>
+        <pc:spChg chg="mod">
+          <ac:chgData name="Brady Merkel" userId="077b44faa59125c6" providerId="LiveId" clId="{88FFB2AE-8425-4146-BCD9-29D03DAD4556}" dt="2024-11-22T18:50:46.312" v="44" actId="20577"/>
+          <ac:spMkLst>
+            <pc:docMk/>
+            <pc:sldMk cId="0" sldId="304"/>
+            <ac:spMk id="237" creationId="{00000000-0000-0000-0000-000000000000}"/>
+          </ac:spMkLst>
+        </pc:spChg>
+        <pc:spChg chg="mod">
+          <ac:chgData name="Brady Merkel" userId="077b44faa59125c6" providerId="LiveId" clId="{88FFB2AE-8425-4146-BCD9-29D03DAD4556}" dt="2024-11-22T18:50:39.216" v="41"/>
+          <ac:spMkLst>
+            <pc:docMk/>
+            <pc:sldMk cId="0" sldId="304"/>
+            <ac:spMk id="238" creationId="{00000000-0000-0000-0000-000000000000}"/>
+          </ac:spMkLst>
+        </pc:spChg>
+        <pc:spChg chg="mod">
+          <ac:chgData name="Brady Merkel" userId="077b44faa59125c6" providerId="LiveId" clId="{88FFB2AE-8425-4146-BCD9-29D03DAD4556}" dt="2024-11-22T18:50:59.032" v="50" actId="20577"/>
+          <ac:spMkLst>
+            <pc:docMk/>
+            <pc:sldMk cId="0" sldId="304"/>
+            <ac:spMk id="239" creationId="{00000000-0000-0000-0000-000000000000}"/>
+          </ac:spMkLst>
+        </pc:spChg>
+        <pc:spChg chg="mod">
+          <ac:chgData name="Brady Merkel" userId="077b44faa59125c6" providerId="LiveId" clId="{88FFB2AE-8425-4146-BCD9-29D03DAD4556}" dt="2024-11-22T18:51:07.368" v="54" actId="20577"/>
+          <ac:spMkLst>
+            <pc:docMk/>
+            <pc:sldMk cId="0" sldId="304"/>
+            <ac:spMk id="240" creationId="{00000000-0000-0000-0000-000000000000}"/>
+          </ac:spMkLst>
+        </pc:spChg>
+        <pc:spChg chg="mod">
+          <ac:chgData name="Brady Merkel" userId="077b44faa59125c6" providerId="LiveId" clId="{88FFB2AE-8425-4146-BCD9-29D03DAD4556}" dt="2024-11-22T18:51:46.643" v="77" actId="6549"/>
+          <ac:spMkLst>
+            <pc:docMk/>
+            <pc:sldMk cId="0" sldId="304"/>
+            <ac:spMk id="242" creationId="{00000000-0000-0000-0000-000000000000}"/>
+          </ac:spMkLst>
+        </pc:spChg>
+        <pc:spChg chg="mod">
+          <ac:chgData name="Brady Merkel" userId="077b44faa59125c6" providerId="LiveId" clId="{88FFB2AE-8425-4146-BCD9-29D03DAD4556}" dt="2024-11-22T18:51:37.929" v="73" actId="6549"/>
+          <ac:spMkLst>
+            <pc:docMk/>
+            <pc:sldMk cId="0" sldId="304"/>
+            <ac:spMk id="243" creationId="{00000000-0000-0000-0000-000000000000}"/>
+          </ac:spMkLst>
+        </pc:spChg>
+        <pc:picChg chg="del">
+          <ac:chgData name="Brady Merkel" userId="077b44faa59125c6" providerId="LiveId" clId="{88FFB2AE-8425-4146-BCD9-29D03DAD4556}" dt="2024-11-22T18:51:12.593" v="55" actId="478"/>
+          <ac:picMkLst>
+            <pc:docMk/>
+            <pc:sldMk cId="0" sldId="304"/>
+            <ac:picMk id="234" creationId="{00000000-0000-0000-0000-000000000000}"/>
+          </ac:picMkLst>
+        </pc:picChg>
+        <pc:picChg chg="mod">
+          <ac:chgData name="Brady Merkel" userId="077b44faa59125c6" providerId="LiveId" clId="{88FFB2AE-8425-4146-BCD9-29D03DAD4556}" dt="2024-11-22T18:52:02.334" v="118" actId="1035"/>
+          <ac:picMkLst>
+            <pc:docMk/>
+            <pc:sldMk cId="0" sldId="304"/>
+            <ac:picMk id="235" creationId="{00000000-0000-0000-0000-000000000000}"/>
+          </ac:picMkLst>
+        </pc:picChg>
+      </pc:sldChg>
+      <pc:sldChg chg="delSp modSp add mod">
+        <pc:chgData name="Brady Merkel" userId="077b44faa59125c6" providerId="LiveId" clId="{88FFB2AE-8425-4146-BCD9-29D03DAD4556}" dt="2024-11-22T18:55:29.496" v="170" actId="404"/>
+        <pc:sldMkLst>
+          <pc:docMk/>
+          <pc:sldMk cId="0" sldId="305"/>
+        </pc:sldMkLst>
+        <pc:spChg chg="mod">
+          <ac:chgData name="Brady Merkel" userId="077b44faa59125c6" providerId="LiveId" clId="{88FFB2AE-8425-4146-BCD9-29D03DAD4556}" dt="2024-11-22T18:55:29.496" v="170" actId="404"/>
+          <ac:spMkLst>
+            <pc:docMk/>
+            <pc:sldMk cId="0" sldId="305"/>
+            <ac:spMk id="249" creationId="{00000000-0000-0000-0000-000000000000}"/>
+          </ac:spMkLst>
+        </pc:spChg>
+        <pc:picChg chg="del">
+          <ac:chgData name="Brady Merkel" userId="077b44faa59125c6" providerId="LiveId" clId="{88FFB2AE-8425-4146-BCD9-29D03DAD4556}" dt="2024-11-22T18:52:24.994" v="121" actId="478"/>
+          <ac:picMkLst>
+            <pc:docMk/>
+            <pc:sldMk cId="0" sldId="305"/>
+            <ac:picMk id="250" creationId="{00000000-0000-0000-0000-000000000000}"/>
+          </ac:picMkLst>
+        </pc:picChg>
+      </pc:sldChg>
+      <pc:sldChg chg="modSp add mod">
+        <pc:chgData name="Brady Merkel" userId="077b44faa59125c6" providerId="LiveId" clId="{88FFB2AE-8425-4146-BCD9-29D03DAD4556}" dt="2024-11-22T18:52:56.156" v="130" actId="6549"/>
+        <pc:sldMkLst>
+          <pc:docMk/>
+          <pc:sldMk cId="0" sldId="306"/>
+        </pc:sldMkLst>
+        <pc:spChg chg="mod">
+          <ac:chgData name="Brady Merkel" userId="077b44faa59125c6" providerId="LiveId" clId="{88FFB2AE-8425-4146-BCD9-29D03DAD4556}" dt="2024-11-22T18:52:56.156" v="130" actId="6549"/>
+          <ac:spMkLst>
+            <pc:docMk/>
+            <pc:sldMk cId="0" sldId="306"/>
+            <ac:spMk id="259" creationId="{00000000-0000-0000-0000-000000000000}"/>
+          </ac:spMkLst>
+        </pc:spChg>
+      </pc:sldChg>
+      <pc:sldMasterChg chg="modSldLayout">
+        <pc:chgData name="Brady Merkel" userId="077b44faa59125c6" providerId="LiveId" clId="{88FFB2AE-8425-4146-BCD9-29D03DAD4556}" dt="2024-11-22T18:46:32.106" v="23" actId="732"/>
+        <pc:sldMasterMkLst>
+          <pc:docMk/>
+          <pc:sldMasterMk cId="0" sldId="2147483665"/>
+        </pc:sldMasterMkLst>
+        <pc:sldLayoutChg chg="addSp modSp mod">
+          <pc:chgData name="Brady Merkel" userId="077b44faa59125c6" providerId="LiveId" clId="{88FFB2AE-8425-4146-BCD9-29D03DAD4556}" dt="2024-11-22T18:46:32.106" v="23" actId="732"/>
+          <pc:sldLayoutMkLst>
+            <pc:docMk/>
+            <pc:sldMasterMk cId="0" sldId="2147483665"/>
+            <pc:sldLayoutMk cId="0" sldId="2147483662"/>
+          </pc:sldLayoutMkLst>
+          <pc:picChg chg="add mod modCrop">
+            <ac:chgData name="Brady Merkel" userId="077b44faa59125c6" providerId="LiveId" clId="{88FFB2AE-8425-4146-BCD9-29D03DAD4556}" dt="2024-11-22T18:46:32.106" v="23" actId="732"/>
+            <ac:picMkLst>
+              <pc:docMk/>
+              <pc:sldMasterMk cId="0" sldId="2147483665"/>
+              <pc:sldLayoutMk cId="0" sldId="2147483662"/>
+              <ac:picMk id="97" creationId="{00000000-0000-0000-0000-000000000000}"/>
+            </ac:picMkLst>
+          </pc:picChg>
+        </pc:sldLayoutChg>
+      </pc:sldMasterChg>
     </pc:docChg>
   </pc:docChgLst>
 </pc:chgInfo>
@@ -1027,7 +1470,7 @@
   <p:cSld>
     <p:spTree>
       <p:nvGrpSpPr>
-        <p:cNvPr id="1" name="Shape 123"/>
+        <p:cNvPr id="1" name="Shape 118"/>
         <p:cNvGrpSpPr/>
         <p:nvPr/>
       </p:nvGrpSpPr>
@@ -1041,7 +1484,7 @@
       </p:grpSpPr>
       <p:sp>
         <p:nvSpPr>
-          <p:cNvPr id="124" name="Google Shape;124;g2d56fc09ca8_2_64:notes"/>
+          <p:cNvPr id="119" name="Google Shape;119;g2d56fc09ca8_2_60:notes"/>
           <p:cNvSpPr txBox="1">
             <a:spLocks noGrp="1"/>
           </p:cNvSpPr>
@@ -1079,7 +1522,7 @@
       </p:sp>
       <p:sp>
         <p:nvSpPr>
-          <p:cNvPr id="125" name="Google Shape;125;g2d56fc09ca8_2_64:notes"/>
+          <p:cNvPr id="120" name="Google Shape;120;g2d56fc09ca8_2_60:notes"/>
           <p:cNvSpPr>
             <a:spLocks noGrp="1" noRot="1" noChangeAspect="1"/>
           </p:cNvSpPr>
@@ -1089,8 +1532,8 @@
         </p:nvSpPr>
         <p:spPr>
           <a:xfrm>
-            <a:off x="1143000" y="685800"/>
-            <a:ext cx="4572000" cy="3429000"/>
+            <a:off x="381000" y="685800"/>
+            <a:ext cx="6096000" cy="3429000"/>
           </a:xfrm>
           <a:custGeom>
             <a:avLst/>
@@ -1131,7 +1574,7 @@
   <p:cSld>
     <p:spTree>
       <p:nvGrpSpPr>
-        <p:cNvPr id="1" name="Shape 129"/>
+        <p:cNvPr id="1" name="Shape 123"/>
         <p:cNvGrpSpPr/>
         <p:nvPr/>
       </p:nvGrpSpPr>
@@ -1145,7 +1588,7 @@
       </p:grpSpPr>
       <p:sp>
         <p:nvSpPr>
-          <p:cNvPr id="130" name="Google Shape;130;g2d56fc09ca8_2_69:notes"/>
+          <p:cNvPr id="124" name="Google Shape;124;g2d56fc09ca8_2_64:notes"/>
           <p:cNvSpPr txBox="1">
             <a:spLocks noGrp="1"/>
           </p:cNvSpPr>
@@ -1183,7 +1626,7 @@
       </p:sp>
       <p:sp>
         <p:nvSpPr>
-          <p:cNvPr id="131" name="Google Shape;131;g2d56fc09ca8_2_69:notes"/>
+          <p:cNvPr id="125" name="Google Shape;125;g2d56fc09ca8_2_64:notes"/>
           <p:cNvSpPr>
             <a:spLocks noGrp="1" noRot="1" noChangeAspect="1"/>
           </p:cNvSpPr>
@@ -1235,7 +1678,7 @@
   <p:cSld>
     <p:spTree>
       <p:nvGrpSpPr>
-        <p:cNvPr id="1" name="Shape 135"/>
+        <p:cNvPr id="1" name="Shape 129"/>
         <p:cNvGrpSpPr/>
         <p:nvPr/>
       </p:nvGrpSpPr>
@@ -1249,7 +1692,7 @@
       </p:grpSpPr>
       <p:sp>
         <p:nvSpPr>
-          <p:cNvPr id="136" name="Google Shape;136;g2d56fc09ca8_2_74:notes"/>
+          <p:cNvPr id="130" name="Google Shape;130;g2d56fc09ca8_2_69:notes"/>
           <p:cNvSpPr txBox="1">
             <a:spLocks noGrp="1"/>
           </p:cNvSpPr>
@@ -1287,7 +1730,7 @@
       </p:sp>
       <p:sp>
         <p:nvSpPr>
-          <p:cNvPr id="137" name="Google Shape;137;g2d56fc09ca8_2_74:notes"/>
+          <p:cNvPr id="131" name="Google Shape;131;g2d56fc09ca8_2_69:notes"/>
           <p:cNvSpPr>
             <a:spLocks noGrp="1" noRot="1" noChangeAspect="1"/>
           </p:cNvSpPr>
@@ -1297,8 +1740,8 @@
         </p:nvSpPr>
         <p:spPr>
           <a:xfrm>
-            <a:off x="1143000" y="685800"/>
-            <a:ext cx="4572000" cy="3429000"/>
+            <a:off x="381000" y="685800"/>
+            <a:ext cx="6096000" cy="3429000"/>
           </a:xfrm>
           <a:custGeom>
             <a:avLst/>
@@ -1339,7 +1782,7 @@
   <p:cSld>
     <p:spTree>
       <p:nvGrpSpPr>
-        <p:cNvPr id="1" name="Shape 140"/>
+        <p:cNvPr id="1" name="Shape 203"/>
         <p:cNvGrpSpPr/>
         <p:nvPr/>
       </p:nvGrpSpPr>
@@ -1353,7 +1796,7 @@
       </p:grpSpPr>
       <p:sp>
         <p:nvSpPr>
-          <p:cNvPr id="141" name="Google Shape;141;g2d56fc09ca8_2_78:notes"/>
+          <p:cNvPr id="204" name="Google Shape;204;g2d56fc09ca8_2_130:notes"/>
           <p:cNvSpPr txBox="1">
             <a:spLocks noGrp="1"/>
           </p:cNvSpPr>
@@ -1391,7 +1834,7 @@
       </p:sp>
       <p:sp>
         <p:nvSpPr>
-          <p:cNvPr id="142" name="Google Shape;142;g2d56fc09ca8_2_78:notes"/>
+          <p:cNvPr id="205" name="Google Shape;205;g2d56fc09ca8_2_130:notes"/>
           <p:cNvSpPr>
             <a:spLocks noGrp="1" noRot="1" noChangeAspect="1"/>
           </p:cNvSpPr>
@@ -1401,8 +1844,8 @@
         </p:nvSpPr>
         <p:spPr>
           <a:xfrm>
-            <a:off x="1143000" y="685800"/>
-            <a:ext cx="4572000" cy="3429000"/>
+            <a:off x="381000" y="685800"/>
+            <a:ext cx="6096000" cy="3429000"/>
           </a:xfrm>
           <a:custGeom>
             <a:avLst/>
@@ -1443,7 +1886,7 @@
   <p:cSld>
     <p:spTree>
       <p:nvGrpSpPr>
-        <p:cNvPr id="1" name="Shape 146"/>
+        <p:cNvPr id="1" name="Shape 208"/>
         <p:cNvGrpSpPr/>
         <p:nvPr/>
       </p:nvGrpSpPr>
@@ -1457,7 +1900,7 @@
       </p:grpSpPr>
       <p:sp>
         <p:nvSpPr>
-          <p:cNvPr id="147" name="Google Shape;147;g2d56fc09ca8_2_83:notes"/>
+          <p:cNvPr id="209" name="Google Shape;209;g2d56fc09ca8_2_134:notes"/>
           <p:cNvSpPr txBox="1">
             <a:spLocks noGrp="1"/>
           </p:cNvSpPr>
@@ -1495,7 +1938,7 @@
       </p:sp>
       <p:sp>
         <p:nvSpPr>
-          <p:cNvPr id="148" name="Google Shape;148;g2d56fc09ca8_2_83:notes"/>
+          <p:cNvPr id="210" name="Google Shape;210;g2d56fc09ca8_2_134:notes"/>
           <p:cNvSpPr>
             <a:spLocks noGrp="1" noRot="1" noChangeAspect="1"/>
           </p:cNvSpPr>
@@ -1547,7 +1990,7 @@
   <p:cSld>
     <p:spTree>
       <p:nvGrpSpPr>
-        <p:cNvPr id="1" name="Shape 152"/>
+        <p:cNvPr id="1" name="Shape 214"/>
         <p:cNvGrpSpPr/>
         <p:nvPr/>
       </p:nvGrpSpPr>
@@ -1561,7 +2004,7 @@
       </p:grpSpPr>
       <p:sp>
         <p:nvSpPr>
-          <p:cNvPr id="153" name="Google Shape;153;g2d56fc09ca8_2_88:notes"/>
+          <p:cNvPr id="215" name="Google Shape;215;g2d56fc09ca8_2_139:notes"/>
           <p:cNvSpPr txBox="1">
             <a:spLocks noGrp="1"/>
           </p:cNvSpPr>
@@ -1599,7 +2042,7 @@
       </p:sp>
       <p:sp>
         <p:nvSpPr>
-          <p:cNvPr id="154" name="Google Shape;154;g2d56fc09ca8_2_88:notes"/>
+          <p:cNvPr id="216" name="Google Shape;216;g2d56fc09ca8_2_139:notes"/>
           <p:cNvSpPr>
             <a:spLocks noGrp="1" noRot="1" noChangeAspect="1"/>
           </p:cNvSpPr>
@@ -1609,8 +2052,8 @@
         </p:nvSpPr>
         <p:spPr>
           <a:xfrm>
-            <a:off x="1143000" y="685800"/>
-            <a:ext cx="4572000" cy="3429000"/>
+            <a:off x="381000" y="685800"/>
+            <a:ext cx="6096000" cy="3429000"/>
           </a:xfrm>
           <a:custGeom>
             <a:avLst/>
@@ -1651,7 +2094,7 @@
   <p:cSld>
     <p:spTree>
       <p:nvGrpSpPr>
-        <p:cNvPr id="1" name="Shape 157"/>
+        <p:cNvPr id="1" name="Shape 220"/>
         <p:cNvGrpSpPr/>
         <p:nvPr/>
       </p:nvGrpSpPr>
@@ -1665,7 +2108,7 @@
       </p:grpSpPr>
       <p:sp>
         <p:nvSpPr>
-          <p:cNvPr id="158" name="Google Shape;158;g2d56fc09ca8_2_92:notes"/>
+          <p:cNvPr id="221" name="Google Shape;221;g2d56fc09ca8_2_144:notes"/>
           <p:cNvSpPr txBox="1">
             <a:spLocks noGrp="1"/>
           </p:cNvSpPr>
@@ -1703,7 +2146,7 @@
       </p:sp>
       <p:sp>
         <p:nvSpPr>
-          <p:cNvPr id="159" name="Google Shape;159;g2d56fc09ca8_2_92:notes"/>
+          <p:cNvPr id="222" name="Google Shape;222;g2d56fc09ca8_2_144:notes"/>
           <p:cNvSpPr>
             <a:spLocks noGrp="1" noRot="1" noChangeAspect="1"/>
           </p:cNvSpPr>
@@ -1713,8 +2156,8 @@
         </p:nvSpPr>
         <p:spPr>
           <a:xfrm>
-            <a:off x="1143000" y="685800"/>
-            <a:ext cx="4572000" cy="3429000"/>
+            <a:off x="381000" y="685800"/>
+            <a:ext cx="6096000" cy="3429000"/>
           </a:xfrm>
           <a:custGeom>
             <a:avLst/>
@@ -1755,7 +2198,7 @@
   <p:cSld>
     <p:spTree>
       <p:nvGrpSpPr>
-        <p:cNvPr id="1" name="Shape 163"/>
+        <p:cNvPr id="1" name="Shape 225"/>
         <p:cNvGrpSpPr/>
         <p:nvPr/>
       </p:nvGrpSpPr>
@@ -1769,7 +2212,7 @@
       </p:grpSpPr>
       <p:sp>
         <p:nvSpPr>
-          <p:cNvPr id="164" name="Google Shape;164;g2d56fc09ca8_2_97:notes"/>
+          <p:cNvPr id="226" name="Google Shape;226;g2d56fc09ca8_2_148:notes"/>
           <p:cNvSpPr txBox="1">
             <a:spLocks noGrp="1"/>
           </p:cNvSpPr>
@@ -1807,7 +2250,7 @@
       </p:sp>
       <p:sp>
         <p:nvSpPr>
-          <p:cNvPr id="165" name="Google Shape;165;g2d56fc09ca8_2_97:notes"/>
+          <p:cNvPr id="227" name="Google Shape;227;g2d56fc09ca8_2_148:notes"/>
           <p:cNvSpPr>
             <a:spLocks noGrp="1" noRot="1" noChangeAspect="1"/>
           </p:cNvSpPr>
@@ -1859,7 +2302,7 @@
   <p:cSld>
     <p:spTree>
       <p:nvGrpSpPr>
-        <p:cNvPr id="1" name="Shape 169"/>
+        <p:cNvPr id="1" name="Shape 231"/>
         <p:cNvGrpSpPr/>
         <p:nvPr/>
       </p:nvGrpSpPr>
@@ -1873,7 +2316,7 @@
       </p:grpSpPr>
       <p:sp>
         <p:nvSpPr>
-          <p:cNvPr id="170" name="Google Shape;170;g2d56fc09ca8_2_102:notes"/>
+          <p:cNvPr id="232" name="Google Shape;232;g2d56fc09ca8_2_153:notes"/>
           <p:cNvSpPr txBox="1">
             <a:spLocks noGrp="1"/>
           </p:cNvSpPr>
@@ -1911,7 +2354,7 @@
       </p:sp>
       <p:sp>
         <p:nvSpPr>
-          <p:cNvPr id="171" name="Google Shape;171;g2d56fc09ca8_2_102:notes"/>
+          <p:cNvPr id="233" name="Google Shape;233;g2d56fc09ca8_2_153:notes"/>
           <p:cNvSpPr>
             <a:spLocks noGrp="1" noRot="1" noChangeAspect="1"/>
           </p:cNvSpPr>
@@ -1921,8 +2364,8 @@
         </p:nvSpPr>
         <p:spPr>
           <a:xfrm>
-            <a:off x="1143000" y="685800"/>
-            <a:ext cx="4572000" cy="3429000"/>
+            <a:off x="381000" y="685800"/>
+            <a:ext cx="6096000" cy="3429000"/>
           </a:xfrm>
           <a:custGeom>
             <a:avLst/>
@@ -1963,7 +2406,7 @@
   <p:cSld>
     <p:spTree>
       <p:nvGrpSpPr>
-        <p:cNvPr id="1" name="Shape 174"/>
+        <p:cNvPr id="1" name="Shape 237"/>
         <p:cNvGrpSpPr/>
         <p:nvPr/>
       </p:nvGrpSpPr>
@@ -1977,7 +2420,7 @@
       </p:grpSpPr>
       <p:sp>
         <p:nvSpPr>
-          <p:cNvPr id="175" name="Google Shape;175;g2d56fc09ca8_2_106:notes"/>
+          <p:cNvPr id="238" name="Google Shape;238;g2d56fc09ca8_2_158:notes"/>
           <p:cNvSpPr txBox="1">
             <a:spLocks noGrp="1"/>
           </p:cNvSpPr>
@@ -2015,7 +2458,7 @@
       </p:sp>
       <p:sp>
         <p:nvSpPr>
-          <p:cNvPr id="176" name="Google Shape;176;g2d56fc09ca8_2_106:notes"/>
+          <p:cNvPr id="239" name="Google Shape;239;g2d56fc09ca8_2_158:notes"/>
           <p:cNvSpPr>
             <a:spLocks noGrp="1" noRot="1" noChangeAspect="1"/>
           </p:cNvSpPr>
@@ -2025,8 +2468,8 @@
         </p:nvSpPr>
         <p:spPr>
           <a:xfrm>
-            <a:off x="1143000" y="685800"/>
-            <a:ext cx="4572000" cy="3429000"/>
+            <a:off x="381000" y="685800"/>
+            <a:ext cx="6096000" cy="3429000"/>
           </a:xfrm>
           <a:custGeom>
             <a:avLst/>
@@ -2129,8 +2572,8 @@
         </p:nvSpPr>
         <p:spPr>
           <a:xfrm>
-            <a:off x="1143000" y="685800"/>
-            <a:ext cx="4572000" cy="3429000"/>
+            <a:off x="381000" y="685800"/>
+            <a:ext cx="6096000" cy="3429000"/>
           </a:xfrm>
           <a:custGeom>
             <a:avLst/>
@@ -2171,7 +2614,7 @@
   <p:cSld>
     <p:spTree>
       <p:nvGrpSpPr>
-        <p:cNvPr id="1" name="Shape 180"/>
+        <p:cNvPr id="1" name="Shape 242"/>
         <p:cNvGrpSpPr/>
         <p:nvPr/>
       </p:nvGrpSpPr>
@@ -2185,7 +2628,7 @@
       </p:grpSpPr>
       <p:sp>
         <p:nvSpPr>
-          <p:cNvPr id="181" name="Google Shape;181;g2d56fc09ca8_2_111:notes"/>
+          <p:cNvPr id="243" name="Google Shape;243;g2d56fc09ca8_2_162:notes"/>
           <p:cNvSpPr txBox="1">
             <a:spLocks noGrp="1"/>
           </p:cNvSpPr>
@@ -2223,7 +2666,7 @@
       </p:sp>
       <p:sp>
         <p:nvSpPr>
-          <p:cNvPr id="182" name="Google Shape;182;g2d56fc09ca8_2_111:notes"/>
+          <p:cNvPr id="244" name="Google Shape;244;g2d56fc09ca8_2_162:notes"/>
           <p:cNvSpPr>
             <a:spLocks noGrp="1" noRot="1" noChangeAspect="1"/>
           </p:cNvSpPr>
@@ -2275,7 +2718,7 @@
   <p:cSld>
     <p:spTree>
       <p:nvGrpSpPr>
-        <p:cNvPr id="1" name="Shape 186"/>
+        <p:cNvPr id="1" name="Shape 248"/>
         <p:cNvGrpSpPr/>
         <p:nvPr/>
       </p:nvGrpSpPr>
@@ -2289,7 +2732,7 @@
       </p:grpSpPr>
       <p:sp>
         <p:nvSpPr>
-          <p:cNvPr id="187" name="Google Shape;187;g2d56fc09ca8_2_116:notes"/>
+          <p:cNvPr id="249" name="Google Shape;249;g2d56fc09ca8_2_167:notes"/>
           <p:cNvSpPr txBox="1">
             <a:spLocks noGrp="1"/>
           </p:cNvSpPr>
@@ -2327,7 +2770,7 @@
       </p:sp>
       <p:sp>
         <p:nvSpPr>
-          <p:cNvPr id="188" name="Google Shape;188;g2d56fc09ca8_2_116:notes"/>
+          <p:cNvPr id="250" name="Google Shape;250;g2d56fc09ca8_2_167:notes"/>
           <p:cNvSpPr>
             <a:spLocks noGrp="1" noRot="1" noChangeAspect="1"/>
           </p:cNvSpPr>
@@ -2337,8 +2780,8 @@
         </p:nvSpPr>
         <p:spPr>
           <a:xfrm>
-            <a:off x="1143000" y="685800"/>
-            <a:ext cx="4572000" cy="3429000"/>
+            <a:off x="381000" y="685800"/>
+            <a:ext cx="6096000" cy="3429000"/>
           </a:xfrm>
           <a:custGeom>
             <a:avLst/>
@@ -2379,7 +2822,7 @@
   <p:cSld>
     <p:spTree>
       <p:nvGrpSpPr>
-        <p:cNvPr id="1" name="Shape 191"/>
+        <p:cNvPr id="1" name="Shape 254"/>
         <p:cNvGrpSpPr/>
         <p:nvPr/>
       </p:nvGrpSpPr>
@@ -2393,7 +2836,7 @@
       </p:grpSpPr>
       <p:sp>
         <p:nvSpPr>
-          <p:cNvPr id="192" name="Google Shape;192;g2d56fc09ca8_2_120:notes"/>
+          <p:cNvPr id="255" name="Google Shape;255;g2d56fc09ca8_2_172:notes"/>
           <p:cNvSpPr txBox="1">
             <a:spLocks noGrp="1"/>
           </p:cNvSpPr>
@@ -2431,7 +2874,7 @@
       </p:sp>
       <p:sp>
         <p:nvSpPr>
-          <p:cNvPr id="193" name="Google Shape;193;g2d56fc09ca8_2_120:notes"/>
+          <p:cNvPr id="256" name="Google Shape;256;g2d56fc09ca8_2_172:notes"/>
           <p:cNvSpPr>
             <a:spLocks noGrp="1" noRot="1" noChangeAspect="1"/>
           </p:cNvSpPr>
@@ -2441,8 +2884,8 @@
         </p:nvSpPr>
         <p:spPr>
           <a:xfrm>
-            <a:off x="1143000" y="685800"/>
-            <a:ext cx="4572000" cy="3429000"/>
+            <a:off x="381000" y="685800"/>
+            <a:ext cx="6096000" cy="3429000"/>
           </a:xfrm>
           <a:custGeom>
             <a:avLst/>
@@ -2483,7 +2926,7 @@
   <p:cSld>
     <p:spTree>
       <p:nvGrpSpPr>
-        <p:cNvPr id="1" name="Shape 197"/>
+        <p:cNvPr id="1" name="Shape 259"/>
         <p:cNvGrpSpPr/>
         <p:nvPr/>
       </p:nvGrpSpPr>
@@ -2497,7 +2940,7 @@
       </p:grpSpPr>
       <p:sp>
         <p:nvSpPr>
-          <p:cNvPr id="198" name="Google Shape;198;g2d56fc09ca8_2_125:notes"/>
+          <p:cNvPr id="260" name="Google Shape;260;g2d56fc09ca8_2_176:notes"/>
           <p:cNvSpPr txBox="1">
             <a:spLocks noGrp="1"/>
           </p:cNvSpPr>
@@ -2535,7 +2978,7 @@
       </p:sp>
       <p:sp>
         <p:nvSpPr>
-          <p:cNvPr id="199" name="Google Shape;199;g2d56fc09ca8_2_125:notes"/>
+          <p:cNvPr id="261" name="Google Shape;261;g2d56fc09ca8_2_176:notes"/>
           <p:cNvSpPr>
             <a:spLocks noGrp="1" noRot="1" noChangeAspect="1"/>
           </p:cNvSpPr>
@@ -2587,7 +3030,7 @@
   <p:cSld>
     <p:spTree>
       <p:nvGrpSpPr>
-        <p:cNvPr id="1" name="Shape 203"/>
+        <p:cNvPr id="1" name="Shape 265"/>
         <p:cNvGrpSpPr/>
         <p:nvPr/>
       </p:nvGrpSpPr>
@@ -2601,7 +3044,7 @@
       </p:grpSpPr>
       <p:sp>
         <p:nvSpPr>
-          <p:cNvPr id="204" name="Google Shape;204;g2d56fc09ca8_2_130:notes"/>
+          <p:cNvPr id="266" name="Google Shape;266;g2d56fc09ca8_2_181:notes"/>
           <p:cNvSpPr txBox="1">
             <a:spLocks noGrp="1"/>
           </p:cNvSpPr>
@@ -2639,7 +3082,7 @@
       </p:sp>
       <p:sp>
         <p:nvSpPr>
-          <p:cNvPr id="205" name="Google Shape;205;g2d56fc09ca8_2_130:notes"/>
+          <p:cNvPr id="267" name="Google Shape;267;g2d56fc09ca8_2_181:notes"/>
           <p:cNvSpPr>
             <a:spLocks noGrp="1" noRot="1" noChangeAspect="1"/>
           </p:cNvSpPr>
@@ -2649,8 +3092,8 @@
         </p:nvSpPr>
         <p:spPr>
           <a:xfrm>
-            <a:off x="1143000" y="685800"/>
-            <a:ext cx="4572000" cy="3429000"/>
+            <a:off x="381000" y="685800"/>
+            <a:ext cx="6096000" cy="3429000"/>
           </a:xfrm>
           <a:custGeom>
             <a:avLst/>
@@ -2691,7 +3134,7 @@
   <p:cSld>
     <p:spTree>
       <p:nvGrpSpPr>
-        <p:cNvPr id="1" name="Shape 208"/>
+        <p:cNvPr id="1" name="Shape 152"/>
         <p:cNvGrpSpPr/>
         <p:nvPr/>
       </p:nvGrpSpPr>
@@ -2705,7 +3148,7 @@
       </p:grpSpPr>
       <p:sp>
         <p:nvSpPr>
-          <p:cNvPr id="209" name="Google Shape;209;g2d56fc09ca8_2_134:notes"/>
+          <p:cNvPr id="153" name="Google Shape;153;g2d56fc09ca8_2_88:notes"/>
           <p:cNvSpPr txBox="1">
             <a:spLocks noGrp="1"/>
           </p:cNvSpPr>
@@ -2743,7 +3186,7 @@
       </p:sp>
       <p:sp>
         <p:nvSpPr>
-          <p:cNvPr id="210" name="Google Shape;210;g2d56fc09ca8_2_134:notes"/>
+          <p:cNvPr id="154" name="Google Shape;154;g2d56fc09ca8_2_88:notes"/>
           <p:cNvSpPr>
             <a:spLocks noGrp="1" noRot="1" noChangeAspect="1"/>
           </p:cNvSpPr>
@@ -2753,8 +3196,8 @@
         </p:nvSpPr>
         <p:spPr>
           <a:xfrm>
-            <a:off x="1143000" y="685800"/>
-            <a:ext cx="4572000" cy="3429000"/>
+            <a:off x="381000" y="685800"/>
+            <a:ext cx="6096000" cy="3429000"/>
           </a:xfrm>
           <a:custGeom>
             <a:avLst/>
@@ -2795,7 +3238,7 @@
   <p:cSld>
     <p:spTree>
       <p:nvGrpSpPr>
-        <p:cNvPr id="1" name="Shape 214"/>
+        <p:cNvPr id="1" name="Shape 157"/>
         <p:cNvGrpSpPr/>
         <p:nvPr/>
       </p:nvGrpSpPr>
@@ -2809,7 +3252,7 @@
       </p:grpSpPr>
       <p:sp>
         <p:nvSpPr>
-          <p:cNvPr id="215" name="Google Shape;215;g2d56fc09ca8_2_139:notes"/>
+          <p:cNvPr id="158" name="Google Shape;158;g2d56fc09ca8_2_92:notes"/>
           <p:cNvSpPr txBox="1">
             <a:spLocks noGrp="1"/>
           </p:cNvSpPr>
@@ -2847,7 +3290,7 @@
       </p:sp>
       <p:sp>
         <p:nvSpPr>
-          <p:cNvPr id="216" name="Google Shape;216;g2d56fc09ca8_2_139:notes"/>
+          <p:cNvPr id="159" name="Google Shape;159;g2d56fc09ca8_2_92:notes"/>
           <p:cNvSpPr>
             <a:spLocks noGrp="1" noRot="1" noChangeAspect="1"/>
           </p:cNvSpPr>
@@ -2899,7 +3342,7 @@
   <p:cSld>
     <p:spTree>
       <p:nvGrpSpPr>
-        <p:cNvPr id="1" name="Shape 220"/>
+        <p:cNvPr id="1" name="Shape 163"/>
         <p:cNvGrpSpPr/>
         <p:nvPr/>
       </p:nvGrpSpPr>
@@ -2913,7 +3356,7 @@
       </p:grpSpPr>
       <p:sp>
         <p:nvSpPr>
-          <p:cNvPr id="221" name="Google Shape;221;g2d56fc09ca8_2_144:notes"/>
+          <p:cNvPr id="164" name="Google Shape;164;g2d56fc09ca8_2_97:notes"/>
           <p:cNvSpPr txBox="1">
             <a:spLocks noGrp="1"/>
           </p:cNvSpPr>
@@ -2951,7 +3394,7 @@
       </p:sp>
       <p:sp>
         <p:nvSpPr>
-          <p:cNvPr id="222" name="Google Shape;222;g2d56fc09ca8_2_144:notes"/>
+          <p:cNvPr id="165" name="Google Shape;165;g2d56fc09ca8_2_97:notes"/>
           <p:cNvSpPr>
             <a:spLocks noGrp="1" noRot="1" noChangeAspect="1"/>
           </p:cNvSpPr>
@@ -2961,8 +3404,8 @@
         </p:nvSpPr>
         <p:spPr>
           <a:xfrm>
-            <a:off x="1143000" y="685800"/>
-            <a:ext cx="4572000" cy="3429000"/>
+            <a:off x="381000" y="685800"/>
+            <a:ext cx="6096000" cy="3429000"/>
           </a:xfrm>
           <a:custGeom>
             <a:avLst/>
@@ -3003,7 +3446,7 @@
   <p:cSld>
     <p:spTree>
       <p:nvGrpSpPr>
-        <p:cNvPr id="1" name="Shape 225"/>
+        <p:cNvPr id="1" name="Shape 169"/>
         <p:cNvGrpSpPr/>
         <p:nvPr/>
       </p:nvGrpSpPr>
@@ -3017,7 +3460,7 @@
       </p:grpSpPr>
       <p:sp>
         <p:nvSpPr>
-          <p:cNvPr id="226" name="Google Shape;226;g2d56fc09ca8_2_148:notes"/>
+          <p:cNvPr id="170" name="Google Shape;170;g2d56fc09ca8_2_102:notes"/>
           <p:cNvSpPr txBox="1">
             <a:spLocks noGrp="1"/>
           </p:cNvSpPr>
@@ -3055,7 +3498,7 @@
       </p:sp>
       <p:sp>
         <p:nvSpPr>
-          <p:cNvPr id="227" name="Google Shape;227;g2d56fc09ca8_2_148:notes"/>
+          <p:cNvPr id="171" name="Google Shape;171;g2d56fc09ca8_2_102:notes"/>
           <p:cNvSpPr>
             <a:spLocks noGrp="1" noRot="1" noChangeAspect="1"/>
           </p:cNvSpPr>
@@ -3065,8 +3508,8 @@
         </p:nvSpPr>
         <p:spPr>
           <a:xfrm>
-            <a:off x="1143000" y="685800"/>
-            <a:ext cx="4572000" cy="3429000"/>
+            <a:off x="381000" y="685800"/>
+            <a:ext cx="6096000" cy="3429000"/>
           </a:xfrm>
           <a:custGeom>
             <a:avLst/>
@@ -3107,7 +3550,7 @@
   <p:cSld>
     <p:spTree>
       <p:nvGrpSpPr>
-        <p:cNvPr id="1" name="Shape 231"/>
+        <p:cNvPr id="1" name="Shape 174"/>
         <p:cNvGrpSpPr/>
         <p:nvPr/>
       </p:nvGrpSpPr>
@@ -3121,7 +3564,7 @@
       </p:grpSpPr>
       <p:sp>
         <p:nvSpPr>
-          <p:cNvPr id="232" name="Google Shape;232;g2d56fc09ca8_2_153:notes"/>
+          <p:cNvPr id="175" name="Google Shape;175;g2d56fc09ca8_2_106:notes"/>
           <p:cNvSpPr txBox="1">
             <a:spLocks noGrp="1"/>
           </p:cNvSpPr>
@@ -3159,7 +3602,7 @@
       </p:sp>
       <p:sp>
         <p:nvSpPr>
-          <p:cNvPr id="233" name="Google Shape;233;g2d56fc09ca8_2_153:notes"/>
+          <p:cNvPr id="176" name="Google Shape;176;g2d56fc09ca8_2_106:notes"/>
           <p:cNvSpPr>
             <a:spLocks noGrp="1" noRot="1" noChangeAspect="1"/>
           </p:cNvSpPr>
@@ -3273,8 +3716,8 @@
         </p:nvSpPr>
         <p:spPr>
           <a:xfrm>
-            <a:off x="1143000" y="685800"/>
-            <a:ext cx="4572000" cy="3429000"/>
+            <a:off x="381000" y="685800"/>
+            <a:ext cx="6096000" cy="3429000"/>
           </a:xfrm>
           <a:custGeom>
             <a:avLst/>
@@ -3315,7 +3758,7 @@
   <p:cSld>
     <p:spTree>
       <p:nvGrpSpPr>
-        <p:cNvPr id="1" name="Shape 237"/>
+        <p:cNvPr id="1" name="Shape 180"/>
         <p:cNvGrpSpPr/>
         <p:nvPr/>
       </p:nvGrpSpPr>
@@ -3329,7 +3772,7 @@
       </p:grpSpPr>
       <p:sp>
         <p:nvSpPr>
-          <p:cNvPr id="238" name="Google Shape;238;g2d56fc09ca8_2_158:notes"/>
+          <p:cNvPr id="181" name="Google Shape;181;g2d56fc09ca8_2_111:notes"/>
           <p:cNvSpPr txBox="1">
             <a:spLocks noGrp="1"/>
           </p:cNvSpPr>
@@ -3367,7 +3810,7 @@
       </p:sp>
       <p:sp>
         <p:nvSpPr>
-          <p:cNvPr id="239" name="Google Shape;239;g2d56fc09ca8_2_158:notes"/>
+          <p:cNvPr id="182" name="Google Shape;182;g2d56fc09ca8_2_111:notes"/>
           <p:cNvSpPr>
             <a:spLocks noGrp="1" noRot="1" noChangeAspect="1"/>
           </p:cNvSpPr>
@@ -3377,8 +3820,8 @@
         </p:nvSpPr>
         <p:spPr>
           <a:xfrm>
-            <a:off x="1143000" y="685800"/>
-            <a:ext cx="4572000" cy="3429000"/>
+            <a:off x="381000" y="685800"/>
+            <a:ext cx="6096000" cy="3429000"/>
           </a:xfrm>
           <a:custGeom>
             <a:avLst/>
@@ -3419,7 +3862,7 @@
   <p:cSld>
     <p:spTree>
       <p:nvGrpSpPr>
-        <p:cNvPr id="1" name="Shape 242"/>
+        <p:cNvPr id="1" name="Shape 186"/>
         <p:cNvGrpSpPr/>
         <p:nvPr/>
       </p:nvGrpSpPr>
@@ -3433,7 +3876,7 @@
       </p:grpSpPr>
       <p:sp>
         <p:nvSpPr>
-          <p:cNvPr id="243" name="Google Shape;243;g2d56fc09ca8_2_162:notes"/>
+          <p:cNvPr id="187" name="Google Shape;187;g2d56fc09ca8_2_116:notes"/>
           <p:cNvSpPr txBox="1">
             <a:spLocks noGrp="1"/>
           </p:cNvSpPr>
@@ -3471,7 +3914,7 @@
       </p:sp>
       <p:sp>
         <p:nvSpPr>
-          <p:cNvPr id="244" name="Google Shape;244;g2d56fc09ca8_2_162:notes"/>
+          <p:cNvPr id="188" name="Google Shape;188;g2d56fc09ca8_2_116:notes"/>
           <p:cNvSpPr>
             <a:spLocks noGrp="1" noRot="1" noChangeAspect="1"/>
           </p:cNvSpPr>
@@ -3481,8 +3924,8 @@
         </p:nvSpPr>
         <p:spPr>
           <a:xfrm>
-            <a:off x="1143000" y="685800"/>
-            <a:ext cx="4572000" cy="3429000"/>
+            <a:off x="381000" y="685800"/>
+            <a:ext cx="6096000" cy="3429000"/>
           </a:xfrm>
           <a:custGeom>
             <a:avLst/>
@@ -3523,7 +3966,7 @@
   <p:cSld>
     <p:spTree>
       <p:nvGrpSpPr>
-        <p:cNvPr id="1" name="Shape 248"/>
+        <p:cNvPr id="1" name="Shape 191"/>
         <p:cNvGrpSpPr/>
         <p:nvPr/>
       </p:nvGrpSpPr>
@@ -3537,7 +3980,7 @@
       </p:grpSpPr>
       <p:sp>
         <p:nvSpPr>
-          <p:cNvPr id="249" name="Google Shape;249;g2d56fc09ca8_2_167:notes"/>
+          <p:cNvPr id="192" name="Google Shape;192;g2d56fc09ca8_2_120:notes"/>
           <p:cNvSpPr txBox="1">
             <a:spLocks noGrp="1"/>
           </p:cNvSpPr>
@@ -3575,7 +4018,7 @@
       </p:sp>
       <p:sp>
         <p:nvSpPr>
-          <p:cNvPr id="250" name="Google Shape;250;g2d56fc09ca8_2_167:notes"/>
+          <p:cNvPr id="193" name="Google Shape;193;g2d56fc09ca8_2_120:notes"/>
           <p:cNvSpPr>
             <a:spLocks noGrp="1" noRot="1" noChangeAspect="1"/>
           </p:cNvSpPr>
@@ -3627,7 +4070,7 @@
   <p:cSld>
     <p:spTree>
       <p:nvGrpSpPr>
-        <p:cNvPr id="1" name="Shape 254"/>
+        <p:cNvPr id="1" name="Shape 197"/>
         <p:cNvGrpSpPr/>
         <p:nvPr/>
       </p:nvGrpSpPr>
@@ -3641,7 +4084,7 @@
       </p:grpSpPr>
       <p:sp>
         <p:nvSpPr>
-          <p:cNvPr id="255" name="Google Shape;255;g2d56fc09ca8_2_172:notes"/>
+          <p:cNvPr id="198" name="Google Shape;198;g2d56fc09ca8_2_125:notes"/>
           <p:cNvSpPr txBox="1">
             <a:spLocks noGrp="1"/>
           </p:cNvSpPr>
@@ -3679,7 +4122,7 @@
       </p:sp>
       <p:sp>
         <p:nvSpPr>
-          <p:cNvPr id="256" name="Google Shape;256;g2d56fc09ca8_2_172:notes"/>
+          <p:cNvPr id="199" name="Google Shape;199;g2d56fc09ca8_2_125:notes"/>
           <p:cNvSpPr>
             <a:spLocks noGrp="1" noRot="1" noChangeAspect="1"/>
           </p:cNvSpPr>
@@ -3689,8 +4132,8 @@
         </p:nvSpPr>
         <p:spPr>
           <a:xfrm>
-            <a:off x="1143000" y="685800"/>
-            <a:ext cx="4572000" cy="3429000"/>
+            <a:off x="381000" y="685800"/>
+            <a:ext cx="6096000" cy="3429000"/>
           </a:xfrm>
           <a:custGeom>
             <a:avLst/>
@@ -3731,7 +4174,7 @@
   <p:cSld>
     <p:spTree>
       <p:nvGrpSpPr>
-        <p:cNvPr id="1" name="Shape 259"/>
+        <p:cNvPr id="1" name="Shape 135"/>
         <p:cNvGrpSpPr/>
         <p:nvPr/>
       </p:nvGrpSpPr>
@@ -3745,7 +4188,7 @@
       </p:grpSpPr>
       <p:sp>
         <p:nvSpPr>
-          <p:cNvPr id="260" name="Google Shape;260;g2d56fc09ca8_2_176:notes"/>
+          <p:cNvPr id="136" name="Google Shape;136;g2d56fc09ca8_2_74:notes"/>
           <p:cNvSpPr txBox="1">
             <a:spLocks noGrp="1"/>
           </p:cNvSpPr>
@@ -3783,7 +4226,7 @@
       </p:sp>
       <p:sp>
         <p:nvSpPr>
-          <p:cNvPr id="261" name="Google Shape;261;g2d56fc09ca8_2_176:notes"/>
+          <p:cNvPr id="137" name="Google Shape;137;g2d56fc09ca8_2_74:notes"/>
           <p:cNvSpPr>
             <a:spLocks noGrp="1" noRot="1" noChangeAspect="1"/>
           </p:cNvSpPr>
@@ -3793,8 +4236,8 @@
         </p:nvSpPr>
         <p:spPr>
           <a:xfrm>
-            <a:off x="1143000" y="685800"/>
-            <a:ext cx="4572000" cy="3429000"/>
+            <a:off x="381000" y="685800"/>
+            <a:ext cx="6096000" cy="3429000"/>
           </a:xfrm>
           <a:custGeom>
             <a:avLst/>
@@ -3835,7 +4278,7 @@
   <p:cSld>
     <p:spTree>
       <p:nvGrpSpPr>
-        <p:cNvPr id="1" name="Shape 265"/>
+        <p:cNvPr id="1" name="Shape 140"/>
         <p:cNvGrpSpPr/>
         <p:nvPr/>
       </p:nvGrpSpPr>
@@ -3849,7 +4292,7 @@
       </p:grpSpPr>
       <p:sp>
         <p:nvSpPr>
-          <p:cNvPr id="266" name="Google Shape;266;g2d56fc09ca8_2_181:notes"/>
+          <p:cNvPr id="141" name="Google Shape;141;g2d56fc09ca8_2_78:notes"/>
           <p:cNvSpPr txBox="1">
             <a:spLocks noGrp="1"/>
           </p:cNvSpPr>
@@ -3887,7 +4330,7 @@
       </p:sp>
       <p:sp>
         <p:nvSpPr>
-          <p:cNvPr id="267" name="Google Shape;267;g2d56fc09ca8_2_181:notes"/>
+          <p:cNvPr id="142" name="Google Shape;142;g2d56fc09ca8_2_78:notes"/>
           <p:cNvSpPr>
             <a:spLocks noGrp="1" noRot="1" noChangeAspect="1"/>
           </p:cNvSpPr>
@@ -3939,7 +4382,7 @@
   <p:cSld>
     <p:spTree>
       <p:nvGrpSpPr>
-        <p:cNvPr id="1" name="Shape 271"/>
+        <p:cNvPr id="1" name="Shape 146"/>
         <p:cNvGrpSpPr/>
         <p:nvPr/>
       </p:nvGrpSpPr>
@@ -3953,7 +4396,7 @@
       </p:grpSpPr>
       <p:sp>
         <p:nvSpPr>
-          <p:cNvPr id="272" name="Google Shape;272;g2d56fc09ca8_2_186:notes"/>
+          <p:cNvPr id="147" name="Google Shape;147;g2d56fc09ca8_2_83:notes"/>
           <p:cNvSpPr txBox="1">
             <a:spLocks noGrp="1"/>
           </p:cNvSpPr>
@@ -3991,7 +4434,7 @@
       </p:sp>
       <p:sp>
         <p:nvSpPr>
-          <p:cNvPr id="273" name="Google Shape;273;g2d56fc09ca8_2_186:notes"/>
+          <p:cNvPr id="148" name="Google Shape;148;g2d56fc09ca8_2_83:notes"/>
           <p:cNvSpPr>
             <a:spLocks noGrp="1" noRot="1" noChangeAspect="1"/>
           </p:cNvSpPr>
@@ -4001,8 +4444,8 @@
         </p:nvSpPr>
         <p:spPr>
           <a:xfrm>
-            <a:off x="1143000" y="685800"/>
-            <a:ext cx="4572000" cy="3429000"/>
+            <a:off x="381000" y="685800"/>
+            <a:ext cx="6096000" cy="3429000"/>
           </a:xfrm>
           <a:custGeom>
             <a:avLst/>
@@ -4043,7 +4486,7 @@
   <p:cSld>
     <p:spTree>
       <p:nvGrpSpPr>
-        <p:cNvPr id="1" name="Shape 276"/>
+        <p:cNvPr id="1" name="Shape 271"/>
         <p:cNvGrpSpPr/>
         <p:nvPr/>
       </p:nvGrpSpPr>
@@ -4057,7 +4500,7 @@
       </p:grpSpPr>
       <p:sp>
         <p:nvSpPr>
-          <p:cNvPr id="277" name="Google Shape;277;g2d56fc09ca8_2_190:notes"/>
+          <p:cNvPr id="272" name="Google Shape;272;g2d56fc09ca8_2_186:notes"/>
           <p:cNvSpPr txBox="1">
             <a:spLocks noGrp="1"/>
           </p:cNvSpPr>
@@ -4095,7 +4538,7 @@
       </p:sp>
       <p:sp>
         <p:nvSpPr>
-          <p:cNvPr id="278" name="Google Shape;278;g2d56fc09ca8_2_190:notes"/>
+          <p:cNvPr id="273" name="Google Shape;273;g2d56fc09ca8_2_186:notes"/>
           <p:cNvSpPr>
             <a:spLocks noGrp="1" noRot="1" noChangeAspect="1"/>
           </p:cNvSpPr>
@@ -4105,8 +4548,8 @@
         </p:nvSpPr>
         <p:spPr>
           <a:xfrm>
-            <a:off x="1143000" y="685800"/>
-            <a:ext cx="4572000" cy="3429000"/>
+            <a:off x="381000" y="685800"/>
+            <a:ext cx="6096000" cy="3429000"/>
           </a:xfrm>
           <a:custGeom>
             <a:avLst/>
@@ -4147,7 +4590,7 @@
   <p:cSld>
     <p:spTree>
       <p:nvGrpSpPr>
-        <p:cNvPr id="1" name="Shape 282"/>
+        <p:cNvPr id="1" name="Shape 276"/>
         <p:cNvGrpSpPr/>
         <p:nvPr/>
       </p:nvGrpSpPr>
@@ -4161,7 +4604,7 @@
       </p:grpSpPr>
       <p:sp>
         <p:nvSpPr>
-          <p:cNvPr id="283" name="Google Shape;283;g2d56fc09ca8_2_195:notes"/>
+          <p:cNvPr id="277" name="Google Shape;277;g2d56fc09ca8_2_190:notes"/>
           <p:cNvSpPr txBox="1">
             <a:spLocks noGrp="1"/>
           </p:cNvSpPr>
@@ -4199,7 +4642,7 @@
       </p:sp>
       <p:sp>
         <p:nvSpPr>
-          <p:cNvPr id="284" name="Google Shape;284;g2d56fc09ca8_2_195:notes"/>
+          <p:cNvPr id="278" name="Google Shape;278;g2d56fc09ca8_2_190:notes"/>
           <p:cNvSpPr>
             <a:spLocks noGrp="1" noRot="1" noChangeAspect="1"/>
           </p:cNvSpPr>
@@ -4251,7 +4694,7 @@
   <p:cSld>
     <p:spTree>
       <p:nvGrpSpPr>
-        <p:cNvPr id="1" name="Shape 288"/>
+        <p:cNvPr id="1" name="Shape 282"/>
         <p:cNvGrpSpPr/>
         <p:nvPr/>
       </p:nvGrpSpPr>
@@ -4265,7 +4708,7 @@
       </p:grpSpPr>
       <p:sp>
         <p:nvSpPr>
-          <p:cNvPr id="289" name="Google Shape;289;g2d56fc09ca8_2_200:notes"/>
+          <p:cNvPr id="283" name="Google Shape;283;g2d56fc09ca8_2_195:notes"/>
           <p:cNvSpPr txBox="1">
             <a:spLocks noGrp="1"/>
           </p:cNvSpPr>
@@ -4303,7 +4746,7 @@
       </p:sp>
       <p:sp>
         <p:nvSpPr>
-          <p:cNvPr id="290" name="Google Shape;290;g2d56fc09ca8_2_200:notes"/>
+          <p:cNvPr id="284" name="Google Shape;284;g2d56fc09ca8_2_195:notes"/>
           <p:cNvSpPr>
             <a:spLocks noGrp="1" noRot="1" noChangeAspect="1"/>
           </p:cNvSpPr>
@@ -4417,8 +4860,8 @@
         </p:nvSpPr>
         <p:spPr>
           <a:xfrm>
-            <a:off x="1143000" y="685800"/>
-            <a:ext cx="4572000" cy="3429000"/>
+            <a:off x="381000" y="685800"/>
+            <a:ext cx="6096000" cy="3429000"/>
           </a:xfrm>
           <a:custGeom>
             <a:avLst/>
@@ -4459,7 +4902,7 @@
   <p:cSld>
     <p:spTree>
       <p:nvGrpSpPr>
-        <p:cNvPr id="1" name="Shape 294"/>
+        <p:cNvPr id="1" name="Shape 218"/>
         <p:cNvGrpSpPr/>
         <p:nvPr/>
       </p:nvGrpSpPr>
@@ -4473,7 +4916,7 @@
       </p:grpSpPr>
       <p:sp>
         <p:nvSpPr>
-          <p:cNvPr id="295" name="Google Shape;295;g2d56fc09ca8_2_205:notes"/>
+          <p:cNvPr id="219" name="Google Shape;219;g2d56fc09ca8_2_200:notes"/>
           <p:cNvSpPr txBox="1">
             <a:spLocks noGrp="1"/>
           </p:cNvSpPr>
@@ -4511,7 +4954,7 @@
       </p:sp>
       <p:sp>
         <p:nvSpPr>
-          <p:cNvPr id="296" name="Google Shape;296;g2d56fc09ca8_2_205:notes"/>
+          <p:cNvPr id="220" name="Google Shape;220;g2d56fc09ca8_2_200:notes"/>
           <p:cNvSpPr>
             <a:spLocks noGrp="1" noRot="1" noChangeAspect="1"/>
           </p:cNvSpPr>
@@ -4521,8 +4964,8 @@
         </p:nvSpPr>
         <p:spPr>
           <a:xfrm>
-            <a:off x="1143000" y="685800"/>
-            <a:ext cx="4572000" cy="3429000"/>
+            <a:off x="381000" y="685800"/>
+            <a:ext cx="6096000" cy="3429000"/>
           </a:xfrm>
           <a:custGeom>
             <a:avLst/>
@@ -4563,7 +5006,7 @@
   <p:cSld>
     <p:spTree>
       <p:nvGrpSpPr>
-        <p:cNvPr id="1" name="Shape 300"/>
+        <p:cNvPr id="1" name="Shape 228"/>
         <p:cNvGrpSpPr/>
         <p:nvPr/>
       </p:nvGrpSpPr>
@@ -4577,7 +5020,7 @@
       </p:grpSpPr>
       <p:sp>
         <p:nvSpPr>
-          <p:cNvPr id="301" name="Google Shape;301;g2d56fc09ca8_2_210:notes"/>
+          <p:cNvPr id="229" name="Google Shape;229;g2d56fc09cfd_0_48:notes"/>
           <p:cNvSpPr txBox="1">
             <a:spLocks noGrp="1"/>
           </p:cNvSpPr>
@@ -4615,7 +5058,215 @@
       </p:sp>
       <p:sp>
         <p:nvSpPr>
-          <p:cNvPr id="302" name="Google Shape;302;g2d56fc09ca8_2_210:notes"/>
+          <p:cNvPr id="230" name="Google Shape;230;g2d56fc09cfd_0_48:notes"/>
+          <p:cNvSpPr>
+            <a:spLocks noGrp="1" noRot="1" noChangeAspect="1"/>
+          </p:cNvSpPr>
+          <p:nvPr>
+            <p:ph type="sldImg" idx="2"/>
+          </p:nvPr>
+        </p:nvSpPr>
+        <p:spPr>
+          <a:xfrm>
+            <a:off x="381000" y="685800"/>
+            <a:ext cx="6096000" cy="3429000"/>
+          </a:xfrm>
+          <a:custGeom>
+            <a:avLst/>
+            <a:gdLst/>
+            <a:ahLst/>
+            <a:cxnLst/>
+            <a:rect l="l" t="t" r="r" b="b"/>
+            <a:pathLst>
+              <a:path w="120000" h="120000" extrusionOk="0">
+                <a:moveTo>
+                  <a:pt x="0" y="0"/>
+                </a:moveTo>
+                <a:lnTo>
+                  <a:pt x="120000" y="0"/>
+                </a:lnTo>
+                <a:lnTo>
+                  <a:pt x="120000" y="120000"/>
+                </a:lnTo>
+                <a:lnTo>
+                  <a:pt x="0" y="120000"/>
+                </a:lnTo>
+                <a:close/>
+              </a:path>
+            </a:pathLst>
+          </a:custGeom>
+        </p:spPr>
+      </p:sp>
+    </p:spTree>
+  </p:cSld>
+  <p:clrMapOvr>
+    <a:masterClrMapping/>
+  </p:clrMapOvr>
+</p:notes>
+</file>
+
+<file path=ppt/notesSlides/notesSlide42.xml><?xml version="1.0" encoding="utf-8"?>
+<p:notes xmlns:a="http://schemas.openxmlformats.org/drawingml/2006/main" xmlns:r="http://schemas.openxmlformats.org/officeDocument/2006/relationships" xmlns:p="http://schemas.openxmlformats.org/presentationml/2006/main" showMasterSp="0" showMasterPhAnim="0">
+  <p:cSld>
+    <p:spTree>
+      <p:nvGrpSpPr>
+        <p:cNvPr id="1" name="Shape 244"/>
+        <p:cNvGrpSpPr/>
+        <p:nvPr/>
+      </p:nvGrpSpPr>
+      <p:grpSpPr>
+        <a:xfrm>
+          <a:off x="0" y="0"/>
+          <a:ext cx="0" cy="0"/>
+          <a:chOff x="0" y="0"/>
+          <a:chExt cx="0" cy="0"/>
+        </a:xfrm>
+      </p:grpSpPr>
+      <p:sp>
+        <p:nvSpPr>
+          <p:cNvPr id="245" name="Google Shape;245;g2d56fc09ca8_2_205:notes"/>
+          <p:cNvSpPr txBox="1">
+            <a:spLocks noGrp="1"/>
+          </p:cNvSpPr>
+          <p:nvPr>
+            <p:ph type="body" idx="1"/>
+          </p:nvPr>
+        </p:nvSpPr>
+        <p:spPr>
+          <a:xfrm>
+            <a:off x="914400" y="4343400"/>
+            <a:ext cx="5029200" cy="4114800"/>
+          </a:xfrm>
+          <a:prstGeom prst="rect">
+            <a:avLst/>
+          </a:prstGeom>
+        </p:spPr>
+        <p:txBody>
+          <a:bodyPr spcFirstLastPara="1" wrap="square" lIns="91425" tIns="91425" rIns="91425" bIns="91425" anchor="t" anchorCtr="0">
+            <a:noAutofit/>
+          </a:bodyPr>
+          <a:lstStyle/>
+          <a:p>
+            <a:pPr marL="0" lvl="0" indent="0" algn="l" rtl="0">
+              <a:spcBef>
+                <a:spcPts val="0"/>
+              </a:spcBef>
+              <a:spcAft>
+                <a:spcPts val="0"/>
+              </a:spcAft>
+              <a:buNone/>
+            </a:pPr>
+            <a:endParaRPr/>
+          </a:p>
+        </p:txBody>
+      </p:sp>
+      <p:sp>
+        <p:nvSpPr>
+          <p:cNvPr id="246" name="Google Shape;246;g2d56fc09ca8_2_205:notes"/>
+          <p:cNvSpPr>
+            <a:spLocks noGrp="1" noRot="1" noChangeAspect="1"/>
+          </p:cNvSpPr>
+          <p:nvPr>
+            <p:ph type="sldImg" idx="2"/>
+          </p:nvPr>
+        </p:nvSpPr>
+        <p:spPr>
+          <a:xfrm>
+            <a:off x="381000" y="685800"/>
+            <a:ext cx="6096000" cy="3429000"/>
+          </a:xfrm>
+          <a:custGeom>
+            <a:avLst/>
+            <a:gdLst/>
+            <a:ahLst/>
+            <a:cxnLst/>
+            <a:rect l="l" t="t" r="r" b="b"/>
+            <a:pathLst>
+              <a:path w="120000" h="120000" extrusionOk="0">
+                <a:moveTo>
+                  <a:pt x="0" y="0"/>
+                </a:moveTo>
+                <a:lnTo>
+                  <a:pt x="120000" y="0"/>
+                </a:lnTo>
+                <a:lnTo>
+                  <a:pt x="120000" y="120000"/>
+                </a:lnTo>
+                <a:lnTo>
+                  <a:pt x="0" y="120000"/>
+                </a:lnTo>
+                <a:close/>
+              </a:path>
+            </a:pathLst>
+          </a:custGeom>
+        </p:spPr>
+      </p:sp>
+    </p:spTree>
+  </p:cSld>
+  <p:clrMapOvr>
+    <a:masterClrMapping/>
+  </p:clrMapOvr>
+</p:notes>
+</file>
+
+<file path=ppt/notesSlides/notesSlide43.xml><?xml version="1.0" encoding="utf-8"?>
+<p:notes xmlns:a="http://schemas.openxmlformats.org/drawingml/2006/main" xmlns:r="http://schemas.openxmlformats.org/officeDocument/2006/relationships" xmlns:p="http://schemas.openxmlformats.org/presentationml/2006/main" showMasterSp="0" showMasterPhAnim="0">
+  <p:cSld>
+    <p:spTree>
+      <p:nvGrpSpPr>
+        <p:cNvPr id="1" name="Shape 251"/>
+        <p:cNvGrpSpPr/>
+        <p:nvPr/>
+      </p:nvGrpSpPr>
+      <p:grpSpPr>
+        <a:xfrm>
+          <a:off x="0" y="0"/>
+          <a:ext cx="0" cy="0"/>
+          <a:chOff x="0" y="0"/>
+          <a:chExt cx="0" cy="0"/>
+        </a:xfrm>
+      </p:grpSpPr>
+      <p:sp>
+        <p:nvSpPr>
+          <p:cNvPr id="252" name="Google Shape;252;g2d56fc09ca8_2_210:notes"/>
+          <p:cNvSpPr txBox="1">
+            <a:spLocks noGrp="1"/>
+          </p:cNvSpPr>
+          <p:nvPr>
+            <p:ph type="body" idx="1"/>
+          </p:nvPr>
+        </p:nvSpPr>
+        <p:spPr>
+          <a:xfrm>
+            <a:off x="914400" y="4343400"/>
+            <a:ext cx="5029200" cy="4114800"/>
+          </a:xfrm>
+          <a:prstGeom prst="rect">
+            <a:avLst/>
+          </a:prstGeom>
+        </p:spPr>
+        <p:txBody>
+          <a:bodyPr spcFirstLastPara="1" wrap="square" lIns="91425" tIns="91425" rIns="91425" bIns="91425" anchor="t" anchorCtr="0">
+            <a:noAutofit/>
+          </a:bodyPr>
+          <a:lstStyle/>
+          <a:p>
+            <a:pPr marL="0" lvl="0" indent="0" algn="l" rtl="0">
+              <a:spcBef>
+                <a:spcPts val="0"/>
+              </a:spcBef>
+              <a:spcAft>
+                <a:spcPts val="0"/>
+              </a:spcAft>
+              <a:buNone/>
+            </a:pPr>
+            <a:endParaRPr/>
+          </a:p>
+        </p:txBody>
+      </p:sp>
+      <p:sp>
+        <p:nvSpPr>
+          <p:cNvPr id="253" name="Google Shape;253;g2d56fc09ca8_2_210:notes"/>
           <p:cNvSpPr>
             <a:spLocks noGrp="1" noRot="1" noChangeAspect="1"/>
           </p:cNvSpPr>
@@ -4771,7 +5422,7 @@
   <p:cSld>
     <p:spTree>
       <p:nvGrpSpPr>
-        <p:cNvPr id="1" name="Shape 101"/>
+        <p:cNvPr id="1" name="Shape 92"/>
         <p:cNvGrpSpPr/>
         <p:nvPr/>
       </p:nvGrpSpPr>
@@ -4785,7 +5436,7 @@
       </p:grpSpPr>
       <p:sp>
         <p:nvSpPr>
-          <p:cNvPr id="102" name="Google Shape;102;g2d56fc09ca8_2_46:notes"/>
+          <p:cNvPr id="93" name="Google Shape;93;g2d56fc09ca8_2_46:notes"/>
           <p:cNvSpPr txBox="1">
             <a:spLocks noGrp="1"/>
           </p:cNvSpPr>
@@ -4823,7 +5474,7 @@
       </p:sp>
       <p:sp>
         <p:nvSpPr>
-          <p:cNvPr id="103" name="Google Shape;103;g2d56fc09ca8_2_46:notes"/>
+          <p:cNvPr id="94" name="Google Shape;94;g2d56fc09ca8_2_46:notes"/>
           <p:cNvSpPr>
             <a:spLocks noGrp="1" noRot="1" noChangeAspect="1"/>
           </p:cNvSpPr>
@@ -4833,8 +5484,8 @@
         </p:nvSpPr>
         <p:spPr>
           <a:xfrm>
-            <a:off x="1143000" y="685800"/>
-            <a:ext cx="4572000" cy="3429000"/>
+            <a:off x="381000" y="685800"/>
+            <a:ext cx="6096000" cy="3429000"/>
           </a:xfrm>
           <a:custGeom>
             <a:avLst/>
@@ -4875,7 +5526,7 @@
   <p:cSld>
     <p:spTree>
       <p:nvGrpSpPr>
-        <p:cNvPr id="1" name="Shape 106"/>
+        <p:cNvPr id="1" name="Shape 101"/>
         <p:cNvGrpSpPr/>
         <p:nvPr/>
       </p:nvGrpSpPr>
@@ -4889,7 +5540,7 @@
       </p:grpSpPr>
       <p:sp>
         <p:nvSpPr>
-          <p:cNvPr id="107" name="Google Shape;107;g2d56fc09ca8_2_50:notes"/>
+          <p:cNvPr id="102" name="Google Shape;102;g2d56fc09ca8_2_46:notes"/>
           <p:cNvSpPr txBox="1">
             <a:spLocks noGrp="1"/>
           </p:cNvSpPr>
@@ -4927,7 +5578,7 @@
       </p:sp>
       <p:sp>
         <p:nvSpPr>
-          <p:cNvPr id="108" name="Google Shape;108;g2d56fc09ca8_2_50:notes"/>
+          <p:cNvPr id="103" name="Google Shape;103;g2d56fc09ca8_2_46:notes"/>
           <p:cNvSpPr>
             <a:spLocks noGrp="1" noRot="1" noChangeAspect="1"/>
           </p:cNvSpPr>
@@ -4937,8 +5588,8 @@
         </p:nvSpPr>
         <p:spPr>
           <a:xfrm>
-            <a:off x="1143000" y="685800"/>
-            <a:ext cx="4572000" cy="3429000"/>
+            <a:off x="381000" y="685800"/>
+            <a:ext cx="6096000" cy="3429000"/>
           </a:xfrm>
           <a:custGeom>
             <a:avLst/>
@@ -4979,7 +5630,7 @@
   <p:cSld>
     <p:spTree>
       <p:nvGrpSpPr>
-        <p:cNvPr id="1" name="Shape 112"/>
+        <p:cNvPr id="1" name="Shape 106"/>
         <p:cNvGrpSpPr/>
         <p:nvPr/>
       </p:nvGrpSpPr>
@@ -4993,7 +5644,7 @@
       </p:grpSpPr>
       <p:sp>
         <p:nvSpPr>
-          <p:cNvPr id="113" name="Google Shape;113;g2d56fc09ca8_2_55:notes"/>
+          <p:cNvPr id="107" name="Google Shape;107;g2d56fc09ca8_2_50:notes"/>
           <p:cNvSpPr txBox="1">
             <a:spLocks noGrp="1"/>
           </p:cNvSpPr>
@@ -5031,7 +5682,7 @@
       </p:sp>
       <p:sp>
         <p:nvSpPr>
-          <p:cNvPr id="114" name="Google Shape;114;g2d56fc09ca8_2_55:notes"/>
+          <p:cNvPr id="108" name="Google Shape;108;g2d56fc09ca8_2_50:notes"/>
           <p:cNvSpPr>
             <a:spLocks noGrp="1" noRot="1" noChangeAspect="1"/>
           </p:cNvSpPr>
@@ -5083,7 +5734,7 @@
   <p:cSld>
     <p:spTree>
       <p:nvGrpSpPr>
-        <p:cNvPr id="1" name="Shape 118"/>
+        <p:cNvPr id="1" name="Shape 112"/>
         <p:cNvGrpSpPr/>
         <p:nvPr/>
       </p:nvGrpSpPr>
@@ -5097,7 +5748,7 @@
       </p:grpSpPr>
       <p:sp>
         <p:nvSpPr>
-          <p:cNvPr id="119" name="Google Shape;119;g2d56fc09ca8_2_60:notes"/>
+          <p:cNvPr id="113" name="Google Shape;113;g2d56fc09ca8_2_55:notes"/>
           <p:cNvSpPr txBox="1">
             <a:spLocks noGrp="1"/>
           </p:cNvSpPr>
@@ -5135,7 +5786,7 @@
       </p:sp>
       <p:sp>
         <p:nvSpPr>
-          <p:cNvPr id="120" name="Google Shape;120;g2d56fc09ca8_2_60:notes"/>
+          <p:cNvPr id="114" name="Google Shape;114;g2d56fc09ca8_2_55:notes"/>
           <p:cNvSpPr>
             <a:spLocks noGrp="1" noRot="1" noChangeAspect="1"/>
           </p:cNvSpPr>
@@ -5145,8 +5796,8 @@
         </p:nvSpPr>
         <p:spPr>
           <a:xfrm>
-            <a:off x="1143000" y="685800"/>
-            <a:ext cx="4572000" cy="3429000"/>
+            <a:off x="381000" y="685800"/>
+            <a:ext cx="6096000" cy="3429000"/>
           </a:xfrm>
           <a:custGeom>
             <a:avLst/>
@@ -7301,6 +7952,33 @@
           </a:p>
         </p:txBody>
       </p:sp>
+      <p:pic>
+        <p:nvPicPr>
+          <p:cNvPr id="97" name="Google Shape;97;p23"/>
+          <p:cNvPicPr preferRelativeResize="0"/>
+          <p:nvPr userDrawn="1"/>
+        </p:nvPicPr>
+        <p:blipFill>
+          <a:blip r:embed="rId3">
+            <a:alphaModFix/>
+          </a:blip>
+          <a:srcRect t="20173" b="27037"/>
+          <a:stretch/>
+        </p:blipFill>
+        <p:spPr>
+          <a:xfrm>
+            <a:off x="3910425" y="4362450"/>
+            <a:ext cx="1323150" cy="698500"/>
+          </a:xfrm>
+          <a:prstGeom prst="rect">
+            <a:avLst/>
+          </a:prstGeom>
+          <a:noFill/>
+          <a:ln>
+            <a:noFill/>
+          </a:ln>
+        </p:spPr>
+      </p:pic>
     </p:spTree>
   </p:cSld>
   <p:clrMapOvr>
@@ -9336,6 +10014,85 @@
   <p:cSld>
     <p:spTree>
       <p:nvGrpSpPr>
+        <p:cNvPr id="1" name="Shape 121"/>
+        <p:cNvGrpSpPr/>
+        <p:nvPr/>
+      </p:nvGrpSpPr>
+      <p:grpSpPr>
+        <a:xfrm>
+          <a:off x="0" y="0"/>
+          <a:ext cx="0" cy="0"/>
+          <a:chOff x="0" y="0"/>
+          <a:chExt cx="0" cy="0"/>
+        </a:xfrm>
+      </p:grpSpPr>
+      <p:sp>
+        <p:nvSpPr>
+          <p:cNvPr id="122" name="Google Shape;122;p28"/>
+          <p:cNvSpPr txBox="1">
+            <a:spLocks noGrp="1"/>
+          </p:cNvSpPr>
+          <p:nvPr>
+            <p:ph type="title"/>
+          </p:nvPr>
+        </p:nvSpPr>
+        <p:spPr>
+          <a:xfrm>
+            <a:off x="427382" y="1962149"/>
+            <a:ext cx="8289236" cy="609601"/>
+          </a:xfrm>
+          <a:prstGeom prst="rect">
+            <a:avLst/>
+          </a:prstGeom>
+          <a:noFill/>
+          <a:ln>
+            <a:noFill/>
+          </a:ln>
+        </p:spPr>
+        <p:txBody>
+          <a:bodyPr spcFirstLastPara="1" wrap="square" lIns="0" tIns="0" rIns="0" bIns="0" anchor="ctr" anchorCtr="0">
+            <a:normAutofit/>
+          </a:bodyPr>
+          <a:lstStyle/>
+          <a:p>
+            <a:pPr marL="0" lvl="0" indent="0" algn="ctr" rtl="0">
+              <a:lnSpc>
+                <a:spcPct val="100000"/>
+              </a:lnSpc>
+              <a:spcBef>
+                <a:spcPts val="0"/>
+              </a:spcBef>
+              <a:spcAft>
+                <a:spcPts val="0"/>
+              </a:spcAft>
+              <a:buClr>
+                <a:srgbClr val="000000"/>
+              </a:buClr>
+              <a:buSzPts val="3600"/>
+              <a:buFont typeface="Roboto"/>
+              <a:buNone/>
+            </a:pPr>
+            <a:r>
+              <a:rPr lang="en" sz="3600"/>
+              <a:t>The Coach/Mentor Award</a:t>
+            </a:r>
+            <a:endParaRPr sz="3600"/>
+          </a:p>
+        </p:txBody>
+      </p:sp>
+    </p:spTree>
+  </p:cSld>
+  <p:clrMapOvr>
+    <a:masterClrMapping/>
+  </p:clrMapOvr>
+</p:sld>
+</file>
+
+<file path=ppt/slides/slide11.xml><?xml version="1.0" encoding="utf-8"?>
+<p:sld xmlns:a="http://schemas.openxmlformats.org/drawingml/2006/main" xmlns:r="http://schemas.openxmlformats.org/officeDocument/2006/relationships" xmlns:p="http://schemas.openxmlformats.org/presentationml/2006/main">
+  <p:cSld>
+    <p:spTree>
+      <p:nvGrpSpPr>
         <p:cNvPr id="1" name="Shape 126"/>
         <p:cNvGrpSpPr/>
         <p:nvPr/>
@@ -9480,7 +10237,7 @@
 </p:sld>
 </file>
 
-<file path=ppt/slides/slide11.xml><?xml version="1.0" encoding="utf-8"?>
+<file path=ppt/slides/slide12.xml><?xml version="1.0" encoding="utf-8"?>
 <p:sld xmlns:a="http://schemas.openxmlformats.org/drawingml/2006/main" xmlns:r="http://schemas.openxmlformats.org/officeDocument/2006/relationships" xmlns:p="http://schemas.openxmlformats.org/presentationml/2006/main">
   <p:cSld>
     <p:spTree>
@@ -9617,7 +10374,7 @@
 </p:sld>
 </file>
 
-<file path=ppt/slides/slide12.xml><?xml version="1.0" encoding="utf-8"?>
+<file path=ppt/slides/slide13.xml><?xml version="1.0" encoding="utf-8"?>
 <p:sld xmlns:a="http://schemas.openxmlformats.org/drawingml/2006/main" xmlns:r="http://schemas.openxmlformats.org/officeDocument/2006/relationships" xmlns:p="http://schemas.openxmlformats.org/presentationml/2006/main">
   <p:cSld>
     <p:spTree>
@@ -9710,12 +10467,12 @@
         <p:spPr>
           <a:xfrm>
             <a:off x="193038" y="1007644"/>
-            <a:ext cx="5550749" cy="2419397"/>
+            <a:ext cx="5550749" cy="3286649"/>
           </a:xfrm>
         </p:spPr>
         <p:txBody>
           <a:bodyPr>
-            <a:normAutofit fontScale="85000" lnSpcReduction="10000"/>
+            <a:normAutofit fontScale="92500" lnSpcReduction="20000"/>
           </a:bodyPr>
           <a:lstStyle/>
           <a:p>
@@ -9734,16 +10491,40 @@
             <a:br>
               <a:rPr lang="en-US" dirty="0"/>
             </a:br>
+            <a:endParaRPr lang="en-US" dirty="0"/>
+          </a:p>
+          <a:p>
+            <a:pPr marL="228600" indent="0"/>
             <a:r>
               <a:rPr lang="en-US" dirty="0"/>
               <a:t>This season’s winner is</a:t>
             </a:r>
           </a:p>
           <a:p>
-            <a:pPr algn="ctr"/>
+            <a:pPr marL="228600" indent="0"/>
+            <a:endParaRPr lang="en-US" dirty="0"/>
+          </a:p>
+          <a:p>
+            <a:pPr algn="ctr">
+              <a:lnSpc>
+                <a:spcPts val="1500"/>
+              </a:lnSpc>
+              <a:spcBef>
+                <a:spcPts val="900"/>
+              </a:spcBef>
+              <a:spcAft>
+                <a:spcPts val="900"/>
+              </a:spcAft>
+            </a:pPr>
             <a:r>
-              <a:rPr lang="en-US" sz="3600" b="1" dirty="0"/>
-              <a:t>{T-Shirt Design}</a:t>
+              <a:rPr lang="en-US" sz="3900" b="1" i="0" dirty="0">
+                <a:solidFill>
+                  <a:srgbClr val="202124"/>
+                </a:solidFill>
+                <a:effectLst/>
+                <a:latin typeface="Roboto" panose="020B0604020202020204" charset="0"/>
+              </a:rPr>
+              <a:t>Doc Bots (66269)</a:t>
             </a:r>
           </a:p>
           <a:p>
@@ -9779,7 +10560,28 @@
                 <a:latin typeface="Roboto" panose="020B0604020202020204" charset="0"/>
                 <a:ea typeface="Roboto" panose="020B0604020202020204" charset="0"/>
               </a:rPr>
-              <a:t>Friday/Saturday January 17, 18</a:t>
+              <a:t>Friday/Saturday January 17</a:t>
+            </a:r>
+            <a:r>
+              <a:rPr lang="en-US" baseline="30000" dirty="0">
+                <a:latin typeface="Roboto" panose="020B0604020202020204" charset="0"/>
+                <a:ea typeface="Roboto" panose="020B0604020202020204" charset="0"/>
+              </a:rPr>
+              <a:t>th</a:t>
+            </a:r>
+            <a:r>
+              <a:rPr lang="en-US" dirty="0">
+                <a:latin typeface="Roboto" panose="020B0604020202020204" charset="0"/>
+                <a:ea typeface="Roboto" panose="020B0604020202020204" charset="0"/>
+              </a:rPr>
+              <a:t> &amp; 18</a:t>
+            </a:r>
+            <a:r>
+              <a:rPr lang="en-US" baseline="30000" dirty="0">
+                <a:latin typeface="Roboto" panose="020B0604020202020204" charset="0"/>
+                <a:ea typeface="Roboto" panose="020B0604020202020204" charset="0"/>
+              </a:rPr>
+              <a:t>th</a:t>
             </a:r>
             <a:br>
               <a:rPr lang="en-US" dirty="0">
@@ -9818,12 +10620,12 @@
 </p:sld>
 </file>
 
-<file path=ppt/slides/slide13.xml><?xml version="1.0" encoding="utf-8"?>
+<file path=ppt/slides/slide14.xml><?xml version="1.0" encoding="utf-8"?>
 <p:sld xmlns:a="http://schemas.openxmlformats.org/drawingml/2006/main" xmlns:r="http://schemas.openxmlformats.org/officeDocument/2006/relationships" xmlns:p="http://schemas.openxmlformats.org/presentationml/2006/main">
   <p:cSld>
     <p:spTree>
       <p:nvGrpSpPr>
-        <p:cNvPr id="1" name="Shape 138"/>
+        <p:cNvPr id="1" name="Shape 206"/>
         <p:cNvGrpSpPr/>
         <p:nvPr/>
       </p:nvGrpSpPr>
@@ -9837,7 +10639,7 @@
       </p:grpSpPr>
       <p:sp>
         <p:nvSpPr>
-          <p:cNvPr id="139" name="Google Shape;139;p31"/>
+          <p:cNvPr id="207" name="Google Shape;207;p43"/>
           <p:cNvSpPr txBox="1">
             <a:spLocks noGrp="1"/>
           </p:cNvSpPr>
@@ -9883,142 +10685,9 @@
             </a:pPr>
             <a:r>
               <a:rPr lang="en" sz="3600"/>
-              <a:t>Core Values Award</a:t>
+              <a:t>Breakthrough Award</a:t>
             </a:r>
             <a:endParaRPr sz="3600"/>
-          </a:p>
-        </p:txBody>
-      </p:sp>
-    </p:spTree>
-  </p:cSld>
-  <p:clrMapOvr>
-    <a:masterClrMapping/>
-  </p:clrMapOvr>
-</p:sld>
-</file>
-
-<file path=ppt/slides/slide14.xml><?xml version="1.0" encoding="utf-8"?>
-<p:sld xmlns:a="http://schemas.openxmlformats.org/drawingml/2006/main" xmlns:r="http://schemas.openxmlformats.org/officeDocument/2006/relationships" xmlns:p="http://schemas.openxmlformats.org/presentationml/2006/main">
-  <p:cSld>
-    <p:spTree>
-      <p:nvGrpSpPr>
-        <p:cNvPr id="1" name="Shape 143"/>
-        <p:cNvGrpSpPr/>
-        <p:nvPr/>
-      </p:nvGrpSpPr>
-      <p:grpSpPr>
-        <a:xfrm>
-          <a:off x="0" y="0"/>
-          <a:ext cx="0" cy="0"/>
-          <a:chOff x="0" y="0"/>
-          <a:chExt cx="0" cy="0"/>
-        </a:xfrm>
-      </p:grpSpPr>
-      <p:sp>
-        <p:nvSpPr>
-          <p:cNvPr id="144" name="Google Shape;144;p32"/>
-          <p:cNvSpPr txBox="1">
-            <a:spLocks noGrp="1"/>
-          </p:cNvSpPr>
-          <p:nvPr>
-            <p:ph type="title"/>
-          </p:nvPr>
-        </p:nvSpPr>
-        <p:spPr>
-          <a:xfrm>
-            <a:off x="457198" y="398044"/>
-            <a:ext cx="8289236" cy="609601"/>
-          </a:xfrm>
-          <a:prstGeom prst="rect">
-            <a:avLst/>
-          </a:prstGeom>
-          <a:noFill/>
-          <a:ln>
-            <a:noFill/>
-          </a:ln>
-        </p:spPr>
-        <p:txBody>
-          <a:bodyPr spcFirstLastPara="1" wrap="square" lIns="0" tIns="0" rIns="0" bIns="0" anchor="ctr" anchorCtr="0">
-            <a:normAutofit/>
-          </a:bodyPr>
-          <a:lstStyle/>
-          <a:p>
-            <a:pPr marL="0" lvl="0" indent="0" algn="l" rtl="0">
-              <a:lnSpc>
-                <a:spcPct val="100000"/>
-              </a:lnSpc>
-              <a:spcBef>
-                <a:spcPts val="0"/>
-              </a:spcBef>
-              <a:spcAft>
-                <a:spcPts val="0"/>
-              </a:spcAft>
-              <a:buClr>
-                <a:srgbClr val="000000"/>
-              </a:buClr>
-              <a:buSzPts val="2400"/>
-              <a:buFont typeface="Roboto"/>
-              <a:buNone/>
-            </a:pPr>
-            <a:r>
-              <a:rPr lang="en" dirty="0"/>
-              <a:t>Core Values Award</a:t>
-            </a:r>
-            <a:endParaRPr dirty="0"/>
-          </a:p>
-        </p:txBody>
-      </p:sp>
-      <p:sp>
-        <p:nvSpPr>
-          <p:cNvPr id="145" name="Google Shape;145;p32"/>
-          <p:cNvSpPr txBox="1">
-            <a:spLocks noGrp="1"/>
-          </p:cNvSpPr>
-          <p:nvPr>
-            <p:ph type="body" idx="1"/>
-          </p:nvPr>
-        </p:nvSpPr>
-        <p:spPr>
-          <a:xfrm>
-            <a:off x="457198" y="1143000"/>
-            <a:ext cx="8289237" cy="2419398"/>
-          </a:xfrm>
-          <a:prstGeom prst="rect">
-            <a:avLst/>
-          </a:prstGeom>
-          <a:noFill/>
-          <a:ln>
-            <a:noFill/>
-          </a:ln>
-        </p:spPr>
-        <p:txBody>
-          <a:bodyPr spcFirstLastPara="1" wrap="square" lIns="45700" tIns="45700" rIns="45700" bIns="45700" anchor="t" anchorCtr="0">
-            <a:normAutofit/>
-          </a:bodyPr>
-          <a:lstStyle/>
-          <a:p>
-            <a:pPr marL="0" lvl="0" indent="0" algn="l" rtl="0">
-              <a:lnSpc>
-                <a:spcPct val="100000"/>
-              </a:lnSpc>
-              <a:spcBef>
-                <a:spcPts val="0"/>
-              </a:spcBef>
-              <a:spcAft>
-                <a:spcPts val="0"/>
-              </a:spcAft>
-              <a:buClr>
-                <a:srgbClr val="000000"/>
-              </a:buClr>
-              <a:buSzPts val="2000"/>
-              <a:buFont typeface="Roboto"/>
-              <a:buNone/>
-            </a:pPr>
-            <a:r>
-              <a:rPr lang="en"/>
-              <a:t>This award celebrates a team that displays extraordinary enthusiasm and spirit, knows they can accomplish more together than they could as individuals, and shows each other and other teams respect at all times. </a:t>
-            </a:r>
-            <a:endParaRPr/>
           </a:p>
         </p:txBody>
       </p:sp>
@@ -10035,7 +10704,7 @@
   <p:cSld>
     <p:spTree>
       <p:nvGrpSpPr>
-        <p:cNvPr id="1" name="Shape 149"/>
+        <p:cNvPr id="1" name="Shape 211"/>
         <p:cNvGrpSpPr/>
         <p:nvPr/>
       </p:nvGrpSpPr>
@@ -10049,7 +10718,7 @@
       </p:grpSpPr>
       <p:sp>
         <p:nvSpPr>
-          <p:cNvPr id="150" name="Google Shape;150;p33"/>
+          <p:cNvPr id="212" name="Google Shape;212;p44"/>
           <p:cNvSpPr txBox="1">
             <a:spLocks noGrp="1"/>
           </p:cNvSpPr>
@@ -10095,7 +10764,7 @@
             </a:pPr>
             <a:r>
               <a:rPr lang="en"/>
-              <a:t>The Core Values Award goes to:</a:t>
+              <a:t>Breakthrough Award</a:t>
             </a:r>
             <a:endParaRPr/>
           </a:p>
@@ -10103,7 +10772,7 @@
       </p:sp>
       <p:sp>
         <p:nvSpPr>
-          <p:cNvPr id="151" name="Google Shape;151;p33"/>
+          <p:cNvPr id="213" name="Google Shape;213;p44"/>
           <p:cNvSpPr txBox="1">
             <a:spLocks noGrp="1"/>
           </p:cNvSpPr>
@@ -10130,7 +10799,7 @@
           </a:bodyPr>
           <a:lstStyle/>
           <a:p>
-            <a:pPr marL="0" lvl="0" indent="0" algn="ctr" rtl="0">
+            <a:pPr marL="0" lvl="0" indent="0" algn="l" rtl="0">
               <a:lnSpc>
                 <a:spcPct val="100000"/>
               </a:lnSpc>
@@ -10148,14 +10817,10 @@
               <a:buNone/>
             </a:pPr>
             <a:r>
-              <a:rPr lang="en-US" sz="3600" b="1" dirty="0"/>
-              <a:t>{</a:t>
+              <a:rPr lang="en"/>
+              <a:t>This award celebrates a team that made significant progress in their confidence and capability in both the Robot Game and Innovation Project and are a shining example of excellent Core Values. They demonstrate that they understand that what they discover is more important than what they win. </a:t>
             </a:r>
-            <a:r>
-              <a:rPr lang="en" sz="3600" b="1" dirty="0"/>
-              <a:t>Core Values Award}</a:t>
-            </a:r>
-            <a:endParaRPr sz="3600" b="1" dirty="0"/>
+            <a:endParaRPr/>
           </a:p>
         </p:txBody>
       </p:sp>
@@ -10172,7 +10837,7 @@
   <p:cSld>
     <p:spTree>
       <p:nvGrpSpPr>
-        <p:cNvPr id="1" name="Shape 155"/>
+        <p:cNvPr id="1" name="Shape 217"/>
         <p:cNvGrpSpPr/>
         <p:nvPr/>
       </p:nvGrpSpPr>
@@ -10186,7 +10851,7 @@
       </p:grpSpPr>
       <p:sp>
         <p:nvSpPr>
-          <p:cNvPr id="156" name="Google Shape;156;p34"/>
+          <p:cNvPr id="218" name="Google Shape;218;p45"/>
           <p:cNvSpPr txBox="1">
             <a:spLocks noGrp="1"/>
           </p:cNvSpPr>
@@ -10196,7 +10861,7 @@
         </p:nvSpPr>
         <p:spPr>
           <a:xfrm>
-            <a:off x="427382" y="1962149"/>
+            <a:off x="457198" y="398044"/>
             <a:ext cx="8289236" cy="609601"/>
           </a:xfrm>
           <a:prstGeom prst="rect">
@@ -10213,28 +10878,86 @@
           </a:bodyPr>
           <a:lstStyle/>
           <a:p>
-            <a:pPr marL="0" lvl="0" indent="0" algn="ctr" rtl="0">
-              <a:lnSpc>
-                <a:spcPct val="100000"/>
-              </a:lnSpc>
-              <a:spcBef>
-                <a:spcPts val="0"/>
-              </a:spcBef>
-              <a:spcAft>
-                <a:spcPts val="0"/>
-              </a:spcAft>
-              <a:buClr>
-                <a:srgbClr val="000000"/>
-              </a:buClr>
-              <a:buSzPts val="3600"/>
+            <a:pPr marL="0" lvl="0" indent="0" algn="l" rtl="0">
+              <a:lnSpc>
+                <a:spcPct val="100000"/>
+              </a:lnSpc>
+              <a:spcBef>
+                <a:spcPts val="0"/>
+              </a:spcBef>
+              <a:spcAft>
+                <a:spcPts val="0"/>
+              </a:spcAft>
+              <a:buClr>
+                <a:srgbClr val="000000"/>
+              </a:buClr>
+              <a:buSzPts val="2400"/>
               <a:buFont typeface="Roboto"/>
               <a:buNone/>
             </a:pPr>
             <a:r>
-              <a:rPr lang="en" sz="3600"/>
-              <a:t>Innovation Project Award</a:t>
+              <a:rPr lang="en" dirty="0"/>
+              <a:t>The Breakthrough Award goes to:</a:t>
             </a:r>
-            <a:endParaRPr sz="3600"/>
+            <a:endParaRPr dirty="0"/>
+          </a:p>
+        </p:txBody>
+      </p:sp>
+      <p:sp>
+        <p:nvSpPr>
+          <p:cNvPr id="219" name="Google Shape;219;p45"/>
+          <p:cNvSpPr txBox="1">
+            <a:spLocks noGrp="1"/>
+          </p:cNvSpPr>
+          <p:nvPr>
+            <p:ph type="body" idx="1"/>
+          </p:nvPr>
+        </p:nvSpPr>
+        <p:spPr>
+          <a:xfrm>
+            <a:off x="457198" y="1143000"/>
+            <a:ext cx="8289237" cy="2419398"/>
+          </a:xfrm>
+          <a:prstGeom prst="rect">
+            <a:avLst/>
+          </a:prstGeom>
+          <a:noFill/>
+          <a:ln>
+            <a:noFill/>
+          </a:ln>
+        </p:spPr>
+        <p:txBody>
+          <a:bodyPr spcFirstLastPara="1" wrap="square" lIns="45700" tIns="45700" rIns="45700" bIns="45700" anchor="t" anchorCtr="0">
+            <a:normAutofit/>
+          </a:bodyPr>
+          <a:lstStyle/>
+          <a:p>
+            <a:pPr marL="0" lvl="0" indent="0" algn="ctr" rtl="0">
+              <a:lnSpc>
+                <a:spcPct val="100000"/>
+              </a:lnSpc>
+              <a:spcBef>
+                <a:spcPts val="0"/>
+              </a:spcBef>
+              <a:spcAft>
+                <a:spcPts val="0"/>
+              </a:spcAft>
+              <a:buClr>
+                <a:srgbClr val="000000"/>
+              </a:buClr>
+              <a:buSzPts val="2000"/>
+              <a:buFont typeface="Roboto"/>
+              <a:buNone/>
+            </a:pPr>
+            <a:r>
+              <a:rPr lang="en-US" sz="3600" b="1" dirty="0"/>
+              <a:t>{</a:t>
+            </a:r>
+            <a:r>
+              <a:rPr lang="en" sz="3600" b="1" dirty="0"/>
+              <a:t>Breakthrough Award}</a:t>
+            </a:r>
+            <a:endParaRPr sz="3600" b="1" dirty="0"/>
           </a:p>
         </p:txBody>
       </p:sp>
@@ -10251,7 +10974,7 @@
   <p:cSld>
     <p:spTree>
       <p:nvGrpSpPr>
-        <p:cNvPr id="1" name="Shape 160"/>
+        <p:cNvPr id="1" name="Shape 223"/>
         <p:cNvGrpSpPr/>
         <p:nvPr/>
       </p:nvGrpSpPr>
@@ -10265,7 +10988,7 @@
       </p:grpSpPr>
       <p:sp>
         <p:nvSpPr>
-          <p:cNvPr id="161" name="Google Shape;161;p35"/>
+          <p:cNvPr id="224" name="Google Shape;224;p46"/>
           <p:cNvSpPr txBox="1">
             <a:spLocks noGrp="1"/>
           </p:cNvSpPr>
@@ -10275,7 +10998,7 @@
         </p:nvSpPr>
         <p:spPr>
           <a:xfrm>
-            <a:off x="457198" y="398044"/>
+            <a:off x="427382" y="1962149"/>
             <a:ext cx="8289236" cy="609601"/>
           </a:xfrm>
           <a:prstGeom prst="rect">
@@ -10292,82 +11015,28 @@
           </a:bodyPr>
           <a:lstStyle/>
           <a:p>
-            <a:pPr marL="0" lvl="0" indent="0" algn="l" rtl="0">
-              <a:lnSpc>
-                <a:spcPct val="100000"/>
-              </a:lnSpc>
-              <a:spcBef>
-                <a:spcPts val="0"/>
-              </a:spcBef>
-              <a:spcAft>
-                <a:spcPts val="0"/>
-              </a:spcAft>
-              <a:buClr>
-                <a:srgbClr val="000000"/>
-              </a:buClr>
-              <a:buSzPts val="2400"/>
+            <a:pPr marL="0" lvl="0" indent="0" algn="ctr" rtl="0">
+              <a:lnSpc>
+                <a:spcPct val="100000"/>
+              </a:lnSpc>
+              <a:spcBef>
+                <a:spcPts val="0"/>
+              </a:spcBef>
+              <a:spcAft>
+                <a:spcPts val="0"/>
+              </a:spcAft>
+              <a:buClr>
+                <a:srgbClr val="000000"/>
+              </a:buClr>
+              <a:buSzPts val="3600"/>
               <a:buFont typeface="Roboto"/>
               <a:buNone/>
             </a:pPr>
             <a:r>
-              <a:rPr lang="en"/>
-              <a:t>Innovation Project Award</a:t>
+              <a:rPr lang="en" sz="3600"/>
+              <a:t>Engineering Excellence Award</a:t>
             </a:r>
-            <a:endParaRPr/>
-          </a:p>
-        </p:txBody>
-      </p:sp>
-      <p:sp>
-        <p:nvSpPr>
-          <p:cNvPr id="162" name="Google Shape;162;p35"/>
-          <p:cNvSpPr txBox="1">
-            <a:spLocks noGrp="1"/>
-          </p:cNvSpPr>
-          <p:nvPr>
-            <p:ph type="body" idx="1"/>
-          </p:nvPr>
-        </p:nvSpPr>
-        <p:spPr>
-          <a:xfrm>
-            <a:off x="457198" y="1143000"/>
-            <a:ext cx="8289237" cy="2419398"/>
-          </a:xfrm>
-          <a:prstGeom prst="rect">
-            <a:avLst/>
-          </a:prstGeom>
-          <a:noFill/>
-          <a:ln>
-            <a:noFill/>
-          </a:ln>
-        </p:spPr>
-        <p:txBody>
-          <a:bodyPr spcFirstLastPara="1" wrap="square" lIns="45700" tIns="45700" rIns="45700" bIns="45700" anchor="t" anchorCtr="0">
-            <a:normAutofit/>
-          </a:bodyPr>
-          <a:lstStyle/>
-          <a:p>
-            <a:pPr marL="0" lvl="0" indent="0" algn="l" rtl="0">
-              <a:lnSpc>
-                <a:spcPct val="100000"/>
-              </a:lnSpc>
-              <a:spcBef>
-                <a:spcPts val="0"/>
-              </a:spcBef>
-              <a:spcAft>
-                <a:spcPts val="0"/>
-              </a:spcAft>
-              <a:buClr>
-                <a:srgbClr val="000000"/>
-              </a:buClr>
-              <a:buSzPts val="2000"/>
-              <a:buFont typeface="Roboto"/>
-              <a:buNone/>
-            </a:pPr>
-            <a:r>
-              <a:rPr lang="en"/>
-              <a:t>This team utilized diverse resources for their Innovation Project to help them gain a comprehensive understanding of the problem they identified, developed a creative, well-researched solution and effectively communicated their findings to judges and the community. </a:t>
-            </a:r>
-            <a:endParaRPr/>
+            <a:endParaRPr sz="3600"/>
           </a:p>
         </p:txBody>
       </p:sp>
@@ -10384,7 +11053,7 @@
   <p:cSld>
     <p:spTree>
       <p:nvGrpSpPr>
-        <p:cNvPr id="1" name="Shape 166"/>
+        <p:cNvPr id="1" name="Shape 228"/>
         <p:cNvGrpSpPr/>
         <p:nvPr/>
       </p:nvGrpSpPr>
@@ -10398,7 +11067,7 @@
       </p:grpSpPr>
       <p:sp>
         <p:nvSpPr>
-          <p:cNvPr id="167" name="Google Shape;167;p36"/>
+          <p:cNvPr id="229" name="Google Shape;229;p47"/>
           <p:cNvSpPr txBox="1">
             <a:spLocks noGrp="1"/>
           </p:cNvSpPr>
@@ -10443,16 +11112,16 @@
               <a:buNone/>
             </a:pPr>
             <a:r>
-              <a:rPr lang="en" dirty="0"/>
-              <a:t>The Innovation Project Award goes to:</a:t>
+              <a:rPr lang="en"/>
+              <a:t>Engineering Excellence Award</a:t>
             </a:r>
-            <a:endParaRPr dirty="0"/>
+            <a:endParaRPr/>
           </a:p>
         </p:txBody>
       </p:sp>
       <p:sp>
         <p:nvSpPr>
-          <p:cNvPr id="168" name="Google Shape;168;p36"/>
+          <p:cNvPr id="230" name="Google Shape;230;p47"/>
           <p:cNvSpPr txBox="1">
             <a:spLocks noGrp="1"/>
           </p:cNvSpPr>
@@ -10479,7 +11148,7 @@
           </a:bodyPr>
           <a:lstStyle/>
           <a:p>
-            <a:pPr marL="0" lvl="0" indent="0" algn="ctr" rtl="0">
+            <a:pPr marL="0" lvl="0" indent="0" algn="l" rtl="0">
               <a:lnSpc>
                 <a:spcPct val="100000"/>
               </a:lnSpc>
@@ -10497,14 +11166,10 @@
               <a:buNone/>
             </a:pPr>
             <a:r>
-              <a:rPr lang="en-US" sz="3600" b="1" dirty="0"/>
-              <a:t>{</a:t>
+              <a:rPr lang="en"/>
+              <a:t>This award celebrates a team with an efficiently designed robot, an innovative Project solution that effectively addresses the season Challenge, and great Core Values evident in all they do. </a:t>
             </a:r>
-            <a:r>
-              <a:rPr lang="en" sz="3600" b="1" dirty="0"/>
-              <a:t>Innovation Project Award}</a:t>
-            </a:r>
-            <a:endParaRPr sz="3600" b="1" dirty="0"/>
+            <a:endParaRPr/>
           </a:p>
         </p:txBody>
       </p:sp>
@@ -10521,7 +11186,7 @@
   <p:cSld>
     <p:spTree>
       <p:nvGrpSpPr>
-        <p:cNvPr id="1" name="Shape 172"/>
+        <p:cNvPr id="1" name="Shape 234"/>
         <p:cNvGrpSpPr/>
         <p:nvPr/>
       </p:nvGrpSpPr>
@@ -10535,7 +11200,7 @@
       </p:grpSpPr>
       <p:sp>
         <p:nvSpPr>
-          <p:cNvPr id="173" name="Google Shape;173;p37"/>
+          <p:cNvPr id="235" name="Google Shape;235;p48"/>
           <p:cNvSpPr txBox="1">
             <a:spLocks noGrp="1"/>
           </p:cNvSpPr>
@@ -10545,7 +11210,7 @@
         </p:nvSpPr>
         <p:spPr>
           <a:xfrm>
-            <a:off x="427382" y="1962149"/>
+            <a:off x="457198" y="398044"/>
             <a:ext cx="8289236" cy="609601"/>
           </a:xfrm>
           <a:prstGeom prst="rect">
@@ -10562,28 +11227,86 @@
           </a:bodyPr>
           <a:lstStyle/>
           <a:p>
-            <a:pPr marL="0" lvl="0" indent="0" algn="ctr" rtl="0">
-              <a:lnSpc>
-                <a:spcPct val="100000"/>
-              </a:lnSpc>
-              <a:spcBef>
-                <a:spcPts val="0"/>
-              </a:spcBef>
-              <a:spcAft>
-                <a:spcPts val="0"/>
-              </a:spcAft>
-              <a:buClr>
-                <a:srgbClr val="000000"/>
-              </a:buClr>
-              <a:buSzPts val="3600"/>
+            <a:pPr marL="0" lvl="0" indent="0" algn="l" rtl="0">
+              <a:lnSpc>
+                <a:spcPct val="100000"/>
+              </a:lnSpc>
+              <a:spcBef>
+                <a:spcPts val="0"/>
+              </a:spcBef>
+              <a:spcAft>
+                <a:spcPts val="0"/>
+              </a:spcAft>
+              <a:buClr>
+                <a:srgbClr val="000000"/>
+              </a:buClr>
+              <a:buSzPts val="2400"/>
               <a:buFont typeface="Roboto"/>
               <a:buNone/>
             </a:pPr>
             <a:r>
-              <a:rPr lang="en" sz="3600"/>
-              <a:t>Robot Design Award</a:t>
+              <a:rPr lang="en" dirty="0"/>
+              <a:t>The Engineering Excellence Award goes to:</a:t>
             </a:r>
-            <a:endParaRPr sz="3600"/>
+            <a:endParaRPr dirty="0"/>
+          </a:p>
+        </p:txBody>
+      </p:sp>
+      <p:sp>
+        <p:nvSpPr>
+          <p:cNvPr id="236" name="Google Shape;236;p48"/>
+          <p:cNvSpPr txBox="1">
+            <a:spLocks noGrp="1"/>
+          </p:cNvSpPr>
+          <p:nvPr>
+            <p:ph type="body" idx="1"/>
+          </p:nvPr>
+        </p:nvSpPr>
+        <p:spPr>
+          <a:xfrm>
+            <a:off x="457198" y="1143000"/>
+            <a:ext cx="8289237" cy="2419398"/>
+          </a:xfrm>
+          <a:prstGeom prst="rect">
+            <a:avLst/>
+          </a:prstGeom>
+          <a:noFill/>
+          <a:ln>
+            <a:noFill/>
+          </a:ln>
+        </p:spPr>
+        <p:txBody>
+          <a:bodyPr spcFirstLastPara="1" wrap="square" lIns="45700" tIns="45700" rIns="45700" bIns="45700" anchor="t" anchorCtr="0">
+            <a:normAutofit/>
+          </a:bodyPr>
+          <a:lstStyle/>
+          <a:p>
+            <a:pPr marL="0" lvl="0" indent="0" algn="ctr" rtl="0">
+              <a:lnSpc>
+                <a:spcPct val="100000"/>
+              </a:lnSpc>
+              <a:spcBef>
+                <a:spcPts val="0"/>
+              </a:spcBef>
+              <a:spcAft>
+                <a:spcPts val="0"/>
+              </a:spcAft>
+              <a:buClr>
+                <a:srgbClr val="000000"/>
+              </a:buClr>
+              <a:buSzPts val="2000"/>
+              <a:buFont typeface="Roboto"/>
+              <a:buNone/>
+            </a:pPr>
+            <a:r>
+              <a:rPr lang="en-US" sz="3600" b="1" dirty="0"/>
+              <a:t>{</a:t>
+            </a:r>
+            <a:r>
+              <a:rPr lang="en" sz="3600" b="1" dirty="0"/>
+              <a:t>Engineering Excellence Award}</a:t>
+            </a:r>
+            <a:endParaRPr sz="3600" b="1" dirty="0"/>
           </a:p>
         </p:txBody>
       </p:sp>
@@ -10659,24 +11382,76 @@
               <a:buNone/>
             </a:pPr>
             <a:r>
-              <a:rPr lang="en" sz="3600"/>
+              <a:rPr lang="en" sz="3600" dirty="0"/>
               <a:t>SUBMERGED</a:t>
             </a:r>
             <a:r>
-              <a:rPr lang="en" sz="3600" baseline="30000"/>
+              <a:rPr lang="en" sz="3600" baseline="30000" dirty="0"/>
               <a:t>SM</a:t>
             </a:r>
             <a:br>
-              <a:rPr lang="en" sz="3600"/>
+              <a:rPr lang="en" sz="3600" dirty="0"/>
             </a:br>
             <a:r>
-              <a:rPr lang="en" sz="3600"/>
+              <a:rPr lang="en" sz="3600" dirty="0"/>
               <a:t>Awards Ceremony</a:t>
             </a:r>
-            <a:endParaRPr sz="3600"/>
+            <a:endParaRPr sz="3600" dirty="0"/>
+          </a:p>
+          <a:p>
+            <a:pPr marL="0" lvl="0" indent="0" algn="ctr" rtl="0">
+              <a:lnSpc>
+                <a:spcPct val="100000"/>
+              </a:lnSpc>
+              <a:spcBef>
+                <a:spcPts val="0"/>
+              </a:spcBef>
+              <a:spcAft>
+                <a:spcPts val="0"/>
+              </a:spcAft>
+              <a:buClr>
+                <a:srgbClr val="000000"/>
+              </a:buClr>
+              <a:buSzPts val="3600"/>
+              <a:buFont typeface="Roboto"/>
+              <a:buNone/>
+            </a:pPr>
+            <a:r>
+              <a:rPr lang="en" sz="2500" dirty="0"/>
+              <a:t>Qualifier Tournament 2024</a:t>
+            </a:r>
+            <a:endParaRPr sz="2500" dirty="0"/>
           </a:p>
         </p:txBody>
       </p:sp>
+      <p:pic>
+        <p:nvPicPr>
+          <p:cNvPr id="80" name="Google Shape;80;p20"/>
+          <p:cNvPicPr preferRelativeResize="0"/>
+          <p:nvPr/>
+        </p:nvPicPr>
+        <p:blipFill>
+          <a:blip r:embed="rId3">
+            <a:alphaModFix/>
+          </a:blip>
+          <a:stretch>
+            <a:fillRect/>
+          </a:stretch>
+        </p:blipFill>
+        <p:spPr>
+          <a:xfrm>
+            <a:off x="3768438" y="3761261"/>
+            <a:ext cx="1607114" cy="1607114"/>
+          </a:xfrm>
+          <a:prstGeom prst="rect">
+            <a:avLst/>
+          </a:prstGeom>
+          <a:noFill/>
+          <a:ln>
+            <a:noFill/>
+          </a:ln>
+        </p:spPr>
+      </p:pic>
     </p:spTree>
   </p:cSld>
   <p:clrMapOvr>
@@ -10690,7 +11465,7 @@
   <p:cSld>
     <p:spTree>
       <p:nvGrpSpPr>
-        <p:cNvPr id="1" name="Shape 177"/>
+        <p:cNvPr id="1" name="Shape 240"/>
         <p:cNvGrpSpPr/>
         <p:nvPr/>
       </p:nvGrpSpPr>
@@ -10704,7 +11479,7 @@
       </p:grpSpPr>
       <p:sp>
         <p:nvSpPr>
-          <p:cNvPr id="178" name="Google Shape;178;p38"/>
+          <p:cNvPr id="241" name="Google Shape;241;p49"/>
           <p:cNvSpPr txBox="1">
             <a:spLocks noGrp="1"/>
           </p:cNvSpPr>
@@ -10714,7 +11489,7 @@
         </p:nvSpPr>
         <p:spPr>
           <a:xfrm>
-            <a:off x="457198" y="398044"/>
+            <a:off x="427382" y="1962149"/>
             <a:ext cx="8289236" cy="609601"/>
           </a:xfrm>
           <a:prstGeom prst="rect">
@@ -10731,82 +11506,28 @@
           </a:bodyPr>
           <a:lstStyle/>
           <a:p>
-            <a:pPr marL="0" lvl="0" indent="0" algn="l" rtl="0">
-              <a:lnSpc>
-                <a:spcPct val="100000"/>
-              </a:lnSpc>
-              <a:spcBef>
-                <a:spcPts val="0"/>
-              </a:spcBef>
-              <a:spcAft>
-                <a:spcPts val="0"/>
-              </a:spcAft>
-              <a:buClr>
-                <a:srgbClr val="000000"/>
-              </a:buClr>
-              <a:buSzPts val="2400"/>
+            <a:pPr marL="0" lvl="0" indent="0" algn="ctr" rtl="0">
+              <a:lnSpc>
+                <a:spcPct val="100000"/>
+              </a:lnSpc>
+              <a:spcBef>
+                <a:spcPts val="0"/>
+              </a:spcBef>
+              <a:spcAft>
+                <a:spcPts val="0"/>
+              </a:spcAft>
+              <a:buClr>
+                <a:srgbClr val="000000"/>
+              </a:buClr>
+              <a:buSzPts val="3600"/>
               <a:buFont typeface="Roboto"/>
               <a:buNone/>
             </a:pPr>
             <a:r>
-              <a:rPr lang="en"/>
-              <a:t>Robot Design Award</a:t>
+              <a:rPr lang="en" sz="3600"/>
+              <a:t>Rising All-Star Award</a:t>
             </a:r>
-            <a:endParaRPr/>
-          </a:p>
-        </p:txBody>
-      </p:sp>
-      <p:sp>
-        <p:nvSpPr>
-          <p:cNvPr id="179" name="Google Shape;179;p38"/>
-          <p:cNvSpPr txBox="1">
-            <a:spLocks noGrp="1"/>
-          </p:cNvSpPr>
-          <p:nvPr>
-            <p:ph type="body" idx="1"/>
-          </p:nvPr>
-        </p:nvSpPr>
-        <p:spPr>
-          <a:xfrm>
-            <a:off x="457198" y="1143000"/>
-            <a:ext cx="8289237" cy="2419398"/>
-          </a:xfrm>
-          <a:prstGeom prst="rect">
-            <a:avLst/>
-          </a:prstGeom>
-          <a:noFill/>
-          <a:ln>
-            <a:noFill/>
-          </a:ln>
-        </p:spPr>
-        <p:txBody>
-          <a:bodyPr spcFirstLastPara="1" wrap="square" lIns="45700" tIns="45700" rIns="45700" bIns="45700" anchor="t" anchorCtr="0">
-            <a:normAutofit/>
-          </a:bodyPr>
-          <a:lstStyle/>
-          <a:p>
-            <a:pPr marL="0" lvl="0" indent="0" algn="l" rtl="0">
-              <a:lnSpc>
-                <a:spcPct val="100000"/>
-              </a:lnSpc>
-              <a:spcBef>
-                <a:spcPts val="0"/>
-              </a:spcBef>
-              <a:spcAft>
-                <a:spcPts val="0"/>
-              </a:spcAft>
-              <a:buClr>
-                <a:srgbClr val="000000"/>
-              </a:buClr>
-              <a:buSzPts val="2000"/>
-              <a:buFont typeface="Roboto"/>
-              <a:buNone/>
-            </a:pPr>
-            <a:r>
-              <a:rPr lang="en"/>
-              <a:t>This team used outstanding programming principles and solid engineering practices to develop a robot that is mechanically sound, durable, efficient and highly capable of performing Challenge missions.</a:t>
-            </a:r>
-            <a:endParaRPr/>
+            <a:endParaRPr sz="3600"/>
           </a:p>
         </p:txBody>
       </p:sp>
@@ -10823,7 +11544,7 @@
   <p:cSld>
     <p:spTree>
       <p:nvGrpSpPr>
-        <p:cNvPr id="1" name="Shape 183"/>
+        <p:cNvPr id="1" name="Shape 245"/>
         <p:cNvGrpSpPr/>
         <p:nvPr/>
       </p:nvGrpSpPr>
@@ -10837,7 +11558,7 @@
       </p:grpSpPr>
       <p:sp>
         <p:nvSpPr>
-          <p:cNvPr id="184" name="Google Shape;184;p39"/>
+          <p:cNvPr id="246" name="Google Shape;246;p50"/>
           <p:cNvSpPr txBox="1">
             <a:spLocks noGrp="1"/>
           </p:cNvSpPr>
@@ -10882,16 +11603,16 @@
               <a:buNone/>
             </a:pPr>
             <a:r>
-              <a:rPr lang="en" dirty="0"/>
-              <a:t>The Robot Design Award goes to:</a:t>
+              <a:rPr lang="en"/>
+              <a:t>Rising All-Star Award</a:t>
             </a:r>
-            <a:endParaRPr dirty="0"/>
+            <a:endParaRPr/>
           </a:p>
         </p:txBody>
       </p:sp>
       <p:sp>
         <p:nvSpPr>
-          <p:cNvPr id="185" name="Google Shape;185;p39"/>
+          <p:cNvPr id="247" name="Google Shape;247;p50"/>
           <p:cNvSpPr txBox="1">
             <a:spLocks noGrp="1"/>
           </p:cNvSpPr>
@@ -10918,7 +11639,7 @@
           </a:bodyPr>
           <a:lstStyle/>
           <a:p>
-            <a:pPr marL="0" lvl="0" indent="0" algn="ctr" rtl="0">
+            <a:pPr marL="0" lvl="0" indent="0" algn="l" rtl="0">
               <a:lnSpc>
                 <a:spcPct val="100000"/>
               </a:lnSpc>
@@ -10936,14 +11657,10 @@
               <a:buNone/>
             </a:pPr>
             <a:r>
-              <a:rPr lang="en-US" sz="3600" b="1" dirty="0"/>
-              <a:t>{</a:t>
+              <a:rPr lang="en"/>
+              <a:t>This award celebrates a team that the judges notice and expect great things from in the future. </a:t>
             </a:r>
-            <a:r>
-              <a:rPr lang="en" sz="3600" b="1" dirty="0"/>
-              <a:t>Robot Design Award}</a:t>
-            </a:r>
-            <a:endParaRPr sz="3600" b="1" dirty="0"/>
+            <a:endParaRPr/>
           </a:p>
         </p:txBody>
       </p:sp>
@@ -10960,7 +11677,7 @@
   <p:cSld>
     <p:spTree>
       <p:nvGrpSpPr>
-        <p:cNvPr id="1" name="Shape 189"/>
+        <p:cNvPr id="1" name="Shape 251"/>
         <p:cNvGrpSpPr/>
         <p:nvPr/>
       </p:nvGrpSpPr>
@@ -10974,7 +11691,7 @@
       </p:grpSpPr>
       <p:sp>
         <p:nvSpPr>
-          <p:cNvPr id="190" name="Google Shape;190;p40"/>
+          <p:cNvPr id="252" name="Google Shape;252;p51"/>
           <p:cNvSpPr txBox="1">
             <a:spLocks noGrp="1"/>
           </p:cNvSpPr>
@@ -10984,7 +11701,7 @@
         </p:nvSpPr>
         <p:spPr>
           <a:xfrm>
-            <a:off x="427382" y="1962149"/>
+            <a:off x="457198" y="398044"/>
             <a:ext cx="8289236" cy="609601"/>
           </a:xfrm>
           <a:prstGeom prst="rect">
@@ -11001,28 +11718,86 @@
           </a:bodyPr>
           <a:lstStyle/>
           <a:p>
-            <a:pPr marL="0" lvl="0" indent="0" algn="ctr" rtl="0">
-              <a:lnSpc>
-                <a:spcPct val="100000"/>
-              </a:lnSpc>
-              <a:spcBef>
-                <a:spcPts val="0"/>
-              </a:spcBef>
-              <a:spcAft>
-                <a:spcPts val="0"/>
-              </a:spcAft>
-              <a:buClr>
-                <a:srgbClr val="000000"/>
-              </a:buClr>
-              <a:buSzPts val="3600"/>
+            <a:pPr marL="0" lvl="0" indent="0" algn="l" rtl="0">
+              <a:lnSpc>
+                <a:spcPct val="100000"/>
+              </a:lnSpc>
+              <a:spcBef>
+                <a:spcPts val="0"/>
+              </a:spcBef>
+              <a:spcAft>
+                <a:spcPts val="0"/>
+              </a:spcAft>
+              <a:buClr>
+                <a:srgbClr val="000000"/>
+              </a:buClr>
+              <a:buSzPts val="2400"/>
               <a:buFont typeface="Roboto"/>
               <a:buNone/>
             </a:pPr>
             <a:r>
-              <a:rPr lang="en" sz="3600"/>
-              <a:t>Robot Performance Award</a:t>
+              <a:rPr lang="en" dirty="0"/>
+              <a:t>The Rising All-Star Award goes to:</a:t>
             </a:r>
-            <a:endParaRPr sz="3600"/>
+            <a:endParaRPr dirty="0"/>
+          </a:p>
+        </p:txBody>
+      </p:sp>
+      <p:sp>
+        <p:nvSpPr>
+          <p:cNvPr id="253" name="Google Shape;253;p51"/>
+          <p:cNvSpPr txBox="1">
+            <a:spLocks noGrp="1"/>
+          </p:cNvSpPr>
+          <p:nvPr>
+            <p:ph type="body" idx="1"/>
+          </p:nvPr>
+        </p:nvSpPr>
+        <p:spPr>
+          <a:xfrm>
+            <a:off x="457198" y="1143000"/>
+            <a:ext cx="8289237" cy="2419398"/>
+          </a:xfrm>
+          <a:prstGeom prst="rect">
+            <a:avLst/>
+          </a:prstGeom>
+          <a:noFill/>
+          <a:ln>
+            <a:noFill/>
+          </a:ln>
+        </p:spPr>
+        <p:txBody>
+          <a:bodyPr spcFirstLastPara="1" wrap="square" lIns="45700" tIns="45700" rIns="45700" bIns="45700" anchor="t" anchorCtr="0">
+            <a:normAutofit/>
+          </a:bodyPr>
+          <a:lstStyle/>
+          <a:p>
+            <a:pPr marL="0" lvl="0" indent="0" algn="ctr" rtl="0">
+              <a:lnSpc>
+                <a:spcPct val="100000"/>
+              </a:lnSpc>
+              <a:spcBef>
+                <a:spcPts val="0"/>
+              </a:spcBef>
+              <a:spcAft>
+                <a:spcPts val="0"/>
+              </a:spcAft>
+              <a:buClr>
+                <a:srgbClr val="000000"/>
+              </a:buClr>
+              <a:buSzPts val="2000"/>
+              <a:buFont typeface="Roboto"/>
+              <a:buNone/>
+            </a:pPr>
+            <a:r>
+              <a:rPr lang="en-US" sz="3600" b="1" dirty="0"/>
+              <a:t>{</a:t>
+            </a:r>
+            <a:r>
+              <a:rPr lang="en" sz="3600" b="1" dirty="0"/>
+              <a:t>Rising All-Star Award}</a:t>
+            </a:r>
+            <a:endParaRPr sz="3600" b="1" dirty="0"/>
           </a:p>
         </p:txBody>
       </p:sp>
@@ -11039,7 +11814,7 @@
   <p:cSld>
     <p:spTree>
       <p:nvGrpSpPr>
-        <p:cNvPr id="1" name="Shape 194"/>
+        <p:cNvPr id="1" name="Shape 257"/>
         <p:cNvGrpSpPr/>
         <p:nvPr/>
       </p:nvGrpSpPr>
@@ -11053,7 +11828,7 @@
       </p:grpSpPr>
       <p:sp>
         <p:nvSpPr>
-          <p:cNvPr id="195" name="Google Shape;195;p41"/>
+          <p:cNvPr id="258" name="Google Shape;258;p52"/>
           <p:cNvSpPr txBox="1">
             <a:spLocks noGrp="1"/>
           </p:cNvSpPr>
@@ -11063,7 +11838,7 @@
         </p:nvSpPr>
         <p:spPr>
           <a:xfrm>
-            <a:off x="457198" y="398044"/>
+            <a:off x="427382" y="1962149"/>
             <a:ext cx="8289236" cy="609601"/>
           </a:xfrm>
           <a:prstGeom prst="rect">
@@ -11080,82 +11855,28 @@
           </a:bodyPr>
           <a:lstStyle/>
           <a:p>
-            <a:pPr marL="0" lvl="0" indent="0" algn="l" rtl="0">
-              <a:lnSpc>
-                <a:spcPct val="100000"/>
-              </a:lnSpc>
-              <a:spcBef>
-                <a:spcPts val="0"/>
-              </a:spcBef>
-              <a:spcAft>
-                <a:spcPts val="0"/>
-              </a:spcAft>
-              <a:buClr>
-                <a:srgbClr val="000000"/>
-              </a:buClr>
-              <a:buSzPts val="2400"/>
+            <a:pPr marL="0" lvl="0" indent="0" algn="ctr" rtl="0">
+              <a:lnSpc>
+                <a:spcPct val="100000"/>
+              </a:lnSpc>
+              <a:spcBef>
+                <a:spcPts val="0"/>
+              </a:spcBef>
+              <a:spcAft>
+                <a:spcPts val="0"/>
+              </a:spcAft>
+              <a:buClr>
+                <a:srgbClr val="000000"/>
+              </a:buClr>
+              <a:buSzPts val="3600"/>
               <a:buFont typeface="Roboto"/>
               <a:buNone/>
             </a:pPr>
             <a:r>
-              <a:rPr lang="en"/>
-              <a:t>Robot Performance Award</a:t>
+              <a:rPr lang="en" sz="3600"/>
+              <a:t>Motivate Award</a:t>
             </a:r>
-            <a:endParaRPr/>
-          </a:p>
-        </p:txBody>
-      </p:sp>
-      <p:sp>
-        <p:nvSpPr>
-          <p:cNvPr id="196" name="Google Shape;196;p41"/>
-          <p:cNvSpPr txBox="1">
-            <a:spLocks noGrp="1"/>
-          </p:cNvSpPr>
-          <p:nvPr>
-            <p:ph type="body" idx="1"/>
-          </p:nvPr>
-        </p:nvSpPr>
-        <p:spPr>
-          <a:xfrm>
-            <a:off x="457198" y="1143000"/>
-            <a:ext cx="8289237" cy="2419398"/>
-          </a:xfrm>
-          <a:prstGeom prst="rect">
-            <a:avLst/>
-          </a:prstGeom>
-          <a:noFill/>
-          <a:ln>
-            <a:noFill/>
-          </a:ln>
-        </p:spPr>
-        <p:txBody>
-          <a:bodyPr spcFirstLastPara="1" wrap="square" lIns="45700" tIns="45700" rIns="45700" bIns="45700" anchor="t" anchorCtr="0">
-            <a:normAutofit/>
-          </a:bodyPr>
-          <a:lstStyle/>
-          <a:p>
-            <a:pPr marL="0" lvl="0" indent="0" algn="l" rtl="0">
-              <a:lnSpc>
-                <a:spcPct val="100000"/>
-              </a:lnSpc>
-              <a:spcBef>
-                <a:spcPts val="0"/>
-              </a:spcBef>
-              <a:spcAft>
-                <a:spcPts val="0"/>
-              </a:spcAft>
-              <a:buClr>
-                <a:srgbClr val="000000"/>
-              </a:buClr>
-              <a:buSzPts val="2000"/>
-              <a:buFont typeface="Roboto"/>
-              <a:buNone/>
-            </a:pPr>
-            <a:r>
-              <a:rPr lang="en"/>
-              <a:t>This award celebrates a team that scores the most points during the Robot Game. Teams have a chance to compete in at least three 2.5-minute matches and their highest score counts. </a:t>
-            </a:r>
-            <a:endParaRPr/>
+            <a:endParaRPr sz="3600"/>
           </a:p>
         </p:txBody>
       </p:sp>
@@ -11172,7 +11893,7 @@
   <p:cSld>
     <p:spTree>
       <p:nvGrpSpPr>
-        <p:cNvPr id="1" name="Shape 200"/>
+        <p:cNvPr id="1" name="Shape 262"/>
         <p:cNvGrpSpPr/>
         <p:nvPr/>
       </p:nvGrpSpPr>
@@ -11186,7 +11907,7 @@
       </p:grpSpPr>
       <p:sp>
         <p:nvSpPr>
-          <p:cNvPr id="201" name="Google Shape;201;p42"/>
+          <p:cNvPr id="263" name="Google Shape;263;p53"/>
           <p:cNvSpPr txBox="1">
             <a:spLocks noGrp="1"/>
           </p:cNvSpPr>
@@ -11231,16 +11952,16 @@
               <a:buNone/>
             </a:pPr>
             <a:r>
-              <a:rPr lang="en" dirty="0"/>
-              <a:t>The Robot Performance Award goes to:</a:t>
+              <a:rPr lang="en"/>
+              <a:t>Motivate Award</a:t>
             </a:r>
-            <a:endParaRPr dirty="0"/>
+            <a:endParaRPr/>
           </a:p>
         </p:txBody>
       </p:sp>
       <p:sp>
         <p:nvSpPr>
-          <p:cNvPr id="202" name="Google Shape;202;p42"/>
+          <p:cNvPr id="264" name="Google Shape;264;p53"/>
           <p:cNvSpPr txBox="1">
             <a:spLocks noGrp="1"/>
           </p:cNvSpPr>
@@ -11267,7 +11988,7 @@
           </a:bodyPr>
           <a:lstStyle/>
           <a:p>
-            <a:pPr marL="0" lvl="0" indent="0" rtl="0">
+            <a:pPr marL="0" lvl="0" indent="0" algn="l" rtl="0">
               <a:lnSpc>
                 <a:spcPct val="100000"/>
               </a:lnSpc>
@@ -11285,100 +12006,18 @@
               <a:buNone/>
             </a:pPr>
             <a:r>
-              <a:rPr lang="en" dirty="0"/>
-              <a:t>Team:</a:t>
+              <a:rPr lang="en"/>
+              <a:t>This award celebrates a team that embraces the culture of </a:t>
             </a:r>
-          </a:p>
-          <a:p>
-            <a:pPr marL="0" lvl="0" indent="0" algn="ctr" rtl="0">
-              <a:lnSpc>
-                <a:spcPct val="100000"/>
-              </a:lnSpc>
-              <a:spcBef>
-                <a:spcPts val="0"/>
-              </a:spcBef>
-              <a:spcAft>
-                <a:spcPts val="0"/>
-              </a:spcAft>
-              <a:buClr>
-                <a:srgbClr val="000000"/>
-              </a:buClr>
-              <a:buSzPts val="2000"/>
-              <a:buFont typeface="Roboto"/>
-              <a:buNone/>
-            </a:pPr>
             <a:r>
-              <a:rPr lang="en" sz="3600" b="1" dirty="0"/>
-              <a:t>{Robot Performance Award}</a:t>
+              <a:rPr lang="en" i="1"/>
+              <a:t>FIRST</a:t>
             </a:r>
-            <a:endParaRPr sz="3600" b="1" dirty="0"/>
-          </a:p>
-          <a:p>
-            <a:pPr marL="0" lvl="0" indent="0" algn="l" rtl="0">
-              <a:lnSpc>
-                <a:spcPct val="100000"/>
-              </a:lnSpc>
-              <a:spcBef>
-                <a:spcPts val="600"/>
-              </a:spcBef>
-              <a:spcAft>
-                <a:spcPts val="0"/>
-              </a:spcAft>
-              <a:buClr>
-                <a:srgbClr val="000000"/>
-              </a:buClr>
-              <a:buSzPts val="2000"/>
-              <a:buFont typeface="Roboto"/>
-              <a:buNone/>
-            </a:pPr>
-            <a:endParaRPr dirty="0"/>
-          </a:p>
-          <a:p>
-            <a:pPr marL="0" lvl="0" indent="0" algn="l" rtl="0">
-              <a:lnSpc>
-                <a:spcPct val="100000"/>
-              </a:lnSpc>
-              <a:spcBef>
-                <a:spcPts val="600"/>
-              </a:spcBef>
-              <a:spcAft>
-                <a:spcPts val="0"/>
-              </a:spcAft>
-              <a:buClr>
-                <a:srgbClr val="000000"/>
-              </a:buClr>
-              <a:buSzPts val="2000"/>
-              <a:buFont typeface="Roboto"/>
-              <a:buNone/>
-            </a:pPr>
             <a:r>
-              <a:rPr lang="en" dirty="0"/>
-              <a:t>High Score:</a:t>
+              <a:rPr lang="en"/>
+              <a:t> LEGO League through team building, team spirit, and displayed enthusiasm. </a:t>
             </a:r>
-          </a:p>
-          <a:p>
-            <a:pPr marL="0" lvl="0" indent="0" algn="ctr" rtl="0">
-              <a:lnSpc>
-                <a:spcPct val="100000"/>
-              </a:lnSpc>
-              <a:spcBef>
-                <a:spcPts val="600"/>
-              </a:spcBef>
-              <a:spcAft>
-                <a:spcPts val="0"/>
-              </a:spcAft>
-              <a:buClr>
-                <a:srgbClr val="000000"/>
-              </a:buClr>
-              <a:buSzPts val="2000"/>
-              <a:buFont typeface="Roboto"/>
-              <a:buNone/>
-            </a:pPr>
-            <a:r>
-              <a:rPr lang="en" sz="3600" b="1" dirty="0"/>
-              <a:t>{Robot Performance Score}</a:t>
-            </a:r>
-            <a:endParaRPr sz="3600" b="1" dirty="0"/>
+            <a:endParaRPr/>
           </a:p>
         </p:txBody>
       </p:sp>
@@ -11395,7 +12034,7 @@
   <p:cSld>
     <p:spTree>
       <p:nvGrpSpPr>
-        <p:cNvPr id="1" name="Shape 206"/>
+        <p:cNvPr id="1" name="Shape 268"/>
         <p:cNvGrpSpPr/>
         <p:nvPr/>
       </p:nvGrpSpPr>
@@ -11409,7 +12048,7 @@
       </p:grpSpPr>
       <p:sp>
         <p:nvSpPr>
-          <p:cNvPr id="207" name="Google Shape;207;p43"/>
+          <p:cNvPr id="269" name="Google Shape;269;p54"/>
           <p:cNvSpPr txBox="1">
             <a:spLocks noGrp="1"/>
           </p:cNvSpPr>
@@ -11419,7 +12058,7 @@
         </p:nvSpPr>
         <p:spPr>
           <a:xfrm>
-            <a:off x="427382" y="1962149"/>
+            <a:off x="457198" y="398044"/>
             <a:ext cx="8289236" cy="609601"/>
           </a:xfrm>
           <a:prstGeom prst="rect">
@@ -11436,28 +12075,86 @@
           </a:bodyPr>
           <a:lstStyle/>
           <a:p>
-            <a:pPr marL="0" lvl="0" indent="0" algn="ctr" rtl="0">
-              <a:lnSpc>
-                <a:spcPct val="100000"/>
-              </a:lnSpc>
-              <a:spcBef>
-                <a:spcPts val="0"/>
-              </a:spcBef>
-              <a:spcAft>
-                <a:spcPts val="0"/>
-              </a:spcAft>
-              <a:buClr>
-                <a:srgbClr val="000000"/>
-              </a:buClr>
-              <a:buSzPts val="3600"/>
+            <a:pPr marL="0" lvl="0" indent="0" algn="l" rtl="0">
+              <a:lnSpc>
+                <a:spcPct val="100000"/>
+              </a:lnSpc>
+              <a:spcBef>
+                <a:spcPts val="0"/>
+              </a:spcBef>
+              <a:spcAft>
+                <a:spcPts val="0"/>
+              </a:spcAft>
+              <a:buClr>
+                <a:srgbClr val="000000"/>
+              </a:buClr>
+              <a:buSzPts val="2400"/>
               <a:buFont typeface="Roboto"/>
               <a:buNone/>
             </a:pPr>
             <a:r>
-              <a:rPr lang="en" sz="3600"/>
-              <a:t>Breakthrough Award</a:t>
+              <a:rPr lang="en" dirty="0"/>
+              <a:t>The Motivate Award goes to:</a:t>
             </a:r>
-            <a:endParaRPr sz="3600"/>
+            <a:endParaRPr dirty="0"/>
+          </a:p>
+        </p:txBody>
+      </p:sp>
+      <p:sp>
+        <p:nvSpPr>
+          <p:cNvPr id="270" name="Google Shape;270;p54"/>
+          <p:cNvSpPr txBox="1">
+            <a:spLocks noGrp="1"/>
+          </p:cNvSpPr>
+          <p:nvPr>
+            <p:ph type="body" idx="1"/>
+          </p:nvPr>
+        </p:nvSpPr>
+        <p:spPr>
+          <a:xfrm>
+            <a:off x="457198" y="1143000"/>
+            <a:ext cx="8289237" cy="2419398"/>
+          </a:xfrm>
+          <a:prstGeom prst="rect">
+            <a:avLst/>
+          </a:prstGeom>
+          <a:noFill/>
+          <a:ln>
+            <a:noFill/>
+          </a:ln>
+        </p:spPr>
+        <p:txBody>
+          <a:bodyPr spcFirstLastPara="1" wrap="square" lIns="45700" tIns="45700" rIns="45700" bIns="45700" anchor="t" anchorCtr="0">
+            <a:normAutofit/>
+          </a:bodyPr>
+          <a:lstStyle/>
+          <a:p>
+            <a:pPr marL="0" lvl="0" indent="0" algn="ctr" rtl="0">
+              <a:lnSpc>
+                <a:spcPct val="100000"/>
+              </a:lnSpc>
+              <a:spcBef>
+                <a:spcPts val="0"/>
+              </a:spcBef>
+              <a:spcAft>
+                <a:spcPts val="0"/>
+              </a:spcAft>
+              <a:buClr>
+                <a:srgbClr val="000000"/>
+              </a:buClr>
+              <a:buSzPts val="2000"/>
+              <a:buFont typeface="Roboto"/>
+              <a:buNone/>
+            </a:pPr>
+            <a:r>
+              <a:rPr lang="en-US" sz="3600" b="1" dirty="0"/>
+              <a:t>{</a:t>
+            </a:r>
+            <a:r>
+              <a:rPr lang="en" sz="3600" b="1" dirty="0"/>
+              <a:t>Motivate Award}</a:t>
+            </a:r>
+            <a:endParaRPr sz="3600" b="1" dirty="0"/>
           </a:p>
         </p:txBody>
       </p:sp>
@@ -11474,7 +12171,7 @@
   <p:cSld>
     <p:spTree>
       <p:nvGrpSpPr>
-        <p:cNvPr id="1" name="Shape 211"/>
+        <p:cNvPr id="1" name="Shape 155"/>
         <p:cNvGrpSpPr/>
         <p:nvPr/>
       </p:nvGrpSpPr>
@@ -11488,7 +12185,7 @@
       </p:grpSpPr>
       <p:sp>
         <p:nvSpPr>
-          <p:cNvPr id="212" name="Google Shape;212;p44"/>
+          <p:cNvPr id="156" name="Google Shape;156;p34"/>
           <p:cNvSpPr txBox="1">
             <a:spLocks noGrp="1"/>
           </p:cNvSpPr>
@@ -11498,7 +12195,7 @@
         </p:nvSpPr>
         <p:spPr>
           <a:xfrm>
-            <a:off x="457198" y="398044"/>
+            <a:off x="427382" y="1962149"/>
             <a:ext cx="8289236" cy="609601"/>
           </a:xfrm>
           <a:prstGeom prst="rect">
@@ -11515,82 +12212,28 @@
           </a:bodyPr>
           <a:lstStyle/>
           <a:p>
-            <a:pPr marL="0" lvl="0" indent="0" algn="l" rtl="0">
-              <a:lnSpc>
-                <a:spcPct val="100000"/>
-              </a:lnSpc>
-              <a:spcBef>
-                <a:spcPts val="0"/>
-              </a:spcBef>
-              <a:spcAft>
-                <a:spcPts val="0"/>
-              </a:spcAft>
-              <a:buClr>
-                <a:srgbClr val="000000"/>
-              </a:buClr>
-              <a:buSzPts val="2400"/>
+            <a:pPr marL="0" lvl="0" indent="0" algn="ctr" rtl="0">
+              <a:lnSpc>
+                <a:spcPct val="100000"/>
+              </a:lnSpc>
+              <a:spcBef>
+                <a:spcPts val="0"/>
+              </a:spcBef>
+              <a:spcAft>
+                <a:spcPts val="0"/>
+              </a:spcAft>
+              <a:buClr>
+                <a:srgbClr val="000000"/>
+              </a:buClr>
+              <a:buSzPts val="3600"/>
               <a:buFont typeface="Roboto"/>
               <a:buNone/>
             </a:pPr>
             <a:r>
-              <a:rPr lang="en"/>
-              <a:t>Breakthrough Award</a:t>
+              <a:rPr lang="en" sz="3600"/>
+              <a:t>Innovation Project Award</a:t>
             </a:r>
-            <a:endParaRPr/>
-          </a:p>
-        </p:txBody>
-      </p:sp>
-      <p:sp>
-        <p:nvSpPr>
-          <p:cNvPr id="213" name="Google Shape;213;p44"/>
-          <p:cNvSpPr txBox="1">
-            <a:spLocks noGrp="1"/>
-          </p:cNvSpPr>
-          <p:nvPr>
-            <p:ph type="body" idx="1"/>
-          </p:nvPr>
-        </p:nvSpPr>
-        <p:spPr>
-          <a:xfrm>
-            <a:off x="457198" y="1143000"/>
-            <a:ext cx="8289237" cy="2419398"/>
-          </a:xfrm>
-          <a:prstGeom prst="rect">
-            <a:avLst/>
-          </a:prstGeom>
-          <a:noFill/>
-          <a:ln>
-            <a:noFill/>
-          </a:ln>
-        </p:spPr>
-        <p:txBody>
-          <a:bodyPr spcFirstLastPara="1" wrap="square" lIns="45700" tIns="45700" rIns="45700" bIns="45700" anchor="t" anchorCtr="0">
-            <a:normAutofit/>
-          </a:bodyPr>
-          <a:lstStyle/>
-          <a:p>
-            <a:pPr marL="0" lvl="0" indent="0" algn="l" rtl="0">
-              <a:lnSpc>
-                <a:spcPct val="100000"/>
-              </a:lnSpc>
-              <a:spcBef>
-                <a:spcPts val="0"/>
-              </a:spcBef>
-              <a:spcAft>
-                <a:spcPts val="0"/>
-              </a:spcAft>
-              <a:buClr>
-                <a:srgbClr val="000000"/>
-              </a:buClr>
-              <a:buSzPts val="2000"/>
-              <a:buFont typeface="Roboto"/>
-              <a:buNone/>
-            </a:pPr>
-            <a:r>
-              <a:rPr lang="en"/>
-              <a:t>This award celebrates a team that made significant progress in their confidence and capability in both the Robot Game and Innovation Project and are a shining example of excellent Core Values. They demonstrate that they understand that what they discover is more important than what they win. </a:t>
-            </a:r>
-            <a:endParaRPr/>
+            <a:endParaRPr sz="3600"/>
           </a:p>
         </p:txBody>
       </p:sp>
@@ -11607,7 +12250,7 @@
   <p:cSld>
     <p:spTree>
       <p:nvGrpSpPr>
-        <p:cNvPr id="1" name="Shape 217"/>
+        <p:cNvPr id="1" name="Shape 160"/>
         <p:cNvGrpSpPr/>
         <p:nvPr/>
       </p:nvGrpSpPr>
@@ -11621,7 +12264,7 @@
       </p:grpSpPr>
       <p:sp>
         <p:nvSpPr>
-          <p:cNvPr id="218" name="Google Shape;218;p45"/>
+          <p:cNvPr id="161" name="Google Shape;161;p35"/>
           <p:cNvSpPr txBox="1">
             <a:spLocks noGrp="1"/>
           </p:cNvSpPr>
@@ -11666,16 +12309,16 @@
               <a:buNone/>
             </a:pPr>
             <a:r>
-              <a:rPr lang="en" dirty="0"/>
-              <a:t>The Breakthrough Award goes to:</a:t>
+              <a:rPr lang="en"/>
+              <a:t>Innovation Project Award</a:t>
             </a:r>
-            <a:endParaRPr dirty="0"/>
+            <a:endParaRPr/>
           </a:p>
         </p:txBody>
       </p:sp>
       <p:sp>
         <p:nvSpPr>
-          <p:cNvPr id="219" name="Google Shape;219;p45"/>
+          <p:cNvPr id="162" name="Google Shape;162;p35"/>
           <p:cNvSpPr txBox="1">
             <a:spLocks noGrp="1"/>
           </p:cNvSpPr>
@@ -11702,7 +12345,7 @@
           </a:bodyPr>
           <a:lstStyle/>
           <a:p>
-            <a:pPr marL="0" lvl="0" indent="0" algn="ctr" rtl="0">
+            <a:pPr marL="0" lvl="0" indent="0" algn="l" rtl="0">
               <a:lnSpc>
                 <a:spcPct val="100000"/>
               </a:lnSpc>
@@ -11720,14 +12363,10 @@
               <a:buNone/>
             </a:pPr>
             <a:r>
-              <a:rPr lang="en-US" sz="3600" b="1" dirty="0"/>
-              <a:t>{</a:t>
+              <a:rPr lang="en"/>
+              <a:t>This team utilized diverse resources for their Innovation Project to help them gain a comprehensive understanding of the problem they identified, developed a creative, well-researched solution and effectively communicated their findings to judges and the community. </a:t>
             </a:r>
-            <a:r>
-              <a:rPr lang="en" sz="3600" b="1" dirty="0"/>
-              <a:t>Breakthrough Award}</a:t>
-            </a:r>
-            <a:endParaRPr sz="3600" b="1" dirty="0"/>
+            <a:endParaRPr/>
           </a:p>
         </p:txBody>
       </p:sp>
@@ -11744,7 +12383,7 @@
   <p:cSld>
     <p:spTree>
       <p:nvGrpSpPr>
-        <p:cNvPr id="1" name="Shape 223"/>
+        <p:cNvPr id="1" name="Shape 166"/>
         <p:cNvGrpSpPr/>
         <p:nvPr/>
       </p:nvGrpSpPr>
@@ -11758,7 +12397,7 @@
       </p:grpSpPr>
       <p:sp>
         <p:nvSpPr>
-          <p:cNvPr id="224" name="Google Shape;224;p46"/>
+          <p:cNvPr id="167" name="Google Shape;167;p36"/>
           <p:cNvSpPr txBox="1">
             <a:spLocks noGrp="1"/>
           </p:cNvSpPr>
@@ -11768,7 +12407,7 @@
         </p:nvSpPr>
         <p:spPr>
           <a:xfrm>
-            <a:off x="427382" y="1962149"/>
+            <a:off x="457198" y="398044"/>
             <a:ext cx="8289236" cy="609601"/>
           </a:xfrm>
           <a:prstGeom prst="rect">
@@ -11785,28 +12424,86 @@
           </a:bodyPr>
           <a:lstStyle/>
           <a:p>
-            <a:pPr marL="0" lvl="0" indent="0" algn="ctr" rtl="0">
-              <a:lnSpc>
-                <a:spcPct val="100000"/>
-              </a:lnSpc>
-              <a:spcBef>
-                <a:spcPts val="0"/>
-              </a:spcBef>
-              <a:spcAft>
-                <a:spcPts val="0"/>
-              </a:spcAft>
-              <a:buClr>
-                <a:srgbClr val="000000"/>
-              </a:buClr>
-              <a:buSzPts val="3600"/>
+            <a:pPr marL="0" lvl="0" indent="0" algn="l" rtl="0">
+              <a:lnSpc>
+                <a:spcPct val="100000"/>
+              </a:lnSpc>
+              <a:spcBef>
+                <a:spcPts val="0"/>
+              </a:spcBef>
+              <a:spcAft>
+                <a:spcPts val="0"/>
+              </a:spcAft>
+              <a:buClr>
+                <a:srgbClr val="000000"/>
+              </a:buClr>
+              <a:buSzPts val="2400"/>
               <a:buFont typeface="Roboto"/>
               <a:buNone/>
             </a:pPr>
             <a:r>
-              <a:rPr lang="en" sz="3600"/>
-              <a:t>Engineering Excellence Award</a:t>
+              <a:rPr lang="en" dirty="0"/>
+              <a:t>The Innovation Project Award goes to:</a:t>
             </a:r>
-            <a:endParaRPr sz="3600"/>
+            <a:endParaRPr dirty="0"/>
+          </a:p>
+        </p:txBody>
+      </p:sp>
+      <p:sp>
+        <p:nvSpPr>
+          <p:cNvPr id="168" name="Google Shape;168;p36"/>
+          <p:cNvSpPr txBox="1">
+            <a:spLocks noGrp="1"/>
+          </p:cNvSpPr>
+          <p:nvPr>
+            <p:ph type="body" idx="1"/>
+          </p:nvPr>
+        </p:nvSpPr>
+        <p:spPr>
+          <a:xfrm>
+            <a:off x="457198" y="1143000"/>
+            <a:ext cx="8289237" cy="2419398"/>
+          </a:xfrm>
+          <a:prstGeom prst="rect">
+            <a:avLst/>
+          </a:prstGeom>
+          <a:noFill/>
+          <a:ln>
+            <a:noFill/>
+          </a:ln>
+        </p:spPr>
+        <p:txBody>
+          <a:bodyPr spcFirstLastPara="1" wrap="square" lIns="45700" tIns="45700" rIns="45700" bIns="45700" anchor="t" anchorCtr="0">
+            <a:normAutofit/>
+          </a:bodyPr>
+          <a:lstStyle/>
+          <a:p>
+            <a:pPr marL="0" lvl="0" indent="0" algn="ctr" rtl="0">
+              <a:lnSpc>
+                <a:spcPct val="100000"/>
+              </a:lnSpc>
+              <a:spcBef>
+                <a:spcPts val="0"/>
+              </a:spcBef>
+              <a:spcAft>
+                <a:spcPts val="0"/>
+              </a:spcAft>
+              <a:buClr>
+                <a:srgbClr val="000000"/>
+              </a:buClr>
+              <a:buSzPts val="2000"/>
+              <a:buFont typeface="Roboto"/>
+              <a:buNone/>
+            </a:pPr>
+            <a:r>
+              <a:rPr lang="en-US" sz="3600" b="1" dirty="0"/>
+              <a:t>{</a:t>
+            </a:r>
+            <a:r>
+              <a:rPr lang="en" sz="3600" b="1" dirty="0"/>
+              <a:t>Innovation Project Award}</a:t>
+            </a:r>
+            <a:endParaRPr sz="3600" b="1" dirty="0"/>
           </a:p>
         </p:txBody>
       </p:sp>
@@ -11823,7 +12520,7 @@
   <p:cSld>
     <p:spTree>
       <p:nvGrpSpPr>
-        <p:cNvPr id="1" name="Shape 228"/>
+        <p:cNvPr id="1" name="Shape 172"/>
         <p:cNvGrpSpPr/>
         <p:nvPr/>
       </p:nvGrpSpPr>
@@ -11837,7 +12534,7 @@
       </p:grpSpPr>
       <p:sp>
         <p:nvSpPr>
-          <p:cNvPr id="229" name="Google Shape;229;p47"/>
+          <p:cNvPr id="173" name="Google Shape;173;p37"/>
           <p:cNvSpPr txBox="1">
             <a:spLocks noGrp="1"/>
           </p:cNvSpPr>
@@ -11847,7 +12544,7 @@
         </p:nvSpPr>
         <p:spPr>
           <a:xfrm>
-            <a:off x="457198" y="398044"/>
+            <a:off x="427382" y="1962149"/>
             <a:ext cx="8289236" cy="609601"/>
           </a:xfrm>
           <a:prstGeom prst="rect">
@@ -11864,82 +12561,28 @@
           </a:bodyPr>
           <a:lstStyle/>
           <a:p>
-            <a:pPr marL="0" lvl="0" indent="0" algn="l" rtl="0">
-              <a:lnSpc>
-                <a:spcPct val="100000"/>
-              </a:lnSpc>
-              <a:spcBef>
-                <a:spcPts val="0"/>
-              </a:spcBef>
-              <a:spcAft>
-                <a:spcPts val="0"/>
-              </a:spcAft>
-              <a:buClr>
-                <a:srgbClr val="000000"/>
-              </a:buClr>
-              <a:buSzPts val="2400"/>
+            <a:pPr marL="0" lvl="0" indent="0" algn="ctr" rtl="0">
+              <a:lnSpc>
+                <a:spcPct val="100000"/>
+              </a:lnSpc>
+              <a:spcBef>
+                <a:spcPts val="0"/>
+              </a:spcBef>
+              <a:spcAft>
+                <a:spcPts val="0"/>
+              </a:spcAft>
+              <a:buClr>
+                <a:srgbClr val="000000"/>
+              </a:buClr>
+              <a:buSzPts val="3600"/>
               <a:buFont typeface="Roboto"/>
               <a:buNone/>
             </a:pPr>
             <a:r>
-              <a:rPr lang="en"/>
-              <a:t>Engineering Excellence Award</a:t>
+              <a:rPr lang="en" sz="3600"/>
+              <a:t>Robot Design Award</a:t>
             </a:r>
-            <a:endParaRPr/>
-          </a:p>
-        </p:txBody>
-      </p:sp>
-      <p:sp>
-        <p:nvSpPr>
-          <p:cNvPr id="230" name="Google Shape;230;p47"/>
-          <p:cNvSpPr txBox="1">
-            <a:spLocks noGrp="1"/>
-          </p:cNvSpPr>
-          <p:nvPr>
-            <p:ph type="body" idx="1"/>
-          </p:nvPr>
-        </p:nvSpPr>
-        <p:spPr>
-          <a:xfrm>
-            <a:off x="457198" y="1143000"/>
-            <a:ext cx="8289237" cy="2419398"/>
-          </a:xfrm>
-          <a:prstGeom prst="rect">
-            <a:avLst/>
-          </a:prstGeom>
-          <a:noFill/>
-          <a:ln>
-            <a:noFill/>
-          </a:ln>
-        </p:spPr>
-        <p:txBody>
-          <a:bodyPr spcFirstLastPara="1" wrap="square" lIns="45700" tIns="45700" rIns="45700" bIns="45700" anchor="t" anchorCtr="0">
-            <a:normAutofit/>
-          </a:bodyPr>
-          <a:lstStyle/>
-          <a:p>
-            <a:pPr marL="0" lvl="0" indent="0" algn="l" rtl="0">
-              <a:lnSpc>
-                <a:spcPct val="100000"/>
-              </a:lnSpc>
-              <a:spcBef>
-                <a:spcPts val="0"/>
-              </a:spcBef>
-              <a:spcAft>
-                <a:spcPts val="0"/>
-              </a:spcAft>
-              <a:buClr>
-                <a:srgbClr val="000000"/>
-              </a:buClr>
-              <a:buSzPts val="2000"/>
-              <a:buFont typeface="Roboto"/>
-              <a:buNone/>
-            </a:pPr>
-            <a:r>
-              <a:rPr lang="en"/>
-              <a:t>This award celebrates a team with an efficiently designed robot, an innovative Project solution that effectively addresses the season Challenge, and great Core Values evident in all they do. </a:t>
-            </a:r>
-            <a:endParaRPr/>
+            <a:endParaRPr sz="3600"/>
           </a:p>
         </p:txBody>
       </p:sp>
@@ -12051,7 +12694,7 @@
   <p:cSld>
     <p:spTree>
       <p:nvGrpSpPr>
-        <p:cNvPr id="1" name="Shape 234"/>
+        <p:cNvPr id="1" name="Shape 177"/>
         <p:cNvGrpSpPr/>
         <p:nvPr/>
       </p:nvGrpSpPr>
@@ -12065,7 +12708,7 @@
       </p:grpSpPr>
       <p:sp>
         <p:nvSpPr>
-          <p:cNvPr id="235" name="Google Shape;235;p48"/>
+          <p:cNvPr id="178" name="Google Shape;178;p38"/>
           <p:cNvSpPr txBox="1">
             <a:spLocks noGrp="1"/>
           </p:cNvSpPr>
@@ -12110,16 +12753,16 @@
               <a:buNone/>
             </a:pPr>
             <a:r>
-              <a:rPr lang="en" dirty="0"/>
-              <a:t>The Engineering Excellence Award goes to:</a:t>
+              <a:rPr lang="en"/>
+              <a:t>Robot Design Award</a:t>
             </a:r>
-            <a:endParaRPr dirty="0"/>
+            <a:endParaRPr/>
           </a:p>
         </p:txBody>
       </p:sp>
       <p:sp>
         <p:nvSpPr>
-          <p:cNvPr id="236" name="Google Shape;236;p48"/>
+          <p:cNvPr id="179" name="Google Shape;179;p38"/>
           <p:cNvSpPr txBox="1">
             <a:spLocks noGrp="1"/>
           </p:cNvSpPr>
@@ -12146,7 +12789,7 @@
           </a:bodyPr>
           <a:lstStyle/>
           <a:p>
-            <a:pPr marL="0" lvl="0" indent="0" algn="ctr" rtl="0">
+            <a:pPr marL="0" lvl="0" indent="0" algn="l" rtl="0">
               <a:lnSpc>
                 <a:spcPct val="100000"/>
               </a:lnSpc>
@@ -12164,14 +12807,10 @@
               <a:buNone/>
             </a:pPr>
             <a:r>
-              <a:rPr lang="en-US" sz="3600" b="1" dirty="0"/>
-              <a:t>{</a:t>
+              <a:rPr lang="en"/>
+              <a:t>This team used outstanding programming principles and solid engineering practices to develop a robot that is mechanically sound, durable, efficient and highly capable of performing Challenge missions.</a:t>
             </a:r>
-            <a:r>
-              <a:rPr lang="en" sz="3600" b="1" dirty="0"/>
-              <a:t>Engineering Excellence Award}</a:t>
-            </a:r>
-            <a:endParaRPr sz="3600" b="1" dirty="0"/>
+            <a:endParaRPr/>
           </a:p>
         </p:txBody>
       </p:sp>
@@ -12188,7 +12827,7 @@
   <p:cSld>
     <p:spTree>
       <p:nvGrpSpPr>
-        <p:cNvPr id="1" name="Shape 240"/>
+        <p:cNvPr id="1" name="Shape 183"/>
         <p:cNvGrpSpPr/>
         <p:nvPr/>
       </p:nvGrpSpPr>
@@ -12202,7 +12841,7 @@
       </p:grpSpPr>
       <p:sp>
         <p:nvSpPr>
-          <p:cNvPr id="241" name="Google Shape;241;p49"/>
+          <p:cNvPr id="184" name="Google Shape;184;p39"/>
           <p:cNvSpPr txBox="1">
             <a:spLocks noGrp="1"/>
           </p:cNvSpPr>
@@ -12212,7 +12851,7 @@
         </p:nvSpPr>
         <p:spPr>
           <a:xfrm>
-            <a:off x="427382" y="1962149"/>
+            <a:off x="457198" y="398044"/>
             <a:ext cx="8289236" cy="609601"/>
           </a:xfrm>
           <a:prstGeom prst="rect">
@@ -12229,28 +12868,86 @@
           </a:bodyPr>
           <a:lstStyle/>
           <a:p>
-            <a:pPr marL="0" lvl="0" indent="0" algn="ctr" rtl="0">
-              <a:lnSpc>
-                <a:spcPct val="100000"/>
-              </a:lnSpc>
-              <a:spcBef>
-                <a:spcPts val="0"/>
-              </a:spcBef>
-              <a:spcAft>
-                <a:spcPts val="0"/>
-              </a:spcAft>
-              <a:buClr>
-                <a:srgbClr val="000000"/>
-              </a:buClr>
-              <a:buSzPts val="3600"/>
+            <a:pPr marL="0" lvl="0" indent="0" algn="l" rtl="0">
+              <a:lnSpc>
+                <a:spcPct val="100000"/>
+              </a:lnSpc>
+              <a:spcBef>
+                <a:spcPts val="0"/>
+              </a:spcBef>
+              <a:spcAft>
+                <a:spcPts val="0"/>
+              </a:spcAft>
+              <a:buClr>
+                <a:srgbClr val="000000"/>
+              </a:buClr>
+              <a:buSzPts val="2400"/>
               <a:buFont typeface="Roboto"/>
               <a:buNone/>
             </a:pPr>
             <a:r>
-              <a:rPr lang="en" sz="3600"/>
-              <a:t>Rising All-Star Award</a:t>
+              <a:rPr lang="en" dirty="0"/>
+              <a:t>The Robot Design Award goes to:</a:t>
             </a:r>
-            <a:endParaRPr sz="3600"/>
+            <a:endParaRPr dirty="0"/>
+          </a:p>
+        </p:txBody>
+      </p:sp>
+      <p:sp>
+        <p:nvSpPr>
+          <p:cNvPr id="185" name="Google Shape;185;p39"/>
+          <p:cNvSpPr txBox="1">
+            <a:spLocks noGrp="1"/>
+          </p:cNvSpPr>
+          <p:nvPr>
+            <p:ph type="body" idx="1"/>
+          </p:nvPr>
+        </p:nvSpPr>
+        <p:spPr>
+          <a:xfrm>
+            <a:off x="457198" y="1143000"/>
+            <a:ext cx="8289237" cy="2419398"/>
+          </a:xfrm>
+          <a:prstGeom prst="rect">
+            <a:avLst/>
+          </a:prstGeom>
+          <a:noFill/>
+          <a:ln>
+            <a:noFill/>
+          </a:ln>
+        </p:spPr>
+        <p:txBody>
+          <a:bodyPr spcFirstLastPara="1" wrap="square" lIns="45700" tIns="45700" rIns="45700" bIns="45700" anchor="t" anchorCtr="0">
+            <a:normAutofit/>
+          </a:bodyPr>
+          <a:lstStyle/>
+          <a:p>
+            <a:pPr marL="0" lvl="0" indent="0" algn="ctr" rtl="0">
+              <a:lnSpc>
+                <a:spcPct val="100000"/>
+              </a:lnSpc>
+              <a:spcBef>
+                <a:spcPts val="0"/>
+              </a:spcBef>
+              <a:spcAft>
+                <a:spcPts val="0"/>
+              </a:spcAft>
+              <a:buClr>
+                <a:srgbClr val="000000"/>
+              </a:buClr>
+              <a:buSzPts val="2000"/>
+              <a:buFont typeface="Roboto"/>
+              <a:buNone/>
+            </a:pPr>
+            <a:r>
+              <a:rPr lang="en-US" sz="3600" b="1" dirty="0"/>
+              <a:t>{</a:t>
+            </a:r>
+            <a:r>
+              <a:rPr lang="en" sz="3600" b="1" dirty="0"/>
+              <a:t>Robot Design Award}</a:t>
+            </a:r>
+            <a:endParaRPr sz="3600" b="1" dirty="0"/>
           </a:p>
         </p:txBody>
       </p:sp>
@@ -12267,7 +12964,7 @@
   <p:cSld>
     <p:spTree>
       <p:nvGrpSpPr>
-        <p:cNvPr id="1" name="Shape 245"/>
+        <p:cNvPr id="1" name="Shape 189"/>
         <p:cNvGrpSpPr/>
         <p:nvPr/>
       </p:nvGrpSpPr>
@@ -12281,7 +12978,7 @@
       </p:grpSpPr>
       <p:sp>
         <p:nvSpPr>
-          <p:cNvPr id="246" name="Google Shape;246;p50"/>
+          <p:cNvPr id="190" name="Google Shape;190;p40"/>
           <p:cNvSpPr txBox="1">
             <a:spLocks noGrp="1"/>
           </p:cNvSpPr>
@@ -12291,7 +12988,7 @@
         </p:nvSpPr>
         <p:spPr>
           <a:xfrm>
-            <a:off x="457198" y="398044"/>
+            <a:off x="427382" y="1962149"/>
             <a:ext cx="8289236" cy="609601"/>
           </a:xfrm>
           <a:prstGeom prst="rect">
@@ -12308,82 +13005,28 @@
           </a:bodyPr>
           <a:lstStyle/>
           <a:p>
-            <a:pPr marL="0" lvl="0" indent="0" algn="l" rtl="0">
-              <a:lnSpc>
-                <a:spcPct val="100000"/>
-              </a:lnSpc>
-              <a:spcBef>
-                <a:spcPts val="0"/>
-              </a:spcBef>
-              <a:spcAft>
-                <a:spcPts val="0"/>
-              </a:spcAft>
-              <a:buClr>
-                <a:srgbClr val="000000"/>
-              </a:buClr>
-              <a:buSzPts val="2400"/>
+            <a:pPr marL="0" lvl="0" indent="0" algn="ctr" rtl="0">
+              <a:lnSpc>
+                <a:spcPct val="100000"/>
+              </a:lnSpc>
+              <a:spcBef>
+                <a:spcPts val="0"/>
+              </a:spcBef>
+              <a:spcAft>
+                <a:spcPts val="0"/>
+              </a:spcAft>
+              <a:buClr>
+                <a:srgbClr val="000000"/>
+              </a:buClr>
+              <a:buSzPts val="3600"/>
               <a:buFont typeface="Roboto"/>
               <a:buNone/>
             </a:pPr>
             <a:r>
-              <a:rPr lang="en"/>
-              <a:t>Rising All-Star Award</a:t>
+              <a:rPr lang="en" sz="3600"/>
+              <a:t>Robot Performance Award</a:t>
             </a:r>
-            <a:endParaRPr/>
-          </a:p>
-        </p:txBody>
-      </p:sp>
-      <p:sp>
-        <p:nvSpPr>
-          <p:cNvPr id="247" name="Google Shape;247;p50"/>
-          <p:cNvSpPr txBox="1">
-            <a:spLocks noGrp="1"/>
-          </p:cNvSpPr>
-          <p:nvPr>
-            <p:ph type="body" idx="1"/>
-          </p:nvPr>
-        </p:nvSpPr>
-        <p:spPr>
-          <a:xfrm>
-            <a:off x="457198" y="1143000"/>
-            <a:ext cx="8289237" cy="2419398"/>
-          </a:xfrm>
-          <a:prstGeom prst="rect">
-            <a:avLst/>
-          </a:prstGeom>
-          <a:noFill/>
-          <a:ln>
-            <a:noFill/>
-          </a:ln>
-        </p:spPr>
-        <p:txBody>
-          <a:bodyPr spcFirstLastPara="1" wrap="square" lIns="45700" tIns="45700" rIns="45700" bIns="45700" anchor="t" anchorCtr="0">
-            <a:normAutofit/>
-          </a:bodyPr>
-          <a:lstStyle/>
-          <a:p>
-            <a:pPr marL="0" lvl="0" indent="0" algn="l" rtl="0">
-              <a:lnSpc>
-                <a:spcPct val="100000"/>
-              </a:lnSpc>
-              <a:spcBef>
-                <a:spcPts val="0"/>
-              </a:spcBef>
-              <a:spcAft>
-                <a:spcPts val="0"/>
-              </a:spcAft>
-              <a:buClr>
-                <a:srgbClr val="000000"/>
-              </a:buClr>
-              <a:buSzPts val="2000"/>
-              <a:buFont typeface="Roboto"/>
-              <a:buNone/>
-            </a:pPr>
-            <a:r>
-              <a:rPr lang="en"/>
-              <a:t>This award celebrates a team that the judges notice and expect great things from in the future. </a:t>
-            </a:r>
-            <a:endParaRPr/>
+            <a:endParaRPr sz="3600"/>
           </a:p>
         </p:txBody>
       </p:sp>
@@ -12400,7 +13043,7 @@
   <p:cSld>
     <p:spTree>
       <p:nvGrpSpPr>
-        <p:cNvPr id="1" name="Shape 251"/>
+        <p:cNvPr id="1" name="Shape 194"/>
         <p:cNvGrpSpPr/>
         <p:nvPr/>
       </p:nvGrpSpPr>
@@ -12414,7 +13057,7 @@
       </p:grpSpPr>
       <p:sp>
         <p:nvSpPr>
-          <p:cNvPr id="252" name="Google Shape;252;p51"/>
+          <p:cNvPr id="195" name="Google Shape;195;p41"/>
           <p:cNvSpPr txBox="1">
             <a:spLocks noGrp="1"/>
           </p:cNvSpPr>
@@ -12459,16 +13102,16 @@
               <a:buNone/>
             </a:pPr>
             <a:r>
-              <a:rPr lang="en" dirty="0"/>
-              <a:t>The Rising All-Star Award goes to:</a:t>
+              <a:rPr lang="en"/>
+              <a:t>Robot Performance Award</a:t>
             </a:r>
-            <a:endParaRPr dirty="0"/>
+            <a:endParaRPr/>
           </a:p>
         </p:txBody>
       </p:sp>
       <p:sp>
         <p:nvSpPr>
-          <p:cNvPr id="253" name="Google Shape;253;p51"/>
+          <p:cNvPr id="196" name="Google Shape;196;p41"/>
           <p:cNvSpPr txBox="1">
             <a:spLocks noGrp="1"/>
           </p:cNvSpPr>
@@ -12495,7 +13138,7 @@
           </a:bodyPr>
           <a:lstStyle/>
           <a:p>
-            <a:pPr marL="0" lvl="0" indent="0" algn="ctr" rtl="0">
+            <a:pPr marL="0" lvl="0" indent="0" algn="l" rtl="0">
               <a:lnSpc>
                 <a:spcPct val="100000"/>
               </a:lnSpc>
@@ -12513,14 +13156,10 @@
               <a:buNone/>
             </a:pPr>
             <a:r>
-              <a:rPr lang="en-US" sz="3600" b="1" dirty="0"/>
-              <a:t>{</a:t>
+              <a:rPr lang="en"/>
+              <a:t>This award celebrates a team that scores the most points during the Robot Game. Teams have a chance to compete in at least three 2.5-minute matches and their highest score counts. </a:t>
             </a:r>
-            <a:r>
-              <a:rPr lang="en" sz="3600" b="1" dirty="0"/>
-              <a:t>Rising All-Star Award}</a:t>
-            </a:r>
-            <a:endParaRPr sz="3600" b="1" dirty="0"/>
+            <a:endParaRPr/>
           </a:p>
         </p:txBody>
       </p:sp>
@@ -12537,7 +13176,7 @@
   <p:cSld>
     <p:spTree>
       <p:nvGrpSpPr>
-        <p:cNvPr id="1" name="Shape 257"/>
+        <p:cNvPr id="1" name="Shape 200"/>
         <p:cNvGrpSpPr/>
         <p:nvPr/>
       </p:nvGrpSpPr>
@@ -12551,7 +13190,7 @@
       </p:grpSpPr>
       <p:sp>
         <p:nvSpPr>
-          <p:cNvPr id="258" name="Google Shape;258;p52"/>
+          <p:cNvPr id="201" name="Google Shape;201;p42"/>
           <p:cNvSpPr txBox="1">
             <a:spLocks noGrp="1"/>
           </p:cNvSpPr>
@@ -12561,7 +13200,7 @@
         </p:nvSpPr>
         <p:spPr>
           <a:xfrm>
-            <a:off x="427382" y="1962149"/>
+            <a:off x="457198" y="398044"/>
             <a:ext cx="8289236" cy="609601"/>
           </a:xfrm>
           <a:prstGeom prst="rect">
@@ -12578,28 +13217,172 @@
           </a:bodyPr>
           <a:lstStyle/>
           <a:p>
-            <a:pPr marL="0" lvl="0" indent="0" algn="ctr" rtl="0">
-              <a:lnSpc>
-                <a:spcPct val="100000"/>
-              </a:lnSpc>
-              <a:spcBef>
-                <a:spcPts val="0"/>
-              </a:spcBef>
-              <a:spcAft>
-                <a:spcPts val="0"/>
-              </a:spcAft>
-              <a:buClr>
-                <a:srgbClr val="000000"/>
-              </a:buClr>
-              <a:buSzPts val="3600"/>
+            <a:pPr marL="0" lvl="0" indent="0" algn="l" rtl="0">
+              <a:lnSpc>
+                <a:spcPct val="100000"/>
+              </a:lnSpc>
+              <a:spcBef>
+                <a:spcPts val="0"/>
+              </a:spcBef>
+              <a:spcAft>
+                <a:spcPts val="0"/>
+              </a:spcAft>
+              <a:buClr>
+                <a:srgbClr val="000000"/>
+              </a:buClr>
+              <a:buSzPts val="2400"/>
               <a:buFont typeface="Roboto"/>
               <a:buNone/>
             </a:pPr>
             <a:r>
-              <a:rPr lang="en" sz="3600"/>
-              <a:t>Motivate Award</a:t>
+              <a:rPr lang="en" dirty="0"/>
+              <a:t>The Robot Performance Award goes to:</a:t>
             </a:r>
-            <a:endParaRPr sz="3600"/>
+            <a:endParaRPr dirty="0"/>
+          </a:p>
+        </p:txBody>
+      </p:sp>
+      <p:sp>
+        <p:nvSpPr>
+          <p:cNvPr id="202" name="Google Shape;202;p42"/>
+          <p:cNvSpPr txBox="1">
+            <a:spLocks noGrp="1"/>
+          </p:cNvSpPr>
+          <p:nvPr>
+            <p:ph type="body" idx="1"/>
+          </p:nvPr>
+        </p:nvSpPr>
+        <p:spPr>
+          <a:xfrm>
+            <a:off x="457198" y="1143000"/>
+            <a:ext cx="8289237" cy="2419398"/>
+          </a:xfrm>
+          <a:prstGeom prst="rect">
+            <a:avLst/>
+          </a:prstGeom>
+          <a:noFill/>
+          <a:ln>
+            <a:noFill/>
+          </a:ln>
+        </p:spPr>
+        <p:txBody>
+          <a:bodyPr spcFirstLastPara="1" wrap="square" lIns="45700" tIns="45700" rIns="45700" bIns="45700" anchor="t" anchorCtr="0">
+            <a:normAutofit/>
+          </a:bodyPr>
+          <a:lstStyle/>
+          <a:p>
+            <a:pPr marL="0" lvl="0" indent="0" rtl="0">
+              <a:lnSpc>
+                <a:spcPct val="100000"/>
+              </a:lnSpc>
+              <a:spcBef>
+                <a:spcPts val="0"/>
+              </a:spcBef>
+              <a:spcAft>
+                <a:spcPts val="0"/>
+              </a:spcAft>
+              <a:buClr>
+                <a:srgbClr val="000000"/>
+              </a:buClr>
+              <a:buSzPts val="2000"/>
+              <a:buFont typeface="Roboto"/>
+              <a:buNone/>
+            </a:pPr>
+            <a:r>
+              <a:rPr lang="en" dirty="0"/>
+              <a:t>Team:</a:t>
+            </a:r>
+          </a:p>
+          <a:p>
+            <a:pPr marL="0" lvl="0" indent="0" algn="ctr" rtl="0">
+              <a:lnSpc>
+                <a:spcPct val="100000"/>
+              </a:lnSpc>
+              <a:spcBef>
+                <a:spcPts val="0"/>
+              </a:spcBef>
+              <a:spcAft>
+                <a:spcPts val="0"/>
+              </a:spcAft>
+              <a:buClr>
+                <a:srgbClr val="000000"/>
+              </a:buClr>
+              <a:buSzPts val="2000"/>
+              <a:buFont typeface="Roboto"/>
+              <a:buNone/>
+            </a:pPr>
+            <a:r>
+              <a:rPr lang="en" sz="3600" b="1" dirty="0"/>
+              <a:t>{Robot Performance Award}</a:t>
+            </a:r>
+            <a:endParaRPr sz="3600" b="1" dirty="0"/>
+          </a:p>
+          <a:p>
+            <a:pPr marL="0" lvl="0" indent="0" algn="l" rtl="0">
+              <a:lnSpc>
+                <a:spcPct val="100000"/>
+              </a:lnSpc>
+              <a:spcBef>
+                <a:spcPts val="600"/>
+              </a:spcBef>
+              <a:spcAft>
+                <a:spcPts val="0"/>
+              </a:spcAft>
+              <a:buClr>
+                <a:srgbClr val="000000"/>
+              </a:buClr>
+              <a:buSzPts val="2000"/>
+              <a:buFont typeface="Roboto"/>
+              <a:buNone/>
+            </a:pPr>
+            <a:endParaRPr dirty="0"/>
+          </a:p>
+          <a:p>
+            <a:pPr marL="0" lvl="0" indent="0" algn="l" rtl="0">
+              <a:lnSpc>
+                <a:spcPct val="100000"/>
+              </a:lnSpc>
+              <a:spcBef>
+                <a:spcPts val="600"/>
+              </a:spcBef>
+              <a:spcAft>
+                <a:spcPts val="0"/>
+              </a:spcAft>
+              <a:buClr>
+                <a:srgbClr val="000000"/>
+              </a:buClr>
+              <a:buSzPts val="2000"/>
+              <a:buFont typeface="Roboto"/>
+              <a:buNone/>
+            </a:pPr>
+            <a:r>
+              <a:rPr lang="en" dirty="0"/>
+              <a:t>High Score:</a:t>
+            </a:r>
+          </a:p>
+          <a:p>
+            <a:pPr marL="0" lvl="0" indent="0" algn="ctr" rtl="0">
+              <a:lnSpc>
+                <a:spcPct val="100000"/>
+              </a:lnSpc>
+              <a:spcBef>
+                <a:spcPts val="600"/>
+              </a:spcBef>
+              <a:spcAft>
+                <a:spcPts val="0"/>
+              </a:spcAft>
+              <a:buClr>
+                <a:srgbClr val="000000"/>
+              </a:buClr>
+              <a:buSzPts val="2000"/>
+              <a:buFont typeface="Roboto"/>
+              <a:buNone/>
+            </a:pPr>
+            <a:r>
+              <a:rPr lang="en" sz="3600" b="1" dirty="0"/>
+              <a:t>{Robot Performance Score}</a:t>
+            </a:r>
+            <a:endParaRPr sz="3600" b="1" dirty="0"/>
           </a:p>
         </p:txBody>
       </p:sp>
@@ -12616,7 +13399,7 @@
   <p:cSld>
     <p:spTree>
       <p:nvGrpSpPr>
-        <p:cNvPr id="1" name="Shape 262"/>
+        <p:cNvPr id="1" name="Shape 138"/>
         <p:cNvGrpSpPr/>
         <p:nvPr/>
       </p:nvGrpSpPr>
@@ -12630,7 +13413,7 @@
       </p:grpSpPr>
       <p:sp>
         <p:nvSpPr>
-          <p:cNvPr id="263" name="Google Shape;263;p53"/>
+          <p:cNvPr id="139" name="Google Shape;139;p31"/>
           <p:cNvSpPr txBox="1">
             <a:spLocks noGrp="1"/>
           </p:cNvSpPr>
@@ -12640,7 +13423,7 @@
         </p:nvSpPr>
         <p:spPr>
           <a:xfrm>
-            <a:off x="457198" y="398044"/>
+            <a:off x="427382" y="1962149"/>
             <a:ext cx="8289236" cy="609601"/>
           </a:xfrm>
           <a:prstGeom prst="rect">
@@ -12657,90 +13440,28 @@
           </a:bodyPr>
           <a:lstStyle/>
           <a:p>
-            <a:pPr marL="0" lvl="0" indent="0" algn="l" rtl="0">
-              <a:lnSpc>
-                <a:spcPct val="100000"/>
-              </a:lnSpc>
-              <a:spcBef>
-                <a:spcPts val="0"/>
-              </a:spcBef>
-              <a:spcAft>
-                <a:spcPts val="0"/>
-              </a:spcAft>
-              <a:buClr>
-                <a:srgbClr val="000000"/>
-              </a:buClr>
-              <a:buSzPts val="2400"/>
+            <a:pPr marL="0" lvl="0" indent="0" algn="ctr" rtl="0">
+              <a:lnSpc>
+                <a:spcPct val="100000"/>
+              </a:lnSpc>
+              <a:spcBef>
+                <a:spcPts val="0"/>
+              </a:spcBef>
+              <a:spcAft>
+                <a:spcPts val="0"/>
+              </a:spcAft>
+              <a:buClr>
+                <a:srgbClr val="000000"/>
+              </a:buClr>
+              <a:buSzPts val="3600"/>
               <a:buFont typeface="Roboto"/>
               <a:buNone/>
             </a:pPr>
             <a:r>
-              <a:rPr lang="en"/>
-              <a:t>Motivate Award</a:t>
+              <a:rPr lang="en" sz="3600"/>
+              <a:t>Core Values Award</a:t>
             </a:r>
-            <a:endParaRPr/>
-          </a:p>
-        </p:txBody>
-      </p:sp>
-      <p:sp>
-        <p:nvSpPr>
-          <p:cNvPr id="264" name="Google Shape;264;p53"/>
-          <p:cNvSpPr txBox="1">
-            <a:spLocks noGrp="1"/>
-          </p:cNvSpPr>
-          <p:nvPr>
-            <p:ph type="body" idx="1"/>
-          </p:nvPr>
-        </p:nvSpPr>
-        <p:spPr>
-          <a:xfrm>
-            <a:off x="457198" y="1143000"/>
-            <a:ext cx="8289237" cy="2419398"/>
-          </a:xfrm>
-          <a:prstGeom prst="rect">
-            <a:avLst/>
-          </a:prstGeom>
-          <a:noFill/>
-          <a:ln>
-            <a:noFill/>
-          </a:ln>
-        </p:spPr>
-        <p:txBody>
-          <a:bodyPr spcFirstLastPara="1" wrap="square" lIns="45700" tIns="45700" rIns="45700" bIns="45700" anchor="t" anchorCtr="0">
-            <a:normAutofit/>
-          </a:bodyPr>
-          <a:lstStyle/>
-          <a:p>
-            <a:pPr marL="0" lvl="0" indent="0" algn="l" rtl="0">
-              <a:lnSpc>
-                <a:spcPct val="100000"/>
-              </a:lnSpc>
-              <a:spcBef>
-                <a:spcPts val="0"/>
-              </a:spcBef>
-              <a:spcAft>
-                <a:spcPts val="0"/>
-              </a:spcAft>
-              <a:buClr>
-                <a:srgbClr val="000000"/>
-              </a:buClr>
-              <a:buSzPts val="2000"/>
-              <a:buFont typeface="Roboto"/>
-              <a:buNone/>
-            </a:pPr>
-            <a:r>
-              <a:rPr lang="en"/>
-              <a:t>This award celebrates a team that embraces the culture of </a:t>
-            </a:r>
-            <a:r>
-              <a:rPr lang="en" i="1"/>
-              <a:t>FIRST</a:t>
-            </a:r>
-            <a:r>
-              <a:rPr lang="en"/>
-              <a:t> LEGO League through team building, team spirit, and displayed enthusiasm. </a:t>
-            </a:r>
-            <a:endParaRPr/>
+            <a:endParaRPr sz="3600"/>
           </a:p>
         </p:txBody>
       </p:sp>
@@ -12757,7 +13478,7 @@
   <p:cSld>
     <p:spTree>
       <p:nvGrpSpPr>
-        <p:cNvPr id="1" name="Shape 268"/>
+        <p:cNvPr id="1" name="Shape 143"/>
         <p:cNvGrpSpPr/>
         <p:nvPr/>
       </p:nvGrpSpPr>
@@ -12771,7 +13492,7 @@
       </p:grpSpPr>
       <p:sp>
         <p:nvSpPr>
-          <p:cNvPr id="269" name="Google Shape;269;p54"/>
+          <p:cNvPr id="144" name="Google Shape;144;p32"/>
           <p:cNvSpPr txBox="1">
             <a:spLocks noGrp="1"/>
           </p:cNvSpPr>
@@ -12817,7 +13538,7 @@
             </a:pPr>
             <a:r>
               <a:rPr lang="en" dirty="0"/>
-              <a:t>The Motivate Award goes to:</a:t>
+              <a:t>Core Values Award</a:t>
             </a:r>
             <a:endParaRPr dirty="0"/>
           </a:p>
@@ -12825,7 +13546,7 @@
       </p:sp>
       <p:sp>
         <p:nvSpPr>
-          <p:cNvPr id="270" name="Google Shape;270;p54"/>
+          <p:cNvPr id="145" name="Google Shape;145;p32"/>
           <p:cNvSpPr txBox="1">
             <a:spLocks noGrp="1"/>
           </p:cNvSpPr>
@@ -12852,7 +13573,7 @@
           </a:bodyPr>
           <a:lstStyle/>
           <a:p>
-            <a:pPr marL="0" lvl="0" indent="0" algn="ctr" rtl="0">
+            <a:pPr marL="0" lvl="0" indent="0" algn="l" rtl="0">
               <a:lnSpc>
                 <a:spcPct val="100000"/>
               </a:lnSpc>
@@ -12870,14 +13591,10 @@
               <a:buNone/>
             </a:pPr>
             <a:r>
-              <a:rPr lang="en-US" sz="3600" b="1" dirty="0"/>
-              <a:t>{</a:t>
+              <a:rPr lang="en"/>
+              <a:t>This award celebrates a team that displays extraordinary enthusiasm and spirit, knows they can accomplish more together than they could as individuals, and shows each other and other teams respect at all times. </a:t>
             </a:r>
-            <a:r>
-              <a:rPr lang="en" sz="3600" b="1" dirty="0"/>
-              <a:t>Motivate Award}</a:t>
-            </a:r>
-            <a:endParaRPr sz="3600" b="1" dirty="0"/>
+            <a:endParaRPr/>
           </a:p>
         </p:txBody>
       </p:sp>
@@ -12890,6 +13607,143 @@
 </file>
 
 <file path=ppt/slides/slide37.xml><?xml version="1.0" encoding="utf-8"?>
+<p:sld xmlns:a="http://schemas.openxmlformats.org/drawingml/2006/main" xmlns:r="http://schemas.openxmlformats.org/officeDocument/2006/relationships" xmlns:p="http://schemas.openxmlformats.org/presentationml/2006/main">
+  <p:cSld>
+    <p:spTree>
+      <p:nvGrpSpPr>
+        <p:cNvPr id="1" name="Shape 149"/>
+        <p:cNvGrpSpPr/>
+        <p:nvPr/>
+      </p:nvGrpSpPr>
+      <p:grpSpPr>
+        <a:xfrm>
+          <a:off x="0" y="0"/>
+          <a:ext cx="0" cy="0"/>
+          <a:chOff x="0" y="0"/>
+          <a:chExt cx="0" cy="0"/>
+        </a:xfrm>
+      </p:grpSpPr>
+      <p:sp>
+        <p:nvSpPr>
+          <p:cNvPr id="150" name="Google Shape;150;p33"/>
+          <p:cNvSpPr txBox="1">
+            <a:spLocks noGrp="1"/>
+          </p:cNvSpPr>
+          <p:nvPr>
+            <p:ph type="title"/>
+          </p:nvPr>
+        </p:nvSpPr>
+        <p:spPr>
+          <a:xfrm>
+            <a:off x="457198" y="398044"/>
+            <a:ext cx="8289236" cy="609601"/>
+          </a:xfrm>
+          <a:prstGeom prst="rect">
+            <a:avLst/>
+          </a:prstGeom>
+          <a:noFill/>
+          <a:ln>
+            <a:noFill/>
+          </a:ln>
+        </p:spPr>
+        <p:txBody>
+          <a:bodyPr spcFirstLastPara="1" wrap="square" lIns="0" tIns="0" rIns="0" bIns="0" anchor="ctr" anchorCtr="0">
+            <a:normAutofit/>
+          </a:bodyPr>
+          <a:lstStyle/>
+          <a:p>
+            <a:pPr marL="0" lvl="0" indent="0" algn="l" rtl="0">
+              <a:lnSpc>
+                <a:spcPct val="100000"/>
+              </a:lnSpc>
+              <a:spcBef>
+                <a:spcPts val="0"/>
+              </a:spcBef>
+              <a:spcAft>
+                <a:spcPts val="0"/>
+              </a:spcAft>
+              <a:buClr>
+                <a:srgbClr val="000000"/>
+              </a:buClr>
+              <a:buSzPts val="2400"/>
+              <a:buFont typeface="Roboto"/>
+              <a:buNone/>
+            </a:pPr>
+            <a:r>
+              <a:rPr lang="en"/>
+              <a:t>The Core Values Award goes to:</a:t>
+            </a:r>
+            <a:endParaRPr/>
+          </a:p>
+        </p:txBody>
+      </p:sp>
+      <p:sp>
+        <p:nvSpPr>
+          <p:cNvPr id="151" name="Google Shape;151;p33"/>
+          <p:cNvSpPr txBox="1">
+            <a:spLocks noGrp="1"/>
+          </p:cNvSpPr>
+          <p:nvPr>
+            <p:ph type="body" idx="1"/>
+          </p:nvPr>
+        </p:nvSpPr>
+        <p:spPr>
+          <a:xfrm>
+            <a:off x="457198" y="1143000"/>
+            <a:ext cx="8289237" cy="2419398"/>
+          </a:xfrm>
+          <a:prstGeom prst="rect">
+            <a:avLst/>
+          </a:prstGeom>
+          <a:noFill/>
+          <a:ln>
+            <a:noFill/>
+          </a:ln>
+        </p:spPr>
+        <p:txBody>
+          <a:bodyPr spcFirstLastPara="1" wrap="square" lIns="45700" tIns="45700" rIns="45700" bIns="45700" anchor="t" anchorCtr="0">
+            <a:normAutofit/>
+          </a:bodyPr>
+          <a:lstStyle/>
+          <a:p>
+            <a:pPr marL="0" lvl="0" indent="0" algn="ctr" rtl="0">
+              <a:lnSpc>
+                <a:spcPct val="100000"/>
+              </a:lnSpc>
+              <a:spcBef>
+                <a:spcPts val="0"/>
+              </a:spcBef>
+              <a:spcAft>
+                <a:spcPts val="0"/>
+              </a:spcAft>
+              <a:buClr>
+                <a:srgbClr val="000000"/>
+              </a:buClr>
+              <a:buSzPts val="2000"/>
+              <a:buFont typeface="Roboto"/>
+              <a:buNone/>
+            </a:pPr>
+            <a:r>
+              <a:rPr lang="en-US" sz="3600" b="1" dirty="0"/>
+              <a:t>{</a:t>
+            </a:r>
+            <a:r>
+              <a:rPr lang="en" sz="3600" b="1" dirty="0"/>
+              <a:t>Core Values Award}</a:t>
+            </a:r>
+            <a:endParaRPr sz="3600" b="1" dirty="0"/>
+          </a:p>
+        </p:txBody>
+      </p:sp>
+    </p:spTree>
+  </p:cSld>
+  <p:clrMapOvr>
+    <a:masterClrMapping/>
+  </p:clrMapOvr>
+</p:sld>
+</file>
+
+<file path=ppt/slides/slide38.xml><?xml version="1.0" encoding="utf-8"?>
 <p:sld xmlns:a="http://schemas.openxmlformats.org/drawingml/2006/main" xmlns:r="http://schemas.openxmlformats.org/officeDocument/2006/relationships" xmlns:p="http://schemas.openxmlformats.org/presentationml/2006/main">
   <p:cSld>
     <p:spTree>
@@ -12968,7 +13822,7 @@
 </p:sld>
 </file>
 
-<file path=ppt/slides/slide38.xml><?xml version="1.0" encoding="utf-8"?>
+<file path=ppt/slides/slide39.xml><?xml version="1.0" encoding="utf-8"?>
 <p:sld xmlns:a="http://schemas.openxmlformats.org/drawingml/2006/main" xmlns:r="http://schemas.openxmlformats.org/officeDocument/2006/relationships" xmlns:p="http://schemas.openxmlformats.org/presentationml/2006/main">
   <p:cSld>
     <p:spTree>
@@ -13106,143 +13960,6 @@
               <a:t> Core Values while achieving excellence and innovation in both the Robot Game and the Innovation Project. </a:t>
             </a:r>
             <a:endParaRPr/>
-          </a:p>
-        </p:txBody>
-      </p:sp>
-    </p:spTree>
-  </p:cSld>
-  <p:clrMapOvr>
-    <a:masterClrMapping/>
-  </p:clrMapOvr>
-</p:sld>
-</file>
-
-<file path=ppt/slides/slide39.xml><?xml version="1.0" encoding="utf-8"?>
-<p:sld xmlns:a="http://schemas.openxmlformats.org/drawingml/2006/main" xmlns:r="http://schemas.openxmlformats.org/officeDocument/2006/relationships" xmlns:p="http://schemas.openxmlformats.org/presentationml/2006/main">
-  <p:cSld>
-    <p:spTree>
-      <p:nvGrpSpPr>
-        <p:cNvPr id="1" name="Shape 285"/>
-        <p:cNvGrpSpPr/>
-        <p:nvPr/>
-      </p:nvGrpSpPr>
-      <p:grpSpPr>
-        <a:xfrm>
-          <a:off x="0" y="0"/>
-          <a:ext cx="0" cy="0"/>
-          <a:chOff x="0" y="0"/>
-          <a:chExt cx="0" cy="0"/>
-        </a:xfrm>
-      </p:grpSpPr>
-      <p:sp>
-        <p:nvSpPr>
-          <p:cNvPr id="286" name="Google Shape;286;p57"/>
-          <p:cNvSpPr txBox="1">
-            <a:spLocks noGrp="1"/>
-          </p:cNvSpPr>
-          <p:nvPr>
-            <p:ph type="title"/>
-          </p:nvPr>
-        </p:nvSpPr>
-        <p:spPr>
-          <a:xfrm>
-            <a:off x="457198" y="398044"/>
-            <a:ext cx="8289236" cy="609601"/>
-          </a:xfrm>
-          <a:prstGeom prst="rect">
-            <a:avLst/>
-          </a:prstGeom>
-          <a:noFill/>
-          <a:ln>
-            <a:noFill/>
-          </a:ln>
-        </p:spPr>
-        <p:txBody>
-          <a:bodyPr spcFirstLastPara="1" wrap="square" lIns="0" tIns="0" rIns="0" bIns="0" anchor="ctr" anchorCtr="0">
-            <a:normAutofit/>
-          </a:bodyPr>
-          <a:lstStyle/>
-          <a:p>
-            <a:pPr marL="0" lvl="0" indent="0" algn="l" rtl="0">
-              <a:lnSpc>
-                <a:spcPct val="100000"/>
-              </a:lnSpc>
-              <a:spcBef>
-                <a:spcPts val="0"/>
-              </a:spcBef>
-              <a:spcAft>
-                <a:spcPts val="0"/>
-              </a:spcAft>
-              <a:buClr>
-                <a:srgbClr val="000000"/>
-              </a:buClr>
-              <a:buSzPts val="2400"/>
-              <a:buFont typeface="Roboto"/>
-              <a:buNone/>
-            </a:pPr>
-            <a:r>
-              <a:rPr lang="en" dirty="0"/>
-              <a:t>The Champion’s Award goes to:</a:t>
-            </a:r>
-            <a:endParaRPr dirty="0"/>
-          </a:p>
-        </p:txBody>
-      </p:sp>
-      <p:sp>
-        <p:nvSpPr>
-          <p:cNvPr id="287" name="Google Shape;287;p57"/>
-          <p:cNvSpPr txBox="1">
-            <a:spLocks noGrp="1"/>
-          </p:cNvSpPr>
-          <p:nvPr>
-            <p:ph type="body" idx="1"/>
-          </p:nvPr>
-        </p:nvSpPr>
-        <p:spPr>
-          <a:xfrm>
-            <a:off x="457198" y="1143000"/>
-            <a:ext cx="8289237" cy="2419398"/>
-          </a:xfrm>
-          <a:prstGeom prst="rect">
-            <a:avLst/>
-          </a:prstGeom>
-          <a:noFill/>
-          <a:ln>
-            <a:noFill/>
-          </a:ln>
-        </p:spPr>
-        <p:txBody>
-          <a:bodyPr spcFirstLastPara="1" wrap="square" lIns="45700" tIns="45700" rIns="45700" bIns="45700" anchor="t" anchorCtr="0">
-            <a:normAutofit/>
-          </a:bodyPr>
-          <a:lstStyle/>
-          <a:p>
-            <a:pPr marL="0" lvl="0" indent="0" algn="ctr" rtl="0">
-              <a:lnSpc>
-                <a:spcPct val="100000"/>
-              </a:lnSpc>
-              <a:spcBef>
-                <a:spcPts val="0"/>
-              </a:spcBef>
-              <a:spcAft>
-                <a:spcPts val="0"/>
-              </a:spcAft>
-              <a:buClr>
-                <a:srgbClr val="000000"/>
-              </a:buClr>
-              <a:buSzPts val="2000"/>
-              <a:buFont typeface="Roboto"/>
-              <a:buNone/>
-            </a:pPr>
-            <a:r>
-              <a:rPr lang="en-US" sz="3600" b="1" dirty="0"/>
-              <a:t>{</a:t>
-            </a:r>
-            <a:r>
-              <a:rPr lang="en" sz="3600" b="1" dirty="0"/>
-              <a:t>Champion’s Award}</a:t>
-            </a:r>
-            <a:endParaRPr sz="3600" b="1" dirty="0"/>
           </a:p>
         </p:txBody>
       </p:sp>
@@ -13311,7 +14028,7 @@
   <p:cSld>
     <p:spTree>
       <p:nvGrpSpPr>
-        <p:cNvPr id="1" name="Shape 291"/>
+        <p:cNvPr id="1" name="Shape 285"/>
         <p:cNvGrpSpPr/>
         <p:nvPr/>
       </p:nvGrpSpPr>
@@ -13325,7 +14042,7 @@
       </p:grpSpPr>
       <p:sp>
         <p:nvSpPr>
-          <p:cNvPr id="292" name="Google Shape;292;p58"/>
+          <p:cNvPr id="286" name="Google Shape;286;p57"/>
           <p:cNvSpPr txBox="1">
             <a:spLocks noGrp="1"/>
           </p:cNvSpPr>
@@ -13348,7 +14065,7 @@
         </p:spPr>
         <p:txBody>
           <a:bodyPr spcFirstLastPara="1" wrap="square" lIns="0" tIns="0" rIns="0" bIns="0" anchor="ctr" anchorCtr="0">
-            <a:normAutofit fontScale="90000"/>
+            <a:normAutofit/>
           </a:bodyPr>
           <a:lstStyle/>
           <a:p>
@@ -13365,33 +14082,21 @@
               <a:buClr>
                 <a:srgbClr val="000000"/>
               </a:buClr>
-              <a:buSzPct val="100000"/>
+              <a:buSzPts val="2400"/>
               <a:buFont typeface="Roboto"/>
               <a:buNone/>
             </a:pPr>
             <a:r>
-              <a:rPr lang="en"/>
-              <a:t>Teams advancing to </a:t>
+              <a:rPr lang="en" dirty="0"/>
+              <a:t>The Champion’s Award goes to:</a:t>
             </a:r>
-            <a:r>
-              <a:rPr lang="en">
-                <a:highlight>
-                  <a:srgbClr val="FFFF00"/>
-                </a:highlight>
-              </a:rPr>
-              <a:t>Championship/World Festival/Open Invitational</a:t>
-            </a:r>
-            <a:endParaRPr>
-              <a:highlight>
-                <a:srgbClr val="FFFF00"/>
-              </a:highlight>
-            </a:endParaRPr>
+            <a:endParaRPr dirty="0"/>
           </a:p>
         </p:txBody>
       </p:sp>
       <p:sp>
         <p:nvSpPr>
-          <p:cNvPr id="293" name="Google Shape;293;p58"/>
+          <p:cNvPr id="287" name="Google Shape;287;p57"/>
           <p:cNvSpPr txBox="1">
             <a:spLocks noGrp="1"/>
           </p:cNvSpPr>
@@ -13402,7 +14107,7 @@
         <p:spPr>
           <a:xfrm>
             <a:off x="457198" y="1143000"/>
-            <a:ext cx="8289237" cy="2852404"/>
+            <a:ext cx="8289237" cy="2419398"/>
           </a:xfrm>
           <a:prstGeom prst="rect">
             <a:avLst/>
@@ -13414,11 +14119,11 @@
         </p:spPr>
         <p:txBody>
           <a:bodyPr spcFirstLastPara="1" wrap="square" lIns="45700" tIns="45700" rIns="45700" bIns="45700" anchor="t" anchorCtr="0">
-            <a:normAutofit fontScale="70000" lnSpcReduction="20000"/>
+            <a:normAutofit/>
           </a:bodyPr>
           <a:lstStyle/>
           <a:p>
-            <a:pPr marL="0" lvl="0" indent="0" algn="l" rtl="0">
+            <a:pPr marL="0" lvl="0" indent="0" algn="ctr" rtl="0">
               <a:lnSpc>
                 <a:spcPct val="100000"/>
               </a:lnSpc>
@@ -13436,128 +14141,14 @@
               <a:buNone/>
             </a:pPr>
             <a:r>
-              <a:rPr lang="en" b="1" dirty="0">
-                <a:highlight>
-                  <a:srgbClr val="FFFF00"/>
-                </a:highlight>
-              </a:rPr>
-              <a:t>Congratulations to teams (if applicable):</a:t>
+              <a:rPr lang="en-US" sz="3600" b="1" dirty="0"/>
+              <a:t>{</a:t>
             </a:r>
-          </a:p>
-          <a:p>
-            <a:pPr marL="0" lvl="0" indent="0" algn="ctr" rtl="0">
-              <a:lnSpc>
-                <a:spcPct val="100000"/>
-              </a:lnSpc>
-              <a:spcBef>
-                <a:spcPts val="0"/>
-              </a:spcBef>
-              <a:spcAft>
-                <a:spcPts val="0"/>
-              </a:spcAft>
-              <a:buClr>
-                <a:srgbClr val="000000"/>
-              </a:buClr>
-              <a:buSzPts val="2000"/>
-              <a:buFont typeface="Roboto"/>
-              <a:buNone/>
-            </a:pPr>
             <a:r>
-              <a:rPr lang="en" sz="4100" b="1" dirty="0"/>
-              <a:t>{Advancing Team 1}</a:t>
+              <a:rPr lang="en" sz="3600" b="1" dirty="0"/>
+              <a:t>Champion’s Award}</a:t>
             </a:r>
-          </a:p>
-          <a:p>
-            <a:pPr marL="0" indent="0" algn="ctr">
-              <a:spcBef>
-                <a:spcPts val="0"/>
-              </a:spcBef>
-              <a:buSzPts val="2000"/>
-            </a:pPr>
-            <a:r>
-              <a:rPr lang="en-US" sz="4100" b="1" dirty="0"/>
-              <a:t>{Advancing Team 2}</a:t>
-            </a:r>
-          </a:p>
-          <a:p>
-            <a:pPr marL="0" indent="0" algn="ctr">
-              <a:spcBef>
-                <a:spcPts val="0"/>
-              </a:spcBef>
-              <a:buSzPts val="2000"/>
-            </a:pPr>
-            <a:r>
-              <a:rPr lang="en-US" sz="4100" b="1" dirty="0"/>
-              <a:t>{Advancing Team 3}</a:t>
-            </a:r>
-          </a:p>
-          <a:p>
-            <a:pPr marL="0" indent="0" algn="ctr">
-              <a:spcBef>
-                <a:spcPts val="0"/>
-              </a:spcBef>
-              <a:buSzPts val="2000"/>
-            </a:pPr>
-            <a:r>
-              <a:rPr lang="en-US" sz="4100" b="1" dirty="0"/>
-              <a:t>{Advancing Team 4}</a:t>
-            </a:r>
-          </a:p>
-          <a:p>
-            <a:pPr marL="0" indent="0" algn="ctr">
-              <a:spcBef>
-                <a:spcPts val="0"/>
-              </a:spcBef>
-              <a:buSzPts val="2000"/>
-            </a:pPr>
-            <a:r>
-              <a:rPr lang="en-US" sz="4100" b="1" dirty="0"/>
-              <a:t>{Advancing Team 5}</a:t>
-            </a:r>
-          </a:p>
-          <a:p>
-            <a:pPr marL="0" indent="0" algn="ctr">
-              <a:spcBef>
-                <a:spcPts val="0"/>
-              </a:spcBef>
-              <a:buSzPts val="2000"/>
-            </a:pPr>
-            <a:r>
-              <a:rPr lang="en-US" sz="4100" b="1" dirty="0"/>
-              <a:t>{Advancing Team 6}</a:t>
-            </a:r>
-          </a:p>
-          <a:p>
-            <a:pPr marL="0" indent="0" algn="ctr">
-              <a:spcBef>
-                <a:spcPts val="0"/>
-              </a:spcBef>
-              <a:buSzPts val="2000"/>
-            </a:pPr>
-            <a:r>
-              <a:rPr lang="en-US" sz="4100" b="1" dirty="0"/>
-              <a:t>{Advancing Team 7}</a:t>
-            </a:r>
-          </a:p>
-          <a:p>
-            <a:pPr marL="0" lvl="0" indent="0" algn="l" rtl="0">
-              <a:lnSpc>
-                <a:spcPct val="100000"/>
-              </a:lnSpc>
-              <a:spcBef>
-                <a:spcPts val="0"/>
-              </a:spcBef>
-              <a:spcAft>
-                <a:spcPts val="0"/>
-              </a:spcAft>
-              <a:buClr>
-                <a:srgbClr val="000000"/>
-              </a:buClr>
-              <a:buSzPts val="2000"/>
-              <a:buFont typeface="Roboto"/>
-              <a:buNone/>
-            </a:pPr>
-            <a:endParaRPr dirty="0"/>
+            <a:endParaRPr sz="3600" b="1" dirty="0"/>
           </a:p>
         </p:txBody>
       </p:sp>
@@ -13574,7 +14165,7 @@
   <p:cSld>
     <p:spTree>
       <p:nvGrpSpPr>
-        <p:cNvPr id="1" name="Shape 297"/>
+        <p:cNvPr id="1" name="Shape 221"/>
         <p:cNvGrpSpPr/>
         <p:nvPr/>
       </p:nvGrpSpPr>
@@ -13588,7 +14179,7 @@
       </p:grpSpPr>
       <p:sp>
         <p:nvSpPr>
-          <p:cNvPr id="298" name="Google Shape;298;p59"/>
+          <p:cNvPr id="222" name="Google Shape;222;p42"/>
           <p:cNvSpPr txBox="1">
             <a:spLocks noGrp="1"/>
           </p:cNvSpPr>
@@ -13598,8 +14189,132 @@
         </p:nvSpPr>
         <p:spPr>
           <a:xfrm>
-            <a:off x="457198" y="398044"/>
-            <a:ext cx="8289236" cy="609601"/>
+            <a:off x="318850" y="1316075"/>
+            <a:ext cx="8601600" cy="609600"/>
+          </a:xfrm>
+          <a:prstGeom prst="rect">
+            <a:avLst/>
+          </a:prstGeom>
+          <a:solidFill>
+            <a:schemeClr val="lt1"/>
+          </a:solidFill>
+          <a:ln>
+            <a:noFill/>
+          </a:ln>
+        </p:spPr>
+        <p:txBody>
+          <a:bodyPr spcFirstLastPara="1" wrap="square" lIns="0" tIns="0" rIns="0" bIns="0" anchor="ctr" anchorCtr="0">
+            <a:noAutofit/>
+          </a:bodyPr>
+          <a:lstStyle/>
+          <a:p>
+            <a:pPr marL="0" lvl="0" indent="0" algn="ctr" rtl="0">
+              <a:lnSpc>
+                <a:spcPct val="100000"/>
+              </a:lnSpc>
+              <a:spcBef>
+                <a:spcPts val="0"/>
+              </a:spcBef>
+              <a:spcAft>
+                <a:spcPts val="0"/>
+              </a:spcAft>
+              <a:buClr>
+                <a:srgbClr val="000000"/>
+              </a:buClr>
+              <a:buSzPts val="2160"/>
+              <a:buFont typeface="Roboto"/>
+              <a:buNone/>
+            </a:pPr>
+            <a:r>
+              <a:rPr lang="en" sz="2360" dirty="0">
+                <a:highlight>
+                  <a:schemeClr val="lt1"/>
+                </a:highlight>
+              </a:rPr>
+              <a:t>5 Teams will receive bids to advance to the Northeast Florida Regional Championship on January 17</a:t>
+            </a:r>
+            <a:r>
+              <a:rPr lang="en" sz="2360" baseline="30000" dirty="0">
+                <a:highlight>
+                  <a:schemeClr val="lt1"/>
+                </a:highlight>
+              </a:rPr>
+              <a:t>th</a:t>
+            </a:r>
+            <a:r>
+              <a:rPr lang="en" sz="2360" dirty="0">
+                <a:highlight>
+                  <a:schemeClr val="lt1"/>
+                </a:highlight>
+              </a:rPr>
+              <a:t> &amp; 18</a:t>
+            </a:r>
+            <a:r>
+              <a:rPr lang="en" sz="2360" baseline="30000" dirty="0">
+                <a:highlight>
+                  <a:schemeClr val="lt1"/>
+                </a:highlight>
+              </a:rPr>
+              <a:t>th</a:t>
+            </a:r>
+            <a:r>
+              <a:rPr lang="en" sz="2360" dirty="0">
+                <a:highlight>
+                  <a:schemeClr val="lt1"/>
+                </a:highlight>
+              </a:rPr>
+              <a:t> 2025 TODAY!</a:t>
+            </a:r>
+            <a:endParaRPr sz="2360" dirty="0">
+              <a:highlight>
+                <a:schemeClr val="lt1"/>
+              </a:highlight>
+            </a:endParaRPr>
+          </a:p>
+        </p:txBody>
+      </p:sp>
+      <p:pic>
+        <p:nvPicPr>
+          <p:cNvPr id="224" name="Google Shape;224;p42"/>
+          <p:cNvPicPr preferRelativeResize="0"/>
+          <p:nvPr/>
+        </p:nvPicPr>
+        <p:blipFill>
+          <a:blip r:embed="rId3">
+            <a:alphaModFix/>
+          </a:blip>
+          <a:stretch>
+            <a:fillRect/>
+          </a:stretch>
+        </p:blipFill>
+        <p:spPr>
+          <a:xfrm>
+            <a:off x="188650" y="-429825"/>
+            <a:ext cx="2066600" cy="2066600"/>
+          </a:xfrm>
+          <a:prstGeom prst="rect">
+            <a:avLst/>
+          </a:prstGeom>
+          <a:noFill/>
+          <a:ln>
+            <a:noFill/>
+          </a:ln>
+        </p:spPr>
+      </p:pic>
+      <p:sp>
+        <p:nvSpPr>
+          <p:cNvPr id="225" name="Google Shape;225;p42"/>
+          <p:cNvSpPr txBox="1">
+            <a:spLocks noGrp="1"/>
+          </p:cNvSpPr>
+          <p:nvPr>
+            <p:ph type="title"/>
+          </p:nvPr>
+        </p:nvSpPr>
+        <p:spPr>
+          <a:xfrm>
+            <a:off x="2255251" y="251850"/>
+            <a:ext cx="6537000" cy="609600"/>
           </a:xfrm>
           <a:prstGeom prst="rect">
             <a:avLst/>
@@ -13615,10 +14330,379 @@
           </a:bodyPr>
           <a:lstStyle/>
           <a:p>
+            <a:pPr marL="0" lvl="0" indent="0" algn="ctr" rtl="0">
+              <a:lnSpc>
+                <a:spcPct val="100000"/>
+              </a:lnSpc>
+              <a:spcBef>
+                <a:spcPts val="0"/>
+              </a:spcBef>
+              <a:spcAft>
+                <a:spcPts val="0"/>
+              </a:spcAft>
+              <a:buClr>
+                <a:srgbClr val="000000"/>
+              </a:buClr>
+              <a:buSzPts val="3600"/>
+              <a:buFont typeface="Roboto"/>
+              <a:buNone/>
+            </a:pPr>
+            <a:r>
+              <a:rPr lang="en" sz="3600"/>
+              <a:t>Team ADVANCEMENTS</a:t>
+            </a:r>
+            <a:endParaRPr sz="3600"/>
+          </a:p>
+        </p:txBody>
+      </p:sp>
+      <p:sp>
+        <p:nvSpPr>
+          <p:cNvPr id="226" name="Google Shape;226;p42"/>
+          <p:cNvSpPr txBox="1">
+            <a:spLocks noGrp="1"/>
+          </p:cNvSpPr>
+          <p:nvPr>
+            <p:ph type="title"/>
+          </p:nvPr>
+        </p:nvSpPr>
+        <p:spPr>
+          <a:xfrm>
+            <a:off x="142500" y="2380300"/>
+            <a:ext cx="8859000" cy="1709100"/>
+          </a:xfrm>
+          <a:prstGeom prst="rect">
+            <a:avLst/>
+          </a:prstGeom>
+          <a:solidFill>
+            <a:schemeClr val="lt1"/>
+          </a:solidFill>
+          <a:ln>
+            <a:noFill/>
+          </a:ln>
+        </p:spPr>
+        <p:txBody>
+          <a:bodyPr spcFirstLastPara="1" wrap="square" lIns="0" tIns="0" rIns="0" bIns="0" anchor="ctr" anchorCtr="0">
+            <a:noAutofit/>
+          </a:bodyPr>
+          <a:lstStyle/>
+          <a:p>
             <a:pPr marL="0" lvl="0" indent="0" algn="l" rtl="0">
               <a:lnSpc>
                 <a:spcPct val="100000"/>
               </a:lnSpc>
+              <a:spcBef>
+                <a:spcPts val="0"/>
+              </a:spcBef>
+              <a:spcAft>
+                <a:spcPts val="0"/>
+              </a:spcAft>
+              <a:buClr>
+                <a:srgbClr val="000000"/>
+              </a:buClr>
+              <a:buSzPts val="2160"/>
+              <a:buFont typeface="Roboto"/>
+              <a:buNone/>
+            </a:pPr>
+            <a:r>
+              <a:rPr lang="en" sz="1500" dirty="0">
+                <a:highlight>
+                  <a:schemeClr val="lt1"/>
+                </a:highlight>
+              </a:rPr>
+              <a:t>From Regionals, 23 Teams will advance to the FLORIDA STATE CHAMPIONSHIP FEBRUARY 8</a:t>
+            </a:r>
+            <a:r>
+              <a:rPr lang="en" sz="1500" baseline="30000" dirty="0">
+                <a:highlight>
+                  <a:schemeClr val="lt1"/>
+                </a:highlight>
+              </a:rPr>
+              <a:t>TH</a:t>
+            </a:r>
+            <a:r>
+              <a:rPr lang="en" sz="1500" dirty="0">
+                <a:highlight>
+                  <a:schemeClr val="lt1"/>
+                </a:highlight>
+              </a:rPr>
+              <a:t> 2025</a:t>
+            </a:r>
+            <a:endParaRPr sz="1500" dirty="0">
+              <a:highlight>
+                <a:schemeClr val="lt1"/>
+              </a:highlight>
+            </a:endParaRPr>
+          </a:p>
+          <a:p>
+            <a:pPr marL="0" lvl="0" indent="0" algn="l" rtl="0">
+              <a:spcBef>
+                <a:spcPts val="0"/>
+              </a:spcBef>
+              <a:spcAft>
+                <a:spcPts val="0"/>
+              </a:spcAft>
+              <a:buClr>
+                <a:schemeClr val="dk1"/>
+              </a:buClr>
+              <a:buSzPts val="2160"/>
+              <a:buFont typeface="Roboto"/>
+              <a:buNone/>
+            </a:pPr>
+            <a:endParaRPr sz="1500" dirty="0">
+              <a:solidFill>
+                <a:schemeClr val="dk1"/>
+              </a:solidFill>
+              <a:highlight>
+                <a:schemeClr val="lt1"/>
+              </a:highlight>
+              <a:latin typeface="Roboto Condensed"/>
+              <a:ea typeface="Roboto Condensed"/>
+              <a:cs typeface="Roboto Condensed"/>
+              <a:sym typeface="Roboto Condensed"/>
+            </a:endParaRPr>
+          </a:p>
+          <a:p>
+            <a:pPr marL="0" lvl="0" indent="0" algn="l" rtl="0">
+              <a:spcBef>
+                <a:spcPts val="0"/>
+              </a:spcBef>
+              <a:spcAft>
+                <a:spcPts val="0"/>
+              </a:spcAft>
+              <a:buClr>
+                <a:schemeClr val="dk1"/>
+              </a:buClr>
+              <a:buSzPts val="2160"/>
+              <a:buFont typeface="Roboto"/>
+              <a:buNone/>
+            </a:pPr>
+            <a:r>
+              <a:rPr lang="en" sz="1500" dirty="0">
+                <a:solidFill>
+                  <a:schemeClr val="dk1"/>
+                </a:solidFill>
+                <a:highlight>
+                  <a:schemeClr val="lt1"/>
+                </a:highlight>
+                <a:latin typeface="Roboto Condensed"/>
+                <a:ea typeface="Roboto Condensed"/>
+                <a:cs typeface="Roboto Condensed"/>
+                <a:sym typeface="Roboto Condensed"/>
+              </a:rPr>
+              <a:t>From the Florida State Championship:</a:t>
+            </a:r>
+            <a:endParaRPr sz="1500" dirty="0">
+              <a:solidFill>
+                <a:schemeClr val="dk1"/>
+              </a:solidFill>
+              <a:highlight>
+                <a:schemeClr val="lt1"/>
+              </a:highlight>
+              <a:latin typeface="Roboto Condensed"/>
+              <a:ea typeface="Roboto Condensed"/>
+              <a:cs typeface="Roboto Condensed"/>
+              <a:sym typeface="Roboto Condensed"/>
+            </a:endParaRPr>
+          </a:p>
+          <a:p>
+            <a:pPr marL="285750" lvl="0" indent="-285750" algn="l" rtl="0">
+              <a:spcBef>
+                <a:spcPts val="0"/>
+              </a:spcBef>
+              <a:spcAft>
+                <a:spcPts val="0"/>
+              </a:spcAft>
+              <a:buClr>
+                <a:schemeClr val="dk1"/>
+              </a:buClr>
+              <a:buSzPts val="2160"/>
+              <a:buFont typeface="Arial" panose="020B0604020202020204" pitchFamily="34" charset="0"/>
+              <a:buChar char="•"/>
+            </a:pPr>
+            <a:r>
+              <a:rPr lang="en" sz="1500" dirty="0">
+                <a:solidFill>
+                  <a:schemeClr val="dk1"/>
+                </a:solidFill>
+                <a:highlight>
+                  <a:schemeClr val="lt1"/>
+                </a:highlight>
+                <a:latin typeface="Roboto Condensed"/>
+                <a:ea typeface="Roboto Condensed"/>
+                <a:cs typeface="Roboto Condensed"/>
+                <a:sym typeface="Roboto Condensed"/>
+              </a:rPr>
+              <a:t>2 Teams will advance to World Festival in Houston April 16th - 19th 2025</a:t>
+            </a:r>
+            <a:endParaRPr sz="1500" dirty="0">
+              <a:solidFill>
+                <a:schemeClr val="dk1"/>
+              </a:solidFill>
+              <a:highlight>
+                <a:schemeClr val="lt1"/>
+              </a:highlight>
+              <a:latin typeface="Roboto Condensed"/>
+              <a:ea typeface="Roboto Condensed"/>
+              <a:cs typeface="Roboto Condensed"/>
+              <a:sym typeface="Roboto Condensed"/>
+            </a:endParaRPr>
+          </a:p>
+          <a:p>
+            <a:pPr marL="285750" lvl="0" indent="-285750" algn="l" rtl="0">
+              <a:spcBef>
+                <a:spcPts val="0"/>
+              </a:spcBef>
+              <a:spcAft>
+                <a:spcPts val="0"/>
+              </a:spcAft>
+              <a:buClr>
+                <a:schemeClr val="dk1"/>
+              </a:buClr>
+              <a:buSzPts val="2160"/>
+              <a:buFont typeface="Arial" panose="020B0604020202020204" pitchFamily="34" charset="0"/>
+              <a:buChar char="•"/>
+            </a:pPr>
+            <a:r>
+              <a:rPr lang="en" sz="1500" dirty="0">
+                <a:solidFill>
+                  <a:schemeClr val="dk1"/>
+                </a:solidFill>
+                <a:highlight>
+                  <a:schemeClr val="lt1"/>
+                </a:highlight>
+                <a:latin typeface="Roboto Condensed"/>
+                <a:ea typeface="Roboto Condensed"/>
+                <a:cs typeface="Roboto Condensed"/>
+                <a:sym typeface="Roboto Condensed"/>
+              </a:rPr>
+              <a:t>1 Team will advance to the Open Africa Championship in South Africa May 7 - 9 2025</a:t>
+            </a:r>
+            <a:endParaRPr sz="1500" dirty="0">
+              <a:solidFill>
+                <a:schemeClr val="dk1"/>
+              </a:solidFill>
+              <a:highlight>
+                <a:schemeClr val="lt1"/>
+              </a:highlight>
+              <a:latin typeface="Roboto Condensed"/>
+              <a:ea typeface="Roboto Condensed"/>
+              <a:cs typeface="Roboto Condensed"/>
+              <a:sym typeface="Roboto Condensed"/>
+            </a:endParaRPr>
+          </a:p>
+          <a:p>
+            <a:pPr marL="285750" lvl="0" indent="-285750" algn="l" rtl="0">
+              <a:spcBef>
+                <a:spcPts val="0"/>
+              </a:spcBef>
+              <a:spcAft>
+                <a:spcPts val="0"/>
+              </a:spcAft>
+              <a:buClr>
+                <a:schemeClr val="dk1"/>
+              </a:buClr>
+              <a:buSzPts val="2160"/>
+              <a:buFont typeface="Arial" panose="020B0604020202020204" pitchFamily="34" charset="0"/>
+              <a:buChar char="•"/>
+            </a:pPr>
+            <a:r>
+              <a:rPr lang="en" sz="1500" dirty="0">
+                <a:solidFill>
+                  <a:schemeClr val="dk1"/>
+                </a:solidFill>
+                <a:highlight>
+                  <a:schemeClr val="lt1"/>
+                </a:highlight>
+                <a:latin typeface="Roboto Condensed"/>
+                <a:ea typeface="Roboto Condensed"/>
+                <a:cs typeface="Roboto Condensed"/>
+                <a:sym typeface="Roboto Condensed"/>
+              </a:rPr>
+              <a:t>1 Team will advance to Western Edge Open in California May 30 - June 1 205</a:t>
+            </a:r>
+            <a:endParaRPr sz="1500" dirty="0">
+              <a:solidFill>
+                <a:schemeClr val="dk1"/>
+              </a:solidFill>
+              <a:highlight>
+                <a:schemeClr val="lt1"/>
+              </a:highlight>
+              <a:latin typeface="Roboto Condensed"/>
+              <a:ea typeface="Roboto Condensed"/>
+              <a:cs typeface="Roboto Condensed"/>
+              <a:sym typeface="Roboto Condensed"/>
+            </a:endParaRPr>
+          </a:p>
+          <a:p>
+            <a:pPr marL="285750" lvl="0" indent="-285750" algn="l" rtl="0">
+              <a:spcBef>
+                <a:spcPts val="0"/>
+              </a:spcBef>
+              <a:spcAft>
+                <a:spcPts val="0"/>
+              </a:spcAft>
+              <a:buClr>
+                <a:schemeClr val="dk1"/>
+              </a:buClr>
+              <a:buSzPts val="2160"/>
+              <a:buFont typeface="Arial" panose="020B0604020202020204" pitchFamily="34" charset="0"/>
+              <a:buChar char="•"/>
+            </a:pPr>
+            <a:r>
+              <a:rPr lang="en" sz="1500" dirty="0">
+                <a:solidFill>
+                  <a:schemeClr val="dk1"/>
+                </a:solidFill>
+                <a:highlight>
+                  <a:schemeClr val="lt1"/>
+                </a:highlight>
+                <a:latin typeface="Roboto Condensed"/>
+                <a:ea typeface="Roboto Condensed"/>
+                <a:cs typeface="Roboto Condensed"/>
+                <a:sym typeface="Roboto Condensed"/>
+              </a:rPr>
+              <a:t>5 Teams will advance to Florida Sunshine Invitiational in Daytona FL (1 guaranteed NEFL bid) June 24-28 2025</a:t>
+            </a:r>
+            <a:endParaRPr sz="1500" dirty="0">
+              <a:solidFill>
+                <a:schemeClr val="dk1"/>
+              </a:solidFill>
+              <a:highlight>
+                <a:schemeClr val="lt1"/>
+              </a:highlight>
+              <a:latin typeface="Roboto Condensed"/>
+              <a:ea typeface="Roboto Condensed"/>
+              <a:cs typeface="Roboto Condensed"/>
+              <a:sym typeface="Roboto Condensed"/>
+            </a:endParaRPr>
+          </a:p>
+          <a:p>
+            <a:pPr marL="0" lvl="0" indent="0" algn="l" rtl="0">
+              <a:spcBef>
+                <a:spcPts val="0"/>
+              </a:spcBef>
+              <a:spcAft>
+                <a:spcPts val="0"/>
+              </a:spcAft>
+              <a:buClr>
+                <a:schemeClr val="dk1"/>
+              </a:buClr>
+              <a:buSzPts val="2160"/>
+              <a:buFont typeface="Roboto"/>
+              <a:buNone/>
+            </a:pPr>
+            <a:endParaRPr sz="1500" b="0" dirty="0">
+              <a:highlight>
+                <a:schemeClr val="lt1"/>
+              </a:highlight>
+              <a:latin typeface="Arial"/>
+              <a:ea typeface="Arial"/>
+              <a:cs typeface="Arial"/>
+              <a:sym typeface="Arial"/>
+            </a:endParaRPr>
+          </a:p>
+          <a:p>
+            <a:pPr marL="0" lvl="0" indent="0" algn="ctr" rtl="0">
               <a:spcBef>
                 <a:spcPts val="0"/>
               </a:spcBef>
@@ -13632,28 +14716,52 @@
               <a:buFont typeface="Roboto"/>
               <a:buNone/>
             </a:pPr>
-            <a:r>
-              <a:rPr lang="en"/>
-              <a:t>Collect your rubrics!</a:t>
-            </a:r>
-            <a:endParaRPr/>
+            <a:endParaRPr sz="1400" b="0" dirty="0">
+              <a:highlight>
+                <a:schemeClr val="lt1"/>
+              </a:highlight>
+              <a:latin typeface="Arial"/>
+              <a:ea typeface="Arial"/>
+              <a:cs typeface="Arial"/>
+              <a:sym typeface="Arial"/>
+            </a:endParaRPr>
+          </a:p>
+          <a:p>
+            <a:pPr marL="0" lvl="0" indent="0" algn="ctr" rtl="0">
+              <a:lnSpc>
+                <a:spcPct val="100000"/>
+              </a:lnSpc>
+              <a:spcBef>
+                <a:spcPts val="0"/>
+              </a:spcBef>
+              <a:spcAft>
+                <a:spcPts val="0"/>
+              </a:spcAft>
+              <a:buClr>
+                <a:srgbClr val="000000"/>
+              </a:buClr>
+              <a:buSzPts val="2160"/>
+              <a:buFont typeface="Roboto"/>
+              <a:buNone/>
+            </a:pPr>
+            <a:endParaRPr sz="1400" dirty="0">
+              <a:highlight>
+                <a:schemeClr val="lt1"/>
+              </a:highlight>
+            </a:endParaRPr>
           </a:p>
         </p:txBody>
       </p:sp>
       <p:sp>
         <p:nvSpPr>
-          <p:cNvPr id="299" name="Google Shape;299;p59"/>
-          <p:cNvSpPr txBox="1">
-            <a:spLocks noGrp="1"/>
-          </p:cNvSpPr>
-          <p:nvPr>
-            <p:ph type="body" idx="1"/>
-          </p:nvPr>
-        </p:nvSpPr>
-        <p:spPr>
-          <a:xfrm>
-            <a:off x="457198" y="1143000"/>
-            <a:ext cx="8289237" cy="2419398"/>
+          <p:cNvPr id="227" name="Google Shape;227;p42"/>
+          <p:cNvSpPr txBox="1"/>
+          <p:nvPr/>
+        </p:nvSpPr>
+        <p:spPr>
+          <a:xfrm>
+            <a:off x="501100" y="3825300"/>
+            <a:ext cx="8237100" cy="390000"/>
           </a:xfrm>
           <a:prstGeom prst="rect">
             <a:avLst/>
@@ -13664,68 +14772,40 @@
           </a:ln>
         </p:spPr>
         <p:txBody>
-          <a:bodyPr spcFirstLastPara="1" wrap="square" lIns="45700" tIns="45700" rIns="45700" bIns="45700" anchor="t" anchorCtr="0">
-            <a:normAutofit/>
+          <a:bodyPr spcFirstLastPara="1" wrap="square" lIns="91425" tIns="91425" rIns="91425" bIns="91425" anchor="t" anchorCtr="0">
+            <a:noAutofit/>
           </a:bodyPr>
           <a:lstStyle/>
           <a:p>
-            <a:pPr marL="0" lvl="0" indent="0" algn="l" rtl="0">
-              <a:lnSpc>
-                <a:spcPct val="100000"/>
-              </a:lnSpc>
-              <a:spcBef>
-                <a:spcPts val="0"/>
-              </a:spcBef>
-              <a:spcAft>
-                <a:spcPts val="0"/>
-              </a:spcAft>
-              <a:buClr>
-                <a:srgbClr val="000000"/>
-              </a:buClr>
-              <a:buSzPts val="2000"/>
-              <a:buFont typeface="Roboto"/>
+            <a:pPr marL="0" lvl="0" indent="0" algn="ctr" rtl="0">
+              <a:spcBef>
+                <a:spcPts val="0"/>
+              </a:spcBef>
+              <a:spcAft>
+                <a:spcPts val="0"/>
+              </a:spcAft>
               <a:buNone/>
             </a:pPr>
             <a:r>
-              <a:rPr lang="en">
-                <a:highlight>
-                  <a:srgbClr val="FFFF00"/>
-                </a:highlight>
+              <a:rPr lang="en" sz="2000">
+                <a:solidFill>
+                  <a:srgbClr val="4A86E8"/>
+                </a:solidFill>
+                <a:latin typeface="Roboto"/>
+                <a:ea typeface="Roboto"/>
+                <a:cs typeface="Roboto"/>
+                <a:sym typeface="Roboto"/>
               </a:rPr>
-              <a:t>Pick them up at: Location</a:t>
+              <a:t>One alternative bid will be given out today.</a:t>
             </a:r>
-            <a:endParaRPr/>
-          </a:p>
-          <a:p>
-            <a:pPr marL="0" lvl="0" indent="0" algn="l" rtl="0">
-              <a:lnSpc>
-                <a:spcPct val="100000"/>
-              </a:lnSpc>
-              <a:spcBef>
-                <a:spcPts val="600"/>
-              </a:spcBef>
-              <a:spcAft>
-                <a:spcPts val="0"/>
-              </a:spcAft>
-              <a:buClr>
-                <a:srgbClr val="000000"/>
-              </a:buClr>
-              <a:buSzPts val="2000"/>
-              <a:buFont typeface="Roboto"/>
-              <a:buNone/>
-            </a:pPr>
-            <a:r>
-              <a:rPr lang="en">
-                <a:highlight>
-                  <a:srgbClr val="FFFF00"/>
-                </a:highlight>
-              </a:rPr>
-              <a:t>Add any additional instructions here.</a:t>
-            </a:r>
-            <a:endParaRPr>
-              <a:highlight>
-                <a:srgbClr val="FFFF00"/>
-              </a:highlight>
+            <a:endParaRPr sz="2000">
+              <a:solidFill>
+                <a:srgbClr val="4A86E8"/>
+              </a:solidFill>
+              <a:latin typeface="Roboto"/>
+              <a:ea typeface="Roboto"/>
+              <a:cs typeface="Roboto"/>
+              <a:sym typeface="Roboto"/>
             </a:endParaRPr>
           </a:p>
         </p:txBody>
@@ -13743,7 +14823,7 @@
   <p:cSld>
     <p:spTree>
       <p:nvGrpSpPr>
-        <p:cNvPr id="1" name="Shape 303"/>
+        <p:cNvPr id="1" name="Shape 231"/>
         <p:cNvGrpSpPr/>
         <p:nvPr/>
       </p:nvGrpSpPr>
@@ -13757,7 +14837,7 @@
       </p:grpSpPr>
       <p:sp>
         <p:nvSpPr>
-          <p:cNvPr id="304" name="Google Shape;304;p60"/>
+          <p:cNvPr id="232" name="Google Shape;232;p43"/>
           <p:cNvSpPr txBox="1">
             <a:spLocks noGrp="1"/>
           </p:cNvSpPr>
@@ -13767,8 +14847,749 @@
         </p:nvSpPr>
         <p:spPr>
           <a:xfrm>
-            <a:off x="341610" y="1917424"/>
-            <a:ext cx="8460778" cy="654326"/>
+            <a:off x="457198" y="398044"/>
+            <a:ext cx="8289300" cy="609600"/>
+          </a:xfrm>
+          <a:prstGeom prst="rect">
+            <a:avLst/>
+          </a:prstGeom>
+          <a:solidFill>
+            <a:schemeClr val="lt1"/>
+          </a:solidFill>
+          <a:ln>
+            <a:noFill/>
+          </a:ln>
+        </p:spPr>
+        <p:txBody>
+          <a:bodyPr spcFirstLastPara="1" wrap="square" lIns="0" tIns="0" rIns="0" bIns="0" anchor="ctr" anchorCtr="0">
+            <a:normAutofit fontScale="90000"/>
+          </a:bodyPr>
+          <a:lstStyle/>
+          <a:p>
+            <a:pPr marL="0" lvl="0" indent="0" algn="l" rtl="0">
+              <a:lnSpc>
+                <a:spcPct val="100000"/>
+              </a:lnSpc>
+              <a:spcBef>
+                <a:spcPts val="0"/>
+              </a:spcBef>
+              <a:spcAft>
+                <a:spcPts val="0"/>
+              </a:spcAft>
+              <a:buClr>
+                <a:srgbClr val="000000"/>
+              </a:buClr>
+              <a:buSzPct val="100000"/>
+              <a:buFont typeface="Roboto"/>
+              <a:buNone/>
+            </a:pPr>
+            <a:r>
+              <a:rPr lang="en">
+                <a:highlight>
+                  <a:schemeClr val="lt1"/>
+                </a:highlight>
+              </a:rPr>
+              <a:t>Teams advancing to the Northeast Florida Regional Championship</a:t>
+            </a:r>
+            <a:endParaRPr>
+              <a:highlight>
+                <a:schemeClr val="lt1"/>
+              </a:highlight>
+            </a:endParaRPr>
+          </a:p>
+        </p:txBody>
+      </p:sp>
+      <p:sp>
+        <p:nvSpPr>
+          <p:cNvPr id="233" name="Google Shape;233;p43"/>
+          <p:cNvSpPr txBox="1">
+            <a:spLocks noGrp="1"/>
+          </p:cNvSpPr>
+          <p:nvPr>
+            <p:ph type="body" idx="1"/>
+          </p:nvPr>
+        </p:nvSpPr>
+        <p:spPr>
+          <a:xfrm>
+            <a:off x="2406449" y="1155575"/>
+            <a:ext cx="3345000" cy="537900"/>
+          </a:xfrm>
+          <a:prstGeom prst="rect">
+            <a:avLst/>
+          </a:prstGeom>
+          <a:noFill/>
+          <a:ln>
+            <a:noFill/>
+          </a:ln>
+        </p:spPr>
+        <p:txBody>
+          <a:bodyPr spcFirstLastPara="1" wrap="square" lIns="45700" tIns="45700" rIns="45700" bIns="45700" anchor="t" anchorCtr="0">
+            <a:normAutofit/>
+          </a:bodyPr>
+          <a:lstStyle/>
+          <a:p>
+            <a:pPr marL="0" lvl="0" indent="0" algn="l" rtl="0">
+              <a:lnSpc>
+                <a:spcPct val="100000"/>
+              </a:lnSpc>
+              <a:spcBef>
+                <a:spcPts val="0"/>
+              </a:spcBef>
+              <a:spcAft>
+                <a:spcPts val="0"/>
+              </a:spcAft>
+              <a:buClr>
+                <a:srgbClr val="000000"/>
+              </a:buClr>
+              <a:buSzPts val="2000"/>
+              <a:buFont typeface="Roboto"/>
+              <a:buNone/>
+            </a:pPr>
+            <a:r>
+              <a:rPr lang="en" b="1">
+                <a:highlight>
+                  <a:schemeClr val="lt1"/>
+                </a:highlight>
+              </a:rPr>
+              <a:t>Congratulations to teams:</a:t>
+            </a:r>
+            <a:endParaRPr b="1">
+              <a:highlight>
+                <a:schemeClr val="lt1"/>
+              </a:highlight>
+            </a:endParaRPr>
+          </a:p>
+        </p:txBody>
+      </p:sp>
+      <p:pic>
+        <p:nvPicPr>
+          <p:cNvPr id="235" name="Google Shape;235;p43"/>
+          <p:cNvPicPr preferRelativeResize="0"/>
+          <p:nvPr/>
+        </p:nvPicPr>
+        <p:blipFill>
+          <a:blip r:embed="rId3">
+            <a:alphaModFix/>
+          </a:blip>
+          <a:stretch>
+            <a:fillRect/>
+          </a:stretch>
+        </p:blipFill>
+        <p:spPr>
+          <a:xfrm>
+            <a:off x="201225" y="829750"/>
+            <a:ext cx="2396925" cy="2396925"/>
+          </a:xfrm>
+          <a:prstGeom prst="rect">
+            <a:avLst/>
+          </a:prstGeom>
+          <a:noFill/>
+          <a:ln>
+            <a:noFill/>
+          </a:ln>
+        </p:spPr>
+      </p:pic>
+      <p:sp>
+        <p:nvSpPr>
+          <p:cNvPr id="236" name="Google Shape;236;p43"/>
+          <p:cNvSpPr txBox="1"/>
+          <p:nvPr/>
+        </p:nvSpPr>
+        <p:spPr>
+          <a:xfrm rot="-606317">
+            <a:off x="733611" y="2801255"/>
+            <a:ext cx="2087686" cy="779793"/>
+          </a:xfrm>
+          <a:prstGeom prst="rect">
+            <a:avLst/>
+          </a:prstGeom>
+          <a:noFill/>
+          <a:ln>
+            <a:noFill/>
+          </a:ln>
+        </p:spPr>
+        <p:txBody>
+          <a:bodyPr spcFirstLastPara="1" wrap="square" lIns="91425" tIns="91425" rIns="91425" bIns="91425" anchor="t" anchorCtr="0">
+            <a:noAutofit/>
+          </a:bodyPr>
+          <a:lstStyle/>
+          <a:p>
+            <a:pPr marL="0" lvl="0" indent="0" algn="ctr" rtl="0">
+              <a:lnSpc>
+                <a:spcPct val="100000"/>
+              </a:lnSpc>
+              <a:spcBef>
+                <a:spcPts val="0"/>
+              </a:spcBef>
+              <a:spcAft>
+                <a:spcPts val="0"/>
+              </a:spcAft>
+              <a:buClr>
+                <a:srgbClr val="000000"/>
+              </a:buClr>
+              <a:buSzPts val="2000"/>
+              <a:buFont typeface="Roboto"/>
+              <a:buNone/>
+            </a:pPr>
+            <a:r>
+              <a:rPr lang="en" sz="2000" b="1" dirty="0"/>
+              <a:t>{Advancing Team 3}</a:t>
+            </a:r>
+          </a:p>
+        </p:txBody>
+      </p:sp>
+      <p:sp>
+        <p:nvSpPr>
+          <p:cNvPr id="237" name="Google Shape;237;p43"/>
+          <p:cNvSpPr txBox="1"/>
+          <p:nvPr/>
+        </p:nvSpPr>
+        <p:spPr>
+          <a:xfrm rot="781787">
+            <a:off x="3231352" y="2244869"/>
+            <a:ext cx="2087753" cy="779678"/>
+          </a:xfrm>
+          <a:prstGeom prst="rect">
+            <a:avLst/>
+          </a:prstGeom>
+          <a:noFill/>
+          <a:ln>
+            <a:noFill/>
+          </a:ln>
+        </p:spPr>
+        <p:txBody>
+          <a:bodyPr spcFirstLastPara="1" wrap="square" lIns="91425" tIns="91425" rIns="91425" bIns="91425" anchor="t" anchorCtr="0">
+            <a:noAutofit/>
+          </a:bodyPr>
+          <a:lstStyle/>
+          <a:p>
+            <a:pPr marL="0" lvl="0" indent="0" algn="ctr" rtl="0">
+              <a:lnSpc>
+                <a:spcPct val="100000"/>
+              </a:lnSpc>
+              <a:spcBef>
+                <a:spcPts val="0"/>
+              </a:spcBef>
+              <a:spcAft>
+                <a:spcPts val="0"/>
+              </a:spcAft>
+              <a:buClr>
+                <a:srgbClr val="000000"/>
+              </a:buClr>
+              <a:buSzPts val="2000"/>
+              <a:buFont typeface="Roboto"/>
+              <a:buNone/>
+            </a:pPr>
+            <a:r>
+              <a:rPr lang="en" sz="2000" b="1" dirty="0"/>
+              <a:t>{Advancing Team 2}</a:t>
+            </a:r>
+          </a:p>
+        </p:txBody>
+      </p:sp>
+      <p:sp>
+        <p:nvSpPr>
+          <p:cNvPr id="238" name="Google Shape;238;p43"/>
+          <p:cNvSpPr txBox="1"/>
+          <p:nvPr/>
+        </p:nvSpPr>
+        <p:spPr>
+          <a:xfrm rot="-322533">
+            <a:off x="5265574" y="1695827"/>
+            <a:ext cx="2087882" cy="779843"/>
+          </a:xfrm>
+          <a:prstGeom prst="rect">
+            <a:avLst/>
+          </a:prstGeom>
+          <a:noFill/>
+          <a:ln>
+            <a:noFill/>
+          </a:ln>
+        </p:spPr>
+        <p:txBody>
+          <a:bodyPr spcFirstLastPara="1" wrap="square" lIns="91425" tIns="91425" rIns="91425" bIns="91425" anchor="t" anchorCtr="0">
+            <a:noAutofit/>
+          </a:bodyPr>
+          <a:lstStyle/>
+          <a:p>
+            <a:pPr marL="0" lvl="0" indent="0" algn="ctr" rtl="0">
+              <a:lnSpc>
+                <a:spcPct val="100000"/>
+              </a:lnSpc>
+              <a:spcBef>
+                <a:spcPts val="0"/>
+              </a:spcBef>
+              <a:spcAft>
+                <a:spcPts val="0"/>
+              </a:spcAft>
+              <a:buClr>
+                <a:srgbClr val="000000"/>
+              </a:buClr>
+              <a:buSzPts val="2000"/>
+              <a:buFont typeface="Roboto"/>
+              <a:buNone/>
+            </a:pPr>
+            <a:r>
+              <a:rPr lang="en" sz="2000" b="1" dirty="0"/>
+              <a:t>{Advancing Team 1}</a:t>
+            </a:r>
+          </a:p>
+        </p:txBody>
+      </p:sp>
+      <p:sp>
+        <p:nvSpPr>
+          <p:cNvPr id="239" name="Google Shape;239;p43"/>
+          <p:cNvSpPr txBox="1"/>
+          <p:nvPr/>
+        </p:nvSpPr>
+        <p:spPr>
+          <a:xfrm>
+            <a:off x="2759774" y="3474078"/>
+            <a:ext cx="2087700" cy="779700"/>
+          </a:xfrm>
+          <a:prstGeom prst="rect">
+            <a:avLst/>
+          </a:prstGeom>
+          <a:noFill/>
+          <a:ln>
+            <a:noFill/>
+          </a:ln>
+        </p:spPr>
+        <p:txBody>
+          <a:bodyPr spcFirstLastPara="1" wrap="square" lIns="91425" tIns="91425" rIns="91425" bIns="91425" anchor="t" anchorCtr="0">
+            <a:noAutofit/>
+          </a:bodyPr>
+          <a:lstStyle/>
+          <a:p>
+            <a:pPr marL="0" lvl="0" indent="0" algn="ctr" rtl="0">
+              <a:lnSpc>
+                <a:spcPct val="100000"/>
+              </a:lnSpc>
+              <a:spcBef>
+                <a:spcPts val="0"/>
+              </a:spcBef>
+              <a:spcAft>
+                <a:spcPts val="0"/>
+              </a:spcAft>
+              <a:buClr>
+                <a:srgbClr val="000000"/>
+              </a:buClr>
+              <a:buSzPts val="2000"/>
+              <a:buFont typeface="Roboto"/>
+              <a:buNone/>
+            </a:pPr>
+            <a:r>
+              <a:rPr lang="en" sz="2000" b="1" dirty="0"/>
+              <a:t>{Advancing Team 4}</a:t>
+            </a:r>
+          </a:p>
+        </p:txBody>
+      </p:sp>
+      <p:sp>
+        <p:nvSpPr>
+          <p:cNvPr id="240" name="Google Shape;240;p43"/>
+          <p:cNvSpPr txBox="1"/>
+          <p:nvPr/>
+        </p:nvSpPr>
+        <p:spPr>
+          <a:xfrm rot="781787">
+            <a:off x="5737989" y="3248794"/>
+            <a:ext cx="2087753" cy="779678"/>
+          </a:xfrm>
+          <a:prstGeom prst="rect">
+            <a:avLst/>
+          </a:prstGeom>
+          <a:noFill/>
+          <a:ln>
+            <a:noFill/>
+          </a:ln>
+        </p:spPr>
+        <p:txBody>
+          <a:bodyPr spcFirstLastPara="1" wrap="square" lIns="91425" tIns="91425" rIns="91425" bIns="91425" anchor="t" anchorCtr="0">
+            <a:noAutofit/>
+          </a:bodyPr>
+          <a:lstStyle/>
+          <a:p>
+            <a:pPr marL="0" lvl="0" indent="0" algn="ctr" rtl="0">
+              <a:lnSpc>
+                <a:spcPct val="100000"/>
+              </a:lnSpc>
+              <a:spcBef>
+                <a:spcPts val="0"/>
+              </a:spcBef>
+              <a:spcAft>
+                <a:spcPts val="0"/>
+              </a:spcAft>
+              <a:buClr>
+                <a:srgbClr val="000000"/>
+              </a:buClr>
+              <a:buSzPts val="2000"/>
+              <a:buFont typeface="Roboto"/>
+              <a:buNone/>
+            </a:pPr>
+            <a:r>
+              <a:rPr lang="en" sz="2000" b="1" dirty="0"/>
+              <a:t>{Advancing Team 5}</a:t>
+            </a:r>
+          </a:p>
+        </p:txBody>
+      </p:sp>
+      <p:sp>
+        <p:nvSpPr>
+          <p:cNvPr id="241" name="Google Shape;241;p43"/>
+          <p:cNvSpPr/>
+          <p:nvPr/>
+        </p:nvSpPr>
+        <p:spPr>
+          <a:xfrm>
+            <a:off x="7348450" y="1228225"/>
+            <a:ext cx="1710300" cy="1656600"/>
+          </a:xfrm>
+          <a:prstGeom prst="ellipse">
+            <a:avLst/>
+          </a:prstGeom>
+          <a:solidFill>
+            <a:srgbClr val="C9DAF8"/>
+          </a:solidFill>
+          <a:ln w="9525" cap="flat" cmpd="sng">
+            <a:solidFill>
+              <a:schemeClr val="dk2"/>
+            </a:solidFill>
+            <a:prstDash val="solid"/>
+            <a:round/>
+            <a:headEnd type="none" w="sm" len="sm"/>
+            <a:tailEnd type="none" w="sm" len="sm"/>
+          </a:ln>
+        </p:spPr>
+        <p:txBody>
+          <a:bodyPr spcFirstLastPara="1" wrap="square" lIns="91425" tIns="91425" rIns="91425" bIns="91425" anchor="ctr" anchorCtr="0">
+            <a:noAutofit/>
+          </a:bodyPr>
+          <a:lstStyle/>
+          <a:p>
+            <a:pPr marL="0" lvl="0" indent="0" algn="ctr" rtl="0">
+              <a:spcBef>
+                <a:spcPts val="0"/>
+              </a:spcBef>
+              <a:spcAft>
+                <a:spcPts val="0"/>
+              </a:spcAft>
+              <a:buNone/>
+            </a:pPr>
+            <a:endParaRPr>
+              <a:latin typeface="Roboto"/>
+              <a:ea typeface="Roboto"/>
+              <a:cs typeface="Roboto"/>
+              <a:sym typeface="Roboto"/>
+            </a:endParaRPr>
+          </a:p>
+        </p:txBody>
+      </p:sp>
+      <p:sp>
+        <p:nvSpPr>
+          <p:cNvPr id="242" name="Google Shape;242;p43"/>
+          <p:cNvSpPr txBox="1"/>
+          <p:nvPr/>
+        </p:nvSpPr>
+        <p:spPr>
+          <a:xfrm>
+            <a:off x="7606300" y="1379150"/>
+            <a:ext cx="1194600" cy="537900"/>
+          </a:xfrm>
+          <a:prstGeom prst="rect">
+            <a:avLst/>
+          </a:prstGeom>
+          <a:noFill/>
+          <a:ln>
+            <a:noFill/>
+          </a:ln>
+        </p:spPr>
+        <p:txBody>
+          <a:bodyPr spcFirstLastPara="1" wrap="square" lIns="91425" tIns="91425" rIns="91425" bIns="91425" anchor="t" anchorCtr="0">
+            <a:noAutofit/>
+          </a:bodyPr>
+          <a:lstStyle/>
+          <a:p>
+            <a:pPr marL="0" lvl="0" indent="0" algn="ctr" rtl="0">
+              <a:spcBef>
+                <a:spcPts val="0"/>
+              </a:spcBef>
+              <a:spcAft>
+                <a:spcPts val="0"/>
+              </a:spcAft>
+              <a:buNone/>
+            </a:pPr>
+            <a:r>
+              <a:rPr lang="en" sz="1300" b="1" dirty="0">
+                <a:latin typeface="Roboto"/>
+                <a:ea typeface="Roboto"/>
+                <a:cs typeface="Roboto"/>
+                <a:sym typeface="Roboto"/>
+              </a:rPr>
+              <a:t>Alternate Bid</a:t>
+            </a:r>
+            <a:endParaRPr sz="1000" b="1" dirty="0">
+              <a:latin typeface="Roboto"/>
+              <a:ea typeface="Roboto"/>
+              <a:cs typeface="Roboto"/>
+              <a:sym typeface="Roboto"/>
+            </a:endParaRPr>
+          </a:p>
+        </p:txBody>
+      </p:sp>
+      <p:sp>
+        <p:nvSpPr>
+          <p:cNvPr id="243" name="Google Shape;243;p43"/>
+          <p:cNvSpPr txBox="1"/>
+          <p:nvPr/>
+        </p:nvSpPr>
+        <p:spPr>
+          <a:xfrm>
+            <a:off x="7486800" y="1857025"/>
+            <a:ext cx="1323300" cy="465300"/>
+          </a:xfrm>
+          <a:prstGeom prst="rect">
+            <a:avLst/>
+          </a:prstGeom>
+          <a:noFill/>
+          <a:ln>
+            <a:noFill/>
+          </a:ln>
+        </p:spPr>
+        <p:txBody>
+          <a:bodyPr spcFirstLastPara="1" wrap="square" lIns="91425" tIns="91425" rIns="91425" bIns="91425" anchor="t" anchorCtr="0">
+            <a:noAutofit/>
+          </a:bodyPr>
+          <a:lstStyle/>
+          <a:p>
+            <a:pPr marL="0" lvl="0" indent="0" algn="ctr" rtl="0">
+              <a:lnSpc>
+                <a:spcPct val="100000"/>
+              </a:lnSpc>
+              <a:spcBef>
+                <a:spcPts val="0"/>
+              </a:spcBef>
+              <a:spcAft>
+                <a:spcPts val="0"/>
+              </a:spcAft>
+              <a:buClr>
+                <a:srgbClr val="000000"/>
+              </a:buClr>
+              <a:buSzPts val="2000"/>
+              <a:buFont typeface="Roboto"/>
+              <a:buNone/>
+            </a:pPr>
+            <a:r>
+              <a:rPr lang="en" sz="1600" b="1" dirty="0"/>
+              <a:t>{Alternate Team}</a:t>
+            </a:r>
+          </a:p>
+        </p:txBody>
+      </p:sp>
+    </p:spTree>
+  </p:cSld>
+  <p:clrMapOvr>
+    <a:masterClrMapping/>
+  </p:clrMapOvr>
+</p:sld>
+</file>
+
+<file path=ppt/slides/slide43.xml><?xml version="1.0" encoding="utf-8"?>
+<p:sld xmlns:a="http://schemas.openxmlformats.org/drawingml/2006/main" xmlns:r="http://schemas.openxmlformats.org/officeDocument/2006/relationships" xmlns:p="http://schemas.openxmlformats.org/presentationml/2006/main">
+  <p:cSld>
+    <p:spTree>
+      <p:nvGrpSpPr>
+        <p:cNvPr id="1" name="Shape 247"/>
+        <p:cNvGrpSpPr/>
+        <p:nvPr/>
+      </p:nvGrpSpPr>
+      <p:grpSpPr>
+        <a:xfrm>
+          <a:off x="0" y="0"/>
+          <a:ext cx="0" cy="0"/>
+          <a:chOff x="0" y="0"/>
+          <a:chExt cx="0" cy="0"/>
+        </a:xfrm>
+      </p:grpSpPr>
+      <p:sp>
+        <p:nvSpPr>
+          <p:cNvPr id="248" name="Google Shape;248;p44"/>
+          <p:cNvSpPr txBox="1">
+            <a:spLocks noGrp="1"/>
+          </p:cNvSpPr>
+          <p:nvPr>
+            <p:ph type="title"/>
+          </p:nvPr>
+        </p:nvSpPr>
+        <p:spPr>
+          <a:xfrm>
+            <a:off x="457198" y="398044"/>
+            <a:ext cx="8289236" cy="609601"/>
+          </a:xfrm>
+          <a:prstGeom prst="rect">
+            <a:avLst/>
+          </a:prstGeom>
+          <a:noFill/>
+          <a:ln>
+            <a:noFill/>
+          </a:ln>
+        </p:spPr>
+        <p:txBody>
+          <a:bodyPr spcFirstLastPara="1" wrap="square" lIns="0" tIns="0" rIns="0" bIns="0" anchor="ctr" anchorCtr="0">
+            <a:normAutofit/>
+          </a:bodyPr>
+          <a:lstStyle/>
+          <a:p>
+            <a:pPr marL="0" lvl="0" indent="0" algn="l" rtl="0">
+              <a:lnSpc>
+                <a:spcPct val="100000"/>
+              </a:lnSpc>
+              <a:spcBef>
+                <a:spcPts val="0"/>
+              </a:spcBef>
+              <a:spcAft>
+                <a:spcPts val="0"/>
+              </a:spcAft>
+              <a:buClr>
+                <a:srgbClr val="000000"/>
+              </a:buClr>
+              <a:buSzPts val="2400"/>
+              <a:buFont typeface="Roboto"/>
+              <a:buNone/>
+            </a:pPr>
+            <a:r>
+              <a:rPr lang="en"/>
+              <a:t>Collect your rubrics!</a:t>
+            </a:r>
+            <a:endParaRPr/>
+          </a:p>
+        </p:txBody>
+      </p:sp>
+      <p:sp>
+        <p:nvSpPr>
+          <p:cNvPr id="249" name="Google Shape;249;p44"/>
+          <p:cNvSpPr txBox="1">
+            <a:spLocks noGrp="1"/>
+          </p:cNvSpPr>
+          <p:nvPr>
+            <p:ph type="body" idx="1"/>
+          </p:nvPr>
+        </p:nvSpPr>
+        <p:spPr>
+          <a:xfrm>
+            <a:off x="457198" y="1143000"/>
+            <a:ext cx="8289237" cy="2419398"/>
+          </a:xfrm>
+          <a:prstGeom prst="rect">
+            <a:avLst/>
+          </a:prstGeom>
+          <a:noFill/>
+          <a:ln>
+            <a:noFill/>
+          </a:ln>
+        </p:spPr>
+        <p:txBody>
+          <a:bodyPr spcFirstLastPara="1" wrap="square" lIns="45700" tIns="45700" rIns="45700" bIns="45700" anchor="t" anchorCtr="0">
+            <a:normAutofit/>
+          </a:bodyPr>
+          <a:lstStyle/>
+          <a:p>
+            <a:pPr marL="0" lvl="0" indent="0" algn="l" rtl="0">
+              <a:lnSpc>
+                <a:spcPct val="100000"/>
+              </a:lnSpc>
+              <a:spcBef>
+                <a:spcPts val="0"/>
+              </a:spcBef>
+              <a:spcAft>
+                <a:spcPts val="0"/>
+              </a:spcAft>
+              <a:buClr>
+                <a:srgbClr val="000000"/>
+              </a:buClr>
+              <a:buSzPts val="2000"/>
+              <a:buFont typeface="Roboto"/>
+              <a:buNone/>
+            </a:pPr>
+            <a:r>
+              <a:rPr lang="en" sz="4400" dirty="0">
+                <a:highlight>
+                  <a:schemeClr val="lt1"/>
+                </a:highlight>
+              </a:rPr>
+              <a:t>Pick them up at the Front Desk</a:t>
+            </a:r>
+            <a:endParaRPr sz="4400" dirty="0">
+              <a:highlight>
+                <a:schemeClr val="lt1"/>
+              </a:highlight>
+            </a:endParaRPr>
+          </a:p>
+          <a:p>
+            <a:pPr marL="0" lvl="0" indent="0" algn="l" rtl="0">
+              <a:lnSpc>
+                <a:spcPct val="100000"/>
+              </a:lnSpc>
+              <a:spcBef>
+                <a:spcPts val="600"/>
+              </a:spcBef>
+              <a:spcAft>
+                <a:spcPts val="0"/>
+              </a:spcAft>
+              <a:buClr>
+                <a:srgbClr val="000000"/>
+              </a:buClr>
+              <a:buSzPts val="2000"/>
+              <a:buFont typeface="Roboto"/>
+              <a:buNone/>
+            </a:pPr>
+            <a:endParaRPr dirty="0">
+              <a:highlight>
+                <a:srgbClr val="FFFF00"/>
+              </a:highlight>
+            </a:endParaRPr>
+          </a:p>
+        </p:txBody>
+      </p:sp>
+    </p:spTree>
+  </p:cSld>
+  <p:clrMapOvr>
+    <a:masterClrMapping/>
+  </p:clrMapOvr>
+</p:sld>
+</file>
+
+<file path=ppt/slides/slide44.xml><?xml version="1.0" encoding="utf-8"?>
+<p:sld xmlns:a="http://schemas.openxmlformats.org/drawingml/2006/main" xmlns:r="http://schemas.openxmlformats.org/officeDocument/2006/relationships" xmlns:p="http://schemas.openxmlformats.org/presentationml/2006/main">
+  <p:cSld>
+    <p:spTree>
+      <p:nvGrpSpPr>
+        <p:cNvPr id="1" name="Shape 254"/>
+        <p:cNvGrpSpPr/>
+        <p:nvPr/>
+      </p:nvGrpSpPr>
+      <p:grpSpPr>
+        <a:xfrm>
+          <a:off x="0" y="0"/>
+          <a:ext cx="0" cy="0"/>
+          <a:chOff x="0" y="0"/>
+          <a:chExt cx="0" cy="0"/>
+        </a:xfrm>
+      </p:grpSpPr>
+      <p:sp>
+        <p:nvSpPr>
+          <p:cNvPr id="255" name="Google Shape;255;p45"/>
+          <p:cNvSpPr txBox="1">
+            <a:spLocks noGrp="1"/>
+          </p:cNvSpPr>
+          <p:nvPr>
+            <p:ph type="title"/>
+          </p:nvPr>
+        </p:nvSpPr>
+        <p:spPr>
+          <a:xfrm>
+            <a:off x="301710" y="773024"/>
+            <a:ext cx="8460900" cy="654300"/>
           </a:xfrm>
           <a:prstGeom prst="rect">
             <a:avLst/>
@@ -13819,7 +15640,7 @@
       </p:sp>
       <p:sp>
         <p:nvSpPr>
-          <p:cNvPr id="305" name="Google Shape;305;p60"/>
+          <p:cNvPr id="256" name="Google Shape;256;p45"/>
           <p:cNvSpPr txBox="1">
             <a:spLocks noGrp="1"/>
           </p:cNvSpPr>
@@ -13829,8 +15650,8 @@
         </p:nvSpPr>
         <p:spPr>
           <a:xfrm>
-            <a:off x="341611" y="2571750"/>
-            <a:ext cx="8460777" cy="360368"/>
+            <a:off x="301711" y="1427350"/>
+            <a:ext cx="8460900" cy="360300"/>
           </a:xfrm>
           <a:prstGeom prst="rect">
             <a:avLst/>
@@ -13864,10 +15685,260 @@
               <a:buNone/>
             </a:pPr>
             <a:r>
-              <a:rPr lang="en" dirty="0"/>
-              <a:t>We will see you next season!</a:t>
+              <a:rPr lang="en"/>
+              <a:t>We hope to see you at the</a:t>
             </a:r>
-            <a:endParaRPr dirty="0"/>
+            <a:endParaRPr/>
+          </a:p>
+        </p:txBody>
+      </p:sp>
+      <p:pic>
+        <p:nvPicPr>
+          <p:cNvPr id="257" name="Google Shape;257;p45"/>
+          <p:cNvPicPr preferRelativeResize="0"/>
+          <p:nvPr/>
+        </p:nvPicPr>
+        <p:blipFill>
+          <a:blip r:embed="rId3">
+            <a:alphaModFix/>
+          </a:blip>
+          <a:stretch>
+            <a:fillRect/>
+          </a:stretch>
+        </p:blipFill>
+        <p:spPr>
+          <a:xfrm>
+            <a:off x="3319350" y="3089475"/>
+            <a:ext cx="2255900" cy="2255900"/>
+          </a:xfrm>
+          <a:prstGeom prst="rect">
+            <a:avLst/>
+          </a:prstGeom>
+          <a:noFill/>
+          <a:ln>
+            <a:noFill/>
+          </a:ln>
+        </p:spPr>
+      </p:pic>
+      <p:sp>
+        <p:nvSpPr>
+          <p:cNvPr id="258" name="Google Shape;258;p45"/>
+          <p:cNvSpPr txBox="1"/>
+          <p:nvPr/>
+        </p:nvSpPr>
+        <p:spPr>
+          <a:xfrm>
+            <a:off x="39750" y="1831550"/>
+            <a:ext cx="9004500" cy="523200"/>
+          </a:xfrm>
+          <a:prstGeom prst="rect">
+            <a:avLst/>
+          </a:prstGeom>
+          <a:noFill/>
+          <a:ln>
+            <a:noFill/>
+          </a:ln>
+        </p:spPr>
+        <p:txBody>
+          <a:bodyPr spcFirstLastPara="1" wrap="square" lIns="91425" tIns="91425" rIns="91425" bIns="91425" anchor="t" anchorCtr="0">
+            <a:spAutoFit/>
+          </a:bodyPr>
+          <a:lstStyle/>
+          <a:p>
+            <a:pPr marL="0" lvl="0" indent="0" algn="ctr" rtl="0">
+              <a:spcBef>
+                <a:spcPts val="0"/>
+              </a:spcBef>
+              <a:spcAft>
+                <a:spcPts val="0"/>
+              </a:spcAft>
+              <a:buNone/>
+            </a:pPr>
+            <a:r>
+              <a:rPr lang="en" sz="2200">
+                <a:solidFill>
+                  <a:schemeClr val="lt1"/>
+                </a:solidFill>
+                <a:latin typeface="Roboto"/>
+                <a:ea typeface="Roboto"/>
+                <a:cs typeface="Roboto"/>
+                <a:sym typeface="Roboto"/>
+              </a:rPr>
+              <a:t>NORTHEAST FLORIDA REGIONAL CHAMPIONSHIP</a:t>
+            </a:r>
+            <a:endParaRPr sz="2200">
+              <a:solidFill>
+                <a:schemeClr val="lt1"/>
+              </a:solidFill>
+              <a:latin typeface="Roboto"/>
+              <a:ea typeface="Roboto"/>
+              <a:cs typeface="Roboto"/>
+              <a:sym typeface="Roboto"/>
+            </a:endParaRPr>
+          </a:p>
+        </p:txBody>
+      </p:sp>
+      <p:sp>
+        <p:nvSpPr>
+          <p:cNvPr id="259" name="Google Shape;259;p45"/>
+          <p:cNvSpPr txBox="1"/>
+          <p:nvPr/>
+        </p:nvSpPr>
+        <p:spPr>
+          <a:xfrm>
+            <a:off x="39750" y="2291775"/>
+            <a:ext cx="9064500" cy="523200"/>
+          </a:xfrm>
+          <a:prstGeom prst="rect">
+            <a:avLst/>
+          </a:prstGeom>
+          <a:noFill/>
+          <a:ln>
+            <a:noFill/>
+          </a:ln>
+        </p:spPr>
+        <p:txBody>
+          <a:bodyPr spcFirstLastPara="1" wrap="square" lIns="91425" tIns="91425" rIns="91425" bIns="91425" anchor="t" anchorCtr="0">
+            <a:spAutoFit/>
+          </a:bodyPr>
+          <a:lstStyle/>
+          <a:p>
+            <a:pPr marL="0" lvl="0" indent="0" algn="ctr" rtl="0">
+              <a:spcBef>
+                <a:spcPts val="0"/>
+              </a:spcBef>
+              <a:spcAft>
+                <a:spcPts val="0"/>
+              </a:spcAft>
+              <a:buNone/>
+            </a:pPr>
+            <a:r>
+              <a:rPr lang="en" sz="2200" dirty="0">
+                <a:solidFill>
+                  <a:schemeClr val="lt1"/>
+                </a:solidFill>
+                <a:latin typeface="Roboto"/>
+                <a:ea typeface="Roboto"/>
+                <a:cs typeface="Roboto"/>
+                <a:sym typeface="Roboto"/>
+              </a:rPr>
+              <a:t>January 17</a:t>
+            </a:r>
+            <a:r>
+              <a:rPr lang="en" sz="2200" baseline="30000" dirty="0">
+                <a:solidFill>
+                  <a:schemeClr val="lt1"/>
+                </a:solidFill>
+                <a:latin typeface="Roboto"/>
+                <a:ea typeface="Roboto"/>
+                <a:cs typeface="Roboto"/>
+                <a:sym typeface="Roboto"/>
+              </a:rPr>
+              <a:t>th</a:t>
+            </a:r>
+            <a:r>
+              <a:rPr lang="en" sz="2200" dirty="0">
+                <a:solidFill>
+                  <a:schemeClr val="lt1"/>
+                </a:solidFill>
+                <a:latin typeface="Roboto"/>
+                <a:ea typeface="Roboto"/>
+                <a:cs typeface="Roboto"/>
+                <a:sym typeface="Roboto"/>
+              </a:rPr>
+              <a:t> &amp; 18</a:t>
+            </a:r>
+            <a:r>
+              <a:rPr lang="en" sz="2200" baseline="30000" dirty="0">
+                <a:solidFill>
+                  <a:schemeClr val="lt1"/>
+                </a:solidFill>
+                <a:latin typeface="Roboto"/>
+                <a:ea typeface="Roboto"/>
+                <a:cs typeface="Roboto"/>
+                <a:sym typeface="Roboto"/>
+              </a:rPr>
+              <a:t>th</a:t>
+            </a:r>
+            <a:r>
+              <a:rPr lang="en" sz="2200" dirty="0">
+                <a:solidFill>
+                  <a:schemeClr val="lt1"/>
+                </a:solidFill>
+                <a:latin typeface="Roboto"/>
+                <a:ea typeface="Roboto"/>
+                <a:cs typeface="Roboto"/>
+                <a:sym typeface="Roboto"/>
+              </a:rPr>
+              <a:t> 2025</a:t>
+            </a:r>
+            <a:endParaRPr sz="2200" dirty="0">
+              <a:solidFill>
+                <a:schemeClr val="lt1"/>
+              </a:solidFill>
+              <a:latin typeface="Roboto"/>
+              <a:ea typeface="Roboto"/>
+              <a:cs typeface="Roboto"/>
+              <a:sym typeface="Roboto"/>
+            </a:endParaRPr>
+          </a:p>
+        </p:txBody>
+      </p:sp>
+      <p:sp>
+        <p:nvSpPr>
+          <p:cNvPr id="260" name="Google Shape;260;p45"/>
+          <p:cNvSpPr txBox="1"/>
+          <p:nvPr/>
+        </p:nvSpPr>
+        <p:spPr>
+          <a:xfrm>
+            <a:off x="39750" y="2758975"/>
+            <a:ext cx="8953800" cy="523200"/>
+          </a:xfrm>
+          <a:prstGeom prst="rect">
+            <a:avLst/>
+          </a:prstGeom>
+          <a:noFill/>
+          <a:ln>
+            <a:noFill/>
+          </a:ln>
+        </p:spPr>
+        <p:txBody>
+          <a:bodyPr spcFirstLastPara="1" wrap="square" lIns="91425" tIns="91425" rIns="91425" bIns="91425" anchor="t" anchorCtr="0">
+            <a:spAutoFit/>
+          </a:bodyPr>
+          <a:lstStyle/>
+          <a:p>
+            <a:pPr marL="0" lvl="0" indent="0" algn="ctr" rtl="0">
+              <a:spcBef>
+                <a:spcPts val="0"/>
+              </a:spcBef>
+              <a:spcAft>
+                <a:spcPts val="0"/>
+              </a:spcAft>
+              <a:buNone/>
+            </a:pPr>
+            <a:r>
+              <a:rPr lang="en" sz="2200">
+                <a:solidFill>
+                  <a:schemeClr val="lt1"/>
+                </a:solidFill>
+                <a:latin typeface="Roboto"/>
+                <a:ea typeface="Roboto"/>
+                <a:cs typeface="Roboto"/>
+                <a:sym typeface="Roboto"/>
+              </a:rPr>
+              <a:t>Legacy Park Sports Complex, Alachua, FL</a:t>
+            </a:r>
+            <a:endParaRPr sz="2200">
+              <a:solidFill>
+                <a:schemeClr val="lt1"/>
+              </a:solidFill>
+              <a:latin typeface="Roboto"/>
+              <a:ea typeface="Roboto"/>
+              <a:cs typeface="Roboto"/>
+              <a:sym typeface="Roboto"/>
+            </a:endParaRPr>
           </a:p>
         </p:txBody>
       </p:sp>
@@ -14061,6 +16132,85 @@
   <p:cSld>
     <p:spTree>
       <p:nvGrpSpPr>
+        <p:cNvPr id="1" name="Shape 95"/>
+        <p:cNvGrpSpPr/>
+        <p:nvPr/>
+      </p:nvGrpSpPr>
+      <p:grpSpPr>
+        <a:xfrm>
+          <a:off x="0" y="0"/>
+          <a:ext cx="0" cy="0"/>
+          <a:chOff x="0" y="0"/>
+          <a:chExt cx="0" cy="0"/>
+        </a:xfrm>
+      </p:grpSpPr>
+      <p:sp>
+        <p:nvSpPr>
+          <p:cNvPr id="96" name="Google Shape;96;p23"/>
+          <p:cNvSpPr txBox="1">
+            <a:spLocks noGrp="1"/>
+          </p:cNvSpPr>
+          <p:nvPr>
+            <p:ph type="title"/>
+          </p:nvPr>
+        </p:nvSpPr>
+        <p:spPr>
+          <a:xfrm>
+            <a:off x="427382" y="1962149"/>
+            <a:ext cx="8289300" cy="609600"/>
+          </a:xfrm>
+          <a:prstGeom prst="rect">
+            <a:avLst/>
+          </a:prstGeom>
+          <a:noFill/>
+          <a:ln>
+            <a:noFill/>
+          </a:ln>
+        </p:spPr>
+        <p:txBody>
+          <a:bodyPr spcFirstLastPara="1" wrap="square" lIns="0" tIns="0" rIns="0" bIns="0" anchor="ctr" anchorCtr="0">
+            <a:normAutofit/>
+          </a:bodyPr>
+          <a:lstStyle/>
+          <a:p>
+            <a:pPr marL="0" lvl="0" indent="0" algn="ctr" rtl="0">
+              <a:lnSpc>
+                <a:spcPct val="100000"/>
+              </a:lnSpc>
+              <a:spcBef>
+                <a:spcPts val="0"/>
+              </a:spcBef>
+              <a:spcAft>
+                <a:spcPts val="0"/>
+              </a:spcAft>
+              <a:buClr>
+                <a:srgbClr val="000000"/>
+              </a:buClr>
+              <a:buSzPts val="3600"/>
+              <a:buFont typeface="Roboto"/>
+              <a:buNone/>
+            </a:pPr>
+            <a:r>
+              <a:rPr lang="en" sz="3600"/>
+              <a:t>Thank you to our Volunteers!!!!!</a:t>
+            </a:r>
+            <a:endParaRPr sz="3600"/>
+          </a:p>
+        </p:txBody>
+      </p:sp>
+    </p:spTree>
+  </p:cSld>
+  <p:clrMapOvr>
+    <a:masterClrMapping/>
+  </p:clrMapOvr>
+</p:sld>
+</file>
+
+<file path=ppt/slides/slide7.xml><?xml version="1.0" encoding="utf-8"?>
+<p:sld xmlns:a="http://schemas.openxmlformats.org/drawingml/2006/main" xmlns:r="http://schemas.openxmlformats.org/officeDocument/2006/relationships" xmlns:p="http://schemas.openxmlformats.org/presentationml/2006/main">
+  <p:cSld>
+    <p:spTree>
+      <p:nvGrpSpPr>
         <p:cNvPr id="1" name="Shape 104"/>
         <p:cNvGrpSpPr/>
         <p:nvPr/>
@@ -14135,7 +16285,7 @@
 </p:sld>
 </file>
 
-<file path=ppt/slides/slide7.xml><?xml version="1.0" encoding="utf-8"?>
+<file path=ppt/slides/slide8.xml><?xml version="1.0" encoding="utf-8"?>
 <p:sld xmlns:a="http://schemas.openxmlformats.org/drawingml/2006/main" xmlns:r="http://schemas.openxmlformats.org/officeDocument/2006/relationships" xmlns:p="http://schemas.openxmlformats.org/presentationml/2006/main">
   <p:cSld>
     <p:spTree>
@@ -14268,7 +16418,7 @@
 </p:sld>
 </file>
 
-<file path=ppt/slides/slide8.xml><?xml version="1.0" encoding="utf-8"?>
+<file path=ppt/slides/slide9.xml><?xml version="1.0" encoding="utf-8"?>
 <p:sld xmlns:a="http://schemas.openxmlformats.org/drawingml/2006/main" xmlns:r="http://schemas.openxmlformats.org/officeDocument/2006/relationships" xmlns:p="http://schemas.openxmlformats.org/presentationml/2006/main">
   <p:cSld>
     <p:spTree>
@@ -14390,85 +16540,6 @@
               <a:t>{Volunteer Award}</a:t>
             </a:r>
             <a:endParaRPr sz="3600" b="1" dirty="0"/>
-          </a:p>
-        </p:txBody>
-      </p:sp>
-    </p:spTree>
-  </p:cSld>
-  <p:clrMapOvr>
-    <a:masterClrMapping/>
-  </p:clrMapOvr>
-</p:sld>
-</file>
-
-<file path=ppt/slides/slide9.xml><?xml version="1.0" encoding="utf-8"?>
-<p:sld xmlns:a="http://schemas.openxmlformats.org/drawingml/2006/main" xmlns:r="http://schemas.openxmlformats.org/officeDocument/2006/relationships" xmlns:p="http://schemas.openxmlformats.org/presentationml/2006/main">
-  <p:cSld>
-    <p:spTree>
-      <p:nvGrpSpPr>
-        <p:cNvPr id="1" name="Shape 121"/>
-        <p:cNvGrpSpPr/>
-        <p:nvPr/>
-      </p:nvGrpSpPr>
-      <p:grpSpPr>
-        <a:xfrm>
-          <a:off x="0" y="0"/>
-          <a:ext cx="0" cy="0"/>
-          <a:chOff x="0" y="0"/>
-          <a:chExt cx="0" cy="0"/>
-        </a:xfrm>
-      </p:grpSpPr>
-      <p:sp>
-        <p:nvSpPr>
-          <p:cNvPr id="122" name="Google Shape;122;p28"/>
-          <p:cNvSpPr txBox="1">
-            <a:spLocks noGrp="1"/>
-          </p:cNvSpPr>
-          <p:nvPr>
-            <p:ph type="title"/>
-          </p:nvPr>
-        </p:nvSpPr>
-        <p:spPr>
-          <a:xfrm>
-            <a:off x="427382" y="1962149"/>
-            <a:ext cx="8289236" cy="609601"/>
-          </a:xfrm>
-          <a:prstGeom prst="rect">
-            <a:avLst/>
-          </a:prstGeom>
-          <a:noFill/>
-          <a:ln>
-            <a:noFill/>
-          </a:ln>
-        </p:spPr>
-        <p:txBody>
-          <a:bodyPr spcFirstLastPara="1" wrap="square" lIns="0" tIns="0" rIns="0" bIns="0" anchor="ctr" anchorCtr="0">
-            <a:normAutofit/>
-          </a:bodyPr>
-          <a:lstStyle/>
-          <a:p>
-            <a:pPr marL="0" lvl="0" indent="0" algn="ctr" rtl="0">
-              <a:lnSpc>
-                <a:spcPct val="100000"/>
-              </a:lnSpc>
-              <a:spcBef>
-                <a:spcPts val="0"/>
-              </a:spcBef>
-              <a:spcAft>
-                <a:spcPts val="0"/>
-              </a:spcAft>
-              <a:buClr>
-                <a:srgbClr val="000000"/>
-              </a:buClr>
-              <a:buSzPts val="3600"/>
-              <a:buFont typeface="Roboto"/>
-              <a:buNone/>
-            </a:pPr>
-            <a:r>
-              <a:rPr lang="en" sz="3600"/>
-              <a:t>The Coach/Mentor Award</a:t>
-            </a:r>
-            <a:endParaRPr sz="3600"/>
           </a:p>
         </p:txBody>
       </p:sp>

--- a/Api/Templates/Awards Ceremony - Full.pptx
+++ b/Api/Templates/Awards Ceremony - Full.pptx
@@ -565,14 +565,6 @@
           <pc:docMk/>
           <pc:sldMk cId="854740014" sldId="300"/>
         </pc:sldMkLst>
-        <pc:spChg chg="mod">
-          <ac:chgData name="Brady Merkel" userId="077b44faa59125c6" providerId="LiveId" clId="{88FFB2AE-8425-4146-BCD9-29D03DAD4556}" dt="2024-11-22T18:54:28.502" v="155" actId="113"/>
-          <ac:spMkLst>
-            <pc:docMk/>
-            <pc:sldMk cId="854740014" sldId="300"/>
-            <ac:spMk id="3" creationId="{C03E5D99-93D5-50C0-6E73-973C60A71B26}"/>
-          </ac:spMkLst>
-        </pc:spChg>
       </pc:sldChg>
       <pc:sldChg chg="modSp add mod">
         <pc:chgData name="Brady Merkel" userId="077b44faa59125c6" providerId="LiveId" clId="{88FFB2AE-8425-4146-BCD9-29D03DAD4556}" dt="2024-11-22T18:45:41.209" v="18" actId="6549"/>
@@ -580,14 +572,6 @@
           <pc:docMk/>
           <pc:sldMk cId="0" sldId="301"/>
         </pc:sldMkLst>
-        <pc:spChg chg="mod">
-          <ac:chgData name="Brady Merkel" userId="077b44faa59125c6" providerId="LiveId" clId="{88FFB2AE-8425-4146-BCD9-29D03DAD4556}" dt="2024-11-22T18:45:41.209" v="18" actId="6549"/>
-          <ac:spMkLst>
-            <pc:docMk/>
-            <pc:sldMk cId="0" sldId="301"/>
-            <ac:spMk id="79" creationId="{00000000-0000-0000-0000-000000000000}"/>
-          </ac:spMkLst>
-        </pc:spChg>
       </pc:sldChg>
       <pc:sldChg chg="delSp add mod">
         <pc:chgData name="Brady Merkel" userId="077b44faa59125c6" providerId="LiveId" clId="{88FFB2AE-8425-4146-BCD9-29D03DAD4556}" dt="2024-11-22T18:46:06.376" v="20" actId="21"/>
@@ -595,14 +579,6 @@
           <pc:docMk/>
           <pc:sldMk cId="0" sldId="302"/>
         </pc:sldMkLst>
-        <pc:picChg chg="del">
-          <ac:chgData name="Brady Merkel" userId="077b44faa59125c6" providerId="LiveId" clId="{88FFB2AE-8425-4146-BCD9-29D03DAD4556}" dt="2024-11-22T18:46:06.376" v="20" actId="21"/>
-          <ac:picMkLst>
-            <pc:docMk/>
-            <pc:sldMk cId="0" sldId="302"/>
-            <ac:picMk id="97" creationId="{00000000-0000-0000-0000-000000000000}"/>
-          </ac:picMkLst>
-        </pc:picChg>
       </pc:sldChg>
       <pc:sldChg chg="delSp modSp add mod">
         <pc:chgData name="Brady Merkel" userId="077b44faa59125c6" providerId="LiveId" clId="{88FFB2AE-8425-4146-BCD9-29D03DAD4556}" dt="2024-11-22T18:55:00.503" v="156" actId="478"/>
@@ -610,30 +586,6 @@
           <pc:docMk/>
           <pc:sldMk cId="0" sldId="303"/>
         </pc:sldMkLst>
-        <pc:spChg chg="mod">
-          <ac:chgData name="Brady Merkel" userId="077b44faa59125c6" providerId="LiveId" clId="{88FFB2AE-8425-4146-BCD9-29D03DAD4556}" dt="2024-11-22T18:49:19.679" v="34" actId="6549"/>
-          <ac:spMkLst>
-            <pc:docMk/>
-            <pc:sldMk cId="0" sldId="303"/>
-            <ac:spMk id="222" creationId="{00000000-0000-0000-0000-000000000000}"/>
-          </ac:spMkLst>
-        </pc:spChg>
-        <pc:spChg chg="mod">
-          <ac:chgData name="Brady Merkel" userId="077b44faa59125c6" providerId="LiveId" clId="{88FFB2AE-8425-4146-BCD9-29D03DAD4556}" dt="2024-11-22T18:49:53.803" v="39" actId="12"/>
-          <ac:spMkLst>
-            <pc:docMk/>
-            <pc:sldMk cId="0" sldId="303"/>
-            <ac:spMk id="226" creationId="{00000000-0000-0000-0000-000000000000}"/>
-          </ac:spMkLst>
-        </pc:spChg>
-        <pc:picChg chg="del">
-          <ac:chgData name="Brady Merkel" userId="077b44faa59125c6" providerId="LiveId" clId="{88FFB2AE-8425-4146-BCD9-29D03DAD4556}" dt="2024-11-22T18:55:00.503" v="156" actId="478"/>
-          <ac:picMkLst>
-            <pc:docMk/>
-            <pc:sldMk cId="0" sldId="303"/>
-            <ac:picMk id="223" creationId="{00000000-0000-0000-0000-000000000000}"/>
-          </ac:picMkLst>
-        </pc:picChg>
       </pc:sldChg>
       <pc:sldChg chg="delSp modSp add mod">
         <pc:chgData name="Brady Merkel" userId="077b44faa59125c6" providerId="LiveId" clId="{88FFB2AE-8425-4146-BCD9-29D03DAD4556}" dt="2024-11-22T18:52:02.334" v="118" actId="1035"/>
@@ -641,78 +593,6 @@
           <pc:docMk/>
           <pc:sldMk cId="0" sldId="304"/>
         </pc:sldMkLst>
-        <pc:spChg chg="mod">
-          <ac:chgData name="Brady Merkel" userId="077b44faa59125c6" providerId="LiveId" clId="{88FFB2AE-8425-4146-BCD9-29D03DAD4556}" dt="2024-11-22T18:50:53.024" v="47" actId="20577"/>
-          <ac:spMkLst>
-            <pc:docMk/>
-            <pc:sldMk cId="0" sldId="304"/>
-            <ac:spMk id="236" creationId="{00000000-0000-0000-0000-000000000000}"/>
-          </ac:spMkLst>
-        </pc:spChg>
-        <pc:spChg chg="mod">
-          <ac:chgData name="Brady Merkel" userId="077b44faa59125c6" providerId="LiveId" clId="{88FFB2AE-8425-4146-BCD9-29D03DAD4556}" dt="2024-11-22T18:50:46.312" v="44" actId="20577"/>
-          <ac:spMkLst>
-            <pc:docMk/>
-            <pc:sldMk cId="0" sldId="304"/>
-            <ac:spMk id="237" creationId="{00000000-0000-0000-0000-000000000000}"/>
-          </ac:spMkLst>
-        </pc:spChg>
-        <pc:spChg chg="mod">
-          <ac:chgData name="Brady Merkel" userId="077b44faa59125c6" providerId="LiveId" clId="{88FFB2AE-8425-4146-BCD9-29D03DAD4556}" dt="2024-11-22T18:50:39.216" v="41"/>
-          <ac:spMkLst>
-            <pc:docMk/>
-            <pc:sldMk cId="0" sldId="304"/>
-            <ac:spMk id="238" creationId="{00000000-0000-0000-0000-000000000000}"/>
-          </ac:spMkLst>
-        </pc:spChg>
-        <pc:spChg chg="mod">
-          <ac:chgData name="Brady Merkel" userId="077b44faa59125c6" providerId="LiveId" clId="{88FFB2AE-8425-4146-BCD9-29D03DAD4556}" dt="2024-11-22T18:50:59.032" v="50" actId="20577"/>
-          <ac:spMkLst>
-            <pc:docMk/>
-            <pc:sldMk cId="0" sldId="304"/>
-            <ac:spMk id="239" creationId="{00000000-0000-0000-0000-000000000000}"/>
-          </ac:spMkLst>
-        </pc:spChg>
-        <pc:spChg chg="mod">
-          <ac:chgData name="Brady Merkel" userId="077b44faa59125c6" providerId="LiveId" clId="{88FFB2AE-8425-4146-BCD9-29D03DAD4556}" dt="2024-11-22T18:51:07.368" v="54" actId="20577"/>
-          <ac:spMkLst>
-            <pc:docMk/>
-            <pc:sldMk cId="0" sldId="304"/>
-            <ac:spMk id="240" creationId="{00000000-0000-0000-0000-000000000000}"/>
-          </ac:spMkLst>
-        </pc:spChg>
-        <pc:spChg chg="mod">
-          <ac:chgData name="Brady Merkel" userId="077b44faa59125c6" providerId="LiveId" clId="{88FFB2AE-8425-4146-BCD9-29D03DAD4556}" dt="2024-11-22T18:51:46.643" v="77" actId="6549"/>
-          <ac:spMkLst>
-            <pc:docMk/>
-            <pc:sldMk cId="0" sldId="304"/>
-            <ac:spMk id="242" creationId="{00000000-0000-0000-0000-000000000000}"/>
-          </ac:spMkLst>
-        </pc:spChg>
-        <pc:spChg chg="mod">
-          <ac:chgData name="Brady Merkel" userId="077b44faa59125c6" providerId="LiveId" clId="{88FFB2AE-8425-4146-BCD9-29D03DAD4556}" dt="2024-11-22T18:51:37.929" v="73" actId="6549"/>
-          <ac:spMkLst>
-            <pc:docMk/>
-            <pc:sldMk cId="0" sldId="304"/>
-            <ac:spMk id="243" creationId="{00000000-0000-0000-0000-000000000000}"/>
-          </ac:spMkLst>
-        </pc:spChg>
-        <pc:picChg chg="del">
-          <ac:chgData name="Brady Merkel" userId="077b44faa59125c6" providerId="LiveId" clId="{88FFB2AE-8425-4146-BCD9-29D03DAD4556}" dt="2024-11-22T18:51:12.593" v="55" actId="478"/>
-          <ac:picMkLst>
-            <pc:docMk/>
-            <pc:sldMk cId="0" sldId="304"/>
-            <ac:picMk id="234" creationId="{00000000-0000-0000-0000-000000000000}"/>
-          </ac:picMkLst>
-        </pc:picChg>
-        <pc:picChg chg="mod">
-          <ac:chgData name="Brady Merkel" userId="077b44faa59125c6" providerId="LiveId" clId="{88FFB2AE-8425-4146-BCD9-29D03DAD4556}" dt="2024-11-22T18:52:02.334" v="118" actId="1035"/>
-          <ac:picMkLst>
-            <pc:docMk/>
-            <pc:sldMk cId="0" sldId="304"/>
-            <ac:picMk id="235" creationId="{00000000-0000-0000-0000-000000000000}"/>
-          </ac:picMkLst>
-        </pc:picChg>
       </pc:sldChg>
       <pc:sldChg chg="delSp modSp add mod">
         <pc:chgData name="Brady Merkel" userId="077b44faa59125c6" providerId="LiveId" clId="{88FFB2AE-8425-4146-BCD9-29D03DAD4556}" dt="2024-11-22T18:55:29.496" v="170" actId="404"/>
@@ -720,22 +600,6 @@
           <pc:docMk/>
           <pc:sldMk cId="0" sldId="305"/>
         </pc:sldMkLst>
-        <pc:spChg chg="mod">
-          <ac:chgData name="Brady Merkel" userId="077b44faa59125c6" providerId="LiveId" clId="{88FFB2AE-8425-4146-BCD9-29D03DAD4556}" dt="2024-11-22T18:55:29.496" v="170" actId="404"/>
-          <ac:spMkLst>
-            <pc:docMk/>
-            <pc:sldMk cId="0" sldId="305"/>
-            <ac:spMk id="249" creationId="{00000000-0000-0000-0000-000000000000}"/>
-          </ac:spMkLst>
-        </pc:spChg>
-        <pc:picChg chg="del">
-          <ac:chgData name="Brady Merkel" userId="077b44faa59125c6" providerId="LiveId" clId="{88FFB2AE-8425-4146-BCD9-29D03DAD4556}" dt="2024-11-22T18:52:24.994" v="121" actId="478"/>
-          <ac:picMkLst>
-            <pc:docMk/>
-            <pc:sldMk cId="0" sldId="305"/>
-            <ac:picMk id="250" creationId="{00000000-0000-0000-0000-000000000000}"/>
-          </ac:picMkLst>
-        </pc:picChg>
       </pc:sldChg>
       <pc:sldChg chg="modSp add mod">
         <pc:chgData name="Brady Merkel" userId="077b44faa59125c6" providerId="LiveId" clId="{88FFB2AE-8425-4146-BCD9-29D03DAD4556}" dt="2024-11-22T18:52:56.156" v="130" actId="6549"/>
@@ -743,14 +607,6 @@
           <pc:docMk/>
           <pc:sldMk cId="0" sldId="306"/>
         </pc:sldMkLst>
-        <pc:spChg chg="mod">
-          <ac:chgData name="Brady Merkel" userId="077b44faa59125c6" providerId="LiveId" clId="{88FFB2AE-8425-4146-BCD9-29D03DAD4556}" dt="2024-11-22T18:52:56.156" v="130" actId="6549"/>
-          <ac:spMkLst>
-            <pc:docMk/>
-            <pc:sldMk cId="0" sldId="306"/>
-            <ac:spMk id="259" creationId="{00000000-0000-0000-0000-000000000000}"/>
-          </ac:spMkLst>
-        </pc:spChg>
       </pc:sldChg>
       <pc:sldMasterChg chg="modSldLayout">
         <pc:chgData name="Brady Merkel" userId="077b44faa59125c6" providerId="LiveId" clId="{88FFB2AE-8425-4146-BCD9-29D03DAD4556}" dt="2024-11-22T18:46:32.106" v="23" actId="732"/>
@@ -765,15 +621,6 @@
             <pc:sldMasterMk cId="0" sldId="2147483665"/>
             <pc:sldLayoutMk cId="0" sldId="2147483662"/>
           </pc:sldLayoutMkLst>
-          <pc:picChg chg="add mod modCrop">
-            <ac:chgData name="Brady Merkel" userId="077b44faa59125c6" providerId="LiveId" clId="{88FFB2AE-8425-4146-BCD9-29D03DAD4556}" dt="2024-11-22T18:46:32.106" v="23" actId="732"/>
-            <ac:picMkLst>
-              <pc:docMk/>
-              <pc:sldMasterMk cId="0" sldId="2147483665"/>
-              <pc:sldLayoutMk cId="0" sldId="2147483662"/>
-              <ac:picMk id="97" creationId="{00000000-0000-0000-0000-000000000000}"/>
-            </ac:picMkLst>
-          </pc:picChg>
         </pc:sldLayoutChg>
       </pc:sldMasterChg>
     </pc:docChg>
@@ -6073,8 +5920,13 @@
     <p:bg>
       <p:bgPr>
         <a:blipFill>
-          <a:blip r:embed="rId2">
+          <a:blip r:embed="rId2" cstate="print">
             <a:alphaModFix/>
+            <a:extLst>
+              <a:ext uri="{28A0092B-C50C-407E-A947-70E740481C1C}">
+                <a14:useLocalDpi xmlns:a14="http://schemas.microsoft.com/office/drawing/2010/main"/>
+              </a:ext>
+            </a:extLst>
           </a:blip>
           <a:stretch>
             <a:fillRect/>
@@ -6694,8 +6546,13 @@
     <p:bg>
       <p:bgPr>
         <a:blipFill>
-          <a:blip r:embed="rId2">
+          <a:blip r:embed="rId2" cstate="print">
             <a:alphaModFix/>
+            <a:extLst>
+              <a:ext uri="{28A0092B-C50C-407E-A947-70E740481C1C}">
+                <a14:useLocalDpi xmlns:a14="http://schemas.microsoft.com/office/drawing/2010/main"/>
+              </a:ext>
+            </a:extLst>
           </a:blip>
           <a:stretch>
             <a:fillRect/>
@@ -7345,8 +7202,13 @@
     <p:bg>
       <p:bgPr>
         <a:blipFill>
-          <a:blip r:embed="rId2">
+          <a:blip r:embed="rId2" cstate="print">
             <a:alphaModFix/>
+            <a:extLst>
+              <a:ext uri="{28A0092B-C50C-407E-A947-70E740481C1C}">
+                <a14:useLocalDpi xmlns:a14="http://schemas.microsoft.com/office/drawing/2010/main"/>
+              </a:ext>
+            </a:extLst>
           </a:blip>
           <a:stretch>
             <a:fillRect/>
@@ -7959,10 +7821,15 @@
           <p:nvPr userDrawn="1"/>
         </p:nvPicPr>
         <p:blipFill>
-          <a:blip r:embed="rId3">
+          <a:blip r:embed="rId3" cstate="print">
             <a:alphaModFix/>
+            <a:extLst>
+              <a:ext uri="{28A0092B-C50C-407E-A947-70E740481C1C}">
+                <a14:useLocalDpi xmlns:a14="http://schemas.microsoft.com/office/drawing/2010/main"/>
+              </a:ext>
+            </a:extLst>
           </a:blip>
-          <a:srcRect t="20173" b="27037"/>
+          <a:srcRect/>
           <a:stretch/>
         </p:blipFill>
         <p:spPr>
@@ -7993,8 +7860,13 @@
     <p:bg>
       <p:bgPr>
         <a:blipFill>
-          <a:blip r:embed="rId2">
+          <a:blip r:embed="rId2" cstate="print">
             <a:alphaModFix/>
+            <a:extLst>
+              <a:ext uri="{28A0092B-C50C-407E-A947-70E740481C1C}">
+                <a14:useLocalDpi xmlns:a14="http://schemas.microsoft.com/office/drawing/2010/main"/>
+              </a:ext>
+            </a:extLst>
           </a:blip>
           <a:stretch>
             <a:fillRect/>
@@ -8427,8 +8299,13 @@
     <p:bg>
       <p:bgPr>
         <a:blipFill>
-          <a:blip r:embed="rId7">
+          <a:blip r:embed="rId7" cstate="print">
             <a:alphaModFix/>
+            <a:extLst>
+              <a:ext uri="{28A0092B-C50C-407E-A947-70E740481C1C}">
+                <a14:useLocalDpi xmlns:a14="http://schemas.microsoft.com/office/drawing/2010/main"/>
+              </a:ext>
+            </a:extLst>
           </a:blip>
           <a:stretch>
             <a:fillRect/>
@@ -9977,8 +9854,13 @@
     <p:bg>
       <p:bgPr>
         <a:blipFill>
-          <a:blip r:embed="rId3">
+          <a:blip r:embed="rId3" cstate="print">
             <a:alphaModFix/>
+            <a:extLst>
+              <a:ext uri="{28A0092B-C50C-407E-A947-70E740481C1C}">
+                <a14:useLocalDpi xmlns:a14="http://schemas.microsoft.com/office/drawing/2010/main"/>
+              </a:ext>
+            </a:extLst>
           </a:blip>
           <a:stretch>
             <a:fillRect/>
@@ -10434,7 +10316,13 @@
           <p:nvPr/>
         </p:nvPicPr>
         <p:blipFill>
-          <a:blip r:embed="rId2"/>
+          <a:blip r:embed="rId2" cstate="print">
+            <a:extLst>
+              <a:ext uri="{28A0092B-C50C-407E-A947-70E740481C1C}">
+                <a14:useLocalDpi xmlns:a14="http://schemas.microsoft.com/office/drawing/2010/main"/>
+              </a:ext>
+            </a:extLst>
+          </a:blip>
           <a:srcRect t="7739" b="16247"/>
           <a:stretch/>
         </p:blipFill>
@@ -11431,8 +11319,13 @@
           <p:nvPr/>
         </p:nvPicPr>
         <p:blipFill>
-          <a:blip r:embed="rId3">
+          <a:blip r:embed="rId3" cstate="print">
             <a:alphaModFix/>
+            <a:extLst>
+              <a:ext uri="{28A0092B-C50C-407E-A947-70E740481C1C}">
+                <a14:useLocalDpi xmlns:a14="http://schemas.microsoft.com/office/drawing/2010/main"/>
+              </a:ext>
+            </a:extLst>
           </a:blip>
           <a:stretch>
             <a:fillRect/>
@@ -14280,8 +14173,13 @@
           <p:nvPr/>
         </p:nvPicPr>
         <p:blipFill>
-          <a:blip r:embed="rId3">
+          <a:blip r:embed="rId3" cstate="print">
             <a:alphaModFix/>
+            <a:extLst>
+              <a:ext uri="{28A0092B-C50C-407E-A947-70E740481C1C}">
+                <a14:useLocalDpi xmlns:a14="http://schemas.microsoft.com/office/drawing/2010/main"/>
+              </a:ext>
+            </a:extLst>
           </a:blip>
           <a:stretch>
             <a:fillRect/>

--- a/Api/Templates/Awards Ceremony - Full.pptx
+++ b/Api/Templates/Awards Ceremony - Full.pptx
@@ -5,70 +5,69 @@
     <p:sldMasterId id="2147483665" r:id="rId1"/>
   </p:sldMasterIdLst>
   <p:notesMasterIdLst>
-    <p:notesMasterId r:id="rId46"/>
+    <p:notesMasterId r:id="rId45"/>
   </p:notesMasterIdLst>
   <p:sldIdLst>
-    <p:sldId id="256" r:id="rId2"/>
-    <p:sldId id="301" r:id="rId3"/>
-    <p:sldId id="259" r:id="rId4"/>
-    <p:sldId id="260" r:id="rId5"/>
-    <p:sldId id="298" r:id="rId6"/>
-    <p:sldId id="302" r:id="rId7"/>
-    <p:sldId id="262" r:id="rId8"/>
-    <p:sldId id="263" r:id="rId9"/>
-    <p:sldId id="264" r:id="rId10"/>
-    <p:sldId id="265" r:id="rId11"/>
-    <p:sldId id="266" r:id="rId12"/>
-    <p:sldId id="267" r:id="rId13"/>
-    <p:sldId id="300" r:id="rId14"/>
-    <p:sldId id="280" r:id="rId15"/>
-    <p:sldId id="281" r:id="rId16"/>
-    <p:sldId id="282" r:id="rId17"/>
-    <p:sldId id="283" r:id="rId18"/>
-    <p:sldId id="284" r:id="rId19"/>
-    <p:sldId id="285" r:id="rId20"/>
-    <p:sldId id="286" r:id="rId21"/>
-    <p:sldId id="287" r:id="rId22"/>
-    <p:sldId id="288" r:id="rId23"/>
-    <p:sldId id="289" r:id="rId24"/>
-    <p:sldId id="290" r:id="rId25"/>
-    <p:sldId id="291" r:id="rId26"/>
-    <p:sldId id="271" r:id="rId27"/>
-    <p:sldId id="272" r:id="rId28"/>
-    <p:sldId id="273" r:id="rId29"/>
-    <p:sldId id="274" r:id="rId30"/>
-    <p:sldId id="275" r:id="rId31"/>
-    <p:sldId id="276" r:id="rId32"/>
-    <p:sldId id="277" r:id="rId33"/>
-    <p:sldId id="278" r:id="rId34"/>
-    <p:sldId id="279" r:id="rId35"/>
-    <p:sldId id="268" r:id="rId36"/>
-    <p:sldId id="269" r:id="rId37"/>
-    <p:sldId id="270" r:id="rId38"/>
-    <p:sldId id="292" r:id="rId39"/>
-    <p:sldId id="293" r:id="rId40"/>
-    <p:sldId id="294" r:id="rId41"/>
-    <p:sldId id="303" r:id="rId42"/>
-    <p:sldId id="304" r:id="rId43"/>
-    <p:sldId id="305" r:id="rId44"/>
-    <p:sldId id="306" r:id="rId45"/>
+    <p:sldId id="301" r:id="rId2"/>
+    <p:sldId id="259" r:id="rId3"/>
+    <p:sldId id="260" r:id="rId4"/>
+    <p:sldId id="298" r:id="rId5"/>
+    <p:sldId id="302" r:id="rId6"/>
+    <p:sldId id="262" r:id="rId7"/>
+    <p:sldId id="263" r:id="rId8"/>
+    <p:sldId id="264" r:id="rId9"/>
+    <p:sldId id="265" r:id="rId10"/>
+    <p:sldId id="266" r:id="rId11"/>
+    <p:sldId id="267" r:id="rId12"/>
+    <p:sldId id="300" r:id="rId13"/>
+    <p:sldId id="280" r:id="rId14"/>
+    <p:sldId id="281" r:id="rId15"/>
+    <p:sldId id="282" r:id="rId16"/>
+    <p:sldId id="283" r:id="rId17"/>
+    <p:sldId id="284" r:id="rId18"/>
+    <p:sldId id="285" r:id="rId19"/>
+    <p:sldId id="286" r:id="rId20"/>
+    <p:sldId id="287" r:id="rId21"/>
+    <p:sldId id="288" r:id="rId22"/>
+    <p:sldId id="289" r:id="rId23"/>
+    <p:sldId id="290" r:id="rId24"/>
+    <p:sldId id="291" r:id="rId25"/>
+    <p:sldId id="271" r:id="rId26"/>
+    <p:sldId id="272" r:id="rId27"/>
+    <p:sldId id="273" r:id="rId28"/>
+    <p:sldId id="274" r:id="rId29"/>
+    <p:sldId id="275" r:id="rId30"/>
+    <p:sldId id="276" r:id="rId31"/>
+    <p:sldId id="277" r:id="rId32"/>
+    <p:sldId id="278" r:id="rId33"/>
+    <p:sldId id="279" r:id="rId34"/>
+    <p:sldId id="268" r:id="rId35"/>
+    <p:sldId id="269" r:id="rId36"/>
+    <p:sldId id="270" r:id="rId37"/>
+    <p:sldId id="292" r:id="rId38"/>
+    <p:sldId id="293" r:id="rId39"/>
+    <p:sldId id="294" r:id="rId40"/>
+    <p:sldId id="303" r:id="rId41"/>
+    <p:sldId id="304" r:id="rId42"/>
+    <p:sldId id="305" r:id="rId43"/>
+    <p:sldId id="306" r:id="rId44"/>
   </p:sldIdLst>
   <p:sldSz cx="9144000" cy="5143500" type="screen16x9"/>
   <p:notesSz cx="6858000" cy="9144000"/>
   <p:embeddedFontLst>
     <p:embeddedFont>
       <p:font typeface="Roboto" panose="020B0604020202020204" charset="0"/>
-      <p:regular r:id="rId47"/>
-      <p:bold r:id="rId48"/>
-      <p:italic r:id="rId49"/>
-      <p:boldItalic r:id="rId50"/>
+      <p:regular r:id="rId46"/>
+      <p:bold r:id="rId47"/>
+      <p:italic r:id="rId48"/>
+      <p:boldItalic r:id="rId49"/>
     </p:embeddedFont>
     <p:embeddedFont>
       <p:font typeface="Roboto Condensed" panose="020B0604020202020204" charset="0"/>
-      <p:regular r:id="rId51"/>
-      <p:bold r:id="rId52"/>
-      <p:italic r:id="rId53"/>
-      <p:boldItalic r:id="rId54"/>
+      <p:regular r:id="rId50"/>
+      <p:bold r:id="rId51"/>
+      <p:italic r:id="rId52"/>
+      <p:boldItalic r:id="rId53"/>
     </p:embeddedFont>
   </p:embeddedFontLst>
   <p:defaultTextStyle>
@@ -625,6 +624,142 @@
       </pc:sldMasterChg>
     </pc:docChg>
   </pc:docChgLst>
+  <pc:docChgLst>
+    <pc:chgData name="Brady Merkel" userId="077b44faa59125c6" providerId="LiveId" clId="{E242539A-166A-43D6-9CE7-B9B986C889D9}"/>
+    <pc:docChg chg="custSel delSld modSld modMainMaster">
+      <pc:chgData name="Brady Merkel" userId="077b44faa59125c6" providerId="LiveId" clId="{E242539A-166A-43D6-9CE7-B9B986C889D9}" dt="2025-03-23T23:34:28.477" v="15" actId="27636"/>
+      <pc:docMkLst>
+        <pc:docMk/>
+      </pc:docMkLst>
+      <pc:sldChg chg="del">
+        <pc:chgData name="Brady Merkel" userId="077b44faa59125c6" providerId="LiveId" clId="{E242539A-166A-43D6-9CE7-B9B986C889D9}" dt="2025-03-23T23:34:06.044" v="12" actId="47"/>
+        <pc:sldMkLst>
+          <pc:docMk/>
+          <pc:sldMk cId="0" sldId="256"/>
+        </pc:sldMkLst>
+      </pc:sldChg>
+      <pc:sldChg chg="addSp delSp modSp mod chgLayout">
+        <pc:chgData name="Brady Merkel" userId="077b44faa59125c6" providerId="LiveId" clId="{E242539A-166A-43D6-9CE7-B9B986C889D9}" dt="2025-03-23T23:34:28.477" v="15" actId="27636"/>
+        <pc:sldMkLst>
+          <pc:docMk/>
+          <pc:sldMk cId="0" sldId="259"/>
+        </pc:sldMkLst>
+        <pc:spChg chg="add del mod">
+          <ac:chgData name="Brady Merkel" userId="077b44faa59125c6" providerId="LiveId" clId="{E242539A-166A-43D6-9CE7-B9B986C889D9}" dt="2025-03-23T23:34:28.468" v="14" actId="6264"/>
+          <ac:spMkLst>
+            <pc:docMk/>
+            <pc:sldMk cId="0" sldId="259"/>
+            <ac:spMk id="2" creationId="{0AC650A8-E7C3-1459-531D-419CF9BFC4B3}"/>
+          </ac:spMkLst>
+        </pc:spChg>
+        <pc:spChg chg="add mod ord">
+          <ac:chgData name="Brady Merkel" userId="077b44faa59125c6" providerId="LiveId" clId="{E242539A-166A-43D6-9CE7-B9B986C889D9}" dt="2025-03-23T23:34:28.477" v="15" actId="27636"/>
+          <ac:spMkLst>
+            <pc:docMk/>
+            <pc:sldMk cId="0" sldId="259"/>
+            <ac:spMk id="3" creationId="{389E9022-4B72-94B8-EF38-50A50E917B8E}"/>
+          </ac:spMkLst>
+        </pc:spChg>
+        <pc:spChg chg="mod ord">
+          <ac:chgData name="Brady Merkel" userId="077b44faa59125c6" providerId="LiveId" clId="{E242539A-166A-43D6-9CE7-B9B986C889D9}" dt="2025-03-23T23:34:28.468" v="14" actId="6264"/>
+          <ac:spMkLst>
+            <pc:docMk/>
+            <pc:sldMk cId="0" sldId="259"/>
+            <ac:spMk id="89" creationId="{00000000-0000-0000-0000-000000000000}"/>
+          </ac:spMkLst>
+        </pc:spChg>
+      </pc:sldChg>
+      <pc:sldChg chg="modSp mod">
+        <pc:chgData name="Brady Merkel" userId="077b44faa59125c6" providerId="LiveId" clId="{E242539A-166A-43D6-9CE7-B9B986C889D9}" dt="2025-03-23T23:34:18.477" v="13" actId="20577"/>
+        <pc:sldMkLst>
+          <pc:docMk/>
+          <pc:sldMk cId="0" sldId="301"/>
+        </pc:sldMkLst>
+        <pc:spChg chg="mod">
+          <ac:chgData name="Brady Merkel" userId="077b44faa59125c6" providerId="LiveId" clId="{E242539A-166A-43D6-9CE7-B9B986C889D9}" dt="2025-03-23T23:34:18.477" v="13" actId="20577"/>
+          <ac:spMkLst>
+            <pc:docMk/>
+            <pc:sldMk cId="0" sldId="301"/>
+            <ac:spMk id="79" creationId="{00000000-0000-0000-0000-000000000000}"/>
+          </ac:spMkLst>
+        </pc:spChg>
+      </pc:sldChg>
+      <pc:sldMasterChg chg="setBg delSldLayout modSldLayout">
+        <pc:chgData name="Brady Merkel" userId="077b44faa59125c6" providerId="LiveId" clId="{E242539A-166A-43D6-9CE7-B9B986C889D9}" dt="2025-03-23T23:34:06.044" v="12" actId="47"/>
+        <pc:sldMasterMkLst>
+          <pc:docMk/>
+          <pc:sldMasterMk cId="0" sldId="2147483665"/>
+        </pc:sldMasterMkLst>
+        <pc:sldLayoutChg chg="del setBg">
+          <pc:chgData name="Brady Merkel" userId="077b44faa59125c6" providerId="LiveId" clId="{E242539A-166A-43D6-9CE7-B9B986C889D9}" dt="2025-03-23T23:34:06.044" v="12" actId="47"/>
+          <pc:sldLayoutMkLst>
+            <pc:docMk/>
+            <pc:sldMasterMk cId="0" sldId="2147483665"/>
+            <pc:sldLayoutMk cId="0" sldId="2147483659"/>
+          </pc:sldLayoutMkLst>
+        </pc:sldLayoutChg>
+        <pc:sldLayoutChg chg="setBg">
+          <pc:chgData name="Brady Merkel" userId="077b44faa59125c6" providerId="LiveId" clId="{E242539A-166A-43D6-9CE7-B9B986C889D9}" dt="2025-03-23T23:33:04.755" v="6"/>
+          <pc:sldLayoutMkLst>
+            <pc:docMk/>
+            <pc:sldMasterMk cId="0" sldId="2147483665"/>
+            <pc:sldLayoutMk cId="0" sldId="2147483660"/>
+          </pc:sldLayoutMkLst>
+        </pc:sldLayoutChg>
+        <pc:sldLayoutChg chg="modSp setBg">
+          <pc:chgData name="Brady Merkel" userId="077b44faa59125c6" providerId="LiveId" clId="{E242539A-166A-43D6-9CE7-B9B986C889D9}" dt="2025-03-23T23:33:24.078" v="8" actId="207"/>
+          <pc:sldLayoutMkLst>
+            <pc:docMk/>
+            <pc:sldMasterMk cId="0" sldId="2147483665"/>
+            <pc:sldLayoutMk cId="0" sldId="2147483661"/>
+          </pc:sldLayoutMkLst>
+          <pc:spChg chg="mod">
+            <ac:chgData name="Brady Merkel" userId="077b44faa59125c6" providerId="LiveId" clId="{E242539A-166A-43D6-9CE7-B9B986C889D9}" dt="2025-03-23T23:33:24.078" v="8" actId="207"/>
+            <ac:spMkLst>
+              <pc:docMk/>
+              <pc:sldMasterMk cId="0" sldId="2147483665"/>
+              <pc:sldLayoutMk cId="0" sldId="2147483661"/>
+              <ac:spMk id="61" creationId="{00000000-0000-0000-0000-000000000000}"/>
+            </ac:spMkLst>
+          </pc:spChg>
+          <pc:spChg chg="mod">
+            <ac:chgData name="Brady Merkel" userId="077b44faa59125c6" providerId="LiveId" clId="{E242539A-166A-43D6-9CE7-B9B986C889D9}" dt="2025-03-23T23:33:24.078" v="8" actId="207"/>
+            <ac:spMkLst>
+              <pc:docMk/>
+              <pc:sldMasterMk cId="0" sldId="2147483665"/>
+              <pc:sldLayoutMk cId="0" sldId="2147483661"/>
+              <ac:spMk id="62" creationId="{00000000-0000-0000-0000-000000000000}"/>
+            </ac:spMkLst>
+          </pc:spChg>
+          <pc:spChg chg="mod">
+            <ac:chgData name="Brady Merkel" userId="077b44faa59125c6" providerId="LiveId" clId="{E242539A-166A-43D6-9CE7-B9B986C889D9}" dt="2025-03-23T23:33:24.078" v="8" actId="207"/>
+            <ac:spMkLst>
+              <pc:docMk/>
+              <pc:sldMasterMk cId="0" sldId="2147483665"/>
+              <pc:sldLayoutMk cId="0" sldId="2147483661"/>
+              <ac:spMk id="63" creationId="{00000000-0000-0000-0000-000000000000}"/>
+            </ac:spMkLst>
+          </pc:spChg>
+        </pc:sldLayoutChg>
+        <pc:sldLayoutChg chg="setBg">
+          <pc:chgData name="Brady Merkel" userId="077b44faa59125c6" providerId="LiveId" clId="{E242539A-166A-43D6-9CE7-B9B986C889D9}" dt="2025-03-23T23:33:31.506" v="9"/>
+          <pc:sldLayoutMkLst>
+            <pc:docMk/>
+            <pc:sldMasterMk cId="0" sldId="2147483665"/>
+            <pc:sldLayoutMk cId="0" sldId="2147483662"/>
+          </pc:sldLayoutMkLst>
+        </pc:sldLayoutChg>
+        <pc:sldLayoutChg chg="setBg">
+          <pc:chgData name="Brady Merkel" userId="077b44faa59125c6" providerId="LiveId" clId="{E242539A-166A-43D6-9CE7-B9B986C889D9}" dt="2025-03-23T23:33:36.938" v="10"/>
+          <pc:sldLayoutMkLst>
+            <pc:docMk/>
+            <pc:sldMasterMk cId="0" sldId="2147483665"/>
+            <pc:sldLayoutMk cId="0" sldId="2147483663"/>
+          </pc:sldLayoutMkLst>
+        </pc:sldLayoutChg>
+      </pc:sldMasterChg>
+    </pc:docChg>
+  </pc:docChgLst>
 </pc:chgInfo>
 </file>
 
@@ -1074,7 +1209,7 @@
   <p:cSld>
     <p:spTree>
       <p:nvGrpSpPr>
-        <p:cNvPr id="1" name="Shape 71"/>
+        <p:cNvPr id="1" name="Shape 75"/>
         <p:cNvGrpSpPr/>
         <p:nvPr/>
       </p:nvGrpSpPr>
@@ -1088,7 +1223,45 @@
       </p:grpSpPr>
       <p:sp>
         <p:nvSpPr>
-          <p:cNvPr id="72" name="Google Shape;72;g2d56fc09ca8_2_21:notes"/>
+          <p:cNvPr id="76" name="Google Shape;76;g2d56fc09ca8_2_25:notes"/>
+          <p:cNvSpPr txBox="1">
+            <a:spLocks noGrp="1"/>
+          </p:cNvSpPr>
+          <p:nvPr>
+            <p:ph type="body" idx="1"/>
+          </p:nvPr>
+        </p:nvSpPr>
+        <p:spPr>
+          <a:xfrm>
+            <a:off x="914400" y="4343400"/>
+            <a:ext cx="5029200" cy="4114800"/>
+          </a:xfrm>
+          <a:prstGeom prst="rect">
+            <a:avLst/>
+          </a:prstGeom>
+        </p:spPr>
+        <p:txBody>
+          <a:bodyPr spcFirstLastPara="1" wrap="square" lIns="91425" tIns="91425" rIns="91425" bIns="91425" anchor="t" anchorCtr="0">
+            <a:noAutofit/>
+          </a:bodyPr>
+          <a:lstStyle/>
+          <a:p>
+            <a:pPr marL="0" lvl="0" indent="0" algn="l" rtl="0">
+              <a:spcBef>
+                <a:spcPts val="0"/>
+              </a:spcBef>
+              <a:spcAft>
+                <a:spcPts val="0"/>
+              </a:spcAft>
+              <a:buNone/>
+            </a:pPr>
+            <a:endParaRPr/>
+          </a:p>
+        </p:txBody>
+      </p:sp>
+      <p:sp>
+        <p:nvSpPr>
+          <p:cNvPr id="77" name="Google Shape;77;g2d56fc09ca8_2_25:notes"/>
           <p:cNvSpPr>
             <a:spLocks noGrp="1" noRot="1" noChangeAspect="1"/>
           </p:cNvSpPr>
@@ -1125,184 +1298,7 @@
               </a:path>
             </a:pathLst>
           </a:custGeom>
-          <a:noFill/>
-          <a:ln>
-            <a:noFill/>
-          </a:ln>
-        </p:spPr>
-      </p:sp>
-      <p:sp>
-        <p:nvSpPr>
-          <p:cNvPr id="73" name="Google Shape;73;g2d56fc09ca8_2_21:notes"/>
-          <p:cNvSpPr txBox="1">
-            <a:spLocks noGrp="1"/>
-          </p:cNvSpPr>
-          <p:nvPr>
-            <p:ph type="body" idx="1"/>
-          </p:nvPr>
-        </p:nvSpPr>
-        <p:spPr>
-          <a:xfrm>
-            <a:off x="914400" y="4343400"/>
-            <a:ext cx="5029200" cy="4114800"/>
-          </a:xfrm>
-          <a:prstGeom prst="rect">
-            <a:avLst/>
-          </a:prstGeom>
-          <a:noFill/>
-          <a:ln>
-            <a:noFill/>
-          </a:ln>
-        </p:spPr>
-        <p:txBody>
-          <a:bodyPr spcFirstLastPara="1" wrap="square" lIns="91425" tIns="45700" rIns="91425" bIns="45700" anchor="t" anchorCtr="0">
-            <a:noAutofit/>
-          </a:bodyPr>
-          <a:lstStyle/>
-          <a:p>
-            <a:pPr marL="0" lvl="0" indent="0" algn="l" rtl="0">
-              <a:spcBef>
-                <a:spcPts val="0"/>
-              </a:spcBef>
-              <a:spcAft>
-                <a:spcPts val="0"/>
-              </a:spcAft>
-              <a:buNone/>
-            </a:pPr>
-            <a:r>
-              <a:rPr lang="en"/>
-              <a:t>PLEASE NOTE THE FOLLOWING USAGE REQUIREMENTS FOR THE </a:t>
-            </a:r>
-            <a:r>
-              <a:rPr lang="en" i="1"/>
-              <a:t>FIRST</a:t>
-            </a:r>
-            <a:r>
-              <a:rPr lang="en" baseline="30000"/>
-              <a:t>®</a:t>
-            </a:r>
-            <a:r>
-              <a:rPr lang="en"/>
-              <a:t> DIVE</a:t>
-            </a:r>
-            <a:r>
-              <a:rPr lang="en" baseline="30000"/>
-              <a:t>SM</a:t>
-            </a:r>
-            <a:r>
-              <a:rPr lang="en"/>
-              <a:t> presented by Qualcomm template.</a:t>
-            </a:r>
-            <a:endParaRPr/>
-          </a:p>
-          <a:p>
-            <a:pPr marL="0" lvl="0" indent="0" algn="l" rtl="0">
-              <a:spcBef>
-                <a:spcPts val="0"/>
-              </a:spcBef>
-              <a:spcAft>
-                <a:spcPts val="0"/>
-              </a:spcAft>
-              <a:buNone/>
-            </a:pPr>
-            <a:endParaRPr/>
-          </a:p>
-          <a:p>
-            <a:pPr marL="171450" lvl="0" indent="-171450" algn="l" rtl="0">
-              <a:spcBef>
-                <a:spcPts val="0"/>
-              </a:spcBef>
-              <a:spcAft>
-                <a:spcPts val="0"/>
-              </a:spcAft>
-              <a:buSzPts val="1200"/>
-              <a:buFont typeface="Arial"/>
-              <a:buChar char="•"/>
-            </a:pPr>
-            <a:r>
-              <a:rPr lang="en"/>
-              <a:t>Presentations using this deck must include the FIRST DIVEcover slide (Slide 1) to ensure recognition of our presenting sponsor, Qualcomm.</a:t>
-            </a:r>
-            <a:endParaRPr/>
-          </a:p>
-          <a:p>
-            <a:pPr marL="171450" lvl="0" indent="-171450" algn="l" rtl="0">
-              <a:spcBef>
-                <a:spcPts val="0"/>
-              </a:spcBef>
-              <a:spcAft>
-                <a:spcPts val="0"/>
-              </a:spcAft>
-              <a:buSzPts val="1200"/>
-              <a:buFont typeface="Arial"/>
-              <a:buChar char="•"/>
-            </a:pPr>
-            <a:r>
-              <a:rPr lang="en"/>
-              <a:t>Do not modify the template or overlap any of the built-in graphics.</a:t>
-            </a:r>
-            <a:endParaRPr/>
-          </a:p>
-          <a:p>
-            <a:pPr marL="171450" lvl="0" indent="-171450" algn="l" rtl="0">
-              <a:spcBef>
-                <a:spcPts val="0"/>
-              </a:spcBef>
-              <a:spcAft>
-                <a:spcPts val="0"/>
-              </a:spcAft>
-              <a:buSzPts val="1200"/>
-              <a:buFont typeface="Arial"/>
-              <a:buChar char="•"/>
-            </a:pPr>
-            <a:r>
-              <a:rPr lang="en"/>
-              <a:t>This template uses the Roboto font family, which can be downloaded for free at </a:t>
-            </a:r>
-            <a:r>
-              <a:rPr lang="en" b="1"/>
-              <a:t>fonts.google.com/specimen/Roboto</a:t>
-            </a:r>
-            <a:endParaRPr/>
-          </a:p>
-          <a:p>
-            <a:pPr marL="171450" lvl="0" indent="-171450" algn="l" rtl="0">
-              <a:spcBef>
-                <a:spcPts val="0"/>
-              </a:spcBef>
-              <a:spcAft>
-                <a:spcPts val="0"/>
-              </a:spcAft>
-              <a:buClr>
-                <a:srgbClr val="1E1F21"/>
-              </a:buClr>
-              <a:buSzPts val="1200"/>
-              <a:buFont typeface="Arial"/>
-              <a:buChar char="•"/>
-            </a:pPr>
-            <a:r>
-              <a:rPr lang="en"/>
-              <a:t>Any text use of </a:t>
-            </a:r>
-            <a:r>
-              <a:rPr lang="en" i="1"/>
-              <a:t>FIRST</a:t>
-            </a:r>
-            <a:r>
-              <a:rPr lang="en"/>
-              <a:t> should be in italics. Please see the </a:t>
-            </a:r>
-            <a:r>
-              <a:rPr lang="en" i="1"/>
-              <a:t>FIRST</a:t>
-            </a:r>
-            <a:r>
-              <a:rPr lang="en"/>
-              <a:t> Brand &amp; Design Guidelines for more: www.firstinspires.org/brand</a:t>
-            </a:r>
-            <a:endParaRPr/>
-          </a:p>
-        </p:txBody>
+        </p:spPr>
       </p:sp>
     </p:spTree>
   </p:cSld>
@@ -1317,7 +1313,7 @@
   <p:cSld>
     <p:spTree>
       <p:nvGrpSpPr>
-        <p:cNvPr id="1" name="Shape 118"/>
+        <p:cNvPr id="1" name="Shape 123"/>
         <p:cNvGrpSpPr/>
         <p:nvPr/>
       </p:nvGrpSpPr>
@@ -1331,7 +1327,7 @@
       </p:grpSpPr>
       <p:sp>
         <p:nvSpPr>
-          <p:cNvPr id="119" name="Google Shape;119;g2d56fc09ca8_2_60:notes"/>
+          <p:cNvPr id="124" name="Google Shape;124;g2d56fc09ca8_2_64:notes"/>
           <p:cNvSpPr txBox="1">
             <a:spLocks noGrp="1"/>
           </p:cNvSpPr>
@@ -1369,7 +1365,7 @@
       </p:sp>
       <p:sp>
         <p:nvSpPr>
-          <p:cNvPr id="120" name="Google Shape;120;g2d56fc09ca8_2_60:notes"/>
+          <p:cNvPr id="125" name="Google Shape;125;g2d56fc09ca8_2_64:notes"/>
           <p:cNvSpPr>
             <a:spLocks noGrp="1" noRot="1" noChangeAspect="1"/>
           </p:cNvSpPr>
@@ -1421,7 +1417,7 @@
   <p:cSld>
     <p:spTree>
       <p:nvGrpSpPr>
-        <p:cNvPr id="1" name="Shape 123"/>
+        <p:cNvPr id="1" name="Shape 129"/>
         <p:cNvGrpSpPr/>
         <p:nvPr/>
       </p:nvGrpSpPr>
@@ -1435,7 +1431,7 @@
       </p:grpSpPr>
       <p:sp>
         <p:nvSpPr>
-          <p:cNvPr id="124" name="Google Shape;124;g2d56fc09ca8_2_64:notes"/>
+          <p:cNvPr id="130" name="Google Shape;130;g2d56fc09ca8_2_69:notes"/>
           <p:cNvSpPr txBox="1">
             <a:spLocks noGrp="1"/>
           </p:cNvSpPr>
@@ -1473,7 +1469,7 @@
       </p:sp>
       <p:sp>
         <p:nvSpPr>
-          <p:cNvPr id="125" name="Google Shape;125;g2d56fc09ca8_2_64:notes"/>
+          <p:cNvPr id="131" name="Google Shape;131;g2d56fc09ca8_2_69:notes"/>
           <p:cNvSpPr>
             <a:spLocks noGrp="1" noRot="1" noChangeAspect="1"/>
           </p:cNvSpPr>
@@ -1525,7 +1521,7 @@
   <p:cSld>
     <p:spTree>
       <p:nvGrpSpPr>
-        <p:cNvPr id="1" name="Shape 129"/>
+        <p:cNvPr id="1" name="Shape 203"/>
         <p:cNvGrpSpPr/>
         <p:nvPr/>
       </p:nvGrpSpPr>
@@ -1539,7 +1535,7 @@
       </p:grpSpPr>
       <p:sp>
         <p:nvSpPr>
-          <p:cNvPr id="130" name="Google Shape;130;g2d56fc09ca8_2_69:notes"/>
+          <p:cNvPr id="204" name="Google Shape;204;g2d56fc09ca8_2_130:notes"/>
           <p:cNvSpPr txBox="1">
             <a:spLocks noGrp="1"/>
           </p:cNvSpPr>
@@ -1577,7 +1573,7 @@
       </p:sp>
       <p:sp>
         <p:nvSpPr>
-          <p:cNvPr id="131" name="Google Shape;131;g2d56fc09ca8_2_69:notes"/>
+          <p:cNvPr id="205" name="Google Shape;205;g2d56fc09ca8_2_130:notes"/>
           <p:cNvSpPr>
             <a:spLocks noGrp="1" noRot="1" noChangeAspect="1"/>
           </p:cNvSpPr>
@@ -1629,7 +1625,7 @@
   <p:cSld>
     <p:spTree>
       <p:nvGrpSpPr>
-        <p:cNvPr id="1" name="Shape 203"/>
+        <p:cNvPr id="1" name="Shape 208"/>
         <p:cNvGrpSpPr/>
         <p:nvPr/>
       </p:nvGrpSpPr>
@@ -1643,7 +1639,7 @@
       </p:grpSpPr>
       <p:sp>
         <p:nvSpPr>
-          <p:cNvPr id="204" name="Google Shape;204;g2d56fc09ca8_2_130:notes"/>
+          <p:cNvPr id="209" name="Google Shape;209;g2d56fc09ca8_2_134:notes"/>
           <p:cNvSpPr txBox="1">
             <a:spLocks noGrp="1"/>
           </p:cNvSpPr>
@@ -1681,7 +1677,7 @@
       </p:sp>
       <p:sp>
         <p:nvSpPr>
-          <p:cNvPr id="205" name="Google Shape;205;g2d56fc09ca8_2_130:notes"/>
+          <p:cNvPr id="210" name="Google Shape;210;g2d56fc09ca8_2_134:notes"/>
           <p:cNvSpPr>
             <a:spLocks noGrp="1" noRot="1" noChangeAspect="1"/>
           </p:cNvSpPr>
@@ -1733,7 +1729,7 @@
   <p:cSld>
     <p:spTree>
       <p:nvGrpSpPr>
-        <p:cNvPr id="1" name="Shape 208"/>
+        <p:cNvPr id="1" name="Shape 214"/>
         <p:cNvGrpSpPr/>
         <p:nvPr/>
       </p:nvGrpSpPr>
@@ -1747,7 +1743,7 @@
       </p:grpSpPr>
       <p:sp>
         <p:nvSpPr>
-          <p:cNvPr id="209" name="Google Shape;209;g2d56fc09ca8_2_134:notes"/>
+          <p:cNvPr id="215" name="Google Shape;215;g2d56fc09ca8_2_139:notes"/>
           <p:cNvSpPr txBox="1">
             <a:spLocks noGrp="1"/>
           </p:cNvSpPr>
@@ -1785,7 +1781,7 @@
       </p:sp>
       <p:sp>
         <p:nvSpPr>
-          <p:cNvPr id="210" name="Google Shape;210;g2d56fc09ca8_2_134:notes"/>
+          <p:cNvPr id="216" name="Google Shape;216;g2d56fc09ca8_2_139:notes"/>
           <p:cNvSpPr>
             <a:spLocks noGrp="1" noRot="1" noChangeAspect="1"/>
           </p:cNvSpPr>
@@ -1837,7 +1833,7 @@
   <p:cSld>
     <p:spTree>
       <p:nvGrpSpPr>
-        <p:cNvPr id="1" name="Shape 214"/>
+        <p:cNvPr id="1" name="Shape 220"/>
         <p:cNvGrpSpPr/>
         <p:nvPr/>
       </p:nvGrpSpPr>
@@ -1851,7 +1847,7 @@
       </p:grpSpPr>
       <p:sp>
         <p:nvSpPr>
-          <p:cNvPr id="215" name="Google Shape;215;g2d56fc09ca8_2_139:notes"/>
+          <p:cNvPr id="221" name="Google Shape;221;g2d56fc09ca8_2_144:notes"/>
           <p:cNvSpPr txBox="1">
             <a:spLocks noGrp="1"/>
           </p:cNvSpPr>
@@ -1889,7 +1885,7 @@
       </p:sp>
       <p:sp>
         <p:nvSpPr>
-          <p:cNvPr id="216" name="Google Shape;216;g2d56fc09ca8_2_139:notes"/>
+          <p:cNvPr id="222" name="Google Shape;222;g2d56fc09ca8_2_144:notes"/>
           <p:cNvSpPr>
             <a:spLocks noGrp="1" noRot="1" noChangeAspect="1"/>
           </p:cNvSpPr>
@@ -1941,7 +1937,7 @@
   <p:cSld>
     <p:spTree>
       <p:nvGrpSpPr>
-        <p:cNvPr id="1" name="Shape 220"/>
+        <p:cNvPr id="1" name="Shape 225"/>
         <p:cNvGrpSpPr/>
         <p:nvPr/>
       </p:nvGrpSpPr>
@@ -1955,7 +1951,7 @@
       </p:grpSpPr>
       <p:sp>
         <p:nvSpPr>
-          <p:cNvPr id="221" name="Google Shape;221;g2d56fc09ca8_2_144:notes"/>
+          <p:cNvPr id="226" name="Google Shape;226;g2d56fc09ca8_2_148:notes"/>
           <p:cNvSpPr txBox="1">
             <a:spLocks noGrp="1"/>
           </p:cNvSpPr>
@@ -1993,7 +1989,7 @@
       </p:sp>
       <p:sp>
         <p:nvSpPr>
-          <p:cNvPr id="222" name="Google Shape;222;g2d56fc09ca8_2_144:notes"/>
+          <p:cNvPr id="227" name="Google Shape;227;g2d56fc09ca8_2_148:notes"/>
           <p:cNvSpPr>
             <a:spLocks noGrp="1" noRot="1" noChangeAspect="1"/>
           </p:cNvSpPr>
@@ -2045,7 +2041,7 @@
   <p:cSld>
     <p:spTree>
       <p:nvGrpSpPr>
-        <p:cNvPr id="1" name="Shape 225"/>
+        <p:cNvPr id="1" name="Shape 231"/>
         <p:cNvGrpSpPr/>
         <p:nvPr/>
       </p:nvGrpSpPr>
@@ -2059,7 +2055,7 @@
       </p:grpSpPr>
       <p:sp>
         <p:nvSpPr>
-          <p:cNvPr id="226" name="Google Shape;226;g2d56fc09ca8_2_148:notes"/>
+          <p:cNvPr id="232" name="Google Shape;232;g2d56fc09ca8_2_153:notes"/>
           <p:cNvSpPr txBox="1">
             <a:spLocks noGrp="1"/>
           </p:cNvSpPr>
@@ -2097,7 +2093,7 @@
       </p:sp>
       <p:sp>
         <p:nvSpPr>
-          <p:cNvPr id="227" name="Google Shape;227;g2d56fc09ca8_2_148:notes"/>
+          <p:cNvPr id="233" name="Google Shape;233;g2d56fc09ca8_2_153:notes"/>
           <p:cNvSpPr>
             <a:spLocks noGrp="1" noRot="1" noChangeAspect="1"/>
           </p:cNvSpPr>
@@ -2149,7 +2145,7 @@
   <p:cSld>
     <p:spTree>
       <p:nvGrpSpPr>
-        <p:cNvPr id="1" name="Shape 231"/>
+        <p:cNvPr id="1" name="Shape 237"/>
         <p:cNvGrpSpPr/>
         <p:nvPr/>
       </p:nvGrpSpPr>
@@ -2163,7 +2159,7 @@
       </p:grpSpPr>
       <p:sp>
         <p:nvSpPr>
-          <p:cNvPr id="232" name="Google Shape;232;g2d56fc09ca8_2_153:notes"/>
+          <p:cNvPr id="238" name="Google Shape;238;g2d56fc09ca8_2_158:notes"/>
           <p:cNvSpPr txBox="1">
             <a:spLocks noGrp="1"/>
           </p:cNvSpPr>
@@ -2201,7 +2197,7 @@
       </p:sp>
       <p:sp>
         <p:nvSpPr>
-          <p:cNvPr id="233" name="Google Shape;233;g2d56fc09ca8_2_153:notes"/>
+          <p:cNvPr id="239" name="Google Shape;239;g2d56fc09ca8_2_158:notes"/>
           <p:cNvSpPr>
             <a:spLocks noGrp="1" noRot="1" noChangeAspect="1"/>
           </p:cNvSpPr>
@@ -2253,7 +2249,7 @@
   <p:cSld>
     <p:spTree>
       <p:nvGrpSpPr>
-        <p:cNvPr id="1" name="Shape 237"/>
+        <p:cNvPr id="1" name="Shape 242"/>
         <p:cNvGrpSpPr/>
         <p:nvPr/>
       </p:nvGrpSpPr>
@@ -2267,7 +2263,7 @@
       </p:grpSpPr>
       <p:sp>
         <p:nvSpPr>
-          <p:cNvPr id="238" name="Google Shape;238;g2d56fc09ca8_2_158:notes"/>
+          <p:cNvPr id="243" name="Google Shape;243;g2d56fc09ca8_2_162:notes"/>
           <p:cNvSpPr txBox="1">
             <a:spLocks noGrp="1"/>
           </p:cNvSpPr>
@@ -2305,7 +2301,7 @@
       </p:sp>
       <p:sp>
         <p:nvSpPr>
-          <p:cNvPr id="239" name="Google Shape;239;g2d56fc09ca8_2_158:notes"/>
+          <p:cNvPr id="244" name="Google Shape;244;g2d56fc09ca8_2_162:notes"/>
           <p:cNvSpPr>
             <a:spLocks noGrp="1" noRot="1" noChangeAspect="1"/>
           </p:cNvSpPr>
@@ -2357,7 +2353,7 @@
   <p:cSld>
     <p:spTree>
       <p:nvGrpSpPr>
-        <p:cNvPr id="1" name="Shape 75"/>
+        <p:cNvPr id="1" name="Shape 85"/>
         <p:cNvGrpSpPr/>
         <p:nvPr/>
       </p:nvGrpSpPr>
@@ -2371,7 +2367,7 @@
       </p:grpSpPr>
       <p:sp>
         <p:nvSpPr>
-          <p:cNvPr id="76" name="Google Shape;76;g2d56fc09ca8_2_25:notes"/>
+          <p:cNvPr id="86" name="Google Shape;86;g2d56fc09ca8_2_33:notes"/>
           <p:cNvSpPr txBox="1">
             <a:spLocks noGrp="1"/>
           </p:cNvSpPr>
@@ -2409,7 +2405,7 @@
       </p:sp>
       <p:sp>
         <p:nvSpPr>
-          <p:cNvPr id="77" name="Google Shape;77;g2d56fc09ca8_2_25:notes"/>
+          <p:cNvPr id="87" name="Google Shape;87;g2d56fc09ca8_2_33:notes"/>
           <p:cNvSpPr>
             <a:spLocks noGrp="1" noRot="1" noChangeAspect="1"/>
           </p:cNvSpPr>
@@ -2461,7 +2457,7 @@
   <p:cSld>
     <p:spTree>
       <p:nvGrpSpPr>
-        <p:cNvPr id="1" name="Shape 242"/>
+        <p:cNvPr id="1" name="Shape 248"/>
         <p:cNvGrpSpPr/>
         <p:nvPr/>
       </p:nvGrpSpPr>
@@ -2475,7 +2471,7 @@
       </p:grpSpPr>
       <p:sp>
         <p:nvSpPr>
-          <p:cNvPr id="243" name="Google Shape;243;g2d56fc09ca8_2_162:notes"/>
+          <p:cNvPr id="249" name="Google Shape;249;g2d56fc09ca8_2_167:notes"/>
           <p:cNvSpPr txBox="1">
             <a:spLocks noGrp="1"/>
           </p:cNvSpPr>
@@ -2513,7 +2509,7 @@
       </p:sp>
       <p:sp>
         <p:nvSpPr>
-          <p:cNvPr id="244" name="Google Shape;244;g2d56fc09ca8_2_162:notes"/>
+          <p:cNvPr id="250" name="Google Shape;250;g2d56fc09ca8_2_167:notes"/>
           <p:cNvSpPr>
             <a:spLocks noGrp="1" noRot="1" noChangeAspect="1"/>
           </p:cNvSpPr>
@@ -2565,7 +2561,7 @@
   <p:cSld>
     <p:spTree>
       <p:nvGrpSpPr>
-        <p:cNvPr id="1" name="Shape 248"/>
+        <p:cNvPr id="1" name="Shape 254"/>
         <p:cNvGrpSpPr/>
         <p:nvPr/>
       </p:nvGrpSpPr>
@@ -2579,7 +2575,7 @@
       </p:grpSpPr>
       <p:sp>
         <p:nvSpPr>
-          <p:cNvPr id="249" name="Google Shape;249;g2d56fc09ca8_2_167:notes"/>
+          <p:cNvPr id="255" name="Google Shape;255;g2d56fc09ca8_2_172:notes"/>
           <p:cNvSpPr txBox="1">
             <a:spLocks noGrp="1"/>
           </p:cNvSpPr>
@@ -2617,7 +2613,7 @@
       </p:sp>
       <p:sp>
         <p:nvSpPr>
-          <p:cNvPr id="250" name="Google Shape;250;g2d56fc09ca8_2_167:notes"/>
+          <p:cNvPr id="256" name="Google Shape;256;g2d56fc09ca8_2_172:notes"/>
           <p:cNvSpPr>
             <a:spLocks noGrp="1" noRot="1" noChangeAspect="1"/>
           </p:cNvSpPr>
@@ -2669,7 +2665,7 @@
   <p:cSld>
     <p:spTree>
       <p:nvGrpSpPr>
-        <p:cNvPr id="1" name="Shape 254"/>
+        <p:cNvPr id="1" name="Shape 259"/>
         <p:cNvGrpSpPr/>
         <p:nvPr/>
       </p:nvGrpSpPr>
@@ -2683,7 +2679,7 @@
       </p:grpSpPr>
       <p:sp>
         <p:nvSpPr>
-          <p:cNvPr id="255" name="Google Shape;255;g2d56fc09ca8_2_172:notes"/>
+          <p:cNvPr id="260" name="Google Shape;260;g2d56fc09ca8_2_176:notes"/>
           <p:cNvSpPr txBox="1">
             <a:spLocks noGrp="1"/>
           </p:cNvSpPr>
@@ -2721,7 +2717,7 @@
       </p:sp>
       <p:sp>
         <p:nvSpPr>
-          <p:cNvPr id="256" name="Google Shape;256;g2d56fc09ca8_2_172:notes"/>
+          <p:cNvPr id="261" name="Google Shape;261;g2d56fc09ca8_2_176:notes"/>
           <p:cNvSpPr>
             <a:spLocks noGrp="1" noRot="1" noChangeAspect="1"/>
           </p:cNvSpPr>
@@ -2773,7 +2769,7 @@
   <p:cSld>
     <p:spTree>
       <p:nvGrpSpPr>
-        <p:cNvPr id="1" name="Shape 259"/>
+        <p:cNvPr id="1" name="Shape 265"/>
         <p:cNvGrpSpPr/>
         <p:nvPr/>
       </p:nvGrpSpPr>
@@ -2787,7 +2783,7 @@
       </p:grpSpPr>
       <p:sp>
         <p:nvSpPr>
-          <p:cNvPr id="260" name="Google Shape;260;g2d56fc09ca8_2_176:notes"/>
+          <p:cNvPr id="266" name="Google Shape;266;g2d56fc09ca8_2_181:notes"/>
           <p:cNvSpPr txBox="1">
             <a:spLocks noGrp="1"/>
           </p:cNvSpPr>
@@ -2825,7 +2821,7 @@
       </p:sp>
       <p:sp>
         <p:nvSpPr>
-          <p:cNvPr id="261" name="Google Shape;261;g2d56fc09ca8_2_176:notes"/>
+          <p:cNvPr id="267" name="Google Shape;267;g2d56fc09ca8_2_181:notes"/>
           <p:cNvSpPr>
             <a:spLocks noGrp="1" noRot="1" noChangeAspect="1"/>
           </p:cNvSpPr>
@@ -2877,7 +2873,7 @@
   <p:cSld>
     <p:spTree>
       <p:nvGrpSpPr>
-        <p:cNvPr id="1" name="Shape 265"/>
+        <p:cNvPr id="1" name="Shape 152"/>
         <p:cNvGrpSpPr/>
         <p:nvPr/>
       </p:nvGrpSpPr>
@@ -2891,7 +2887,7 @@
       </p:grpSpPr>
       <p:sp>
         <p:nvSpPr>
-          <p:cNvPr id="266" name="Google Shape;266;g2d56fc09ca8_2_181:notes"/>
+          <p:cNvPr id="153" name="Google Shape;153;g2d56fc09ca8_2_88:notes"/>
           <p:cNvSpPr txBox="1">
             <a:spLocks noGrp="1"/>
           </p:cNvSpPr>
@@ -2929,7 +2925,7 @@
       </p:sp>
       <p:sp>
         <p:nvSpPr>
-          <p:cNvPr id="267" name="Google Shape;267;g2d56fc09ca8_2_181:notes"/>
+          <p:cNvPr id="154" name="Google Shape;154;g2d56fc09ca8_2_88:notes"/>
           <p:cNvSpPr>
             <a:spLocks noGrp="1" noRot="1" noChangeAspect="1"/>
           </p:cNvSpPr>
@@ -2981,7 +2977,7 @@
   <p:cSld>
     <p:spTree>
       <p:nvGrpSpPr>
-        <p:cNvPr id="1" name="Shape 152"/>
+        <p:cNvPr id="1" name="Shape 157"/>
         <p:cNvGrpSpPr/>
         <p:nvPr/>
       </p:nvGrpSpPr>
@@ -2995,7 +2991,7 @@
       </p:grpSpPr>
       <p:sp>
         <p:nvSpPr>
-          <p:cNvPr id="153" name="Google Shape;153;g2d56fc09ca8_2_88:notes"/>
+          <p:cNvPr id="158" name="Google Shape;158;g2d56fc09ca8_2_92:notes"/>
           <p:cNvSpPr txBox="1">
             <a:spLocks noGrp="1"/>
           </p:cNvSpPr>
@@ -3033,7 +3029,7 @@
       </p:sp>
       <p:sp>
         <p:nvSpPr>
-          <p:cNvPr id="154" name="Google Shape;154;g2d56fc09ca8_2_88:notes"/>
+          <p:cNvPr id="159" name="Google Shape;159;g2d56fc09ca8_2_92:notes"/>
           <p:cNvSpPr>
             <a:spLocks noGrp="1" noRot="1" noChangeAspect="1"/>
           </p:cNvSpPr>
@@ -3085,7 +3081,7 @@
   <p:cSld>
     <p:spTree>
       <p:nvGrpSpPr>
-        <p:cNvPr id="1" name="Shape 157"/>
+        <p:cNvPr id="1" name="Shape 163"/>
         <p:cNvGrpSpPr/>
         <p:nvPr/>
       </p:nvGrpSpPr>
@@ -3099,7 +3095,7 @@
       </p:grpSpPr>
       <p:sp>
         <p:nvSpPr>
-          <p:cNvPr id="158" name="Google Shape;158;g2d56fc09ca8_2_92:notes"/>
+          <p:cNvPr id="164" name="Google Shape;164;g2d56fc09ca8_2_97:notes"/>
           <p:cNvSpPr txBox="1">
             <a:spLocks noGrp="1"/>
           </p:cNvSpPr>
@@ -3137,7 +3133,7 @@
       </p:sp>
       <p:sp>
         <p:nvSpPr>
-          <p:cNvPr id="159" name="Google Shape;159;g2d56fc09ca8_2_92:notes"/>
+          <p:cNvPr id="165" name="Google Shape;165;g2d56fc09ca8_2_97:notes"/>
           <p:cNvSpPr>
             <a:spLocks noGrp="1" noRot="1" noChangeAspect="1"/>
           </p:cNvSpPr>
@@ -3189,7 +3185,7 @@
   <p:cSld>
     <p:spTree>
       <p:nvGrpSpPr>
-        <p:cNvPr id="1" name="Shape 163"/>
+        <p:cNvPr id="1" name="Shape 169"/>
         <p:cNvGrpSpPr/>
         <p:nvPr/>
       </p:nvGrpSpPr>
@@ -3203,7 +3199,7 @@
       </p:grpSpPr>
       <p:sp>
         <p:nvSpPr>
-          <p:cNvPr id="164" name="Google Shape;164;g2d56fc09ca8_2_97:notes"/>
+          <p:cNvPr id="170" name="Google Shape;170;g2d56fc09ca8_2_102:notes"/>
           <p:cNvSpPr txBox="1">
             <a:spLocks noGrp="1"/>
           </p:cNvSpPr>
@@ -3241,7 +3237,7 @@
       </p:sp>
       <p:sp>
         <p:nvSpPr>
-          <p:cNvPr id="165" name="Google Shape;165;g2d56fc09ca8_2_97:notes"/>
+          <p:cNvPr id="171" name="Google Shape;171;g2d56fc09ca8_2_102:notes"/>
           <p:cNvSpPr>
             <a:spLocks noGrp="1" noRot="1" noChangeAspect="1"/>
           </p:cNvSpPr>
@@ -3293,7 +3289,7 @@
   <p:cSld>
     <p:spTree>
       <p:nvGrpSpPr>
-        <p:cNvPr id="1" name="Shape 169"/>
+        <p:cNvPr id="1" name="Shape 174"/>
         <p:cNvGrpSpPr/>
         <p:nvPr/>
       </p:nvGrpSpPr>
@@ -3307,7 +3303,7 @@
       </p:grpSpPr>
       <p:sp>
         <p:nvSpPr>
-          <p:cNvPr id="170" name="Google Shape;170;g2d56fc09ca8_2_102:notes"/>
+          <p:cNvPr id="175" name="Google Shape;175;g2d56fc09ca8_2_106:notes"/>
           <p:cNvSpPr txBox="1">
             <a:spLocks noGrp="1"/>
           </p:cNvSpPr>
@@ -3345,7 +3341,7 @@
       </p:sp>
       <p:sp>
         <p:nvSpPr>
-          <p:cNvPr id="171" name="Google Shape;171;g2d56fc09ca8_2_102:notes"/>
+          <p:cNvPr id="176" name="Google Shape;176;g2d56fc09ca8_2_106:notes"/>
           <p:cNvSpPr>
             <a:spLocks noGrp="1" noRot="1" noChangeAspect="1"/>
           </p:cNvSpPr>
@@ -3397,7 +3393,7 @@
   <p:cSld>
     <p:spTree>
       <p:nvGrpSpPr>
-        <p:cNvPr id="1" name="Shape 174"/>
+        <p:cNvPr id="1" name="Shape 180"/>
         <p:cNvGrpSpPr/>
         <p:nvPr/>
       </p:nvGrpSpPr>
@@ -3411,7 +3407,7 @@
       </p:grpSpPr>
       <p:sp>
         <p:nvSpPr>
-          <p:cNvPr id="175" name="Google Shape;175;g2d56fc09ca8_2_106:notes"/>
+          <p:cNvPr id="181" name="Google Shape;181;g2d56fc09ca8_2_111:notes"/>
           <p:cNvSpPr txBox="1">
             <a:spLocks noGrp="1"/>
           </p:cNvSpPr>
@@ -3449,7 +3445,7 @@
       </p:sp>
       <p:sp>
         <p:nvSpPr>
-          <p:cNvPr id="176" name="Google Shape;176;g2d56fc09ca8_2_106:notes"/>
+          <p:cNvPr id="182" name="Google Shape;182;g2d56fc09ca8_2_111:notes"/>
           <p:cNvSpPr>
             <a:spLocks noGrp="1" noRot="1" noChangeAspect="1"/>
           </p:cNvSpPr>
@@ -3501,7 +3497,7 @@
   <p:cSld>
     <p:spTree>
       <p:nvGrpSpPr>
-        <p:cNvPr id="1" name="Shape 85"/>
+        <p:cNvPr id="1" name="Shape 90"/>
         <p:cNvGrpSpPr/>
         <p:nvPr/>
       </p:nvGrpSpPr>
@@ -3515,7 +3511,7 @@
       </p:grpSpPr>
       <p:sp>
         <p:nvSpPr>
-          <p:cNvPr id="86" name="Google Shape;86;g2d56fc09ca8_2_33:notes"/>
+          <p:cNvPr id="91" name="Google Shape;91;g2d56fc09ca8_2_37:notes"/>
           <p:cNvSpPr txBox="1">
             <a:spLocks noGrp="1"/>
           </p:cNvSpPr>
@@ -3553,7 +3549,7 @@
       </p:sp>
       <p:sp>
         <p:nvSpPr>
-          <p:cNvPr id="87" name="Google Shape;87;g2d56fc09ca8_2_33:notes"/>
+          <p:cNvPr id="92" name="Google Shape;92;g2d56fc09ca8_2_37:notes"/>
           <p:cNvSpPr>
             <a:spLocks noGrp="1" noRot="1" noChangeAspect="1"/>
           </p:cNvSpPr>
@@ -3605,7 +3601,7 @@
   <p:cSld>
     <p:spTree>
       <p:nvGrpSpPr>
-        <p:cNvPr id="1" name="Shape 180"/>
+        <p:cNvPr id="1" name="Shape 186"/>
         <p:cNvGrpSpPr/>
         <p:nvPr/>
       </p:nvGrpSpPr>
@@ -3619,7 +3615,7 @@
       </p:grpSpPr>
       <p:sp>
         <p:nvSpPr>
-          <p:cNvPr id="181" name="Google Shape;181;g2d56fc09ca8_2_111:notes"/>
+          <p:cNvPr id="187" name="Google Shape;187;g2d56fc09ca8_2_116:notes"/>
           <p:cNvSpPr txBox="1">
             <a:spLocks noGrp="1"/>
           </p:cNvSpPr>
@@ -3657,7 +3653,7 @@
       </p:sp>
       <p:sp>
         <p:nvSpPr>
-          <p:cNvPr id="182" name="Google Shape;182;g2d56fc09ca8_2_111:notes"/>
+          <p:cNvPr id="188" name="Google Shape;188;g2d56fc09ca8_2_116:notes"/>
           <p:cNvSpPr>
             <a:spLocks noGrp="1" noRot="1" noChangeAspect="1"/>
           </p:cNvSpPr>
@@ -3709,7 +3705,7 @@
   <p:cSld>
     <p:spTree>
       <p:nvGrpSpPr>
-        <p:cNvPr id="1" name="Shape 186"/>
+        <p:cNvPr id="1" name="Shape 191"/>
         <p:cNvGrpSpPr/>
         <p:nvPr/>
       </p:nvGrpSpPr>
@@ -3723,7 +3719,7 @@
       </p:grpSpPr>
       <p:sp>
         <p:nvSpPr>
-          <p:cNvPr id="187" name="Google Shape;187;g2d56fc09ca8_2_116:notes"/>
+          <p:cNvPr id="192" name="Google Shape;192;g2d56fc09ca8_2_120:notes"/>
           <p:cNvSpPr txBox="1">
             <a:spLocks noGrp="1"/>
           </p:cNvSpPr>
@@ -3761,7 +3757,7 @@
       </p:sp>
       <p:sp>
         <p:nvSpPr>
-          <p:cNvPr id="188" name="Google Shape;188;g2d56fc09ca8_2_116:notes"/>
+          <p:cNvPr id="193" name="Google Shape;193;g2d56fc09ca8_2_120:notes"/>
           <p:cNvSpPr>
             <a:spLocks noGrp="1" noRot="1" noChangeAspect="1"/>
           </p:cNvSpPr>
@@ -3813,7 +3809,7 @@
   <p:cSld>
     <p:spTree>
       <p:nvGrpSpPr>
-        <p:cNvPr id="1" name="Shape 191"/>
+        <p:cNvPr id="1" name="Shape 197"/>
         <p:cNvGrpSpPr/>
         <p:nvPr/>
       </p:nvGrpSpPr>
@@ -3827,7 +3823,7 @@
       </p:grpSpPr>
       <p:sp>
         <p:nvSpPr>
-          <p:cNvPr id="192" name="Google Shape;192;g2d56fc09ca8_2_120:notes"/>
+          <p:cNvPr id="198" name="Google Shape;198;g2d56fc09ca8_2_125:notes"/>
           <p:cNvSpPr txBox="1">
             <a:spLocks noGrp="1"/>
           </p:cNvSpPr>
@@ -3865,7 +3861,7 @@
       </p:sp>
       <p:sp>
         <p:nvSpPr>
-          <p:cNvPr id="193" name="Google Shape;193;g2d56fc09ca8_2_120:notes"/>
+          <p:cNvPr id="199" name="Google Shape;199;g2d56fc09ca8_2_125:notes"/>
           <p:cNvSpPr>
             <a:spLocks noGrp="1" noRot="1" noChangeAspect="1"/>
           </p:cNvSpPr>
@@ -3917,7 +3913,7 @@
   <p:cSld>
     <p:spTree>
       <p:nvGrpSpPr>
-        <p:cNvPr id="1" name="Shape 197"/>
+        <p:cNvPr id="1" name="Shape 135"/>
         <p:cNvGrpSpPr/>
         <p:nvPr/>
       </p:nvGrpSpPr>
@@ -3931,7 +3927,7 @@
       </p:grpSpPr>
       <p:sp>
         <p:nvSpPr>
-          <p:cNvPr id="198" name="Google Shape;198;g2d56fc09ca8_2_125:notes"/>
+          <p:cNvPr id="136" name="Google Shape;136;g2d56fc09ca8_2_74:notes"/>
           <p:cNvSpPr txBox="1">
             <a:spLocks noGrp="1"/>
           </p:cNvSpPr>
@@ -3969,7 +3965,7 @@
       </p:sp>
       <p:sp>
         <p:nvSpPr>
-          <p:cNvPr id="199" name="Google Shape;199;g2d56fc09ca8_2_125:notes"/>
+          <p:cNvPr id="137" name="Google Shape;137;g2d56fc09ca8_2_74:notes"/>
           <p:cNvSpPr>
             <a:spLocks noGrp="1" noRot="1" noChangeAspect="1"/>
           </p:cNvSpPr>
@@ -4021,7 +4017,7 @@
   <p:cSld>
     <p:spTree>
       <p:nvGrpSpPr>
-        <p:cNvPr id="1" name="Shape 135"/>
+        <p:cNvPr id="1" name="Shape 140"/>
         <p:cNvGrpSpPr/>
         <p:nvPr/>
       </p:nvGrpSpPr>
@@ -4035,7 +4031,7 @@
       </p:grpSpPr>
       <p:sp>
         <p:nvSpPr>
-          <p:cNvPr id="136" name="Google Shape;136;g2d56fc09ca8_2_74:notes"/>
+          <p:cNvPr id="141" name="Google Shape;141;g2d56fc09ca8_2_78:notes"/>
           <p:cNvSpPr txBox="1">
             <a:spLocks noGrp="1"/>
           </p:cNvSpPr>
@@ -4073,7 +4069,7 @@
       </p:sp>
       <p:sp>
         <p:nvSpPr>
-          <p:cNvPr id="137" name="Google Shape;137;g2d56fc09ca8_2_74:notes"/>
+          <p:cNvPr id="142" name="Google Shape;142;g2d56fc09ca8_2_78:notes"/>
           <p:cNvSpPr>
             <a:spLocks noGrp="1" noRot="1" noChangeAspect="1"/>
           </p:cNvSpPr>
@@ -4125,7 +4121,7 @@
   <p:cSld>
     <p:spTree>
       <p:nvGrpSpPr>
-        <p:cNvPr id="1" name="Shape 140"/>
+        <p:cNvPr id="1" name="Shape 146"/>
         <p:cNvGrpSpPr/>
         <p:nvPr/>
       </p:nvGrpSpPr>
@@ -4139,7 +4135,7 @@
       </p:grpSpPr>
       <p:sp>
         <p:nvSpPr>
-          <p:cNvPr id="141" name="Google Shape;141;g2d56fc09ca8_2_78:notes"/>
+          <p:cNvPr id="147" name="Google Shape;147;g2d56fc09ca8_2_83:notes"/>
           <p:cNvSpPr txBox="1">
             <a:spLocks noGrp="1"/>
           </p:cNvSpPr>
@@ -4177,7 +4173,7 @@
       </p:sp>
       <p:sp>
         <p:nvSpPr>
-          <p:cNvPr id="142" name="Google Shape;142;g2d56fc09ca8_2_78:notes"/>
+          <p:cNvPr id="148" name="Google Shape;148;g2d56fc09ca8_2_83:notes"/>
           <p:cNvSpPr>
             <a:spLocks noGrp="1" noRot="1" noChangeAspect="1"/>
           </p:cNvSpPr>
@@ -4229,7 +4225,7 @@
   <p:cSld>
     <p:spTree>
       <p:nvGrpSpPr>
-        <p:cNvPr id="1" name="Shape 146"/>
+        <p:cNvPr id="1" name="Shape 271"/>
         <p:cNvGrpSpPr/>
         <p:nvPr/>
       </p:nvGrpSpPr>
@@ -4243,7 +4239,7 @@
       </p:grpSpPr>
       <p:sp>
         <p:nvSpPr>
-          <p:cNvPr id="147" name="Google Shape;147;g2d56fc09ca8_2_83:notes"/>
+          <p:cNvPr id="272" name="Google Shape;272;g2d56fc09ca8_2_186:notes"/>
           <p:cNvSpPr txBox="1">
             <a:spLocks noGrp="1"/>
           </p:cNvSpPr>
@@ -4281,7 +4277,7 @@
       </p:sp>
       <p:sp>
         <p:nvSpPr>
-          <p:cNvPr id="148" name="Google Shape;148;g2d56fc09ca8_2_83:notes"/>
+          <p:cNvPr id="273" name="Google Shape;273;g2d56fc09ca8_2_186:notes"/>
           <p:cNvSpPr>
             <a:spLocks noGrp="1" noRot="1" noChangeAspect="1"/>
           </p:cNvSpPr>
@@ -4333,7 +4329,7 @@
   <p:cSld>
     <p:spTree>
       <p:nvGrpSpPr>
-        <p:cNvPr id="1" name="Shape 271"/>
+        <p:cNvPr id="1" name="Shape 276"/>
         <p:cNvGrpSpPr/>
         <p:nvPr/>
       </p:nvGrpSpPr>
@@ -4347,7 +4343,7 @@
       </p:grpSpPr>
       <p:sp>
         <p:nvSpPr>
-          <p:cNvPr id="272" name="Google Shape;272;g2d56fc09ca8_2_186:notes"/>
+          <p:cNvPr id="277" name="Google Shape;277;g2d56fc09ca8_2_190:notes"/>
           <p:cNvSpPr txBox="1">
             <a:spLocks noGrp="1"/>
           </p:cNvSpPr>
@@ -4385,7 +4381,7 @@
       </p:sp>
       <p:sp>
         <p:nvSpPr>
-          <p:cNvPr id="273" name="Google Shape;273;g2d56fc09ca8_2_186:notes"/>
+          <p:cNvPr id="278" name="Google Shape;278;g2d56fc09ca8_2_190:notes"/>
           <p:cNvSpPr>
             <a:spLocks noGrp="1" noRot="1" noChangeAspect="1"/>
           </p:cNvSpPr>
@@ -4437,7 +4433,7 @@
   <p:cSld>
     <p:spTree>
       <p:nvGrpSpPr>
-        <p:cNvPr id="1" name="Shape 276"/>
+        <p:cNvPr id="1" name="Shape 282"/>
         <p:cNvGrpSpPr/>
         <p:nvPr/>
       </p:nvGrpSpPr>
@@ -4451,7 +4447,7 @@
       </p:grpSpPr>
       <p:sp>
         <p:nvSpPr>
-          <p:cNvPr id="277" name="Google Shape;277;g2d56fc09ca8_2_190:notes"/>
+          <p:cNvPr id="283" name="Google Shape;283;g2d56fc09ca8_2_195:notes"/>
           <p:cNvSpPr txBox="1">
             <a:spLocks noGrp="1"/>
           </p:cNvSpPr>
@@ -4489,7 +4485,7 @@
       </p:sp>
       <p:sp>
         <p:nvSpPr>
-          <p:cNvPr id="278" name="Google Shape;278;g2d56fc09ca8_2_190:notes"/>
+          <p:cNvPr id="284" name="Google Shape;284;g2d56fc09ca8_2_195:notes"/>
           <p:cNvSpPr>
             <a:spLocks noGrp="1" noRot="1" noChangeAspect="1"/>
           </p:cNvSpPr>
@@ -4541,7 +4537,7 @@
   <p:cSld>
     <p:spTree>
       <p:nvGrpSpPr>
-        <p:cNvPr id="1" name="Shape 282"/>
+        <p:cNvPr id="1" name="Shape 218"/>
         <p:cNvGrpSpPr/>
         <p:nvPr/>
       </p:nvGrpSpPr>
@@ -4555,7 +4551,7 @@
       </p:grpSpPr>
       <p:sp>
         <p:nvSpPr>
-          <p:cNvPr id="283" name="Google Shape;283;g2d56fc09ca8_2_195:notes"/>
+          <p:cNvPr id="219" name="Google Shape;219;g2d56fc09ca8_2_200:notes"/>
           <p:cNvSpPr txBox="1">
             <a:spLocks noGrp="1"/>
           </p:cNvSpPr>
@@ -4593,7 +4589,7 @@
       </p:sp>
       <p:sp>
         <p:nvSpPr>
-          <p:cNvPr id="284" name="Google Shape;284;g2d56fc09ca8_2_195:notes"/>
+          <p:cNvPr id="220" name="Google Shape;220;g2d56fc09ca8_2_200:notes"/>
           <p:cNvSpPr>
             <a:spLocks noGrp="1" noRot="1" noChangeAspect="1"/>
           </p:cNvSpPr>
@@ -4645,7 +4641,7 @@
   <p:cSld>
     <p:spTree>
       <p:nvGrpSpPr>
-        <p:cNvPr id="1" name="Shape 90"/>
+        <p:cNvPr id="1" name="Shape 95"/>
         <p:cNvGrpSpPr/>
         <p:nvPr/>
       </p:nvGrpSpPr>
@@ -4659,7 +4655,7 @@
       </p:grpSpPr>
       <p:sp>
         <p:nvSpPr>
-          <p:cNvPr id="91" name="Google Shape;91;g2d56fc09ca8_2_37:notes"/>
+          <p:cNvPr id="96" name="Google Shape;96;g2d56fc09ca8_2_41:notes"/>
           <p:cNvSpPr txBox="1">
             <a:spLocks noGrp="1"/>
           </p:cNvSpPr>
@@ -4697,7 +4693,7 @@
       </p:sp>
       <p:sp>
         <p:nvSpPr>
-          <p:cNvPr id="92" name="Google Shape;92;g2d56fc09ca8_2_37:notes"/>
+          <p:cNvPr id="97" name="Google Shape;97;g2d56fc09ca8_2_41:notes"/>
           <p:cNvSpPr>
             <a:spLocks noGrp="1" noRot="1" noChangeAspect="1"/>
           </p:cNvSpPr>
@@ -4749,7 +4745,7 @@
   <p:cSld>
     <p:spTree>
       <p:nvGrpSpPr>
-        <p:cNvPr id="1" name="Shape 218"/>
+        <p:cNvPr id="1" name="Shape 228"/>
         <p:cNvGrpSpPr/>
         <p:nvPr/>
       </p:nvGrpSpPr>
@@ -4763,7 +4759,7 @@
       </p:grpSpPr>
       <p:sp>
         <p:nvSpPr>
-          <p:cNvPr id="219" name="Google Shape;219;g2d56fc09ca8_2_200:notes"/>
+          <p:cNvPr id="229" name="Google Shape;229;g2d56fc09cfd_0_48:notes"/>
           <p:cNvSpPr txBox="1">
             <a:spLocks noGrp="1"/>
           </p:cNvSpPr>
@@ -4801,7 +4797,7 @@
       </p:sp>
       <p:sp>
         <p:nvSpPr>
-          <p:cNvPr id="220" name="Google Shape;220;g2d56fc09ca8_2_200:notes"/>
+          <p:cNvPr id="230" name="Google Shape;230;g2d56fc09cfd_0_48:notes"/>
           <p:cNvSpPr>
             <a:spLocks noGrp="1" noRot="1" noChangeAspect="1"/>
           </p:cNvSpPr>
@@ -4853,7 +4849,7 @@
   <p:cSld>
     <p:spTree>
       <p:nvGrpSpPr>
-        <p:cNvPr id="1" name="Shape 228"/>
+        <p:cNvPr id="1" name="Shape 244"/>
         <p:cNvGrpSpPr/>
         <p:nvPr/>
       </p:nvGrpSpPr>
@@ -4867,7 +4863,7 @@
       </p:grpSpPr>
       <p:sp>
         <p:nvSpPr>
-          <p:cNvPr id="229" name="Google Shape;229;g2d56fc09cfd_0_48:notes"/>
+          <p:cNvPr id="245" name="Google Shape;245;g2d56fc09ca8_2_205:notes"/>
           <p:cNvSpPr txBox="1">
             <a:spLocks noGrp="1"/>
           </p:cNvSpPr>
@@ -4905,7 +4901,7 @@
       </p:sp>
       <p:sp>
         <p:nvSpPr>
-          <p:cNvPr id="230" name="Google Shape;230;g2d56fc09cfd_0_48:notes"/>
+          <p:cNvPr id="246" name="Google Shape;246;g2d56fc09ca8_2_205:notes"/>
           <p:cNvSpPr>
             <a:spLocks noGrp="1" noRot="1" noChangeAspect="1"/>
           </p:cNvSpPr>
@@ -4957,7 +4953,7 @@
   <p:cSld>
     <p:spTree>
       <p:nvGrpSpPr>
-        <p:cNvPr id="1" name="Shape 244"/>
+        <p:cNvPr id="1" name="Shape 251"/>
         <p:cNvGrpSpPr/>
         <p:nvPr/>
       </p:nvGrpSpPr>
@@ -4971,7 +4967,7 @@
       </p:grpSpPr>
       <p:sp>
         <p:nvSpPr>
-          <p:cNvPr id="245" name="Google Shape;245;g2d56fc09ca8_2_205:notes"/>
+          <p:cNvPr id="252" name="Google Shape;252;g2d56fc09ca8_2_210:notes"/>
           <p:cNvSpPr txBox="1">
             <a:spLocks noGrp="1"/>
           </p:cNvSpPr>
@@ -5009,7 +5005,7 @@
       </p:sp>
       <p:sp>
         <p:nvSpPr>
-          <p:cNvPr id="246" name="Google Shape;246;g2d56fc09ca8_2_205:notes"/>
+          <p:cNvPr id="253" name="Google Shape;253;g2d56fc09ca8_2_210:notes"/>
           <p:cNvSpPr>
             <a:spLocks noGrp="1" noRot="1" noChangeAspect="1"/>
           </p:cNvSpPr>
@@ -5056,12 +5052,12 @@
 </p:notes>
 </file>
 
-<file path=ppt/notesSlides/notesSlide43.xml><?xml version="1.0" encoding="utf-8"?>
+<file path=ppt/notesSlides/notesSlide5.xml><?xml version="1.0" encoding="utf-8"?>
 <p:notes xmlns:a="http://schemas.openxmlformats.org/drawingml/2006/main" xmlns:r="http://schemas.openxmlformats.org/officeDocument/2006/relationships" xmlns:p="http://schemas.openxmlformats.org/presentationml/2006/main" showMasterSp="0" showMasterPhAnim="0">
   <p:cSld>
     <p:spTree>
       <p:nvGrpSpPr>
-        <p:cNvPr id="1" name="Shape 251"/>
+        <p:cNvPr id="1" name="Shape 92"/>
         <p:cNvGrpSpPr/>
         <p:nvPr/>
       </p:nvGrpSpPr>
@@ -5075,7 +5071,7 @@
       </p:grpSpPr>
       <p:sp>
         <p:nvSpPr>
-          <p:cNvPr id="252" name="Google Shape;252;g2d56fc09ca8_2_210:notes"/>
+          <p:cNvPr id="93" name="Google Shape;93;g2d56fc09ca8_2_46:notes"/>
           <p:cNvSpPr txBox="1">
             <a:spLocks noGrp="1"/>
           </p:cNvSpPr>
@@ -5113,7 +5109,7 @@
       </p:sp>
       <p:sp>
         <p:nvSpPr>
-          <p:cNvPr id="253" name="Google Shape;253;g2d56fc09ca8_2_210:notes"/>
+          <p:cNvPr id="94" name="Google Shape;94;g2d56fc09ca8_2_46:notes"/>
           <p:cNvSpPr>
             <a:spLocks noGrp="1" noRot="1" noChangeAspect="1"/>
           </p:cNvSpPr>
@@ -5160,12 +5156,12 @@
 </p:notes>
 </file>
 
-<file path=ppt/notesSlides/notesSlide5.xml><?xml version="1.0" encoding="utf-8"?>
+<file path=ppt/notesSlides/notesSlide6.xml><?xml version="1.0" encoding="utf-8"?>
 <p:notes xmlns:a="http://schemas.openxmlformats.org/drawingml/2006/main" xmlns:r="http://schemas.openxmlformats.org/officeDocument/2006/relationships" xmlns:p="http://schemas.openxmlformats.org/presentationml/2006/main" showMasterSp="0" showMasterPhAnim="0">
   <p:cSld>
     <p:spTree>
       <p:nvGrpSpPr>
-        <p:cNvPr id="1" name="Shape 95"/>
+        <p:cNvPr id="1" name="Shape 101"/>
         <p:cNvGrpSpPr/>
         <p:nvPr/>
       </p:nvGrpSpPr>
@@ -5179,7 +5175,7 @@
       </p:grpSpPr>
       <p:sp>
         <p:nvSpPr>
-          <p:cNvPr id="96" name="Google Shape;96;g2d56fc09ca8_2_41:notes"/>
+          <p:cNvPr id="102" name="Google Shape;102;g2d56fc09ca8_2_46:notes"/>
           <p:cNvSpPr txBox="1">
             <a:spLocks noGrp="1"/>
           </p:cNvSpPr>
@@ -5217,7 +5213,7 @@
       </p:sp>
       <p:sp>
         <p:nvSpPr>
-          <p:cNvPr id="97" name="Google Shape;97;g2d56fc09ca8_2_41:notes"/>
+          <p:cNvPr id="103" name="Google Shape;103;g2d56fc09ca8_2_46:notes"/>
           <p:cNvSpPr>
             <a:spLocks noGrp="1" noRot="1" noChangeAspect="1"/>
           </p:cNvSpPr>
@@ -5264,12 +5260,12 @@
 </p:notes>
 </file>
 
-<file path=ppt/notesSlides/notesSlide6.xml><?xml version="1.0" encoding="utf-8"?>
+<file path=ppt/notesSlides/notesSlide7.xml><?xml version="1.0" encoding="utf-8"?>
 <p:notes xmlns:a="http://schemas.openxmlformats.org/drawingml/2006/main" xmlns:r="http://schemas.openxmlformats.org/officeDocument/2006/relationships" xmlns:p="http://schemas.openxmlformats.org/presentationml/2006/main" showMasterSp="0" showMasterPhAnim="0">
   <p:cSld>
     <p:spTree>
       <p:nvGrpSpPr>
-        <p:cNvPr id="1" name="Shape 92"/>
+        <p:cNvPr id="1" name="Shape 106"/>
         <p:cNvGrpSpPr/>
         <p:nvPr/>
       </p:nvGrpSpPr>
@@ -5283,7 +5279,7 @@
       </p:grpSpPr>
       <p:sp>
         <p:nvSpPr>
-          <p:cNvPr id="93" name="Google Shape;93;g2d56fc09ca8_2_46:notes"/>
+          <p:cNvPr id="107" name="Google Shape;107;g2d56fc09ca8_2_50:notes"/>
           <p:cNvSpPr txBox="1">
             <a:spLocks noGrp="1"/>
           </p:cNvSpPr>
@@ -5321,7 +5317,7 @@
       </p:sp>
       <p:sp>
         <p:nvSpPr>
-          <p:cNvPr id="94" name="Google Shape;94;g2d56fc09ca8_2_46:notes"/>
+          <p:cNvPr id="108" name="Google Shape;108;g2d56fc09ca8_2_50:notes"/>
           <p:cNvSpPr>
             <a:spLocks noGrp="1" noRot="1" noChangeAspect="1"/>
           </p:cNvSpPr>
@@ -5368,12 +5364,12 @@
 </p:notes>
 </file>
 
-<file path=ppt/notesSlides/notesSlide7.xml><?xml version="1.0" encoding="utf-8"?>
+<file path=ppt/notesSlides/notesSlide8.xml><?xml version="1.0" encoding="utf-8"?>
 <p:notes xmlns:a="http://schemas.openxmlformats.org/drawingml/2006/main" xmlns:r="http://schemas.openxmlformats.org/officeDocument/2006/relationships" xmlns:p="http://schemas.openxmlformats.org/presentationml/2006/main" showMasterSp="0" showMasterPhAnim="0">
   <p:cSld>
     <p:spTree>
       <p:nvGrpSpPr>
-        <p:cNvPr id="1" name="Shape 101"/>
+        <p:cNvPr id="1" name="Shape 112"/>
         <p:cNvGrpSpPr/>
         <p:nvPr/>
       </p:nvGrpSpPr>
@@ -5387,7 +5383,7 @@
       </p:grpSpPr>
       <p:sp>
         <p:nvSpPr>
-          <p:cNvPr id="102" name="Google Shape;102;g2d56fc09ca8_2_46:notes"/>
+          <p:cNvPr id="113" name="Google Shape;113;g2d56fc09ca8_2_55:notes"/>
           <p:cNvSpPr txBox="1">
             <a:spLocks noGrp="1"/>
           </p:cNvSpPr>
@@ -5425,7 +5421,7 @@
       </p:sp>
       <p:sp>
         <p:nvSpPr>
-          <p:cNvPr id="103" name="Google Shape;103;g2d56fc09ca8_2_46:notes"/>
+          <p:cNvPr id="114" name="Google Shape;114;g2d56fc09ca8_2_55:notes"/>
           <p:cNvSpPr>
             <a:spLocks noGrp="1" noRot="1" noChangeAspect="1"/>
           </p:cNvSpPr>
@@ -5472,12 +5468,12 @@
 </p:notes>
 </file>
 
-<file path=ppt/notesSlides/notesSlide8.xml><?xml version="1.0" encoding="utf-8"?>
+<file path=ppt/notesSlides/notesSlide9.xml><?xml version="1.0" encoding="utf-8"?>
 <p:notes xmlns:a="http://schemas.openxmlformats.org/drawingml/2006/main" xmlns:r="http://schemas.openxmlformats.org/officeDocument/2006/relationships" xmlns:p="http://schemas.openxmlformats.org/presentationml/2006/main" showMasterSp="0" showMasterPhAnim="0">
   <p:cSld>
     <p:spTree>
       <p:nvGrpSpPr>
-        <p:cNvPr id="1" name="Shape 106"/>
+        <p:cNvPr id="1" name="Shape 118"/>
         <p:cNvGrpSpPr/>
         <p:nvPr/>
       </p:nvGrpSpPr>
@@ -5491,7 +5487,7 @@
       </p:grpSpPr>
       <p:sp>
         <p:nvSpPr>
-          <p:cNvPr id="107" name="Google Shape;107;g2d56fc09ca8_2_50:notes"/>
+          <p:cNvPr id="119" name="Google Shape;119;g2d56fc09ca8_2_60:notes"/>
           <p:cNvSpPr txBox="1">
             <a:spLocks noGrp="1"/>
           </p:cNvSpPr>
@@ -5529,7 +5525,7 @@
       </p:sp>
       <p:sp>
         <p:nvSpPr>
-          <p:cNvPr id="108" name="Google Shape;108;g2d56fc09ca8_2_50:notes"/>
+          <p:cNvPr id="120" name="Google Shape;120;g2d56fc09ca8_2_60:notes"/>
           <p:cNvSpPr>
             <a:spLocks noGrp="1" noRot="1" noChangeAspect="1"/>
           </p:cNvSpPr>
@@ -5576,362 +5572,14 @@
 </p:notes>
 </file>
 
-<file path=ppt/notesSlides/notesSlide9.xml><?xml version="1.0" encoding="utf-8"?>
-<p:notes xmlns:a="http://schemas.openxmlformats.org/drawingml/2006/main" xmlns:r="http://schemas.openxmlformats.org/officeDocument/2006/relationships" xmlns:p="http://schemas.openxmlformats.org/presentationml/2006/main" showMasterSp="0" showMasterPhAnim="0">
-  <p:cSld>
-    <p:spTree>
-      <p:nvGrpSpPr>
-        <p:cNvPr id="1" name="Shape 112"/>
-        <p:cNvGrpSpPr/>
-        <p:nvPr/>
-      </p:nvGrpSpPr>
-      <p:grpSpPr>
-        <a:xfrm>
-          <a:off x="0" y="0"/>
-          <a:ext cx="0" cy="0"/>
-          <a:chOff x="0" y="0"/>
-          <a:chExt cx="0" cy="0"/>
-        </a:xfrm>
-      </p:grpSpPr>
-      <p:sp>
-        <p:nvSpPr>
-          <p:cNvPr id="113" name="Google Shape;113;g2d56fc09ca8_2_55:notes"/>
-          <p:cNvSpPr txBox="1">
-            <a:spLocks noGrp="1"/>
-          </p:cNvSpPr>
-          <p:nvPr>
-            <p:ph type="body" idx="1"/>
-          </p:nvPr>
-        </p:nvSpPr>
-        <p:spPr>
-          <a:xfrm>
-            <a:off x="914400" y="4343400"/>
-            <a:ext cx="5029200" cy="4114800"/>
-          </a:xfrm>
-          <a:prstGeom prst="rect">
-            <a:avLst/>
-          </a:prstGeom>
-        </p:spPr>
-        <p:txBody>
-          <a:bodyPr spcFirstLastPara="1" wrap="square" lIns="91425" tIns="91425" rIns="91425" bIns="91425" anchor="t" anchorCtr="0">
-            <a:noAutofit/>
-          </a:bodyPr>
-          <a:lstStyle/>
-          <a:p>
-            <a:pPr marL="0" lvl="0" indent="0" algn="l" rtl="0">
-              <a:spcBef>
-                <a:spcPts val="0"/>
-              </a:spcBef>
-              <a:spcAft>
-                <a:spcPts val="0"/>
-              </a:spcAft>
-              <a:buNone/>
-            </a:pPr>
-            <a:endParaRPr/>
-          </a:p>
-        </p:txBody>
-      </p:sp>
-      <p:sp>
-        <p:nvSpPr>
-          <p:cNvPr id="114" name="Google Shape;114;g2d56fc09ca8_2_55:notes"/>
-          <p:cNvSpPr>
-            <a:spLocks noGrp="1" noRot="1" noChangeAspect="1"/>
-          </p:cNvSpPr>
-          <p:nvPr>
-            <p:ph type="sldImg" idx="2"/>
-          </p:nvPr>
-        </p:nvSpPr>
-        <p:spPr>
-          <a:xfrm>
-            <a:off x="381000" y="685800"/>
-            <a:ext cx="6096000" cy="3429000"/>
-          </a:xfrm>
-          <a:custGeom>
-            <a:avLst/>
-            <a:gdLst/>
-            <a:ahLst/>
-            <a:cxnLst/>
-            <a:rect l="l" t="t" r="r" b="b"/>
-            <a:pathLst>
-              <a:path w="120000" h="120000" extrusionOk="0">
-                <a:moveTo>
-                  <a:pt x="0" y="0"/>
-                </a:moveTo>
-                <a:lnTo>
-                  <a:pt x="120000" y="0"/>
-                </a:lnTo>
-                <a:lnTo>
-                  <a:pt x="120000" y="120000"/>
-                </a:lnTo>
-                <a:lnTo>
-                  <a:pt x="0" y="120000"/>
-                </a:lnTo>
-                <a:close/>
-              </a:path>
-            </a:pathLst>
-          </a:custGeom>
-        </p:spPr>
-      </p:sp>
-    </p:spTree>
-  </p:cSld>
-  <p:clrMapOvr>
-    <a:masterClrMapping/>
-  </p:clrMapOvr>
-</p:notes>
-</file>
-
 <file path=ppt/slideLayouts/slideLayout1.xml><?xml version="1.0" encoding="utf-8"?>
-<p:sldLayout xmlns:a="http://schemas.openxmlformats.org/drawingml/2006/main" xmlns:r="http://schemas.openxmlformats.org/officeDocument/2006/relationships" xmlns:p="http://schemas.openxmlformats.org/presentationml/2006/main" matchingName="Welcome Slide" type="tx">
-  <p:cSld name="TITLE_AND_BODY">
-    <p:spTree>
-      <p:nvGrpSpPr>
-        <p:cNvPr id="1" name="Shape 54"/>
-        <p:cNvGrpSpPr/>
-        <p:nvPr/>
-      </p:nvGrpSpPr>
-      <p:grpSpPr>
-        <a:xfrm>
-          <a:off x="0" y="0"/>
-          <a:ext cx="0" cy="0"/>
-          <a:chOff x="0" y="0"/>
-          <a:chExt cx="0" cy="0"/>
-        </a:xfrm>
-      </p:grpSpPr>
-      <p:sp>
-        <p:nvSpPr>
-          <p:cNvPr id="55" name="Google Shape;55;p14"/>
-          <p:cNvSpPr txBox="1">
-            <a:spLocks noGrp="1"/>
-          </p:cNvSpPr>
-          <p:nvPr>
-            <p:ph type="sldNum" idx="12"/>
-          </p:nvPr>
-        </p:nvSpPr>
-        <p:spPr>
-          <a:xfrm>
-            <a:off x="4419600" y="4627562"/>
-            <a:ext cx="2133600" cy="279401"/>
-          </a:xfrm>
-          <a:prstGeom prst="rect">
-            <a:avLst/>
-          </a:prstGeom>
-          <a:noFill/>
-          <a:ln>
-            <a:noFill/>
-          </a:ln>
-        </p:spPr>
-        <p:txBody>
-          <a:bodyPr spcFirstLastPara="1" wrap="square" lIns="45700" tIns="45700" rIns="45700" bIns="45700" anchor="ctr" anchorCtr="0">
-            <a:spAutoFit/>
-          </a:bodyPr>
-          <a:lstStyle>
-            <a:lvl1pPr marL="0" lvl="0" indent="0" algn="r">
-              <a:lnSpc>
-                <a:spcPct val="100000"/>
-              </a:lnSpc>
-              <a:spcBef>
-                <a:spcPts val="0"/>
-              </a:spcBef>
-              <a:spcAft>
-                <a:spcPts val="0"/>
-              </a:spcAft>
-              <a:buClr>
-                <a:srgbClr val="000000"/>
-              </a:buClr>
-              <a:buSzPts val="1200"/>
-              <a:buFont typeface="Arial"/>
-              <a:buNone/>
-              <a:defRPr sz="1200"/>
-            </a:lvl1pPr>
-            <a:lvl2pPr marL="0" lvl="1" indent="0" algn="r">
-              <a:lnSpc>
-                <a:spcPct val="100000"/>
-              </a:lnSpc>
-              <a:spcBef>
-                <a:spcPts val="0"/>
-              </a:spcBef>
-              <a:spcAft>
-                <a:spcPts val="0"/>
-              </a:spcAft>
-              <a:buClr>
-                <a:srgbClr val="000000"/>
-              </a:buClr>
-              <a:buSzPts val="1200"/>
-              <a:buFont typeface="Arial"/>
-              <a:buNone/>
-              <a:defRPr sz="1200"/>
-            </a:lvl2pPr>
-            <a:lvl3pPr marL="0" lvl="2" indent="0" algn="r">
-              <a:lnSpc>
-                <a:spcPct val="100000"/>
-              </a:lnSpc>
-              <a:spcBef>
-                <a:spcPts val="0"/>
-              </a:spcBef>
-              <a:spcAft>
-                <a:spcPts val="0"/>
-              </a:spcAft>
-              <a:buClr>
-                <a:srgbClr val="000000"/>
-              </a:buClr>
-              <a:buSzPts val="1200"/>
-              <a:buFont typeface="Arial"/>
-              <a:buNone/>
-              <a:defRPr sz="1200"/>
-            </a:lvl3pPr>
-            <a:lvl4pPr marL="0" lvl="3" indent="0" algn="r">
-              <a:lnSpc>
-                <a:spcPct val="100000"/>
-              </a:lnSpc>
-              <a:spcBef>
-                <a:spcPts val="0"/>
-              </a:spcBef>
-              <a:spcAft>
-                <a:spcPts val="0"/>
-              </a:spcAft>
-              <a:buClr>
-                <a:srgbClr val="000000"/>
-              </a:buClr>
-              <a:buSzPts val="1200"/>
-              <a:buFont typeface="Arial"/>
-              <a:buNone/>
-              <a:defRPr sz="1200"/>
-            </a:lvl4pPr>
-            <a:lvl5pPr marL="0" lvl="4" indent="0" algn="r">
-              <a:lnSpc>
-                <a:spcPct val="100000"/>
-              </a:lnSpc>
-              <a:spcBef>
-                <a:spcPts val="0"/>
-              </a:spcBef>
-              <a:spcAft>
-                <a:spcPts val="0"/>
-              </a:spcAft>
-              <a:buClr>
-                <a:srgbClr val="000000"/>
-              </a:buClr>
-              <a:buSzPts val="1200"/>
-              <a:buFont typeface="Arial"/>
-              <a:buNone/>
-              <a:defRPr sz="1200"/>
-            </a:lvl5pPr>
-            <a:lvl6pPr marL="0" lvl="5" indent="0" algn="r">
-              <a:lnSpc>
-                <a:spcPct val="100000"/>
-              </a:lnSpc>
-              <a:spcBef>
-                <a:spcPts val="0"/>
-              </a:spcBef>
-              <a:spcAft>
-                <a:spcPts val="0"/>
-              </a:spcAft>
-              <a:buClr>
-                <a:srgbClr val="000000"/>
-              </a:buClr>
-              <a:buSzPts val="1200"/>
-              <a:buFont typeface="Arial"/>
-              <a:buNone/>
-              <a:defRPr sz="1200"/>
-            </a:lvl6pPr>
-            <a:lvl7pPr marL="0" lvl="6" indent="0" algn="r">
-              <a:lnSpc>
-                <a:spcPct val="100000"/>
-              </a:lnSpc>
-              <a:spcBef>
-                <a:spcPts val="0"/>
-              </a:spcBef>
-              <a:spcAft>
-                <a:spcPts val="0"/>
-              </a:spcAft>
-              <a:buClr>
-                <a:srgbClr val="000000"/>
-              </a:buClr>
-              <a:buSzPts val="1200"/>
-              <a:buFont typeface="Arial"/>
-              <a:buNone/>
-              <a:defRPr sz="1200"/>
-            </a:lvl7pPr>
-            <a:lvl8pPr marL="0" lvl="7" indent="0" algn="r">
-              <a:lnSpc>
-                <a:spcPct val="100000"/>
-              </a:lnSpc>
-              <a:spcBef>
-                <a:spcPts val="0"/>
-              </a:spcBef>
-              <a:spcAft>
-                <a:spcPts val="0"/>
-              </a:spcAft>
-              <a:buClr>
-                <a:srgbClr val="000000"/>
-              </a:buClr>
-              <a:buSzPts val="1200"/>
-              <a:buFont typeface="Arial"/>
-              <a:buNone/>
-              <a:defRPr sz="1200"/>
-            </a:lvl8pPr>
-            <a:lvl9pPr marL="0" lvl="8" indent="0" algn="r">
-              <a:lnSpc>
-                <a:spcPct val="100000"/>
-              </a:lnSpc>
-              <a:spcBef>
-                <a:spcPts val="0"/>
-              </a:spcBef>
-              <a:spcAft>
-                <a:spcPts val="0"/>
-              </a:spcAft>
-              <a:buClr>
-                <a:srgbClr val="000000"/>
-              </a:buClr>
-              <a:buSzPts val="1200"/>
-              <a:buFont typeface="Arial"/>
-              <a:buNone/>
-              <a:defRPr sz="1200"/>
-            </a:lvl9pPr>
-          </a:lstStyle>
-          <a:p>
-            <a:pPr marL="0" lvl="0" indent="0" algn="r" rtl="0">
-              <a:spcBef>
-                <a:spcPts val="0"/>
-              </a:spcBef>
-              <a:spcAft>
-                <a:spcPts val="0"/>
-              </a:spcAft>
-              <a:buNone/>
-            </a:pPr>
-            <a:fld id="{00000000-1234-1234-1234-123412341234}" type="slidenum">
-              <a:rPr lang="en"/>
-              <a:t>‹#›</a:t>
-            </a:fld>
-            <a:endParaRPr/>
-          </a:p>
-        </p:txBody>
-      </p:sp>
-    </p:spTree>
-  </p:cSld>
-  <p:clrMapOvr>
-    <a:masterClrMapping/>
-  </p:clrMapOvr>
-</p:sldLayout>
-</file>
-
-<file path=ppt/slideLayouts/slideLayout2.xml><?xml version="1.0" encoding="utf-8"?>
 <p:sldLayout xmlns:a="http://schemas.openxmlformats.org/drawingml/2006/main" xmlns:r="http://schemas.openxmlformats.org/officeDocument/2006/relationships" xmlns:p="http://schemas.openxmlformats.org/presentationml/2006/main" matchingName="Title and Content">
   <p:cSld name="Title and Content">
     <p:bg>
       <p:bgPr>
-        <a:blipFill>
-          <a:blip r:embed="rId2" cstate="print">
-            <a:alphaModFix/>
-            <a:extLst>
-              <a:ext uri="{28A0092B-C50C-407E-A947-70E740481C1C}">
-                <a14:useLocalDpi xmlns:a14="http://schemas.microsoft.com/office/drawing/2010/main"/>
-              </a:ext>
-            </a:extLst>
-          </a:blip>
-          <a:stretch>
-            <a:fillRect/>
-          </a:stretch>
-        </a:blipFill>
+        <a:solidFill>
+          <a:schemeClr val="bg1"/>
+        </a:solidFill>
         <a:effectLst/>
       </p:bgPr>
     </p:bg>
@@ -6540,24 +6188,14 @@
 </p:sldLayout>
 </file>
 
-<file path=ppt/slideLayouts/slideLayout3.xml><?xml version="1.0" encoding="utf-8"?>
+<file path=ppt/slideLayouts/slideLayout2.xml><?xml version="1.0" encoding="utf-8"?>
 <p:sldLayout xmlns:a="http://schemas.openxmlformats.org/drawingml/2006/main" xmlns:r="http://schemas.openxmlformats.org/officeDocument/2006/relationships" xmlns:p="http://schemas.openxmlformats.org/presentationml/2006/main" matchingName="Title Slide">
   <p:cSld name="Title Slide">
     <p:bg>
       <p:bgPr>
-        <a:blipFill>
-          <a:blip r:embed="rId2" cstate="print">
-            <a:alphaModFix/>
-            <a:extLst>
-              <a:ext uri="{28A0092B-C50C-407E-A947-70E740481C1C}">
-                <a14:useLocalDpi xmlns:a14="http://schemas.microsoft.com/office/drawing/2010/main"/>
-              </a:ext>
-            </a:extLst>
-          </a:blip>
-          <a:stretch>
-            <a:fillRect/>
-          </a:stretch>
-        </a:blipFill>
+        <a:solidFill>
+          <a:schemeClr val="bg1"/>
+        </a:solidFill>
         <a:effectLst/>
       </p:bgPr>
     </p:bg>
@@ -6621,7 +6259,7 @@
               <a:buNone/>
               <a:defRPr sz="3600">
                 <a:solidFill>
-                  <a:srgbClr val="FFFFFF"/>
+                  <a:schemeClr val="tx1"/>
                 </a:solidFill>
               </a:defRPr>
             </a:lvl1pPr>
@@ -6813,7 +6451,7 @@
               <a:buNone/>
               <a:defRPr sz="2200">
                 <a:solidFill>
-                  <a:srgbClr val="FFFFFF"/>
+                  <a:schemeClr val="tx1"/>
                 </a:solidFill>
               </a:defRPr>
             </a:lvl1pPr>
@@ -7023,7 +6661,11 @@
               <a:buSzPts val="1200"/>
               <a:buFont typeface="Arial"/>
               <a:buNone/>
-              <a:defRPr sz="1200"/>
+              <a:defRPr sz="1200">
+                <a:solidFill>
+                  <a:schemeClr val="tx1"/>
+                </a:solidFill>
+              </a:defRPr>
             </a:lvl1pPr>
             <a:lvl2pPr marL="0" lvl="1" indent="0" algn="r">
               <a:lnSpc>
@@ -7171,20 +6813,12 @@
             </a:lvl9pPr>
           </a:lstStyle>
           <a:p>
-            <a:pPr marL="0" lvl="0" indent="0" algn="r" rtl="0">
-              <a:spcBef>
-                <a:spcPts val="0"/>
-              </a:spcBef>
-              <a:spcAft>
-                <a:spcPts val="0"/>
-              </a:spcAft>
-              <a:buNone/>
-            </a:pPr>
             <a:fld id="{00000000-1234-1234-1234-123412341234}" type="slidenum">
-              <a:rPr lang="en"/>
+              <a:rPr lang="en" smtClean="0"/>
+              <a:pPr/>
               <a:t>‹#›</a:t>
             </a:fld>
-            <a:endParaRPr/>
+            <a:endParaRPr lang="en"/>
           </a:p>
         </p:txBody>
       </p:sp>
@@ -7196,24 +6830,14 @@
 </p:sldLayout>
 </file>
 
-<file path=ppt/slideLayouts/slideLayout4.xml><?xml version="1.0" encoding="utf-8"?>
+<file path=ppt/slideLayouts/slideLayout3.xml><?xml version="1.0" encoding="utf-8"?>
 <p:sldLayout xmlns:a="http://schemas.openxmlformats.org/drawingml/2006/main" xmlns:r="http://schemas.openxmlformats.org/officeDocument/2006/relationships" xmlns:p="http://schemas.openxmlformats.org/presentationml/2006/main" matchingName="7_Picture with Caption">
   <p:cSld name="7_Picture with Caption">
     <p:bg>
       <p:bgPr>
-        <a:blipFill>
-          <a:blip r:embed="rId2" cstate="print">
-            <a:alphaModFix/>
-            <a:extLst>
-              <a:ext uri="{28A0092B-C50C-407E-A947-70E740481C1C}">
-                <a14:useLocalDpi xmlns:a14="http://schemas.microsoft.com/office/drawing/2010/main"/>
-              </a:ext>
-            </a:extLst>
-          </a:blip>
-          <a:stretch>
-            <a:fillRect/>
-          </a:stretch>
-        </a:blipFill>
+        <a:solidFill>
+          <a:schemeClr val="bg1"/>
+        </a:solidFill>
         <a:effectLst/>
       </p:bgPr>
     </p:bg>
@@ -7821,7 +7445,7 @@
           <p:nvPr userDrawn="1"/>
         </p:nvPicPr>
         <p:blipFill>
-          <a:blip r:embed="rId3" cstate="print">
+          <a:blip r:embed="rId2" cstate="print">
             <a:alphaModFix/>
             <a:extLst>
               <a:ext uri="{28A0092B-C50C-407E-A947-70E740481C1C}">
@@ -7854,24 +7478,14 @@
 </p:sldLayout>
 </file>
 
-<file path=ppt/slideLayouts/slideLayout5.xml><?xml version="1.0" encoding="utf-8"?>
+<file path=ppt/slideLayouts/slideLayout4.xml><?xml version="1.0" encoding="utf-8"?>
 <p:sldLayout xmlns:a="http://schemas.openxmlformats.org/drawingml/2006/main" xmlns:r="http://schemas.openxmlformats.org/officeDocument/2006/relationships" xmlns:p="http://schemas.openxmlformats.org/presentationml/2006/main" matchingName="1_Custom Layout">
   <p:cSld name="1_Custom Layout">
     <p:bg>
       <p:bgPr>
-        <a:blipFill>
-          <a:blip r:embed="rId2" cstate="print">
-            <a:alphaModFix/>
-            <a:extLst>
-              <a:ext uri="{28A0092B-C50C-407E-A947-70E740481C1C}">
-                <a14:useLocalDpi xmlns:a14="http://schemas.microsoft.com/office/drawing/2010/main"/>
-              </a:ext>
-            </a:extLst>
-          </a:blip>
-          <a:stretch>
-            <a:fillRect/>
-          </a:stretch>
-        </a:blipFill>
+        <a:solidFill>
+          <a:schemeClr val="bg1"/>
+        </a:solidFill>
         <a:effectLst/>
       </p:bgPr>
     </p:bg>
@@ -8298,19 +7912,9 @@
   <p:cSld>
     <p:bg>
       <p:bgPr>
-        <a:blipFill>
-          <a:blip r:embed="rId7" cstate="print">
-            <a:alphaModFix/>
-            <a:extLst>
-              <a:ext uri="{28A0092B-C50C-407E-A947-70E740481C1C}">
-                <a14:useLocalDpi xmlns:a14="http://schemas.microsoft.com/office/drawing/2010/main"/>
-              </a:ext>
-            </a:extLst>
-          </a:blip>
-          <a:stretch>
-            <a:fillRect/>
-          </a:stretch>
-        </a:blipFill>
+        <a:solidFill>
+          <a:schemeClr val="bg1"/>
+        </a:solidFill>
         <a:effectLst/>
       </p:bgPr>
     </p:bg>
@@ -8592,7 +8196,7 @@
             </a:lvl9pPr>
           </a:lstStyle>
           <a:p>
-            <a:endParaRPr/>
+            <a:endParaRPr dirty="0"/>
           </a:p>
         </p:txBody>
       </p:sp>
@@ -9149,11 +8753,10 @@
   </p:cSld>
   <p:clrMap bg1="lt1" tx1="dk1" bg2="dk2" tx2="lt2" accent1="accent1" accent2="accent2" accent3="accent3" accent4="accent4" accent5="accent5" accent6="accent6" hlink="hlink" folHlink="folHlink"/>
   <p:sldLayoutIdLst>
-    <p:sldLayoutId id="2147483659" r:id="rId1"/>
-    <p:sldLayoutId id="2147483660" r:id="rId2"/>
-    <p:sldLayoutId id="2147483661" r:id="rId3"/>
-    <p:sldLayoutId id="2147483662" r:id="rId4"/>
-    <p:sldLayoutId id="2147483663" r:id="rId5"/>
+    <p:sldLayoutId id="2147483660" r:id="rId1"/>
+    <p:sldLayoutId id="2147483661" r:id="rId2"/>
+    <p:sldLayoutId id="2147483662" r:id="rId3"/>
+    <p:sldLayoutId id="2147483663" r:id="rId4"/>
   </p:sldLayoutIdLst>
   <p:hf sldNum="0" hdr="0" ftr="0" dt="0"/>
   <p:txStyles>
@@ -9851,9 +9454,92 @@
 <file path=ppt/slides/slide1.xml><?xml version="1.0" encoding="utf-8"?>
 <p:sld xmlns:a="http://schemas.openxmlformats.org/drawingml/2006/main" xmlns:r="http://schemas.openxmlformats.org/officeDocument/2006/relationships" xmlns:p="http://schemas.openxmlformats.org/presentationml/2006/main">
   <p:cSld>
-    <p:bg>
-      <p:bgPr>
-        <a:blipFill>
+    <p:spTree>
+      <p:nvGrpSpPr>
+        <p:cNvPr id="1" name="Shape 78"/>
+        <p:cNvGrpSpPr/>
+        <p:nvPr/>
+      </p:nvGrpSpPr>
+      <p:grpSpPr>
+        <a:xfrm>
+          <a:off x="0" y="0"/>
+          <a:ext cx="0" cy="0"/>
+          <a:chOff x="0" y="0"/>
+          <a:chExt cx="0" cy="0"/>
+        </a:xfrm>
+      </p:grpSpPr>
+      <p:sp>
+        <p:nvSpPr>
+          <p:cNvPr id="79" name="Google Shape;79;p20"/>
+          <p:cNvSpPr txBox="1">
+            <a:spLocks noGrp="1"/>
+          </p:cNvSpPr>
+          <p:nvPr>
+            <p:ph type="title"/>
+          </p:nvPr>
+        </p:nvSpPr>
+        <p:spPr>
+          <a:xfrm>
+            <a:off x="427382" y="1911913"/>
+            <a:ext cx="8289236" cy="1319673"/>
+          </a:xfrm>
+          <a:prstGeom prst="rect">
+            <a:avLst/>
+          </a:prstGeom>
+          <a:noFill/>
+          <a:ln>
+            <a:noFill/>
+          </a:ln>
+        </p:spPr>
+        <p:txBody>
+          <a:bodyPr spcFirstLastPara="1" wrap="square" lIns="0" tIns="0" rIns="0" bIns="0" anchor="ctr" anchorCtr="0">
+            <a:noAutofit/>
+          </a:bodyPr>
+          <a:lstStyle/>
+          <a:p>
+            <a:pPr marL="0" lvl="0" indent="0" algn="ctr" rtl="0">
+              <a:lnSpc>
+                <a:spcPct val="100000"/>
+              </a:lnSpc>
+              <a:spcBef>
+                <a:spcPts val="0"/>
+              </a:spcBef>
+              <a:spcAft>
+                <a:spcPts val="0"/>
+              </a:spcAft>
+              <a:buClr>
+                <a:srgbClr val="000000"/>
+              </a:buClr>
+              <a:buSzPts val="3600"/>
+              <a:buFont typeface="Roboto"/>
+              <a:buNone/>
+            </a:pPr>
+            <a:r>
+              <a:rPr lang="en" sz="3600" dirty="0"/>
+              <a:t>SUBMERGED</a:t>
+            </a:r>
+            <a:r>
+              <a:rPr lang="en" sz="3600" baseline="30000" dirty="0"/>
+              <a:t>SM</a:t>
+            </a:r>
+            <a:br>
+              <a:rPr lang="en" sz="3600" dirty="0"/>
+            </a:br>
+            <a:r>
+              <a:rPr lang="en" sz="3600" dirty="0"/>
+              <a:t>Awards Ceremony</a:t>
+            </a:r>
+            <a:endParaRPr sz="3600" dirty="0"/>
+          </a:p>
+        </p:txBody>
+      </p:sp>
+      <p:pic>
+        <p:nvPicPr>
+          <p:cNvPr id="80" name="Google Shape;80;p20"/>
+          <p:cNvPicPr preferRelativeResize="0"/>
+          <p:nvPr/>
+        </p:nvPicPr>
+        <p:blipFill>
           <a:blip r:embed="rId3" cstate="print">
             <a:alphaModFix/>
             <a:extLst>
@@ -9865,24 +9551,21 @@
           <a:stretch>
             <a:fillRect/>
           </a:stretch>
-        </a:blipFill>
-        <a:effectLst/>
-      </p:bgPr>
-    </p:bg>
-    <p:spTree>
-      <p:nvGrpSpPr>
-        <p:cNvPr id="1" name="Shape 74"/>
-        <p:cNvGrpSpPr/>
-        <p:nvPr/>
-      </p:nvGrpSpPr>
-      <p:grpSpPr>
-        <a:xfrm>
-          <a:off x="0" y="0"/>
-          <a:ext cx="0" cy="0"/>
-          <a:chOff x="0" y="0"/>
-          <a:chExt cx="0" cy="0"/>
-        </a:xfrm>
-      </p:grpSpPr>
+        </p:blipFill>
+        <p:spPr>
+          <a:xfrm>
+            <a:off x="3768438" y="3761261"/>
+            <a:ext cx="1607114" cy="1607114"/>
+          </a:xfrm>
+          <a:prstGeom prst="rect">
+            <a:avLst/>
+          </a:prstGeom>
+          <a:noFill/>
+          <a:ln>
+            <a:noFill/>
+          </a:ln>
+        </p:spPr>
+      </p:pic>
     </p:spTree>
   </p:cSld>
   <p:clrMapOvr>
@@ -9892,85 +9575,6 @@
 </file>
 
 <file path=ppt/slides/slide10.xml><?xml version="1.0" encoding="utf-8"?>
-<p:sld xmlns:a="http://schemas.openxmlformats.org/drawingml/2006/main" xmlns:r="http://schemas.openxmlformats.org/officeDocument/2006/relationships" xmlns:p="http://schemas.openxmlformats.org/presentationml/2006/main">
-  <p:cSld>
-    <p:spTree>
-      <p:nvGrpSpPr>
-        <p:cNvPr id="1" name="Shape 121"/>
-        <p:cNvGrpSpPr/>
-        <p:nvPr/>
-      </p:nvGrpSpPr>
-      <p:grpSpPr>
-        <a:xfrm>
-          <a:off x="0" y="0"/>
-          <a:ext cx="0" cy="0"/>
-          <a:chOff x="0" y="0"/>
-          <a:chExt cx="0" cy="0"/>
-        </a:xfrm>
-      </p:grpSpPr>
-      <p:sp>
-        <p:nvSpPr>
-          <p:cNvPr id="122" name="Google Shape;122;p28"/>
-          <p:cNvSpPr txBox="1">
-            <a:spLocks noGrp="1"/>
-          </p:cNvSpPr>
-          <p:nvPr>
-            <p:ph type="title"/>
-          </p:nvPr>
-        </p:nvSpPr>
-        <p:spPr>
-          <a:xfrm>
-            <a:off x="427382" y="1962149"/>
-            <a:ext cx="8289236" cy="609601"/>
-          </a:xfrm>
-          <a:prstGeom prst="rect">
-            <a:avLst/>
-          </a:prstGeom>
-          <a:noFill/>
-          <a:ln>
-            <a:noFill/>
-          </a:ln>
-        </p:spPr>
-        <p:txBody>
-          <a:bodyPr spcFirstLastPara="1" wrap="square" lIns="0" tIns="0" rIns="0" bIns="0" anchor="ctr" anchorCtr="0">
-            <a:normAutofit/>
-          </a:bodyPr>
-          <a:lstStyle/>
-          <a:p>
-            <a:pPr marL="0" lvl="0" indent="0" algn="ctr" rtl="0">
-              <a:lnSpc>
-                <a:spcPct val="100000"/>
-              </a:lnSpc>
-              <a:spcBef>
-                <a:spcPts val="0"/>
-              </a:spcBef>
-              <a:spcAft>
-                <a:spcPts val="0"/>
-              </a:spcAft>
-              <a:buClr>
-                <a:srgbClr val="000000"/>
-              </a:buClr>
-              <a:buSzPts val="3600"/>
-              <a:buFont typeface="Roboto"/>
-              <a:buNone/>
-            </a:pPr>
-            <a:r>
-              <a:rPr lang="en" sz="3600"/>
-              <a:t>The Coach/Mentor Award</a:t>
-            </a:r>
-            <a:endParaRPr sz="3600"/>
-          </a:p>
-        </p:txBody>
-      </p:sp>
-    </p:spTree>
-  </p:cSld>
-  <p:clrMapOvr>
-    <a:masterClrMapping/>
-  </p:clrMapOvr>
-</p:sld>
-</file>
-
-<file path=ppt/slides/slide11.xml><?xml version="1.0" encoding="utf-8"?>
 <p:sld xmlns:a="http://schemas.openxmlformats.org/drawingml/2006/main" xmlns:r="http://schemas.openxmlformats.org/officeDocument/2006/relationships" xmlns:p="http://schemas.openxmlformats.org/presentationml/2006/main">
   <p:cSld>
     <p:spTree>
@@ -10119,7 +9723,7 @@
 </p:sld>
 </file>
 
-<file path=ppt/slides/slide12.xml><?xml version="1.0" encoding="utf-8"?>
+<file path=ppt/slides/slide11.xml><?xml version="1.0" encoding="utf-8"?>
 <p:sld xmlns:a="http://schemas.openxmlformats.org/drawingml/2006/main" xmlns:r="http://schemas.openxmlformats.org/officeDocument/2006/relationships" xmlns:p="http://schemas.openxmlformats.org/presentationml/2006/main">
   <p:cSld>
     <p:spTree>
@@ -10256,7 +9860,7 @@
 </p:sld>
 </file>
 
-<file path=ppt/slides/slide13.xml><?xml version="1.0" encoding="utf-8"?>
+<file path=ppt/slides/slide12.xml><?xml version="1.0" encoding="utf-8"?>
 <p:sld xmlns:a="http://schemas.openxmlformats.org/drawingml/2006/main" xmlns:r="http://schemas.openxmlformats.org/officeDocument/2006/relationships" xmlns:p="http://schemas.openxmlformats.org/presentationml/2006/main">
   <p:cSld>
     <p:spTree>
@@ -10508,7 +10112,7 @@
 </p:sld>
 </file>
 
-<file path=ppt/slides/slide14.xml><?xml version="1.0" encoding="utf-8"?>
+<file path=ppt/slides/slide13.xml><?xml version="1.0" encoding="utf-8"?>
 <p:sld xmlns:a="http://schemas.openxmlformats.org/drawingml/2006/main" xmlns:r="http://schemas.openxmlformats.org/officeDocument/2006/relationships" xmlns:p="http://schemas.openxmlformats.org/presentationml/2006/main">
   <p:cSld>
     <p:spTree>
@@ -10587,7 +10191,7 @@
 </p:sld>
 </file>
 
-<file path=ppt/slides/slide15.xml><?xml version="1.0" encoding="utf-8"?>
+<file path=ppt/slides/slide14.xml><?xml version="1.0" encoding="utf-8"?>
 <p:sld xmlns:a="http://schemas.openxmlformats.org/drawingml/2006/main" xmlns:r="http://schemas.openxmlformats.org/officeDocument/2006/relationships" xmlns:p="http://schemas.openxmlformats.org/presentationml/2006/main">
   <p:cSld>
     <p:spTree>
@@ -10720,7 +10324,7 @@
 </p:sld>
 </file>
 
-<file path=ppt/slides/slide16.xml><?xml version="1.0" encoding="utf-8"?>
+<file path=ppt/slides/slide15.xml><?xml version="1.0" encoding="utf-8"?>
 <p:sld xmlns:a="http://schemas.openxmlformats.org/drawingml/2006/main" xmlns:r="http://schemas.openxmlformats.org/officeDocument/2006/relationships" xmlns:p="http://schemas.openxmlformats.org/presentationml/2006/main">
   <p:cSld>
     <p:spTree>
@@ -10857,7 +10461,7 @@
 </p:sld>
 </file>
 
-<file path=ppt/slides/slide17.xml><?xml version="1.0" encoding="utf-8"?>
+<file path=ppt/slides/slide16.xml><?xml version="1.0" encoding="utf-8"?>
 <p:sld xmlns:a="http://schemas.openxmlformats.org/drawingml/2006/main" xmlns:r="http://schemas.openxmlformats.org/officeDocument/2006/relationships" xmlns:p="http://schemas.openxmlformats.org/presentationml/2006/main">
   <p:cSld>
     <p:spTree>
@@ -10936,7 +10540,7 @@
 </p:sld>
 </file>
 
-<file path=ppt/slides/slide18.xml><?xml version="1.0" encoding="utf-8"?>
+<file path=ppt/slides/slide17.xml><?xml version="1.0" encoding="utf-8"?>
 <p:sld xmlns:a="http://schemas.openxmlformats.org/drawingml/2006/main" xmlns:r="http://schemas.openxmlformats.org/officeDocument/2006/relationships" xmlns:p="http://schemas.openxmlformats.org/presentationml/2006/main">
   <p:cSld>
     <p:spTree>
@@ -11069,7 +10673,7 @@
 </p:sld>
 </file>
 
-<file path=ppt/slides/slide19.xml><?xml version="1.0" encoding="utf-8"?>
+<file path=ppt/slides/slide18.xml><?xml version="1.0" encoding="utf-8"?>
 <p:sld xmlns:a="http://schemas.openxmlformats.org/drawingml/2006/main" xmlns:r="http://schemas.openxmlformats.org/officeDocument/2006/relationships" xmlns:p="http://schemas.openxmlformats.org/presentationml/2006/main">
   <p:cSld>
     <p:spTree>
@@ -11206,154 +10810,7 @@
 </p:sld>
 </file>
 
-<file path=ppt/slides/slide2.xml><?xml version="1.0" encoding="utf-8"?>
-<p:sld xmlns:a="http://schemas.openxmlformats.org/drawingml/2006/main" xmlns:r="http://schemas.openxmlformats.org/officeDocument/2006/relationships" xmlns:p="http://schemas.openxmlformats.org/presentationml/2006/main">
-  <p:cSld>
-    <p:spTree>
-      <p:nvGrpSpPr>
-        <p:cNvPr id="1" name="Shape 78"/>
-        <p:cNvGrpSpPr/>
-        <p:nvPr/>
-      </p:nvGrpSpPr>
-      <p:grpSpPr>
-        <a:xfrm>
-          <a:off x="0" y="0"/>
-          <a:ext cx="0" cy="0"/>
-          <a:chOff x="0" y="0"/>
-          <a:chExt cx="0" cy="0"/>
-        </a:xfrm>
-      </p:grpSpPr>
-      <p:sp>
-        <p:nvSpPr>
-          <p:cNvPr id="79" name="Google Shape;79;p20"/>
-          <p:cNvSpPr txBox="1">
-            <a:spLocks noGrp="1"/>
-          </p:cNvSpPr>
-          <p:nvPr>
-            <p:ph type="title"/>
-          </p:nvPr>
-        </p:nvSpPr>
-        <p:spPr>
-          <a:xfrm>
-            <a:off x="427382" y="1911913"/>
-            <a:ext cx="8289236" cy="1319673"/>
-          </a:xfrm>
-          <a:prstGeom prst="rect">
-            <a:avLst/>
-          </a:prstGeom>
-          <a:noFill/>
-          <a:ln>
-            <a:noFill/>
-          </a:ln>
-        </p:spPr>
-        <p:txBody>
-          <a:bodyPr spcFirstLastPara="1" wrap="square" lIns="0" tIns="0" rIns="0" bIns="0" anchor="ctr" anchorCtr="0">
-            <a:noAutofit/>
-          </a:bodyPr>
-          <a:lstStyle/>
-          <a:p>
-            <a:pPr marL="0" lvl="0" indent="0" algn="ctr" rtl="0">
-              <a:lnSpc>
-                <a:spcPct val="100000"/>
-              </a:lnSpc>
-              <a:spcBef>
-                <a:spcPts val="0"/>
-              </a:spcBef>
-              <a:spcAft>
-                <a:spcPts val="0"/>
-              </a:spcAft>
-              <a:buClr>
-                <a:srgbClr val="000000"/>
-              </a:buClr>
-              <a:buSzPts val="3600"/>
-              <a:buFont typeface="Roboto"/>
-              <a:buNone/>
-            </a:pPr>
-            <a:r>
-              <a:rPr lang="en" sz="3600" dirty="0"/>
-              <a:t>SUBMERGED</a:t>
-            </a:r>
-            <a:r>
-              <a:rPr lang="en" sz="3600" baseline="30000" dirty="0"/>
-              <a:t>SM</a:t>
-            </a:r>
-            <a:br>
-              <a:rPr lang="en" sz="3600" dirty="0"/>
-            </a:br>
-            <a:r>
-              <a:rPr lang="en" sz="3600" dirty="0"/>
-              <a:t>Awards Ceremony</a:t>
-            </a:r>
-            <a:endParaRPr sz="3600" dirty="0"/>
-          </a:p>
-          <a:p>
-            <a:pPr marL="0" lvl="0" indent="0" algn="ctr" rtl="0">
-              <a:lnSpc>
-                <a:spcPct val="100000"/>
-              </a:lnSpc>
-              <a:spcBef>
-                <a:spcPts val="0"/>
-              </a:spcBef>
-              <a:spcAft>
-                <a:spcPts val="0"/>
-              </a:spcAft>
-              <a:buClr>
-                <a:srgbClr val="000000"/>
-              </a:buClr>
-              <a:buSzPts val="3600"/>
-              <a:buFont typeface="Roboto"/>
-              <a:buNone/>
-            </a:pPr>
-            <a:r>
-              <a:rPr lang="en" sz="2500" dirty="0"/>
-              <a:t>Qualifier Tournament 2024</a:t>
-            </a:r>
-            <a:endParaRPr sz="2500" dirty="0"/>
-          </a:p>
-        </p:txBody>
-      </p:sp>
-      <p:pic>
-        <p:nvPicPr>
-          <p:cNvPr id="80" name="Google Shape;80;p20"/>
-          <p:cNvPicPr preferRelativeResize="0"/>
-          <p:nvPr/>
-        </p:nvPicPr>
-        <p:blipFill>
-          <a:blip r:embed="rId3" cstate="print">
-            <a:alphaModFix/>
-            <a:extLst>
-              <a:ext uri="{28A0092B-C50C-407E-A947-70E740481C1C}">
-                <a14:useLocalDpi xmlns:a14="http://schemas.microsoft.com/office/drawing/2010/main"/>
-              </a:ext>
-            </a:extLst>
-          </a:blip>
-          <a:stretch>
-            <a:fillRect/>
-          </a:stretch>
-        </p:blipFill>
-        <p:spPr>
-          <a:xfrm>
-            <a:off x="3768438" y="3761261"/>
-            <a:ext cx="1607114" cy="1607114"/>
-          </a:xfrm>
-          <a:prstGeom prst="rect">
-            <a:avLst/>
-          </a:prstGeom>
-          <a:noFill/>
-          <a:ln>
-            <a:noFill/>
-          </a:ln>
-        </p:spPr>
-      </p:pic>
-    </p:spTree>
-  </p:cSld>
-  <p:clrMapOvr>
-    <a:masterClrMapping/>
-  </p:clrMapOvr>
-</p:sld>
-</file>
-
-<file path=ppt/slides/slide20.xml><?xml version="1.0" encoding="utf-8"?>
+<file path=ppt/slides/slide19.xml><?xml version="1.0" encoding="utf-8"?>
 <p:sld xmlns:a="http://schemas.openxmlformats.org/drawingml/2006/main" xmlns:r="http://schemas.openxmlformats.org/officeDocument/2006/relationships" xmlns:p="http://schemas.openxmlformats.org/presentationml/2006/main">
   <p:cSld>
     <p:spTree>
@@ -11432,7 +10889,95 @@
 </p:sld>
 </file>
 
-<file path=ppt/slides/slide21.xml><?xml version="1.0" encoding="utf-8"?>
+<file path=ppt/slides/slide2.xml><?xml version="1.0" encoding="utf-8"?>
+<p:sld xmlns:a="http://schemas.openxmlformats.org/drawingml/2006/main" xmlns:r="http://schemas.openxmlformats.org/officeDocument/2006/relationships" xmlns:p="http://schemas.openxmlformats.org/presentationml/2006/main">
+  <p:cSld>
+    <p:spTree>
+      <p:nvGrpSpPr>
+        <p:cNvPr id="1" name="Shape 88"/>
+        <p:cNvGrpSpPr/>
+        <p:nvPr/>
+      </p:nvGrpSpPr>
+      <p:grpSpPr>
+        <a:xfrm>
+          <a:off x="0" y="0"/>
+          <a:ext cx="0" cy="0"/>
+          <a:chOff x="0" y="0"/>
+          <a:chExt cx="0" cy="0"/>
+        </a:xfrm>
+      </p:grpSpPr>
+      <p:sp>
+        <p:nvSpPr>
+          <p:cNvPr id="89" name="Google Shape;89;p22"/>
+          <p:cNvSpPr txBox="1">
+            <a:spLocks noGrp="1"/>
+          </p:cNvSpPr>
+          <p:nvPr>
+            <p:ph type="title"/>
+          </p:nvPr>
+        </p:nvSpPr>
+        <p:spPr>
+          <a:xfrm>
+            <a:off x="341611" y="1011929"/>
+            <a:ext cx="8460778" cy="654326"/>
+          </a:xfrm>
+          <a:noFill/>
+          <a:ln>
+            <a:noFill/>
+          </a:ln>
+        </p:spPr>
+        <p:txBody>
+          <a:bodyPr spcFirstLastPara="1" wrap="square" lIns="0" tIns="0" rIns="0" bIns="0" anchor="t" anchorCtr="0">
+            <a:normAutofit/>
+          </a:bodyPr>
+          <a:lstStyle/>
+          <a:p>
+            <a:pPr lvl="0"/>
+            <a:r>
+              <a:rPr lang="en-US">
+                <a:sym typeface="Roboto"/>
+              </a:rPr>
+              <a:t>Thank-yous</a:t>
+            </a:r>
+          </a:p>
+        </p:txBody>
+      </p:sp>
+      <p:sp>
+        <p:nvSpPr>
+          <p:cNvPr id="3" name="Text Placeholder 2">
+            <a:extLst>
+              <a:ext uri="{FF2B5EF4-FFF2-40B4-BE49-F238E27FC236}">
+                <a16:creationId xmlns:a16="http://schemas.microsoft.com/office/drawing/2014/main" id="{389E9022-4B72-94B8-EF38-50A50E917B8E}"/>
+              </a:ext>
+            </a:extLst>
+          </p:cNvPr>
+          <p:cNvSpPr>
+            <a:spLocks noGrp="1"/>
+          </p:cNvSpPr>
+          <p:nvPr>
+            <p:ph type="body" idx="1"/>
+          </p:nvPr>
+        </p:nvSpPr>
+        <p:spPr/>
+        <p:txBody>
+          <a:bodyPr>
+            <a:normAutofit fontScale="92500" lnSpcReduction="10000"/>
+          </a:bodyPr>
+          <a:lstStyle/>
+          <a:p>
+            <a:endParaRPr lang="en-US"/>
+          </a:p>
+        </p:txBody>
+      </p:sp>
+    </p:spTree>
+  </p:cSld>
+  <p:clrMapOvr>
+    <a:masterClrMapping/>
+  </p:clrMapOvr>
+</p:sld>
+</file>
+
+<file path=ppt/slides/slide20.xml><?xml version="1.0" encoding="utf-8"?>
 <p:sld xmlns:a="http://schemas.openxmlformats.org/drawingml/2006/main" xmlns:r="http://schemas.openxmlformats.org/officeDocument/2006/relationships" xmlns:p="http://schemas.openxmlformats.org/presentationml/2006/main">
   <p:cSld>
     <p:spTree>
@@ -11565,7 +11110,7 @@
 </p:sld>
 </file>
 
-<file path=ppt/slides/slide22.xml><?xml version="1.0" encoding="utf-8"?>
+<file path=ppt/slides/slide21.xml><?xml version="1.0" encoding="utf-8"?>
 <p:sld xmlns:a="http://schemas.openxmlformats.org/drawingml/2006/main" xmlns:r="http://schemas.openxmlformats.org/officeDocument/2006/relationships" xmlns:p="http://schemas.openxmlformats.org/presentationml/2006/main">
   <p:cSld>
     <p:spTree>
@@ -11702,7 +11247,7 @@
 </p:sld>
 </file>
 
-<file path=ppt/slides/slide23.xml><?xml version="1.0" encoding="utf-8"?>
+<file path=ppt/slides/slide22.xml><?xml version="1.0" encoding="utf-8"?>
 <p:sld xmlns:a="http://schemas.openxmlformats.org/drawingml/2006/main" xmlns:r="http://schemas.openxmlformats.org/officeDocument/2006/relationships" xmlns:p="http://schemas.openxmlformats.org/presentationml/2006/main">
   <p:cSld>
     <p:spTree>
@@ -11781,7 +11326,7 @@
 </p:sld>
 </file>
 
-<file path=ppt/slides/slide24.xml><?xml version="1.0" encoding="utf-8"?>
+<file path=ppt/slides/slide23.xml><?xml version="1.0" encoding="utf-8"?>
 <p:sld xmlns:a="http://schemas.openxmlformats.org/drawingml/2006/main" xmlns:r="http://schemas.openxmlformats.org/officeDocument/2006/relationships" xmlns:p="http://schemas.openxmlformats.org/presentationml/2006/main">
   <p:cSld>
     <p:spTree>
@@ -11922,7 +11467,7 @@
 </p:sld>
 </file>
 
-<file path=ppt/slides/slide25.xml><?xml version="1.0" encoding="utf-8"?>
+<file path=ppt/slides/slide24.xml><?xml version="1.0" encoding="utf-8"?>
 <p:sld xmlns:a="http://schemas.openxmlformats.org/drawingml/2006/main" xmlns:r="http://schemas.openxmlformats.org/officeDocument/2006/relationships" xmlns:p="http://schemas.openxmlformats.org/presentationml/2006/main">
   <p:cSld>
     <p:spTree>
@@ -12059,7 +11604,7 @@
 </p:sld>
 </file>
 
-<file path=ppt/slides/slide26.xml><?xml version="1.0" encoding="utf-8"?>
+<file path=ppt/slides/slide25.xml><?xml version="1.0" encoding="utf-8"?>
 <p:sld xmlns:a="http://schemas.openxmlformats.org/drawingml/2006/main" xmlns:r="http://schemas.openxmlformats.org/officeDocument/2006/relationships" xmlns:p="http://schemas.openxmlformats.org/presentationml/2006/main">
   <p:cSld>
     <p:spTree>
@@ -12138,7 +11683,7 @@
 </p:sld>
 </file>
 
-<file path=ppt/slides/slide27.xml><?xml version="1.0" encoding="utf-8"?>
+<file path=ppt/slides/slide26.xml><?xml version="1.0" encoding="utf-8"?>
 <p:sld xmlns:a="http://schemas.openxmlformats.org/drawingml/2006/main" xmlns:r="http://schemas.openxmlformats.org/officeDocument/2006/relationships" xmlns:p="http://schemas.openxmlformats.org/presentationml/2006/main">
   <p:cSld>
     <p:spTree>
@@ -12271,7 +11816,7 @@
 </p:sld>
 </file>
 
-<file path=ppt/slides/slide28.xml><?xml version="1.0" encoding="utf-8"?>
+<file path=ppt/slides/slide27.xml><?xml version="1.0" encoding="utf-8"?>
 <p:sld xmlns:a="http://schemas.openxmlformats.org/drawingml/2006/main" xmlns:r="http://schemas.openxmlformats.org/officeDocument/2006/relationships" xmlns:p="http://schemas.openxmlformats.org/presentationml/2006/main">
   <p:cSld>
     <p:spTree>
@@ -12408,7 +11953,7 @@
 </p:sld>
 </file>
 
-<file path=ppt/slides/slide29.xml><?xml version="1.0" encoding="utf-8"?>
+<file path=ppt/slides/slide28.xml><?xml version="1.0" encoding="utf-8"?>
 <p:sld xmlns:a="http://schemas.openxmlformats.org/drawingml/2006/main" xmlns:r="http://schemas.openxmlformats.org/officeDocument/2006/relationships" xmlns:p="http://schemas.openxmlformats.org/presentationml/2006/main">
   <p:cSld>
     <p:spTree>
@@ -12487,102 +12032,7 @@
 </p:sld>
 </file>
 
-<file path=ppt/slides/slide3.xml><?xml version="1.0" encoding="utf-8"?>
-<p:sld xmlns:a="http://schemas.openxmlformats.org/drawingml/2006/main" xmlns:r="http://schemas.openxmlformats.org/officeDocument/2006/relationships" xmlns:p="http://schemas.openxmlformats.org/presentationml/2006/main">
-  <p:cSld>
-    <p:spTree>
-      <p:nvGrpSpPr>
-        <p:cNvPr id="1" name="Shape 88"/>
-        <p:cNvGrpSpPr/>
-        <p:nvPr/>
-      </p:nvGrpSpPr>
-      <p:grpSpPr>
-        <a:xfrm>
-          <a:off x="0" y="0"/>
-          <a:ext cx="0" cy="0"/>
-          <a:chOff x="0" y="0"/>
-          <a:chExt cx="0" cy="0"/>
-        </a:xfrm>
-      </p:grpSpPr>
-      <p:sp>
-        <p:nvSpPr>
-          <p:cNvPr id="89" name="Google Shape;89;p22"/>
-          <p:cNvSpPr txBox="1">
-            <a:spLocks noGrp="1"/>
-          </p:cNvSpPr>
-          <p:nvPr>
-            <p:ph type="title"/>
-          </p:nvPr>
-        </p:nvSpPr>
-        <p:spPr>
-          <a:xfrm>
-            <a:off x="341610" y="2244587"/>
-            <a:ext cx="8460779" cy="654326"/>
-          </a:xfrm>
-          <a:prstGeom prst="rect">
-            <a:avLst/>
-          </a:prstGeom>
-          <a:noFill/>
-          <a:ln>
-            <a:noFill/>
-          </a:ln>
-        </p:spPr>
-        <p:txBody>
-          <a:bodyPr spcFirstLastPara="1" wrap="square" lIns="0" tIns="0" rIns="0" bIns="0" anchor="t" anchorCtr="0">
-            <a:normAutofit/>
-          </a:bodyPr>
-          <a:lstStyle/>
-          <a:p>
-            <a:pPr marL="0" lvl="0" indent="0" algn="ctr" rtl="0">
-              <a:lnSpc>
-                <a:spcPct val="90000"/>
-              </a:lnSpc>
-              <a:spcBef>
-                <a:spcPts val="0"/>
-              </a:spcBef>
-              <a:spcAft>
-                <a:spcPts val="0"/>
-              </a:spcAft>
-              <a:buClr>
-                <a:srgbClr val="FFFFFF"/>
-              </a:buClr>
-              <a:buSzPts val="3600"/>
-              <a:buFont typeface="Roboto"/>
-              <a:buNone/>
-            </a:pPr>
-            <a:r>
-              <a:rPr lang="en" sz="3600" b="1" i="0" u="none" strike="noStrike" cap="none">
-                <a:solidFill>
-                  <a:srgbClr val="FFFFFF"/>
-                </a:solidFill>
-                <a:latin typeface="Roboto"/>
-                <a:ea typeface="Roboto"/>
-                <a:cs typeface="Roboto"/>
-                <a:sym typeface="Roboto"/>
-              </a:rPr>
-              <a:t>Thank-yous</a:t>
-            </a:r>
-            <a:endParaRPr sz="3600" b="1" i="0" u="none" strike="noStrike" cap="none">
-              <a:solidFill>
-                <a:srgbClr val="FFFFFF"/>
-              </a:solidFill>
-              <a:latin typeface="Roboto"/>
-              <a:ea typeface="Roboto"/>
-              <a:cs typeface="Roboto"/>
-              <a:sym typeface="Roboto"/>
-            </a:endParaRPr>
-          </a:p>
-        </p:txBody>
-      </p:sp>
-    </p:spTree>
-  </p:cSld>
-  <p:clrMapOvr>
-    <a:masterClrMapping/>
-  </p:clrMapOvr>
-</p:sld>
-</file>
-
-<file path=ppt/slides/slide30.xml><?xml version="1.0" encoding="utf-8"?>
+<file path=ppt/slides/slide29.xml><?xml version="1.0" encoding="utf-8"?>
 <p:sld xmlns:a="http://schemas.openxmlformats.org/drawingml/2006/main" xmlns:r="http://schemas.openxmlformats.org/officeDocument/2006/relationships" xmlns:p="http://schemas.openxmlformats.org/presentationml/2006/main">
   <p:cSld>
     <p:spTree>
@@ -12715,1156 +12165,7 @@
 </p:sld>
 </file>
 
-<file path=ppt/slides/slide31.xml><?xml version="1.0" encoding="utf-8"?>
-<p:sld xmlns:a="http://schemas.openxmlformats.org/drawingml/2006/main" xmlns:r="http://schemas.openxmlformats.org/officeDocument/2006/relationships" xmlns:p="http://schemas.openxmlformats.org/presentationml/2006/main">
-  <p:cSld>
-    <p:spTree>
-      <p:nvGrpSpPr>
-        <p:cNvPr id="1" name="Shape 183"/>
-        <p:cNvGrpSpPr/>
-        <p:nvPr/>
-      </p:nvGrpSpPr>
-      <p:grpSpPr>
-        <a:xfrm>
-          <a:off x="0" y="0"/>
-          <a:ext cx="0" cy="0"/>
-          <a:chOff x="0" y="0"/>
-          <a:chExt cx="0" cy="0"/>
-        </a:xfrm>
-      </p:grpSpPr>
-      <p:sp>
-        <p:nvSpPr>
-          <p:cNvPr id="184" name="Google Shape;184;p39"/>
-          <p:cNvSpPr txBox="1">
-            <a:spLocks noGrp="1"/>
-          </p:cNvSpPr>
-          <p:nvPr>
-            <p:ph type="title"/>
-          </p:nvPr>
-        </p:nvSpPr>
-        <p:spPr>
-          <a:xfrm>
-            <a:off x="457198" y="398044"/>
-            <a:ext cx="8289236" cy="609601"/>
-          </a:xfrm>
-          <a:prstGeom prst="rect">
-            <a:avLst/>
-          </a:prstGeom>
-          <a:noFill/>
-          <a:ln>
-            <a:noFill/>
-          </a:ln>
-        </p:spPr>
-        <p:txBody>
-          <a:bodyPr spcFirstLastPara="1" wrap="square" lIns="0" tIns="0" rIns="0" bIns="0" anchor="ctr" anchorCtr="0">
-            <a:normAutofit/>
-          </a:bodyPr>
-          <a:lstStyle/>
-          <a:p>
-            <a:pPr marL="0" lvl="0" indent="0" algn="l" rtl="0">
-              <a:lnSpc>
-                <a:spcPct val="100000"/>
-              </a:lnSpc>
-              <a:spcBef>
-                <a:spcPts val="0"/>
-              </a:spcBef>
-              <a:spcAft>
-                <a:spcPts val="0"/>
-              </a:spcAft>
-              <a:buClr>
-                <a:srgbClr val="000000"/>
-              </a:buClr>
-              <a:buSzPts val="2400"/>
-              <a:buFont typeface="Roboto"/>
-              <a:buNone/>
-            </a:pPr>
-            <a:r>
-              <a:rPr lang="en" dirty="0"/>
-              <a:t>The Robot Design Award goes to:</a:t>
-            </a:r>
-            <a:endParaRPr dirty="0"/>
-          </a:p>
-        </p:txBody>
-      </p:sp>
-      <p:sp>
-        <p:nvSpPr>
-          <p:cNvPr id="185" name="Google Shape;185;p39"/>
-          <p:cNvSpPr txBox="1">
-            <a:spLocks noGrp="1"/>
-          </p:cNvSpPr>
-          <p:nvPr>
-            <p:ph type="body" idx="1"/>
-          </p:nvPr>
-        </p:nvSpPr>
-        <p:spPr>
-          <a:xfrm>
-            <a:off x="457198" y="1143000"/>
-            <a:ext cx="8289237" cy="2419398"/>
-          </a:xfrm>
-          <a:prstGeom prst="rect">
-            <a:avLst/>
-          </a:prstGeom>
-          <a:noFill/>
-          <a:ln>
-            <a:noFill/>
-          </a:ln>
-        </p:spPr>
-        <p:txBody>
-          <a:bodyPr spcFirstLastPara="1" wrap="square" lIns="45700" tIns="45700" rIns="45700" bIns="45700" anchor="t" anchorCtr="0">
-            <a:normAutofit/>
-          </a:bodyPr>
-          <a:lstStyle/>
-          <a:p>
-            <a:pPr marL="0" lvl="0" indent="0" algn="ctr" rtl="0">
-              <a:lnSpc>
-                <a:spcPct val="100000"/>
-              </a:lnSpc>
-              <a:spcBef>
-                <a:spcPts val="0"/>
-              </a:spcBef>
-              <a:spcAft>
-                <a:spcPts val="0"/>
-              </a:spcAft>
-              <a:buClr>
-                <a:srgbClr val="000000"/>
-              </a:buClr>
-              <a:buSzPts val="2000"/>
-              <a:buFont typeface="Roboto"/>
-              <a:buNone/>
-            </a:pPr>
-            <a:r>
-              <a:rPr lang="en-US" sz="3600" b="1" dirty="0"/>
-              <a:t>{</a:t>
-            </a:r>
-            <a:r>
-              <a:rPr lang="en" sz="3600" b="1" dirty="0"/>
-              <a:t>Robot Design Award}</a:t>
-            </a:r>
-            <a:endParaRPr sz="3600" b="1" dirty="0"/>
-          </a:p>
-        </p:txBody>
-      </p:sp>
-    </p:spTree>
-  </p:cSld>
-  <p:clrMapOvr>
-    <a:masterClrMapping/>
-  </p:clrMapOvr>
-</p:sld>
-</file>
-
-<file path=ppt/slides/slide32.xml><?xml version="1.0" encoding="utf-8"?>
-<p:sld xmlns:a="http://schemas.openxmlformats.org/drawingml/2006/main" xmlns:r="http://schemas.openxmlformats.org/officeDocument/2006/relationships" xmlns:p="http://schemas.openxmlformats.org/presentationml/2006/main">
-  <p:cSld>
-    <p:spTree>
-      <p:nvGrpSpPr>
-        <p:cNvPr id="1" name="Shape 189"/>
-        <p:cNvGrpSpPr/>
-        <p:nvPr/>
-      </p:nvGrpSpPr>
-      <p:grpSpPr>
-        <a:xfrm>
-          <a:off x="0" y="0"/>
-          <a:ext cx="0" cy="0"/>
-          <a:chOff x="0" y="0"/>
-          <a:chExt cx="0" cy="0"/>
-        </a:xfrm>
-      </p:grpSpPr>
-      <p:sp>
-        <p:nvSpPr>
-          <p:cNvPr id="190" name="Google Shape;190;p40"/>
-          <p:cNvSpPr txBox="1">
-            <a:spLocks noGrp="1"/>
-          </p:cNvSpPr>
-          <p:nvPr>
-            <p:ph type="title"/>
-          </p:nvPr>
-        </p:nvSpPr>
-        <p:spPr>
-          <a:xfrm>
-            <a:off x="427382" y="1962149"/>
-            <a:ext cx="8289236" cy="609601"/>
-          </a:xfrm>
-          <a:prstGeom prst="rect">
-            <a:avLst/>
-          </a:prstGeom>
-          <a:noFill/>
-          <a:ln>
-            <a:noFill/>
-          </a:ln>
-        </p:spPr>
-        <p:txBody>
-          <a:bodyPr spcFirstLastPara="1" wrap="square" lIns="0" tIns="0" rIns="0" bIns="0" anchor="ctr" anchorCtr="0">
-            <a:normAutofit/>
-          </a:bodyPr>
-          <a:lstStyle/>
-          <a:p>
-            <a:pPr marL="0" lvl="0" indent="0" algn="ctr" rtl="0">
-              <a:lnSpc>
-                <a:spcPct val="100000"/>
-              </a:lnSpc>
-              <a:spcBef>
-                <a:spcPts val="0"/>
-              </a:spcBef>
-              <a:spcAft>
-                <a:spcPts val="0"/>
-              </a:spcAft>
-              <a:buClr>
-                <a:srgbClr val="000000"/>
-              </a:buClr>
-              <a:buSzPts val="3600"/>
-              <a:buFont typeface="Roboto"/>
-              <a:buNone/>
-            </a:pPr>
-            <a:r>
-              <a:rPr lang="en" sz="3600"/>
-              <a:t>Robot Performance Award</a:t>
-            </a:r>
-            <a:endParaRPr sz="3600"/>
-          </a:p>
-        </p:txBody>
-      </p:sp>
-    </p:spTree>
-  </p:cSld>
-  <p:clrMapOvr>
-    <a:masterClrMapping/>
-  </p:clrMapOvr>
-</p:sld>
-</file>
-
-<file path=ppt/slides/slide33.xml><?xml version="1.0" encoding="utf-8"?>
-<p:sld xmlns:a="http://schemas.openxmlformats.org/drawingml/2006/main" xmlns:r="http://schemas.openxmlformats.org/officeDocument/2006/relationships" xmlns:p="http://schemas.openxmlformats.org/presentationml/2006/main">
-  <p:cSld>
-    <p:spTree>
-      <p:nvGrpSpPr>
-        <p:cNvPr id="1" name="Shape 194"/>
-        <p:cNvGrpSpPr/>
-        <p:nvPr/>
-      </p:nvGrpSpPr>
-      <p:grpSpPr>
-        <a:xfrm>
-          <a:off x="0" y="0"/>
-          <a:ext cx="0" cy="0"/>
-          <a:chOff x="0" y="0"/>
-          <a:chExt cx="0" cy="0"/>
-        </a:xfrm>
-      </p:grpSpPr>
-      <p:sp>
-        <p:nvSpPr>
-          <p:cNvPr id="195" name="Google Shape;195;p41"/>
-          <p:cNvSpPr txBox="1">
-            <a:spLocks noGrp="1"/>
-          </p:cNvSpPr>
-          <p:nvPr>
-            <p:ph type="title"/>
-          </p:nvPr>
-        </p:nvSpPr>
-        <p:spPr>
-          <a:xfrm>
-            <a:off x="457198" y="398044"/>
-            <a:ext cx="8289236" cy="609601"/>
-          </a:xfrm>
-          <a:prstGeom prst="rect">
-            <a:avLst/>
-          </a:prstGeom>
-          <a:noFill/>
-          <a:ln>
-            <a:noFill/>
-          </a:ln>
-        </p:spPr>
-        <p:txBody>
-          <a:bodyPr spcFirstLastPara="1" wrap="square" lIns="0" tIns="0" rIns="0" bIns="0" anchor="ctr" anchorCtr="0">
-            <a:normAutofit/>
-          </a:bodyPr>
-          <a:lstStyle/>
-          <a:p>
-            <a:pPr marL="0" lvl="0" indent="0" algn="l" rtl="0">
-              <a:lnSpc>
-                <a:spcPct val="100000"/>
-              </a:lnSpc>
-              <a:spcBef>
-                <a:spcPts val="0"/>
-              </a:spcBef>
-              <a:spcAft>
-                <a:spcPts val="0"/>
-              </a:spcAft>
-              <a:buClr>
-                <a:srgbClr val="000000"/>
-              </a:buClr>
-              <a:buSzPts val="2400"/>
-              <a:buFont typeface="Roboto"/>
-              <a:buNone/>
-            </a:pPr>
-            <a:r>
-              <a:rPr lang="en"/>
-              <a:t>Robot Performance Award</a:t>
-            </a:r>
-            <a:endParaRPr/>
-          </a:p>
-        </p:txBody>
-      </p:sp>
-      <p:sp>
-        <p:nvSpPr>
-          <p:cNvPr id="196" name="Google Shape;196;p41"/>
-          <p:cNvSpPr txBox="1">
-            <a:spLocks noGrp="1"/>
-          </p:cNvSpPr>
-          <p:nvPr>
-            <p:ph type="body" idx="1"/>
-          </p:nvPr>
-        </p:nvSpPr>
-        <p:spPr>
-          <a:xfrm>
-            <a:off x="457198" y="1143000"/>
-            <a:ext cx="8289237" cy="2419398"/>
-          </a:xfrm>
-          <a:prstGeom prst="rect">
-            <a:avLst/>
-          </a:prstGeom>
-          <a:noFill/>
-          <a:ln>
-            <a:noFill/>
-          </a:ln>
-        </p:spPr>
-        <p:txBody>
-          <a:bodyPr spcFirstLastPara="1" wrap="square" lIns="45700" tIns="45700" rIns="45700" bIns="45700" anchor="t" anchorCtr="0">
-            <a:normAutofit/>
-          </a:bodyPr>
-          <a:lstStyle/>
-          <a:p>
-            <a:pPr marL="0" lvl="0" indent="0" algn="l" rtl="0">
-              <a:lnSpc>
-                <a:spcPct val="100000"/>
-              </a:lnSpc>
-              <a:spcBef>
-                <a:spcPts val="0"/>
-              </a:spcBef>
-              <a:spcAft>
-                <a:spcPts val="0"/>
-              </a:spcAft>
-              <a:buClr>
-                <a:srgbClr val="000000"/>
-              </a:buClr>
-              <a:buSzPts val="2000"/>
-              <a:buFont typeface="Roboto"/>
-              <a:buNone/>
-            </a:pPr>
-            <a:r>
-              <a:rPr lang="en"/>
-              <a:t>This award celebrates a team that scores the most points during the Robot Game. Teams have a chance to compete in at least three 2.5-minute matches and their highest score counts. </a:t>
-            </a:r>
-            <a:endParaRPr/>
-          </a:p>
-        </p:txBody>
-      </p:sp>
-    </p:spTree>
-  </p:cSld>
-  <p:clrMapOvr>
-    <a:masterClrMapping/>
-  </p:clrMapOvr>
-</p:sld>
-</file>
-
-<file path=ppt/slides/slide34.xml><?xml version="1.0" encoding="utf-8"?>
-<p:sld xmlns:a="http://schemas.openxmlformats.org/drawingml/2006/main" xmlns:r="http://schemas.openxmlformats.org/officeDocument/2006/relationships" xmlns:p="http://schemas.openxmlformats.org/presentationml/2006/main">
-  <p:cSld>
-    <p:spTree>
-      <p:nvGrpSpPr>
-        <p:cNvPr id="1" name="Shape 200"/>
-        <p:cNvGrpSpPr/>
-        <p:nvPr/>
-      </p:nvGrpSpPr>
-      <p:grpSpPr>
-        <a:xfrm>
-          <a:off x="0" y="0"/>
-          <a:ext cx="0" cy="0"/>
-          <a:chOff x="0" y="0"/>
-          <a:chExt cx="0" cy="0"/>
-        </a:xfrm>
-      </p:grpSpPr>
-      <p:sp>
-        <p:nvSpPr>
-          <p:cNvPr id="201" name="Google Shape;201;p42"/>
-          <p:cNvSpPr txBox="1">
-            <a:spLocks noGrp="1"/>
-          </p:cNvSpPr>
-          <p:nvPr>
-            <p:ph type="title"/>
-          </p:nvPr>
-        </p:nvSpPr>
-        <p:spPr>
-          <a:xfrm>
-            <a:off x="457198" y="398044"/>
-            <a:ext cx="8289236" cy="609601"/>
-          </a:xfrm>
-          <a:prstGeom prst="rect">
-            <a:avLst/>
-          </a:prstGeom>
-          <a:noFill/>
-          <a:ln>
-            <a:noFill/>
-          </a:ln>
-        </p:spPr>
-        <p:txBody>
-          <a:bodyPr spcFirstLastPara="1" wrap="square" lIns="0" tIns="0" rIns="0" bIns="0" anchor="ctr" anchorCtr="0">
-            <a:normAutofit/>
-          </a:bodyPr>
-          <a:lstStyle/>
-          <a:p>
-            <a:pPr marL="0" lvl="0" indent="0" algn="l" rtl="0">
-              <a:lnSpc>
-                <a:spcPct val="100000"/>
-              </a:lnSpc>
-              <a:spcBef>
-                <a:spcPts val="0"/>
-              </a:spcBef>
-              <a:spcAft>
-                <a:spcPts val="0"/>
-              </a:spcAft>
-              <a:buClr>
-                <a:srgbClr val="000000"/>
-              </a:buClr>
-              <a:buSzPts val="2400"/>
-              <a:buFont typeface="Roboto"/>
-              <a:buNone/>
-            </a:pPr>
-            <a:r>
-              <a:rPr lang="en" dirty="0"/>
-              <a:t>The Robot Performance Award goes to:</a:t>
-            </a:r>
-            <a:endParaRPr dirty="0"/>
-          </a:p>
-        </p:txBody>
-      </p:sp>
-      <p:sp>
-        <p:nvSpPr>
-          <p:cNvPr id="202" name="Google Shape;202;p42"/>
-          <p:cNvSpPr txBox="1">
-            <a:spLocks noGrp="1"/>
-          </p:cNvSpPr>
-          <p:nvPr>
-            <p:ph type="body" idx="1"/>
-          </p:nvPr>
-        </p:nvSpPr>
-        <p:spPr>
-          <a:xfrm>
-            <a:off x="457198" y="1143000"/>
-            <a:ext cx="8289237" cy="2419398"/>
-          </a:xfrm>
-          <a:prstGeom prst="rect">
-            <a:avLst/>
-          </a:prstGeom>
-          <a:noFill/>
-          <a:ln>
-            <a:noFill/>
-          </a:ln>
-        </p:spPr>
-        <p:txBody>
-          <a:bodyPr spcFirstLastPara="1" wrap="square" lIns="45700" tIns="45700" rIns="45700" bIns="45700" anchor="t" anchorCtr="0">
-            <a:normAutofit/>
-          </a:bodyPr>
-          <a:lstStyle/>
-          <a:p>
-            <a:pPr marL="0" lvl="0" indent="0" rtl="0">
-              <a:lnSpc>
-                <a:spcPct val="100000"/>
-              </a:lnSpc>
-              <a:spcBef>
-                <a:spcPts val="0"/>
-              </a:spcBef>
-              <a:spcAft>
-                <a:spcPts val="0"/>
-              </a:spcAft>
-              <a:buClr>
-                <a:srgbClr val="000000"/>
-              </a:buClr>
-              <a:buSzPts val="2000"/>
-              <a:buFont typeface="Roboto"/>
-              <a:buNone/>
-            </a:pPr>
-            <a:r>
-              <a:rPr lang="en" dirty="0"/>
-              <a:t>Team:</a:t>
-            </a:r>
-          </a:p>
-          <a:p>
-            <a:pPr marL="0" lvl="0" indent="0" algn="ctr" rtl="0">
-              <a:lnSpc>
-                <a:spcPct val="100000"/>
-              </a:lnSpc>
-              <a:spcBef>
-                <a:spcPts val="0"/>
-              </a:spcBef>
-              <a:spcAft>
-                <a:spcPts val="0"/>
-              </a:spcAft>
-              <a:buClr>
-                <a:srgbClr val="000000"/>
-              </a:buClr>
-              <a:buSzPts val="2000"/>
-              <a:buFont typeface="Roboto"/>
-              <a:buNone/>
-            </a:pPr>
-            <a:r>
-              <a:rPr lang="en" sz="3600" b="1" dirty="0"/>
-              <a:t>{Robot Performance Award}</a:t>
-            </a:r>
-            <a:endParaRPr sz="3600" b="1" dirty="0"/>
-          </a:p>
-          <a:p>
-            <a:pPr marL="0" lvl="0" indent="0" algn="l" rtl="0">
-              <a:lnSpc>
-                <a:spcPct val="100000"/>
-              </a:lnSpc>
-              <a:spcBef>
-                <a:spcPts val="600"/>
-              </a:spcBef>
-              <a:spcAft>
-                <a:spcPts val="0"/>
-              </a:spcAft>
-              <a:buClr>
-                <a:srgbClr val="000000"/>
-              </a:buClr>
-              <a:buSzPts val="2000"/>
-              <a:buFont typeface="Roboto"/>
-              <a:buNone/>
-            </a:pPr>
-            <a:endParaRPr dirty="0"/>
-          </a:p>
-          <a:p>
-            <a:pPr marL="0" lvl="0" indent="0" algn="l" rtl="0">
-              <a:lnSpc>
-                <a:spcPct val="100000"/>
-              </a:lnSpc>
-              <a:spcBef>
-                <a:spcPts val="600"/>
-              </a:spcBef>
-              <a:spcAft>
-                <a:spcPts val="0"/>
-              </a:spcAft>
-              <a:buClr>
-                <a:srgbClr val="000000"/>
-              </a:buClr>
-              <a:buSzPts val="2000"/>
-              <a:buFont typeface="Roboto"/>
-              <a:buNone/>
-            </a:pPr>
-            <a:r>
-              <a:rPr lang="en" dirty="0"/>
-              <a:t>High Score:</a:t>
-            </a:r>
-          </a:p>
-          <a:p>
-            <a:pPr marL="0" lvl="0" indent="0" algn="ctr" rtl="0">
-              <a:lnSpc>
-                <a:spcPct val="100000"/>
-              </a:lnSpc>
-              <a:spcBef>
-                <a:spcPts val="600"/>
-              </a:spcBef>
-              <a:spcAft>
-                <a:spcPts val="0"/>
-              </a:spcAft>
-              <a:buClr>
-                <a:srgbClr val="000000"/>
-              </a:buClr>
-              <a:buSzPts val="2000"/>
-              <a:buFont typeface="Roboto"/>
-              <a:buNone/>
-            </a:pPr>
-            <a:r>
-              <a:rPr lang="en" sz="3600" b="1" dirty="0"/>
-              <a:t>{Robot Performance Score}</a:t>
-            </a:r>
-            <a:endParaRPr sz="3600" b="1" dirty="0"/>
-          </a:p>
-        </p:txBody>
-      </p:sp>
-    </p:spTree>
-  </p:cSld>
-  <p:clrMapOvr>
-    <a:masterClrMapping/>
-  </p:clrMapOvr>
-</p:sld>
-</file>
-
-<file path=ppt/slides/slide35.xml><?xml version="1.0" encoding="utf-8"?>
-<p:sld xmlns:a="http://schemas.openxmlformats.org/drawingml/2006/main" xmlns:r="http://schemas.openxmlformats.org/officeDocument/2006/relationships" xmlns:p="http://schemas.openxmlformats.org/presentationml/2006/main">
-  <p:cSld>
-    <p:spTree>
-      <p:nvGrpSpPr>
-        <p:cNvPr id="1" name="Shape 138"/>
-        <p:cNvGrpSpPr/>
-        <p:nvPr/>
-      </p:nvGrpSpPr>
-      <p:grpSpPr>
-        <a:xfrm>
-          <a:off x="0" y="0"/>
-          <a:ext cx="0" cy="0"/>
-          <a:chOff x="0" y="0"/>
-          <a:chExt cx="0" cy="0"/>
-        </a:xfrm>
-      </p:grpSpPr>
-      <p:sp>
-        <p:nvSpPr>
-          <p:cNvPr id="139" name="Google Shape;139;p31"/>
-          <p:cNvSpPr txBox="1">
-            <a:spLocks noGrp="1"/>
-          </p:cNvSpPr>
-          <p:nvPr>
-            <p:ph type="title"/>
-          </p:nvPr>
-        </p:nvSpPr>
-        <p:spPr>
-          <a:xfrm>
-            <a:off x="427382" y="1962149"/>
-            <a:ext cx="8289236" cy="609601"/>
-          </a:xfrm>
-          <a:prstGeom prst="rect">
-            <a:avLst/>
-          </a:prstGeom>
-          <a:noFill/>
-          <a:ln>
-            <a:noFill/>
-          </a:ln>
-        </p:spPr>
-        <p:txBody>
-          <a:bodyPr spcFirstLastPara="1" wrap="square" lIns="0" tIns="0" rIns="0" bIns="0" anchor="ctr" anchorCtr="0">
-            <a:normAutofit/>
-          </a:bodyPr>
-          <a:lstStyle/>
-          <a:p>
-            <a:pPr marL="0" lvl="0" indent="0" algn="ctr" rtl="0">
-              <a:lnSpc>
-                <a:spcPct val="100000"/>
-              </a:lnSpc>
-              <a:spcBef>
-                <a:spcPts val="0"/>
-              </a:spcBef>
-              <a:spcAft>
-                <a:spcPts val="0"/>
-              </a:spcAft>
-              <a:buClr>
-                <a:srgbClr val="000000"/>
-              </a:buClr>
-              <a:buSzPts val="3600"/>
-              <a:buFont typeface="Roboto"/>
-              <a:buNone/>
-            </a:pPr>
-            <a:r>
-              <a:rPr lang="en" sz="3600"/>
-              <a:t>Core Values Award</a:t>
-            </a:r>
-            <a:endParaRPr sz="3600"/>
-          </a:p>
-        </p:txBody>
-      </p:sp>
-    </p:spTree>
-  </p:cSld>
-  <p:clrMapOvr>
-    <a:masterClrMapping/>
-  </p:clrMapOvr>
-</p:sld>
-</file>
-
-<file path=ppt/slides/slide36.xml><?xml version="1.0" encoding="utf-8"?>
-<p:sld xmlns:a="http://schemas.openxmlformats.org/drawingml/2006/main" xmlns:r="http://schemas.openxmlformats.org/officeDocument/2006/relationships" xmlns:p="http://schemas.openxmlformats.org/presentationml/2006/main">
-  <p:cSld>
-    <p:spTree>
-      <p:nvGrpSpPr>
-        <p:cNvPr id="1" name="Shape 143"/>
-        <p:cNvGrpSpPr/>
-        <p:nvPr/>
-      </p:nvGrpSpPr>
-      <p:grpSpPr>
-        <a:xfrm>
-          <a:off x="0" y="0"/>
-          <a:ext cx="0" cy="0"/>
-          <a:chOff x="0" y="0"/>
-          <a:chExt cx="0" cy="0"/>
-        </a:xfrm>
-      </p:grpSpPr>
-      <p:sp>
-        <p:nvSpPr>
-          <p:cNvPr id="144" name="Google Shape;144;p32"/>
-          <p:cNvSpPr txBox="1">
-            <a:spLocks noGrp="1"/>
-          </p:cNvSpPr>
-          <p:nvPr>
-            <p:ph type="title"/>
-          </p:nvPr>
-        </p:nvSpPr>
-        <p:spPr>
-          <a:xfrm>
-            <a:off x="457198" y="398044"/>
-            <a:ext cx="8289236" cy="609601"/>
-          </a:xfrm>
-          <a:prstGeom prst="rect">
-            <a:avLst/>
-          </a:prstGeom>
-          <a:noFill/>
-          <a:ln>
-            <a:noFill/>
-          </a:ln>
-        </p:spPr>
-        <p:txBody>
-          <a:bodyPr spcFirstLastPara="1" wrap="square" lIns="0" tIns="0" rIns="0" bIns="0" anchor="ctr" anchorCtr="0">
-            <a:normAutofit/>
-          </a:bodyPr>
-          <a:lstStyle/>
-          <a:p>
-            <a:pPr marL="0" lvl="0" indent="0" algn="l" rtl="0">
-              <a:lnSpc>
-                <a:spcPct val="100000"/>
-              </a:lnSpc>
-              <a:spcBef>
-                <a:spcPts val="0"/>
-              </a:spcBef>
-              <a:spcAft>
-                <a:spcPts val="0"/>
-              </a:spcAft>
-              <a:buClr>
-                <a:srgbClr val="000000"/>
-              </a:buClr>
-              <a:buSzPts val="2400"/>
-              <a:buFont typeface="Roboto"/>
-              <a:buNone/>
-            </a:pPr>
-            <a:r>
-              <a:rPr lang="en" dirty="0"/>
-              <a:t>Core Values Award</a:t>
-            </a:r>
-            <a:endParaRPr dirty="0"/>
-          </a:p>
-        </p:txBody>
-      </p:sp>
-      <p:sp>
-        <p:nvSpPr>
-          <p:cNvPr id="145" name="Google Shape;145;p32"/>
-          <p:cNvSpPr txBox="1">
-            <a:spLocks noGrp="1"/>
-          </p:cNvSpPr>
-          <p:nvPr>
-            <p:ph type="body" idx="1"/>
-          </p:nvPr>
-        </p:nvSpPr>
-        <p:spPr>
-          <a:xfrm>
-            <a:off x="457198" y="1143000"/>
-            <a:ext cx="8289237" cy="2419398"/>
-          </a:xfrm>
-          <a:prstGeom prst="rect">
-            <a:avLst/>
-          </a:prstGeom>
-          <a:noFill/>
-          <a:ln>
-            <a:noFill/>
-          </a:ln>
-        </p:spPr>
-        <p:txBody>
-          <a:bodyPr spcFirstLastPara="1" wrap="square" lIns="45700" tIns="45700" rIns="45700" bIns="45700" anchor="t" anchorCtr="0">
-            <a:normAutofit/>
-          </a:bodyPr>
-          <a:lstStyle/>
-          <a:p>
-            <a:pPr marL="0" lvl="0" indent="0" algn="l" rtl="0">
-              <a:lnSpc>
-                <a:spcPct val="100000"/>
-              </a:lnSpc>
-              <a:spcBef>
-                <a:spcPts val="0"/>
-              </a:spcBef>
-              <a:spcAft>
-                <a:spcPts val="0"/>
-              </a:spcAft>
-              <a:buClr>
-                <a:srgbClr val="000000"/>
-              </a:buClr>
-              <a:buSzPts val="2000"/>
-              <a:buFont typeface="Roboto"/>
-              <a:buNone/>
-            </a:pPr>
-            <a:r>
-              <a:rPr lang="en"/>
-              <a:t>This award celebrates a team that displays extraordinary enthusiasm and spirit, knows they can accomplish more together than they could as individuals, and shows each other and other teams respect at all times. </a:t>
-            </a:r>
-            <a:endParaRPr/>
-          </a:p>
-        </p:txBody>
-      </p:sp>
-    </p:spTree>
-  </p:cSld>
-  <p:clrMapOvr>
-    <a:masterClrMapping/>
-  </p:clrMapOvr>
-</p:sld>
-</file>
-
-<file path=ppt/slides/slide37.xml><?xml version="1.0" encoding="utf-8"?>
-<p:sld xmlns:a="http://schemas.openxmlformats.org/drawingml/2006/main" xmlns:r="http://schemas.openxmlformats.org/officeDocument/2006/relationships" xmlns:p="http://schemas.openxmlformats.org/presentationml/2006/main">
-  <p:cSld>
-    <p:spTree>
-      <p:nvGrpSpPr>
-        <p:cNvPr id="1" name="Shape 149"/>
-        <p:cNvGrpSpPr/>
-        <p:nvPr/>
-      </p:nvGrpSpPr>
-      <p:grpSpPr>
-        <a:xfrm>
-          <a:off x="0" y="0"/>
-          <a:ext cx="0" cy="0"/>
-          <a:chOff x="0" y="0"/>
-          <a:chExt cx="0" cy="0"/>
-        </a:xfrm>
-      </p:grpSpPr>
-      <p:sp>
-        <p:nvSpPr>
-          <p:cNvPr id="150" name="Google Shape;150;p33"/>
-          <p:cNvSpPr txBox="1">
-            <a:spLocks noGrp="1"/>
-          </p:cNvSpPr>
-          <p:nvPr>
-            <p:ph type="title"/>
-          </p:nvPr>
-        </p:nvSpPr>
-        <p:spPr>
-          <a:xfrm>
-            <a:off x="457198" y="398044"/>
-            <a:ext cx="8289236" cy="609601"/>
-          </a:xfrm>
-          <a:prstGeom prst="rect">
-            <a:avLst/>
-          </a:prstGeom>
-          <a:noFill/>
-          <a:ln>
-            <a:noFill/>
-          </a:ln>
-        </p:spPr>
-        <p:txBody>
-          <a:bodyPr spcFirstLastPara="1" wrap="square" lIns="0" tIns="0" rIns="0" bIns="0" anchor="ctr" anchorCtr="0">
-            <a:normAutofit/>
-          </a:bodyPr>
-          <a:lstStyle/>
-          <a:p>
-            <a:pPr marL="0" lvl="0" indent="0" algn="l" rtl="0">
-              <a:lnSpc>
-                <a:spcPct val="100000"/>
-              </a:lnSpc>
-              <a:spcBef>
-                <a:spcPts val="0"/>
-              </a:spcBef>
-              <a:spcAft>
-                <a:spcPts val="0"/>
-              </a:spcAft>
-              <a:buClr>
-                <a:srgbClr val="000000"/>
-              </a:buClr>
-              <a:buSzPts val="2400"/>
-              <a:buFont typeface="Roboto"/>
-              <a:buNone/>
-            </a:pPr>
-            <a:r>
-              <a:rPr lang="en"/>
-              <a:t>The Core Values Award goes to:</a:t>
-            </a:r>
-            <a:endParaRPr/>
-          </a:p>
-        </p:txBody>
-      </p:sp>
-      <p:sp>
-        <p:nvSpPr>
-          <p:cNvPr id="151" name="Google Shape;151;p33"/>
-          <p:cNvSpPr txBox="1">
-            <a:spLocks noGrp="1"/>
-          </p:cNvSpPr>
-          <p:nvPr>
-            <p:ph type="body" idx="1"/>
-          </p:nvPr>
-        </p:nvSpPr>
-        <p:spPr>
-          <a:xfrm>
-            <a:off x="457198" y="1143000"/>
-            <a:ext cx="8289237" cy="2419398"/>
-          </a:xfrm>
-          <a:prstGeom prst="rect">
-            <a:avLst/>
-          </a:prstGeom>
-          <a:noFill/>
-          <a:ln>
-            <a:noFill/>
-          </a:ln>
-        </p:spPr>
-        <p:txBody>
-          <a:bodyPr spcFirstLastPara="1" wrap="square" lIns="45700" tIns="45700" rIns="45700" bIns="45700" anchor="t" anchorCtr="0">
-            <a:normAutofit/>
-          </a:bodyPr>
-          <a:lstStyle/>
-          <a:p>
-            <a:pPr marL="0" lvl="0" indent="0" algn="ctr" rtl="0">
-              <a:lnSpc>
-                <a:spcPct val="100000"/>
-              </a:lnSpc>
-              <a:spcBef>
-                <a:spcPts val="0"/>
-              </a:spcBef>
-              <a:spcAft>
-                <a:spcPts val="0"/>
-              </a:spcAft>
-              <a:buClr>
-                <a:srgbClr val="000000"/>
-              </a:buClr>
-              <a:buSzPts val="2000"/>
-              <a:buFont typeface="Roboto"/>
-              <a:buNone/>
-            </a:pPr>
-            <a:r>
-              <a:rPr lang="en-US" sz="3600" b="1" dirty="0"/>
-              <a:t>{</a:t>
-            </a:r>
-            <a:r>
-              <a:rPr lang="en" sz="3600" b="1" dirty="0"/>
-              <a:t>Core Values Award}</a:t>
-            </a:r>
-            <a:endParaRPr sz="3600" b="1" dirty="0"/>
-          </a:p>
-        </p:txBody>
-      </p:sp>
-    </p:spTree>
-  </p:cSld>
-  <p:clrMapOvr>
-    <a:masterClrMapping/>
-  </p:clrMapOvr>
-</p:sld>
-</file>
-
-<file path=ppt/slides/slide38.xml><?xml version="1.0" encoding="utf-8"?>
-<p:sld xmlns:a="http://schemas.openxmlformats.org/drawingml/2006/main" xmlns:r="http://schemas.openxmlformats.org/officeDocument/2006/relationships" xmlns:p="http://schemas.openxmlformats.org/presentationml/2006/main">
-  <p:cSld>
-    <p:spTree>
-      <p:nvGrpSpPr>
-        <p:cNvPr id="1" name="Shape 274"/>
-        <p:cNvGrpSpPr/>
-        <p:nvPr/>
-      </p:nvGrpSpPr>
-      <p:grpSpPr>
-        <a:xfrm>
-          <a:off x="0" y="0"/>
-          <a:ext cx="0" cy="0"/>
-          <a:chOff x="0" y="0"/>
-          <a:chExt cx="0" cy="0"/>
-        </a:xfrm>
-      </p:grpSpPr>
-      <p:sp>
-        <p:nvSpPr>
-          <p:cNvPr id="275" name="Google Shape;275;p55"/>
-          <p:cNvSpPr txBox="1">
-            <a:spLocks noGrp="1"/>
-          </p:cNvSpPr>
-          <p:nvPr>
-            <p:ph type="title"/>
-          </p:nvPr>
-        </p:nvSpPr>
-        <p:spPr>
-          <a:xfrm>
-            <a:off x="427382" y="1962149"/>
-            <a:ext cx="8289236" cy="609601"/>
-          </a:xfrm>
-          <a:prstGeom prst="rect">
-            <a:avLst/>
-          </a:prstGeom>
-          <a:noFill/>
-          <a:ln>
-            <a:noFill/>
-          </a:ln>
-        </p:spPr>
-        <p:txBody>
-          <a:bodyPr spcFirstLastPara="1" wrap="square" lIns="0" tIns="0" rIns="0" bIns="0" anchor="ctr" anchorCtr="0">
-            <a:normAutofit/>
-          </a:bodyPr>
-          <a:lstStyle/>
-          <a:p>
-            <a:pPr marL="0" lvl="0" indent="0" algn="ctr" rtl="0">
-              <a:lnSpc>
-                <a:spcPct val="100000"/>
-              </a:lnSpc>
-              <a:spcBef>
-                <a:spcPts val="0"/>
-              </a:spcBef>
-              <a:spcAft>
-                <a:spcPts val="0"/>
-              </a:spcAft>
-              <a:buClr>
-                <a:srgbClr val="000000"/>
-              </a:buClr>
-              <a:buSzPts val="3600"/>
-              <a:buFont typeface="Roboto"/>
-              <a:buNone/>
-            </a:pPr>
-            <a:r>
-              <a:rPr lang="en" sz="3600"/>
-              <a:t>Champion’s Award</a:t>
-            </a:r>
-            <a:endParaRPr sz="3600"/>
-          </a:p>
-        </p:txBody>
-      </p:sp>
-    </p:spTree>
-  </p:cSld>
-  <p:clrMapOvr>
-    <a:masterClrMapping/>
-  </p:clrMapOvr>
-</p:sld>
-</file>
-
-<file path=ppt/slides/slide39.xml><?xml version="1.0" encoding="utf-8"?>
-<p:sld xmlns:a="http://schemas.openxmlformats.org/drawingml/2006/main" xmlns:r="http://schemas.openxmlformats.org/officeDocument/2006/relationships" xmlns:p="http://schemas.openxmlformats.org/presentationml/2006/main">
-  <p:cSld>
-    <p:spTree>
-      <p:nvGrpSpPr>
-        <p:cNvPr id="1" name="Shape 279"/>
-        <p:cNvGrpSpPr/>
-        <p:nvPr/>
-      </p:nvGrpSpPr>
-      <p:grpSpPr>
-        <a:xfrm>
-          <a:off x="0" y="0"/>
-          <a:ext cx="0" cy="0"/>
-          <a:chOff x="0" y="0"/>
-          <a:chExt cx="0" cy="0"/>
-        </a:xfrm>
-      </p:grpSpPr>
-      <p:sp>
-        <p:nvSpPr>
-          <p:cNvPr id="280" name="Google Shape;280;p56"/>
-          <p:cNvSpPr txBox="1">
-            <a:spLocks noGrp="1"/>
-          </p:cNvSpPr>
-          <p:nvPr>
-            <p:ph type="title"/>
-          </p:nvPr>
-        </p:nvSpPr>
-        <p:spPr>
-          <a:xfrm>
-            <a:off x="457198" y="398044"/>
-            <a:ext cx="8289236" cy="609601"/>
-          </a:xfrm>
-          <a:prstGeom prst="rect">
-            <a:avLst/>
-          </a:prstGeom>
-          <a:noFill/>
-          <a:ln>
-            <a:noFill/>
-          </a:ln>
-        </p:spPr>
-        <p:txBody>
-          <a:bodyPr spcFirstLastPara="1" wrap="square" lIns="0" tIns="0" rIns="0" bIns="0" anchor="ctr" anchorCtr="0">
-            <a:normAutofit/>
-          </a:bodyPr>
-          <a:lstStyle/>
-          <a:p>
-            <a:pPr marL="0" lvl="0" indent="0" algn="l" rtl="0">
-              <a:lnSpc>
-                <a:spcPct val="100000"/>
-              </a:lnSpc>
-              <a:spcBef>
-                <a:spcPts val="0"/>
-              </a:spcBef>
-              <a:spcAft>
-                <a:spcPts val="0"/>
-              </a:spcAft>
-              <a:buClr>
-                <a:srgbClr val="000000"/>
-              </a:buClr>
-              <a:buSzPts val="2400"/>
-              <a:buFont typeface="Roboto"/>
-              <a:buNone/>
-            </a:pPr>
-            <a:r>
-              <a:rPr lang="en"/>
-              <a:t>Champion’s Award</a:t>
-            </a:r>
-            <a:endParaRPr/>
-          </a:p>
-        </p:txBody>
-      </p:sp>
-      <p:sp>
-        <p:nvSpPr>
-          <p:cNvPr id="281" name="Google Shape;281;p56"/>
-          <p:cNvSpPr txBox="1">
-            <a:spLocks noGrp="1"/>
-          </p:cNvSpPr>
-          <p:nvPr>
-            <p:ph type="body" idx="1"/>
-          </p:nvPr>
-        </p:nvSpPr>
-        <p:spPr>
-          <a:xfrm>
-            <a:off x="457198" y="1143000"/>
-            <a:ext cx="8289237" cy="2419398"/>
-          </a:xfrm>
-          <a:prstGeom prst="rect">
-            <a:avLst/>
-          </a:prstGeom>
-          <a:noFill/>
-          <a:ln>
-            <a:noFill/>
-          </a:ln>
-        </p:spPr>
-        <p:txBody>
-          <a:bodyPr spcFirstLastPara="1" wrap="square" lIns="45700" tIns="45700" rIns="45700" bIns="45700" anchor="t" anchorCtr="0">
-            <a:normAutofit/>
-          </a:bodyPr>
-          <a:lstStyle/>
-          <a:p>
-            <a:pPr marL="0" lvl="0" indent="0" algn="l" rtl="0">
-              <a:lnSpc>
-                <a:spcPct val="100000"/>
-              </a:lnSpc>
-              <a:spcBef>
-                <a:spcPts val="0"/>
-              </a:spcBef>
-              <a:spcAft>
-                <a:spcPts val="0"/>
-              </a:spcAft>
-              <a:buClr>
-                <a:srgbClr val="000000"/>
-              </a:buClr>
-              <a:buSzPts val="2000"/>
-              <a:buFont typeface="Roboto"/>
-              <a:buNone/>
-            </a:pPr>
-            <a:r>
-              <a:rPr lang="en"/>
-              <a:t>This most prestigious award celebrates the team that embodies the </a:t>
-            </a:r>
-            <a:r>
-              <a:rPr lang="en" i="1"/>
-              <a:t>FIRST</a:t>
-            </a:r>
-            <a:r>
-              <a:rPr lang="en"/>
-              <a:t> LEGO League experience by fully embracing the </a:t>
-            </a:r>
-            <a:r>
-              <a:rPr lang="en" i="1"/>
-              <a:t>FIRST</a:t>
-            </a:r>
-            <a:r>
-              <a:rPr lang="en"/>
-              <a:t> Core Values while achieving excellence and innovation in both the Robot Game and the Innovation Project. </a:t>
-            </a:r>
-            <a:endParaRPr/>
-          </a:p>
-        </p:txBody>
-      </p:sp>
-    </p:spTree>
-  </p:cSld>
-  <p:clrMapOvr>
-    <a:masterClrMapping/>
-  </p:clrMapOvr>
-</p:sld>
-</file>
-
-<file path=ppt/slides/slide4.xml><?xml version="1.0" encoding="utf-8"?>
+<file path=ppt/slides/slide3.xml><?xml version="1.0" encoding="utf-8"?>
 <p:sld xmlns:a="http://schemas.openxmlformats.org/drawingml/2006/main" xmlns:r="http://schemas.openxmlformats.org/officeDocument/2006/relationships" xmlns:p="http://schemas.openxmlformats.org/presentationml/2006/main">
   <p:cSld>
     <p:spTree>
@@ -13916,7 +12217,1156 @@
 </p:sld>
 </file>
 
-<file path=ppt/slides/slide40.xml><?xml version="1.0" encoding="utf-8"?>
+<file path=ppt/slides/slide30.xml><?xml version="1.0" encoding="utf-8"?>
+<p:sld xmlns:a="http://schemas.openxmlformats.org/drawingml/2006/main" xmlns:r="http://schemas.openxmlformats.org/officeDocument/2006/relationships" xmlns:p="http://schemas.openxmlformats.org/presentationml/2006/main">
+  <p:cSld>
+    <p:spTree>
+      <p:nvGrpSpPr>
+        <p:cNvPr id="1" name="Shape 183"/>
+        <p:cNvGrpSpPr/>
+        <p:nvPr/>
+      </p:nvGrpSpPr>
+      <p:grpSpPr>
+        <a:xfrm>
+          <a:off x="0" y="0"/>
+          <a:ext cx="0" cy="0"/>
+          <a:chOff x="0" y="0"/>
+          <a:chExt cx="0" cy="0"/>
+        </a:xfrm>
+      </p:grpSpPr>
+      <p:sp>
+        <p:nvSpPr>
+          <p:cNvPr id="184" name="Google Shape;184;p39"/>
+          <p:cNvSpPr txBox="1">
+            <a:spLocks noGrp="1"/>
+          </p:cNvSpPr>
+          <p:nvPr>
+            <p:ph type="title"/>
+          </p:nvPr>
+        </p:nvSpPr>
+        <p:spPr>
+          <a:xfrm>
+            <a:off x="457198" y="398044"/>
+            <a:ext cx="8289236" cy="609601"/>
+          </a:xfrm>
+          <a:prstGeom prst="rect">
+            <a:avLst/>
+          </a:prstGeom>
+          <a:noFill/>
+          <a:ln>
+            <a:noFill/>
+          </a:ln>
+        </p:spPr>
+        <p:txBody>
+          <a:bodyPr spcFirstLastPara="1" wrap="square" lIns="0" tIns="0" rIns="0" bIns="0" anchor="ctr" anchorCtr="0">
+            <a:normAutofit/>
+          </a:bodyPr>
+          <a:lstStyle/>
+          <a:p>
+            <a:pPr marL="0" lvl="0" indent="0" algn="l" rtl="0">
+              <a:lnSpc>
+                <a:spcPct val="100000"/>
+              </a:lnSpc>
+              <a:spcBef>
+                <a:spcPts val="0"/>
+              </a:spcBef>
+              <a:spcAft>
+                <a:spcPts val="0"/>
+              </a:spcAft>
+              <a:buClr>
+                <a:srgbClr val="000000"/>
+              </a:buClr>
+              <a:buSzPts val="2400"/>
+              <a:buFont typeface="Roboto"/>
+              <a:buNone/>
+            </a:pPr>
+            <a:r>
+              <a:rPr lang="en" dirty="0"/>
+              <a:t>The Robot Design Award goes to:</a:t>
+            </a:r>
+            <a:endParaRPr dirty="0"/>
+          </a:p>
+        </p:txBody>
+      </p:sp>
+      <p:sp>
+        <p:nvSpPr>
+          <p:cNvPr id="185" name="Google Shape;185;p39"/>
+          <p:cNvSpPr txBox="1">
+            <a:spLocks noGrp="1"/>
+          </p:cNvSpPr>
+          <p:nvPr>
+            <p:ph type="body" idx="1"/>
+          </p:nvPr>
+        </p:nvSpPr>
+        <p:spPr>
+          <a:xfrm>
+            <a:off x="457198" y="1143000"/>
+            <a:ext cx="8289237" cy="2419398"/>
+          </a:xfrm>
+          <a:prstGeom prst="rect">
+            <a:avLst/>
+          </a:prstGeom>
+          <a:noFill/>
+          <a:ln>
+            <a:noFill/>
+          </a:ln>
+        </p:spPr>
+        <p:txBody>
+          <a:bodyPr spcFirstLastPara="1" wrap="square" lIns="45700" tIns="45700" rIns="45700" bIns="45700" anchor="t" anchorCtr="0">
+            <a:normAutofit/>
+          </a:bodyPr>
+          <a:lstStyle/>
+          <a:p>
+            <a:pPr marL="0" lvl="0" indent="0" algn="ctr" rtl="0">
+              <a:lnSpc>
+                <a:spcPct val="100000"/>
+              </a:lnSpc>
+              <a:spcBef>
+                <a:spcPts val="0"/>
+              </a:spcBef>
+              <a:spcAft>
+                <a:spcPts val="0"/>
+              </a:spcAft>
+              <a:buClr>
+                <a:srgbClr val="000000"/>
+              </a:buClr>
+              <a:buSzPts val="2000"/>
+              <a:buFont typeface="Roboto"/>
+              <a:buNone/>
+            </a:pPr>
+            <a:r>
+              <a:rPr lang="en-US" sz="3600" b="1" dirty="0"/>
+              <a:t>{</a:t>
+            </a:r>
+            <a:r>
+              <a:rPr lang="en" sz="3600" b="1" dirty="0"/>
+              <a:t>Robot Design Award}</a:t>
+            </a:r>
+            <a:endParaRPr sz="3600" b="1" dirty="0"/>
+          </a:p>
+        </p:txBody>
+      </p:sp>
+    </p:spTree>
+  </p:cSld>
+  <p:clrMapOvr>
+    <a:masterClrMapping/>
+  </p:clrMapOvr>
+</p:sld>
+</file>
+
+<file path=ppt/slides/slide31.xml><?xml version="1.0" encoding="utf-8"?>
+<p:sld xmlns:a="http://schemas.openxmlformats.org/drawingml/2006/main" xmlns:r="http://schemas.openxmlformats.org/officeDocument/2006/relationships" xmlns:p="http://schemas.openxmlformats.org/presentationml/2006/main">
+  <p:cSld>
+    <p:spTree>
+      <p:nvGrpSpPr>
+        <p:cNvPr id="1" name="Shape 189"/>
+        <p:cNvGrpSpPr/>
+        <p:nvPr/>
+      </p:nvGrpSpPr>
+      <p:grpSpPr>
+        <a:xfrm>
+          <a:off x="0" y="0"/>
+          <a:ext cx="0" cy="0"/>
+          <a:chOff x="0" y="0"/>
+          <a:chExt cx="0" cy="0"/>
+        </a:xfrm>
+      </p:grpSpPr>
+      <p:sp>
+        <p:nvSpPr>
+          <p:cNvPr id="190" name="Google Shape;190;p40"/>
+          <p:cNvSpPr txBox="1">
+            <a:spLocks noGrp="1"/>
+          </p:cNvSpPr>
+          <p:nvPr>
+            <p:ph type="title"/>
+          </p:nvPr>
+        </p:nvSpPr>
+        <p:spPr>
+          <a:xfrm>
+            <a:off x="427382" y="1962149"/>
+            <a:ext cx="8289236" cy="609601"/>
+          </a:xfrm>
+          <a:prstGeom prst="rect">
+            <a:avLst/>
+          </a:prstGeom>
+          <a:noFill/>
+          <a:ln>
+            <a:noFill/>
+          </a:ln>
+        </p:spPr>
+        <p:txBody>
+          <a:bodyPr spcFirstLastPara="1" wrap="square" lIns="0" tIns="0" rIns="0" bIns="0" anchor="ctr" anchorCtr="0">
+            <a:normAutofit/>
+          </a:bodyPr>
+          <a:lstStyle/>
+          <a:p>
+            <a:pPr marL="0" lvl="0" indent="0" algn="ctr" rtl="0">
+              <a:lnSpc>
+                <a:spcPct val="100000"/>
+              </a:lnSpc>
+              <a:spcBef>
+                <a:spcPts val="0"/>
+              </a:spcBef>
+              <a:spcAft>
+                <a:spcPts val="0"/>
+              </a:spcAft>
+              <a:buClr>
+                <a:srgbClr val="000000"/>
+              </a:buClr>
+              <a:buSzPts val="3600"/>
+              <a:buFont typeface="Roboto"/>
+              <a:buNone/>
+            </a:pPr>
+            <a:r>
+              <a:rPr lang="en" sz="3600"/>
+              <a:t>Robot Performance Award</a:t>
+            </a:r>
+            <a:endParaRPr sz="3600"/>
+          </a:p>
+        </p:txBody>
+      </p:sp>
+    </p:spTree>
+  </p:cSld>
+  <p:clrMapOvr>
+    <a:masterClrMapping/>
+  </p:clrMapOvr>
+</p:sld>
+</file>
+
+<file path=ppt/slides/slide32.xml><?xml version="1.0" encoding="utf-8"?>
+<p:sld xmlns:a="http://schemas.openxmlformats.org/drawingml/2006/main" xmlns:r="http://schemas.openxmlformats.org/officeDocument/2006/relationships" xmlns:p="http://schemas.openxmlformats.org/presentationml/2006/main">
+  <p:cSld>
+    <p:spTree>
+      <p:nvGrpSpPr>
+        <p:cNvPr id="1" name="Shape 194"/>
+        <p:cNvGrpSpPr/>
+        <p:nvPr/>
+      </p:nvGrpSpPr>
+      <p:grpSpPr>
+        <a:xfrm>
+          <a:off x="0" y="0"/>
+          <a:ext cx="0" cy="0"/>
+          <a:chOff x="0" y="0"/>
+          <a:chExt cx="0" cy="0"/>
+        </a:xfrm>
+      </p:grpSpPr>
+      <p:sp>
+        <p:nvSpPr>
+          <p:cNvPr id="195" name="Google Shape;195;p41"/>
+          <p:cNvSpPr txBox="1">
+            <a:spLocks noGrp="1"/>
+          </p:cNvSpPr>
+          <p:nvPr>
+            <p:ph type="title"/>
+          </p:nvPr>
+        </p:nvSpPr>
+        <p:spPr>
+          <a:xfrm>
+            <a:off x="457198" y="398044"/>
+            <a:ext cx="8289236" cy="609601"/>
+          </a:xfrm>
+          <a:prstGeom prst="rect">
+            <a:avLst/>
+          </a:prstGeom>
+          <a:noFill/>
+          <a:ln>
+            <a:noFill/>
+          </a:ln>
+        </p:spPr>
+        <p:txBody>
+          <a:bodyPr spcFirstLastPara="1" wrap="square" lIns="0" tIns="0" rIns="0" bIns="0" anchor="ctr" anchorCtr="0">
+            <a:normAutofit/>
+          </a:bodyPr>
+          <a:lstStyle/>
+          <a:p>
+            <a:pPr marL="0" lvl="0" indent="0" algn="l" rtl="0">
+              <a:lnSpc>
+                <a:spcPct val="100000"/>
+              </a:lnSpc>
+              <a:spcBef>
+                <a:spcPts val="0"/>
+              </a:spcBef>
+              <a:spcAft>
+                <a:spcPts val="0"/>
+              </a:spcAft>
+              <a:buClr>
+                <a:srgbClr val="000000"/>
+              </a:buClr>
+              <a:buSzPts val="2400"/>
+              <a:buFont typeface="Roboto"/>
+              <a:buNone/>
+            </a:pPr>
+            <a:r>
+              <a:rPr lang="en"/>
+              <a:t>Robot Performance Award</a:t>
+            </a:r>
+            <a:endParaRPr/>
+          </a:p>
+        </p:txBody>
+      </p:sp>
+      <p:sp>
+        <p:nvSpPr>
+          <p:cNvPr id="196" name="Google Shape;196;p41"/>
+          <p:cNvSpPr txBox="1">
+            <a:spLocks noGrp="1"/>
+          </p:cNvSpPr>
+          <p:nvPr>
+            <p:ph type="body" idx="1"/>
+          </p:nvPr>
+        </p:nvSpPr>
+        <p:spPr>
+          <a:xfrm>
+            <a:off x="457198" y="1143000"/>
+            <a:ext cx="8289237" cy="2419398"/>
+          </a:xfrm>
+          <a:prstGeom prst="rect">
+            <a:avLst/>
+          </a:prstGeom>
+          <a:noFill/>
+          <a:ln>
+            <a:noFill/>
+          </a:ln>
+        </p:spPr>
+        <p:txBody>
+          <a:bodyPr spcFirstLastPara="1" wrap="square" lIns="45700" tIns="45700" rIns="45700" bIns="45700" anchor="t" anchorCtr="0">
+            <a:normAutofit/>
+          </a:bodyPr>
+          <a:lstStyle/>
+          <a:p>
+            <a:pPr marL="0" lvl="0" indent="0" algn="l" rtl="0">
+              <a:lnSpc>
+                <a:spcPct val="100000"/>
+              </a:lnSpc>
+              <a:spcBef>
+                <a:spcPts val="0"/>
+              </a:spcBef>
+              <a:spcAft>
+                <a:spcPts val="0"/>
+              </a:spcAft>
+              <a:buClr>
+                <a:srgbClr val="000000"/>
+              </a:buClr>
+              <a:buSzPts val="2000"/>
+              <a:buFont typeface="Roboto"/>
+              <a:buNone/>
+            </a:pPr>
+            <a:r>
+              <a:rPr lang="en"/>
+              <a:t>This award celebrates a team that scores the most points during the Robot Game. Teams have a chance to compete in at least three 2.5-minute matches and their highest score counts. </a:t>
+            </a:r>
+            <a:endParaRPr/>
+          </a:p>
+        </p:txBody>
+      </p:sp>
+    </p:spTree>
+  </p:cSld>
+  <p:clrMapOvr>
+    <a:masterClrMapping/>
+  </p:clrMapOvr>
+</p:sld>
+</file>
+
+<file path=ppt/slides/slide33.xml><?xml version="1.0" encoding="utf-8"?>
+<p:sld xmlns:a="http://schemas.openxmlformats.org/drawingml/2006/main" xmlns:r="http://schemas.openxmlformats.org/officeDocument/2006/relationships" xmlns:p="http://schemas.openxmlformats.org/presentationml/2006/main">
+  <p:cSld>
+    <p:spTree>
+      <p:nvGrpSpPr>
+        <p:cNvPr id="1" name="Shape 200"/>
+        <p:cNvGrpSpPr/>
+        <p:nvPr/>
+      </p:nvGrpSpPr>
+      <p:grpSpPr>
+        <a:xfrm>
+          <a:off x="0" y="0"/>
+          <a:ext cx="0" cy="0"/>
+          <a:chOff x="0" y="0"/>
+          <a:chExt cx="0" cy="0"/>
+        </a:xfrm>
+      </p:grpSpPr>
+      <p:sp>
+        <p:nvSpPr>
+          <p:cNvPr id="201" name="Google Shape;201;p42"/>
+          <p:cNvSpPr txBox="1">
+            <a:spLocks noGrp="1"/>
+          </p:cNvSpPr>
+          <p:nvPr>
+            <p:ph type="title"/>
+          </p:nvPr>
+        </p:nvSpPr>
+        <p:spPr>
+          <a:xfrm>
+            <a:off x="457198" y="398044"/>
+            <a:ext cx="8289236" cy="609601"/>
+          </a:xfrm>
+          <a:prstGeom prst="rect">
+            <a:avLst/>
+          </a:prstGeom>
+          <a:noFill/>
+          <a:ln>
+            <a:noFill/>
+          </a:ln>
+        </p:spPr>
+        <p:txBody>
+          <a:bodyPr spcFirstLastPara="1" wrap="square" lIns="0" tIns="0" rIns="0" bIns="0" anchor="ctr" anchorCtr="0">
+            <a:normAutofit/>
+          </a:bodyPr>
+          <a:lstStyle/>
+          <a:p>
+            <a:pPr marL="0" lvl="0" indent="0" algn="l" rtl="0">
+              <a:lnSpc>
+                <a:spcPct val="100000"/>
+              </a:lnSpc>
+              <a:spcBef>
+                <a:spcPts val="0"/>
+              </a:spcBef>
+              <a:spcAft>
+                <a:spcPts val="0"/>
+              </a:spcAft>
+              <a:buClr>
+                <a:srgbClr val="000000"/>
+              </a:buClr>
+              <a:buSzPts val="2400"/>
+              <a:buFont typeface="Roboto"/>
+              <a:buNone/>
+            </a:pPr>
+            <a:r>
+              <a:rPr lang="en" dirty="0"/>
+              <a:t>The Robot Performance Award goes to:</a:t>
+            </a:r>
+            <a:endParaRPr dirty="0"/>
+          </a:p>
+        </p:txBody>
+      </p:sp>
+      <p:sp>
+        <p:nvSpPr>
+          <p:cNvPr id="202" name="Google Shape;202;p42"/>
+          <p:cNvSpPr txBox="1">
+            <a:spLocks noGrp="1"/>
+          </p:cNvSpPr>
+          <p:nvPr>
+            <p:ph type="body" idx="1"/>
+          </p:nvPr>
+        </p:nvSpPr>
+        <p:spPr>
+          <a:xfrm>
+            <a:off x="457198" y="1143000"/>
+            <a:ext cx="8289237" cy="2419398"/>
+          </a:xfrm>
+          <a:prstGeom prst="rect">
+            <a:avLst/>
+          </a:prstGeom>
+          <a:noFill/>
+          <a:ln>
+            <a:noFill/>
+          </a:ln>
+        </p:spPr>
+        <p:txBody>
+          <a:bodyPr spcFirstLastPara="1" wrap="square" lIns="45700" tIns="45700" rIns="45700" bIns="45700" anchor="t" anchorCtr="0">
+            <a:normAutofit/>
+          </a:bodyPr>
+          <a:lstStyle/>
+          <a:p>
+            <a:pPr marL="0" lvl="0" indent="0" rtl="0">
+              <a:lnSpc>
+                <a:spcPct val="100000"/>
+              </a:lnSpc>
+              <a:spcBef>
+                <a:spcPts val="0"/>
+              </a:spcBef>
+              <a:spcAft>
+                <a:spcPts val="0"/>
+              </a:spcAft>
+              <a:buClr>
+                <a:srgbClr val="000000"/>
+              </a:buClr>
+              <a:buSzPts val="2000"/>
+              <a:buFont typeface="Roboto"/>
+              <a:buNone/>
+            </a:pPr>
+            <a:r>
+              <a:rPr lang="en" dirty="0"/>
+              <a:t>Team:</a:t>
+            </a:r>
+          </a:p>
+          <a:p>
+            <a:pPr marL="0" lvl="0" indent="0" algn="ctr" rtl="0">
+              <a:lnSpc>
+                <a:spcPct val="100000"/>
+              </a:lnSpc>
+              <a:spcBef>
+                <a:spcPts val="0"/>
+              </a:spcBef>
+              <a:spcAft>
+                <a:spcPts val="0"/>
+              </a:spcAft>
+              <a:buClr>
+                <a:srgbClr val="000000"/>
+              </a:buClr>
+              <a:buSzPts val="2000"/>
+              <a:buFont typeface="Roboto"/>
+              <a:buNone/>
+            </a:pPr>
+            <a:r>
+              <a:rPr lang="en" sz="3600" b="1" dirty="0"/>
+              <a:t>{Robot Performance Award}</a:t>
+            </a:r>
+            <a:endParaRPr sz="3600" b="1" dirty="0"/>
+          </a:p>
+          <a:p>
+            <a:pPr marL="0" lvl="0" indent="0" algn="l" rtl="0">
+              <a:lnSpc>
+                <a:spcPct val="100000"/>
+              </a:lnSpc>
+              <a:spcBef>
+                <a:spcPts val="600"/>
+              </a:spcBef>
+              <a:spcAft>
+                <a:spcPts val="0"/>
+              </a:spcAft>
+              <a:buClr>
+                <a:srgbClr val="000000"/>
+              </a:buClr>
+              <a:buSzPts val="2000"/>
+              <a:buFont typeface="Roboto"/>
+              <a:buNone/>
+            </a:pPr>
+            <a:endParaRPr dirty="0"/>
+          </a:p>
+          <a:p>
+            <a:pPr marL="0" lvl="0" indent="0" algn="l" rtl="0">
+              <a:lnSpc>
+                <a:spcPct val="100000"/>
+              </a:lnSpc>
+              <a:spcBef>
+                <a:spcPts val="600"/>
+              </a:spcBef>
+              <a:spcAft>
+                <a:spcPts val="0"/>
+              </a:spcAft>
+              <a:buClr>
+                <a:srgbClr val="000000"/>
+              </a:buClr>
+              <a:buSzPts val="2000"/>
+              <a:buFont typeface="Roboto"/>
+              <a:buNone/>
+            </a:pPr>
+            <a:r>
+              <a:rPr lang="en" dirty="0"/>
+              <a:t>High Score:</a:t>
+            </a:r>
+          </a:p>
+          <a:p>
+            <a:pPr marL="0" lvl="0" indent="0" algn="ctr" rtl="0">
+              <a:lnSpc>
+                <a:spcPct val="100000"/>
+              </a:lnSpc>
+              <a:spcBef>
+                <a:spcPts val="600"/>
+              </a:spcBef>
+              <a:spcAft>
+                <a:spcPts val="0"/>
+              </a:spcAft>
+              <a:buClr>
+                <a:srgbClr val="000000"/>
+              </a:buClr>
+              <a:buSzPts val="2000"/>
+              <a:buFont typeface="Roboto"/>
+              <a:buNone/>
+            </a:pPr>
+            <a:r>
+              <a:rPr lang="en" sz="3600" b="1" dirty="0"/>
+              <a:t>{Robot Performance Score}</a:t>
+            </a:r>
+            <a:endParaRPr sz="3600" b="1" dirty="0"/>
+          </a:p>
+        </p:txBody>
+      </p:sp>
+    </p:spTree>
+  </p:cSld>
+  <p:clrMapOvr>
+    <a:masterClrMapping/>
+  </p:clrMapOvr>
+</p:sld>
+</file>
+
+<file path=ppt/slides/slide34.xml><?xml version="1.0" encoding="utf-8"?>
+<p:sld xmlns:a="http://schemas.openxmlformats.org/drawingml/2006/main" xmlns:r="http://schemas.openxmlformats.org/officeDocument/2006/relationships" xmlns:p="http://schemas.openxmlformats.org/presentationml/2006/main">
+  <p:cSld>
+    <p:spTree>
+      <p:nvGrpSpPr>
+        <p:cNvPr id="1" name="Shape 138"/>
+        <p:cNvGrpSpPr/>
+        <p:nvPr/>
+      </p:nvGrpSpPr>
+      <p:grpSpPr>
+        <a:xfrm>
+          <a:off x="0" y="0"/>
+          <a:ext cx="0" cy="0"/>
+          <a:chOff x="0" y="0"/>
+          <a:chExt cx="0" cy="0"/>
+        </a:xfrm>
+      </p:grpSpPr>
+      <p:sp>
+        <p:nvSpPr>
+          <p:cNvPr id="139" name="Google Shape;139;p31"/>
+          <p:cNvSpPr txBox="1">
+            <a:spLocks noGrp="1"/>
+          </p:cNvSpPr>
+          <p:nvPr>
+            <p:ph type="title"/>
+          </p:nvPr>
+        </p:nvSpPr>
+        <p:spPr>
+          <a:xfrm>
+            <a:off x="427382" y="1962149"/>
+            <a:ext cx="8289236" cy="609601"/>
+          </a:xfrm>
+          <a:prstGeom prst="rect">
+            <a:avLst/>
+          </a:prstGeom>
+          <a:noFill/>
+          <a:ln>
+            <a:noFill/>
+          </a:ln>
+        </p:spPr>
+        <p:txBody>
+          <a:bodyPr spcFirstLastPara="1" wrap="square" lIns="0" tIns="0" rIns="0" bIns="0" anchor="ctr" anchorCtr="0">
+            <a:normAutofit/>
+          </a:bodyPr>
+          <a:lstStyle/>
+          <a:p>
+            <a:pPr marL="0" lvl="0" indent="0" algn="ctr" rtl="0">
+              <a:lnSpc>
+                <a:spcPct val="100000"/>
+              </a:lnSpc>
+              <a:spcBef>
+                <a:spcPts val="0"/>
+              </a:spcBef>
+              <a:spcAft>
+                <a:spcPts val="0"/>
+              </a:spcAft>
+              <a:buClr>
+                <a:srgbClr val="000000"/>
+              </a:buClr>
+              <a:buSzPts val="3600"/>
+              <a:buFont typeface="Roboto"/>
+              <a:buNone/>
+            </a:pPr>
+            <a:r>
+              <a:rPr lang="en" sz="3600"/>
+              <a:t>Core Values Award</a:t>
+            </a:r>
+            <a:endParaRPr sz="3600"/>
+          </a:p>
+        </p:txBody>
+      </p:sp>
+    </p:spTree>
+  </p:cSld>
+  <p:clrMapOvr>
+    <a:masterClrMapping/>
+  </p:clrMapOvr>
+</p:sld>
+</file>
+
+<file path=ppt/slides/slide35.xml><?xml version="1.0" encoding="utf-8"?>
+<p:sld xmlns:a="http://schemas.openxmlformats.org/drawingml/2006/main" xmlns:r="http://schemas.openxmlformats.org/officeDocument/2006/relationships" xmlns:p="http://schemas.openxmlformats.org/presentationml/2006/main">
+  <p:cSld>
+    <p:spTree>
+      <p:nvGrpSpPr>
+        <p:cNvPr id="1" name="Shape 143"/>
+        <p:cNvGrpSpPr/>
+        <p:nvPr/>
+      </p:nvGrpSpPr>
+      <p:grpSpPr>
+        <a:xfrm>
+          <a:off x="0" y="0"/>
+          <a:ext cx="0" cy="0"/>
+          <a:chOff x="0" y="0"/>
+          <a:chExt cx="0" cy="0"/>
+        </a:xfrm>
+      </p:grpSpPr>
+      <p:sp>
+        <p:nvSpPr>
+          <p:cNvPr id="144" name="Google Shape;144;p32"/>
+          <p:cNvSpPr txBox="1">
+            <a:spLocks noGrp="1"/>
+          </p:cNvSpPr>
+          <p:nvPr>
+            <p:ph type="title"/>
+          </p:nvPr>
+        </p:nvSpPr>
+        <p:spPr>
+          <a:xfrm>
+            <a:off x="457198" y="398044"/>
+            <a:ext cx="8289236" cy="609601"/>
+          </a:xfrm>
+          <a:prstGeom prst="rect">
+            <a:avLst/>
+          </a:prstGeom>
+          <a:noFill/>
+          <a:ln>
+            <a:noFill/>
+          </a:ln>
+        </p:spPr>
+        <p:txBody>
+          <a:bodyPr spcFirstLastPara="1" wrap="square" lIns="0" tIns="0" rIns="0" bIns="0" anchor="ctr" anchorCtr="0">
+            <a:normAutofit/>
+          </a:bodyPr>
+          <a:lstStyle/>
+          <a:p>
+            <a:pPr marL="0" lvl="0" indent="0" algn="l" rtl="0">
+              <a:lnSpc>
+                <a:spcPct val="100000"/>
+              </a:lnSpc>
+              <a:spcBef>
+                <a:spcPts val="0"/>
+              </a:spcBef>
+              <a:spcAft>
+                <a:spcPts val="0"/>
+              </a:spcAft>
+              <a:buClr>
+                <a:srgbClr val="000000"/>
+              </a:buClr>
+              <a:buSzPts val="2400"/>
+              <a:buFont typeface="Roboto"/>
+              <a:buNone/>
+            </a:pPr>
+            <a:r>
+              <a:rPr lang="en" dirty="0"/>
+              <a:t>Core Values Award</a:t>
+            </a:r>
+            <a:endParaRPr dirty="0"/>
+          </a:p>
+        </p:txBody>
+      </p:sp>
+      <p:sp>
+        <p:nvSpPr>
+          <p:cNvPr id="145" name="Google Shape;145;p32"/>
+          <p:cNvSpPr txBox="1">
+            <a:spLocks noGrp="1"/>
+          </p:cNvSpPr>
+          <p:nvPr>
+            <p:ph type="body" idx="1"/>
+          </p:nvPr>
+        </p:nvSpPr>
+        <p:spPr>
+          <a:xfrm>
+            <a:off x="457198" y="1143000"/>
+            <a:ext cx="8289237" cy="2419398"/>
+          </a:xfrm>
+          <a:prstGeom prst="rect">
+            <a:avLst/>
+          </a:prstGeom>
+          <a:noFill/>
+          <a:ln>
+            <a:noFill/>
+          </a:ln>
+        </p:spPr>
+        <p:txBody>
+          <a:bodyPr spcFirstLastPara="1" wrap="square" lIns="45700" tIns="45700" rIns="45700" bIns="45700" anchor="t" anchorCtr="0">
+            <a:normAutofit/>
+          </a:bodyPr>
+          <a:lstStyle/>
+          <a:p>
+            <a:pPr marL="0" lvl="0" indent="0" algn="l" rtl="0">
+              <a:lnSpc>
+                <a:spcPct val="100000"/>
+              </a:lnSpc>
+              <a:spcBef>
+                <a:spcPts val="0"/>
+              </a:spcBef>
+              <a:spcAft>
+                <a:spcPts val="0"/>
+              </a:spcAft>
+              <a:buClr>
+                <a:srgbClr val="000000"/>
+              </a:buClr>
+              <a:buSzPts val="2000"/>
+              <a:buFont typeface="Roboto"/>
+              <a:buNone/>
+            </a:pPr>
+            <a:r>
+              <a:rPr lang="en"/>
+              <a:t>This award celebrates a team that displays extraordinary enthusiasm and spirit, knows they can accomplish more together than they could as individuals, and shows each other and other teams respect at all times. </a:t>
+            </a:r>
+            <a:endParaRPr/>
+          </a:p>
+        </p:txBody>
+      </p:sp>
+    </p:spTree>
+  </p:cSld>
+  <p:clrMapOvr>
+    <a:masterClrMapping/>
+  </p:clrMapOvr>
+</p:sld>
+</file>
+
+<file path=ppt/slides/slide36.xml><?xml version="1.0" encoding="utf-8"?>
+<p:sld xmlns:a="http://schemas.openxmlformats.org/drawingml/2006/main" xmlns:r="http://schemas.openxmlformats.org/officeDocument/2006/relationships" xmlns:p="http://schemas.openxmlformats.org/presentationml/2006/main">
+  <p:cSld>
+    <p:spTree>
+      <p:nvGrpSpPr>
+        <p:cNvPr id="1" name="Shape 149"/>
+        <p:cNvGrpSpPr/>
+        <p:nvPr/>
+      </p:nvGrpSpPr>
+      <p:grpSpPr>
+        <a:xfrm>
+          <a:off x="0" y="0"/>
+          <a:ext cx="0" cy="0"/>
+          <a:chOff x="0" y="0"/>
+          <a:chExt cx="0" cy="0"/>
+        </a:xfrm>
+      </p:grpSpPr>
+      <p:sp>
+        <p:nvSpPr>
+          <p:cNvPr id="150" name="Google Shape;150;p33"/>
+          <p:cNvSpPr txBox="1">
+            <a:spLocks noGrp="1"/>
+          </p:cNvSpPr>
+          <p:nvPr>
+            <p:ph type="title"/>
+          </p:nvPr>
+        </p:nvSpPr>
+        <p:spPr>
+          <a:xfrm>
+            <a:off x="457198" y="398044"/>
+            <a:ext cx="8289236" cy="609601"/>
+          </a:xfrm>
+          <a:prstGeom prst="rect">
+            <a:avLst/>
+          </a:prstGeom>
+          <a:noFill/>
+          <a:ln>
+            <a:noFill/>
+          </a:ln>
+        </p:spPr>
+        <p:txBody>
+          <a:bodyPr spcFirstLastPara="1" wrap="square" lIns="0" tIns="0" rIns="0" bIns="0" anchor="ctr" anchorCtr="0">
+            <a:normAutofit/>
+          </a:bodyPr>
+          <a:lstStyle/>
+          <a:p>
+            <a:pPr marL="0" lvl="0" indent="0" algn="l" rtl="0">
+              <a:lnSpc>
+                <a:spcPct val="100000"/>
+              </a:lnSpc>
+              <a:spcBef>
+                <a:spcPts val="0"/>
+              </a:spcBef>
+              <a:spcAft>
+                <a:spcPts val="0"/>
+              </a:spcAft>
+              <a:buClr>
+                <a:srgbClr val="000000"/>
+              </a:buClr>
+              <a:buSzPts val="2400"/>
+              <a:buFont typeface="Roboto"/>
+              <a:buNone/>
+            </a:pPr>
+            <a:r>
+              <a:rPr lang="en"/>
+              <a:t>The Core Values Award goes to:</a:t>
+            </a:r>
+            <a:endParaRPr/>
+          </a:p>
+        </p:txBody>
+      </p:sp>
+      <p:sp>
+        <p:nvSpPr>
+          <p:cNvPr id="151" name="Google Shape;151;p33"/>
+          <p:cNvSpPr txBox="1">
+            <a:spLocks noGrp="1"/>
+          </p:cNvSpPr>
+          <p:nvPr>
+            <p:ph type="body" idx="1"/>
+          </p:nvPr>
+        </p:nvSpPr>
+        <p:spPr>
+          <a:xfrm>
+            <a:off x="457198" y="1143000"/>
+            <a:ext cx="8289237" cy="2419398"/>
+          </a:xfrm>
+          <a:prstGeom prst="rect">
+            <a:avLst/>
+          </a:prstGeom>
+          <a:noFill/>
+          <a:ln>
+            <a:noFill/>
+          </a:ln>
+        </p:spPr>
+        <p:txBody>
+          <a:bodyPr spcFirstLastPara="1" wrap="square" lIns="45700" tIns="45700" rIns="45700" bIns="45700" anchor="t" anchorCtr="0">
+            <a:normAutofit/>
+          </a:bodyPr>
+          <a:lstStyle/>
+          <a:p>
+            <a:pPr marL="0" lvl="0" indent="0" algn="ctr" rtl="0">
+              <a:lnSpc>
+                <a:spcPct val="100000"/>
+              </a:lnSpc>
+              <a:spcBef>
+                <a:spcPts val="0"/>
+              </a:spcBef>
+              <a:spcAft>
+                <a:spcPts val="0"/>
+              </a:spcAft>
+              <a:buClr>
+                <a:srgbClr val="000000"/>
+              </a:buClr>
+              <a:buSzPts val="2000"/>
+              <a:buFont typeface="Roboto"/>
+              <a:buNone/>
+            </a:pPr>
+            <a:r>
+              <a:rPr lang="en-US" sz="3600" b="1" dirty="0"/>
+              <a:t>{</a:t>
+            </a:r>
+            <a:r>
+              <a:rPr lang="en" sz="3600" b="1" dirty="0"/>
+              <a:t>Core Values Award}</a:t>
+            </a:r>
+            <a:endParaRPr sz="3600" b="1" dirty="0"/>
+          </a:p>
+        </p:txBody>
+      </p:sp>
+    </p:spTree>
+  </p:cSld>
+  <p:clrMapOvr>
+    <a:masterClrMapping/>
+  </p:clrMapOvr>
+</p:sld>
+</file>
+
+<file path=ppt/slides/slide37.xml><?xml version="1.0" encoding="utf-8"?>
+<p:sld xmlns:a="http://schemas.openxmlformats.org/drawingml/2006/main" xmlns:r="http://schemas.openxmlformats.org/officeDocument/2006/relationships" xmlns:p="http://schemas.openxmlformats.org/presentationml/2006/main">
+  <p:cSld>
+    <p:spTree>
+      <p:nvGrpSpPr>
+        <p:cNvPr id="1" name="Shape 274"/>
+        <p:cNvGrpSpPr/>
+        <p:nvPr/>
+      </p:nvGrpSpPr>
+      <p:grpSpPr>
+        <a:xfrm>
+          <a:off x="0" y="0"/>
+          <a:ext cx="0" cy="0"/>
+          <a:chOff x="0" y="0"/>
+          <a:chExt cx="0" cy="0"/>
+        </a:xfrm>
+      </p:grpSpPr>
+      <p:sp>
+        <p:nvSpPr>
+          <p:cNvPr id="275" name="Google Shape;275;p55"/>
+          <p:cNvSpPr txBox="1">
+            <a:spLocks noGrp="1"/>
+          </p:cNvSpPr>
+          <p:nvPr>
+            <p:ph type="title"/>
+          </p:nvPr>
+        </p:nvSpPr>
+        <p:spPr>
+          <a:xfrm>
+            <a:off x="427382" y="1962149"/>
+            <a:ext cx="8289236" cy="609601"/>
+          </a:xfrm>
+          <a:prstGeom prst="rect">
+            <a:avLst/>
+          </a:prstGeom>
+          <a:noFill/>
+          <a:ln>
+            <a:noFill/>
+          </a:ln>
+        </p:spPr>
+        <p:txBody>
+          <a:bodyPr spcFirstLastPara="1" wrap="square" lIns="0" tIns="0" rIns="0" bIns="0" anchor="ctr" anchorCtr="0">
+            <a:normAutofit/>
+          </a:bodyPr>
+          <a:lstStyle/>
+          <a:p>
+            <a:pPr marL="0" lvl="0" indent="0" algn="ctr" rtl="0">
+              <a:lnSpc>
+                <a:spcPct val="100000"/>
+              </a:lnSpc>
+              <a:spcBef>
+                <a:spcPts val="0"/>
+              </a:spcBef>
+              <a:spcAft>
+                <a:spcPts val="0"/>
+              </a:spcAft>
+              <a:buClr>
+                <a:srgbClr val="000000"/>
+              </a:buClr>
+              <a:buSzPts val="3600"/>
+              <a:buFont typeface="Roboto"/>
+              <a:buNone/>
+            </a:pPr>
+            <a:r>
+              <a:rPr lang="en" sz="3600"/>
+              <a:t>Champion’s Award</a:t>
+            </a:r>
+            <a:endParaRPr sz="3600"/>
+          </a:p>
+        </p:txBody>
+      </p:sp>
+    </p:spTree>
+  </p:cSld>
+  <p:clrMapOvr>
+    <a:masterClrMapping/>
+  </p:clrMapOvr>
+</p:sld>
+</file>
+
+<file path=ppt/slides/slide38.xml><?xml version="1.0" encoding="utf-8"?>
+<p:sld xmlns:a="http://schemas.openxmlformats.org/drawingml/2006/main" xmlns:r="http://schemas.openxmlformats.org/officeDocument/2006/relationships" xmlns:p="http://schemas.openxmlformats.org/presentationml/2006/main">
+  <p:cSld>
+    <p:spTree>
+      <p:nvGrpSpPr>
+        <p:cNvPr id="1" name="Shape 279"/>
+        <p:cNvGrpSpPr/>
+        <p:nvPr/>
+      </p:nvGrpSpPr>
+      <p:grpSpPr>
+        <a:xfrm>
+          <a:off x="0" y="0"/>
+          <a:ext cx="0" cy="0"/>
+          <a:chOff x="0" y="0"/>
+          <a:chExt cx="0" cy="0"/>
+        </a:xfrm>
+      </p:grpSpPr>
+      <p:sp>
+        <p:nvSpPr>
+          <p:cNvPr id="280" name="Google Shape;280;p56"/>
+          <p:cNvSpPr txBox="1">
+            <a:spLocks noGrp="1"/>
+          </p:cNvSpPr>
+          <p:nvPr>
+            <p:ph type="title"/>
+          </p:nvPr>
+        </p:nvSpPr>
+        <p:spPr>
+          <a:xfrm>
+            <a:off x="457198" y="398044"/>
+            <a:ext cx="8289236" cy="609601"/>
+          </a:xfrm>
+          <a:prstGeom prst="rect">
+            <a:avLst/>
+          </a:prstGeom>
+          <a:noFill/>
+          <a:ln>
+            <a:noFill/>
+          </a:ln>
+        </p:spPr>
+        <p:txBody>
+          <a:bodyPr spcFirstLastPara="1" wrap="square" lIns="0" tIns="0" rIns="0" bIns="0" anchor="ctr" anchorCtr="0">
+            <a:normAutofit/>
+          </a:bodyPr>
+          <a:lstStyle/>
+          <a:p>
+            <a:pPr marL="0" lvl="0" indent="0" algn="l" rtl="0">
+              <a:lnSpc>
+                <a:spcPct val="100000"/>
+              </a:lnSpc>
+              <a:spcBef>
+                <a:spcPts val="0"/>
+              </a:spcBef>
+              <a:spcAft>
+                <a:spcPts val="0"/>
+              </a:spcAft>
+              <a:buClr>
+                <a:srgbClr val="000000"/>
+              </a:buClr>
+              <a:buSzPts val="2400"/>
+              <a:buFont typeface="Roboto"/>
+              <a:buNone/>
+            </a:pPr>
+            <a:r>
+              <a:rPr lang="en"/>
+              <a:t>Champion’s Award</a:t>
+            </a:r>
+            <a:endParaRPr/>
+          </a:p>
+        </p:txBody>
+      </p:sp>
+      <p:sp>
+        <p:nvSpPr>
+          <p:cNvPr id="281" name="Google Shape;281;p56"/>
+          <p:cNvSpPr txBox="1">
+            <a:spLocks noGrp="1"/>
+          </p:cNvSpPr>
+          <p:nvPr>
+            <p:ph type="body" idx="1"/>
+          </p:nvPr>
+        </p:nvSpPr>
+        <p:spPr>
+          <a:xfrm>
+            <a:off x="457198" y="1143000"/>
+            <a:ext cx="8289237" cy="2419398"/>
+          </a:xfrm>
+          <a:prstGeom prst="rect">
+            <a:avLst/>
+          </a:prstGeom>
+          <a:noFill/>
+          <a:ln>
+            <a:noFill/>
+          </a:ln>
+        </p:spPr>
+        <p:txBody>
+          <a:bodyPr spcFirstLastPara="1" wrap="square" lIns="45700" tIns="45700" rIns="45700" bIns="45700" anchor="t" anchorCtr="0">
+            <a:normAutofit/>
+          </a:bodyPr>
+          <a:lstStyle/>
+          <a:p>
+            <a:pPr marL="0" lvl="0" indent="0" algn="l" rtl="0">
+              <a:lnSpc>
+                <a:spcPct val="100000"/>
+              </a:lnSpc>
+              <a:spcBef>
+                <a:spcPts val="0"/>
+              </a:spcBef>
+              <a:spcAft>
+                <a:spcPts val="0"/>
+              </a:spcAft>
+              <a:buClr>
+                <a:srgbClr val="000000"/>
+              </a:buClr>
+              <a:buSzPts val="2000"/>
+              <a:buFont typeface="Roboto"/>
+              <a:buNone/>
+            </a:pPr>
+            <a:r>
+              <a:rPr lang="en"/>
+              <a:t>This most prestigious award celebrates the team that embodies the </a:t>
+            </a:r>
+            <a:r>
+              <a:rPr lang="en" i="1"/>
+              <a:t>FIRST</a:t>
+            </a:r>
+            <a:r>
+              <a:rPr lang="en"/>
+              <a:t> LEGO League experience by fully embracing the </a:t>
+            </a:r>
+            <a:r>
+              <a:rPr lang="en" i="1"/>
+              <a:t>FIRST</a:t>
+            </a:r>
+            <a:r>
+              <a:rPr lang="en"/>
+              <a:t> Core Values while achieving excellence and innovation in both the Robot Game and the Innovation Project. </a:t>
+            </a:r>
+            <a:endParaRPr/>
+          </a:p>
+        </p:txBody>
+      </p:sp>
+    </p:spTree>
+  </p:cSld>
+  <p:clrMapOvr>
+    <a:masterClrMapping/>
+  </p:clrMapOvr>
+</p:sld>
+</file>
+
+<file path=ppt/slides/slide39.xml><?xml version="1.0" encoding="utf-8"?>
 <p:sld xmlns:a="http://schemas.openxmlformats.org/drawingml/2006/main" xmlns:r="http://schemas.openxmlformats.org/officeDocument/2006/relationships" xmlns:p="http://schemas.openxmlformats.org/presentationml/2006/main">
   <p:cSld>
     <p:spTree>
@@ -14053,7 +13503,184 @@
 </p:sld>
 </file>
 
-<file path=ppt/slides/slide41.xml><?xml version="1.0" encoding="utf-8"?>
+<file path=ppt/slides/slide4.xml><?xml version="1.0" encoding="utf-8"?>
+<p:sld xmlns:a="http://schemas.openxmlformats.org/drawingml/2006/main" xmlns:r="http://schemas.openxmlformats.org/officeDocument/2006/relationships" xmlns:p="http://schemas.openxmlformats.org/presentationml/2006/main">
+  <p:cSld>
+    <p:spTree>
+      <p:nvGrpSpPr>
+        <p:cNvPr id="1" name="Shape 98"/>
+        <p:cNvGrpSpPr/>
+        <p:nvPr/>
+      </p:nvGrpSpPr>
+      <p:grpSpPr>
+        <a:xfrm>
+          <a:off x="0" y="0"/>
+          <a:ext cx="0" cy="0"/>
+          <a:chOff x="0" y="0"/>
+          <a:chExt cx="0" cy="0"/>
+        </a:xfrm>
+      </p:grpSpPr>
+      <p:sp>
+        <p:nvSpPr>
+          <p:cNvPr id="99" name="Google Shape;99;p24"/>
+          <p:cNvSpPr txBox="1">
+            <a:spLocks noGrp="1"/>
+          </p:cNvSpPr>
+          <p:nvPr>
+            <p:ph type="title"/>
+          </p:nvPr>
+        </p:nvSpPr>
+        <p:spPr>
+          <a:xfrm>
+            <a:off x="457198" y="398044"/>
+            <a:ext cx="8289236" cy="609601"/>
+          </a:xfrm>
+          <a:prstGeom prst="rect">
+            <a:avLst/>
+          </a:prstGeom>
+          <a:noFill/>
+          <a:ln>
+            <a:noFill/>
+          </a:ln>
+        </p:spPr>
+        <p:txBody>
+          <a:bodyPr spcFirstLastPara="1" wrap="square" lIns="0" tIns="0" rIns="0" bIns="0" anchor="ctr" anchorCtr="0">
+            <a:normAutofit/>
+          </a:bodyPr>
+          <a:lstStyle/>
+          <a:p>
+            <a:pPr marL="0" lvl="0" indent="0" algn="l" rtl="0">
+              <a:lnSpc>
+                <a:spcPct val="100000"/>
+              </a:lnSpc>
+              <a:spcBef>
+                <a:spcPts val="0"/>
+              </a:spcBef>
+              <a:spcAft>
+                <a:spcPts val="0"/>
+              </a:spcAft>
+              <a:buClr>
+                <a:srgbClr val="000000"/>
+              </a:buClr>
+              <a:buSzPts val="2400"/>
+              <a:buFont typeface="Roboto"/>
+              <a:buNone/>
+            </a:pPr>
+            <a:r>
+              <a:rPr lang="en" dirty="0"/>
+              <a:t>Local Sponsor</a:t>
+            </a:r>
+            <a:endParaRPr dirty="0"/>
+          </a:p>
+        </p:txBody>
+      </p:sp>
+      <p:sp>
+        <p:nvSpPr>
+          <p:cNvPr id="100" name="Google Shape;100;p24"/>
+          <p:cNvSpPr txBox="1">
+            <a:spLocks noGrp="1"/>
+          </p:cNvSpPr>
+          <p:nvPr>
+            <p:ph type="body" idx="1"/>
+          </p:nvPr>
+        </p:nvSpPr>
+        <p:spPr>
+          <a:xfrm>
+            <a:off x="457198" y="1143000"/>
+            <a:ext cx="8289237" cy="2419398"/>
+          </a:xfrm>
+          <a:prstGeom prst="rect">
+            <a:avLst/>
+          </a:prstGeom>
+          <a:noFill/>
+          <a:ln>
+            <a:noFill/>
+          </a:ln>
+        </p:spPr>
+        <p:txBody>
+          <a:bodyPr spcFirstLastPara="1" wrap="square" lIns="45700" tIns="45700" rIns="45700" bIns="45700" anchor="t" anchorCtr="0">
+            <a:normAutofit/>
+          </a:bodyPr>
+          <a:lstStyle/>
+          <a:p>
+            <a:pPr marL="0" lvl="0" indent="0" algn="l" rtl="0">
+              <a:lnSpc>
+                <a:spcPct val="100000"/>
+              </a:lnSpc>
+              <a:spcBef>
+                <a:spcPts val="0"/>
+              </a:spcBef>
+              <a:spcAft>
+                <a:spcPts val="0"/>
+              </a:spcAft>
+              <a:buClr>
+                <a:srgbClr val="000000"/>
+              </a:buClr>
+              <a:buSzPts val="2000"/>
+              <a:buFont typeface="Roboto"/>
+              <a:buNone/>
+            </a:pPr>
+            <a:r>
+              <a:rPr lang="en-US" dirty="0"/>
+              <a:t>Builders of Tomorrow – The </a:t>
+            </a:r>
+            <a:r>
+              <a:rPr lang="en-US" i="1" dirty="0"/>
+              <a:t>FIRST</a:t>
+            </a:r>
+            <a:r>
+              <a:rPr lang="en-US" dirty="0"/>
+              <a:t> Northeast Florida Program Delivery Organization</a:t>
+            </a:r>
+            <a:endParaRPr dirty="0"/>
+          </a:p>
+        </p:txBody>
+      </p:sp>
+      <p:pic>
+        <p:nvPicPr>
+          <p:cNvPr id="3" name="Graphic 2">
+            <a:extLst>
+              <a:ext uri="{FF2B5EF4-FFF2-40B4-BE49-F238E27FC236}">
+                <a16:creationId xmlns:a16="http://schemas.microsoft.com/office/drawing/2014/main" id="{3A9B894E-E7F0-B33A-E5E1-7F705C990746}"/>
+              </a:ext>
+            </a:extLst>
+          </p:cNvPr>
+          <p:cNvPicPr>
+            <a:picLocks noChangeAspect="1"/>
+          </p:cNvPicPr>
+          <p:nvPr/>
+        </p:nvPicPr>
+        <p:blipFill>
+          <a:blip r:embed="rId3">
+            <a:extLst>
+              <a:ext uri="{96DAC541-7B7A-43D3-8B79-37D633B846F1}">
+                <asvg:svgBlip xmlns:asvg="http://schemas.microsoft.com/office/drawing/2016/SVG/main" r:embed="rId4"/>
+              </a:ext>
+            </a:extLst>
+          </a:blip>
+          <a:stretch>
+            <a:fillRect/>
+          </a:stretch>
+        </p:blipFill>
+        <p:spPr>
+          <a:xfrm>
+            <a:off x="2103467" y="1733956"/>
+            <a:ext cx="4996698" cy="2266544"/>
+          </a:xfrm>
+          <a:prstGeom prst="rect">
+            <a:avLst/>
+          </a:prstGeom>
+        </p:spPr>
+      </p:pic>
+    </p:spTree>
+  </p:cSld>
+  <p:clrMapOvr>
+    <a:masterClrMapping/>
+  </p:clrMapOvr>
+</p:sld>
+</file>
+
+<file path=ppt/slides/slide40.xml><?xml version="1.0" encoding="utf-8"?>
 <p:sld xmlns:a="http://schemas.openxmlformats.org/drawingml/2006/main" xmlns:r="http://schemas.openxmlformats.org/officeDocument/2006/relationships" xmlns:p="http://schemas.openxmlformats.org/presentationml/2006/main">
   <p:cSld>
     <p:spTree>
@@ -14716,7 +14343,7 @@
 </p:sld>
 </file>
 
-<file path=ppt/slides/slide42.xml><?xml version="1.0" encoding="utf-8"?>
+<file path=ppt/slides/slide41.xml><?xml version="1.0" encoding="utf-8"?>
 <p:sld xmlns:a="http://schemas.openxmlformats.org/drawingml/2006/main" xmlns:r="http://schemas.openxmlformats.org/officeDocument/2006/relationships" xmlns:p="http://schemas.openxmlformats.org/presentationml/2006/main">
   <p:cSld>
     <p:spTree>
@@ -15292,7 +14919,7 @@
 </p:sld>
 </file>
 
-<file path=ppt/slides/slide43.xml><?xml version="1.0" encoding="utf-8"?>
+<file path=ppt/slides/slide42.xml><?xml version="1.0" encoding="utf-8"?>
 <p:sld xmlns:a="http://schemas.openxmlformats.org/drawingml/2006/main" xmlns:r="http://schemas.openxmlformats.org/officeDocument/2006/relationships" xmlns:p="http://schemas.openxmlformats.org/presentationml/2006/main">
   <p:cSld>
     <p:spTree>
@@ -15457,7 +15084,7 @@
 </p:sld>
 </file>
 
-<file path=ppt/slides/slide44.xml><?xml version="1.0" encoding="utf-8"?>
+<file path=ppt/slides/slide43.xml><?xml version="1.0" encoding="utf-8"?>
 <p:sld xmlns:a="http://schemas.openxmlformats.org/drawingml/2006/main" xmlns:r="http://schemas.openxmlformats.org/officeDocument/2006/relationships" xmlns:p="http://schemas.openxmlformats.org/presentationml/2006/main">
   <p:cSld>
     <p:spTree>
@@ -15853,183 +15480,6 @@
   <p:cSld>
     <p:spTree>
       <p:nvGrpSpPr>
-        <p:cNvPr id="1" name="Shape 98"/>
-        <p:cNvGrpSpPr/>
-        <p:nvPr/>
-      </p:nvGrpSpPr>
-      <p:grpSpPr>
-        <a:xfrm>
-          <a:off x="0" y="0"/>
-          <a:ext cx="0" cy="0"/>
-          <a:chOff x="0" y="0"/>
-          <a:chExt cx="0" cy="0"/>
-        </a:xfrm>
-      </p:grpSpPr>
-      <p:sp>
-        <p:nvSpPr>
-          <p:cNvPr id="99" name="Google Shape;99;p24"/>
-          <p:cNvSpPr txBox="1">
-            <a:spLocks noGrp="1"/>
-          </p:cNvSpPr>
-          <p:nvPr>
-            <p:ph type="title"/>
-          </p:nvPr>
-        </p:nvSpPr>
-        <p:spPr>
-          <a:xfrm>
-            <a:off x="457198" y="398044"/>
-            <a:ext cx="8289236" cy="609601"/>
-          </a:xfrm>
-          <a:prstGeom prst="rect">
-            <a:avLst/>
-          </a:prstGeom>
-          <a:noFill/>
-          <a:ln>
-            <a:noFill/>
-          </a:ln>
-        </p:spPr>
-        <p:txBody>
-          <a:bodyPr spcFirstLastPara="1" wrap="square" lIns="0" tIns="0" rIns="0" bIns="0" anchor="ctr" anchorCtr="0">
-            <a:normAutofit/>
-          </a:bodyPr>
-          <a:lstStyle/>
-          <a:p>
-            <a:pPr marL="0" lvl="0" indent="0" algn="l" rtl="0">
-              <a:lnSpc>
-                <a:spcPct val="100000"/>
-              </a:lnSpc>
-              <a:spcBef>
-                <a:spcPts val="0"/>
-              </a:spcBef>
-              <a:spcAft>
-                <a:spcPts val="0"/>
-              </a:spcAft>
-              <a:buClr>
-                <a:srgbClr val="000000"/>
-              </a:buClr>
-              <a:buSzPts val="2400"/>
-              <a:buFont typeface="Roboto"/>
-              <a:buNone/>
-            </a:pPr>
-            <a:r>
-              <a:rPr lang="en" dirty="0"/>
-              <a:t>Local Sponsor</a:t>
-            </a:r>
-            <a:endParaRPr dirty="0"/>
-          </a:p>
-        </p:txBody>
-      </p:sp>
-      <p:sp>
-        <p:nvSpPr>
-          <p:cNvPr id="100" name="Google Shape;100;p24"/>
-          <p:cNvSpPr txBox="1">
-            <a:spLocks noGrp="1"/>
-          </p:cNvSpPr>
-          <p:nvPr>
-            <p:ph type="body" idx="1"/>
-          </p:nvPr>
-        </p:nvSpPr>
-        <p:spPr>
-          <a:xfrm>
-            <a:off x="457198" y="1143000"/>
-            <a:ext cx="8289237" cy="2419398"/>
-          </a:xfrm>
-          <a:prstGeom prst="rect">
-            <a:avLst/>
-          </a:prstGeom>
-          <a:noFill/>
-          <a:ln>
-            <a:noFill/>
-          </a:ln>
-        </p:spPr>
-        <p:txBody>
-          <a:bodyPr spcFirstLastPara="1" wrap="square" lIns="45700" tIns="45700" rIns="45700" bIns="45700" anchor="t" anchorCtr="0">
-            <a:normAutofit/>
-          </a:bodyPr>
-          <a:lstStyle/>
-          <a:p>
-            <a:pPr marL="0" lvl="0" indent="0" algn="l" rtl="0">
-              <a:lnSpc>
-                <a:spcPct val="100000"/>
-              </a:lnSpc>
-              <a:spcBef>
-                <a:spcPts val="0"/>
-              </a:spcBef>
-              <a:spcAft>
-                <a:spcPts val="0"/>
-              </a:spcAft>
-              <a:buClr>
-                <a:srgbClr val="000000"/>
-              </a:buClr>
-              <a:buSzPts val="2000"/>
-              <a:buFont typeface="Roboto"/>
-              <a:buNone/>
-            </a:pPr>
-            <a:r>
-              <a:rPr lang="en-US" dirty="0"/>
-              <a:t>Builders of Tomorrow – The </a:t>
-            </a:r>
-            <a:r>
-              <a:rPr lang="en-US" i="1" dirty="0"/>
-              <a:t>FIRST</a:t>
-            </a:r>
-            <a:r>
-              <a:rPr lang="en-US" dirty="0"/>
-              <a:t> Northeast Florida Program Delivery Organization</a:t>
-            </a:r>
-            <a:endParaRPr dirty="0"/>
-          </a:p>
-        </p:txBody>
-      </p:sp>
-      <p:pic>
-        <p:nvPicPr>
-          <p:cNvPr id="3" name="Graphic 2">
-            <a:extLst>
-              <a:ext uri="{FF2B5EF4-FFF2-40B4-BE49-F238E27FC236}">
-                <a16:creationId xmlns:a16="http://schemas.microsoft.com/office/drawing/2014/main" id="{3A9B894E-E7F0-B33A-E5E1-7F705C990746}"/>
-              </a:ext>
-            </a:extLst>
-          </p:cNvPr>
-          <p:cNvPicPr>
-            <a:picLocks noChangeAspect="1"/>
-          </p:cNvPicPr>
-          <p:nvPr/>
-        </p:nvPicPr>
-        <p:blipFill>
-          <a:blip r:embed="rId3">
-            <a:extLst>
-              <a:ext uri="{96DAC541-7B7A-43D3-8B79-37D633B846F1}">
-                <asvg:svgBlip xmlns:asvg="http://schemas.microsoft.com/office/drawing/2016/SVG/main" r:embed="rId4"/>
-              </a:ext>
-            </a:extLst>
-          </a:blip>
-          <a:stretch>
-            <a:fillRect/>
-          </a:stretch>
-        </p:blipFill>
-        <p:spPr>
-          <a:xfrm>
-            <a:off x="2103467" y="1733956"/>
-            <a:ext cx="4996698" cy="2266544"/>
-          </a:xfrm>
-          <a:prstGeom prst="rect">
-            <a:avLst/>
-          </a:prstGeom>
-        </p:spPr>
-      </p:pic>
-    </p:spTree>
-  </p:cSld>
-  <p:clrMapOvr>
-    <a:masterClrMapping/>
-  </p:clrMapOvr>
-</p:sld>
-</file>
-
-<file path=ppt/slides/slide6.xml><?xml version="1.0" encoding="utf-8"?>
-<p:sld xmlns:a="http://schemas.openxmlformats.org/drawingml/2006/main" xmlns:r="http://schemas.openxmlformats.org/officeDocument/2006/relationships" xmlns:p="http://schemas.openxmlformats.org/presentationml/2006/main">
-  <p:cSld>
-    <p:spTree>
-      <p:nvGrpSpPr>
         <p:cNvPr id="1" name="Shape 95"/>
         <p:cNvGrpSpPr/>
         <p:nvPr/>
@@ -16104,7 +15554,7 @@
 </p:sld>
 </file>
 
-<file path=ppt/slides/slide7.xml><?xml version="1.0" encoding="utf-8"?>
+<file path=ppt/slides/slide6.xml><?xml version="1.0" encoding="utf-8"?>
 <p:sld xmlns:a="http://schemas.openxmlformats.org/drawingml/2006/main" xmlns:r="http://schemas.openxmlformats.org/officeDocument/2006/relationships" xmlns:p="http://schemas.openxmlformats.org/presentationml/2006/main">
   <p:cSld>
     <p:spTree>
@@ -16183,7 +15633,7 @@
 </p:sld>
 </file>
 
-<file path=ppt/slides/slide8.xml><?xml version="1.0" encoding="utf-8"?>
+<file path=ppt/slides/slide7.xml><?xml version="1.0" encoding="utf-8"?>
 <p:sld xmlns:a="http://schemas.openxmlformats.org/drawingml/2006/main" xmlns:r="http://schemas.openxmlformats.org/officeDocument/2006/relationships" xmlns:p="http://schemas.openxmlformats.org/presentationml/2006/main">
   <p:cSld>
     <p:spTree>
@@ -16316,7 +15766,7 @@
 </p:sld>
 </file>
 
-<file path=ppt/slides/slide9.xml><?xml version="1.0" encoding="utf-8"?>
+<file path=ppt/slides/slide8.xml><?xml version="1.0" encoding="utf-8"?>
 <p:sld xmlns:a="http://schemas.openxmlformats.org/drawingml/2006/main" xmlns:r="http://schemas.openxmlformats.org/officeDocument/2006/relationships" xmlns:p="http://schemas.openxmlformats.org/presentationml/2006/main">
   <p:cSld>
     <p:spTree>
@@ -16438,6 +15888,85 @@
               <a:t>{Volunteer Award}</a:t>
             </a:r>
             <a:endParaRPr sz="3600" b="1" dirty="0"/>
+          </a:p>
+        </p:txBody>
+      </p:sp>
+    </p:spTree>
+  </p:cSld>
+  <p:clrMapOvr>
+    <a:masterClrMapping/>
+  </p:clrMapOvr>
+</p:sld>
+</file>
+
+<file path=ppt/slides/slide9.xml><?xml version="1.0" encoding="utf-8"?>
+<p:sld xmlns:a="http://schemas.openxmlformats.org/drawingml/2006/main" xmlns:r="http://schemas.openxmlformats.org/officeDocument/2006/relationships" xmlns:p="http://schemas.openxmlformats.org/presentationml/2006/main">
+  <p:cSld>
+    <p:spTree>
+      <p:nvGrpSpPr>
+        <p:cNvPr id="1" name="Shape 121"/>
+        <p:cNvGrpSpPr/>
+        <p:nvPr/>
+      </p:nvGrpSpPr>
+      <p:grpSpPr>
+        <a:xfrm>
+          <a:off x="0" y="0"/>
+          <a:ext cx="0" cy="0"/>
+          <a:chOff x="0" y="0"/>
+          <a:chExt cx="0" cy="0"/>
+        </a:xfrm>
+      </p:grpSpPr>
+      <p:sp>
+        <p:nvSpPr>
+          <p:cNvPr id="122" name="Google Shape;122;p28"/>
+          <p:cNvSpPr txBox="1">
+            <a:spLocks noGrp="1"/>
+          </p:cNvSpPr>
+          <p:nvPr>
+            <p:ph type="title"/>
+          </p:nvPr>
+        </p:nvSpPr>
+        <p:spPr>
+          <a:xfrm>
+            <a:off x="427382" y="1962149"/>
+            <a:ext cx="8289236" cy="609601"/>
+          </a:xfrm>
+          <a:prstGeom prst="rect">
+            <a:avLst/>
+          </a:prstGeom>
+          <a:noFill/>
+          <a:ln>
+            <a:noFill/>
+          </a:ln>
+        </p:spPr>
+        <p:txBody>
+          <a:bodyPr spcFirstLastPara="1" wrap="square" lIns="0" tIns="0" rIns="0" bIns="0" anchor="ctr" anchorCtr="0">
+            <a:normAutofit/>
+          </a:bodyPr>
+          <a:lstStyle/>
+          <a:p>
+            <a:pPr marL="0" lvl="0" indent="0" algn="ctr" rtl="0">
+              <a:lnSpc>
+                <a:spcPct val="100000"/>
+              </a:lnSpc>
+              <a:spcBef>
+                <a:spcPts val="0"/>
+              </a:spcBef>
+              <a:spcAft>
+                <a:spcPts val="0"/>
+              </a:spcAft>
+              <a:buClr>
+                <a:srgbClr val="000000"/>
+              </a:buClr>
+              <a:buSzPts val="3600"/>
+              <a:buFont typeface="Roboto"/>
+              <a:buNone/>
+            </a:pPr>
+            <a:r>
+              <a:rPr lang="en" sz="3600"/>
+              <a:t>The Coach/Mentor Award</a:t>
+            </a:r>
+            <a:endParaRPr sz="3600"/>
           </a:p>
         </p:txBody>
       </p:sp>

--- a/Api/Templates/Awards Ceremony - Full.pptx
+++ b/Api/Templates/Awards Ceremony - Full.pptx
@@ -1,6 +1,6 @@
 
 <file path=ppt/presentation.xml><?xml version="1.0" encoding="utf-8"?>
-<p:presentation xmlns:a="http://schemas.openxmlformats.org/drawingml/2006/main" xmlns:r="http://schemas.openxmlformats.org/officeDocument/2006/relationships" xmlns:p="http://schemas.openxmlformats.org/presentationml/2006/main" strictFirstAndLastChars="0" embedTrueTypeFonts="1" saveSubsetFonts="1" autoCompressPictures="0">
+<p:presentation xmlns:a="http://schemas.openxmlformats.org/drawingml/2006/main" xmlns:r="http://schemas.openxmlformats.org/officeDocument/2006/relationships" xmlns:p="http://schemas.openxmlformats.org/presentationml/2006/main" strictFirstAndLastChars="0" saveSubsetFonts="1">
   <p:sldMasterIdLst>
     <p:sldMasterId id="2147483665" r:id="rId1"/>
   </p:sldMasterIdLst>
@@ -54,22 +54,6 @@
   </p:sldIdLst>
   <p:sldSz cx="9144000" cy="5143500" type="screen16x9"/>
   <p:notesSz cx="6858000" cy="9144000"/>
-  <p:embeddedFontLst>
-    <p:embeddedFont>
-      <p:font typeface="Roboto" panose="020B0604020202020204" charset="0"/>
-      <p:regular r:id="rId46"/>
-      <p:bold r:id="rId47"/>
-      <p:italic r:id="rId48"/>
-      <p:boldItalic r:id="rId49"/>
-    </p:embeddedFont>
-    <p:embeddedFont>
-      <p:font typeface="Roboto Condensed" panose="020B0604020202020204" charset="0"/>
-      <p:regular r:id="rId50"/>
-      <p:bold r:id="rId51"/>
-      <p:italic r:id="rId52"/>
-      <p:boldItalic r:id="rId53"/>
-    </p:embeddedFont>
-  </p:embeddedFontLst>
   <p:defaultTextStyle>
     <a:defPPr marR="0" lvl="0" algn="l" rtl="0">
       <a:lnSpc>
@@ -626,8 +610,8 @@
   </pc:docChgLst>
   <pc:docChgLst>
     <pc:chgData name="Brady Merkel" userId="077b44faa59125c6" providerId="LiveId" clId="{E242539A-166A-43D6-9CE7-B9B986C889D9}"/>
-    <pc:docChg chg="custSel delSld modSld modMainMaster">
-      <pc:chgData name="Brady Merkel" userId="077b44faa59125c6" providerId="LiveId" clId="{E242539A-166A-43D6-9CE7-B9B986C889D9}" dt="2025-03-23T23:34:28.477" v="15" actId="27636"/>
+    <pc:docChg chg="undo custSel delSld modSld modMainMaster">
+      <pc:chgData name="Brady Merkel" userId="077b44faa59125c6" providerId="LiveId" clId="{E242539A-166A-43D6-9CE7-B9B986C889D9}" dt="2025-06-01T14:22:05.219" v="169" actId="6549"/>
       <pc:docMkLst>
         <pc:docMk/>
       </pc:docMkLst>
@@ -644,14 +628,6 @@
           <pc:docMk/>
           <pc:sldMk cId="0" sldId="259"/>
         </pc:sldMkLst>
-        <pc:spChg chg="add del mod">
-          <ac:chgData name="Brady Merkel" userId="077b44faa59125c6" providerId="LiveId" clId="{E242539A-166A-43D6-9CE7-B9B986C889D9}" dt="2025-03-23T23:34:28.468" v="14" actId="6264"/>
-          <ac:spMkLst>
-            <pc:docMk/>
-            <pc:sldMk cId="0" sldId="259"/>
-            <ac:spMk id="2" creationId="{0AC650A8-E7C3-1459-531D-419CF9BFC4B3}"/>
-          </ac:spMkLst>
-        </pc:spChg>
         <pc:spChg chg="add mod ord">
           <ac:chgData name="Brady Merkel" userId="077b44faa59125c6" providerId="LiveId" clId="{E242539A-166A-43D6-9CE7-B9B986C889D9}" dt="2025-03-23T23:34:28.477" v="15" actId="27636"/>
           <ac:spMkLst>
@@ -669,14 +645,61 @@
           </ac:spMkLst>
         </pc:spChg>
       </pc:sldChg>
+      <pc:sldChg chg="addSp delSp modSp mod chgLayout">
+        <pc:chgData name="Brady Merkel" userId="077b44faa59125c6" providerId="LiveId" clId="{E242539A-166A-43D6-9CE7-B9B986C889D9}" dt="2025-06-01T14:16:37.869" v="50" actId="27636"/>
+        <pc:sldMkLst>
+          <pc:docMk/>
+          <pc:sldMk cId="854740014" sldId="300"/>
+        </pc:sldMkLst>
+        <pc:spChg chg="mod ord">
+          <ac:chgData name="Brady Merkel" userId="077b44faa59125c6" providerId="LiveId" clId="{E242539A-166A-43D6-9CE7-B9B986C889D9}" dt="2025-06-01T14:08:31.023" v="25" actId="6264"/>
+          <ac:spMkLst>
+            <pc:docMk/>
+            <pc:sldMk cId="854740014" sldId="300"/>
+            <ac:spMk id="2" creationId="{4122A3F8-EFB9-FC12-0E0B-DB541BE52A16}"/>
+          </ac:spMkLst>
+        </pc:spChg>
+        <pc:spChg chg="mod ord">
+          <ac:chgData name="Brady Merkel" userId="077b44faa59125c6" providerId="LiveId" clId="{E242539A-166A-43D6-9CE7-B9B986C889D9}" dt="2025-06-01T14:16:37.869" v="50" actId="27636"/>
+          <ac:spMkLst>
+            <pc:docMk/>
+            <pc:sldMk cId="854740014" sldId="300"/>
+            <ac:spMk id="3" creationId="{C03E5D99-93D5-50C0-6E73-973C60A71B26}"/>
+          </ac:spMkLst>
+        </pc:spChg>
+        <pc:spChg chg="add del mod">
+          <ac:chgData name="Brady Merkel" userId="077b44faa59125c6" providerId="LiveId" clId="{E242539A-166A-43D6-9CE7-B9B986C889D9}" dt="2025-06-01T14:08:31.023" v="25" actId="6264"/>
+          <ac:spMkLst>
+            <pc:docMk/>
+            <pc:sldMk cId="854740014" sldId="300"/>
+            <ac:spMk id="4" creationId="{D088D975-847E-4F7A-B7A0-EFAC36E33FAA}"/>
+          </ac:spMkLst>
+        </pc:spChg>
+        <pc:spChg chg="add del mod">
+          <ac:chgData name="Brady Merkel" userId="077b44faa59125c6" providerId="LiveId" clId="{E242539A-166A-43D6-9CE7-B9B986C889D9}" dt="2025-06-01T14:08:31.023" v="25" actId="6264"/>
+          <ac:spMkLst>
+            <pc:docMk/>
+            <pc:sldMk cId="854740014" sldId="300"/>
+            <ac:spMk id="6" creationId="{BFDF5BFA-2721-C498-E92E-52A8DF57554E}"/>
+          </ac:spMkLst>
+        </pc:spChg>
+        <pc:picChg chg="del">
+          <ac:chgData name="Brady Merkel" userId="077b44faa59125c6" providerId="LiveId" clId="{E242539A-166A-43D6-9CE7-B9B986C889D9}" dt="2025-06-01T14:08:08.215" v="20" actId="478"/>
+          <ac:picMkLst>
+            <pc:docMk/>
+            <pc:sldMk cId="854740014" sldId="300"/>
+            <ac:picMk id="5" creationId="{7CE04B72-2BA1-4604-359B-8D5898B010AC}"/>
+          </ac:picMkLst>
+        </pc:picChg>
+      </pc:sldChg>
       <pc:sldChg chg="modSp mod">
-        <pc:chgData name="Brady Merkel" userId="077b44faa59125c6" providerId="LiveId" clId="{E242539A-166A-43D6-9CE7-B9B986C889D9}" dt="2025-03-23T23:34:18.477" v="13" actId="20577"/>
+        <pc:chgData name="Brady Merkel" userId="077b44faa59125c6" providerId="LiveId" clId="{E242539A-166A-43D6-9CE7-B9B986C889D9}" dt="2025-06-01T14:22:05.219" v="169" actId="6549"/>
         <pc:sldMkLst>
           <pc:docMk/>
           <pc:sldMk cId="0" sldId="301"/>
         </pc:sldMkLst>
         <pc:spChg chg="mod">
-          <ac:chgData name="Brady Merkel" userId="077b44faa59125c6" providerId="LiveId" clId="{E242539A-166A-43D6-9CE7-B9B986C889D9}" dt="2025-03-23T23:34:18.477" v="13" actId="20577"/>
+          <ac:chgData name="Brady Merkel" userId="077b44faa59125c6" providerId="LiveId" clId="{E242539A-166A-43D6-9CE7-B9B986C889D9}" dt="2025-06-01T14:22:05.219" v="169" actId="6549"/>
           <ac:spMkLst>
             <pc:docMk/>
             <pc:sldMk cId="0" sldId="301"/>
@@ -684,12 +707,129 @@
           </ac:spMkLst>
         </pc:spChg>
       </pc:sldChg>
-      <pc:sldMasterChg chg="setBg delSldLayout modSldLayout">
-        <pc:chgData name="Brady Merkel" userId="077b44faa59125c6" providerId="LiveId" clId="{E242539A-166A-43D6-9CE7-B9B986C889D9}" dt="2025-03-23T23:34:06.044" v="12" actId="47"/>
+      <pc:sldChg chg="modSp mod">
+        <pc:chgData name="Brady Merkel" userId="077b44faa59125c6" providerId="LiveId" clId="{E242539A-166A-43D6-9CE7-B9B986C889D9}" dt="2025-06-01T14:07:48.371" v="19" actId="6549"/>
+        <pc:sldMkLst>
+          <pc:docMk/>
+          <pc:sldMk cId="0" sldId="302"/>
+        </pc:sldMkLst>
+        <pc:spChg chg="mod">
+          <ac:chgData name="Brady Merkel" userId="077b44faa59125c6" providerId="LiveId" clId="{E242539A-166A-43D6-9CE7-B9B986C889D9}" dt="2025-06-01T14:07:48.371" v="19" actId="6549"/>
+          <ac:spMkLst>
+            <pc:docMk/>
+            <pc:sldMk cId="0" sldId="302"/>
+            <ac:spMk id="96" creationId="{00000000-0000-0000-0000-000000000000}"/>
+          </ac:spMkLst>
+        </pc:spChg>
+      </pc:sldChg>
+      <pc:sldChg chg="delSp modSp mod">
+        <pc:chgData name="Brady Merkel" userId="077b44faa59125c6" providerId="LiveId" clId="{E242539A-166A-43D6-9CE7-B9B986C889D9}" dt="2025-06-01T14:20:51.059" v="166" actId="120"/>
+        <pc:sldMkLst>
+          <pc:docMk/>
+          <pc:sldMk cId="0" sldId="303"/>
+        </pc:sldMkLst>
+        <pc:spChg chg="mod">
+          <ac:chgData name="Brady Merkel" userId="077b44faa59125c6" providerId="LiveId" clId="{E242539A-166A-43D6-9CE7-B9B986C889D9}" dt="2025-06-01T14:20:39.549" v="164" actId="20577"/>
+          <ac:spMkLst>
+            <pc:docMk/>
+            <pc:sldMk cId="0" sldId="303"/>
+            <ac:spMk id="222" creationId="{00000000-0000-0000-0000-000000000000}"/>
+          </ac:spMkLst>
+        </pc:spChg>
+        <pc:spChg chg="mod">
+          <ac:chgData name="Brady Merkel" userId="077b44faa59125c6" providerId="LiveId" clId="{E242539A-166A-43D6-9CE7-B9B986C889D9}" dt="2025-06-01T14:20:51.059" v="166" actId="120"/>
+          <ac:spMkLst>
+            <pc:docMk/>
+            <pc:sldMk cId="0" sldId="303"/>
+            <ac:spMk id="225" creationId="{00000000-0000-0000-0000-000000000000}"/>
+          </ac:spMkLst>
+        </pc:spChg>
+        <pc:spChg chg="mod">
+          <ac:chgData name="Brady Merkel" userId="077b44faa59125c6" providerId="LiveId" clId="{E242539A-166A-43D6-9CE7-B9B986C889D9}" dt="2025-06-01T14:20:26.647" v="161" actId="20577"/>
+          <ac:spMkLst>
+            <pc:docMk/>
+            <pc:sldMk cId="0" sldId="303"/>
+            <ac:spMk id="226" creationId="{00000000-0000-0000-0000-000000000000}"/>
+          </ac:spMkLst>
+        </pc:spChg>
+        <pc:picChg chg="del">
+          <ac:chgData name="Brady Merkel" userId="077b44faa59125c6" providerId="LiveId" clId="{E242539A-166A-43D6-9CE7-B9B986C889D9}" dt="2025-06-01T14:19:39.638" v="77" actId="478"/>
+          <ac:picMkLst>
+            <pc:docMk/>
+            <pc:sldMk cId="0" sldId="303"/>
+            <ac:picMk id="224" creationId="{00000000-0000-0000-0000-000000000000}"/>
+          </ac:picMkLst>
+        </pc:picChg>
+      </pc:sldChg>
+      <pc:sldChg chg="delSp modSp mod">
+        <pc:chgData name="Brady Merkel" userId="077b44faa59125c6" providerId="LiveId" clId="{E242539A-166A-43D6-9CE7-B9B986C889D9}" dt="2025-06-01T14:20:57.797" v="167" actId="478"/>
+        <pc:sldMkLst>
+          <pc:docMk/>
+          <pc:sldMk cId="0" sldId="304"/>
+        </pc:sldMkLst>
+        <pc:spChg chg="mod">
+          <ac:chgData name="Brady Merkel" userId="077b44faa59125c6" providerId="LiveId" clId="{E242539A-166A-43D6-9CE7-B9B986C889D9}" dt="2025-06-01T14:16:48.212" v="57" actId="27636"/>
+          <ac:spMkLst>
+            <pc:docMk/>
+            <pc:sldMk cId="0" sldId="304"/>
+            <ac:spMk id="232" creationId="{00000000-0000-0000-0000-000000000000}"/>
+          </ac:spMkLst>
+        </pc:spChg>
+        <pc:picChg chg="del">
+          <ac:chgData name="Brady Merkel" userId="077b44faa59125c6" providerId="LiveId" clId="{E242539A-166A-43D6-9CE7-B9B986C889D9}" dt="2025-06-01T14:20:57.797" v="167" actId="478"/>
+          <ac:picMkLst>
+            <pc:docMk/>
+            <pc:sldMk cId="0" sldId="304"/>
+            <ac:picMk id="235" creationId="{00000000-0000-0000-0000-000000000000}"/>
+          </ac:picMkLst>
+        </pc:picChg>
+      </pc:sldChg>
+      <pc:sldMasterChg chg="modSp mod setBg delSldLayout modSldLayout">
+        <pc:chgData name="Brady Merkel" userId="077b44faa59125c6" providerId="LiveId" clId="{E242539A-166A-43D6-9CE7-B9B986C889D9}" dt="2025-06-01T14:18:39.099" v="76" actId="179"/>
         <pc:sldMasterMkLst>
           <pc:docMk/>
           <pc:sldMasterMk cId="0" sldId="2147483665"/>
         </pc:sldMasterMkLst>
+        <pc:spChg chg="mod">
+          <ac:chgData name="Brady Merkel" userId="077b44faa59125c6" providerId="LiveId" clId="{E242539A-166A-43D6-9CE7-B9B986C889D9}" dt="2025-06-01T14:16:48.383" v="58" actId="403"/>
+          <ac:spMkLst>
+            <pc:docMk/>
+            <pc:sldMasterMk cId="0" sldId="2147483665"/>
+            <ac:spMk id="2" creationId="{C8DED3FE-AFAC-F5EA-34B0-14AE21C5B291}"/>
+          </ac:spMkLst>
+        </pc:spChg>
+        <pc:spChg chg="mod">
+          <ac:chgData name="Brady Merkel" userId="077b44faa59125c6" providerId="LiveId" clId="{E242539A-166A-43D6-9CE7-B9B986C889D9}" dt="2025-06-01T14:18:39.099" v="76" actId="179"/>
+          <ac:spMkLst>
+            <pc:docMk/>
+            <pc:sldMasterMk cId="0" sldId="2147483665"/>
+            <ac:spMk id="3" creationId="{AEEBC916-4794-B92B-9970-8BC0AFD046DD}"/>
+          </ac:spMkLst>
+        </pc:spChg>
+        <pc:spChg chg="mod">
+          <ac:chgData name="Brady Merkel" userId="077b44faa59125c6" providerId="LiveId" clId="{E242539A-166A-43D6-9CE7-B9B986C889D9}" dt="2025-06-01T14:13:29.321" v="49" actId="2711"/>
+          <ac:spMkLst>
+            <pc:docMk/>
+            <pc:sldMasterMk cId="0" sldId="2147483665"/>
+            <ac:spMk id="51" creationId="{00000000-0000-0000-0000-000000000000}"/>
+          </ac:spMkLst>
+        </pc:spChg>
+        <pc:spChg chg="mod">
+          <ac:chgData name="Brady Merkel" userId="077b44faa59125c6" providerId="LiveId" clId="{E242539A-166A-43D6-9CE7-B9B986C889D9}" dt="2025-06-01T14:11:38.798" v="40" actId="2711"/>
+          <ac:spMkLst>
+            <pc:docMk/>
+            <pc:sldMasterMk cId="0" sldId="2147483665"/>
+            <ac:spMk id="52" creationId="{00000000-0000-0000-0000-000000000000}"/>
+          </ac:spMkLst>
+        </pc:spChg>
+        <pc:spChg chg="mod">
+          <ac:chgData name="Brady Merkel" userId="077b44faa59125c6" providerId="LiveId" clId="{E242539A-166A-43D6-9CE7-B9B986C889D9}" dt="2025-06-01T14:12:42.826" v="46" actId="2711"/>
+          <ac:spMkLst>
+            <pc:docMk/>
+            <pc:sldMasterMk cId="0" sldId="2147483665"/>
+            <ac:spMk id="53" creationId="{00000000-0000-0000-0000-000000000000}"/>
+          </ac:spMkLst>
+        </pc:spChg>
         <pc:sldLayoutChg chg="del setBg">
           <pc:chgData name="Brady Merkel" userId="077b44faa59125c6" providerId="LiveId" clId="{E242539A-166A-43D6-9CE7-B9B986C889D9}" dt="2025-03-23T23:34:06.044" v="12" actId="47"/>
           <pc:sldLayoutMkLst>
@@ -698,23 +838,50 @@
             <pc:sldLayoutMk cId="0" sldId="2147483659"/>
           </pc:sldLayoutMkLst>
         </pc:sldLayoutChg>
-        <pc:sldLayoutChg chg="setBg">
-          <pc:chgData name="Brady Merkel" userId="077b44faa59125c6" providerId="LiveId" clId="{E242539A-166A-43D6-9CE7-B9B986C889D9}" dt="2025-03-23T23:33:04.755" v="6"/>
+        <pc:sldLayoutChg chg="modSp setBg">
+          <pc:chgData name="Brady Merkel" userId="077b44faa59125c6" providerId="LiveId" clId="{E242539A-166A-43D6-9CE7-B9B986C889D9}" dt="2025-06-01T14:12:34.639" v="45" actId="2711"/>
           <pc:sldLayoutMkLst>
             <pc:docMk/>
             <pc:sldMasterMk cId="0" sldId="2147483665"/>
             <pc:sldLayoutMk cId="0" sldId="2147483660"/>
           </pc:sldLayoutMkLst>
+          <pc:spChg chg="mod">
+            <ac:chgData name="Brady Merkel" userId="077b44faa59125c6" providerId="LiveId" clId="{E242539A-166A-43D6-9CE7-B9B986C889D9}" dt="2025-06-01T14:11:54.787" v="41" actId="2711"/>
+            <ac:spMkLst>
+              <pc:docMk/>
+              <pc:sldMasterMk cId="0" sldId="2147483665"/>
+              <pc:sldLayoutMk cId="0" sldId="2147483660"/>
+              <ac:spMk id="57" creationId="{00000000-0000-0000-0000-000000000000}"/>
+            </ac:spMkLst>
+          </pc:spChg>
+          <pc:spChg chg="mod">
+            <ac:chgData name="Brady Merkel" userId="077b44faa59125c6" providerId="LiveId" clId="{E242539A-166A-43D6-9CE7-B9B986C889D9}" dt="2025-06-01T14:11:54.787" v="41" actId="2711"/>
+            <ac:spMkLst>
+              <pc:docMk/>
+              <pc:sldMasterMk cId="0" sldId="2147483665"/>
+              <pc:sldLayoutMk cId="0" sldId="2147483660"/>
+              <ac:spMk id="58" creationId="{00000000-0000-0000-0000-000000000000}"/>
+            </ac:spMkLst>
+          </pc:spChg>
+          <pc:spChg chg="mod">
+            <ac:chgData name="Brady Merkel" userId="077b44faa59125c6" providerId="LiveId" clId="{E242539A-166A-43D6-9CE7-B9B986C889D9}" dt="2025-06-01T14:12:34.639" v="45" actId="2711"/>
+            <ac:spMkLst>
+              <pc:docMk/>
+              <pc:sldMasterMk cId="0" sldId="2147483665"/>
+              <pc:sldLayoutMk cId="0" sldId="2147483660"/>
+              <ac:spMk id="59" creationId="{00000000-0000-0000-0000-000000000000}"/>
+            </ac:spMkLst>
+          </pc:spChg>
         </pc:sldLayoutChg>
         <pc:sldLayoutChg chg="modSp setBg">
-          <pc:chgData name="Brady Merkel" userId="077b44faa59125c6" providerId="LiveId" clId="{E242539A-166A-43D6-9CE7-B9B986C889D9}" dt="2025-03-23T23:33:24.078" v="8" actId="207"/>
+          <pc:chgData name="Brady Merkel" userId="077b44faa59125c6" providerId="LiveId" clId="{E242539A-166A-43D6-9CE7-B9B986C889D9}" dt="2025-06-01T14:12:26.305" v="44" actId="2711"/>
           <pc:sldLayoutMkLst>
             <pc:docMk/>
             <pc:sldMasterMk cId="0" sldId="2147483665"/>
             <pc:sldLayoutMk cId="0" sldId="2147483661"/>
           </pc:sldLayoutMkLst>
           <pc:spChg chg="mod">
-            <ac:chgData name="Brady Merkel" userId="077b44faa59125c6" providerId="LiveId" clId="{E242539A-166A-43D6-9CE7-B9B986C889D9}" dt="2025-03-23T23:33:24.078" v="8" actId="207"/>
+            <ac:chgData name="Brady Merkel" userId="077b44faa59125c6" providerId="LiveId" clId="{E242539A-166A-43D6-9CE7-B9B986C889D9}" dt="2025-06-01T14:12:04.481" v="42" actId="2711"/>
             <ac:spMkLst>
               <pc:docMk/>
               <pc:sldMasterMk cId="0" sldId="2147483665"/>
@@ -723,7 +890,7 @@
             </ac:spMkLst>
           </pc:spChg>
           <pc:spChg chg="mod">
-            <ac:chgData name="Brady Merkel" userId="077b44faa59125c6" providerId="LiveId" clId="{E242539A-166A-43D6-9CE7-B9B986C889D9}" dt="2025-03-23T23:33:24.078" v="8" actId="207"/>
+            <ac:chgData name="Brady Merkel" userId="077b44faa59125c6" providerId="LiveId" clId="{E242539A-166A-43D6-9CE7-B9B986C889D9}" dt="2025-06-01T14:12:04.481" v="42" actId="2711"/>
             <ac:spMkLst>
               <pc:docMk/>
               <pc:sldMasterMk cId="0" sldId="2147483665"/>
@@ -732,7 +899,7 @@
             </ac:spMkLst>
           </pc:spChg>
           <pc:spChg chg="mod">
-            <ac:chgData name="Brady Merkel" userId="077b44faa59125c6" providerId="LiveId" clId="{E242539A-166A-43D6-9CE7-B9B986C889D9}" dt="2025-03-23T23:33:24.078" v="8" actId="207"/>
+            <ac:chgData name="Brady Merkel" userId="077b44faa59125c6" providerId="LiveId" clId="{E242539A-166A-43D6-9CE7-B9B986C889D9}" dt="2025-06-01T14:12:26.305" v="44" actId="2711"/>
             <ac:spMkLst>
               <pc:docMk/>
               <pc:sldMasterMk cId="0" sldId="2147483665"/>
@@ -741,13 +908,40 @@
             </ac:spMkLst>
           </pc:spChg>
         </pc:sldLayoutChg>
-        <pc:sldLayoutChg chg="setBg">
-          <pc:chgData name="Brady Merkel" userId="077b44faa59125c6" providerId="LiveId" clId="{E242539A-166A-43D6-9CE7-B9B986C889D9}" dt="2025-03-23T23:33:31.506" v="9"/>
+        <pc:sldLayoutChg chg="modSp setBg">
+          <pc:chgData name="Brady Merkel" userId="077b44faa59125c6" providerId="LiveId" clId="{E242539A-166A-43D6-9CE7-B9B986C889D9}" dt="2025-06-01T14:12:19.405" v="43" actId="2711"/>
           <pc:sldLayoutMkLst>
             <pc:docMk/>
             <pc:sldMasterMk cId="0" sldId="2147483665"/>
             <pc:sldLayoutMk cId="0" sldId="2147483662"/>
           </pc:sldLayoutMkLst>
+          <pc:spChg chg="mod">
+            <ac:chgData name="Brady Merkel" userId="077b44faa59125c6" providerId="LiveId" clId="{E242539A-166A-43D6-9CE7-B9B986C889D9}" dt="2025-06-01T14:12:19.405" v="43" actId="2711"/>
+            <ac:spMkLst>
+              <pc:docMk/>
+              <pc:sldMasterMk cId="0" sldId="2147483665"/>
+              <pc:sldLayoutMk cId="0" sldId="2147483662"/>
+              <ac:spMk id="65" creationId="{00000000-0000-0000-0000-000000000000}"/>
+            </ac:spMkLst>
+          </pc:spChg>
+          <pc:spChg chg="mod">
+            <ac:chgData name="Brady Merkel" userId="077b44faa59125c6" providerId="LiveId" clId="{E242539A-166A-43D6-9CE7-B9B986C889D9}" dt="2025-06-01T14:12:19.405" v="43" actId="2711"/>
+            <ac:spMkLst>
+              <pc:docMk/>
+              <pc:sldMasterMk cId="0" sldId="2147483665"/>
+              <pc:sldLayoutMk cId="0" sldId="2147483662"/>
+              <ac:spMk id="66" creationId="{00000000-0000-0000-0000-000000000000}"/>
+            </ac:spMkLst>
+          </pc:spChg>
+          <pc:spChg chg="mod">
+            <ac:chgData name="Brady Merkel" userId="077b44faa59125c6" providerId="LiveId" clId="{E242539A-166A-43D6-9CE7-B9B986C889D9}" dt="2025-06-01T14:12:19.405" v="43" actId="2711"/>
+            <ac:spMkLst>
+              <pc:docMk/>
+              <pc:sldMasterMk cId="0" sldId="2147483665"/>
+              <pc:sldLayoutMk cId="0" sldId="2147483662"/>
+              <ac:spMk id="67" creationId="{00000000-0000-0000-0000-000000000000}"/>
+            </ac:spMkLst>
+          </pc:spChg>
         </pc:sldLayoutChg>
         <pc:sldLayoutChg chg="setBg">
           <pc:chgData name="Brady Merkel" userId="077b44faa59125c6" providerId="LiveId" clId="{E242539A-166A-43D6-9CE7-B9B986C889D9}" dt="2025-03-23T23:33:36.938" v="10"/>
@@ -5640,7 +5834,11 @@
               </a:buClr>
               <a:buSzPts val="1800"/>
               <a:buNone/>
-              <a:defRPr/>
+              <a:defRPr>
+                <a:latin typeface="Calibri" panose="020F0502020204030204" pitchFamily="34" charset="0"/>
+                <a:ea typeface="Calibri" panose="020F0502020204030204" pitchFamily="34" charset="0"/>
+                <a:cs typeface="Calibri" panose="020F0502020204030204" pitchFamily="34" charset="0"/>
+              </a:defRPr>
             </a:lvl1pPr>
             <a:lvl2pPr lvl="1" algn="l">
               <a:lnSpc>
@@ -5780,7 +5978,7 @@
             </a:lvl9pPr>
           </a:lstStyle>
           <a:p>
-            <a:endParaRPr/>
+            <a:endParaRPr dirty="0"/>
           </a:p>
         </p:txBody>
       </p:sp>
@@ -5827,7 +6025,11 @@
               </a:buClr>
               <a:buSzPts val="1800"/>
               <a:buNone/>
-              <a:defRPr/>
+              <a:defRPr>
+                <a:latin typeface="Calibri" panose="020F0502020204030204" pitchFamily="34" charset="0"/>
+                <a:ea typeface="Calibri" panose="020F0502020204030204" pitchFamily="34" charset="0"/>
+                <a:cs typeface="Calibri" panose="020F0502020204030204" pitchFamily="34" charset="0"/>
+              </a:defRPr>
             </a:lvl1pPr>
             <a:lvl2pPr marL="914400" lvl="1" indent="-342900" algn="l">
               <a:lnSpc>
@@ -6015,7 +6217,11 @@
               <a:buSzPts val="1200"/>
               <a:buFont typeface="Arial"/>
               <a:buNone/>
-              <a:defRPr sz="1200"/>
+              <a:defRPr sz="1200">
+                <a:latin typeface="Calibri" panose="020F0502020204030204" pitchFamily="34" charset="0"/>
+                <a:ea typeface="Calibri" panose="020F0502020204030204" pitchFamily="34" charset="0"/>
+                <a:cs typeface="Calibri" panose="020F0502020204030204" pitchFamily="34" charset="0"/>
+              </a:defRPr>
             </a:lvl1pPr>
             <a:lvl2pPr marL="0" lvl="1" indent="0" algn="r">
               <a:lnSpc>
@@ -6163,20 +6369,12 @@
             </a:lvl9pPr>
           </a:lstStyle>
           <a:p>
-            <a:pPr marL="0" lvl="0" indent="0" algn="r" rtl="0">
-              <a:spcBef>
-                <a:spcPts val="0"/>
-              </a:spcBef>
-              <a:spcAft>
-                <a:spcPts val="0"/>
-              </a:spcAft>
-              <a:buNone/>
-            </a:pPr>
             <a:fld id="{00000000-1234-1234-1234-123412341234}" type="slidenum">
-              <a:rPr lang="en"/>
+              <a:rPr lang="en" smtClean="0"/>
+              <a:pPr/>
               <a:t>‹#›</a:t>
             </a:fld>
-            <a:endParaRPr/>
+            <a:endParaRPr lang="en"/>
           </a:p>
         </p:txBody>
       </p:sp>
@@ -6261,6 +6459,9 @@
                 <a:solidFill>
                   <a:schemeClr val="tx1"/>
                 </a:solidFill>
+                <a:latin typeface="Calibri" panose="020F0502020204030204" pitchFamily="34" charset="0"/>
+                <a:ea typeface="Calibri" panose="020F0502020204030204" pitchFamily="34" charset="0"/>
+                <a:cs typeface="Calibri" panose="020F0502020204030204" pitchFamily="34" charset="0"/>
               </a:defRPr>
             </a:lvl1pPr>
             <a:lvl2pPr lvl="1" algn="l">
@@ -6401,7 +6602,7 @@
             </a:lvl9pPr>
           </a:lstStyle>
           <a:p>
-            <a:endParaRPr/>
+            <a:endParaRPr dirty="0"/>
           </a:p>
         </p:txBody>
       </p:sp>
@@ -6453,6 +6654,9 @@
                 <a:solidFill>
                   <a:schemeClr val="tx1"/>
                 </a:solidFill>
+                <a:latin typeface="Calibri" panose="020F0502020204030204" pitchFamily="34" charset="0"/>
+                <a:ea typeface="Calibri" panose="020F0502020204030204" pitchFamily="34" charset="0"/>
+                <a:cs typeface="Calibri" panose="020F0502020204030204" pitchFamily="34" charset="0"/>
               </a:defRPr>
             </a:lvl1pPr>
             <a:lvl2pPr marL="914400" lvl="1" indent="-228600" algn="ctr">
@@ -6613,7 +6817,7 @@
             </a:lvl9pPr>
           </a:lstStyle>
           <a:p>
-            <a:endParaRPr/>
+            <a:endParaRPr dirty="0"/>
           </a:p>
         </p:txBody>
       </p:sp>
@@ -6665,6 +6869,9 @@
                 <a:solidFill>
                   <a:schemeClr val="tx1"/>
                 </a:solidFill>
+                <a:latin typeface="Calibri" panose="020F0502020204030204" pitchFamily="34" charset="0"/>
+                <a:ea typeface="Calibri" panose="020F0502020204030204" pitchFamily="34" charset="0"/>
+                <a:cs typeface="Calibri" panose="020F0502020204030204" pitchFamily="34" charset="0"/>
               </a:defRPr>
             </a:lvl1pPr>
             <a:lvl2pPr marL="0" lvl="1" indent="0" algn="r">
@@ -6898,7 +7105,11 @@
               </a:buClr>
               <a:buSzPts val="1800"/>
               <a:buNone/>
-              <a:defRPr/>
+              <a:defRPr>
+                <a:latin typeface="Calibri" panose="020F0502020204030204" pitchFamily="34" charset="0"/>
+                <a:ea typeface="Calibri" panose="020F0502020204030204" pitchFamily="34" charset="0"/>
+                <a:cs typeface="Calibri" panose="020F0502020204030204" pitchFamily="34" charset="0"/>
+              </a:defRPr>
             </a:lvl1pPr>
             <a:lvl2pPr lvl="1" algn="l">
               <a:lnSpc>
@@ -7038,7 +7249,7 @@
             </a:lvl9pPr>
           </a:lstStyle>
           <a:p>
-            <a:endParaRPr/>
+            <a:endParaRPr dirty="0"/>
           </a:p>
         </p:txBody>
       </p:sp>
@@ -7085,7 +7296,11 @@
               </a:buClr>
               <a:buSzPts val="1800"/>
               <a:buNone/>
-              <a:defRPr/>
+              <a:defRPr>
+                <a:latin typeface="Calibri" panose="020F0502020204030204" pitchFamily="34" charset="0"/>
+                <a:ea typeface="Calibri" panose="020F0502020204030204" pitchFamily="34" charset="0"/>
+                <a:cs typeface="Calibri" panose="020F0502020204030204" pitchFamily="34" charset="0"/>
+              </a:defRPr>
             </a:lvl1pPr>
             <a:lvl2pPr marL="914400" lvl="1" indent="-342900" algn="l">
               <a:lnSpc>
@@ -7273,7 +7488,11 @@
               <a:buSzPts val="1200"/>
               <a:buFont typeface="Arial"/>
               <a:buNone/>
-              <a:defRPr sz="1200"/>
+              <a:defRPr sz="1200">
+                <a:latin typeface="Calibri" panose="020F0502020204030204" pitchFamily="34" charset="0"/>
+                <a:ea typeface="Calibri" panose="020F0502020204030204" pitchFamily="34" charset="0"/>
+                <a:cs typeface="Calibri" panose="020F0502020204030204" pitchFamily="34" charset="0"/>
+              </a:defRPr>
             </a:lvl1pPr>
             <a:lvl2pPr marL="0" lvl="1" indent="0" algn="r">
               <a:lnSpc>
@@ -7421,20 +7640,12 @@
             </a:lvl9pPr>
           </a:lstStyle>
           <a:p>
-            <a:pPr marL="0" lvl="0" indent="0" algn="r" rtl="0">
-              <a:spcBef>
-                <a:spcPts val="0"/>
-              </a:spcBef>
-              <a:spcAft>
-                <a:spcPts val="0"/>
-              </a:spcAft>
-              <a:buNone/>
-            </a:pPr>
             <a:fld id="{00000000-1234-1234-1234-123412341234}" type="slidenum">
-              <a:rPr lang="en"/>
+              <a:rPr lang="en" smtClean="0"/>
+              <a:pPr/>
               <a:t>‹#›</a:t>
             </a:fld>
-            <a:endParaRPr/>
+            <a:endParaRPr lang="en"/>
           </a:p>
         </p:txBody>
       </p:sp>
@@ -7470,435 +7681,6 @@
           </a:ln>
         </p:spPr>
       </p:pic>
-    </p:spTree>
-  </p:cSld>
-  <p:clrMapOvr>
-    <a:masterClrMapping/>
-  </p:clrMapOvr>
-</p:sldLayout>
-</file>
-
-<file path=ppt/slideLayouts/slideLayout4.xml><?xml version="1.0" encoding="utf-8"?>
-<p:sldLayout xmlns:a="http://schemas.openxmlformats.org/drawingml/2006/main" xmlns:r="http://schemas.openxmlformats.org/officeDocument/2006/relationships" xmlns:p="http://schemas.openxmlformats.org/presentationml/2006/main" matchingName="1_Custom Layout">
-  <p:cSld name="1_Custom Layout">
-    <p:bg>
-      <p:bgPr>
-        <a:solidFill>
-          <a:schemeClr val="bg1"/>
-        </a:solidFill>
-        <a:effectLst/>
-      </p:bgPr>
-    </p:bg>
-    <p:spTree>
-      <p:nvGrpSpPr>
-        <p:cNvPr id="1" name="Shape 68"/>
-        <p:cNvGrpSpPr/>
-        <p:nvPr/>
-      </p:nvGrpSpPr>
-      <p:grpSpPr>
-        <a:xfrm>
-          <a:off x="0" y="0"/>
-          <a:ext cx="0" cy="0"/>
-          <a:chOff x="0" y="0"/>
-          <a:chExt cx="0" cy="0"/>
-        </a:xfrm>
-      </p:grpSpPr>
-      <p:sp>
-        <p:nvSpPr>
-          <p:cNvPr id="69" name="Google Shape;69;p18"/>
-          <p:cNvSpPr txBox="1">
-            <a:spLocks noGrp="1"/>
-          </p:cNvSpPr>
-          <p:nvPr>
-            <p:ph type="title"/>
-          </p:nvPr>
-        </p:nvSpPr>
-        <p:spPr>
-          <a:xfrm>
-            <a:off x="2720195" y="598595"/>
-            <a:ext cx="6119004" cy="675864"/>
-          </a:xfrm>
-          <a:prstGeom prst="rect">
-            <a:avLst/>
-          </a:prstGeom>
-          <a:noFill/>
-          <a:ln>
-            <a:noFill/>
-          </a:ln>
-        </p:spPr>
-        <p:txBody>
-          <a:bodyPr spcFirstLastPara="1" wrap="square" lIns="0" tIns="0" rIns="0" bIns="0" anchor="ctr" anchorCtr="0">
-            <a:normAutofit/>
-          </a:bodyPr>
-          <a:lstStyle>
-            <a:lvl1pPr lvl="0" algn="l">
-              <a:lnSpc>
-                <a:spcPct val="100000"/>
-              </a:lnSpc>
-              <a:spcBef>
-                <a:spcPts val="0"/>
-              </a:spcBef>
-              <a:spcAft>
-                <a:spcPts val="0"/>
-              </a:spcAft>
-              <a:buClr>
-                <a:srgbClr val="000000"/>
-              </a:buClr>
-              <a:buSzPts val="1800"/>
-              <a:buNone/>
-              <a:defRPr/>
-            </a:lvl1pPr>
-            <a:lvl2pPr lvl="1" algn="l">
-              <a:lnSpc>
-                <a:spcPct val="100000"/>
-              </a:lnSpc>
-              <a:spcBef>
-                <a:spcPts val="0"/>
-              </a:spcBef>
-              <a:spcAft>
-                <a:spcPts val="0"/>
-              </a:spcAft>
-              <a:buClr>
-                <a:srgbClr val="000000"/>
-              </a:buClr>
-              <a:buSzPts val="1800"/>
-              <a:buNone/>
-              <a:defRPr/>
-            </a:lvl2pPr>
-            <a:lvl3pPr lvl="2" algn="l">
-              <a:lnSpc>
-                <a:spcPct val="100000"/>
-              </a:lnSpc>
-              <a:spcBef>
-                <a:spcPts val="0"/>
-              </a:spcBef>
-              <a:spcAft>
-                <a:spcPts val="0"/>
-              </a:spcAft>
-              <a:buClr>
-                <a:srgbClr val="000000"/>
-              </a:buClr>
-              <a:buSzPts val="1800"/>
-              <a:buNone/>
-              <a:defRPr/>
-            </a:lvl3pPr>
-            <a:lvl4pPr lvl="3" algn="l">
-              <a:lnSpc>
-                <a:spcPct val="100000"/>
-              </a:lnSpc>
-              <a:spcBef>
-                <a:spcPts val="0"/>
-              </a:spcBef>
-              <a:spcAft>
-                <a:spcPts val="0"/>
-              </a:spcAft>
-              <a:buClr>
-                <a:srgbClr val="000000"/>
-              </a:buClr>
-              <a:buSzPts val="1800"/>
-              <a:buNone/>
-              <a:defRPr/>
-            </a:lvl4pPr>
-            <a:lvl5pPr lvl="4" algn="l">
-              <a:lnSpc>
-                <a:spcPct val="100000"/>
-              </a:lnSpc>
-              <a:spcBef>
-                <a:spcPts val="0"/>
-              </a:spcBef>
-              <a:spcAft>
-                <a:spcPts val="0"/>
-              </a:spcAft>
-              <a:buClr>
-                <a:srgbClr val="000000"/>
-              </a:buClr>
-              <a:buSzPts val="1800"/>
-              <a:buNone/>
-              <a:defRPr/>
-            </a:lvl5pPr>
-            <a:lvl6pPr lvl="5" algn="l">
-              <a:lnSpc>
-                <a:spcPct val="100000"/>
-              </a:lnSpc>
-              <a:spcBef>
-                <a:spcPts val="0"/>
-              </a:spcBef>
-              <a:spcAft>
-                <a:spcPts val="0"/>
-              </a:spcAft>
-              <a:buClr>
-                <a:srgbClr val="000000"/>
-              </a:buClr>
-              <a:buSzPts val="1800"/>
-              <a:buNone/>
-              <a:defRPr/>
-            </a:lvl6pPr>
-            <a:lvl7pPr lvl="6" algn="l">
-              <a:lnSpc>
-                <a:spcPct val="100000"/>
-              </a:lnSpc>
-              <a:spcBef>
-                <a:spcPts val="0"/>
-              </a:spcBef>
-              <a:spcAft>
-                <a:spcPts val="0"/>
-              </a:spcAft>
-              <a:buClr>
-                <a:srgbClr val="000000"/>
-              </a:buClr>
-              <a:buSzPts val="1800"/>
-              <a:buNone/>
-              <a:defRPr/>
-            </a:lvl7pPr>
-            <a:lvl8pPr lvl="7" algn="l">
-              <a:lnSpc>
-                <a:spcPct val="100000"/>
-              </a:lnSpc>
-              <a:spcBef>
-                <a:spcPts val="0"/>
-              </a:spcBef>
-              <a:spcAft>
-                <a:spcPts val="0"/>
-              </a:spcAft>
-              <a:buClr>
-                <a:srgbClr val="000000"/>
-              </a:buClr>
-              <a:buSzPts val="1800"/>
-              <a:buNone/>
-              <a:defRPr/>
-            </a:lvl8pPr>
-            <a:lvl9pPr lvl="8" algn="l">
-              <a:lnSpc>
-                <a:spcPct val="100000"/>
-              </a:lnSpc>
-              <a:spcBef>
-                <a:spcPts val="0"/>
-              </a:spcBef>
-              <a:spcAft>
-                <a:spcPts val="0"/>
-              </a:spcAft>
-              <a:buClr>
-                <a:srgbClr val="000000"/>
-              </a:buClr>
-              <a:buSzPts val="1800"/>
-              <a:buNone/>
-              <a:defRPr/>
-            </a:lvl9pPr>
-          </a:lstStyle>
-          <a:p>
-            <a:endParaRPr/>
-          </a:p>
-        </p:txBody>
-      </p:sp>
-      <p:sp>
-        <p:nvSpPr>
-          <p:cNvPr id="70" name="Google Shape;70;p18"/>
-          <p:cNvSpPr txBox="1">
-            <a:spLocks noGrp="1"/>
-          </p:cNvSpPr>
-          <p:nvPr>
-            <p:ph type="sldNum" idx="12"/>
-          </p:nvPr>
-        </p:nvSpPr>
-        <p:spPr>
-          <a:xfrm>
-            <a:off x="4419600" y="4627562"/>
-            <a:ext cx="2133600" cy="279401"/>
-          </a:xfrm>
-          <a:prstGeom prst="rect">
-            <a:avLst/>
-          </a:prstGeom>
-          <a:noFill/>
-          <a:ln>
-            <a:noFill/>
-          </a:ln>
-        </p:spPr>
-        <p:txBody>
-          <a:bodyPr spcFirstLastPara="1" wrap="square" lIns="45700" tIns="45700" rIns="45700" bIns="45700" anchor="ctr" anchorCtr="0">
-            <a:spAutoFit/>
-          </a:bodyPr>
-          <a:lstStyle>
-            <a:lvl1pPr marL="0" lvl="0" indent="0" algn="r">
-              <a:lnSpc>
-                <a:spcPct val="100000"/>
-              </a:lnSpc>
-              <a:spcBef>
-                <a:spcPts val="0"/>
-              </a:spcBef>
-              <a:spcAft>
-                <a:spcPts val="0"/>
-              </a:spcAft>
-              <a:buClr>
-                <a:srgbClr val="000000"/>
-              </a:buClr>
-              <a:buSzPts val="1200"/>
-              <a:buFont typeface="Arial"/>
-              <a:buNone/>
-              <a:defRPr sz="1200"/>
-            </a:lvl1pPr>
-            <a:lvl2pPr marL="0" lvl="1" indent="0" algn="r">
-              <a:lnSpc>
-                <a:spcPct val="100000"/>
-              </a:lnSpc>
-              <a:spcBef>
-                <a:spcPts val="0"/>
-              </a:spcBef>
-              <a:spcAft>
-                <a:spcPts val="0"/>
-              </a:spcAft>
-              <a:buClr>
-                <a:srgbClr val="000000"/>
-              </a:buClr>
-              <a:buSzPts val="1200"/>
-              <a:buFont typeface="Arial"/>
-              <a:buNone/>
-              <a:defRPr sz="1200"/>
-            </a:lvl2pPr>
-            <a:lvl3pPr marL="0" lvl="2" indent="0" algn="r">
-              <a:lnSpc>
-                <a:spcPct val="100000"/>
-              </a:lnSpc>
-              <a:spcBef>
-                <a:spcPts val="0"/>
-              </a:spcBef>
-              <a:spcAft>
-                <a:spcPts val="0"/>
-              </a:spcAft>
-              <a:buClr>
-                <a:srgbClr val="000000"/>
-              </a:buClr>
-              <a:buSzPts val="1200"/>
-              <a:buFont typeface="Arial"/>
-              <a:buNone/>
-              <a:defRPr sz="1200"/>
-            </a:lvl3pPr>
-            <a:lvl4pPr marL="0" lvl="3" indent="0" algn="r">
-              <a:lnSpc>
-                <a:spcPct val="100000"/>
-              </a:lnSpc>
-              <a:spcBef>
-                <a:spcPts val="0"/>
-              </a:spcBef>
-              <a:spcAft>
-                <a:spcPts val="0"/>
-              </a:spcAft>
-              <a:buClr>
-                <a:srgbClr val="000000"/>
-              </a:buClr>
-              <a:buSzPts val="1200"/>
-              <a:buFont typeface="Arial"/>
-              <a:buNone/>
-              <a:defRPr sz="1200"/>
-            </a:lvl4pPr>
-            <a:lvl5pPr marL="0" lvl="4" indent="0" algn="r">
-              <a:lnSpc>
-                <a:spcPct val="100000"/>
-              </a:lnSpc>
-              <a:spcBef>
-                <a:spcPts val="0"/>
-              </a:spcBef>
-              <a:spcAft>
-                <a:spcPts val="0"/>
-              </a:spcAft>
-              <a:buClr>
-                <a:srgbClr val="000000"/>
-              </a:buClr>
-              <a:buSzPts val="1200"/>
-              <a:buFont typeface="Arial"/>
-              <a:buNone/>
-              <a:defRPr sz="1200"/>
-            </a:lvl5pPr>
-            <a:lvl6pPr marL="0" lvl="5" indent="0" algn="r">
-              <a:lnSpc>
-                <a:spcPct val="100000"/>
-              </a:lnSpc>
-              <a:spcBef>
-                <a:spcPts val="0"/>
-              </a:spcBef>
-              <a:spcAft>
-                <a:spcPts val="0"/>
-              </a:spcAft>
-              <a:buClr>
-                <a:srgbClr val="000000"/>
-              </a:buClr>
-              <a:buSzPts val="1200"/>
-              <a:buFont typeface="Arial"/>
-              <a:buNone/>
-              <a:defRPr sz="1200"/>
-            </a:lvl6pPr>
-            <a:lvl7pPr marL="0" lvl="6" indent="0" algn="r">
-              <a:lnSpc>
-                <a:spcPct val="100000"/>
-              </a:lnSpc>
-              <a:spcBef>
-                <a:spcPts val="0"/>
-              </a:spcBef>
-              <a:spcAft>
-                <a:spcPts val="0"/>
-              </a:spcAft>
-              <a:buClr>
-                <a:srgbClr val="000000"/>
-              </a:buClr>
-              <a:buSzPts val="1200"/>
-              <a:buFont typeface="Arial"/>
-              <a:buNone/>
-              <a:defRPr sz="1200"/>
-            </a:lvl7pPr>
-            <a:lvl8pPr marL="0" lvl="7" indent="0" algn="r">
-              <a:lnSpc>
-                <a:spcPct val="100000"/>
-              </a:lnSpc>
-              <a:spcBef>
-                <a:spcPts val="0"/>
-              </a:spcBef>
-              <a:spcAft>
-                <a:spcPts val="0"/>
-              </a:spcAft>
-              <a:buClr>
-                <a:srgbClr val="000000"/>
-              </a:buClr>
-              <a:buSzPts val="1200"/>
-              <a:buFont typeface="Arial"/>
-              <a:buNone/>
-              <a:defRPr sz="1200"/>
-            </a:lvl8pPr>
-            <a:lvl9pPr marL="0" lvl="8" indent="0" algn="r">
-              <a:lnSpc>
-                <a:spcPct val="100000"/>
-              </a:lnSpc>
-              <a:spcBef>
-                <a:spcPts val="0"/>
-              </a:spcBef>
-              <a:spcAft>
-                <a:spcPts val="0"/>
-              </a:spcAft>
-              <a:buClr>
-                <a:srgbClr val="000000"/>
-              </a:buClr>
-              <a:buSzPts val="1200"/>
-              <a:buFont typeface="Arial"/>
-              <a:buNone/>
-              <a:defRPr sz="1200"/>
-            </a:lvl9pPr>
-          </a:lstStyle>
-          <a:p>
-            <a:pPr marL="0" lvl="0" indent="0" algn="r" rtl="0">
-              <a:spcBef>
-                <a:spcPts val="0"/>
-              </a:spcBef>
-              <a:spcAft>
-                <a:spcPts val="0"/>
-              </a:spcAft>
-              <a:buNone/>
-            </a:pPr>
-            <a:fld id="{00000000-1234-1234-1234-123412341234}" type="slidenum">
-              <a:rPr lang="en"/>
-              <a:t>‹#›</a:t>
-            </a:fld>
-            <a:endParaRPr/>
-          </a:p>
-        </p:txBody>
-      </p:sp>
     </p:spTree>
   </p:cSld>
   <p:clrMapOvr>
@@ -7934,8 +7716,14 @@
       </p:grpSpPr>
       <p:sp>
         <p:nvSpPr>
-          <p:cNvPr id="51" name="Google Shape;51;p13"/>
-          <p:cNvSpPr txBox="1">
+          <p:cNvPr id="2" name="Title Placeholder 1">
+            <a:extLst>
+              <a:ext uri="{FF2B5EF4-FFF2-40B4-BE49-F238E27FC236}">
+                <a16:creationId xmlns:a16="http://schemas.microsoft.com/office/drawing/2014/main" id="{C8DED3FE-AFAC-F5EA-34B0-14AE21C5B291}"/>
+              </a:ext>
+            </a:extLst>
+          </p:cNvPr>
+          <p:cNvSpPr>
             <a:spLocks noGrp="1"/>
           </p:cNvSpPr>
           <p:nvPr>
@@ -7944,808 +7732,137 @@
         </p:nvSpPr>
         <p:spPr>
           <a:xfrm>
-            <a:off x="457200" y="69056"/>
-            <a:ext cx="8229600" cy="1131094"/>
+            <a:off x="628650" y="274638"/>
+            <a:ext cx="7886700" cy="993775"/>
           </a:xfrm>
           <a:prstGeom prst="rect">
             <a:avLst/>
           </a:prstGeom>
-          <a:noFill/>
-          <a:ln>
-            <a:noFill/>
-          </a:ln>
         </p:spPr>
         <p:txBody>
-          <a:bodyPr spcFirstLastPara="1" wrap="square" lIns="0" tIns="0" rIns="0" bIns="0" anchor="ctr" anchorCtr="0">
-            <a:noAutofit/>
+          <a:bodyPr vert="horz" lIns="91440" tIns="45720" rIns="91440" bIns="45720" rtlCol="0" anchor="ctr">
+            <a:normAutofit/>
           </a:bodyPr>
+          <a:lstStyle/>
+          <a:p>
+            <a:r>
+              <a:rPr lang="en-US"/>
+              <a:t>Click to edit Master title style</a:t>
+            </a:r>
+          </a:p>
+        </p:txBody>
+      </p:sp>
+      <p:sp>
+        <p:nvSpPr>
+          <p:cNvPr id="3" name="Text Placeholder 2">
+            <a:extLst>
+              <a:ext uri="{FF2B5EF4-FFF2-40B4-BE49-F238E27FC236}">
+                <a16:creationId xmlns:a16="http://schemas.microsoft.com/office/drawing/2014/main" id="{AEEBC916-4794-B92B-9970-8BC0AFD046DD}"/>
+              </a:ext>
+            </a:extLst>
+          </p:cNvPr>
+          <p:cNvSpPr>
+            <a:spLocks noGrp="1"/>
+          </p:cNvSpPr>
+          <p:nvPr>
+            <p:ph type="body" idx="1"/>
+          </p:nvPr>
+        </p:nvSpPr>
+        <p:spPr>
+          <a:xfrm>
+            <a:off x="628650" y="1370013"/>
+            <a:ext cx="7886700" cy="3262312"/>
+          </a:xfrm>
+          <a:prstGeom prst="rect">
+            <a:avLst/>
+          </a:prstGeom>
+        </p:spPr>
+        <p:txBody>
+          <a:bodyPr vert="horz" lIns="91440" tIns="45720" rIns="91440" bIns="45720" rtlCol="0">
+            <a:normAutofit/>
+          </a:bodyPr>
+          <a:lstStyle/>
+          <a:p>
+            <a:pPr lvl="0"/>
+            <a:r>
+              <a:rPr lang="en-US" dirty="0"/>
+              <a:t>Click to edit Master text styles</a:t>
+            </a:r>
+          </a:p>
+          <a:p>
+            <a:pPr lvl="1"/>
+            <a:r>
+              <a:rPr lang="en-US" dirty="0"/>
+              <a:t>Second level</a:t>
+            </a:r>
+          </a:p>
+          <a:p>
+            <a:pPr lvl="2"/>
+            <a:r>
+              <a:rPr lang="en-US" dirty="0"/>
+              <a:t>Third level</a:t>
+            </a:r>
+          </a:p>
+          <a:p>
+            <a:pPr lvl="3"/>
+            <a:r>
+              <a:rPr lang="en-US" dirty="0"/>
+              <a:t>Fourth level</a:t>
+            </a:r>
+          </a:p>
+          <a:p>
+            <a:pPr lvl="4"/>
+            <a:r>
+              <a:rPr lang="en-US" dirty="0"/>
+              <a:t>Fifth level</a:t>
+            </a:r>
+          </a:p>
+        </p:txBody>
+      </p:sp>
+      <p:sp>
+        <p:nvSpPr>
+          <p:cNvPr id="4" name="Slide Number Placeholder 3">
+            <a:extLst>
+              <a:ext uri="{FF2B5EF4-FFF2-40B4-BE49-F238E27FC236}">
+                <a16:creationId xmlns:a16="http://schemas.microsoft.com/office/drawing/2014/main" id="{16C5BD20-6762-EF1B-0755-E34A6703E9FB}"/>
+              </a:ext>
+            </a:extLst>
+          </p:cNvPr>
+          <p:cNvSpPr>
+            <a:spLocks noGrp="1"/>
+          </p:cNvSpPr>
+          <p:nvPr>
+            <p:ph type="sldNum" sz="quarter" idx="4"/>
+          </p:nvPr>
+        </p:nvSpPr>
+        <p:spPr>
+          <a:xfrm>
+            <a:off x="6457950" y="4767263"/>
+            <a:ext cx="2057400" cy="274637"/>
+          </a:xfrm>
+          <a:prstGeom prst="rect">
+            <a:avLst/>
+          </a:prstGeom>
+        </p:spPr>
+        <p:txBody>
+          <a:bodyPr vert="horz" lIns="91440" tIns="45720" rIns="91440" bIns="45720" rtlCol="0" anchor="ctr"/>
           <a:lstStyle>
-            <a:lvl1pPr marR="0" lvl="0" algn="l" rtl="0">
-              <a:lnSpc>
-                <a:spcPct val="100000"/>
-              </a:lnSpc>
-              <a:spcBef>
-                <a:spcPts val="0"/>
-              </a:spcBef>
-              <a:spcAft>
-                <a:spcPts val="0"/>
-              </a:spcAft>
-              <a:buClr>
-                <a:srgbClr val="000000"/>
-              </a:buClr>
-              <a:buSzPts val="2400"/>
-              <a:buFont typeface="Roboto"/>
-              <a:buNone/>
-              <a:defRPr sz="2400" b="1" i="0" u="none" strike="noStrike" cap="none">
+            <a:lvl1pPr algn="r">
+              <a:defRPr sz="1200">
                 <a:solidFill>
-                  <a:srgbClr val="000000"/>
+                  <a:schemeClr val="tx1">
+                    <a:tint val="75000"/>
+                  </a:schemeClr>
                 </a:solidFill>
-                <a:latin typeface="Roboto"/>
-                <a:ea typeface="Roboto"/>
-                <a:cs typeface="Roboto"/>
-                <a:sym typeface="Roboto"/>
               </a:defRPr>
             </a:lvl1pPr>
-            <a:lvl2pPr marR="0" lvl="1" algn="l" rtl="0">
-              <a:lnSpc>
-                <a:spcPct val="100000"/>
-              </a:lnSpc>
-              <a:spcBef>
-                <a:spcPts val="0"/>
-              </a:spcBef>
-              <a:spcAft>
-                <a:spcPts val="0"/>
-              </a:spcAft>
-              <a:buClr>
-                <a:srgbClr val="000000"/>
-              </a:buClr>
-              <a:buSzPts val="2400"/>
-              <a:buFont typeface="Roboto"/>
-              <a:buNone/>
-              <a:defRPr sz="2400" b="1" i="0" u="none" strike="noStrike" cap="none">
-                <a:solidFill>
-                  <a:srgbClr val="000000"/>
-                </a:solidFill>
-                <a:latin typeface="Roboto"/>
-                <a:ea typeface="Roboto"/>
-                <a:cs typeface="Roboto"/>
-                <a:sym typeface="Roboto"/>
-              </a:defRPr>
-            </a:lvl2pPr>
-            <a:lvl3pPr marR="0" lvl="2" algn="l" rtl="0">
-              <a:lnSpc>
-                <a:spcPct val="100000"/>
-              </a:lnSpc>
-              <a:spcBef>
-                <a:spcPts val="0"/>
-              </a:spcBef>
-              <a:spcAft>
-                <a:spcPts val="0"/>
-              </a:spcAft>
-              <a:buClr>
-                <a:srgbClr val="000000"/>
-              </a:buClr>
-              <a:buSzPts val="2400"/>
-              <a:buFont typeface="Roboto"/>
-              <a:buNone/>
-              <a:defRPr sz="2400" b="1" i="0" u="none" strike="noStrike" cap="none">
-                <a:solidFill>
-                  <a:srgbClr val="000000"/>
-                </a:solidFill>
-                <a:latin typeface="Roboto"/>
-                <a:ea typeface="Roboto"/>
-                <a:cs typeface="Roboto"/>
-                <a:sym typeface="Roboto"/>
-              </a:defRPr>
-            </a:lvl3pPr>
-            <a:lvl4pPr marR="0" lvl="3" algn="l" rtl="0">
-              <a:lnSpc>
-                <a:spcPct val="100000"/>
-              </a:lnSpc>
-              <a:spcBef>
-                <a:spcPts val="0"/>
-              </a:spcBef>
-              <a:spcAft>
-                <a:spcPts val="0"/>
-              </a:spcAft>
-              <a:buClr>
-                <a:srgbClr val="000000"/>
-              </a:buClr>
-              <a:buSzPts val="2400"/>
-              <a:buFont typeface="Roboto"/>
-              <a:buNone/>
-              <a:defRPr sz="2400" b="1" i="0" u="none" strike="noStrike" cap="none">
-                <a:solidFill>
-                  <a:srgbClr val="000000"/>
-                </a:solidFill>
-                <a:latin typeface="Roboto"/>
-                <a:ea typeface="Roboto"/>
-                <a:cs typeface="Roboto"/>
-                <a:sym typeface="Roboto"/>
-              </a:defRPr>
-            </a:lvl4pPr>
-            <a:lvl5pPr marR="0" lvl="4" algn="l" rtl="0">
-              <a:lnSpc>
-                <a:spcPct val="100000"/>
-              </a:lnSpc>
-              <a:spcBef>
-                <a:spcPts val="0"/>
-              </a:spcBef>
-              <a:spcAft>
-                <a:spcPts val="0"/>
-              </a:spcAft>
-              <a:buClr>
-                <a:srgbClr val="000000"/>
-              </a:buClr>
-              <a:buSzPts val="2400"/>
-              <a:buFont typeface="Roboto"/>
-              <a:buNone/>
-              <a:defRPr sz="2400" b="1" i="0" u="none" strike="noStrike" cap="none">
-                <a:solidFill>
-                  <a:srgbClr val="000000"/>
-                </a:solidFill>
-                <a:latin typeface="Roboto"/>
-                <a:ea typeface="Roboto"/>
-                <a:cs typeface="Roboto"/>
-                <a:sym typeface="Roboto"/>
-              </a:defRPr>
-            </a:lvl5pPr>
-            <a:lvl6pPr marR="0" lvl="5" algn="l" rtl="0">
-              <a:lnSpc>
-                <a:spcPct val="100000"/>
-              </a:lnSpc>
-              <a:spcBef>
-                <a:spcPts val="0"/>
-              </a:spcBef>
-              <a:spcAft>
-                <a:spcPts val="0"/>
-              </a:spcAft>
-              <a:buClr>
-                <a:srgbClr val="000000"/>
-              </a:buClr>
-              <a:buSzPts val="2400"/>
-              <a:buFont typeface="Roboto"/>
-              <a:buNone/>
-              <a:defRPr sz="2400" b="1" i="0" u="none" strike="noStrike" cap="none">
-                <a:solidFill>
-                  <a:srgbClr val="000000"/>
-                </a:solidFill>
-                <a:latin typeface="Roboto"/>
-                <a:ea typeface="Roboto"/>
-                <a:cs typeface="Roboto"/>
-                <a:sym typeface="Roboto"/>
-              </a:defRPr>
-            </a:lvl6pPr>
-            <a:lvl7pPr marR="0" lvl="6" algn="l" rtl="0">
-              <a:lnSpc>
-                <a:spcPct val="100000"/>
-              </a:lnSpc>
-              <a:spcBef>
-                <a:spcPts val="0"/>
-              </a:spcBef>
-              <a:spcAft>
-                <a:spcPts val="0"/>
-              </a:spcAft>
-              <a:buClr>
-                <a:srgbClr val="000000"/>
-              </a:buClr>
-              <a:buSzPts val="2400"/>
-              <a:buFont typeface="Roboto"/>
-              <a:buNone/>
-              <a:defRPr sz="2400" b="1" i="0" u="none" strike="noStrike" cap="none">
-                <a:solidFill>
-                  <a:srgbClr val="000000"/>
-                </a:solidFill>
-                <a:latin typeface="Roboto"/>
-                <a:ea typeface="Roboto"/>
-                <a:cs typeface="Roboto"/>
-                <a:sym typeface="Roboto"/>
-              </a:defRPr>
-            </a:lvl7pPr>
-            <a:lvl8pPr marR="0" lvl="7" algn="l" rtl="0">
-              <a:lnSpc>
-                <a:spcPct val="100000"/>
-              </a:lnSpc>
-              <a:spcBef>
-                <a:spcPts val="0"/>
-              </a:spcBef>
-              <a:spcAft>
-                <a:spcPts val="0"/>
-              </a:spcAft>
-              <a:buClr>
-                <a:srgbClr val="000000"/>
-              </a:buClr>
-              <a:buSzPts val="2400"/>
-              <a:buFont typeface="Roboto"/>
-              <a:buNone/>
-              <a:defRPr sz="2400" b="1" i="0" u="none" strike="noStrike" cap="none">
-                <a:solidFill>
-                  <a:srgbClr val="000000"/>
-                </a:solidFill>
-                <a:latin typeface="Roboto"/>
-                <a:ea typeface="Roboto"/>
-                <a:cs typeface="Roboto"/>
-                <a:sym typeface="Roboto"/>
-              </a:defRPr>
-            </a:lvl8pPr>
-            <a:lvl9pPr marR="0" lvl="8" algn="l" rtl="0">
-              <a:lnSpc>
-                <a:spcPct val="100000"/>
-              </a:lnSpc>
-              <a:spcBef>
-                <a:spcPts val="0"/>
-              </a:spcBef>
-              <a:spcAft>
-                <a:spcPts val="0"/>
-              </a:spcAft>
-              <a:buClr>
-                <a:srgbClr val="000000"/>
-              </a:buClr>
-              <a:buSzPts val="2400"/>
-              <a:buFont typeface="Roboto"/>
-              <a:buNone/>
-              <a:defRPr sz="2400" b="1" i="0" u="none" strike="noStrike" cap="none">
-                <a:solidFill>
-                  <a:srgbClr val="000000"/>
-                </a:solidFill>
-                <a:latin typeface="Roboto"/>
-                <a:ea typeface="Roboto"/>
-                <a:cs typeface="Roboto"/>
-                <a:sym typeface="Roboto"/>
-              </a:defRPr>
-            </a:lvl9pPr>
           </a:lstStyle>
           <a:p>
-            <a:endParaRPr dirty="0"/>
-          </a:p>
-        </p:txBody>
-      </p:sp>
-      <p:sp>
-        <p:nvSpPr>
-          <p:cNvPr id="52" name="Google Shape;52;p13"/>
-          <p:cNvSpPr txBox="1">
-            <a:spLocks noGrp="1"/>
-          </p:cNvSpPr>
-          <p:nvPr>
-            <p:ph type="body" idx="1"/>
-          </p:nvPr>
-        </p:nvSpPr>
-        <p:spPr>
-          <a:xfrm>
-            <a:off x="457200" y="1200150"/>
-            <a:ext cx="8229600" cy="3943350"/>
-          </a:xfrm>
-          <a:prstGeom prst="rect">
-            <a:avLst/>
-          </a:prstGeom>
-          <a:noFill/>
-          <a:ln>
-            <a:noFill/>
-          </a:ln>
-        </p:spPr>
-        <p:txBody>
-          <a:bodyPr spcFirstLastPara="1" wrap="square" lIns="45700" tIns="45700" rIns="45700" bIns="45700" anchor="t" anchorCtr="0">
-            <a:normAutofit/>
-          </a:bodyPr>
-          <a:lstStyle>
-            <a:lvl1pPr marL="457200" marR="0" lvl="0" indent="-228600" algn="l" rtl="0">
-              <a:lnSpc>
-                <a:spcPct val="100000"/>
-              </a:lnSpc>
-              <a:spcBef>
-                <a:spcPts val="600"/>
-              </a:spcBef>
-              <a:spcAft>
-                <a:spcPts val="0"/>
-              </a:spcAft>
-              <a:buClr>
-                <a:srgbClr val="000000"/>
-              </a:buClr>
-              <a:buSzPts val="2000"/>
-              <a:buFont typeface="Roboto"/>
-              <a:buNone/>
-              <a:defRPr sz="2000" b="0" i="0" u="none" strike="noStrike" cap="none">
-                <a:solidFill>
-                  <a:srgbClr val="000000"/>
-                </a:solidFill>
-                <a:latin typeface="Roboto"/>
-                <a:ea typeface="Roboto"/>
-                <a:cs typeface="Roboto"/>
-                <a:sym typeface="Roboto"/>
-              </a:defRPr>
-            </a:lvl1pPr>
-            <a:lvl2pPr marL="914400" marR="0" lvl="1" indent="-355600" algn="l" rtl="0">
-              <a:lnSpc>
-                <a:spcPct val="100000"/>
-              </a:lnSpc>
-              <a:spcBef>
-                <a:spcPts val="600"/>
-              </a:spcBef>
-              <a:spcAft>
-                <a:spcPts val="0"/>
-              </a:spcAft>
-              <a:buClr>
-                <a:srgbClr val="000000"/>
-              </a:buClr>
-              <a:buSzPts val="2000"/>
-              <a:buFont typeface="Roboto"/>
-              <a:buChar char="•"/>
-              <a:defRPr sz="2000" b="0" i="0" u="none" strike="noStrike" cap="none">
-                <a:solidFill>
-                  <a:srgbClr val="000000"/>
-                </a:solidFill>
-                <a:latin typeface="Roboto"/>
-                <a:ea typeface="Roboto"/>
-                <a:cs typeface="Roboto"/>
-                <a:sym typeface="Roboto"/>
-              </a:defRPr>
-            </a:lvl2pPr>
-            <a:lvl3pPr marL="1371600" marR="0" lvl="2" indent="-355600" algn="l" rtl="0">
-              <a:lnSpc>
-                <a:spcPct val="100000"/>
-              </a:lnSpc>
-              <a:spcBef>
-                <a:spcPts val="600"/>
-              </a:spcBef>
-              <a:spcAft>
-                <a:spcPts val="0"/>
-              </a:spcAft>
-              <a:buClr>
-                <a:srgbClr val="000000"/>
-              </a:buClr>
-              <a:buSzPts val="2000"/>
-              <a:buFont typeface="Roboto"/>
-              <a:buChar char="•"/>
-              <a:defRPr sz="2000" b="0" i="0" u="none" strike="noStrike" cap="none">
-                <a:solidFill>
-                  <a:srgbClr val="000000"/>
-                </a:solidFill>
-                <a:latin typeface="Roboto"/>
-                <a:ea typeface="Roboto"/>
-                <a:cs typeface="Roboto"/>
-                <a:sym typeface="Roboto"/>
-              </a:defRPr>
-            </a:lvl3pPr>
-            <a:lvl4pPr marL="1828800" marR="0" lvl="3" indent="-355600" algn="l" rtl="0">
-              <a:lnSpc>
-                <a:spcPct val="100000"/>
-              </a:lnSpc>
-              <a:spcBef>
-                <a:spcPts val="600"/>
-              </a:spcBef>
-              <a:spcAft>
-                <a:spcPts val="0"/>
-              </a:spcAft>
-              <a:buClr>
-                <a:srgbClr val="000000"/>
-              </a:buClr>
-              <a:buSzPts val="2000"/>
-              <a:buFont typeface="Roboto"/>
-              <a:buChar char="•"/>
-              <a:defRPr sz="2000" b="0" i="0" u="none" strike="noStrike" cap="none">
-                <a:solidFill>
-                  <a:srgbClr val="000000"/>
-                </a:solidFill>
-                <a:latin typeface="Roboto"/>
-                <a:ea typeface="Roboto"/>
-                <a:cs typeface="Roboto"/>
-                <a:sym typeface="Roboto"/>
-              </a:defRPr>
-            </a:lvl4pPr>
-            <a:lvl5pPr marL="2286000" marR="0" lvl="4" indent="-355600" algn="l" rtl="0">
-              <a:lnSpc>
-                <a:spcPct val="100000"/>
-              </a:lnSpc>
-              <a:spcBef>
-                <a:spcPts val="600"/>
-              </a:spcBef>
-              <a:spcAft>
-                <a:spcPts val="0"/>
-              </a:spcAft>
-              <a:buClr>
-                <a:srgbClr val="000000"/>
-              </a:buClr>
-              <a:buSzPts val="2000"/>
-              <a:buFont typeface="Roboto"/>
-              <a:buChar char="•"/>
-              <a:defRPr sz="2000" b="0" i="0" u="none" strike="noStrike" cap="none">
-                <a:solidFill>
-                  <a:srgbClr val="000000"/>
-                </a:solidFill>
-                <a:latin typeface="Roboto"/>
-                <a:ea typeface="Roboto"/>
-                <a:cs typeface="Roboto"/>
-                <a:sym typeface="Roboto"/>
-              </a:defRPr>
-            </a:lvl5pPr>
-            <a:lvl6pPr marL="2743200" marR="0" lvl="5" indent="-355600" algn="l" rtl="0">
-              <a:lnSpc>
-                <a:spcPct val="100000"/>
-              </a:lnSpc>
-              <a:spcBef>
-                <a:spcPts val="600"/>
-              </a:spcBef>
-              <a:spcAft>
-                <a:spcPts val="0"/>
-              </a:spcAft>
-              <a:buClr>
-                <a:srgbClr val="000000"/>
-              </a:buClr>
-              <a:buSzPts val="2000"/>
-              <a:buFont typeface="Roboto"/>
-              <a:buChar char="•"/>
-              <a:defRPr sz="2000" b="0" i="0" u="none" strike="noStrike" cap="none">
-                <a:solidFill>
-                  <a:srgbClr val="000000"/>
-                </a:solidFill>
-                <a:latin typeface="Roboto"/>
-                <a:ea typeface="Roboto"/>
-                <a:cs typeface="Roboto"/>
-                <a:sym typeface="Roboto"/>
-              </a:defRPr>
-            </a:lvl6pPr>
-            <a:lvl7pPr marL="3200400" marR="0" lvl="6" indent="-355600" algn="l" rtl="0">
-              <a:lnSpc>
-                <a:spcPct val="100000"/>
-              </a:lnSpc>
-              <a:spcBef>
-                <a:spcPts val="600"/>
-              </a:spcBef>
-              <a:spcAft>
-                <a:spcPts val="0"/>
-              </a:spcAft>
-              <a:buClr>
-                <a:srgbClr val="000000"/>
-              </a:buClr>
-              <a:buSzPts val="2000"/>
-              <a:buFont typeface="Roboto"/>
-              <a:buChar char="•"/>
-              <a:defRPr sz="2000" b="0" i="0" u="none" strike="noStrike" cap="none">
-                <a:solidFill>
-                  <a:srgbClr val="000000"/>
-                </a:solidFill>
-                <a:latin typeface="Roboto"/>
-                <a:ea typeface="Roboto"/>
-                <a:cs typeface="Roboto"/>
-                <a:sym typeface="Roboto"/>
-              </a:defRPr>
-            </a:lvl7pPr>
-            <a:lvl8pPr marL="3657600" marR="0" lvl="7" indent="-355600" algn="l" rtl="0">
-              <a:lnSpc>
-                <a:spcPct val="100000"/>
-              </a:lnSpc>
-              <a:spcBef>
-                <a:spcPts val="600"/>
-              </a:spcBef>
-              <a:spcAft>
-                <a:spcPts val="0"/>
-              </a:spcAft>
-              <a:buClr>
-                <a:srgbClr val="000000"/>
-              </a:buClr>
-              <a:buSzPts val="2000"/>
-              <a:buFont typeface="Roboto"/>
-              <a:buChar char="•"/>
-              <a:defRPr sz="2000" b="0" i="0" u="none" strike="noStrike" cap="none">
-                <a:solidFill>
-                  <a:srgbClr val="000000"/>
-                </a:solidFill>
-                <a:latin typeface="Roboto"/>
-                <a:ea typeface="Roboto"/>
-                <a:cs typeface="Roboto"/>
-                <a:sym typeface="Roboto"/>
-              </a:defRPr>
-            </a:lvl8pPr>
-            <a:lvl9pPr marL="4114800" marR="0" lvl="8" indent="-355600" algn="l" rtl="0">
-              <a:lnSpc>
-                <a:spcPct val="100000"/>
-              </a:lnSpc>
-              <a:spcBef>
-                <a:spcPts val="600"/>
-              </a:spcBef>
-              <a:spcAft>
-                <a:spcPts val="0"/>
-              </a:spcAft>
-              <a:buClr>
-                <a:srgbClr val="000000"/>
-              </a:buClr>
-              <a:buSzPts val="2000"/>
-              <a:buFont typeface="Roboto"/>
-              <a:buChar char="•"/>
-              <a:defRPr sz="2000" b="0" i="0" u="none" strike="noStrike" cap="none">
-                <a:solidFill>
-                  <a:srgbClr val="000000"/>
-                </a:solidFill>
-                <a:latin typeface="Roboto"/>
-                <a:ea typeface="Roboto"/>
-                <a:cs typeface="Roboto"/>
-                <a:sym typeface="Roboto"/>
-              </a:defRPr>
-            </a:lvl9pPr>
-          </a:lstStyle>
-          <a:p>
-            <a:endParaRPr/>
-          </a:p>
-        </p:txBody>
-      </p:sp>
-      <p:sp>
-        <p:nvSpPr>
-          <p:cNvPr id="53" name="Google Shape;53;p13"/>
-          <p:cNvSpPr txBox="1">
-            <a:spLocks noGrp="1"/>
-          </p:cNvSpPr>
-          <p:nvPr>
-            <p:ph type="sldNum" idx="12"/>
-          </p:nvPr>
-        </p:nvSpPr>
-        <p:spPr>
-          <a:xfrm>
-            <a:off x="4419600" y="4627562"/>
-            <a:ext cx="2133600" cy="279401"/>
-          </a:xfrm>
-          <a:prstGeom prst="rect">
-            <a:avLst/>
-          </a:prstGeom>
-          <a:noFill/>
-          <a:ln>
-            <a:noFill/>
-          </a:ln>
-        </p:spPr>
-        <p:txBody>
-          <a:bodyPr spcFirstLastPara="1" wrap="square" lIns="45700" tIns="45700" rIns="45700" bIns="45700" anchor="ctr" anchorCtr="0">
-            <a:spAutoFit/>
-          </a:bodyPr>
-          <a:lstStyle>
-            <a:lvl1pPr marL="0" marR="0" lvl="0" indent="0" algn="r" rtl="0">
-              <a:lnSpc>
-                <a:spcPct val="100000"/>
-              </a:lnSpc>
-              <a:spcBef>
-                <a:spcPts val="0"/>
-              </a:spcBef>
-              <a:spcAft>
-                <a:spcPts val="0"/>
-              </a:spcAft>
-              <a:buClr>
-                <a:srgbClr val="000000"/>
-              </a:buClr>
-              <a:buSzPts val="1200"/>
-              <a:buFont typeface="Arial"/>
-              <a:buNone/>
-              <a:defRPr sz="1200" b="0" i="0" u="none" strike="noStrike" cap="none">
-                <a:solidFill>
-                  <a:srgbClr val="000000"/>
-                </a:solidFill>
-                <a:latin typeface="Arial"/>
-                <a:ea typeface="Arial"/>
-                <a:cs typeface="Arial"/>
-                <a:sym typeface="Arial"/>
-              </a:defRPr>
-            </a:lvl1pPr>
-            <a:lvl2pPr marL="0" marR="0" lvl="1" indent="0" algn="r" rtl="0">
-              <a:lnSpc>
-                <a:spcPct val="100000"/>
-              </a:lnSpc>
-              <a:spcBef>
-                <a:spcPts val="0"/>
-              </a:spcBef>
-              <a:spcAft>
-                <a:spcPts val="0"/>
-              </a:spcAft>
-              <a:buClr>
-                <a:srgbClr val="000000"/>
-              </a:buClr>
-              <a:buSzPts val="1200"/>
-              <a:buFont typeface="Arial"/>
-              <a:buNone/>
-              <a:defRPr sz="1200" b="0" i="0" u="none" strike="noStrike" cap="none">
-                <a:solidFill>
-                  <a:srgbClr val="000000"/>
-                </a:solidFill>
-                <a:latin typeface="Arial"/>
-                <a:ea typeface="Arial"/>
-                <a:cs typeface="Arial"/>
-                <a:sym typeface="Arial"/>
-              </a:defRPr>
-            </a:lvl2pPr>
-            <a:lvl3pPr marL="0" marR="0" lvl="2" indent="0" algn="r" rtl="0">
-              <a:lnSpc>
-                <a:spcPct val="100000"/>
-              </a:lnSpc>
-              <a:spcBef>
-                <a:spcPts val="0"/>
-              </a:spcBef>
-              <a:spcAft>
-                <a:spcPts val="0"/>
-              </a:spcAft>
-              <a:buClr>
-                <a:srgbClr val="000000"/>
-              </a:buClr>
-              <a:buSzPts val="1200"/>
-              <a:buFont typeface="Arial"/>
-              <a:buNone/>
-              <a:defRPr sz="1200" b="0" i="0" u="none" strike="noStrike" cap="none">
-                <a:solidFill>
-                  <a:srgbClr val="000000"/>
-                </a:solidFill>
-                <a:latin typeface="Arial"/>
-                <a:ea typeface="Arial"/>
-                <a:cs typeface="Arial"/>
-                <a:sym typeface="Arial"/>
-              </a:defRPr>
-            </a:lvl3pPr>
-            <a:lvl4pPr marL="0" marR="0" lvl="3" indent="0" algn="r" rtl="0">
-              <a:lnSpc>
-                <a:spcPct val="100000"/>
-              </a:lnSpc>
-              <a:spcBef>
-                <a:spcPts val="0"/>
-              </a:spcBef>
-              <a:spcAft>
-                <a:spcPts val="0"/>
-              </a:spcAft>
-              <a:buClr>
-                <a:srgbClr val="000000"/>
-              </a:buClr>
-              <a:buSzPts val="1200"/>
-              <a:buFont typeface="Arial"/>
-              <a:buNone/>
-              <a:defRPr sz="1200" b="0" i="0" u="none" strike="noStrike" cap="none">
-                <a:solidFill>
-                  <a:srgbClr val="000000"/>
-                </a:solidFill>
-                <a:latin typeface="Arial"/>
-                <a:ea typeface="Arial"/>
-                <a:cs typeface="Arial"/>
-                <a:sym typeface="Arial"/>
-              </a:defRPr>
-            </a:lvl4pPr>
-            <a:lvl5pPr marL="0" marR="0" lvl="4" indent="0" algn="r" rtl="0">
-              <a:lnSpc>
-                <a:spcPct val="100000"/>
-              </a:lnSpc>
-              <a:spcBef>
-                <a:spcPts val="0"/>
-              </a:spcBef>
-              <a:spcAft>
-                <a:spcPts val="0"/>
-              </a:spcAft>
-              <a:buClr>
-                <a:srgbClr val="000000"/>
-              </a:buClr>
-              <a:buSzPts val="1200"/>
-              <a:buFont typeface="Arial"/>
-              <a:buNone/>
-              <a:defRPr sz="1200" b="0" i="0" u="none" strike="noStrike" cap="none">
-                <a:solidFill>
-                  <a:srgbClr val="000000"/>
-                </a:solidFill>
-                <a:latin typeface="Arial"/>
-                <a:ea typeface="Arial"/>
-                <a:cs typeface="Arial"/>
-                <a:sym typeface="Arial"/>
-              </a:defRPr>
-            </a:lvl5pPr>
-            <a:lvl6pPr marL="0" marR="0" lvl="5" indent="0" algn="r" rtl="0">
-              <a:lnSpc>
-                <a:spcPct val="100000"/>
-              </a:lnSpc>
-              <a:spcBef>
-                <a:spcPts val="0"/>
-              </a:spcBef>
-              <a:spcAft>
-                <a:spcPts val="0"/>
-              </a:spcAft>
-              <a:buClr>
-                <a:srgbClr val="000000"/>
-              </a:buClr>
-              <a:buSzPts val="1200"/>
-              <a:buFont typeface="Arial"/>
-              <a:buNone/>
-              <a:defRPr sz="1200" b="0" i="0" u="none" strike="noStrike" cap="none">
-                <a:solidFill>
-                  <a:srgbClr val="000000"/>
-                </a:solidFill>
-                <a:latin typeface="Arial"/>
-                <a:ea typeface="Arial"/>
-                <a:cs typeface="Arial"/>
-                <a:sym typeface="Arial"/>
-              </a:defRPr>
-            </a:lvl6pPr>
-            <a:lvl7pPr marL="0" marR="0" lvl="6" indent="0" algn="r" rtl="0">
-              <a:lnSpc>
-                <a:spcPct val="100000"/>
-              </a:lnSpc>
-              <a:spcBef>
-                <a:spcPts val="0"/>
-              </a:spcBef>
-              <a:spcAft>
-                <a:spcPts val="0"/>
-              </a:spcAft>
-              <a:buClr>
-                <a:srgbClr val="000000"/>
-              </a:buClr>
-              <a:buSzPts val="1200"/>
-              <a:buFont typeface="Arial"/>
-              <a:buNone/>
-              <a:defRPr sz="1200" b="0" i="0" u="none" strike="noStrike" cap="none">
-                <a:solidFill>
-                  <a:srgbClr val="000000"/>
-                </a:solidFill>
-                <a:latin typeface="Arial"/>
-                <a:ea typeface="Arial"/>
-                <a:cs typeface="Arial"/>
-                <a:sym typeface="Arial"/>
-              </a:defRPr>
-            </a:lvl7pPr>
-            <a:lvl8pPr marL="0" marR="0" lvl="7" indent="0" algn="r" rtl="0">
-              <a:lnSpc>
-                <a:spcPct val="100000"/>
-              </a:lnSpc>
-              <a:spcBef>
-                <a:spcPts val="0"/>
-              </a:spcBef>
-              <a:spcAft>
-                <a:spcPts val="0"/>
-              </a:spcAft>
-              <a:buClr>
-                <a:srgbClr val="000000"/>
-              </a:buClr>
-              <a:buSzPts val="1200"/>
-              <a:buFont typeface="Arial"/>
-              <a:buNone/>
-              <a:defRPr sz="1200" b="0" i="0" u="none" strike="noStrike" cap="none">
-                <a:solidFill>
-                  <a:srgbClr val="000000"/>
-                </a:solidFill>
-                <a:latin typeface="Arial"/>
-                <a:ea typeface="Arial"/>
-                <a:cs typeface="Arial"/>
-                <a:sym typeface="Arial"/>
-              </a:defRPr>
-            </a:lvl8pPr>
-            <a:lvl9pPr marL="0" marR="0" lvl="8" indent="0" algn="r" rtl="0">
-              <a:lnSpc>
-                <a:spcPct val="100000"/>
-              </a:lnSpc>
-              <a:spcBef>
-                <a:spcPts val="0"/>
-              </a:spcBef>
-              <a:spcAft>
-                <a:spcPts val="0"/>
-              </a:spcAft>
-              <a:buClr>
-                <a:srgbClr val="000000"/>
-              </a:buClr>
-              <a:buSzPts val="1200"/>
-              <a:buFont typeface="Arial"/>
-              <a:buNone/>
-              <a:defRPr sz="1200" b="0" i="0" u="none" strike="noStrike" cap="none">
-                <a:solidFill>
-                  <a:srgbClr val="000000"/>
-                </a:solidFill>
-                <a:latin typeface="Arial"/>
-                <a:ea typeface="Arial"/>
-                <a:cs typeface="Arial"/>
-                <a:sym typeface="Arial"/>
-              </a:defRPr>
-            </a:lvl9pPr>
-          </a:lstStyle>
-          <a:p>
-            <a:pPr marL="0" lvl="0" indent="0" algn="r" rtl="0">
-              <a:spcBef>
-                <a:spcPts val="0"/>
-              </a:spcBef>
-              <a:spcAft>
-                <a:spcPts val="0"/>
-              </a:spcAft>
-              <a:buNone/>
-            </a:pPr>
-            <a:fld id="{00000000-1234-1234-1234-123412341234}" type="slidenum">
-              <a:rPr lang="en"/>
+            <a:fld id="{1753B86B-9A98-4AC8-880D-575287ABF4E2}" type="slidenum">
+              <a:rPr lang="en-US" smtClean="0"/>
               <a:t>‹#›</a:t>
             </a:fld>
-            <a:endParaRPr/>
+            <a:endParaRPr lang="en-US"/>
           </a:p>
         </p:txBody>
       </p:sp>
@@ -8756,7 +7873,6 @@
     <p:sldLayoutId id="2147483660" r:id="rId1"/>
     <p:sldLayoutId id="2147483661" r:id="rId2"/>
     <p:sldLayoutId id="2147483662" r:id="rId3"/>
-    <p:sldLayoutId id="2147483663" r:id="rId4"/>
   </p:sldLayoutIdLst>
   <p:hf sldNum="0" hdr="0" ftr="0" dt="0"/>
   <p:txStyles>
@@ -8786,13 +7902,13 @@
           <a:srgbClr val="000000"/>
         </a:buClr>
         <a:buFont typeface="Arial"/>
-        <a:defRPr sz="1400" b="0" i="0" u="none" strike="noStrike" cap="none">
+        <a:defRPr sz="3200" b="0" i="0" u="none" strike="noStrike" cap="none">
           <a:solidFill>
             <a:srgbClr val="000000"/>
           </a:solidFill>
-          <a:latin typeface="Arial"/>
-          <a:ea typeface="Arial"/>
-          <a:cs typeface="Arial"/>
+          <a:latin typeface="Calibri" panose="020F0502020204030204" pitchFamily="34" charset="0"/>
+          <a:ea typeface="Calibri" panose="020F0502020204030204" pitchFamily="34" charset="0"/>
+          <a:cs typeface="Calibri" panose="020F0502020204030204" pitchFamily="34" charset="0"/>
           <a:sym typeface="Arial"/>
         </a:defRPr>
       </a:lvl1pPr>
@@ -9001,7 +8117,7 @@
           <a:spcPts val="0"/>
         </a:spcAft>
       </a:defPPr>
-      <a:lvl1pPr marR="0" lvl="0" algn="l" rtl="0">
+      <a:lvl1pPr marL="285750" marR="0" lvl="0" indent="-285750" algn="l" rtl="0">
         <a:lnSpc>
           <a:spcPct val="100000"/>
         </a:lnSpc>
@@ -9014,18 +8130,19 @@
         <a:buClr>
           <a:srgbClr val="000000"/>
         </a:buClr>
-        <a:buFont typeface="Arial"/>
+        <a:buFont typeface="Arial" panose="020B0604020202020204" pitchFamily="34" charset="0"/>
+        <a:buChar char="•"/>
         <a:defRPr sz="1400" b="0" i="0" u="none" strike="noStrike" cap="none">
           <a:solidFill>
             <a:srgbClr val="000000"/>
           </a:solidFill>
-          <a:latin typeface="Arial"/>
-          <a:ea typeface="Arial"/>
-          <a:cs typeface="Arial"/>
+          <a:latin typeface="Calibri" panose="020F0502020204030204" pitchFamily="34" charset="0"/>
+          <a:ea typeface="Calibri" panose="020F0502020204030204" pitchFamily="34" charset="0"/>
+          <a:cs typeface="Calibri" panose="020F0502020204030204" pitchFamily="34" charset="0"/>
           <a:sym typeface="Arial"/>
         </a:defRPr>
       </a:lvl1pPr>
-      <a:lvl2pPr marR="0" lvl="1" algn="l" rtl="0">
+      <a:lvl2pPr marL="571500" marR="0" lvl="1" indent="-285750" algn="l" rtl="0">
         <a:lnSpc>
           <a:spcPct val="100000"/>
         </a:lnSpc>
@@ -9038,18 +8155,19 @@
         <a:buClr>
           <a:srgbClr val="000000"/>
         </a:buClr>
-        <a:buFont typeface="Arial"/>
+        <a:buFont typeface="Arial" panose="020B0604020202020204" pitchFamily="34" charset="0"/>
+        <a:buChar char="•"/>
         <a:defRPr sz="1400" b="0" i="0" u="none" strike="noStrike" cap="none">
           <a:solidFill>
             <a:srgbClr val="000000"/>
           </a:solidFill>
-          <a:latin typeface="Arial"/>
-          <a:ea typeface="Arial"/>
-          <a:cs typeface="Arial"/>
+          <a:latin typeface="Calibri" panose="020F0502020204030204" pitchFamily="34" charset="0"/>
+          <a:ea typeface="Calibri" panose="020F0502020204030204" pitchFamily="34" charset="0"/>
+          <a:cs typeface="Calibri" panose="020F0502020204030204" pitchFamily="34" charset="0"/>
           <a:sym typeface="Arial"/>
         </a:defRPr>
       </a:lvl2pPr>
-      <a:lvl3pPr marR="0" lvl="2" algn="l" rtl="0">
+      <a:lvl3pPr marL="860425" marR="0" lvl="2" indent="-285750" algn="l" rtl="0">
         <a:lnSpc>
           <a:spcPct val="100000"/>
         </a:lnSpc>
@@ -9062,18 +8180,19 @@
         <a:buClr>
           <a:srgbClr val="000000"/>
         </a:buClr>
-        <a:buFont typeface="Arial"/>
+        <a:buFont typeface="Arial" panose="020B0604020202020204" pitchFamily="34" charset="0"/>
+        <a:buChar char="•"/>
         <a:defRPr sz="1400" b="0" i="0" u="none" strike="noStrike" cap="none">
           <a:solidFill>
             <a:srgbClr val="000000"/>
           </a:solidFill>
-          <a:latin typeface="Arial"/>
-          <a:ea typeface="Arial"/>
-          <a:cs typeface="Arial"/>
+          <a:latin typeface="Calibri" panose="020F0502020204030204" pitchFamily="34" charset="0"/>
+          <a:ea typeface="Calibri" panose="020F0502020204030204" pitchFamily="34" charset="0"/>
+          <a:cs typeface="Calibri" panose="020F0502020204030204" pitchFamily="34" charset="0"/>
           <a:sym typeface="Arial"/>
         </a:defRPr>
       </a:lvl3pPr>
-      <a:lvl4pPr marR="0" lvl="3" algn="l" rtl="0">
+      <a:lvl4pPr marL="1257300" marR="0" lvl="3" indent="-285750" algn="l" rtl="0">
         <a:lnSpc>
           <a:spcPct val="100000"/>
         </a:lnSpc>
@@ -9086,18 +8205,19 @@
         <a:buClr>
           <a:srgbClr val="000000"/>
         </a:buClr>
-        <a:buFont typeface="Arial"/>
+        <a:buFont typeface="Arial" panose="020B0604020202020204" pitchFamily="34" charset="0"/>
+        <a:buChar char="•"/>
         <a:defRPr sz="1400" b="0" i="0" u="none" strike="noStrike" cap="none">
           <a:solidFill>
             <a:srgbClr val="000000"/>
           </a:solidFill>
-          <a:latin typeface="Arial"/>
-          <a:ea typeface="Arial"/>
-          <a:cs typeface="Arial"/>
+          <a:latin typeface="Calibri" panose="020F0502020204030204" pitchFamily="34" charset="0"/>
+          <a:ea typeface="Calibri" panose="020F0502020204030204" pitchFamily="34" charset="0"/>
+          <a:cs typeface="Calibri" panose="020F0502020204030204" pitchFamily="34" charset="0"/>
           <a:sym typeface="Arial"/>
         </a:defRPr>
       </a:lvl4pPr>
-      <a:lvl5pPr marR="0" lvl="4" algn="l" rtl="0">
+      <a:lvl5pPr marL="1600200" marR="0" lvl="4" indent="-285750" algn="l" rtl="0">
         <a:lnSpc>
           <a:spcPct val="100000"/>
         </a:lnSpc>
@@ -9110,14 +8230,15 @@
         <a:buClr>
           <a:srgbClr val="000000"/>
         </a:buClr>
-        <a:buFont typeface="Arial"/>
+        <a:buFont typeface="Arial" panose="020B0604020202020204" pitchFamily="34" charset="0"/>
+        <a:buChar char="•"/>
         <a:defRPr sz="1400" b="0" i="0" u="none" strike="noStrike" cap="none">
           <a:solidFill>
             <a:srgbClr val="000000"/>
           </a:solidFill>
-          <a:latin typeface="Arial"/>
-          <a:ea typeface="Arial"/>
-          <a:cs typeface="Arial"/>
+          <a:latin typeface="Calibri" panose="020F0502020204030204" pitchFamily="34" charset="0"/>
+          <a:ea typeface="Calibri" panose="020F0502020204030204" pitchFamily="34" charset="0"/>
+          <a:cs typeface="Calibri" panose="020F0502020204030204" pitchFamily="34" charset="0"/>
           <a:sym typeface="Arial"/>
         </a:defRPr>
       </a:lvl5pPr>
@@ -9515,19 +8636,12 @@
               <a:buNone/>
             </a:pPr>
             <a:r>
-              <a:rPr lang="en" sz="3600" dirty="0"/>
-              <a:t>SUBMERGED</a:t>
+              <a:rPr lang="en" sz="3600"/>
+              <a:t>Awards </a:t>
             </a:r>
             <a:r>
-              <a:rPr lang="en" sz="3600" baseline="30000" dirty="0"/>
-              <a:t>SM</a:t>
-            </a:r>
-            <a:br>
               <a:rPr lang="en" sz="3600" dirty="0"/>
-            </a:br>
-            <a:r>
-              <a:rPr lang="en" sz="3600" dirty="0"/>
-              <a:t>Awards Ceremony</a:t>
+              <a:t>Ceremony</a:t>
             </a:r>
             <a:endParaRPr sz="3600" dirty="0"/>
           </a:p>
@@ -9899,47 +9013,13 @@
           <a:lstStyle/>
           <a:p>
             <a:r>
-              <a:rPr lang="en-US" dirty="0"/>
+              <a:rPr lang="en-US"/>
               <a:t>T-Shirt Design Winner</a:t>
             </a:r>
+            <a:endParaRPr lang="en-US" dirty="0"/>
           </a:p>
         </p:txBody>
       </p:sp>
-      <p:pic>
-        <p:nvPicPr>
-          <p:cNvPr id="5" name="Picture 4">
-            <a:extLst>
-              <a:ext uri="{FF2B5EF4-FFF2-40B4-BE49-F238E27FC236}">
-                <a16:creationId xmlns:a16="http://schemas.microsoft.com/office/drawing/2014/main" id="{7CE04B72-2BA1-4604-359B-8D5898B010AC}"/>
-              </a:ext>
-            </a:extLst>
-          </p:cNvPr>
-          <p:cNvPicPr>
-            <a:picLocks noChangeAspect="1"/>
-          </p:cNvPicPr>
-          <p:nvPr/>
-        </p:nvPicPr>
-        <p:blipFill>
-          <a:blip r:embed="rId2" cstate="print">
-            <a:extLst>
-              <a:ext uri="{28A0092B-C50C-407E-A947-70E740481C1C}">
-                <a14:useLocalDpi xmlns:a14="http://schemas.microsoft.com/office/drawing/2010/main"/>
-              </a:ext>
-            </a:extLst>
-          </a:blip>
-          <a:srcRect t="7739" b="16247"/>
-          <a:stretch/>
-        </p:blipFill>
-        <p:spPr>
-          <a:xfrm>
-            <a:off x="4721013" y="0"/>
-            <a:ext cx="4422987" cy="4350546"/>
-          </a:xfrm>
-          <a:prstGeom prst="rect">
-            <a:avLst/>
-          </a:prstGeom>
-        </p:spPr>
-      </p:pic>
       <p:sp>
         <p:nvSpPr>
           <p:cNvPr id="3" name="Text Placeholder 2">
@@ -9964,121 +9044,165 @@
         </p:spPr>
         <p:txBody>
           <a:bodyPr>
-            <a:normAutofit fontScale="92500" lnSpcReduction="20000"/>
+            <a:normAutofit/>
           </a:bodyPr>
           <a:lstStyle/>
           <a:p>
             <a:pPr marL="228600" indent="0"/>
             <a:r>
-              <a:rPr lang="en-US" dirty="0"/>
+              <a:rPr lang="en-US" dirty="0">
+                <a:latin typeface="Calibri" panose="020F0502020204030204" pitchFamily="34" charset="0"/>
+                <a:ea typeface="Calibri" panose="020F0502020204030204" pitchFamily="34" charset="0"/>
+                <a:cs typeface="Calibri" panose="020F0502020204030204" pitchFamily="34" charset="0"/>
+              </a:rPr>
               <a:t>We asked teams to enter a T-Shirt Design</a:t>
             </a:r>
             <a:br>
-              <a:rPr lang="en-US" dirty="0"/>
+              <a:rPr lang="en-US" dirty="0">
+                <a:latin typeface="Calibri" panose="020F0502020204030204" pitchFamily="34" charset="0"/>
+                <a:ea typeface="Calibri" panose="020F0502020204030204" pitchFamily="34" charset="0"/>
+                <a:cs typeface="Calibri" panose="020F0502020204030204" pitchFamily="34" charset="0"/>
+              </a:rPr>
             </a:br>
             <a:r>
-              <a:rPr lang="en-US" dirty="0"/>
+              <a:rPr lang="en-US" dirty="0">
+                <a:latin typeface="Calibri" panose="020F0502020204030204" pitchFamily="34" charset="0"/>
+                <a:ea typeface="Calibri" panose="020F0502020204030204" pitchFamily="34" charset="0"/>
+                <a:cs typeface="Calibri" panose="020F0502020204030204" pitchFamily="34" charset="0"/>
+              </a:rPr>
               <a:t>for the Regional Championship…</a:t>
             </a:r>
             <a:br>
-              <a:rPr lang="en-US" dirty="0"/>
+              <a:rPr lang="en-US" dirty="0">
+                <a:latin typeface="Calibri" panose="020F0502020204030204" pitchFamily="34" charset="0"/>
+                <a:ea typeface="Calibri" panose="020F0502020204030204" pitchFamily="34" charset="0"/>
+                <a:cs typeface="Calibri" panose="020F0502020204030204" pitchFamily="34" charset="0"/>
+              </a:rPr>
             </a:br>
-            <a:endParaRPr lang="en-US" dirty="0"/>
-          </a:p>
-          <a:p>
-            <a:pPr marL="228600" indent="0"/>
-            <a:r>
-              <a:rPr lang="en-US" dirty="0"/>
-              <a:t>This season’s winner is</a:t>
-            </a:r>
-          </a:p>
-          <a:p>
-            <a:pPr marL="228600" indent="0"/>
-            <a:endParaRPr lang="en-US" dirty="0"/>
-          </a:p>
-          <a:p>
-            <a:pPr algn="ctr">
-              <a:lnSpc>
-                <a:spcPts val="1500"/>
-              </a:lnSpc>
-              <a:spcBef>
-                <a:spcPts val="900"/>
-              </a:spcBef>
-              <a:spcAft>
-                <a:spcPts val="900"/>
-              </a:spcAft>
-            </a:pPr>
-            <a:r>
-              <a:rPr lang="en-US" sz="3900" b="1" i="0" dirty="0">
-                <a:solidFill>
-                  <a:srgbClr val="202124"/>
-                </a:solidFill>
-                <a:effectLst/>
-                <a:latin typeface="Roboto" panose="020B0604020202020204" charset="0"/>
-              </a:rPr>
-              <a:t>Doc Bots (66269)</a:t>
-            </a:r>
+            <a:endParaRPr lang="en-US" dirty="0">
+              <a:latin typeface="Calibri" panose="020F0502020204030204" pitchFamily="34" charset="0"/>
+              <a:ea typeface="Calibri" panose="020F0502020204030204" pitchFamily="34" charset="0"/>
+              <a:cs typeface="Calibri" panose="020F0502020204030204" pitchFamily="34" charset="0"/>
+            </a:endParaRPr>
           </a:p>
           <a:p>
             <a:pPr marL="228600" indent="0"/>
             <a:r>
               <a:rPr lang="en-US" dirty="0">
-                <a:latin typeface="Roboto" panose="020B0604020202020204" charset="0"/>
-                <a:ea typeface="Roboto" panose="020B0604020202020204" charset="0"/>
+                <a:latin typeface="Calibri" panose="020F0502020204030204" pitchFamily="34" charset="0"/>
+                <a:ea typeface="Calibri" panose="020F0502020204030204" pitchFamily="34" charset="0"/>
+                <a:cs typeface="Calibri" panose="020F0502020204030204" pitchFamily="34" charset="0"/>
+              </a:rPr>
+              <a:t>This season’s winner is</a:t>
+            </a:r>
+          </a:p>
+          <a:p>
+            <a:pPr marL="228600" indent="0"/>
+            <a:endParaRPr lang="en-US" dirty="0">
+              <a:latin typeface="Calibri" panose="020F0502020204030204" pitchFamily="34" charset="0"/>
+              <a:ea typeface="Calibri" panose="020F0502020204030204" pitchFamily="34" charset="0"/>
+              <a:cs typeface="Calibri" panose="020F0502020204030204" pitchFamily="34" charset="0"/>
+            </a:endParaRPr>
+          </a:p>
+          <a:p>
+            <a:pPr algn="ctr">
+              <a:lnSpc>
+                <a:spcPts val="1500"/>
+              </a:lnSpc>
+              <a:spcBef>
+                <a:spcPts val="900"/>
+              </a:spcBef>
+              <a:spcAft>
+                <a:spcPts val="900"/>
+              </a:spcAft>
+            </a:pPr>
+            <a:r>
+              <a:rPr lang="en-US" sz="4000" b="1" dirty="0"/>
+              <a:t>{</a:t>
+            </a:r>
+            <a:r>
+              <a:rPr lang="en" sz="4000" b="1" dirty="0"/>
+              <a:t>T-Shirt Award}</a:t>
+            </a:r>
+            <a:endParaRPr lang="en-US" sz="3900" b="1" i="0" dirty="0">
+              <a:solidFill>
+                <a:srgbClr val="202124"/>
+              </a:solidFill>
+              <a:effectLst/>
+              <a:latin typeface="Calibri" panose="020F0502020204030204" pitchFamily="34" charset="0"/>
+              <a:ea typeface="Calibri" panose="020F0502020204030204" pitchFamily="34" charset="0"/>
+              <a:cs typeface="Calibri" panose="020F0502020204030204" pitchFamily="34" charset="0"/>
+            </a:endParaRPr>
+          </a:p>
+          <a:p>
+            <a:pPr marL="228600" indent="0"/>
+            <a:r>
+              <a:rPr lang="en-US" dirty="0">
+                <a:latin typeface="Calibri" panose="020F0502020204030204" pitchFamily="34" charset="0"/>
+                <a:ea typeface="Calibri" panose="020F0502020204030204" pitchFamily="34" charset="0"/>
+                <a:cs typeface="Calibri" panose="020F0502020204030204" pitchFamily="34" charset="0"/>
               </a:rPr>
               <a:t>The team wins an invitation to the</a:t>
             </a:r>
             <a:br>
               <a:rPr lang="en-US" dirty="0">
-                <a:latin typeface="Roboto" panose="020B0604020202020204" charset="0"/>
-                <a:ea typeface="Roboto" panose="020B0604020202020204" charset="0"/>
+                <a:latin typeface="Calibri" panose="020F0502020204030204" pitchFamily="34" charset="0"/>
+                <a:ea typeface="Calibri" panose="020F0502020204030204" pitchFamily="34" charset="0"/>
+                <a:cs typeface="Calibri" panose="020F0502020204030204" pitchFamily="34" charset="0"/>
               </a:rPr>
             </a:br>
             <a:r>
               <a:rPr lang="en-US" dirty="0">
-                <a:latin typeface="Roboto" panose="020B0604020202020204" charset="0"/>
-                <a:ea typeface="Roboto" panose="020B0604020202020204" charset="0"/>
+                <a:latin typeface="Calibri" panose="020F0502020204030204" pitchFamily="34" charset="0"/>
+                <a:ea typeface="Calibri" panose="020F0502020204030204" pitchFamily="34" charset="0"/>
+                <a:cs typeface="Calibri" panose="020F0502020204030204" pitchFamily="34" charset="0"/>
               </a:rPr>
               <a:t>Regional Championship,</a:t>
             </a:r>
             <a:br>
               <a:rPr lang="en-US" dirty="0">
-                <a:latin typeface="Roboto" panose="020B0604020202020204" charset="0"/>
-                <a:ea typeface="Roboto" panose="020B0604020202020204" charset="0"/>
+                <a:latin typeface="Calibri" panose="020F0502020204030204" pitchFamily="34" charset="0"/>
+                <a:ea typeface="Calibri" panose="020F0502020204030204" pitchFamily="34" charset="0"/>
+                <a:cs typeface="Calibri" panose="020F0502020204030204" pitchFamily="34" charset="0"/>
               </a:rPr>
             </a:br>
             <a:r>
               <a:rPr lang="en-US" dirty="0">
-                <a:latin typeface="Roboto" panose="020B0604020202020204" charset="0"/>
-                <a:ea typeface="Roboto" panose="020B0604020202020204" charset="0"/>
+                <a:latin typeface="Calibri" panose="020F0502020204030204" pitchFamily="34" charset="0"/>
+                <a:ea typeface="Calibri" panose="020F0502020204030204" pitchFamily="34" charset="0"/>
+                <a:cs typeface="Calibri" panose="020F0502020204030204" pitchFamily="34" charset="0"/>
               </a:rPr>
               <a:t>Friday/Saturday January 17</a:t>
             </a:r>
             <a:r>
               <a:rPr lang="en-US" baseline="30000" dirty="0">
-                <a:latin typeface="Roboto" panose="020B0604020202020204" charset="0"/>
-                <a:ea typeface="Roboto" panose="020B0604020202020204" charset="0"/>
+                <a:latin typeface="Calibri" panose="020F0502020204030204" pitchFamily="34" charset="0"/>
+                <a:ea typeface="Calibri" panose="020F0502020204030204" pitchFamily="34" charset="0"/>
+                <a:cs typeface="Calibri" panose="020F0502020204030204" pitchFamily="34" charset="0"/>
               </a:rPr>
               <a:t>th</a:t>
             </a:r>
             <a:r>
               <a:rPr lang="en-US" dirty="0">
-                <a:latin typeface="Roboto" panose="020B0604020202020204" charset="0"/>
-                <a:ea typeface="Roboto" panose="020B0604020202020204" charset="0"/>
+                <a:latin typeface="Calibri" panose="020F0502020204030204" pitchFamily="34" charset="0"/>
+                <a:ea typeface="Calibri" panose="020F0502020204030204" pitchFamily="34" charset="0"/>
+                <a:cs typeface="Calibri" panose="020F0502020204030204" pitchFamily="34" charset="0"/>
               </a:rPr>
               <a:t> &amp; 18</a:t>
             </a:r>
             <a:r>
               <a:rPr lang="en-US" baseline="30000" dirty="0">
-                <a:latin typeface="Roboto" panose="020B0604020202020204" charset="0"/>
-                <a:ea typeface="Roboto" panose="020B0604020202020204" charset="0"/>
+                <a:latin typeface="Calibri" panose="020F0502020204030204" pitchFamily="34" charset="0"/>
+                <a:ea typeface="Calibri" panose="020F0502020204030204" pitchFamily="34" charset="0"/>
+                <a:cs typeface="Calibri" panose="020F0502020204030204" pitchFamily="34" charset="0"/>
               </a:rPr>
               <a:t>th</a:t>
             </a:r>
             <a:br>
               <a:rPr lang="en-US" dirty="0">
-                <a:latin typeface="Roboto" panose="020B0604020202020204" charset="0"/>
-                <a:ea typeface="Roboto" panose="020B0604020202020204" charset="0"/>
+                <a:latin typeface="Calibri" panose="020F0502020204030204" pitchFamily="34" charset="0"/>
+                <a:ea typeface="Calibri" panose="020F0502020204030204" pitchFamily="34" charset="0"/>
+                <a:cs typeface="Calibri" panose="020F0502020204030204" pitchFamily="34" charset="0"/>
               </a:rPr>
             </a:br>
             <a:r>
@@ -10087,14 +9211,16 @@
                   <a:srgbClr val="202124"/>
                 </a:solidFill>
                 <a:effectLst/>
-                <a:latin typeface="Roboto" panose="020B0604020202020204" charset="0"/>
-                <a:ea typeface="Roboto" panose="020B0604020202020204" charset="0"/>
+                <a:latin typeface="Calibri" panose="020F0502020204030204" pitchFamily="34" charset="0"/>
+                <a:ea typeface="Calibri" panose="020F0502020204030204" pitchFamily="34" charset="0"/>
+                <a:cs typeface="Calibri" panose="020F0502020204030204" pitchFamily="34" charset="0"/>
               </a:rPr>
               <a:t>Legacy Park Multipurpose Center in Alachua, Florida</a:t>
             </a:r>
             <a:endParaRPr lang="en-US" sz="1200" dirty="0">
-              <a:latin typeface="Roboto" panose="020B0604020202020204" charset="0"/>
-              <a:ea typeface="Roboto" panose="020B0604020202020204" charset="0"/>
+              <a:latin typeface="Calibri" panose="020F0502020204030204" pitchFamily="34" charset="0"/>
+              <a:ea typeface="Calibri" panose="020F0502020204030204" pitchFamily="34" charset="0"/>
+              <a:cs typeface="Calibri" panose="020F0502020204030204" pitchFamily="34" charset="0"/>
             </a:endParaRPr>
           </a:p>
         </p:txBody>
@@ -13728,7 +12854,7 @@
           </a:bodyPr>
           <a:lstStyle/>
           <a:p>
-            <a:pPr marL="0" lvl="0" indent="0" algn="ctr" rtl="0">
+            <a:pPr marL="0" lvl="0" indent="0" rtl="0">
               <a:lnSpc>
                 <a:spcPct val="100000"/>
               </a:lnSpc>
@@ -13751,39 +12877,22 @@
                   <a:schemeClr val="lt1"/>
                 </a:highlight>
               </a:rPr>
-              <a:t>5 Teams will receive bids to advance to the Northeast Florida Regional Championship on January 17</a:t>
+              <a:t>Five Teams will receive bids to advance to the</a:t>
             </a:r>
-            <a:r>
-              <a:rPr lang="en" sz="2360" baseline="30000" dirty="0">
+            <a:br>
+              <a:rPr lang="en" sz="2360" dirty="0">
                 <a:highlight>
                   <a:schemeClr val="lt1"/>
                 </a:highlight>
               </a:rPr>
-              <a:t>th</a:t>
-            </a:r>
+            </a:br>
             <a:r>
               <a:rPr lang="en" sz="2360" dirty="0">
                 <a:highlight>
                   <a:schemeClr val="lt1"/>
                 </a:highlight>
               </a:rPr>
-              <a:t> &amp; 18</a:t>
-            </a:r>
-            <a:r>
-              <a:rPr lang="en" sz="2360" baseline="30000" dirty="0">
-                <a:highlight>
-                  <a:schemeClr val="lt1"/>
-                </a:highlight>
-              </a:rPr>
-              <a:t>th</a:t>
-            </a:r>
-            <a:r>
-              <a:rPr lang="en" sz="2360" dirty="0">
-                <a:highlight>
-                  <a:schemeClr val="lt1"/>
-                </a:highlight>
-              </a:rPr>
-              <a:t> 2025 TODAY!</a:t>
+              <a:t>Northeast Florida Regional Championship TODAY!</a:t>
             </a:r>
             <a:endParaRPr sz="2360" dirty="0">
               <a:highlight>
@@ -13793,29 +12902,20 @@
           </a:p>
         </p:txBody>
       </p:sp>
-      <p:pic>
-        <p:nvPicPr>
-          <p:cNvPr id="224" name="Google Shape;224;p42"/>
-          <p:cNvPicPr preferRelativeResize="0"/>
-          <p:nvPr/>
-        </p:nvPicPr>
-        <p:blipFill>
-          <a:blip r:embed="rId3" cstate="print">
-            <a:alphaModFix/>
-            <a:extLst>
-              <a:ext uri="{28A0092B-C50C-407E-A947-70E740481C1C}">
-                <a14:useLocalDpi xmlns:a14="http://schemas.microsoft.com/office/drawing/2010/main"/>
-              </a:ext>
-            </a:extLst>
-          </a:blip>
-          <a:stretch>
-            <a:fillRect/>
-          </a:stretch>
-        </p:blipFill>
-        <p:spPr>
-          <a:xfrm>
-            <a:off x="188650" y="-429825"/>
-            <a:ext cx="2066600" cy="2066600"/>
+      <p:sp>
+        <p:nvSpPr>
+          <p:cNvPr id="225" name="Google Shape;225;p42"/>
+          <p:cNvSpPr txBox="1">
+            <a:spLocks noGrp="1"/>
+          </p:cNvSpPr>
+          <p:nvPr>
+            <p:ph type="title"/>
+          </p:nvPr>
+        </p:nvSpPr>
+        <p:spPr>
+          <a:xfrm>
+            <a:off x="318850" y="251850"/>
+            <a:ext cx="8473401" cy="609600"/>
           </a:xfrm>
           <a:prstGeom prst="rect">
             <a:avLst/>
@@ -13825,37 +12925,13 @@
             <a:noFill/>
           </a:ln>
         </p:spPr>
-      </p:pic>
-      <p:sp>
-        <p:nvSpPr>
-          <p:cNvPr id="225" name="Google Shape;225;p42"/>
-          <p:cNvSpPr txBox="1">
-            <a:spLocks noGrp="1"/>
-          </p:cNvSpPr>
-          <p:nvPr>
-            <p:ph type="title"/>
-          </p:nvPr>
-        </p:nvSpPr>
-        <p:spPr>
-          <a:xfrm>
-            <a:off x="2255251" y="251850"/>
-            <a:ext cx="6537000" cy="609600"/>
-          </a:xfrm>
-          <a:prstGeom prst="rect">
-            <a:avLst/>
-          </a:prstGeom>
-          <a:noFill/>
-          <a:ln>
-            <a:noFill/>
-          </a:ln>
-        </p:spPr>
         <p:txBody>
           <a:bodyPr spcFirstLastPara="1" wrap="square" lIns="0" tIns="0" rIns="0" bIns="0" anchor="ctr" anchorCtr="0">
             <a:normAutofit/>
           </a:bodyPr>
           <a:lstStyle/>
           <a:p>
-            <a:pPr marL="0" lvl="0" indent="0" algn="ctr" rtl="0">
+            <a:pPr marL="0" lvl="0" indent="0" rtl="0">
               <a:lnSpc>
                 <a:spcPct val="100000"/>
               </a:lnSpc>
@@ -13873,10 +12949,10 @@
               <a:buNone/>
             </a:pPr>
             <a:r>
-              <a:rPr lang="en" sz="3600"/>
+              <a:rPr lang="en" sz="3600" dirty="0"/>
               <a:t>Team ADVANCEMENTS</a:t>
             </a:r>
-            <a:endParaRPr sz="3600"/>
+            <a:endParaRPr sz="3600" dirty="0"/>
           </a:p>
         </p:txBody>
       </p:sp>
@@ -13892,8 +12968,8 @@
         </p:nvSpPr>
         <p:spPr>
           <a:xfrm>
-            <a:off x="142500" y="2380300"/>
-            <a:ext cx="8859000" cy="1709100"/>
+            <a:off x="318850" y="2380300"/>
+            <a:ext cx="8682650" cy="1709100"/>
           </a:xfrm>
           <a:prstGeom prst="rect">
             <a:avLst/>
@@ -13934,23 +13010,7 @@
                   <a:schemeClr val="lt1"/>
                 </a:highlight>
               </a:rPr>
-              <a:t>From Regionals, 23 Teams will advance to the FLORIDA STATE CHAMPIONSHIP FEBRUARY 8</a:t>
-            </a:r>
-            <a:r>
-              <a:rPr lang="en" sz="1500" baseline="30000" dirty="0">
-                <a:highlight>
-                  <a:schemeClr val="lt1"/>
-                </a:highlight>
-              </a:rPr>
-              <a:t>TH</a:t>
-            </a:r>
-            <a:r>
-              <a:rPr lang="en" sz="1500" dirty="0">
-                <a:highlight>
-                  <a:schemeClr val="lt1"/>
-                </a:highlight>
-              </a:rPr>
-              <a:t> 2025</a:t>
+              <a:t>From Regionals, 23 Teams will advance to the FLORIDA STATE CHAMPIONSHIP</a:t>
             </a:r>
             <a:endParaRPr sz="1500" dirty="0">
               <a:highlight>
@@ -14057,7 +13117,7 @@
                 <a:cs typeface="Roboto Condensed"/>
                 <a:sym typeface="Roboto Condensed"/>
               </a:rPr>
-              <a:t>2 Teams will advance to World Festival in Houston April 16th - 19th 2025</a:t>
+              <a:t>2 Teams will advance to World Festival in Houston</a:t>
             </a:r>
             <a:endParaRPr sz="1500" dirty="0">
               <a:solidFill>
@@ -14100,7 +13160,7 @@
                 <a:cs typeface="Roboto Condensed"/>
                 <a:sym typeface="Roboto Condensed"/>
               </a:rPr>
-              <a:t>1 Team will advance to the Open Africa Championship in South Africa May 7 - 9 2025</a:t>
+              <a:t>1 Team will advance to the Open Africa Championship in South Africa</a:t>
             </a:r>
             <a:endParaRPr sz="1500" dirty="0">
               <a:solidFill>
@@ -14143,7 +13203,7 @@
                 <a:cs typeface="Roboto Condensed"/>
                 <a:sym typeface="Roboto Condensed"/>
               </a:rPr>
-              <a:t>1 Team will advance to Western Edge Open in California May 30 - June 1 205</a:t>
+              <a:t>1 Team will advance to Western Edge Open in California</a:t>
             </a:r>
             <a:endParaRPr sz="1500" dirty="0">
               <a:solidFill>
@@ -14186,7 +13246,7 @@
                 <a:cs typeface="Roboto Condensed"/>
                 <a:sym typeface="Roboto Condensed"/>
               </a:rPr>
-              <a:t>5 Teams will advance to Florida Sunshine Invitiational in Daytona FL (1 guaranteed NEFL bid) June 24-28 2025</a:t>
+              <a:t>5 Teams will advance to Florida Sunshine Invitiational in Daytona FL (1 guaranteed NEFL bid)</a:t>
             </a:r>
             <a:endParaRPr sz="1500" dirty="0">
               <a:solidFill>
@@ -14486,34 +13546,6 @@
           </a:p>
         </p:txBody>
       </p:sp>
-      <p:pic>
-        <p:nvPicPr>
-          <p:cNvPr id="235" name="Google Shape;235;p43"/>
-          <p:cNvPicPr preferRelativeResize="0"/>
-          <p:nvPr/>
-        </p:nvPicPr>
-        <p:blipFill>
-          <a:blip r:embed="rId3">
-            <a:alphaModFix/>
-          </a:blip>
-          <a:stretch>
-            <a:fillRect/>
-          </a:stretch>
-        </p:blipFill>
-        <p:spPr>
-          <a:xfrm>
-            <a:off x="201225" y="829750"/>
-            <a:ext cx="2396925" cy="2396925"/>
-          </a:xfrm>
-          <a:prstGeom prst="rect">
-            <a:avLst/>
-          </a:prstGeom>
-          <a:noFill/>
-          <a:ln>
-            <a:noFill/>
-          </a:ln>
-        </p:spPr>
-      </p:pic>
       <p:sp>
         <p:nvSpPr>
           <p:cNvPr id="236" name="Google Shape;236;p43"/>
@@ -15539,10 +14571,10 @@
               <a:buNone/>
             </a:pPr>
             <a:r>
-              <a:rPr lang="en" sz="3600"/>
-              <a:t>Thank you to our Volunteers!!!!!</a:t>
+              <a:rPr lang="en" sz="3600" dirty="0"/>
+              <a:t>Thank you to our Volunteers!</a:t>
             </a:r>
-            <a:endParaRPr sz="3600"/>
+            <a:endParaRPr sz="3600" dirty="0"/>
           </a:p>
         </p:txBody>
       </p:sp>

--- a/Api/Templates/Awards Ceremony - Full.pptx
+++ b/Api/Templates/Awards Ceremony - Full.pptx
@@ -611,7 +611,7 @@
   <pc:docChgLst>
     <pc:chgData name="Brady Merkel" userId="077b44faa59125c6" providerId="LiveId" clId="{E242539A-166A-43D6-9CE7-B9B986C889D9}"/>
     <pc:docChg chg="undo custSel delSld modSld modMainMaster">
-      <pc:chgData name="Brady Merkel" userId="077b44faa59125c6" providerId="LiveId" clId="{E242539A-166A-43D6-9CE7-B9B986C889D9}" dt="2025-06-01T14:22:05.219" v="169" actId="6549"/>
+      <pc:chgData name="Brady Merkel" userId="077b44faa59125c6" providerId="LiveId" clId="{E242539A-166A-43D6-9CE7-B9B986C889D9}" dt="2025-06-01T14:36:04.103" v="184" actId="403"/>
       <pc:docMkLst>
         <pc:docMk/>
       </pc:docMkLst>
@@ -784,8 +784,39 @@
           </ac:picMkLst>
         </pc:picChg>
       </pc:sldChg>
+      <pc:sldChg chg="delSp modSp mod modClrScheme chgLayout">
+        <pc:chgData name="Brady Merkel" userId="077b44faa59125c6" providerId="LiveId" clId="{E242539A-166A-43D6-9CE7-B9B986C889D9}" dt="2025-06-01T14:36:04.103" v="184" actId="403"/>
+        <pc:sldMkLst>
+          <pc:docMk/>
+          <pc:sldMk cId="0" sldId="306"/>
+        </pc:sldMkLst>
+        <pc:spChg chg="mod ord">
+          <ac:chgData name="Brady Merkel" userId="077b44faa59125c6" providerId="LiveId" clId="{E242539A-166A-43D6-9CE7-B9B986C889D9}" dt="2025-06-01T14:35:56.922" v="176" actId="700"/>
+          <ac:spMkLst>
+            <pc:docMk/>
+            <pc:sldMk cId="0" sldId="306"/>
+            <ac:spMk id="255" creationId="{00000000-0000-0000-0000-000000000000}"/>
+          </ac:spMkLst>
+        </pc:spChg>
+        <pc:spChg chg="mod ord">
+          <ac:chgData name="Brady Merkel" userId="077b44faa59125c6" providerId="LiveId" clId="{E242539A-166A-43D6-9CE7-B9B986C889D9}" dt="2025-06-01T14:36:04.103" v="184" actId="403"/>
+          <ac:spMkLst>
+            <pc:docMk/>
+            <pc:sldMk cId="0" sldId="306"/>
+            <ac:spMk id="256" creationId="{00000000-0000-0000-0000-000000000000}"/>
+          </ac:spMkLst>
+        </pc:spChg>
+        <pc:picChg chg="del">
+          <ac:chgData name="Brady Merkel" userId="077b44faa59125c6" providerId="LiveId" clId="{E242539A-166A-43D6-9CE7-B9B986C889D9}" dt="2025-06-01T14:35:47.114" v="175" actId="478"/>
+          <ac:picMkLst>
+            <pc:docMk/>
+            <pc:sldMk cId="0" sldId="306"/>
+            <ac:picMk id="257" creationId="{00000000-0000-0000-0000-000000000000}"/>
+          </ac:picMkLst>
+        </pc:picChg>
+      </pc:sldChg>
       <pc:sldMasterChg chg="modSp mod setBg delSldLayout modSldLayout">
-        <pc:chgData name="Brady Merkel" userId="077b44faa59125c6" providerId="LiveId" clId="{E242539A-166A-43D6-9CE7-B9B986C889D9}" dt="2025-06-01T14:18:39.099" v="76" actId="179"/>
+        <pc:chgData name="Brady Merkel" userId="077b44faa59125c6" providerId="LiveId" clId="{E242539A-166A-43D6-9CE7-B9B986C889D9}" dt="2025-06-01T14:34:30.287" v="174" actId="1076"/>
         <pc:sldMasterMkLst>
           <pc:docMk/>
           <pc:sldMasterMk cId="0" sldId="2147483665"/>
@@ -908,8 +939,8 @@
             </ac:spMkLst>
           </pc:spChg>
         </pc:sldLayoutChg>
-        <pc:sldLayoutChg chg="modSp setBg">
-          <pc:chgData name="Brady Merkel" userId="077b44faa59125c6" providerId="LiveId" clId="{E242539A-166A-43D6-9CE7-B9B986C889D9}" dt="2025-06-01T14:12:19.405" v="43" actId="2711"/>
+        <pc:sldLayoutChg chg="addSp delSp modSp mod setBg">
+          <pc:chgData name="Brady Merkel" userId="077b44faa59125c6" providerId="LiveId" clId="{E242539A-166A-43D6-9CE7-B9B986C889D9}" dt="2025-06-01T14:34:30.287" v="174" actId="1076"/>
           <pc:sldLayoutMkLst>
             <pc:docMk/>
             <pc:sldMasterMk cId="0" sldId="2147483665"/>
@@ -942,6 +973,24 @@
               <ac:spMk id="67" creationId="{00000000-0000-0000-0000-000000000000}"/>
             </ac:spMkLst>
           </pc:spChg>
+          <pc:picChg chg="add del mod">
+            <ac:chgData name="Brady Merkel" userId="077b44faa59125c6" providerId="LiveId" clId="{E242539A-166A-43D6-9CE7-B9B986C889D9}" dt="2025-06-01T14:34:30.287" v="174" actId="1076"/>
+            <ac:picMkLst>
+              <pc:docMk/>
+              <pc:sldMasterMk cId="0" sldId="2147483665"/>
+              <pc:sldLayoutMk cId="0" sldId="2147483662"/>
+              <ac:picMk id="2" creationId="{EFC8FCB6-7086-E6D6-03CF-7DDAD3F33552}"/>
+            </ac:picMkLst>
+          </pc:picChg>
+          <pc:picChg chg="del">
+            <ac:chgData name="Brady Merkel" userId="077b44faa59125c6" providerId="LiveId" clId="{E242539A-166A-43D6-9CE7-B9B986C889D9}" dt="2025-06-01T14:34:25.567" v="173" actId="478"/>
+            <ac:picMkLst>
+              <pc:docMk/>
+              <pc:sldMasterMk cId="0" sldId="2147483665"/>
+              <pc:sldLayoutMk cId="0" sldId="2147483662"/>
+              <ac:picMk id="97" creationId="{00000000-0000-0000-0000-000000000000}"/>
+            </ac:picMkLst>
+          </pc:picChg>
         </pc:sldLayoutChg>
         <pc:sldLayoutChg chg="setBg">
           <pc:chgData name="Brady Merkel" userId="077b44faa59125c6" providerId="LiveId" clId="{E242539A-166A-43D6-9CE7-B9B986C889D9}" dt="2025-03-23T23:33:36.938" v="10"/>
@@ -6169,7 +6218,7 @@
             </a:lvl9pPr>
           </a:lstStyle>
           <a:p>
-            <a:endParaRPr/>
+            <a:endParaRPr dirty="0"/>
           </a:p>
         </p:txBody>
       </p:sp>
@@ -7651,34 +7700,38 @@
       </p:sp>
       <p:pic>
         <p:nvPicPr>
-          <p:cNvPr id="97" name="Google Shape;97;p23"/>
-          <p:cNvPicPr preferRelativeResize="0"/>
+          <p:cNvPr id="2" name="Graphic 1">
+            <a:extLst>
+              <a:ext uri="{FF2B5EF4-FFF2-40B4-BE49-F238E27FC236}">
+                <a16:creationId xmlns:a16="http://schemas.microsoft.com/office/drawing/2014/main" id="{EFC8FCB6-7086-E6D6-03CF-7DDAD3F33552}"/>
+              </a:ext>
+            </a:extLst>
+          </p:cNvPr>
+          <p:cNvPicPr>
+            <a:picLocks noChangeAspect="1"/>
+          </p:cNvPicPr>
           <p:nvPr userDrawn="1"/>
         </p:nvPicPr>
         <p:blipFill>
-          <a:blip r:embed="rId2" cstate="print">
-            <a:alphaModFix/>
+          <a:blip r:embed="rId2">
             <a:extLst>
-              <a:ext uri="{28A0092B-C50C-407E-A947-70E740481C1C}">
-                <a14:useLocalDpi xmlns:a14="http://schemas.microsoft.com/office/drawing/2010/main"/>
+              <a:ext uri="{96DAC541-7B7A-43D3-8B79-37D633B846F1}">
+                <asvg:svgBlip xmlns:asvg="http://schemas.microsoft.com/office/drawing/2016/SVG/main" r:embed="rId3"/>
               </a:ext>
             </a:extLst>
           </a:blip>
-          <a:srcRect/>
-          <a:stretch/>
+          <a:stretch>
+            <a:fillRect/>
+          </a:stretch>
         </p:blipFill>
         <p:spPr>
           <a:xfrm>
-            <a:off x="3910425" y="4362450"/>
-            <a:ext cx="1323150" cy="698500"/>
+            <a:off x="3878142" y="4404419"/>
+            <a:ext cx="1387716" cy="629480"/>
           </a:xfrm>
           <a:prstGeom prst="rect">
             <a:avLst/>
           </a:prstGeom>
-          <a:noFill/>
-          <a:ln>
-            <a:noFill/>
-          </a:ln>
         </p:spPr>
       </p:pic>
     </p:spTree>
@@ -14144,10 +14197,6 @@
           </p:nvPr>
         </p:nvSpPr>
         <p:spPr>
-          <a:xfrm>
-            <a:off x="301710" y="773024"/>
-            <a:ext cx="8460900" cy="654300"/>
-          </a:xfrm>
           <a:prstGeom prst="rect">
             <a:avLst/>
           </a:prstGeom>
@@ -14206,10 +14255,6 @@
           </p:nvPr>
         </p:nvSpPr>
         <p:spPr>
-          <a:xfrm>
-            <a:off x="301711" y="1427350"/>
-            <a:ext cx="8460900" cy="360300"/>
-          </a:xfrm>
           <a:prstGeom prst="rect">
             <a:avLst/>
           </a:prstGeom>
@@ -14242,41 +14287,13 @@
               <a:buNone/>
             </a:pPr>
             <a:r>
-              <a:rPr lang="en"/>
+              <a:rPr lang="en" sz="4000" dirty="0"/>
               <a:t>We hope to see you at the</a:t>
             </a:r>
-            <a:endParaRPr/>
+            <a:endParaRPr sz="4000" dirty="0"/>
           </a:p>
         </p:txBody>
       </p:sp>
-      <p:pic>
-        <p:nvPicPr>
-          <p:cNvPr id="257" name="Google Shape;257;p45"/>
-          <p:cNvPicPr preferRelativeResize="0"/>
-          <p:nvPr/>
-        </p:nvPicPr>
-        <p:blipFill>
-          <a:blip r:embed="rId3">
-            <a:alphaModFix/>
-          </a:blip>
-          <a:stretch>
-            <a:fillRect/>
-          </a:stretch>
-        </p:blipFill>
-        <p:spPr>
-          <a:xfrm>
-            <a:off x="3319350" y="3089475"/>
-            <a:ext cx="2255900" cy="2255900"/>
-          </a:xfrm>
-          <a:prstGeom prst="rect">
-            <a:avLst/>
-          </a:prstGeom>
-          <a:noFill/>
-          <a:ln>
-            <a:noFill/>
-          </a:ln>
-        </p:spPr>
-      </p:pic>
       <p:sp>
         <p:nvSpPr>
           <p:cNvPr id="258" name="Google Shape;258;p45"/>
